--- a/React.pptx
+++ b/React.pptx
@@ -5,7 +5,7 @@
     <p:sldMasterId id="2147483648" r:id="rId1"/>
   </p:sldMasterIdLst>
   <p:notesMasterIdLst>
-    <p:notesMasterId r:id="rId9"/>
+    <p:notesMasterId r:id="rId13"/>
   </p:notesMasterIdLst>
   <p:sldIdLst>
     <p:sldId id="256" r:id="rId2"/>
@@ -14,7 +14,11 @@
     <p:sldId id="311" r:id="rId5"/>
     <p:sldId id="310" r:id="rId6"/>
     <p:sldId id="309" r:id="rId7"/>
-    <p:sldId id="306" r:id="rId8"/>
+    <p:sldId id="315" r:id="rId8"/>
+    <p:sldId id="312" r:id="rId9"/>
+    <p:sldId id="313" r:id="rId10"/>
+    <p:sldId id="314" r:id="rId11"/>
+    <p:sldId id="306" r:id="rId12"/>
   </p:sldIdLst>
   <p:sldSz cx="12192000" cy="6858000"/>
   <p:notesSz cx="6858000" cy="9144000"/>
@@ -203,7 +207,7 @@
           <a:p>
             <a:fld id="{94D3EB41-CF60-4C9F-BD83-AE56FA0945EB}" type="datetimeFigureOut">
               <a:rPr lang="pt-BR" smtClean="0"/>
-              <a:t>02/09/2020</a:t>
+              <a:t>03/09/2020</a:t>
             </a:fld>
             <a:endParaRPr lang="pt-BR"/>
           </a:p>
@@ -554,6 +558,174 @@
 </p:notes>
 </file>
 
+<file path=ppt/notesSlides/notesSlide10.xml><?xml version="1.0" encoding="utf-8"?>
+<p:notes xmlns:a="http://schemas.openxmlformats.org/drawingml/2006/main" xmlns:r="http://schemas.openxmlformats.org/officeDocument/2006/relationships" xmlns:p="http://schemas.openxmlformats.org/presentationml/2006/main">
+  <p:cSld>
+    <p:spTree>
+      <p:nvGrpSpPr>
+        <p:cNvPr id="1" name=""/>
+        <p:cNvGrpSpPr/>
+        <p:nvPr/>
+      </p:nvGrpSpPr>
+      <p:grpSpPr>
+        <a:xfrm>
+          <a:off x="0" y="0"/>
+          <a:ext cx="0" cy="0"/>
+          <a:chOff x="0" y="0"/>
+          <a:chExt cx="0" cy="0"/>
+        </a:xfrm>
+      </p:grpSpPr>
+      <p:sp>
+        <p:nvSpPr>
+          <p:cNvPr id="2" name="Slide Image Placeholder 1"/>
+          <p:cNvSpPr>
+            <a:spLocks noGrp="1" noRot="1" noChangeAspect="1"/>
+          </p:cNvSpPr>
+          <p:nvPr>
+            <p:ph type="sldImg"/>
+          </p:nvPr>
+        </p:nvSpPr>
+        <p:spPr/>
+      </p:sp>
+      <p:sp>
+        <p:nvSpPr>
+          <p:cNvPr id="3" name="Notes Placeholder 2"/>
+          <p:cNvSpPr>
+            <a:spLocks noGrp="1"/>
+          </p:cNvSpPr>
+          <p:nvPr>
+            <p:ph type="body" idx="1"/>
+          </p:nvPr>
+        </p:nvSpPr>
+        <p:spPr/>
+        <p:txBody>
+          <a:bodyPr/>
+          <a:lstStyle/>
+          <a:p>
+            <a:endParaRPr lang="en-US" dirty="0"/>
+          </a:p>
+        </p:txBody>
+      </p:sp>
+      <p:sp>
+        <p:nvSpPr>
+          <p:cNvPr id="4" name="Slide Number Placeholder 3"/>
+          <p:cNvSpPr>
+            <a:spLocks noGrp="1"/>
+          </p:cNvSpPr>
+          <p:nvPr>
+            <p:ph type="sldNum" sz="quarter" idx="5"/>
+          </p:nvPr>
+        </p:nvSpPr>
+        <p:spPr/>
+        <p:txBody>
+          <a:bodyPr/>
+          <a:lstStyle/>
+          <a:p>
+            <a:fld id="{020F486D-935E-4125-8FD7-C735663CC7DE}" type="slidenum">
+              <a:rPr lang="pt-BR" smtClean="0"/>
+              <a:t>10</a:t>
+            </a:fld>
+            <a:endParaRPr lang="pt-BR"/>
+          </a:p>
+        </p:txBody>
+      </p:sp>
+    </p:spTree>
+    <p:extLst>
+      <p:ext uri="{BB962C8B-B14F-4D97-AF65-F5344CB8AC3E}">
+        <p14:creationId xmlns:p14="http://schemas.microsoft.com/office/powerpoint/2010/main" val="1288282786"/>
+      </p:ext>
+    </p:extLst>
+  </p:cSld>
+  <p:clrMapOvr>
+    <a:masterClrMapping/>
+  </p:clrMapOvr>
+</p:notes>
+</file>
+
+<file path=ppt/notesSlides/notesSlide11.xml><?xml version="1.0" encoding="utf-8"?>
+<p:notes xmlns:a="http://schemas.openxmlformats.org/drawingml/2006/main" xmlns:r="http://schemas.openxmlformats.org/officeDocument/2006/relationships" xmlns:p="http://schemas.openxmlformats.org/presentationml/2006/main">
+  <p:cSld>
+    <p:spTree>
+      <p:nvGrpSpPr>
+        <p:cNvPr id="1" name=""/>
+        <p:cNvGrpSpPr/>
+        <p:nvPr/>
+      </p:nvGrpSpPr>
+      <p:grpSpPr>
+        <a:xfrm>
+          <a:off x="0" y="0"/>
+          <a:ext cx="0" cy="0"/>
+          <a:chOff x="0" y="0"/>
+          <a:chExt cx="0" cy="0"/>
+        </a:xfrm>
+      </p:grpSpPr>
+      <p:sp>
+        <p:nvSpPr>
+          <p:cNvPr id="2" name="Slide Image Placeholder 1"/>
+          <p:cNvSpPr>
+            <a:spLocks noGrp="1" noRot="1" noChangeAspect="1"/>
+          </p:cNvSpPr>
+          <p:nvPr>
+            <p:ph type="sldImg"/>
+          </p:nvPr>
+        </p:nvSpPr>
+        <p:spPr/>
+      </p:sp>
+      <p:sp>
+        <p:nvSpPr>
+          <p:cNvPr id="3" name="Notes Placeholder 2"/>
+          <p:cNvSpPr>
+            <a:spLocks noGrp="1"/>
+          </p:cNvSpPr>
+          <p:nvPr>
+            <p:ph type="body" idx="1"/>
+          </p:nvPr>
+        </p:nvSpPr>
+        <p:spPr/>
+        <p:txBody>
+          <a:bodyPr/>
+          <a:lstStyle/>
+          <a:p>
+            <a:endParaRPr lang="en-US" dirty="0"/>
+          </a:p>
+        </p:txBody>
+      </p:sp>
+      <p:sp>
+        <p:nvSpPr>
+          <p:cNvPr id="4" name="Slide Number Placeholder 3"/>
+          <p:cNvSpPr>
+            <a:spLocks noGrp="1"/>
+          </p:cNvSpPr>
+          <p:nvPr>
+            <p:ph type="sldNum" sz="quarter" idx="5"/>
+          </p:nvPr>
+        </p:nvSpPr>
+        <p:spPr/>
+        <p:txBody>
+          <a:bodyPr/>
+          <a:lstStyle/>
+          <a:p>
+            <a:fld id="{020F486D-935E-4125-8FD7-C735663CC7DE}" type="slidenum">
+              <a:rPr lang="pt-BR" smtClean="0"/>
+              <a:t>11</a:t>
+            </a:fld>
+            <a:endParaRPr lang="pt-BR"/>
+          </a:p>
+        </p:txBody>
+      </p:sp>
+    </p:spTree>
+    <p:extLst>
+      <p:ext uri="{BB962C8B-B14F-4D97-AF65-F5344CB8AC3E}">
+        <p14:creationId xmlns:p14="http://schemas.microsoft.com/office/powerpoint/2010/main" val="639577057"/>
+      </p:ext>
+    </p:extLst>
+  </p:cSld>
+  <p:clrMapOvr>
+    <a:masterClrMapping/>
+  </p:clrMapOvr>
+</p:notes>
+</file>
+
 <file path=ppt/notesSlides/notesSlide2.xml><?xml version="1.0" encoding="utf-8"?>
 <p:notes xmlns:a="http://schemas.openxmlformats.org/drawingml/2006/main" xmlns:r="http://schemas.openxmlformats.org/officeDocument/2006/relationships" xmlns:p="http://schemas.openxmlformats.org/presentationml/2006/main">
   <p:cSld>
@@ -1048,7 +1220,175 @@
     </p:spTree>
     <p:extLst>
       <p:ext uri="{BB962C8B-B14F-4D97-AF65-F5344CB8AC3E}">
-        <p14:creationId xmlns:p14="http://schemas.microsoft.com/office/powerpoint/2010/main" val="639577057"/>
+        <p14:creationId xmlns:p14="http://schemas.microsoft.com/office/powerpoint/2010/main" val="3245192028"/>
+      </p:ext>
+    </p:extLst>
+  </p:cSld>
+  <p:clrMapOvr>
+    <a:masterClrMapping/>
+  </p:clrMapOvr>
+</p:notes>
+</file>
+
+<file path=ppt/notesSlides/notesSlide8.xml><?xml version="1.0" encoding="utf-8"?>
+<p:notes xmlns:a="http://schemas.openxmlformats.org/drawingml/2006/main" xmlns:r="http://schemas.openxmlformats.org/officeDocument/2006/relationships" xmlns:p="http://schemas.openxmlformats.org/presentationml/2006/main">
+  <p:cSld>
+    <p:spTree>
+      <p:nvGrpSpPr>
+        <p:cNvPr id="1" name=""/>
+        <p:cNvGrpSpPr/>
+        <p:nvPr/>
+      </p:nvGrpSpPr>
+      <p:grpSpPr>
+        <a:xfrm>
+          <a:off x="0" y="0"/>
+          <a:ext cx="0" cy="0"/>
+          <a:chOff x="0" y="0"/>
+          <a:chExt cx="0" cy="0"/>
+        </a:xfrm>
+      </p:grpSpPr>
+      <p:sp>
+        <p:nvSpPr>
+          <p:cNvPr id="2" name="Slide Image Placeholder 1"/>
+          <p:cNvSpPr>
+            <a:spLocks noGrp="1" noRot="1" noChangeAspect="1"/>
+          </p:cNvSpPr>
+          <p:nvPr>
+            <p:ph type="sldImg"/>
+          </p:nvPr>
+        </p:nvSpPr>
+        <p:spPr/>
+      </p:sp>
+      <p:sp>
+        <p:nvSpPr>
+          <p:cNvPr id="3" name="Notes Placeholder 2"/>
+          <p:cNvSpPr>
+            <a:spLocks noGrp="1"/>
+          </p:cNvSpPr>
+          <p:nvPr>
+            <p:ph type="body" idx="1"/>
+          </p:nvPr>
+        </p:nvSpPr>
+        <p:spPr/>
+        <p:txBody>
+          <a:bodyPr/>
+          <a:lstStyle/>
+          <a:p>
+            <a:endParaRPr lang="en-US" dirty="0"/>
+          </a:p>
+        </p:txBody>
+      </p:sp>
+      <p:sp>
+        <p:nvSpPr>
+          <p:cNvPr id="4" name="Slide Number Placeholder 3"/>
+          <p:cNvSpPr>
+            <a:spLocks noGrp="1"/>
+          </p:cNvSpPr>
+          <p:nvPr>
+            <p:ph type="sldNum" sz="quarter" idx="5"/>
+          </p:nvPr>
+        </p:nvSpPr>
+        <p:spPr/>
+        <p:txBody>
+          <a:bodyPr/>
+          <a:lstStyle/>
+          <a:p>
+            <a:fld id="{020F486D-935E-4125-8FD7-C735663CC7DE}" type="slidenum">
+              <a:rPr lang="pt-BR" smtClean="0"/>
+              <a:t>8</a:t>
+            </a:fld>
+            <a:endParaRPr lang="pt-BR"/>
+          </a:p>
+        </p:txBody>
+      </p:sp>
+    </p:spTree>
+    <p:extLst>
+      <p:ext uri="{BB962C8B-B14F-4D97-AF65-F5344CB8AC3E}">
+        <p14:creationId xmlns:p14="http://schemas.microsoft.com/office/powerpoint/2010/main" val="2933779963"/>
+      </p:ext>
+    </p:extLst>
+  </p:cSld>
+  <p:clrMapOvr>
+    <a:masterClrMapping/>
+  </p:clrMapOvr>
+</p:notes>
+</file>
+
+<file path=ppt/notesSlides/notesSlide9.xml><?xml version="1.0" encoding="utf-8"?>
+<p:notes xmlns:a="http://schemas.openxmlformats.org/drawingml/2006/main" xmlns:r="http://schemas.openxmlformats.org/officeDocument/2006/relationships" xmlns:p="http://schemas.openxmlformats.org/presentationml/2006/main">
+  <p:cSld>
+    <p:spTree>
+      <p:nvGrpSpPr>
+        <p:cNvPr id="1" name=""/>
+        <p:cNvGrpSpPr/>
+        <p:nvPr/>
+      </p:nvGrpSpPr>
+      <p:grpSpPr>
+        <a:xfrm>
+          <a:off x="0" y="0"/>
+          <a:ext cx="0" cy="0"/>
+          <a:chOff x="0" y="0"/>
+          <a:chExt cx="0" cy="0"/>
+        </a:xfrm>
+      </p:grpSpPr>
+      <p:sp>
+        <p:nvSpPr>
+          <p:cNvPr id="2" name="Slide Image Placeholder 1"/>
+          <p:cNvSpPr>
+            <a:spLocks noGrp="1" noRot="1" noChangeAspect="1"/>
+          </p:cNvSpPr>
+          <p:nvPr>
+            <p:ph type="sldImg"/>
+          </p:nvPr>
+        </p:nvSpPr>
+        <p:spPr/>
+      </p:sp>
+      <p:sp>
+        <p:nvSpPr>
+          <p:cNvPr id="3" name="Notes Placeholder 2"/>
+          <p:cNvSpPr>
+            <a:spLocks noGrp="1"/>
+          </p:cNvSpPr>
+          <p:nvPr>
+            <p:ph type="body" idx="1"/>
+          </p:nvPr>
+        </p:nvSpPr>
+        <p:spPr/>
+        <p:txBody>
+          <a:bodyPr/>
+          <a:lstStyle/>
+          <a:p>
+            <a:endParaRPr lang="en-US" dirty="0"/>
+          </a:p>
+        </p:txBody>
+      </p:sp>
+      <p:sp>
+        <p:nvSpPr>
+          <p:cNvPr id="4" name="Slide Number Placeholder 3"/>
+          <p:cNvSpPr>
+            <a:spLocks noGrp="1"/>
+          </p:cNvSpPr>
+          <p:nvPr>
+            <p:ph type="sldNum" sz="quarter" idx="5"/>
+          </p:nvPr>
+        </p:nvSpPr>
+        <p:spPr/>
+        <p:txBody>
+          <a:bodyPr/>
+          <a:lstStyle/>
+          <a:p>
+            <a:fld id="{020F486D-935E-4125-8FD7-C735663CC7DE}" type="slidenum">
+              <a:rPr lang="pt-BR" smtClean="0"/>
+              <a:t>9</a:t>
+            </a:fld>
+            <a:endParaRPr lang="pt-BR"/>
+          </a:p>
+        </p:txBody>
+      </p:sp>
+    </p:spTree>
+    <p:extLst>
+      <p:ext uri="{BB962C8B-B14F-4D97-AF65-F5344CB8AC3E}">
+        <p14:creationId xmlns:p14="http://schemas.microsoft.com/office/powerpoint/2010/main" val="39980967"/>
       </p:ext>
     </p:extLst>
   </p:cSld>
@@ -1217,7 +1557,7 @@
           <a:p>
             <a:fld id="{9642BF85-54FF-46CE-B398-87F998CFD60B}" type="datetimeFigureOut">
               <a:rPr lang="pt-BR" smtClean="0"/>
-              <a:t>02/09/2020</a:t>
+              <a:t>03/09/2020</a:t>
             </a:fld>
             <a:endParaRPr lang="pt-BR"/>
           </a:p>
@@ -1385,7 +1725,7 @@
           <a:p>
             <a:fld id="{9642BF85-54FF-46CE-B398-87F998CFD60B}" type="datetimeFigureOut">
               <a:rPr lang="pt-BR" smtClean="0"/>
-              <a:t>02/09/2020</a:t>
+              <a:t>03/09/2020</a:t>
             </a:fld>
             <a:endParaRPr lang="pt-BR"/>
           </a:p>
@@ -1563,7 +1903,7 @@
           <a:p>
             <a:fld id="{9642BF85-54FF-46CE-B398-87F998CFD60B}" type="datetimeFigureOut">
               <a:rPr lang="pt-BR" smtClean="0"/>
-              <a:t>02/09/2020</a:t>
+              <a:t>03/09/2020</a:t>
             </a:fld>
             <a:endParaRPr lang="pt-BR"/>
           </a:p>
@@ -1900,7 +2240,7 @@
           <a:p>
             <a:fld id="{9642BF85-54FF-46CE-B398-87F998CFD60B}" type="datetimeFigureOut">
               <a:rPr lang="pt-BR" smtClean="0"/>
-              <a:t>02/09/2020</a:t>
+              <a:t>03/09/2020</a:t>
             </a:fld>
             <a:endParaRPr lang="pt-BR"/>
           </a:p>
@@ -2171,7 +2511,7 @@
           <a:p>
             <a:fld id="{9642BF85-54FF-46CE-B398-87F998CFD60B}" type="datetimeFigureOut">
               <a:rPr lang="pt-BR" smtClean="0"/>
-              <a:t>02/09/2020</a:t>
+              <a:t>03/09/2020</a:t>
             </a:fld>
             <a:endParaRPr lang="pt-BR"/>
           </a:p>
@@ -2417,7 +2757,7 @@
           <a:p>
             <a:fld id="{9642BF85-54FF-46CE-B398-87F998CFD60B}" type="datetimeFigureOut">
               <a:rPr lang="pt-BR" smtClean="0"/>
-              <a:t>02/09/2020</a:t>
+              <a:t>03/09/2020</a:t>
             </a:fld>
             <a:endParaRPr lang="pt-BR"/>
           </a:p>
@@ -2781,7 +3121,7 @@
           <a:p>
             <a:fld id="{9642BF85-54FF-46CE-B398-87F998CFD60B}" type="datetimeFigureOut">
               <a:rPr lang="pt-BR" smtClean="0"/>
-              <a:t>02/09/2020</a:t>
+              <a:t>03/09/2020</a:t>
             </a:fld>
             <a:endParaRPr lang="pt-BR"/>
           </a:p>
@@ -2915,7 +3255,7 @@
           <a:p>
             <a:fld id="{9642BF85-54FF-46CE-B398-87F998CFD60B}" type="datetimeFigureOut">
               <a:rPr lang="pt-BR" smtClean="0"/>
-              <a:t>02/09/2020</a:t>
+              <a:t>03/09/2020</a:t>
             </a:fld>
             <a:endParaRPr lang="pt-BR"/>
           </a:p>
@@ -3010,7 +3350,7 @@
           <a:p>
             <a:fld id="{9642BF85-54FF-46CE-B398-87F998CFD60B}" type="datetimeFigureOut">
               <a:rPr lang="pt-BR" smtClean="0"/>
-              <a:t>02/09/2020</a:t>
+              <a:t>03/09/2020</a:t>
             </a:fld>
             <a:endParaRPr lang="pt-BR"/>
           </a:p>
@@ -3285,7 +3625,7 @@
           <a:p>
             <a:fld id="{9642BF85-54FF-46CE-B398-87F998CFD60B}" type="datetimeFigureOut">
               <a:rPr lang="pt-BR" smtClean="0"/>
-              <a:t>02/09/2020</a:t>
+              <a:t>03/09/2020</a:t>
             </a:fld>
             <a:endParaRPr lang="pt-BR"/>
           </a:p>
@@ -3537,7 +3877,7 @@
           <a:p>
             <a:fld id="{9642BF85-54FF-46CE-B398-87F998CFD60B}" type="datetimeFigureOut">
               <a:rPr lang="pt-BR" smtClean="0"/>
-              <a:t>02/09/2020</a:t>
+              <a:t>03/09/2020</a:t>
             </a:fld>
             <a:endParaRPr lang="pt-BR"/>
           </a:p>
@@ -3757,7 +4097,7 @@
           <a:p>
             <a:fld id="{9642BF85-54FF-46CE-B398-87F998CFD60B}" type="datetimeFigureOut">
               <a:rPr lang="pt-BR" smtClean="0"/>
-              <a:t>02/09/2020</a:t>
+              <a:t>03/09/2020</a:t>
             </a:fld>
             <a:endParaRPr lang="pt-BR"/>
           </a:p>
@@ -4259,6 +4599,205 @@
 </p:sld>
 </file>
 
+<file path=ppt/slides/slide10.xml><?xml version="1.0" encoding="utf-8"?>
+<p:sld xmlns:a="http://schemas.openxmlformats.org/drawingml/2006/main" xmlns:r="http://schemas.openxmlformats.org/officeDocument/2006/relationships" xmlns:p="http://schemas.openxmlformats.org/presentationml/2006/main">
+  <p:cSld>
+    <p:spTree>
+      <p:nvGrpSpPr>
+        <p:cNvPr id="1" name=""/>
+        <p:cNvGrpSpPr/>
+        <p:nvPr/>
+      </p:nvGrpSpPr>
+      <p:grpSpPr>
+        <a:xfrm>
+          <a:off x="0" y="0"/>
+          <a:ext cx="0" cy="0"/>
+          <a:chOff x="0" y="0"/>
+          <a:chExt cx="0" cy="0"/>
+        </a:xfrm>
+      </p:grpSpPr>
+      <p:sp>
+        <p:nvSpPr>
+          <p:cNvPr id="5" name="Título 4"/>
+          <p:cNvSpPr>
+            <a:spLocks noGrp="1"/>
+          </p:cNvSpPr>
+          <p:nvPr>
+            <p:ph type="title"/>
+          </p:nvPr>
+        </p:nvSpPr>
+        <p:spPr/>
+        <p:txBody>
+          <a:bodyPr/>
+          <a:lstStyle/>
+          <a:p>
+            <a:r>
+              <a:rPr lang="pt-BR" dirty="0"/>
+              <a:t>Encapsulamento</a:t>
+            </a:r>
+          </a:p>
+        </p:txBody>
+      </p:sp>
+      <p:pic>
+        <p:nvPicPr>
+          <p:cNvPr id="3074" name="Picture 2" descr="Imagem representando a taxonomia de animais. Nele, uma hierarquia com a classe &quot;Animal&quot;, que é o primeiro nível da hierarquia, com as classes &quot;Mamífero&quot; e &quot;Ave&quot; que herdam de &quot;Animal&quot; e, no último nível, as classes &quot;Cachorro&quot; e &quot;Homem&quot; herdando de &quot;Mamífero&quot; e &quot;Beija-flor&quot; herdando de &quot;Ave&quot;. Imagem encontrada no Google Imagens.">
+            <a:extLst>
+              <a:ext uri="{FF2B5EF4-FFF2-40B4-BE49-F238E27FC236}">
+                <a16:creationId xmlns:a16="http://schemas.microsoft.com/office/drawing/2014/main" id="{9F4011FE-2B60-4987-9333-A4341C9837E1}"/>
+              </a:ext>
+            </a:extLst>
+          </p:cNvPr>
+          <p:cNvPicPr>
+            <a:picLocks noChangeAspect="1" noChangeArrowheads="1"/>
+          </p:cNvPicPr>
+          <p:nvPr/>
+        </p:nvPicPr>
+        <p:blipFill>
+          <a:blip r:embed="rId3">
+            <a:extLst>
+              <a:ext uri="{28A0092B-C50C-407E-A947-70E740481C1C}">
+                <a14:useLocalDpi xmlns:a14="http://schemas.microsoft.com/office/drawing/2010/main" val="0"/>
+              </a:ext>
+            </a:extLst>
+          </a:blip>
+          <a:srcRect/>
+          <a:stretch>
+            <a:fillRect/>
+          </a:stretch>
+        </p:blipFill>
+        <p:spPr bwMode="auto">
+          <a:xfrm>
+            <a:off x="2812619" y="1387928"/>
+            <a:ext cx="6566762" cy="4149233"/>
+          </a:xfrm>
+          <a:prstGeom prst="rect">
+            <a:avLst/>
+          </a:prstGeom>
+          <a:noFill/>
+          <a:extLst>
+            <a:ext uri="{909E8E84-426E-40DD-AFC4-6F175D3DCCD1}">
+              <a14:hiddenFill xmlns:a14="http://schemas.microsoft.com/office/drawing/2010/main">
+                <a:solidFill>
+                  <a:srgbClr val="FFFFFF"/>
+                </a:solidFill>
+              </a14:hiddenFill>
+            </a:ext>
+          </a:extLst>
+        </p:spPr>
+      </p:pic>
+    </p:spTree>
+    <p:extLst>
+      <p:ext uri="{BB962C8B-B14F-4D97-AF65-F5344CB8AC3E}">
+        <p14:creationId xmlns:p14="http://schemas.microsoft.com/office/powerpoint/2010/main" val="534452594"/>
+      </p:ext>
+    </p:extLst>
+  </p:cSld>
+  <p:clrMapOvr>
+    <a:masterClrMapping/>
+  </p:clrMapOvr>
+</p:sld>
+</file>
+
+<file path=ppt/slides/slide11.xml><?xml version="1.0" encoding="utf-8"?>
+<p:sld xmlns:a="http://schemas.openxmlformats.org/drawingml/2006/main" xmlns:r="http://schemas.openxmlformats.org/officeDocument/2006/relationships" xmlns:p="http://schemas.openxmlformats.org/presentationml/2006/main">
+  <p:cSld>
+    <p:spTree>
+      <p:nvGrpSpPr>
+        <p:cNvPr id="1" name=""/>
+        <p:cNvGrpSpPr/>
+        <p:nvPr/>
+      </p:nvGrpSpPr>
+      <p:grpSpPr>
+        <a:xfrm>
+          <a:off x="0" y="0"/>
+          <a:ext cx="0" cy="0"/>
+          <a:chOff x="0" y="0"/>
+          <a:chExt cx="0" cy="0"/>
+        </a:xfrm>
+      </p:grpSpPr>
+      <p:sp>
+        <p:nvSpPr>
+          <p:cNvPr id="5" name="Título 4"/>
+          <p:cNvSpPr>
+            <a:spLocks noGrp="1"/>
+          </p:cNvSpPr>
+          <p:nvPr>
+            <p:ph type="title"/>
+          </p:nvPr>
+        </p:nvSpPr>
+        <p:spPr/>
+        <p:txBody>
+          <a:bodyPr/>
+          <a:lstStyle/>
+          <a:p>
+            <a:r>
+              <a:rPr lang="pt-BR" dirty="0"/>
+              <a:t>Referências</a:t>
+            </a:r>
+          </a:p>
+        </p:txBody>
+      </p:sp>
+      <p:sp>
+        <p:nvSpPr>
+          <p:cNvPr id="6" name="Espaço Reservado para Conteúdo 5"/>
+          <p:cNvSpPr>
+            <a:spLocks noGrp="1"/>
+          </p:cNvSpPr>
+          <p:nvPr>
+            <p:ph idx="1"/>
+          </p:nvPr>
+        </p:nvSpPr>
+        <p:spPr/>
+        <p:txBody>
+          <a:bodyPr>
+            <a:normAutofit/>
+          </a:bodyPr>
+          <a:lstStyle/>
+          <a:p>
+            <a:pPr marL="514350" indent="-514350" algn="l">
+              <a:buFont typeface="+mj-lt"/>
+              <a:buAutoNum type="arabicPeriod"/>
+            </a:pPr>
+            <a:r>
+              <a:rPr lang="pt-BR" dirty="0">
+                <a:hlinkClick r:id="rId3"/>
+              </a:rPr>
+              <a:t>https://www.alura.com.br/artigos/poo-programacao-orientada-a-objetos</a:t>
+            </a:r>
+            <a:endParaRPr lang="pt-BR" dirty="0"/>
+          </a:p>
+          <a:p>
+            <a:pPr marL="514350" indent="-514350" algn="l">
+              <a:buFont typeface="+mj-lt"/>
+              <a:buAutoNum type="arabicPeriod"/>
+            </a:pPr>
+            <a:r>
+              <a:rPr lang="pt-BR" dirty="0"/>
+              <a:t>https://www.devmedia.com.br/os-4-pilares-da-programacao-orientada-a-objetos/9264</a:t>
+            </a:r>
+          </a:p>
+          <a:p>
+            <a:pPr marL="514350" indent="-514350" algn="l">
+              <a:buFont typeface="+mj-lt"/>
+              <a:buAutoNum type="arabicPeriod"/>
+            </a:pPr>
+            <a:endParaRPr lang="pt-BR" dirty="0"/>
+          </a:p>
+        </p:txBody>
+      </p:sp>
+    </p:spTree>
+    <p:extLst>
+      <p:ext uri="{BB962C8B-B14F-4D97-AF65-F5344CB8AC3E}">
+        <p14:creationId xmlns:p14="http://schemas.microsoft.com/office/powerpoint/2010/main" val="2484064327"/>
+      </p:ext>
+    </p:extLst>
+  </p:cSld>
+  <p:clrMapOvr>
+    <a:masterClrMapping/>
+  </p:clrMapOvr>
+</p:sld>
+</file>
+
 <file path=ppt/slides/slide2.xml><?xml version="1.0" encoding="utf-8"?>
 <p:sld xmlns:a="http://schemas.openxmlformats.org/drawingml/2006/main" xmlns:r="http://schemas.openxmlformats.org/officeDocument/2006/relationships" xmlns:p="http://schemas.openxmlformats.org/presentationml/2006/main">
   <p:cSld>
@@ -4846,7 +5385,7 @@
           <a:p>
             <a:r>
               <a:rPr lang="pt-BR" dirty="0"/>
-              <a:t>Referências</a:t>
+              <a:t>Programação orientada a objetos</a:t>
             </a:r>
           </a:p>
         </p:txBody>
@@ -4868,18 +5407,224 @@
           </a:bodyPr>
           <a:lstStyle/>
           <a:p>
-            <a:pPr marL="514350" indent="-514350" algn="l">
-              <a:buFont typeface="+mj-lt"/>
-              <a:buAutoNum type="arabicPeriod"/>
-            </a:pPr>
-            <a:endParaRPr lang="pt-BR" dirty="0"/>
+            <a:r>
+              <a:rPr lang="pt-BR" dirty="0"/>
+              <a:t>É um estilo de programação que enfatiza os dados em detrimento das ações.</a:t>
+            </a:r>
+          </a:p>
+          <a:p>
+            <a:r>
+              <a:rPr lang="pt-BR" dirty="0"/>
+              <a:t>Seu foco principal está na transposição para um sistema de informação de um contexto específico do mundo real no qual existem objetos que interagem entre si e que possuem características, comportamentos e responsabilidades.</a:t>
+            </a:r>
+            <a:endParaRPr lang="pt-BR" b="1" dirty="0"/>
           </a:p>
         </p:txBody>
       </p:sp>
     </p:spTree>
     <p:extLst>
       <p:ext uri="{BB962C8B-B14F-4D97-AF65-F5344CB8AC3E}">
-        <p14:creationId xmlns:p14="http://schemas.microsoft.com/office/powerpoint/2010/main" val="2484064327"/>
+        <p14:creationId xmlns:p14="http://schemas.microsoft.com/office/powerpoint/2010/main" val="826133772"/>
+      </p:ext>
+    </p:extLst>
+  </p:cSld>
+  <p:clrMapOvr>
+    <a:masterClrMapping/>
+  </p:clrMapOvr>
+</p:sld>
+</file>
+
+<file path=ppt/slides/slide8.xml><?xml version="1.0" encoding="utf-8"?>
+<p:sld xmlns:a="http://schemas.openxmlformats.org/drawingml/2006/main" xmlns:r="http://schemas.openxmlformats.org/officeDocument/2006/relationships" xmlns:p="http://schemas.openxmlformats.org/presentationml/2006/main">
+  <p:cSld>
+    <p:spTree>
+      <p:nvGrpSpPr>
+        <p:cNvPr id="1" name=""/>
+        <p:cNvGrpSpPr/>
+        <p:nvPr/>
+      </p:nvGrpSpPr>
+      <p:grpSpPr>
+        <a:xfrm>
+          <a:off x="0" y="0"/>
+          <a:ext cx="0" cy="0"/>
+          <a:chOff x="0" y="0"/>
+          <a:chExt cx="0" cy="0"/>
+        </a:xfrm>
+      </p:grpSpPr>
+      <p:sp>
+        <p:nvSpPr>
+          <p:cNvPr id="5" name="Título 4"/>
+          <p:cNvSpPr>
+            <a:spLocks noGrp="1"/>
+          </p:cNvSpPr>
+          <p:nvPr>
+            <p:ph type="title"/>
+          </p:nvPr>
+        </p:nvSpPr>
+        <p:spPr/>
+        <p:txBody>
+          <a:bodyPr/>
+          <a:lstStyle/>
+          <a:p>
+            <a:r>
+              <a:rPr lang="pt-BR" dirty="0"/>
+              <a:t>O que são classes e objetos?</a:t>
+            </a:r>
+          </a:p>
+        </p:txBody>
+      </p:sp>
+      <p:pic>
+        <p:nvPicPr>
+          <p:cNvPr id="1026" name="Picture 2" descr="Imagem com dois retângulos lado a lado. O primeiro representa uma classe, apenas contorno do desenho de um carro; o segundo representa um objeto, com três carros desenhados.">
+            <a:extLst>
+              <a:ext uri="{FF2B5EF4-FFF2-40B4-BE49-F238E27FC236}">
+                <a16:creationId xmlns:a16="http://schemas.microsoft.com/office/drawing/2014/main" id="{416C6E33-87CC-47A0-9FA3-9301DA7903A2}"/>
+              </a:ext>
+            </a:extLst>
+          </p:cNvPr>
+          <p:cNvPicPr>
+            <a:picLocks noGrp="1" noChangeAspect="1" noChangeArrowheads="1"/>
+          </p:cNvPicPr>
+          <p:nvPr>
+            <p:ph idx="1"/>
+          </p:nvPr>
+        </p:nvPicPr>
+        <p:blipFill>
+          <a:blip r:embed="rId3">
+            <a:extLst>
+              <a:ext uri="{28A0092B-C50C-407E-A947-70E740481C1C}">
+                <a14:useLocalDpi xmlns:a14="http://schemas.microsoft.com/office/drawing/2010/main" val="0"/>
+              </a:ext>
+            </a:extLst>
+          </a:blip>
+          <a:srcRect/>
+          <a:stretch>
+            <a:fillRect/>
+          </a:stretch>
+        </p:blipFill>
+        <p:spPr bwMode="auto">
+          <a:xfrm>
+            <a:off x="3051337" y="1387158"/>
+            <a:ext cx="6089327" cy="4262528"/>
+          </a:xfrm>
+          <a:prstGeom prst="rect">
+            <a:avLst/>
+          </a:prstGeom>
+          <a:noFill/>
+          <a:extLst>
+            <a:ext uri="{909E8E84-426E-40DD-AFC4-6F175D3DCCD1}">
+              <a14:hiddenFill xmlns:a14="http://schemas.microsoft.com/office/drawing/2010/main">
+                <a:solidFill>
+                  <a:srgbClr val="FFFFFF"/>
+                </a:solidFill>
+              </a14:hiddenFill>
+            </a:ext>
+          </a:extLst>
+        </p:spPr>
+      </p:pic>
+    </p:spTree>
+    <p:extLst>
+      <p:ext uri="{BB962C8B-B14F-4D97-AF65-F5344CB8AC3E}">
+        <p14:creationId xmlns:p14="http://schemas.microsoft.com/office/powerpoint/2010/main" val="2531866185"/>
+      </p:ext>
+    </p:extLst>
+  </p:cSld>
+  <p:clrMapOvr>
+    <a:masterClrMapping/>
+  </p:clrMapOvr>
+</p:sld>
+</file>
+
+<file path=ppt/slides/slide9.xml><?xml version="1.0" encoding="utf-8"?>
+<p:sld xmlns:a="http://schemas.openxmlformats.org/drawingml/2006/main" xmlns:r="http://schemas.openxmlformats.org/officeDocument/2006/relationships" xmlns:p="http://schemas.openxmlformats.org/presentationml/2006/main">
+  <p:cSld>
+    <p:spTree>
+      <p:nvGrpSpPr>
+        <p:cNvPr id="1" name=""/>
+        <p:cNvGrpSpPr/>
+        <p:nvPr/>
+      </p:nvGrpSpPr>
+      <p:grpSpPr>
+        <a:xfrm>
+          <a:off x="0" y="0"/>
+          <a:ext cx="0" cy="0"/>
+          <a:chOff x="0" y="0"/>
+          <a:chExt cx="0" cy="0"/>
+        </a:xfrm>
+      </p:grpSpPr>
+      <p:sp>
+        <p:nvSpPr>
+          <p:cNvPr id="5" name="Título 4"/>
+          <p:cNvSpPr>
+            <a:spLocks noGrp="1"/>
+          </p:cNvSpPr>
+          <p:nvPr>
+            <p:ph type="title"/>
+          </p:nvPr>
+        </p:nvSpPr>
+        <p:spPr/>
+        <p:txBody>
+          <a:bodyPr/>
+          <a:lstStyle/>
+          <a:p>
+            <a:r>
+              <a:rPr lang="pt-BR" dirty="0"/>
+              <a:t>Encapsulamento</a:t>
+            </a:r>
+          </a:p>
+        </p:txBody>
+      </p:sp>
+      <p:pic>
+        <p:nvPicPr>
+          <p:cNvPr id="2050" name="Picture 2" descr="Desenho de um carro, representando a classe &quot;carro&quot;, com os métodos e atributos da classe escritos dentro do desenho">
+            <a:extLst>
+              <a:ext uri="{FF2B5EF4-FFF2-40B4-BE49-F238E27FC236}">
+                <a16:creationId xmlns:a16="http://schemas.microsoft.com/office/drawing/2014/main" id="{9E62DAF1-F440-4376-98EE-64AB2D2434EF}"/>
+              </a:ext>
+            </a:extLst>
+          </p:cNvPr>
+          <p:cNvPicPr>
+            <a:picLocks noChangeAspect="1" noChangeArrowheads="1"/>
+          </p:cNvPicPr>
+          <p:nvPr/>
+        </p:nvPicPr>
+        <p:blipFill>
+          <a:blip r:embed="rId3">
+            <a:extLst>
+              <a:ext uri="{28A0092B-C50C-407E-A947-70E740481C1C}">
+                <a14:useLocalDpi xmlns:a14="http://schemas.microsoft.com/office/drawing/2010/main" val="0"/>
+              </a:ext>
+            </a:extLst>
+          </a:blip>
+          <a:srcRect/>
+          <a:stretch>
+            <a:fillRect/>
+          </a:stretch>
+        </p:blipFill>
+        <p:spPr bwMode="auto">
+          <a:xfrm>
+            <a:off x="3377293" y="1267627"/>
+            <a:ext cx="5437414" cy="4322745"/>
+          </a:xfrm>
+          <a:prstGeom prst="rect">
+            <a:avLst/>
+          </a:prstGeom>
+          <a:noFill/>
+          <a:extLst>
+            <a:ext uri="{909E8E84-426E-40DD-AFC4-6F175D3DCCD1}">
+              <a14:hiddenFill xmlns:a14="http://schemas.microsoft.com/office/drawing/2010/main">
+                <a:solidFill>
+                  <a:srgbClr val="FFFFFF"/>
+                </a:solidFill>
+              </a14:hiddenFill>
+            </a:ext>
+          </a:extLst>
+        </p:spPr>
+      </p:pic>
+    </p:spTree>
+    <p:extLst>
+      <p:ext uri="{BB962C8B-B14F-4D97-AF65-F5344CB8AC3E}">
+        <p14:creationId xmlns:p14="http://schemas.microsoft.com/office/powerpoint/2010/main" val="2011265147"/>
       </p:ext>
     </p:extLst>
   </p:cSld>

--- a/React.pptx
+++ b/React.pptx
@@ -207,7 +207,7 @@
           <a:p>
             <a:fld id="{94D3EB41-CF60-4C9F-BD83-AE56FA0945EB}" type="datetimeFigureOut">
               <a:rPr lang="pt-BR" smtClean="0"/>
-              <a:t>03/09/2020</a:t>
+              <a:t>19/10/2020</a:t>
             </a:fld>
             <a:endParaRPr lang="pt-BR"/>
           </a:p>
@@ -365,7 +365,7 @@
           <a:p>
             <a:fld id="{020F486D-935E-4125-8FD7-C735663CC7DE}" type="slidenum">
               <a:rPr lang="pt-BR" smtClean="0"/>
-              <a:t>‹#›</a:t>
+              <a:t>‹nº›</a:t>
             </a:fld>
             <a:endParaRPr lang="pt-BR"/>
           </a:p>
@@ -1557,7 +1557,7 @@
           <a:p>
             <a:fld id="{9642BF85-54FF-46CE-B398-87F998CFD60B}" type="datetimeFigureOut">
               <a:rPr lang="pt-BR" smtClean="0"/>
-              <a:t>03/09/2020</a:t>
+              <a:t>19/10/2020</a:t>
             </a:fld>
             <a:endParaRPr lang="pt-BR"/>
           </a:p>
@@ -1599,7 +1599,7 @@
           <a:p>
             <a:fld id="{29185252-FBA3-417A-8652-C405B89605D8}" type="slidenum">
               <a:rPr lang="pt-BR" smtClean="0"/>
-              <a:t>‹#›</a:t>
+              <a:t>‹nº›</a:t>
             </a:fld>
             <a:endParaRPr lang="pt-BR"/>
           </a:p>
@@ -1725,7 +1725,7 @@
           <a:p>
             <a:fld id="{9642BF85-54FF-46CE-B398-87F998CFD60B}" type="datetimeFigureOut">
               <a:rPr lang="pt-BR" smtClean="0"/>
-              <a:t>03/09/2020</a:t>
+              <a:t>19/10/2020</a:t>
             </a:fld>
             <a:endParaRPr lang="pt-BR"/>
           </a:p>
@@ -1767,7 +1767,7 @@
           <a:p>
             <a:fld id="{29185252-FBA3-417A-8652-C405B89605D8}" type="slidenum">
               <a:rPr lang="pt-BR" smtClean="0"/>
-              <a:t>‹#›</a:t>
+              <a:t>‹nº›</a:t>
             </a:fld>
             <a:endParaRPr lang="pt-BR"/>
           </a:p>
@@ -1903,7 +1903,7 @@
           <a:p>
             <a:fld id="{9642BF85-54FF-46CE-B398-87F998CFD60B}" type="datetimeFigureOut">
               <a:rPr lang="pt-BR" smtClean="0"/>
-              <a:t>03/09/2020</a:t>
+              <a:t>19/10/2020</a:t>
             </a:fld>
             <a:endParaRPr lang="pt-BR"/>
           </a:p>
@@ -1945,7 +1945,7 @@
           <a:p>
             <a:fld id="{29185252-FBA3-417A-8652-C405B89605D8}" type="slidenum">
               <a:rPr lang="pt-BR" smtClean="0"/>
-              <a:t>‹#›</a:t>
+              <a:t>‹nº›</a:t>
             </a:fld>
             <a:endParaRPr lang="pt-BR"/>
           </a:p>
@@ -2240,7 +2240,7 @@
           <a:p>
             <a:fld id="{9642BF85-54FF-46CE-B398-87F998CFD60B}" type="datetimeFigureOut">
               <a:rPr lang="pt-BR" smtClean="0"/>
-              <a:t>03/09/2020</a:t>
+              <a:t>19/10/2020</a:t>
             </a:fld>
             <a:endParaRPr lang="pt-BR"/>
           </a:p>
@@ -2282,7 +2282,7 @@
           <a:p>
             <a:fld id="{29185252-FBA3-417A-8652-C405B89605D8}" type="slidenum">
               <a:rPr lang="pt-BR" smtClean="0"/>
-              <a:t>‹#›</a:t>
+              <a:t>‹nº›</a:t>
             </a:fld>
             <a:endParaRPr lang="pt-BR"/>
           </a:p>
@@ -2511,7 +2511,7 @@
           <a:p>
             <a:fld id="{9642BF85-54FF-46CE-B398-87F998CFD60B}" type="datetimeFigureOut">
               <a:rPr lang="pt-BR" smtClean="0"/>
-              <a:t>03/09/2020</a:t>
+              <a:t>19/10/2020</a:t>
             </a:fld>
             <a:endParaRPr lang="pt-BR"/>
           </a:p>
@@ -2553,7 +2553,7 @@
           <a:p>
             <a:fld id="{29185252-FBA3-417A-8652-C405B89605D8}" type="slidenum">
               <a:rPr lang="pt-BR" smtClean="0"/>
-              <a:t>‹#›</a:t>
+              <a:t>‹nº›</a:t>
             </a:fld>
             <a:endParaRPr lang="pt-BR"/>
           </a:p>
@@ -2757,7 +2757,7 @@
           <a:p>
             <a:fld id="{9642BF85-54FF-46CE-B398-87F998CFD60B}" type="datetimeFigureOut">
               <a:rPr lang="pt-BR" smtClean="0"/>
-              <a:t>03/09/2020</a:t>
+              <a:t>19/10/2020</a:t>
             </a:fld>
             <a:endParaRPr lang="pt-BR"/>
           </a:p>
@@ -2799,7 +2799,7 @@
           <a:p>
             <a:fld id="{29185252-FBA3-417A-8652-C405B89605D8}" type="slidenum">
               <a:rPr lang="pt-BR" smtClean="0"/>
-              <a:t>‹#›</a:t>
+              <a:t>‹nº›</a:t>
             </a:fld>
             <a:endParaRPr lang="pt-BR"/>
           </a:p>
@@ -3121,7 +3121,7 @@
           <a:p>
             <a:fld id="{9642BF85-54FF-46CE-B398-87F998CFD60B}" type="datetimeFigureOut">
               <a:rPr lang="pt-BR" smtClean="0"/>
-              <a:t>03/09/2020</a:t>
+              <a:t>19/10/2020</a:t>
             </a:fld>
             <a:endParaRPr lang="pt-BR"/>
           </a:p>
@@ -3163,7 +3163,7 @@
           <a:p>
             <a:fld id="{29185252-FBA3-417A-8652-C405B89605D8}" type="slidenum">
               <a:rPr lang="pt-BR" smtClean="0"/>
-              <a:t>‹#›</a:t>
+              <a:t>‹nº›</a:t>
             </a:fld>
             <a:endParaRPr lang="pt-BR"/>
           </a:p>
@@ -3255,7 +3255,7 @@
           <a:p>
             <a:fld id="{9642BF85-54FF-46CE-B398-87F998CFD60B}" type="datetimeFigureOut">
               <a:rPr lang="pt-BR" smtClean="0"/>
-              <a:t>03/09/2020</a:t>
+              <a:t>19/10/2020</a:t>
             </a:fld>
             <a:endParaRPr lang="pt-BR"/>
           </a:p>
@@ -3297,7 +3297,7 @@
           <a:p>
             <a:fld id="{29185252-FBA3-417A-8652-C405B89605D8}" type="slidenum">
               <a:rPr lang="pt-BR" smtClean="0"/>
-              <a:t>‹#›</a:t>
+              <a:t>‹nº›</a:t>
             </a:fld>
             <a:endParaRPr lang="pt-BR"/>
           </a:p>
@@ -3350,7 +3350,7 @@
           <a:p>
             <a:fld id="{9642BF85-54FF-46CE-B398-87F998CFD60B}" type="datetimeFigureOut">
               <a:rPr lang="pt-BR" smtClean="0"/>
-              <a:t>03/09/2020</a:t>
+              <a:t>19/10/2020</a:t>
             </a:fld>
             <a:endParaRPr lang="pt-BR"/>
           </a:p>
@@ -3392,7 +3392,7 @@
           <a:p>
             <a:fld id="{29185252-FBA3-417A-8652-C405B89605D8}" type="slidenum">
               <a:rPr lang="pt-BR" smtClean="0"/>
-              <a:t>‹#›</a:t>
+              <a:t>‹nº›</a:t>
             </a:fld>
             <a:endParaRPr lang="pt-BR"/>
           </a:p>
@@ -3625,7 +3625,7 @@
           <a:p>
             <a:fld id="{9642BF85-54FF-46CE-B398-87F998CFD60B}" type="datetimeFigureOut">
               <a:rPr lang="pt-BR" smtClean="0"/>
-              <a:t>03/09/2020</a:t>
+              <a:t>19/10/2020</a:t>
             </a:fld>
             <a:endParaRPr lang="pt-BR"/>
           </a:p>
@@ -3667,7 +3667,7 @@
           <a:p>
             <a:fld id="{29185252-FBA3-417A-8652-C405B89605D8}" type="slidenum">
               <a:rPr lang="pt-BR" smtClean="0"/>
-              <a:t>‹#›</a:t>
+              <a:t>‹nº›</a:t>
             </a:fld>
             <a:endParaRPr lang="pt-BR"/>
           </a:p>
@@ -3877,7 +3877,7 @@
           <a:p>
             <a:fld id="{9642BF85-54FF-46CE-B398-87F998CFD60B}" type="datetimeFigureOut">
               <a:rPr lang="pt-BR" smtClean="0"/>
-              <a:t>03/09/2020</a:t>
+              <a:t>19/10/2020</a:t>
             </a:fld>
             <a:endParaRPr lang="pt-BR"/>
           </a:p>
@@ -3919,7 +3919,7 @@
           <a:p>
             <a:fld id="{29185252-FBA3-417A-8652-C405B89605D8}" type="slidenum">
               <a:rPr lang="pt-BR" smtClean="0"/>
-              <a:t>‹#›</a:t>
+              <a:t>‹nº›</a:t>
             </a:fld>
             <a:endParaRPr lang="pt-BR"/>
           </a:p>
@@ -4097,7 +4097,7 @@
           <a:p>
             <a:fld id="{9642BF85-54FF-46CE-B398-87F998CFD60B}" type="datetimeFigureOut">
               <a:rPr lang="pt-BR" smtClean="0"/>
-              <a:t>03/09/2020</a:t>
+              <a:t>19/10/2020</a:t>
             </a:fld>
             <a:endParaRPr lang="pt-BR"/>
           </a:p>
@@ -4175,7 +4175,7 @@
           <a:p>
             <a:fld id="{29185252-FBA3-417A-8652-C405B89605D8}" type="slidenum">
               <a:rPr lang="pt-BR" smtClean="0"/>
-              <a:t>‹#›</a:t>
+              <a:t>‹nº›</a:t>
             </a:fld>
             <a:endParaRPr lang="pt-BR"/>
           </a:p>
@@ -4750,7 +4750,7 @@
         <p:spPr/>
         <p:txBody>
           <a:bodyPr>
-            <a:normAutofit/>
+            <a:normAutofit lnSpcReduction="10000"/>
           </a:bodyPr>
           <a:lstStyle/>
           <a:p>
@@ -4759,8 +4759,79 @@
               <a:buAutoNum type="arabicPeriod"/>
             </a:pPr>
             <a:r>
+              <a:rPr lang="pt-BR" dirty="0"/>
+              <a:t>MDN web docs. </a:t>
+            </a:r>
+            <a:r>
+              <a:rPr lang="pt-BR" b="1" dirty="0" err="1"/>
+              <a:t>Introduction</a:t>
+            </a:r>
+            <a:r>
+              <a:rPr lang="pt-BR" b="1" dirty="0"/>
+              <a:t> </a:t>
+            </a:r>
+            <a:r>
+              <a:rPr lang="pt-BR" b="1" dirty="0" err="1"/>
+              <a:t>to</a:t>
+            </a:r>
+            <a:r>
+              <a:rPr lang="pt-BR" b="1" dirty="0"/>
+              <a:t> </a:t>
+            </a:r>
+            <a:r>
+              <a:rPr lang="pt-BR" b="1" dirty="0" err="1"/>
+              <a:t>the</a:t>
+            </a:r>
+            <a:r>
+              <a:rPr lang="pt-BR" b="1" dirty="0"/>
+              <a:t> DOM</a:t>
+            </a:r>
+            <a:r>
+              <a:rPr lang="pt-BR" dirty="0"/>
+              <a:t>. In: </a:t>
+            </a:r>
+            <a:r>
+              <a:rPr lang="pt-BR" dirty="0" err="1"/>
+              <a:t>Document</a:t>
+            </a:r>
+            <a:r>
+              <a:rPr lang="pt-BR" dirty="0"/>
+              <a:t> </a:t>
+            </a:r>
+            <a:r>
+              <a:rPr lang="pt-BR" dirty="0" err="1"/>
+              <a:t>Object</a:t>
+            </a:r>
+            <a:r>
+              <a:rPr lang="pt-BR" dirty="0"/>
+              <a:t> </a:t>
+            </a:r>
+            <a:r>
+              <a:rPr lang="pt-BR" dirty="0" err="1"/>
+              <a:t>Model</a:t>
+            </a:r>
+            <a:r>
+              <a:rPr lang="pt-BR" dirty="0"/>
+              <a:t>. Disponível em: </a:t>
+            </a:r>
+            <a:r>
               <a:rPr lang="pt-BR" dirty="0">
                 <a:hlinkClick r:id="rId3"/>
+              </a:rPr>
+              <a:t>https://developer.mozilla.org/en-US/docs/Web/API/Document_Object_Model/Introduction</a:t>
+            </a:r>
+            <a:endParaRPr lang="pt-BR" dirty="0">
+              <a:hlinkClick r:id="rId4"/>
+            </a:endParaRPr>
+          </a:p>
+          <a:p>
+            <a:pPr marL="514350" indent="-514350" algn="l">
+              <a:buFont typeface="+mj-lt"/>
+              <a:buAutoNum type="arabicPeriod"/>
+            </a:pPr>
+            <a:r>
+              <a:rPr lang="pt-BR" dirty="0">
+                <a:hlinkClick r:id="rId4"/>
               </a:rPr>
               <a:t>https://www.alura.com.br/artigos/poo-programacao-orientada-a-objetos</a:t>
             </a:r>
@@ -5057,8 +5128,20 @@
           <a:lstStyle/>
           <a:p>
             <a:r>
-              <a:rPr lang="pt-BR" dirty="0"/>
-              <a:t>É uma aplicação que interage com o navegador dinamicamente atualizando a página atual com novos dados do servidor ao invés de carregar novas páginas inteiras.</a:t>
+              <a:rPr lang="pt-BR" b="1" i="1" dirty="0"/>
+              <a:t>Single Page </a:t>
+            </a:r>
+            <a:r>
+              <a:rPr lang="pt-BR" b="1" i="1" dirty="0" err="1"/>
+              <a:t>Application</a:t>
+            </a:r>
+            <a:r>
+              <a:rPr lang="pt-BR" b="1" i="1" dirty="0"/>
+              <a:t> (SPA)</a:t>
+            </a:r>
+            <a:r>
+              <a:rPr lang="pt-BR" dirty="0"/>
+              <a:t> é uma aplicação que interage com o navegador dinamicamente atualizando a página atual com novos dados do servidor ao invés de carregar novas páginas inteiras.</a:t>
             </a:r>
           </a:p>
         </p:txBody>
@@ -5334,6 +5417,32 @@
               <a:rPr lang="pt-BR" dirty="0"/>
               <a:t> &lt;nome-do-aplicativo&gt;</a:t>
             </a:r>
+          </a:p>
+          <a:p>
+            <a:r>
+              <a:rPr lang="pt-BR" b="1" dirty="0" err="1"/>
+              <a:t>cd</a:t>
+            </a:r>
+            <a:r>
+              <a:rPr lang="pt-BR" b="1" dirty="0"/>
+              <a:t> </a:t>
+            </a:r>
+            <a:r>
+              <a:rPr lang="pt-BR" dirty="0"/>
+              <a:t>&lt;nome-do-aplicativo&gt;</a:t>
+            </a:r>
+          </a:p>
+          <a:p>
+            <a:r>
+              <a:rPr lang="pt-BR" b="1" dirty="0" err="1"/>
+              <a:t>npm</a:t>
+            </a:r>
+            <a:r>
+              <a:rPr lang="pt-BR" b="1" dirty="0"/>
+              <a:t> start</a:t>
+            </a:r>
+          </a:p>
+          <a:p>
             <a:endParaRPr lang="pt-BR" b="1" dirty="0"/>
           </a:p>
         </p:txBody>

--- a/React.pptx
+++ b/React.pptx
@@ -207,7 +207,7 @@
           <a:p>
             <a:fld id="{94D3EB41-CF60-4C9F-BD83-AE56FA0945EB}" type="datetimeFigureOut">
               <a:rPr lang="pt-BR" smtClean="0"/>
-              <a:t>19/10/2020</a:t>
+              <a:t>20/10/2020</a:t>
             </a:fld>
             <a:endParaRPr lang="pt-BR"/>
           </a:p>
@@ -1557,7 +1557,7 @@
           <a:p>
             <a:fld id="{9642BF85-54FF-46CE-B398-87F998CFD60B}" type="datetimeFigureOut">
               <a:rPr lang="pt-BR" smtClean="0"/>
-              <a:t>19/10/2020</a:t>
+              <a:t>20/10/2020</a:t>
             </a:fld>
             <a:endParaRPr lang="pt-BR"/>
           </a:p>
@@ -1725,7 +1725,7 @@
           <a:p>
             <a:fld id="{9642BF85-54FF-46CE-B398-87F998CFD60B}" type="datetimeFigureOut">
               <a:rPr lang="pt-BR" smtClean="0"/>
-              <a:t>19/10/2020</a:t>
+              <a:t>20/10/2020</a:t>
             </a:fld>
             <a:endParaRPr lang="pt-BR"/>
           </a:p>
@@ -1903,7 +1903,7 @@
           <a:p>
             <a:fld id="{9642BF85-54FF-46CE-B398-87F998CFD60B}" type="datetimeFigureOut">
               <a:rPr lang="pt-BR" smtClean="0"/>
-              <a:t>19/10/2020</a:t>
+              <a:t>20/10/2020</a:t>
             </a:fld>
             <a:endParaRPr lang="pt-BR"/>
           </a:p>
@@ -2240,7 +2240,7 @@
           <a:p>
             <a:fld id="{9642BF85-54FF-46CE-B398-87F998CFD60B}" type="datetimeFigureOut">
               <a:rPr lang="pt-BR" smtClean="0"/>
-              <a:t>19/10/2020</a:t>
+              <a:t>20/10/2020</a:t>
             </a:fld>
             <a:endParaRPr lang="pt-BR"/>
           </a:p>
@@ -2511,7 +2511,7 @@
           <a:p>
             <a:fld id="{9642BF85-54FF-46CE-B398-87F998CFD60B}" type="datetimeFigureOut">
               <a:rPr lang="pt-BR" smtClean="0"/>
-              <a:t>19/10/2020</a:t>
+              <a:t>20/10/2020</a:t>
             </a:fld>
             <a:endParaRPr lang="pt-BR"/>
           </a:p>
@@ -2757,7 +2757,7 @@
           <a:p>
             <a:fld id="{9642BF85-54FF-46CE-B398-87F998CFD60B}" type="datetimeFigureOut">
               <a:rPr lang="pt-BR" smtClean="0"/>
-              <a:t>19/10/2020</a:t>
+              <a:t>20/10/2020</a:t>
             </a:fld>
             <a:endParaRPr lang="pt-BR"/>
           </a:p>
@@ -3121,7 +3121,7 @@
           <a:p>
             <a:fld id="{9642BF85-54FF-46CE-B398-87F998CFD60B}" type="datetimeFigureOut">
               <a:rPr lang="pt-BR" smtClean="0"/>
-              <a:t>19/10/2020</a:t>
+              <a:t>20/10/2020</a:t>
             </a:fld>
             <a:endParaRPr lang="pt-BR"/>
           </a:p>
@@ -3255,7 +3255,7 @@
           <a:p>
             <a:fld id="{9642BF85-54FF-46CE-B398-87F998CFD60B}" type="datetimeFigureOut">
               <a:rPr lang="pt-BR" smtClean="0"/>
-              <a:t>19/10/2020</a:t>
+              <a:t>20/10/2020</a:t>
             </a:fld>
             <a:endParaRPr lang="pt-BR"/>
           </a:p>
@@ -3350,7 +3350,7 @@
           <a:p>
             <a:fld id="{9642BF85-54FF-46CE-B398-87F998CFD60B}" type="datetimeFigureOut">
               <a:rPr lang="pt-BR" smtClean="0"/>
-              <a:t>19/10/2020</a:t>
+              <a:t>20/10/2020</a:t>
             </a:fld>
             <a:endParaRPr lang="pt-BR"/>
           </a:p>
@@ -3625,7 +3625,7 @@
           <a:p>
             <a:fld id="{9642BF85-54FF-46CE-B398-87F998CFD60B}" type="datetimeFigureOut">
               <a:rPr lang="pt-BR" smtClean="0"/>
-              <a:t>19/10/2020</a:t>
+              <a:t>20/10/2020</a:t>
             </a:fld>
             <a:endParaRPr lang="pt-BR"/>
           </a:p>
@@ -3877,7 +3877,7 @@
           <a:p>
             <a:fld id="{9642BF85-54FF-46CE-B398-87F998CFD60B}" type="datetimeFigureOut">
               <a:rPr lang="pt-BR" smtClean="0"/>
-              <a:t>19/10/2020</a:t>
+              <a:t>20/10/2020</a:t>
             </a:fld>
             <a:endParaRPr lang="pt-BR"/>
           </a:p>
@@ -4097,7 +4097,7 @@
           <a:p>
             <a:fld id="{9642BF85-54FF-46CE-B398-87F998CFD60B}" type="datetimeFigureOut">
               <a:rPr lang="pt-BR" smtClean="0"/>
-              <a:t>19/10/2020</a:t>
+              <a:t>20/10/2020</a:t>
             </a:fld>
             <a:endParaRPr lang="pt-BR"/>
           </a:p>
@@ -4633,7 +4633,7 @@
           <a:p>
             <a:r>
               <a:rPr lang="pt-BR" dirty="0"/>
-              <a:t>Encapsulamento</a:t>
+              <a:t>Herança</a:t>
             </a:r>
           </a:p>
         </p:txBody>
@@ -4750,7 +4750,7 @@
         <p:spPr/>
         <p:txBody>
           <a:bodyPr>
-            <a:normAutofit lnSpcReduction="10000"/>
+            <a:normAutofit fontScale="85000" lnSpcReduction="10000"/>
           </a:bodyPr>
           <a:lstStyle/>
           <a:p>
@@ -4819,6 +4819,33 @@
                 <a:hlinkClick r:id="rId3"/>
               </a:rPr>
               <a:t>https://developer.mozilla.org/en-US/docs/Web/API/Document_Object_Model/Introduction</a:t>
+            </a:r>
+            <a:endParaRPr lang="pt-BR" dirty="0">
+              <a:hlinkClick r:id="rId4"/>
+            </a:endParaRPr>
+          </a:p>
+          <a:p>
+            <a:pPr marL="514350" indent="-514350" algn="l">
+              <a:buFont typeface="+mj-lt"/>
+              <a:buAutoNum type="arabicPeriod"/>
+            </a:pPr>
+            <a:r>
+              <a:rPr lang="pt-BR" dirty="0"/>
+              <a:t>MDN web docs. </a:t>
+            </a:r>
+            <a:r>
+              <a:rPr lang="pt-BR" b="1" dirty="0"/>
+              <a:t>Classes</a:t>
+            </a:r>
+            <a:r>
+              <a:rPr lang="pt-BR" dirty="0"/>
+              <a:t>. Disponível em: </a:t>
+            </a:r>
+            <a:r>
+              <a:rPr lang="pt-BR" dirty="0">
+                <a:hlinkClick r:id="rId5"/>
+              </a:rPr>
+              <a:t>https://developer.mozilla.org/pt-BR/docs/Web/JavaScript/Reference/Classes</a:t>
             </a:r>
             <a:endParaRPr lang="pt-BR" dirty="0">
               <a:hlinkClick r:id="rId4"/>

--- a/React.pptx
+++ b/React.pptx
@@ -5,7 +5,7 @@
     <p:sldMasterId id="2147483648" r:id="rId1"/>
   </p:sldMasterIdLst>
   <p:notesMasterIdLst>
-    <p:notesMasterId r:id="rId13"/>
+    <p:notesMasterId r:id="rId14"/>
   </p:notesMasterIdLst>
   <p:sldIdLst>
     <p:sldId id="256" r:id="rId2"/>
@@ -18,7 +18,8 @@
     <p:sldId id="312" r:id="rId9"/>
     <p:sldId id="313" r:id="rId10"/>
     <p:sldId id="314" r:id="rId11"/>
-    <p:sldId id="306" r:id="rId12"/>
+    <p:sldId id="316" r:id="rId12"/>
+    <p:sldId id="306" r:id="rId13"/>
   </p:sldIdLst>
   <p:sldSz cx="12192000" cy="6858000"/>
   <p:notesSz cx="6858000" cy="9144000"/>
@@ -708,6 +709,90 @@
             <a:fld id="{020F486D-935E-4125-8FD7-C735663CC7DE}" type="slidenum">
               <a:rPr lang="pt-BR" smtClean="0"/>
               <a:t>11</a:t>
+            </a:fld>
+            <a:endParaRPr lang="pt-BR"/>
+          </a:p>
+        </p:txBody>
+      </p:sp>
+    </p:spTree>
+    <p:extLst>
+      <p:ext uri="{BB962C8B-B14F-4D97-AF65-F5344CB8AC3E}">
+        <p14:creationId xmlns:p14="http://schemas.microsoft.com/office/powerpoint/2010/main" val="2974431036"/>
+      </p:ext>
+    </p:extLst>
+  </p:cSld>
+  <p:clrMapOvr>
+    <a:masterClrMapping/>
+  </p:clrMapOvr>
+</p:notes>
+</file>
+
+<file path=ppt/notesSlides/notesSlide12.xml><?xml version="1.0" encoding="utf-8"?>
+<p:notes xmlns:a="http://schemas.openxmlformats.org/drawingml/2006/main" xmlns:r="http://schemas.openxmlformats.org/officeDocument/2006/relationships" xmlns:p="http://schemas.openxmlformats.org/presentationml/2006/main">
+  <p:cSld>
+    <p:spTree>
+      <p:nvGrpSpPr>
+        <p:cNvPr id="1" name=""/>
+        <p:cNvGrpSpPr/>
+        <p:nvPr/>
+      </p:nvGrpSpPr>
+      <p:grpSpPr>
+        <a:xfrm>
+          <a:off x="0" y="0"/>
+          <a:ext cx="0" cy="0"/>
+          <a:chOff x="0" y="0"/>
+          <a:chExt cx="0" cy="0"/>
+        </a:xfrm>
+      </p:grpSpPr>
+      <p:sp>
+        <p:nvSpPr>
+          <p:cNvPr id="2" name="Slide Image Placeholder 1"/>
+          <p:cNvSpPr>
+            <a:spLocks noGrp="1" noRot="1" noChangeAspect="1"/>
+          </p:cNvSpPr>
+          <p:nvPr>
+            <p:ph type="sldImg"/>
+          </p:nvPr>
+        </p:nvSpPr>
+        <p:spPr/>
+      </p:sp>
+      <p:sp>
+        <p:nvSpPr>
+          <p:cNvPr id="3" name="Notes Placeholder 2"/>
+          <p:cNvSpPr>
+            <a:spLocks noGrp="1"/>
+          </p:cNvSpPr>
+          <p:nvPr>
+            <p:ph type="body" idx="1"/>
+          </p:nvPr>
+        </p:nvSpPr>
+        <p:spPr/>
+        <p:txBody>
+          <a:bodyPr/>
+          <a:lstStyle/>
+          <a:p>
+            <a:endParaRPr lang="en-US" dirty="0"/>
+          </a:p>
+        </p:txBody>
+      </p:sp>
+      <p:sp>
+        <p:nvSpPr>
+          <p:cNvPr id="4" name="Slide Number Placeholder 3"/>
+          <p:cNvSpPr>
+            <a:spLocks noGrp="1"/>
+          </p:cNvSpPr>
+          <p:nvPr>
+            <p:ph type="sldNum" sz="quarter" idx="5"/>
+          </p:nvPr>
+        </p:nvSpPr>
+        <p:spPr/>
+        <p:txBody>
+          <a:bodyPr/>
+          <a:lstStyle/>
+          <a:p>
+            <a:fld id="{020F486D-935E-4125-8FD7-C735663CC7DE}" type="slidenum">
+              <a:rPr lang="pt-BR" smtClean="0"/>
+              <a:t>12</a:t>
             </a:fld>
             <a:endParaRPr lang="pt-BR"/>
           </a:p>
@@ -4732,6 +4817,89 @@
           <a:p>
             <a:r>
               <a:rPr lang="pt-BR" dirty="0"/>
+              <a:t>Polimorfismo</a:t>
+            </a:r>
+          </a:p>
+        </p:txBody>
+      </p:sp>
+      <p:sp>
+        <p:nvSpPr>
+          <p:cNvPr id="6" name="Espaço Reservado para Conteúdo 5"/>
+          <p:cNvSpPr>
+            <a:spLocks noGrp="1"/>
+          </p:cNvSpPr>
+          <p:nvPr>
+            <p:ph idx="1"/>
+          </p:nvPr>
+        </p:nvSpPr>
+        <p:spPr/>
+        <p:txBody>
+          <a:bodyPr>
+            <a:normAutofit/>
+          </a:bodyPr>
+          <a:lstStyle/>
+          <a:p>
+            <a:r>
+              <a:rPr lang="pt-BR" dirty="0"/>
+              <a:t>Refere-se a característica de dois objetos, de duas classes diferentes, terem um mesmo método implementado de formas diferentes.</a:t>
+            </a:r>
+          </a:p>
+          <a:p>
+            <a:r>
+              <a:rPr lang="pt-BR" dirty="0"/>
+              <a:t>Ou seja, um método possui várias formas, várias implementações diferentes em classes diferentes, mas possui o mesmo efeito.</a:t>
+            </a:r>
+            <a:endParaRPr lang="pt-BR" b="1" dirty="0"/>
+          </a:p>
+        </p:txBody>
+      </p:sp>
+    </p:spTree>
+    <p:extLst>
+      <p:ext uri="{BB962C8B-B14F-4D97-AF65-F5344CB8AC3E}">
+        <p14:creationId xmlns:p14="http://schemas.microsoft.com/office/powerpoint/2010/main" val="546930245"/>
+      </p:ext>
+    </p:extLst>
+  </p:cSld>
+  <p:clrMapOvr>
+    <a:masterClrMapping/>
+  </p:clrMapOvr>
+</p:sld>
+</file>
+
+<file path=ppt/slides/slide12.xml><?xml version="1.0" encoding="utf-8"?>
+<p:sld xmlns:a="http://schemas.openxmlformats.org/drawingml/2006/main" xmlns:r="http://schemas.openxmlformats.org/officeDocument/2006/relationships" xmlns:p="http://schemas.openxmlformats.org/presentationml/2006/main">
+  <p:cSld>
+    <p:spTree>
+      <p:nvGrpSpPr>
+        <p:cNvPr id="1" name=""/>
+        <p:cNvGrpSpPr/>
+        <p:nvPr/>
+      </p:nvGrpSpPr>
+      <p:grpSpPr>
+        <a:xfrm>
+          <a:off x="0" y="0"/>
+          <a:ext cx="0" cy="0"/>
+          <a:chOff x="0" y="0"/>
+          <a:chExt cx="0" cy="0"/>
+        </a:xfrm>
+      </p:grpSpPr>
+      <p:sp>
+        <p:nvSpPr>
+          <p:cNvPr id="5" name="Título 4"/>
+          <p:cNvSpPr>
+            <a:spLocks noGrp="1"/>
+          </p:cNvSpPr>
+          <p:nvPr>
+            <p:ph type="title"/>
+          </p:nvPr>
+        </p:nvSpPr>
+        <p:spPr/>
+        <p:txBody>
+          <a:bodyPr/>
+          <a:lstStyle/>
+          <a:p>
+            <a:r>
+              <a:rPr lang="pt-BR" dirty="0"/>
               <a:t>Referências</a:t>
             </a:r>
           </a:p>
@@ -4750,7 +4918,7 @@
         <p:spPr/>
         <p:txBody>
           <a:bodyPr>
-            <a:normAutofit fontScale="85000" lnSpcReduction="10000"/>
+            <a:normAutofit fontScale="77500" lnSpcReduction="20000"/>
           </a:bodyPr>
           <a:lstStyle/>
           <a:p>
@@ -4857,12 +5025,51 @@
               <a:buAutoNum type="arabicPeriod"/>
             </a:pPr>
             <a:r>
+              <a:rPr lang="pt-BR" dirty="0"/>
+              <a:t>João Henrique. </a:t>
+            </a:r>
+            <a:r>
+              <a:rPr lang="pt-BR" b="1" dirty="0"/>
+              <a:t>POO: o que é programação orientada a objetos?</a:t>
+            </a:r>
+            <a:r>
+              <a:rPr lang="pt-BR" dirty="0"/>
+              <a:t> . Disponível em: </a:t>
+            </a:r>
+            <a:r>
               <a:rPr lang="pt-BR" dirty="0">
                 <a:hlinkClick r:id="rId4"/>
               </a:rPr>
-              <a:t>https://www.alura.com.br/artigos/poo-programacao-orientada-a-objetos</a:t>
-            </a:r>
-            <a:endParaRPr lang="pt-BR" dirty="0"/>
+              <a:t>https://www.alura.com.br/artigos/</a:t>
+            </a:r>
+            <a:r>
+              <a:rPr lang="pt-BR" dirty="0" err="1">
+                <a:hlinkClick r:id="rId4"/>
+              </a:rPr>
+              <a:t>poo</a:t>
+            </a:r>
+            <a:r>
+              <a:rPr lang="pt-BR" dirty="0">
+                <a:hlinkClick r:id="rId4"/>
+              </a:rPr>
+              <a:t>-</a:t>
+            </a:r>
+            <a:r>
+              <a:rPr lang="pt-BR" dirty="0" err="1">
+                <a:hlinkClick r:id="rId4"/>
+              </a:rPr>
+              <a:t>programacao</a:t>
+            </a:r>
+            <a:r>
+              <a:rPr lang="pt-BR" dirty="0">
+                <a:hlinkClick r:id="rId4"/>
+              </a:rPr>
+              <a:t>-orientada-a-objetos</a:t>
+            </a:r>
+            <a:r>
+              <a:rPr lang="pt-BR" dirty="0"/>
+              <a:t>.</a:t>
+            </a:r>
           </a:p>
           <a:p>
             <a:pPr marL="514350" indent="-514350" algn="l">
@@ -5406,7 +5613,7 @@
         <p:spPr/>
         <p:txBody>
           <a:bodyPr>
-            <a:normAutofit/>
+            <a:normAutofit fontScale="85000" lnSpcReduction="20000"/>
           </a:bodyPr>
           <a:lstStyle/>
           <a:p>
@@ -5470,7 +5677,57 @@
             </a:r>
           </a:p>
           <a:p>
-            <a:endParaRPr lang="pt-BR" b="1" dirty="0"/>
+            <a:r>
+              <a:rPr lang="pt-BR" dirty="0"/>
+              <a:t>OBS.: se o comando não for reconhecido, pode ser que o </a:t>
+            </a:r>
+            <a:r>
+              <a:rPr lang="pt-BR" dirty="0" err="1"/>
+              <a:t>React</a:t>
+            </a:r>
+            <a:r>
+              <a:rPr lang="pt-BR" dirty="0"/>
+              <a:t> não esteja instalado globalmente. Então, execute o comando abaixo e </a:t>
+            </a:r>
+            <a:r>
+              <a:rPr lang="pt-BR"/>
+              <a:t>tente novamente:</a:t>
+            </a:r>
+            <a:endParaRPr lang="pt-BR" dirty="0"/>
+          </a:p>
+          <a:p>
+            <a:r>
+              <a:rPr lang="pt-BR" b="1" dirty="0" err="1"/>
+              <a:t>npm</a:t>
+            </a:r>
+            <a:r>
+              <a:rPr lang="pt-BR" b="1" dirty="0"/>
+              <a:t> </a:t>
+            </a:r>
+            <a:r>
+              <a:rPr lang="pt-BR" b="1" dirty="0" err="1"/>
+              <a:t>install</a:t>
+            </a:r>
+            <a:r>
+              <a:rPr lang="pt-BR" b="1" dirty="0"/>
+              <a:t> -g </a:t>
+            </a:r>
+            <a:r>
+              <a:rPr lang="pt-BR" b="1" dirty="0" err="1"/>
+              <a:t>create</a:t>
+            </a:r>
+            <a:r>
+              <a:rPr lang="pt-BR" b="1" dirty="0"/>
+              <a:t>-</a:t>
+            </a:r>
+            <a:r>
+              <a:rPr lang="pt-BR" b="1" dirty="0" err="1"/>
+              <a:t>react</a:t>
+            </a:r>
+            <a:r>
+              <a:rPr lang="pt-BR" b="1" dirty="0"/>
+              <a:t>-app</a:t>
+            </a:r>
           </a:p>
         </p:txBody>
       </p:sp>

--- a/React.pptx
+++ b/React.pptx
@@ -6,7 +6,7 @@
     <p:sldMasterId id="2147483661" r:id="rId2"/>
   </p:sldMasterIdLst>
   <p:notesMasterIdLst>
-    <p:notesMasterId r:id="rId18"/>
+    <p:notesMasterId r:id="rId30"/>
   </p:notesMasterIdLst>
   <p:sldIdLst>
     <p:sldId id="256" r:id="rId3"/>
@@ -20,10 +20,22 @@
     <p:sldId id="268" r:id="rId11"/>
     <p:sldId id="271" r:id="rId12"/>
     <p:sldId id="272" r:id="rId13"/>
-    <p:sldId id="273" r:id="rId14"/>
-    <p:sldId id="274" r:id="rId15"/>
-    <p:sldId id="275" r:id="rId16"/>
-    <p:sldId id="267" r:id="rId17"/>
+    <p:sldId id="276" r:id="rId14"/>
+    <p:sldId id="277" r:id="rId15"/>
+    <p:sldId id="278" r:id="rId16"/>
+    <p:sldId id="275" r:id="rId17"/>
+    <p:sldId id="273" r:id="rId18"/>
+    <p:sldId id="274" r:id="rId19"/>
+    <p:sldId id="280" r:id="rId20"/>
+    <p:sldId id="281" r:id="rId21"/>
+    <p:sldId id="282" r:id="rId22"/>
+    <p:sldId id="283" r:id="rId23"/>
+    <p:sldId id="284" r:id="rId24"/>
+    <p:sldId id="285" r:id="rId25"/>
+    <p:sldId id="286" r:id="rId26"/>
+    <p:sldId id="287" r:id="rId27"/>
+    <p:sldId id="288" r:id="rId28"/>
+    <p:sldId id="267" r:id="rId29"/>
   </p:sldIdLst>
   <p:sldSz cx="12192000" cy="6858000"/>
   <p:notesSz cx="6858000" cy="9144000"/>
@@ -929,91 +941,9 @@
           </a:bodyPr>
           <a:lstStyle/>
           <a:p>
-            <a:r>
-              <a:rPr lang="pt-BR" sz="1200" b="0" i="0" kern="1200" dirty="0">
-                <a:solidFill>
-                  <a:schemeClr val="tx1"/>
-                </a:solidFill>
-                <a:effectLst/>
-                <a:latin typeface="+mn-lt"/>
-                <a:ea typeface="+mn-ea"/>
-                <a:cs typeface="+mn-cs"/>
-              </a:rPr>
-              <a:t>https://axios-http.com/</a:t>
-            </a:r>
-          </a:p>
-          <a:p>
-            <a:endParaRPr lang="pt-BR" sz="1200" b="0" i="0" kern="1200" dirty="0">
-              <a:solidFill>
-                <a:schemeClr val="tx1"/>
-              </a:solidFill>
-              <a:effectLst/>
-              <a:latin typeface="+mn-lt"/>
-              <a:ea typeface="+mn-ea"/>
-              <a:cs typeface="+mn-cs"/>
-            </a:endParaRPr>
-          </a:p>
-          <a:p>
-            <a:r>
-              <a:rPr lang="pt-BR" sz="1200" b="0" i="0" kern="1200" dirty="0" err="1">
-                <a:solidFill>
-                  <a:schemeClr val="tx1"/>
-                </a:solidFill>
-                <a:effectLst/>
-                <a:latin typeface="+mn-lt"/>
-                <a:ea typeface="+mn-ea"/>
-                <a:cs typeface="+mn-cs"/>
-              </a:rPr>
-              <a:t>Promises</a:t>
-            </a:r>
-            <a:endParaRPr lang="pt-BR" sz="1200" b="0" i="0" kern="1200" dirty="0">
-              <a:solidFill>
-                <a:schemeClr val="tx1"/>
-              </a:solidFill>
-              <a:effectLst/>
-              <a:latin typeface="+mn-lt"/>
-              <a:ea typeface="+mn-ea"/>
-              <a:cs typeface="+mn-cs"/>
-            </a:endParaRPr>
-          </a:p>
-          <a:p>
-            <a:r>
-              <a:rPr lang="pt-BR" sz="1200" b="0" i="0" kern="1200" dirty="0" err="1">
-                <a:solidFill>
-                  <a:schemeClr val="tx1"/>
-                </a:solidFill>
-                <a:effectLst/>
-                <a:latin typeface="+mn-lt"/>
-                <a:ea typeface="+mn-ea"/>
-                <a:cs typeface="+mn-cs"/>
-              </a:rPr>
-              <a:t>Promises</a:t>
-            </a:r>
-            <a:r>
-              <a:rPr lang="pt-BR" sz="1200" b="0" i="0" kern="1200" dirty="0">
-                <a:solidFill>
-                  <a:schemeClr val="tx1"/>
-                </a:solidFill>
-                <a:effectLst/>
-                <a:latin typeface="+mn-lt"/>
-                <a:ea typeface="+mn-ea"/>
-                <a:cs typeface="+mn-cs"/>
-              </a:rPr>
-              <a:t>, como já dissemos, definem uma ação que vai ser executada no futuro, ou seja, ela pode ser resolvida (com sucesso) ou rejeitada (com erro).</a:t>
-            </a:r>
-          </a:p>
-          <a:p>
-            <a:endParaRPr lang="pt-BR" sz="2000" b="0" strike="noStrike" spc="-1" dirty="0">
-              <a:latin typeface="Arial"/>
-            </a:endParaRPr>
-          </a:p>
-          <a:p>
-            <a:r>
-              <a:rPr lang="pt-BR" sz="2000" b="0" strike="noStrike" spc="-1" dirty="0">
-                <a:latin typeface="+mn-lt"/>
-              </a:rPr>
-              <a:t>https://medium.com/trainingcenter/entendendo-promises-de-uma-vez-por-todas-32442ec725c2</a:t>
-            </a:r>
+            <a:endParaRPr lang="pt-BR" sz="2000" b="0" strike="noStrike" spc="-1">
+              <a:latin typeface="Arial"/>
+            </a:endParaRPr>
           </a:p>
         </p:txBody>
       </p:sp>
@@ -1078,7 +1008,7 @@
     </p:spTree>
     <p:extLst>
       <p:ext uri="{BB962C8B-B14F-4D97-AF65-F5344CB8AC3E}">
-        <p14:creationId xmlns:p14="http://schemas.microsoft.com/office/powerpoint/2010/main" val="3522407171"/>
+        <p14:creationId xmlns:p14="http://schemas.microsoft.com/office/powerpoint/2010/main" val="594895875"/>
       </p:ext>
     </p:extLst>
   </p:cSld>
@@ -1150,8 +1080,8 @@
           </a:bodyPr>
           <a:lstStyle/>
           <a:p>
-            <a:endParaRPr lang="pt-BR" sz="2000" b="0" strike="noStrike" spc="-1" dirty="0">
-              <a:latin typeface="+mn-lt"/>
+            <a:endParaRPr lang="pt-BR" sz="2000" b="0" strike="noStrike" spc="-1">
+              <a:latin typeface="Arial"/>
             </a:endParaRPr>
           </a:p>
         </p:txBody>
@@ -1217,7 +1147,7 @@
     </p:spTree>
     <p:extLst>
       <p:ext uri="{BB962C8B-B14F-4D97-AF65-F5344CB8AC3E}">
-        <p14:creationId xmlns:p14="http://schemas.microsoft.com/office/powerpoint/2010/main" val="64732854"/>
+        <p14:creationId xmlns:p14="http://schemas.microsoft.com/office/powerpoint/2010/main" val="2891362118"/>
       </p:ext>
     </p:extLst>
   </p:cSld>
@@ -1289,43 +1219,8 @@
           </a:bodyPr>
           <a:lstStyle/>
           <a:p>
-            <a:r>
-              <a:rPr lang="pt-BR" sz="1200" b="0" i="0" kern="1200" dirty="0">
-                <a:solidFill>
-                  <a:schemeClr val="tx1"/>
-                </a:solidFill>
-                <a:effectLst/>
-                <a:latin typeface="+mn-lt"/>
-                <a:ea typeface="+mn-ea"/>
-                <a:cs typeface="+mn-cs"/>
-              </a:rPr>
-              <a:t>Exemplo</a:t>
-            </a:r>
-            <a:br>
-              <a:rPr lang="pt-BR" sz="1200" b="0" i="0" kern="1200" dirty="0">
-                <a:solidFill>
-                  <a:schemeClr val="tx1"/>
-                </a:solidFill>
-                <a:effectLst/>
-                <a:latin typeface="+mn-lt"/>
-                <a:ea typeface="+mn-ea"/>
-                <a:cs typeface="+mn-cs"/>
-              </a:rPr>
-            </a:br>
-            <a:r>
-              <a:rPr lang="pt-BR" sz="1200" b="0" i="0" kern="1200" dirty="0">
-                <a:solidFill>
-                  <a:schemeClr val="tx1"/>
-                </a:solidFill>
-                <a:effectLst/>
-                <a:latin typeface="+mn-lt"/>
-                <a:ea typeface="+mn-ea"/>
-                <a:cs typeface="+mn-cs"/>
-              </a:rPr>
-              <a:t>http://www.omdbapi.com/?apikey=925eba28&amp;s=bat</a:t>
-            </a:r>
-            <a:endParaRPr lang="pt-BR" sz="2000" b="0" strike="noStrike" spc="-1" dirty="0">
-              <a:latin typeface="+mn-lt"/>
+            <a:endParaRPr lang="pt-BR" sz="2000" b="0" strike="noStrike" spc="-1">
+              <a:latin typeface="Arial"/>
             </a:endParaRPr>
           </a:p>
         </p:txBody>
@@ -1391,7 +1286,7 @@
     </p:spTree>
     <p:extLst>
       <p:ext uri="{BB962C8B-B14F-4D97-AF65-F5344CB8AC3E}">
-        <p14:creationId xmlns:p14="http://schemas.microsoft.com/office/powerpoint/2010/main" val="2854657978"/>
+        <p14:creationId xmlns:p14="http://schemas.microsoft.com/office/powerpoint/2010/main" val="3701340119"/>
       </p:ext>
     </p:extLst>
   </p:cSld>
@@ -1420,7 +1315,7 @@
       </p:grpSpPr>
       <p:sp>
         <p:nvSpPr>
-          <p:cNvPr id="139" name="PlaceHolder 1"/>
+          <p:cNvPr id="202" name="PlaceHolder 1"/>
           <p:cNvSpPr>
             <a:spLocks noGrp="1" noRot="1" noChangeAspect="1"/>
           </p:cNvSpPr>
@@ -1430,17 +1325,17 @@
         </p:nvSpPr>
         <p:spPr>
           <a:xfrm>
-            <a:off x="685800" y="1143000"/>
-            <a:ext cx="5484813" cy="3084513"/>
-          </a:xfrm>
-          <a:prstGeom prst="rect">
-            <a:avLst/>
-          </a:prstGeom>
-        </p:spPr>
-      </p:sp>
-      <p:sp>
-        <p:nvSpPr>
-          <p:cNvPr id="140" name="PlaceHolder 2"/>
+            <a:off x="687388" y="1143000"/>
+            <a:ext cx="5480050" cy="3082925"/>
+          </a:xfrm>
+          <a:prstGeom prst="rect">
+            <a:avLst/>
+          </a:prstGeom>
+        </p:spPr>
+      </p:sp>
+      <p:sp>
+        <p:nvSpPr>
+          <p:cNvPr id="203" name="PlaceHolder 2"/>
           <p:cNvSpPr>
             <a:spLocks noGrp="1"/>
           </p:cNvSpPr>
@@ -1451,7 +1346,7 @@
         <p:spPr>
           <a:xfrm>
             <a:off x="685800" y="4400640"/>
-            <a:ext cx="5485320" cy="3599280"/>
+            <a:ext cx="5482440" cy="3596400"/>
           </a:xfrm>
           <a:prstGeom prst="rect">
             <a:avLst/>
@@ -1463,22 +1358,57 @@
           </a:bodyPr>
           <a:lstStyle/>
           <a:p>
-            <a:endParaRPr lang="pt-BR" sz="2000" b="0" strike="noStrike" spc="-1">
-              <a:latin typeface="Arial"/>
-            </a:endParaRPr>
-          </a:p>
-        </p:txBody>
-      </p:sp>
-      <p:sp>
-        <p:nvSpPr>
-          <p:cNvPr id="141" name="CustomShape 3"/>
+            <a:r>
+              <a:rPr lang="pt-BR" sz="1200" b="0" i="0" kern="1200" dirty="0">
+                <a:solidFill>
+                  <a:schemeClr val="tx1"/>
+                </a:solidFill>
+                <a:effectLst/>
+                <a:latin typeface="+mn-lt"/>
+                <a:ea typeface="+mn-ea"/>
+                <a:cs typeface="+mn-cs"/>
+              </a:rPr>
+              <a:t>Exemplo</a:t>
+            </a:r>
+            <a:br>
+              <a:rPr lang="pt-BR" sz="1200" b="0" i="0" kern="1200" dirty="0">
+                <a:solidFill>
+                  <a:schemeClr val="tx1"/>
+                </a:solidFill>
+                <a:effectLst/>
+                <a:latin typeface="+mn-lt"/>
+                <a:ea typeface="+mn-ea"/>
+                <a:cs typeface="+mn-cs"/>
+              </a:rPr>
+            </a:br>
+            <a:r>
+              <a:rPr lang="pt-BR" sz="1200" b="0" i="0" kern="1200" dirty="0">
+                <a:solidFill>
+                  <a:schemeClr val="tx1"/>
+                </a:solidFill>
+                <a:effectLst/>
+                <a:latin typeface="+mn-lt"/>
+                <a:ea typeface="+mn-ea"/>
+                <a:cs typeface="+mn-cs"/>
+              </a:rPr>
+              <a:t>http://www.omdbapi.com/?apikey=925eba28&amp;s=bat</a:t>
+            </a:r>
+            <a:endParaRPr lang="pt-BR" sz="2000" b="0" strike="noStrike" spc="-1" dirty="0">
+              <a:latin typeface="+mn-lt"/>
+            </a:endParaRPr>
+          </a:p>
+        </p:txBody>
+      </p:sp>
+      <p:sp>
+        <p:nvSpPr>
+          <p:cNvPr id="204" name="CustomShape 3"/>
           <p:cNvSpPr/>
           <p:nvPr/>
         </p:nvSpPr>
         <p:spPr>
           <a:xfrm>
             <a:off x="3884760" y="8685360"/>
-            <a:ext cx="2970720" cy="457560"/>
+            <a:ext cx="2967840" cy="454680"/>
           </a:xfrm>
           <a:prstGeom prst="rect">
             <a:avLst/>
@@ -1511,12 +1441,13 @@
                 <a:spcPct val="100000"/>
               </a:lnSpc>
             </a:pPr>
-            <a:fld id="{76541F3C-0A59-4F90-AFC6-6F0BC6A0EC2F}" type="slidenum">
+            <a:fld id="{EECC64C6-2FBD-4770-B109-62040DE39BC9}" type="slidenum">
               <a:rPr lang="pt-BR" sz="1200" b="0" strike="noStrike" spc="-1">
                 <a:solidFill>
                   <a:srgbClr val="000000"/>
                 </a:solidFill>
                 <a:latin typeface="Times New Roman"/>
+                <a:ea typeface="+mn-ea"/>
               </a:rPr>
               <a:t>15</a:t>
             </a:fld>
@@ -1527,6 +1458,649 @@
         </p:txBody>
       </p:sp>
     </p:spTree>
+    <p:extLst>
+      <p:ext uri="{BB962C8B-B14F-4D97-AF65-F5344CB8AC3E}">
+        <p14:creationId xmlns:p14="http://schemas.microsoft.com/office/powerpoint/2010/main" val="2854657978"/>
+      </p:ext>
+    </p:extLst>
+  </p:cSld>
+  <p:clrMapOvr>
+    <a:masterClrMapping/>
+  </p:clrMapOvr>
+</p:notes>
+</file>
+
+<file path=ppt/notesSlides/notesSlide16.xml><?xml version="1.0" encoding="utf-8"?>
+<p:notes xmlns:a="http://schemas.openxmlformats.org/drawingml/2006/main" xmlns:r="http://schemas.openxmlformats.org/officeDocument/2006/relationships" xmlns:p="http://schemas.openxmlformats.org/presentationml/2006/main">
+  <p:cSld>
+    <p:spTree>
+      <p:nvGrpSpPr>
+        <p:cNvPr id="1" name=""/>
+        <p:cNvGrpSpPr/>
+        <p:nvPr/>
+      </p:nvGrpSpPr>
+      <p:grpSpPr>
+        <a:xfrm>
+          <a:off x="0" y="0"/>
+          <a:ext cx="0" cy="0"/>
+          <a:chOff x="0" y="0"/>
+          <a:chExt cx="0" cy="0"/>
+        </a:xfrm>
+      </p:grpSpPr>
+      <p:sp>
+        <p:nvSpPr>
+          <p:cNvPr id="202" name="PlaceHolder 1"/>
+          <p:cNvSpPr>
+            <a:spLocks noGrp="1" noRot="1" noChangeAspect="1"/>
+          </p:cNvSpPr>
+          <p:nvPr>
+            <p:ph type="sldImg"/>
+          </p:nvPr>
+        </p:nvSpPr>
+        <p:spPr>
+          <a:xfrm>
+            <a:off x="687388" y="1143000"/>
+            <a:ext cx="5480050" cy="3082925"/>
+          </a:xfrm>
+          <a:prstGeom prst="rect">
+            <a:avLst/>
+          </a:prstGeom>
+        </p:spPr>
+      </p:sp>
+      <p:sp>
+        <p:nvSpPr>
+          <p:cNvPr id="203" name="PlaceHolder 2"/>
+          <p:cNvSpPr>
+            <a:spLocks noGrp="1"/>
+          </p:cNvSpPr>
+          <p:nvPr>
+            <p:ph type="body"/>
+          </p:nvPr>
+        </p:nvSpPr>
+        <p:spPr>
+          <a:xfrm>
+            <a:off x="685800" y="4400640"/>
+            <a:ext cx="5482440" cy="3596400"/>
+          </a:xfrm>
+          <a:prstGeom prst="rect">
+            <a:avLst/>
+          </a:prstGeom>
+        </p:spPr>
+        <p:txBody>
+          <a:bodyPr lIns="0" tIns="0" rIns="0" bIns="0">
+            <a:noAutofit/>
+          </a:bodyPr>
+          <a:lstStyle/>
+          <a:p>
+            <a:r>
+              <a:rPr lang="pt-BR" sz="1200" b="0" i="0" kern="1200" dirty="0">
+                <a:solidFill>
+                  <a:schemeClr val="tx1"/>
+                </a:solidFill>
+                <a:effectLst/>
+                <a:latin typeface="+mn-lt"/>
+                <a:ea typeface="+mn-ea"/>
+                <a:cs typeface="+mn-cs"/>
+              </a:rPr>
+              <a:t>https://axios-http.com/</a:t>
+            </a:r>
+          </a:p>
+          <a:p>
+            <a:endParaRPr lang="pt-BR" sz="1200" b="0" i="0" kern="1200" dirty="0">
+              <a:solidFill>
+                <a:schemeClr val="tx1"/>
+              </a:solidFill>
+              <a:effectLst/>
+              <a:latin typeface="+mn-lt"/>
+              <a:ea typeface="+mn-ea"/>
+              <a:cs typeface="+mn-cs"/>
+            </a:endParaRPr>
+          </a:p>
+          <a:p>
+            <a:r>
+              <a:rPr lang="pt-BR" sz="1200" b="0" i="0" kern="1200" dirty="0" err="1">
+                <a:solidFill>
+                  <a:schemeClr val="tx1"/>
+                </a:solidFill>
+                <a:effectLst/>
+                <a:latin typeface="+mn-lt"/>
+                <a:ea typeface="+mn-ea"/>
+                <a:cs typeface="+mn-cs"/>
+              </a:rPr>
+              <a:t>Promises</a:t>
+            </a:r>
+            <a:endParaRPr lang="pt-BR" sz="1200" b="0" i="0" kern="1200" dirty="0">
+              <a:solidFill>
+                <a:schemeClr val="tx1"/>
+              </a:solidFill>
+              <a:effectLst/>
+              <a:latin typeface="+mn-lt"/>
+              <a:ea typeface="+mn-ea"/>
+              <a:cs typeface="+mn-cs"/>
+            </a:endParaRPr>
+          </a:p>
+          <a:p>
+            <a:r>
+              <a:rPr lang="pt-BR" sz="1200" b="0" i="0" kern="1200" dirty="0" err="1">
+                <a:solidFill>
+                  <a:schemeClr val="tx1"/>
+                </a:solidFill>
+                <a:effectLst/>
+                <a:latin typeface="+mn-lt"/>
+                <a:ea typeface="+mn-ea"/>
+                <a:cs typeface="+mn-cs"/>
+              </a:rPr>
+              <a:t>Promises</a:t>
+            </a:r>
+            <a:r>
+              <a:rPr lang="pt-BR" sz="1200" b="0" i="0" kern="1200" dirty="0">
+                <a:solidFill>
+                  <a:schemeClr val="tx1"/>
+                </a:solidFill>
+                <a:effectLst/>
+                <a:latin typeface="+mn-lt"/>
+                <a:ea typeface="+mn-ea"/>
+                <a:cs typeface="+mn-cs"/>
+              </a:rPr>
+              <a:t>, como já dissemos, definem uma ação que vai ser executada no futuro, ou seja, ela pode ser resolvida (com sucesso) ou rejeitada (com erro).</a:t>
+            </a:r>
+          </a:p>
+          <a:p>
+            <a:endParaRPr lang="pt-BR" sz="2000" b="0" strike="noStrike" spc="-1" dirty="0">
+              <a:latin typeface="Arial"/>
+            </a:endParaRPr>
+          </a:p>
+          <a:p>
+            <a:r>
+              <a:rPr lang="pt-BR" sz="2000" b="0" strike="noStrike" spc="-1" dirty="0">
+                <a:latin typeface="+mn-lt"/>
+              </a:rPr>
+              <a:t>https://medium.com/trainingcenter/entendendo-promises-de-uma-vez-por-todas-32442ec725c2</a:t>
+            </a:r>
+          </a:p>
+        </p:txBody>
+      </p:sp>
+      <p:sp>
+        <p:nvSpPr>
+          <p:cNvPr id="204" name="CustomShape 3"/>
+          <p:cNvSpPr/>
+          <p:nvPr/>
+        </p:nvSpPr>
+        <p:spPr>
+          <a:xfrm>
+            <a:off x="3884760" y="8685360"/>
+            <a:ext cx="2967840" cy="454680"/>
+          </a:xfrm>
+          <a:prstGeom prst="rect">
+            <a:avLst/>
+          </a:prstGeom>
+          <a:noFill/>
+          <a:ln>
+            <a:noFill/>
+          </a:ln>
+        </p:spPr>
+        <p:style>
+          <a:lnRef idx="0">
+            <a:scrgbClr r="0" g="0" b="0"/>
+          </a:lnRef>
+          <a:fillRef idx="0">
+            <a:scrgbClr r="0" g="0" b="0"/>
+          </a:fillRef>
+          <a:effectRef idx="0">
+            <a:scrgbClr r="0" g="0" b="0"/>
+          </a:effectRef>
+          <a:fontRef idx="minor"/>
+        </p:style>
+        <p:txBody>
+          <a:bodyPr lIns="90000" tIns="45000" rIns="90000" bIns="45000" anchor="b">
+            <a:noAutofit/>
+          </a:bodyPr>
+          <a:lstStyle/>
+          <a:p>
+            <a:pPr algn="r">
+              <a:lnSpc>
+                <a:spcPct val="100000"/>
+              </a:lnSpc>
+            </a:pPr>
+            <a:fld id="{EECC64C6-2FBD-4770-B109-62040DE39BC9}" type="slidenum">
+              <a:rPr lang="pt-BR" sz="1200" b="0" strike="noStrike" spc="-1">
+                <a:solidFill>
+                  <a:srgbClr val="000000"/>
+                </a:solidFill>
+                <a:latin typeface="Times New Roman"/>
+                <a:ea typeface="+mn-ea"/>
+              </a:rPr>
+              <a:t>16</a:t>
+            </a:fld>
+            <a:endParaRPr lang="pt-BR" sz="1200" b="0" strike="noStrike" spc="-1">
+              <a:latin typeface="Arial"/>
+            </a:endParaRPr>
+          </a:p>
+        </p:txBody>
+      </p:sp>
+    </p:spTree>
+    <p:extLst>
+      <p:ext uri="{BB962C8B-B14F-4D97-AF65-F5344CB8AC3E}">
+        <p14:creationId xmlns:p14="http://schemas.microsoft.com/office/powerpoint/2010/main" val="3522407171"/>
+      </p:ext>
+    </p:extLst>
+  </p:cSld>
+  <p:clrMapOvr>
+    <a:masterClrMapping/>
+  </p:clrMapOvr>
+</p:notes>
+</file>
+
+<file path=ppt/notesSlides/notesSlide17.xml><?xml version="1.0" encoding="utf-8"?>
+<p:notes xmlns:a="http://schemas.openxmlformats.org/drawingml/2006/main" xmlns:r="http://schemas.openxmlformats.org/officeDocument/2006/relationships" xmlns:p="http://schemas.openxmlformats.org/presentationml/2006/main">
+  <p:cSld>
+    <p:spTree>
+      <p:nvGrpSpPr>
+        <p:cNvPr id="1" name=""/>
+        <p:cNvGrpSpPr/>
+        <p:nvPr/>
+      </p:nvGrpSpPr>
+      <p:grpSpPr>
+        <a:xfrm>
+          <a:off x="0" y="0"/>
+          <a:ext cx="0" cy="0"/>
+          <a:chOff x="0" y="0"/>
+          <a:chExt cx="0" cy="0"/>
+        </a:xfrm>
+      </p:grpSpPr>
+      <p:sp>
+        <p:nvSpPr>
+          <p:cNvPr id="202" name="PlaceHolder 1"/>
+          <p:cNvSpPr>
+            <a:spLocks noGrp="1" noRot="1" noChangeAspect="1"/>
+          </p:cNvSpPr>
+          <p:nvPr>
+            <p:ph type="sldImg"/>
+          </p:nvPr>
+        </p:nvSpPr>
+        <p:spPr>
+          <a:xfrm>
+            <a:off x="687388" y="1143000"/>
+            <a:ext cx="5480050" cy="3082925"/>
+          </a:xfrm>
+          <a:prstGeom prst="rect">
+            <a:avLst/>
+          </a:prstGeom>
+        </p:spPr>
+      </p:sp>
+      <p:sp>
+        <p:nvSpPr>
+          <p:cNvPr id="203" name="PlaceHolder 2"/>
+          <p:cNvSpPr>
+            <a:spLocks noGrp="1"/>
+          </p:cNvSpPr>
+          <p:nvPr>
+            <p:ph type="body"/>
+          </p:nvPr>
+        </p:nvSpPr>
+        <p:spPr>
+          <a:xfrm>
+            <a:off x="685800" y="4400640"/>
+            <a:ext cx="5482440" cy="3596400"/>
+          </a:xfrm>
+          <a:prstGeom prst="rect">
+            <a:avLst/>
+          </a:prstGeom>
+        </p:spPr>
+        <p:txBody>
+          <a:bodyPr lIns="0" tIns="0" rIns="0" bIns="0">
+            <a:noAutofit/>
+          </a:bodyPr>
+          <a:lstStyle/>
+          <a:p>
+            <a:endParaRPr lang="pt-BR" sz="2000" b="0" strike="noStrike" spc="-1" dirty="0">
+              <a:latin typeface="+mn-lt"/>
+            </a:endParaRPr>
+          </a:p>
+        </p:txBody>
+      </p:sp>
+      <p:sp>
+        <p:nvSpPr>
+          <p:cNvPr id="204" name="CustomShape 3"/>
+          <p:cNvSpPr/>
+          <p:nvPr/>
+        </p:nvSpPr>
+        <p:spPr>
+          <a:xfrm>
+            <a:off x="3884760" y="8685360"/>
+            <a:ext cx="2967840" cy="454680"/>
+          </a:xfrm>
+          <a:prstGeom prst="rect">
+            <a:avLst/>
+          </a:prstGeom>
+          <a:noFill/>
+          <a:ln>
+            <a:noFill/>
+          </a:ln>
+        </p:spPr>
+        <p:style>
+          <a:lnRef idx="0">
+            <a:scrgbClr r="0" g="0" b="0"/>
+          </a:lnRef>
+          <a:fillRef idx="0">
+            <a:scrgbClr r="0" g="0" b="0"/>
+          </a:fillRef>
+          <a:effectRef idx="0">
+            <a:scrgbClr r="0" g="0" b="0"/>
+          </a:effectRef>
+          <a:fontRef idx="minor"/>
+        </p:style>
+        <p:txBody>
+          <a:bodyPr lIns="90000" tIns="45000" rIns="90000" bIns="45000" anchor="b">
+            <a:noAutofit/>
+          </a:bodyPr>
+          <a:lstStyle/>
+          <a:p>
+            <a:pPr algn="r">
+              <a:lnSpc>
+                <a:spcPct val="100000"/>
+              </a:lnSpc>
+            </a:pPr>
+            <a:fld id="{EECC64C6-2FBD-4770-B109-62040DE39BC9}" type="slidenum">
+              <a:rPr lang="pt-BR" sz="1200" b="0" strike="noStrike" spc="-1">
+                <a:solidFill>
+                  <a:srgbClr val="000000"/>
+                </a:solidFill>
+                <a:latin typeface="Times New Roman"/>
+                <a:ea typeface="+mn-ea"/>
+              </a:rPr>
+              <a:t>17</a:t>
+            </a:fld>
+            <a:endParaRPr lang="pt-BR" sz="1200" b="0" strike="noStrike" spc="-1">
+              <a:latin typeface="Arial"/>
+            </a:endParaRPr>
+          </a:p>
+        </p:txBody>
+      </p:sp>
+    </p:spTree>
+    <p:extLst>
+      <p:ext uri="{BB962C8B-B14F-4D97-AF65-F5344CB8AC3E}">
+        <p14:creationId xmlns:p14="http://schemas.microsoft.com/office/powerpoint/2010/main" val="64732854"/>
+      </p:ext>
+    </p:extLst>
+  </p:cSld>
+  <p:clrMapOvr>
+    <a:masterClrMapping/>
+  </p:clrMapOvr>
+</p:notes>
+</file>
+
+<file path=ppt/notesSlides/notesSlide18.xml><?xml version="1.0" encoding="utf-8"?>
+<p:notes xmlns:a="http://schemas.openxmlformats.org/drawingml/2006/main" xmlns:r="http://schemas.openxmlformats.org/officeDocument/2006/relationships" xmlns:p="http://schemas.openxmlformats.org/presentationml/2006/main">
+  <p:cSld>
+    <p:spTree>
+      <p:nvGrpSpPr>
+        <p:cNvPr id="1" name=""/>
+        <p:cNvGrpSpPr/>
+        <p:nvPr/>
+      </p:nvGrpSpPr>
+      <p:grpSpPr>
+        <a:xfrm>
+          <a:off x="0" y="0"/>
+          <a:ext cx="0" cy="0"/>
+          <a:chOff x="0" y="0"/>
+          <a:chExt cx="0" cy="0"/>
+        </a:xfrm>
+      </p:grpSpPr>
+      <p:sp>
+        <p:nvSpPr>
+          <p:cNvPr id="202" name="PlaceHolder 1"/>
+          <p:cNvSpPr>
+            <a:spLocks noGrp="1" noRot="1" noChangeAspect="1"/>
+          </p:cNvSpPr>
+          <p:nvPr>
+            <p:ph type="sldImg"/>
+          </p:nvPr>
+        </p:nvSpPr>
+        <p:spPr>
+          <a:xfrm>
+            <a:off x="687388" y="1143000"/>
+            <a:ext cx="5480050" cy="3082925"/>
+          </a:xfrm>
+          <a:prstGeom prst="rect">
+            <a:avLst/>
+          </a:prstGeom>
+        </p:spPr>
+      </p:sp>
+      <p:sp>
+        <p:nvSpPr>
+          <p:cNvPr id="203" name="PlaceHolder 2"/>
+          <p:cNvSpPr>
+            <a:spLocks noGrp="1"/>
+          </p:cNvSpPr>
+          <p:nvPr>
+            <p:ph type="body"/>
+          </p:nvPr>
+        </p:nvSpPr>
+        <p:spPr>
+          <a:xfrm>
+            <a:off x="685800" y="4400640"/>
+            <a:ext cx="5482440" cy="3596400"/>
+          </a:xfrm>
+          <a:prstGeom prst="rect">
+            <a:avLst/>
+          </a:prstGeom>
+        </p:spPr>
+        <p:txBody>
+          <a:bodyPr lIns="0" tIns="0" rIns="0" bIns="0">
+            <a:noAutofit/>
+          </a:bodyPr>
+          <a:lstStyle/>
+          <a:p>
+            <a:endParaRPr lang="pt-BR" sz="2000" b="0" strike="noStrike" spc="-1" dirty="0">
+              <a:latin typeface="+mn-lt"/>
+            </a:endParaRPr>
+          </a:p>
+        </p:txBody>
+      </p:sp>
+      <p:sp>
+        <p:nvSpPr>
+          <p:cNvPr id="204" name="CustomShape 3"/>
+          <p:cNvSpPr/>
+          <p:nvPr/>
+        </p:nvSpPr>
+        <p:spPr>
+          <a:xfrm>
+            <a:off x="3884760" y="8685360"/>
+            <a:ext cx="2967840" cy="454680"/>
+          </a:xfrm>
+          <a:prstGeom prst="rect">
+            <a:avLst/>
+          </a:prstGeom>
+          <a:noFill/>
+          <a:ln>
+            <a:noFill/>
+          </a:ln>
+        </p:spPr>
+        <p:style>
+          <a:lnRef idx="0">
+            <a:scrgbClr r="0" g="0" b="0"/>
+          </a:lnRef>
+          <a:fillRef idx="0">
+            <a:scrgbClr r="0" g="0" b="0"/>
+          </a:fillRef>
+          <a:effectRef idx="0">
+            <a:scrgbClr r="0" g="0" b="0"/>
+          </a:effectRef>
+          <a:fontRef idx="minor"/>
+        </p:style>
+        <p:txBody>
+          <a:bodyPr lIns="90000" tIns="45000" rIns="90000" bIns="45000" anchor="b">
+            <a:noAutofit/>
+          </a:bodyPr>
+          <a:lstStyle/>
+          <a:p>
+            <a:pPr algn="r">
+              <a:lnSpc>
+                <a:spcPct val="100000"/>
+              </a:lnSpc>
+            </a:pPr>
+            <a:fld id="{EECC64C6-2FBD-4770-B109-62040DE39BC9}" type="slidenum">
+              <a:rPr lang="pt-BR" sz="1200" b="0" strike="noStrike" spc="-1">
+                <a:solidFill>
+                  <a:srgbClr val="000000"/>
+                </a:solidFill>
+                <a:latin typeface="Times New Roman"/>
+                <a:ea typeface="+mn-ea"/>
+              </a:rPr>
+              <a:t>18</a:t>
+            </a:fld>
+            <a:endParaRPr lang="pt-BR" sz="1200" b="0" strike="noStrike" spc="-1">
+              <a:latin typeface="Arial"/>
+            </a:endParaRPr>
+          </a:p>
+        </p:txBody>
+      </p:sp>
+    </p:spTree>
+    <p:extLst>
+      <p:ext uri="{BB962C8B-B14F-4D97-AF65-F5344CB8AC3E}">
+        <p14:creationId xmlns:p14="http://schemas.microsoft.com/office/powerpoint/2010/main" val="1744937434"/>
+      </p:ext>
+    </p:extLst>
+  </p:cSld>
+  <p:clrMapOvr>
+    <a:masterClrMapping/>
+  </p:clrMapOvr>
+</p:notes>
+</file>
+
+<file path=ppt/notesSlides/notesSlide19.xml><?xml version="1.0" encoding="utf-8"?>
+<p:notes xmlns:a="http://schemas.openxmlformats.org/drawingml/2006/main" xmlns:r="http://schemas.openxmlformats.org/officeDocument/2006/relationships" xmlns:p="http://schemas.openxmlformats.org/presentationml/2006/main">
+  <p:cSld>
+    <p:spTree>
+      <p:nvGrpSpPr>
+        <p:cNvPr id="1" name=""/>
+        <p:cNvGrpSpPr/>
+        <p:nvPr/>
+      </p:nvGrpSpPr>
+      <p:grpSpPr>
+        <a:xfrm>
+          <a:off x="0" y="0"/>
+          <a:ext cx="0" cy="0"/>
+          <a:chOff x="0" y="0"/>
+          <a:chExt cx="0" cy="0"/>
+        </a:xfrm>
+      </p:grpSpPr>
+      <p:sp>
+        <p:nvSpPr>
+          <p:cNvPr id="202" name="PlaceHolder 1"/>
+          <p:cNvSpPr>
+            <a:spLocks noGrp="1" noRot="1" noChangeAspect="1"/>
+          </p:cNvSpPr>
+          <p:nvPr>
+            <p:ph type="sldImg"/>
+          </p:nvPr>
+        </p:nvSpPr>
+        <p:spPr>
+          <a:xfrm>
+            <a:off x="687388" y="1143000"/>
+            <a:ext cx="5480050" cy="3082925"/>
+          </a:xfrm>
+          <a:prstGeom prst="rect">
+            <a:avLst/>
+          </a:prstGeom>
+        </p:spPr>
+      </p:sp>
+      <p:sp>
+        <p:nvSpPr>
+          <p:cNvPr id="203" name="PlaceHolder 2"/>
+          <p:cNvSpPr>
+            <a:spLocks noGrp="1"/>
+          </p:cNvSpPr>
+          <p:nvPr>
+            <p:ph type="body"/>
+          </p:nvPr>
+        </p:nvSpPr>
+        <p:spPr>
+          <a:xfrm>
+            <a:off x="685800" y="4400640"/>
+            <a:ext cx="5482440" cy="3596400"/>
+          </a:xfrm>
+          <a:prstGeom prst="rect">
+            <a:avLst/>
+          </a:prstGeom>
+        </p:spPr>
+        <p:txBody>
+          <a:bodyPr lIns="0" tIns="0" rIns="0" bIns="0">
+            <a:noAutofit/>
+          </a:bodyPr>
+          <a:lstStyle/>
+          <a:p>
+            <a:endParaRPr lang="pt-BR" sz="2000" b="0" strike="noStrike" spc="-1" dirty="0">
+              <a:latin typeface="+mn-lt"/>
+            </a:endParaRPr>
+          </a:p>
+        </p:txBody>
+      </p:sp>
+      <p:sp>
+        <p:nvSpPr>
+          <p:cNvPr id="204" name="CustomShape 3"/>
+          <p:cNvSpPr/>
+          <p:nvPr/>
+        </p:nvSpPr>
+        <p:spPr>
+          <a:xfrm>
+            <a:off x="3884760" y="8685360"/>
+            <a:ext cx="2967840" cy="454680"/>
+          </a:xfrm>
+          <a:prstGeom prst="rect">
+            <a:avLst/>
+          </a:prstGeom>
+          <a:noFill/>
+          <a:ln>
+            <a:noFill/>
+          </a:ln>
+        </p:spPr>
+        <p:style>
+          <a:lnRef idx="0">
+            <a:scrgbClr r="0" g="0" b="0"/>
+          </a:lnRef>
+          <a:fillRef idx="0">
+            <a:scrgbClr r="0" g="0" b="0"/>
+          </a:fillRef>
+          <a:effectRef idx="0">
+            <a:scrgbClr r="0" g="0" b="0"/>
+          </a:effectRef>
+          <a:fontRef idx="minor"/>
+        </p:style>
+        <p:txBody>
+          <a:bodyPr lIns="90000" tIns="45000" rIns="90000" bIns="45000" anchor="b">
+            <a:noAutofit/>
+          </a:bodyPr>
+          <a:lstStyle/>
+          <a:p>
+            <a:pPr algn="r">
+              <a:lnSpc>
+                <a:spcPct val="100000"/>
+              </a:lnSpc>
+            </a:pPr>
+            <a:fld id="{EECC64C6-2FBD-4770-B109-62040DE39BC9}" type="slidenum">
+              <a:rPr lang="pt-BR" sz="1200" b="0" strike="noStrike" spc="-1">
+                <a:solidFill>
+                  <a:srgbClr val="000000"/>
+                </a:solidFill>
+                <a:latin typeface="Times New Roman"/>
+                <a:ea typeface="+mn-ea"/>
+              </a:rPr>
+              <a:t>19</a:t>
+            </a:fld>
+            <a:endParaRPr lang="pt-BR" sz="1200" b="0" strike="noStrike" spc="-1">
+              <a:latin typeface="Arial"/>
+            </a:endParaRPr>
+          </a:p>
+        </p:txBody>
+      </p:sp>
+    </p:spTree>
+    <p:extLst>
+      <p:ext uri="{BB962C8B-B14F-4D97-AF65-F5344CB8AC3E}">
+        <p14:creationId xmlns:p14="http://schemas.microsoft.com/office/powerpoint/2010/main" val="631042398"/>
+      </p:ext>
+    </p:extLst>
   </p:cSld>
   <p:clrMapOvr>
     <a:masterClrMapping/>
@@ -1652,6 +2226,1112 @@
                 <a:latin typeface="Times New Roman"/>
               </a:rPr>
               <a:t>2</a:t>
+            </a:fld>
+            <a:endParaRPr lang="pt-BR" sz="1200" b="0" strike="noStrike" spc="-1">
+              <a:latin typeface="Arial"/>
+            </a:endParaRPr>
+          </a:p>
+        </p:txBody>
+      </p:sp>
+    </p:spTree>
+  </p:cSld>
+  <p:clrMapOvr>
+    <a:masterClrMapping/>
+  </p:clrMapOvr>
+</p:notes>
+</file>
+
+<file path=ppt/notesSlides/notesSlide20.xml><?xml version="1.0" encoding="utf-8"?>
+<p:notes xmlns:a="http://schemas.openxmlformats.org/drawingml/2006/main" xmlns:r="http://schemas.openxmlformats.org/officeDocument/2006/relationships" xmlns:p="http://schemas.openxmlformats.org/presentationml/2006/main">
+  <p:cSld>
+    <p:spTree>
+      <p:nvGrpSpPr>
+        <p:cNvPr id="1" name=""/>
+        <p:cNvGrpSpPr/>
+        <p:nvPr/>
+      </p:nvGrpSpPr>
+      <p:grpSpPr>
+        <a:xfrm>
+          <a:off x="0" y="0"/>
+          <a:ext cx="0" cy="0"/>
+          <a:chOff x="0" y="0"/>
+          <a:chExt cx="0" cy="0"/>
+        </a:xfrm>
+      </p:grpSpPr>
+      <p:sp>
+        <p:nvSpPr>
+          <p:cNvPr id="202" name="PlaceHolder 1"/>
+          <p:cNvSpPr>
+            <a:spLocks noGrp="1" noRot="1" noChangeAspect="1"/>
+          </p:cNvSpPr>
+          <p:nvPr>
+            <p:ph type="sldImg"/>
+          </p:nvPr>
+        </p:nvSpPr>
+        <p:spPr>
+          <a:xfrm>
+            <a:off x="687388" y="1143000"/>
+            <a:ext cx="5480050" cy="3082925"/>
+          </a:xfrm>
+          <a:prstGeom prst="rect">
+            <a:avLst/>
+          </a:prstGeom>
+        </p:spPr>
+      </p:sp>
+      <p:sp>
+        <p:nvSpPr>
+          <p:cNvPr id="203" name="PlaceHolder 2"/>
+          <p:cNvSpPr>
+            <a:spLocks noGrp="1"/>
+          </p:cNvSpPr>
+          <p:nvPr>
+            <p:ph type="body"/>
+          </p:nvPr>
+        </p:nvSpPr>
+        <p:spPr>
+          <a:xfrm>
+            <a:off x="685800" y="4400640"/>
+            <a:ext cx="5482440" cy="3596400"/>
+          </a:xfrm>
+          <a:prstGeom prst="rect">
+            <a:avLst/>
+          </a:prstGeom>
+        </p:spPr>
+        <p:txBody>
+          <a:bodyPr lIns="0" tIns="0" rIns="0" bIns="0">
+            <a:noAutofit/>
+          </a:bodyPr>
+          <a:lstStyle/>
+          <a:p>
+            <a:endParaRPr lang="pt-BR" sz="2000" b="0" strike="noStrike" spc="-1" dirty="0">
+              <a:latin typeface="+mn-lt"/>
+            </a:endParaRPr>
+          </a:p>
+        </p:txBody>
+      </p:sp>
+      <p:sp>
+        <p:nvSpPr>
+          <p:cNvPr id="204" name="CustomShape 3"/>
+          <p:cNvSpPr/>
+          <p:nvPr/>
+        </p:nvSpPr>
+        <p:spPr>
+          <a:xfrm>
+            <a:off x="3884760" y="8685360"/>
+            <a:ext cx="2967840" cy="454680"/>
+          </a:xfrm>
+          <a:prstGeom prst="rect">
+            <a:avLst/>
+          </a:prstGeom>
+          <a:noFill/>
+          <a:ln>
+            <a:noFill/>
+          </a:ln>
+        </p:spPr>
+        <p:style>
+          <a:lnRef idx="0">
+            <a:scrgbClr r="0" g="0" b="0"/>
+          </a:lnRef>
+          <a:fillRef idx="0">
+            <a:scrgbClr r="0" g="0" b="0"/>
+          </a:fillRef>
+          <a:effectRef idx="0">
+            <a:scrgbClr r="0" g="0" b="0"/>
+          </a:effectRef>
+          <a:fontRef idx="minor"/>
+        </p:style>
+        <p:txBody>
+          <a:bodyPr lIns="90000" tIns="45000" rIns="90000" bIns="45000" anchor="b">
+            <a:noAutofit/>
+          </a:bodyPr>
+          <a:lstStyle/>
+          <a:p>
+            <a:pPr algn="r">
+              <a:lnSpc>
+                <a:spcPct val="100000"/>
+              </a:lnSpc>
+            </a:pPr>
+            <a:fld id="{EECC64C6-2FBD-4770-B109-62040DE39BC9}" type="slidenum">
+              <a:rPr lang="pt-BR" sz="1200" b="0" strike="noStrike" spc="-1">
+                <a:solidFill>
+                  <a:srgbClr val="000000"/>
+                </a:solidFill>
+                <a:latin typeface="Times New Roman"/>
+                <a:ea typeface="+mn-ea"/>
+              </a:rPr>
+              <a:t>20</a:t>
+            </a:fld>
+            <a:endParaRPr lang="pt-BR" sz="1200" b="0" strike="noStrike" spc="-1">
+              <a:latin typeface="Arial"/>
+            </a:endParaRPr>
+          </a:p>
+        </p:txBody>
+      </p:sp>
+    </p:spTree>
+    <p:extLst>
+      <p:ext uri="{BB962C8B-B14F-4D97-AF65-F5344CB8AC3E}">
+        <p14:creationId xmlns:p14="http://schemas.microsoft.com/office/powerpoint/2010/main" val="328931453"/>
+      </p:ext>
+    </p:extLst>
+  </p:cSld>
+  <p:clrMapOvr>
+    <a:masterClrMapping/>
+  </p:clrMapOvr>
+</p:notes>
+</file>
+
+<file path=ppt/notesSlides/notesSlide21.xml><?xml version="1.0" encoding="utf-8"?>
+<p:notes xmlns:a="http://schemas.openxmlformats.org/drawingml/2006/main" xmlns:r="http://schemas.openxmlformats.org/officeDocument/2006/relationships" xmlns:p="http://schemas.openxmlformats.org/presentationml/2006/main">
+  <p:cSld>
+    <p:spTree>
+      <p:nvGrpSpPr>
+        <p:cNvPr id="1" name=""/>
+        <p:cNvGrpSpPr/>
+        <p:nvPr/>
+      </p:nvGrpSpPr>
+      <p:grpSpPr>
+        <a:xfrm>
+          <a:off x="0" y="0"/>
+          <a:ext cx="0" cy="0"/>
+          <a:chOff x="0" y="0"/>
+          <a:chExt cx="0" cy="0"/>
+        </a:xfrm>
+      </p:grpSpPr>
+      <p:sp>
+        <p:nvSpPr>
+          <p:cNvPr id="202" name="PlaceHolder 1"/>
+          <p:cNvSpPr>
+            <a:spLocks noGrp="1" noRot="1" noChangeAspect="1"/>
+          </p:cNvSpPr>
+          <p:nvPr>
+            <p:ph type="sldImg"/>
+          </p:nvPr>
+        </p:nvSpPr>
+        <p:spPr>
+          <a:xfrm>
+            <a:off x="687388" y="1143000"/>
+            <a:ext cx="5480050" cy="3082925"/>
+          </a:xfrm>
+          <a:prstGeom prst="rect">
+            <a:avLst/>
+          </a:prstGeom>
+        </p:spPr>
+      </p:sp>
+      <p:sp>
+        <p:nvSpPr>
+          <p:cNvPr id="203" name="PlaceHolder 2"/>
+          <p:cNvSpPr>
+            <a:spLocks noGrp="1"/>
+          </p:cNvSpPr>
+          <p:nvPr>
+            <p:ph type="body"/>
+          </p:nvPr>
+        </p:nvSpPr>
+        <p:spPr>
+          <a:xfrm>
+            <a:off x="685800" y="4400640"/>
+            <a:ext cx="5482440" cy="3596400"/>
+          </a:xfrm>
+          <a:prstGeom prst="rect">
+            <a:avLst/>
+          </a:prstGeom>
+        </p:spPr>
+        <p:txBody>
+          <a:bodyPr lIns="0" tIns="0" rIns="0" bIns="0">
+            <a:noAutofit/>
+          </a:bodyPr>
+          <a:lstStyle/>
+          <a:p>
+            <a:endParaRPr lang="pt-BR" sz="2000" b="0" strike="noStrike" spc="-1" dirty="0">
+              <a:latin typeface="+mn-lt"/>
+            </a:endParaRPr>
+          </a:p>
+        </p:txBody>
+      </p:sp>
+      <p:sp>
+        <p:nvSpPr>
+          <p:cNvPr id="204" name="CustomShape 3"/>
+          <p:cNvSpPr/>
+          <p:nvPr/>
+        </p:nvSpPr>
+        <p:spPr>
+          <a:xfrm>
+            <a:off x="3884760" y="8685360"/>
+            <a:ext cx="2967840" cy="454680"/>
+          </a:xfrm>
+          <a:prstGeom prst="rect">
+            <a:avLst/>
+          </a:prstGeom>
+          <a:noFill/>
+          <a:ln>
+            <a:noFill/>
+          </a:ln>
+        </p:spPr>
+        <p:style>
+          <a:lnRef idx="0">
+            <a:scrgbClr r="0" g="0" b="0"/>
+          </a:lnRef>
+          <a:fillRef idx="0">
+            <a:scrgbClr r="0" g="0" b="0"/>
+          </a:fillRef>
+          <a:effectRef idx="0">
+            <a:scrgbClr r="0" g="0" b="0"/>
+          </a:effectRef>
+          <a:fontRef idx="minor"/>
+        </p:style>
+        <p:txBody>
+          <a:bodyPr lIns="90000" tIns="45000" rIns="90000" bIns="45000" anchor="b">
+            <a:noAutofit/>
+          </a:bodyPr>
+          <a:lstStyle/>
+          <a:p>
+            <a:pPr algn="r">
+              <a:lnSpc>
+                <a:spcPct val="100000"/>
+              </a:lnSpc>
+            </a:pPr>
+            <a:fld id="{EECC64C6-2FBD-4770-B109-62040DE39BC9}" type="slidenum">
+              <a:rPr lang="pt-BR" sz="1200" b="0" strike="noStrike" spc="-1">
+                <a:solidFill>
+                  <a:srgbClr val="000000"/>
+                </a:solidFill>
+                <a:latin typeface="Times New Roman"/>
+                <a:ea typeface="+mn-ea"/>
+              </a:rPr>
+              <a:t>21</a:t>
+            </a:fld>
+            <a:endParaRPr lang="pt-BR" sz="1200" b="0" strike="noStrike" spc="-1">
+              <a:latin typeface="Arial"/>
+            </a:endParaRPr>
+          </a:p>
+        </p:txBody>
+      </p:sp>
+    </p:spTree>
+    <p:extLst>
+      <p:ext uri="{BB962C8B-B14F-4D97-AF65-F5344CB8AC3E}">
+        <p14:creationId xmlns:p14="http://schemas.microsoft.com/office/powerpoint/2010/main" val="3002360906"/>
+      </p:ext>
+    </p:extLst>
+  </p:cSld>
+  <p:clrMapOvr>
+    <a:masterClrMapping/>
+  </p:clrMapOvr>
+</p:notes>
+</file>
+
+<file path=ppt/notesSlides/notesSlide22.xml><?xml version="1.0" encoding="utf-8"?>
+<p:notes xmlns:a="http://schemas.openxmlformats.org/drawingml/2006/main" xmlns:r="http://schemas.openxmlformats.org/officeDocument/2006/relationships" xmlns:p="http://schemas.openxmlformats.org/presentationml/2006/main">
+  <p:cSld>
+    <p:spTree>
+      <p:nvGrpSpPr>
+        <p:cNvPr id="1" name=""/>
+        <p:cNvGrpSpPr/>
+        <p:nvPr/>
+      </p:nvGrpSpPr>
+      <p:grpSpPr>
+        <a:xfrm>
+          <a:off x="0" y="0"/>
+          <a:ext cx="0" cy="0"/>
+          <a:chOff x="0" y="0"/>
+          <a:chExt cx="0" cy="0"/>
+        </a:xfrm>
+      </p:grpSpPr>
+      <p:sp>
+        <p:nvSpPr>
+          <p:cNvPr id="202" name="PlaceHolder 1"/>
+          <p:cNvSpPr>
+            <a:spLocks noGrp="1" noRot="1" noChangeAspect="1"/>
+          </p:cNvSpPr>
+          <p:nvPr>
+            <p:ph type="sldImg"/>
+          </p:nvPr>
+        </p:nvSpPr>
+        <p:spPr>
+          <a:xfrm>
+            <a:off x="687388" y="1143000"/>
+            <a:ext cx="5480050" cy="3082925"/>
+          </a:xfrm>
+          <a:prstGeom prst="rect">
+            <a:avLst/>
+          </a:prstGeom>
+        </p:spPr>
+      </p:sp>
+      <p:sp>
+        <p:nvSpPr>
+          <p:cNvPr id="203" name="PlaceHolder 2"/>
+          <p:cNvSpPr>
+            <a:spLocks noGrp="1"/>
+          </p:cNvSpPr>
+          <p:nvPr>
+            <p:ph type="body"/>
+          </p:nvPr>
+        </p:nvSpPr>
+        <p:spPr>
+          <a:xfrm>
+            <a:off x="685800" y="4400640"/>
+            <a:ext cx="5482440" cy="3596400"/>
+          </a:xfrm>
+          <a:prstGeom prst="rect">
+            <a:avLst/>
+          </a:prstGeom>
+        </p:spPr>
+        <p:txBody>
+          <a:bodyPr lIns="0" tIns="0" rIns="0" bIns="0">
+            <a:noAutofit/>
+          </a:bodyPr>
+          <a:lstStyle/>
+          <a:p>
+            <a:endParaRPr lang="pt-BR" sz="2000" b="0" strike="noStrike" spc="-1" dirty="0">
+              <a:latin typeface="+mn-lt"/>
+            </a:endParaRPr>
+          </a:p>
+        </p:txBody>
+      </p:sp>
+      <p:sp>
+        <p:nvSpPr>
+          <p:cNvPr id="204" name="CustomShape 3"/>
+          <p:cNvSpPr/>
+          <p:nvPr/>
+        </p:nvSpPr>
+        <p:spPr>
+          <a:xfrm>
+            <a:off x="3884760" y="8685360"/>
+            <a:ext cx="2967840" cy="454680"/>
+          </a:xfrm>
+          <a:prstGeom prst="rect">
+            <a:avLst/>
+          </a:prstGeom>
+          <a:noFill/>
+          <a:ln>
+            <a:noFill/>
+          </a:ln>
+        </p:spPr>
+        <p:style>
+          <a:lnRef idx="0">
+            <a:scrgbClr r="0" g="0" b="0"/>
+          </a:lnRef>
+          <a:fillRef idx="0">
+            <a:scrgbClr r="0" g="0" b="0"/>
+          </a:fillRef>
+          <a:effectRef idx="0">
+            <a:scrgbClr r="0" g="0" b="0"/>
+          </a:effectRef>
+          <a:fontRef idx="minor"/>
+        </p:style>
+        <p:txBody>
+          <a:bodyPr lIns="90000" tIns="45000" rIns="90000" bIns="45000" anchor="b">
+            <a:noAutofit/>
+          </a:bodyPr>
+          <a:lstStyle/>
+          <a:p>
+            <a:pPr algn="r">
+              <a:lnSpc>
+                <a:spcPct val="100000"/>
+              </a:lnSpc>
+            </a:pPr>
+            <a:fld id="{EECC64C6-2FBD-4770-B109-62040DE39BC9}" type="slidenum">
+              <a:rPr lang="pt-BR" sz="1200" b="0" strike="noStrike" spc="-1">
+                <a:solidFill>
+                  <a:srgbClr val="000000"/>
+                </a:solidFill>
+                <a:latin typeface="Times New Roman"/>
+                <a:ea typeface="+mn-ea"/>
+              </a:rPr>
+              <a:t>22</a:t>
+            </a:fld>
+            <a:endParaRPr lang="pt-BR" sz="1200" b="0" strike="noStrike" spc="-1">
+              <a:latin typeface="Arial"/>
+            </a:endParaRPr>
+          </a:p>
+        </p:txBody>
+      </p:sp>
+    </p:spTree>
+    <p:extLst>
+      <p:ext uri="{BB962C8B-B14F-4D97-AF65-F5344CB8AC3E}">
+        <p14:creationId xmlns:p14="http://schemas.microsoft.com/office/powerpoint/2010/main" val="3191921725"/>
+      </p:ext>
+    </p:extLst>
+  </p:cSld>
+  <p:clrMapOvr>
+    <a:masterClrMapping/>
+  </p:clrMapOvr>
+</p:notes>
+</file>
+
+<file path=ppt/notesSlides/notesSlide23.xml><?xml version="1.0" encoding="utf-8"?>
+<p:notes xmlns:a="http://schemas.openxmlformats.org/drawingml/2006/main" xmlns:r="http://schemas.openxmlformats.org/officeDocument/2006/relationships" xmlns:p="http://schemas.openxmlformats.org/presentationml/2006/main">
+  <p:cSld>
+    <p:spTree>
+      <p:nvGrpSpPr>
+        <p:cNvPr id="1" name=""/>
+        <p:cNvGrpSpPr/>
+        <p:nvPr/>
+      </p:nvGrpSpPr>
+      <p:grpSpPr>
+        <a:xfrm>
+          <a:off x="0" y="0"/>
+          <a:ext cx="0" cy="0"/>
+          <a:chOff x="0" y="0"/>
+          <a:chExt cx="0" cy="0"/>
+        </a:xfrm>
+      </p:grpSpPr>
+      <p:sp>
+        <p:nvSpPr>
+          <p:cNvPr id="202" name="PlaceHolder 1"/>
+          <p:cNvSpPr>
+            <a:spLocks noGrp="1" noRot="1" noChangeAspect="1"/>
+          </p:cNvSpPr>
+          <p:nvPr>
+            <p:ph type="sldImg"/>
+          </p:nvPr>
+        </p:nvSpPr>
+        <p:spPr>
+          <a:xfrm>
+            <a:off x="687388" y="1143000"/>
+            <a:ext cx="5480050" cy="3082925"/>
+          </a:xfrm>
+          <a:prstGeom prst="rect">
+            <a:avLst/>
+          </a:prstGeom>
+        </p:spPr>
+      </p:sp>
+      <p:sp>
+        <p:nvSpPr>
+          <p:cNvPr id="203" name="PlaceHolder 2"/>
+          <p:cNvSpPr>
+            <a:spLocks noGrp="1"/>
+          </p:cNvSpPr>
+          <p:nvPr>
+            <p:ph type="body"/>
+          </p:nvPr>
+        </p:nvSpPr>
+        <p:spPr>
+          <a:xfrm>
+            <a:off x="685800" y="4400640"/>
+            <a:ext cx="5482440" cy="3596400"/>
+          </a:xfrm>
+          <a:prstGeom prst="rect">
+            <a:avLst/>
+          </a:prstGeom>
+        </p:spPr>
+        <p:txBody>
+          <a:bodyPr lIns="0" tIns="0" rIns="0" bIns="0">
+            <a:noAutofit/>
+          </a:bodyPr>
+          <a:lstStyle/>
+          <a:p>
+            <a:endParaRPr lang="pt-BR" sz="2000" b="0" strike="noStrike" spc="-1" dirty="0">
+              <a:latin typeface="+mn-lt"/>
+            </a:endParaRPr>
+          </a:p>
+        </p:txBody>
+      </p:sp>
+      <p:sp>
+        <p:nvSpPr>
+          <p:cNvPr id="204" name="CustomShape 3"/>
+          <p:cNvSpPr/>
+          <p:nvPr/>
+        </p:nvSpPr>
+        <p:spPr>
+          <a:xfrm>
+            <a:off x="3884760" y="8685360"/>
+            <a:ext cx="2967840" cy="454680"/>
+          </a:xfrm>
+          <a:prstGeom prst="rect">
+            <a:avLst/>
+          </a:prstGeom>
+          <a:noFill/>
+          <a:ln>
+            <a:noFill/>
+          </a:ln>
+        </p:spPr>
+        <p:style>
+          <a:lnRef idx="0">
+            <a:scrgbClr r="0" g="0" b="0"/>
+          </a:lnRef>
+          <a:fillRef idx="0">
+            <a:scrgbClr r="0" g="0" b="0"/>
+          </a:fillRef>
+          <a:effectRef idx="0">
+            <a:scrgbClr r="0" g="0" b="0"/>
+          </a:effectRef>
+          <a:fontRef idx="minor"/>
+        </p:style>
+        <p:txBody>
+          <a:bodyPr lIns="90000" tIns="45000" rIns="90000" bIns="45000" anchor="b">
+            <a:noAutofit/>
+          </a:bodyPr>
+          <a:lstStyle/>
+          <a:p>
+            <a:pPr algn="r">
+              <a:lnSpc>
+                <a:spcPct val="100000"/>
+              </a:lnSpc>
+            </a:pPr>
+            <a:fld id="{EECC64C6-2FBD-4770-B109-62040DE39BC9}" type="slidenum">
+              <a:rPr lang="pt-BR" sz="1200" b="0" strike="noStrike" spc="-1">
+                <a:solidFill>
+                  <a:srgbClr val="000000"/>
+                </a:solidFill>
+                <a:latin typeface="Times New Roman"/>
+                <a:ea typeface="+mn-ea"/>
+              </a:rPr>
+              <a:t>23</a:t>
+            </a:fld>
+            <a:endParaRPr lang="pt-BR" sz="1200" b="0" strike="noStrike" spc="-1">
+              <a:latin typeface="Arial"/>
+            </a:endParaRPr>
+          </a:p>
+        </p:txBody>
+      </p:sp>
+    </p:spTree>
+    <p:extLst>
+      <p:ext uri="{BB962C8B-B14F-4D97-AF65-F5344CB8AC3E}">
+        <p14:creationId xmlns:p14="http://schemas.microsoft.com/office/powerpoint/2010/main" val="1067511055"/>
+      </p:ext>
+    </p:extLst>
+  </p:cSld>
+  <p:clrMapOvr>
+    <a:masterClrMapping/>
+  </p:clrMapOvr>
+</p:notes>
+</file>
+
+<file path=ppt/notesSlides/notesSlide24.xml><?xml version="1.0" encoding="utf-8"?>
+<p:notes xmlns:a="http://schemas.openxmlformats.org/drawingml/2006/main" xmlns:r="http://schemas.openxmlformats.org/officeDocument/2006/relationships" xmlns:p="http://schemas.openxmlformats.org/presentationml/2006/main">
+  <p:cSld>
+    <p:spTree>
+      <p:nvGrpSpPr>
+        <p:cNvPr id="1" name=""/>
+        <p:cNvGrpSpPr/>
+        <p:nvPr/>
+      </p:nvGrpSpPr>
+      <p:grpSpPr>
+        <a:xfrm>
+          <a:off x="0" y="0"/>
+          <a:ext cx="0" cy="0"/>
+          <a:chOff x="0" y="0"/>
+          <a:chExt cx="0" cy="0"/>
+        </a:xfrm>
+      </p:grpSpPr>
+      <p:sp>
+        <p:nvSpPr>
+          <p:cNvPr id="202" name="PlaceHolder 1"/>
+          <p:cNvSpPr>
+            <a:spLocks noGrp="1" noRot="1" noChangeAspect="1"/>
+          </p:cNvSpPr>
+          <p:nvPr>
+            <p:ph type="sldImg"/>
+          </p:nvPr>
+        </p:nvSpPr>
+        <p:spPr>
+          <a:xfrm>
+            <a:off x="687388" y="1143000"/>
+            <a:ext cx="5480050" cy="3082925"/>
+          </a:xfrm>
+          <a:prstGeom prst="rect">
+            <a:avLst/>
+          </a:prstGeom>
+        </p:spPr>
+      </p:sp>
+      <p:sp>
+        <p:nvSpPr>
+          <p:cNvPr id="203" name="PlaceHolder 2"/>
+          <p:cNvSpPr>
+            <a:spLocks noGrp="1"/>
+          </p:cNvSpPr>
+          <p:nvPr>
+            <p:ph type="body"/>
+          </p:nvPr>
+        </p:nvSpPr>
+        <p:spPr>
+          <a:xfrm>
+            <a:off x="685800" y="4400640"/>
+            <a:ext cx="5482440" cy="3596400"/>
+          </a:xfrm>
+          <a:prstGeom prst="rect">
+            <a:avLst/>
+          </a:prstGeom>
+        </p:spPr>
+        <p:txBody>
+          <a:bodyPr lIns="0" tIns="0" rIns="0" bIns="0">
+            <a:noAutofit/>
+          </a:bodyPr>
+          <a:lstStyle/>
+          <a:p>
+            <a:endParaRPr lang="pt-BR" sz="2000" b="0" strike="noStrike" spc="-1" dirty="0">
+              <a:latin typeface="+mn-lt"/>
+            </a:endParaRPr>
+          </a:p>
+        </p:txBody>
+      </p:sp>
+      <p:sp>
+        <p:nvSpPr>
+          <p:cNvPr id="204" name="CustomShape 3"/>
+          <p:cNvSpPr/>
+          <p:nvPr/>
+        </p:nvSpPr>
+        <p:spPr>
+          <a:xfrm>
+            <a:off x="3884760" y="8685360"/>
+            <a:ext cx="2967840" cy="454680"/>
+          </a:xfrm>
+          <a:prstGeom prst="rect">
+            <a:avLst/>
+          </a:prstGeom>
+          <a:noFill/>
+          <a:ln>
+            <a:noFill/>
+          </a:ln>
+        </p:spPr>
+        <p:style>
+          <a:lnRef idx="0">
+            <a:scrgbClr r="0" g="0" b="0"/>
+          </a:lnRef>
+          <a:fillRef idx="0">
+            <a:scrgbClr r="0" g="0" b="0"/>
+          </a:fillRef>
+          <a:effectRef idx="0">
+            <a:scrgbClr r="0" g="0" b="0"/>
+          </a:effectRef>
+          <a:fontRef idx="minor"/>
+        </p:style>
+        <p:txBody>
+          <a:bodyPr lIns="90000" tIns="45000" rIns="90000" bIns="45000" anchor="b">
+            <a:noAutofit/>
+          </a:bodyPr>
+          <a:lstStyle/>
+          <a:p>
+            <a:pPr algn="r">
+              <a:lnSpc>
+                <a:spcPct val="100000"/>
+              </a:lnSpc>
+            </a:pPr>
+            <a:fld id="{EECC64C6-2FBD-4770-B109-62040DE39BC9}" type="slidenum">
+              <a:rPr lang="pt-BR" sz="1200" b="0" strike="noStrike" spc="-1">
+                <a:solidFill>
+                  <a:srgbClr val="000000"/>
+                </a:solidFill>
+                <a:latin typeface="Times New Roman"/>
+                <a:ea typeface="+mn-ea"/>
+              </a:rPr>
+              <a:t>24</a:t>
+            </a:fld>
+            <a:endParaRPr lang="pt-BR" sz="1200" b="0" strike="noStrike" spc="-1">
+              <a:latin typeface="Arial"/>
+            </a:endParaRPr>
+          </a:p>
+        </p:txBody>
+      </p:sp>
+    </p:spTree>
+    <p:extLst>
+      <p:ext uri="{BB962C8B-B14F-4D97-AF65-F5344CB8AC3E}">
+        <p14:creationId xmlns:p14="http://schemas.microsoft.com/office/powerpoint/2010/main" val="2460170219"/>
+      </p:ext>
+    </p:extLst>
+  </p:cSld>
+  <p:clrMapOvr>
+    <a:masterClrMapping/>
+  </p:clrMapOvr>
+</p:notes>
+</file>
+
+<file path=ppt/notesSlides/notesSlide25.xml><?xml version="1.0" encoding="utf-8"?>
+<p:notes xmlns:a="http://schemas.openxmlformats.org/drawingml/2006/main" xmlns:r="http://schemas.openxmlformats.org/officeDocument/2006/relationships" xmlns:p="http://schemas.openxmlformats.org/presentationml/2006/main">
+  <p:cSld>
+    <p:spTree>
+      <p:nvGrpSpPr>
+        <p:cNvPr id="1" name=""/>
+        <p:cNvGrpSpPr/>
+        <p:nvPr/>
+      </p:nvGrpSpPr>
+      <p:grpSpPr>
+        <a:xfrm>
+          <a:off x="0" y="0"/>
+          <a:ext cx="0" cy="0"/>
+          <a:chOff x="0" y="0"/>
+          <a:chExt cx="0" cy="0"/>
+        </a:xfrm>
+      </p:grpSpPr>
+      <p:sp>
+        <p:nvSpPr>
+          <p:cNvPr id="202" name="PlaceHolder 1"/>
+          <p:cNvSpPr>
+            <a:spLocks noGrp="1" noRot="1" noChangeAspect="1"/>
+          </p:cNvSpPr>
+          <p:nvPr>
+            <p:ph type="sldImg"/>
+          </p:nvPr>
+        </p:nvSpPr>
+        <p:spPr>
+          <a:xfrm>
+            <a:off x="687388" y="1143000"/>
+            <a:ext cx="5480050" cy="3082925"/>
+          </a:xfrm>
+          <a:prstGeom prst="rect">
+            <a:avLst/>
+          </a:prstGeom>
+        </p:spPr>
+      </p:sp>
+      <p:sp>
+        <p:nvSpPr>
+          <p:cNvPr id="203" name="PlaceHolder 2"/>
+          <p:cNvSpPr>
+            <a:spLocks noGrp="1"/>
+          </p:cNvSpPr>
+          <p:nvPr>
+            <p:ph type="body"/>
+          </p:nvPr>
+        </p:nvSpPr>
+        <p:spPr>
+          <a:xfrm>
+            <a:off x="685800" y="4400640"/>
+            <a:ext cx="5482440" cy="3596400"/>
+          </a:xfrm>
+          <a:prstGeom prst="rect">
+            <a:avLst/>
+          </a:prstGeom>
+        </p:spPr>
+        <p:txBody>
+          <a:bodyPr lIns="0" tIns="0" rIns="0" bIns="0">
+            <a:noAutofit/>
+          </a:bodyPr>
+          <a:lstStyle/>
+          <a:p>
+            <a:endParaRPr lang="pt-BR" sz="2000" b="0" strike="noStrike" spc="-1" dirty="0">
+              <a:latin typeface="+mn-lt"/>
+            </a:endParaRPr>
+          </a:p>
+        </p:txBody>
+      </p:sp>
+      <p:sp>
+        <p:nvSpPr>
+          <p:cNvPr id="204" name="CustomShape 3"/>
+          <p:cNvSpPr/>
+          <p:nvPr/>
+        </p:nvSpPr>
+        <p:spPr>
+          <a:xfrm>
+            <a:off x="3884760" y="8685360"/>
+            <a:ext cx="2967840" cy="454680"/>
+          </a:xfrm>
+          <a:prstGeom prst="rect">
+            <a:avLst/>
+          </a:prstGeom>
+          <a:noFill/>
+          <a:ln>
+            <a:noFill/>
+          </a:ln>
+        </p:spPr>
+        <p:style>
+          <a:lnRef idx="0">
+            <a:scrgbClr r="0" g="0" b="0"/>
+          </a:lnRef>
+          <a:fillRef idx="0">
+            <a:scrgbClr r="0" g="0" b="0"/>
+          </a:fillRef>
+          <a:effectRef idx="0">
+            <a:scrgbClr r="0" g="0" b="0"/>
+          </a:effectRef>
+          <a:fontRef idx="minor"/>
+        </p:style>
+        <p:txBody>
+          <a:bodyPr lIns="90000" tIns="45000" rIns="90000" bIns="45000" anchor="b">
+            <a:noAutofit/>
+          </a:bodyPr>
+          <a:lstStyle/>
+          <a:p>
+            <a:pPr algn="r">
+              <a:lnSpc>
+                <a:spcPct val="100000"/>
+              </a:lnSpc>
+            </a:pPr>
+            <a:fld id="{EECC64C6-2FBD-4770-B109-62040DE39BC9}" type="slidenum">
+              <a:rPr lang="pt-BR" sz="1200" b="0" strike="noStrike" spc="-1">
+                <a:solidFill>
+                  <a:srgbClr val="000000"/>
+                </a:solidFill>
+                <a:latin typeface="Times New Roman"/>
+                <a:ea typeface="+mn-ea"/>
+              </a:rPr>
+              <a:t>25</a:t>
+            </a:fld>
+            <a:endParaRPr lang="pt-BR" sz="1200" b="0" strike="noStrike" spc="-1">
+              <a:latin typeface="Arial"/>
+            </a:endParaRPr>
+          </a:p>
+        </p:txBody>
+      </p:sp>
+    </p:spTree>
+    <p:extLst>
+      <p:ext uri="{BB962C8B-B14F-4D97-AF65-F5344CB8AC3E}">
+        <p14:creationId xmlns:p14="http://schemas.microsoft.com/office/powerpoint/2010/main" val="2330111084"/>
+      </p:ext>
+    </p:extLst>
+  </p:cSld>
+  <p:clrMapOvr>
+    <a:masterClrMapping/>
+  </p:clrMapOvr>
+</p:notes>
+</file>
+
+<file path=ppt/notesSlides/notesSlide26.xml><?xml version="1.0" encoding="utf-8"?>
+<p:notes xmlns:a="http://schemas.openxmlformats.org/drawingml/2006/main" xmlns:r="http://schemas.openxmlformats.org/officeDocument/2006/relationships" xmlns:p="http://schemas.openxmlformats.org/presentationml/2006/main">
+  <p:cSld>
+    <p:spTree>
+      <p:nvGrpSpPr>
+        <p:cNvPr id="1" name=""/>
+        <p:cNvGrpSpPr/>
+        <p:nvPr/>
+      </p:nvGrpSpPr>
+      <p:grpSpPr>
+        <a:xfrm>
+          <a:off x="0" y="0"/>
+          <a:ext cx="0" cy="0"/>
+          <a:chOff x="0" y="0"/>
+          <a:chExt cx="0" cy="0"/>
+        </a:xfrm>
+      </p:grpSpPr>
+      <p:sp>
+        <p:nvSpPr>
+          <p:cNvPr id="202" name="PlaceHolder 1"/>
+          <p:cNvSpPr>
+            <a:spLocks noGrp="1" noRot="1" noChangeAspect="1"/>
+          </p:cNvSpPr>
+          <p:nvPr>
+            <p:ph type="sldImg"/>
+          </p:nvPr>
+        </p:nvSpPr>
+        <p:spPr>
+          <a:xfrm>
+            <a:off x="687388" y="1143000"/>
+            <a:ext cx="5480050" cy="3082925"/>
+          </a:xfrm>
+          <a:prstGeom prst="rect">
+            <a:avLst/>
+          </a:prstGeom>
+        </p:spPr>
+      </p:sp>
+      <p:sp>
+        <p:nvSpPr>
+          <p:cNvPr id="203" name="PlaceHolder 2"/>
+          <p:cNvSpPr>
+            <a:spLocks noGrp="1"/>
+          </p:cNvSpPr>
+          <p:nvPr>
+            <p:ph type="body"/>
+          </p:nvPr>
+        </p:nvSpPr>
+        <p:spPr>
+          <a:xfrm>
+            <a:off x="685800" y="4400640"/>
+            <a:ext cx="5482440" cy="3596400"/>
+          </a:xfrm>
+          <a:prstGeom prst="rect">
+            <a:avLst/>
+          </a:prstGeom>
+        </p:spPr>
+        <p:txBody>
+          <a:bodyPr lIns="0" tIns="0" rIns="0" bIns="0">
+            <a:noAutofit/>
+          </a:bodyPr>
+          <a:lstStyle/>
+          <a:p>
+            <a:endParaRPr lang="pt-BR" sz="2000" b="0" strike="noStrike" spc="-1" dirty="0">
+              <a:latin typeface="+mn-lt"/>
+            </a:endParaRPr>
+          </a:p>
+        </p:txBody>
+      </p:sp>
+      <p:sp>
+        <p:nvSpPr>
+          <p:cNvPr id="204" name="CustomShape 3"/>
+          <p:cNvSpPr/>
+          <p:nvPr/>
+        </p:nvSpPr>
+        <p:spPr>
+          <a:xfrm>
+            <a:off x="3884760" y="8685360"/>
+            <a:ext cx="2967840" cy="454680"/>
+          </a:xfrm>
+          <a:prstGeom prst="rect">
+            <a:avLst/>
+          </a:prstGeom>
+          <a:noFill/>
+          <a:ln>
+            <a:noFill/>
+          </a:ln>
+        </p:spPr>
+        <p:style>
+          <a:lnRef idx="0">
+            <a:scrgbClr r="0" g="0" b="0"/>
+          </a:lnRef>
+          <a:fillRef idx="0">
+            <a:scrgbClr r="0" g="0" b="0"/>
+          </a:fillRef>
+          <a:effectRef idx="0">
+            <a:scrgbClr r="0" g="0" b="0"/>
+          </a:effectRef>
+          <a:fontRef idx="minor"/>
+        </p:style>
+        <p:txBody>
+          <a:bodyPr lIns="90000" tIns="45000" rIns="90000" bIns="45000" anchor="b">
+            <a:noAutofit/>
+          </a:bodyPr>
+          <a:lstStyle/>
+          <a:p>
+            <a:pPr algn="r">
+              <a:lnSpc>
+                <a:spcPct val="100000"/>
+              </a:lnSpc>
+            </a:pPr>
+            <a:fld id="{EECC64C6-2FBD-4770-B109-62040DE39BC9}" type="slidenum">
+              <a:rPr lang="pt-BR" sz="1200" b="0" strike="noStrike" spc="-1">
+                <a:solidFill>
+                  <a:srgbClr val="000000"/>
+                </a:solidFill>
+                <a:latin typeface="Times New Roman"/>
+                <a:ea typeface="+mn-ea"/>
+              </a:rPr>
+              <a:t>26</a:t>
+            </a:fld>
+            <a:endParaRPr lang="pt-BR" sz="1200" b="0" strike="noStrike" spc="-1">
+              <a:latin typeface="Arial"/>
+            </a:endParaRPr>
+          </a:p>
+        </p:txBody>
+      </p:sp>
+    </p:spTree>
+    <p:extLst>
+      <p:ext uri="{BB962C8B-B14F-4D97-AF65-F5344CB8AC3E}">
+        <p14:creationId xmlns:p14="http://schemas.microsoft.com/office/powerpoint/2010/main" val="1719575963"/>
+      </p:ext>
+    </p:extLst>
+  </p:cSld>
+  <p:clrMapOvr>
+    <a:masterClrMapping/>
+  </p:clrMapOvr>
+</p:notes>
+</file>
+
+<file path=ppt/notesSlides/notesSlide27.xml><?xml version="1.0" encoding="utf-8"?>
+<p:notes xmlns:a="http://schemas.openxmlformats.org/drawingml/2006/main" xmlns:r="http://schemas.openxmlformats.org/officeDocument/2006/relationships" xmlns:p="http://schemas.openxmlformats.org/presentationml/2006/main">
+  <p:cSld>
+    <p:spTree>
+      <p:nvGrpSpPr>
+        <p:cNvPr id="1" name=""/>
+        <p:cNvGrpSpPr/>
+        <p:nvPr/>
+      </p:nvGrpSpPr>
+      <p:grpSpPr>
+        <a:xfrm>
+          <a:off x="0" y="0"/>
+          <a:ext cx="0" cy="0"/>
+          <a:chOff x="0" y="0"/>
+          <a:chExt cx="0" cy="0"/>
+        </a:xfrm>
+      </p:grpSpPr>
+      <p:sp>
+        <p:nvSpPr>
+          <p:cNvPr id="139" name="PlaceHolder 1"/>
+          <p:cNvSpPr>
+            <a:spLocks noGrp="1" noRot="1" noChangeAspect="1"/>
+          </p:cNvSpPr>
+          <p:nvPr>
+            <p:ph type="sldImg"/>
+          </p:nvPr>
+        </p:nvSpPr>
+        <p:spPr>
+          <a:xfrm>
+            <a:off x="685800" y="1143000"/>
+            <a:ext cx="5484813" cy="3084513"/>
+          </a:xfrm>
+          <a:prstGeom prst="rect">
+            <a:avLst/>
+          </a:prstGeom>
+        </p:spPr>
+      </p:sp>
+      <p:sp>
+        <p:nvSpPr>
+          <p:cNvPr id="140" name="PlaceHolder 2"/>
+          <p:cNvSpPr>
+            <a:spLocks noGrp="1"/>
+          </p:cNvSpPr>
+          <p:nvPr>
+            <p:ph type="body"/>
+          </p:nvPr>
+        </p:nvSpPr>
+        <p:spPr>
+          <a:xfrm>
+            <a:off x="685800" y="4400640"/>
+            <a:ext cx="5485320" cy="3599280"/>
+          </a:xfrm>
+          <a:prstGeom prst="rect">
+            <a:avLst/>
+          </a:prstGeom>
+        </p:spPr>
+        <p:txBody>
+          <a:bodyPr lIns="0" tIns="0" rIns="0" bIns="0">
+            <a:noAutofit/>
+          </a:bodyPr>
+          <a:lstStyle/>
+          <a:p>
+            <a:endParaRPr lang="pt-BR" sz="2000" b="0" strike="noStrike" spc="-1">
+              <a:latin typeface="Arial"/>
+            </a:endParaRPr>
+          </a:p>
+        </p:txBody>
+      </p:sp>
+      <p:sp>
+        <p:nvSpPr>
+          <p:cNvPr id="141" name="CustomShape 3"/>
+          <p:cNvSpPr/>
+          <p:nvPr/>
+        </p:nvSpPr>
+        <p:spPr>
+          <a:xfrm>
+            <a:off x="3884760" y="8685360"/>
+            <a:ext cx="2970720" cy="457560"/>
+          </a:xfrm>
+          <a:prstGeom prst="rect">
+            <a:avLst/>
+          </a:prstGeom>
+          <a:noFill/>
+          <a:ln>
+            <a:noFill/>
+          </a:ln>
+        </p:spPr>
+        <p:style>
+          <a:lnRef idx="0">
+            <a:scrgbClr r="0" g="0" b="0"/>
+          </a:lnRef>
+          <a:fillRef idx="0">
+            <a:scrgbClr r="0" g="0" b="0"/>
+          </a:fillRef>
+          <a:effectRef idx="0">
+            <a:scrgbClr r="0" g="0" b="0"/>
+          </a:effectRef>
+          <a:fontRef idx="minor"/>
+        </p:style>
+        <p:txBody>
+          <a:bodyPr lIns="90000" tIns="45000" rIns="90000" bIns="45000" anchor="b">
+            <a:noAutofit/>
+          </a:bodyPr>
+          <a:lstStyle/>
+          <a:p>
+            <a:pPr algn="r">
+              <a:lnSpc>
+                <a:spcPct val="100000"/>
+              </a:lnSpc>
+            </a:pPr>
+            <a:fld id="{76541F3C-0A59-4F90-AFC6-6F0BC6A0EC2F}" type="slidenum">
+              <a:rPr lang="pt-BR" sz="1200" b="0" strike="noStrike" spc="-1">
+                <a:solidFill>
+                  <a:srgbClr val="000000"/>
+                </a:solidFill>
+                <a:latin typeface="Times New Roman"/>
+              </a:rPr>
+              <a:t>27</a:t>
             </a:fld>
             <a:endParaRPr lang="pt-BR" sz="1200" b="0" strike="noStrike" spc="-1">
               <a:latin typeface="Arial"/>
@@ -7564,7 +9244,7 @@
                 <a:latin typeface="Arial"/>
                 <a:ea typeface="DejaVu Sans"/>
               </a:rPr>
-              <a:t>Consumindo uma API</a:t>
+              <a:t>Primeiros componentes</a:t>
             </a:r>
             <a:endParaRPr lang="pt-BR" sz="5400" b="0" strike="noStrike" spc="-1" dirty="0">
               <a:latin typeface="Arial"/>
@@ -7624,168 +9304,39 @@
               </a:tabLst>
             </a:pPr>
             <a:r>
-              <a:rPr lang="en-US" sz="3200" spc="-1" dirty="0" err="1">
-                <a:solidFill>
-                  <a:srgbClr val="1F4E79"/>
-                </a:solidFill>
-              </a:rPr>
-              <a:t>Usaremos</a:t>
-            </a:r>
-            <a:r>
-              <a:rPr lang="en-US" sz="3200" spc="-1" dirty="0">
-                <a:solidFill>
-                  <a:srgbClr val="1F4E79"/>
-                </a:solidFill>
-              </a:rPr>
-              <a:t> o </a:t>
-            </a:r>
-            <a:r>
-              <a:rPr lang="en-US" sz="3200" spc="-1" dirty="0" err="1">
-                <a:solidFill>
-                  <a:srgbClr val="1F4E79"/>
-                </a:solidFill>
-              </a:rPr>
-              <a:t>pacote</a:t>
-            </a:r>
-            <a:r>
-              <a:rPr lang="en-US" sz="3200" spc="-1" dirty="0">
-                <a:solidFill>
-                  <a:srgbClr val="1F4E79"/>
-                </a:solidFill>
-              </a:rPr>
-              <a:t> </a:t>
-            </a:r>
-            <a:r>
-              <a:rPr lang="en-US" sz="3200" spc="-1" dirty="0" err="1">
-                <a:solidFill>
-                  <a:srgbClr val="1F4E79"/>
-                </a:solidFill>
-              </a:rPr>
-              <a:t>Axios</a:t>
-            </a:r>
-            <a:r>
-              <a:rPr lang="en-US" sz="3200" spc="-1" dirty="0">
-                <a:solidFill>
-                  <a:srgbClr val="1F4E79"/>
-                </a:solidFill>
-              </a:rPr>
-              <a:t> para </a:t>
-            </a:r>
-            <a:r>
-              <a:rPr lang="en-US" sz="3200" spc="-1" dirty="0" err="1">
-                <a:solidFill>
-                  <a:srgbClr val="1F4E79"/>
-                </a:solidFill>
-              </a:rPr>
-              <a:t>consumir</a:t>
-            </a:r>
-            <a:r>
-              <a:rPr lang="en-US" sz="3200" spc="-1" dirty="0">
-                <a:solidFill>
-                  <a:srgbClr val="1F4E79"/>
-                </a:solidFill>
-              </a:rPr>
-              <a:t> dados de </a:t>
-            </a:r>
-            <a:r>
-              <a:rPr lang="en-US" sz="3200" spc="-1" dirty="0" err="1">
-                <a:solidFill>
-                  <a:srgbClr val="1F4E79"/>
-                </a:solidFill>
-              </a:rPr>
-              <a:t>uma</a:t>
-            </a:r>
-            <a:r>
-              <a:rPr lang="en-US" sz="3200" spc="-1" dirty="0">
-                <a:solidFill>
-                  <a:srgbClr val="1F4E79"/>
-                </a:solidFill>
-              </a:rPr>
-              <a:t> API. </a:t>
-            </a:r>
-            <a:r>
-              <a:rPr lang="en-US" sz="3200" spc="-1" dirty="0" err="1">
-                <a:solidFill>
-                  <a:srgbClr val="1F4E79"/>
-                </a:solidFill>
-              </a:rPr>
-              <a:t>Axios</a:t>
-            </a:r>
-            <a:r>
-              <a:rPr lang="en-US" sz="3200" spc="-1" dirty="0">
-                <a:solidFill>
-                  <a:srgbClr val="1F4E79"/>
-                </a:solidFill>
-              </a:rPr>
-              <a:t> é </a:t>
-            </a:r>
-            <a:r>
-              <a:rPr lang="en-US" sz="3200" spc="-1" dirty="0" err="1">
-                <a:solidFill>
-                  <a:srgbClr val="1F4E79"/>
-                </a:solidFill>
-              </a:rPr>
-              <a:t>uma</a:t>
-            </a:r>
-            <a:r>
-              <a:rPr lang="en-US" sz="3200" spc="-1" dirty="0">
-                <a:solidFill>
-                  <a:srgbClr val="1F4E79"/>
-                </a:solidFill>
-              </a:rPr>
-              <a:t> Promise </a:t>
-            </a:r>
-            <a:r>
-              <a:rPr lang="en-US" sz="3200" spc="-1" dirty="0" err="1">
-                <a:solidFill>
-                  <a:srgbClr val="1F4E79"/>
-                </a:solidFill>
-              </a:rPr>
-              <a:t>baseada</a:t>
-            </a:r>
-            <a:r>
-              <a:rPr lang="en-US" sz="3200" spc="-1" dirty="0">
-                <a:solidFill>
-                  <a:srgbClr val="1F4E79"/>
-                </a:solidFill>
-              </a:rPr>
-              <a:t> </a:t>
-            </a:r>
-            <a:r>
-              <a:rPr lang="en-US" sz="3200" spc="-1" dirty="0" err="1">
-                <a:solidFill>
-                  <a:srgbClr val="1F4E79"/>
-                </a:solidFill>
-              </a:rPr>
-              <a:t>em</a:t>
-            </a:r>
-            <a:r>
-              <a:rPr lang="en-US" sz="3200" spc="-1" dirty="0">
-                <a:solidFill>
-                  <a:srgbClr val="1F4E79"/>
-                </a:solidFill>
-              </a:rPr>
-              <a:t> </a:t>
-            </a:r>
-            <a:r>
-              <a:rPr lang="en-US" sz="3200" spc="-1" dirty="0" err="1">
-                <a:solidFill>
-                  <a:srgbClr val="1F4E79"/>
-                </a:solidFill>
-              </a:rPr>
-              <a:t>cliente</a:t>
-            </a:r>
-            <a:r>
-              <a:rPr lang="en-US" sz="3200" spc="-1" dirty="0">
-                <a:solidFill>
-                  <a:srgbClr val="1F4E79"/>
-                </a:solidFill>
-              </a:rPr>
-              <a:t> HTTP para browsers e node.js.</a:t>
-            </a:r>
-          </a:p>
-          <a:p>
-            <a:pPr algn="ctr">
+              <a:rPr lang="pt-BR" sz="3200" b="0" strike="noStrike" spc="-1" dirty="0">
+                <a:solidFill>
+                  <a:srgbClr val="1F4E79"/>
+                </a:solidFill>
+                <a:latin typeface="Arial"/>
+                <a:ea typeface="DejaVu Sans"/>
+              </a:rPr>
+              <a:t>No diretório </a:t>
+            </a:r>
+            <a:r>
+              <a:rPr lang="pt-BR" sz="3200" b="0" strike="noStrike" spc="-1" dirty="0" err="1">
+                <a:solidFill>
+                  <a:srgbClr val="1F4E79"/>
+                </a:solidFill>
+                <a:latin typeface="Courier New" panose="02070309020205020404" pitchFamily="49" charset="0"/>
+                <a:ea typeface="DejaVu Sans"/>
+                <a:cs typeface="Courier New" panose="02070309020205020404" pitchFamily="49" charset="0"/>
+              </a:rPr>
+              <a:t>src</a:t>
+            </a:r>
+            <a:r>
+              <a:rPr lang="pt-BR" sz="3200" b="0" strike="noStrike" spc="-1" dirty="0">
+                <a:solidFill>
+                  <a:srgbClr val="1F4E79"/>
+                </a:solidFill>
+                <a:latin typeface="Arial"/>
+                <a:ea typeface="DejaVu Sans"/>
+              </a:rPr>
+              <a:t>, crie a seguinte estrutura de diretórios:</a:t>
+            </a:r>
+          </a:p>
+          <a:p>
+            <a:pPr>
               <a:lnSpc>
                 <a:spcPct val="100000"/>
               </a:lnSpc>
@@ -7800,167 +9351,118 @@
               </a:tabLst>
             </a:pPr>
             <a:r>
-              <a:rPr lang="en-US" sz="3200" spc="-1" dirty="0" err="1">
-                <a:solidFill>
-                  <a:srgbClr val="1F4E79"/>
-                </a:solidFill>
-              </a:rPr>
-              <a:t>Axios</a:t>
-            </a:r>
-            <a:r>
-              <a:rPr lang="en-US" sz="3200" spc="-1" dirty="0">
-                <a:solidFill>
-                  <a:srgbClr val="1F4E79"/>
-                </a:solidFill>
-              </a:rPr>
-              <a:t> </a:t>
-            </a:r>
-            <a:r>
-              <a:rPr lang="en-US" sz="3200" spc="-1" dirty="0" err="1">
-                <a:solidFill>
-                  <a:srgbClr val="1F4E79"/>
-                </a:solidFill>
-              </a:rPr>
-              <a:t>fornece</a:t>
-            </a:r>
-            <a:r>
-              <a:rPr lang="en-US" sz="3200" spc="-1" dirty="0">
-                <a:solidFill>
-                  <a:srgbClr val="1F4E79"/>
-                </a:solidFill>
-              </a:rPr>
-              <a:t> </a:t>
-            </a:r>
-            <a:r>
-              <a:rPr lang="en-US" sz="3200" spc="-1" dirty="0" err="1">
-                <a:solidFill>
-                  <a:srgbClr val="1F4E79"/>
-                </a:solidFill>
-              </a:rPr>
-              <a:t>uma</a:t>
-            </a:r>
-            <a:r>
-              <a:rPr lang="en-US" sz="3200" spc="-1" dirty="0">
-                <a:solidFill>
-                  <a:srgbClr val="1F4E79"/>
-                </a:solidFill>
-              </a:rPr>
-              <a:t> </a:t>
-            </a:r>
-            <a:r>
-              <a:rPr lang="en-US" sz="3200" spc="-1" dirty="0" err="1">
-                <a:solidFill>
-                  <a:srgbClr val="1F4E79"/>
-                </a:solidFill>
-              </a:rPr>
-              <a:t>biblioteca</a:t>
-            </a:r>
-            <a:r>
-              <a:rPr lang="en-US" sz="3200" spc="-1" dirty="0">
-                <a:solidFill>
-                  <a:srgbClr val="1F4E79"/>
-                </a:solidFill>
-              </a:rPr>
-              <a:t> simples de </a:t>
-            </a:r>
-            <a:r>
-              <a:rPr lang="en-US" sz="3200" spc="-1" dirty="0" err="1">
-                <a:solidFill>
-                  <a:srgbClr val="1F4E79"/>
-                </a:solidFill>
-              </a:rPr>
-              <a:t>usar</a:t>
-            </a:r>
-            <a:r>
-              <a:rPr lang="en-US" sz="3200" spc="-1" dirty="0">
-                <a:solidFill>
-                  <a:srgbClr val="1F4E79"/>
-                </a:solidFill>
-              </a:rPr>
-              <a:t> </a:t>
-            </a:r>
-            <a:r>
-              <a:rPr lang="en-US" sz="3200" spc="-1" dirty="0" err="1">
-                <a:solidFill>
-                  <a:srgbClr val="1F4E79"/>
-                </a:solidFill>
-              </a:rPr>
-              <a:t>em</a:t>
-            </a:r>
-            <a:r>
-              <a:rPr lang="en-US" sz="3200" spc="-1" dirty="0">
-                <a:solidFill>
-                  <a:srgbClr val="1F4E79"/>
-                </a:solidFill>
-              </a:rPr>
-              <a:t> um </a:t>
-            </a:r>
-            <a:r>
-              <a:rPr lang="en-US" sz="3200" spc="-1" dirty="0" err="1">
-                <a:solidFill>
-                  <a:srgbClr val="1F4E79"/>
-                </a:solidFill>
-              </a:rPr>
-              <a:t>pacote</a:t>
-            </a:r>
-            <a:r>
-              <a:rPr lang="en-US" sz="3200" spc="-1" dirty="0">
-                <a:solidFill>
-                  <a:srgbClr val="1F4E79"/>
-                </a:solidFill>
-              </a:rPr>
-              <a:t> </a:t>
-            </a:r>
-            <a:r>
-              <a:rPr lang="en-US" sz="3200" spc="-1" dirty="0" err="1">
-                <a:solidFill>
-                  <a:srgbClr val="1F4E79"/>
-                </a:solidFill>
-              </a:rPr>
-              <a:t>pequeno</a:t>
-            </a:r>
-            <a:r>
-              <a:rPr lang="en-US" sz="3200" spc="-1" dirty="0">
-                <a:solidFill>
-                  <a:srgbClr val="1F4E79"/>
-                </a:solidFill>
-              </a:rPr>
-              <a:t> com </a:t>
-            </a:r>
-            <a:r>
-              <a:rPr lang="en-US" sz="3200" spc="-1" dirty="0" err="1">
-                <a:solidFill>
-                  <a:srgbClr val="1F4E79"/>
-                </a:solidFill>
-              </a:rPr>
-              <a:t>uma</a:t>
-            </a:r>
-            <a:r>
-              <a:rPr lang="en-US" sz="3200" spc="-1" dirty="0">
-                <a:solidFill>
-                  <a:srgbClr val="1F4E79"/>
-                </a:solidFill>
-              </a:rPr>
-              <a:t> interface </a:t>
-            </a:r>
-            <a:r>
-              <a:rPr lang="en-US" sz="3200" spc="-1" dirty="0" err="1">
-                <a:solidFill>
-                  <a:srgbClr val="1F4E79"/>
-                </a:solidFill>
-              </a:rPr>
-              <a:t>extensível</a:t>
-            </a:r>
-            <a:r>
-              <a:rPr lang="en-US" sz="3200" spc="-1" dirty="0">
-                <a:solidFill>
-                  <a:srgbClr val="1F4E79"/>
-                </a:solidFill>
-              </a:rPr>
-              <a:t>.</a:t>
+              <a:rPr lang="pt-BR" sz="3200" spc="-1" dirty="0">
+                <a:solidFill>
+                  <a:srgbClr val="1F4E79"/>
+                </a:solidFill>
+                <a:latin typeface="Courier New" panose="02070309020205020404" pitchFamily="49" charset="0"/>
+                <a:ea typeface="DejaVu Sans"/>
+                <a:cs typeface="Courier New" panose="02070309020205020404" pitchFamily="49" charset="0"/>
+              </a:rPr>
+              <a:t>- </a:t>
+            </a:r>
+            <a:r>
+              <a:rPr lang="pt-BR" sz="3200" spc="-1" dirty="0" err="1">
+                <a:solidFill>
+                  <a:srgbClr val="1F4E79"/>
+                </a:solidFill>
+                <a:latin typeface="Courier New" panose="02070309020205020404" pitchFamily="49" charset="0"/>
+                <a:ea typeface="DejaVu Sans"/>
+                <a:cs typeface="Courier New" panose="02070309020205020404" pitchFamily="49" charset="0"/>
+              </a:rPr>
+              <a:t>p</a:t>
+            </a:r>
+            <a:r>
+              <a:rPr lang="pt-BR" sz="3200" b="0" strike="noStrike" spc="-1" dirty="0" err="1">
+                <a:solidFill>
+                  <a:srgbClr val="1F4E79"/>
+                </a:solidFill>
+                <a:latin typeface="Courier New" panose="02070309020205020404" pitchFamily="49" charset="0"/>
+                <a:ea typeface="DejaVu Sans"/>
+                <a:cs typeface="Courier New" panose="02070309020205020404" pitchFamily="49" charset="0"/>
+              </a:rPr>
+              <a:t>ages</a:t>
             </a:r>
             <a:endParaRPr lang="pt-BR" sz="3200" b="0" strike="noStrike" spc="-1" dirty="0">
-              <a:latin typeface="Arial"/>
+              <a:solidFill>
+                <a:srgbClr val="1F4E79"/>
+              </a:solidFill>
+              <a:latin typeface="Courier New" panose="02070309020205020404" pitchFamily="49" charset="0"/>
+              <a:ea typeface="DejaVu Sans"/>
+              <a:cs typeface="Courier New" panose="02070309020205020404" pitchFamily="49" charset="0"/>
+            </a:endParaRPr>
+          </a:p>
+          <a:p>
+            <a:pPr>
+              <a:lnSpc>
+                <a:spcPct val="100000"/>
+              </a:lnSpc>
+              <a:spcBef>
+                <a:spcPts val="1001"/>
+              </a:spcBef>
+              <a:spcAft>
+                <a:spcPts val="1001"/>
+              </a:spcAft>
+              <a:tabLst>
+                <a:tab pos="0" algn="l"/>
+              </a:tabLst>
+            </a:pPr>
+            <a:r>
+              <a:rPr lang="pt-BR" sz="3200" spc="-1" dirty="0">
+                <a:solidFill>
+                  <a:srgbClr val="1F4E79"/>
+                </a:solidFill>
+                <a:latin typeface="Courier New" panose="02070309020205020404" pitchFamily="49" charset="0"/>
+                <a:ea typeface="DejaVu Sans"/>
+                <a:cs typeface="Courier New" panose="02070309020205020404" pitchFamily="49" charset="0"/>
+              </a:rPr>
+              <a:t>-- home</a:t>
+            </a:r>
+          </a:p>
+          <a:p>
+            <a:pPr>
+              <a:lnSpc>
+                <a:spcPct val="100000"/>
+              </a:lnSpc>
+              <a:spcBef>
+                <a:spcPts val="1001"/>
+              </a:spcBef>
+              <a:spcAft>
+                <a:spcPts val="1001"/>
+              </a:spcAft>
+              <a:tabLst>
+                <a:tab pos="0" algn="l"/>
+              </a:tabLst>
+            </a:pPr>
+            <a:r>
+              <a:rPr lang="pt-BR" sz="3200" b="0" strike="noStrike" spc="-1" dirty="0">
+                <a:solidFill>
+                  <a:srgbClr val="1F4E79"/>
+                </a:solidFill>
+                <a:latin typeface="Courier New" panose="02070309020205020404" pitchFamily="49" charset="0"/>
+                <a:ea typeface="DejaVu Sans"/>
+                <a:cs typeface="Courier New" panose="02070309020205020404" pitchFamily="49" charset="0"/>
+              </a:rPr>
+              <a:t>-- </a:t>
+            </a:r>
+            <a:r>
+              <a:rPr lang="pt-BR" sz="3200" b="0" strike="noStrike" spc="-1" dirty="0" err="1">
+                <a:solidFill>
+                  <a:srgbClr val="1F4E79"/>
+                </a:solidFill>
+                <a:latin typeface="Courier New" panose="02070309020205020404" pitchFamily="49" charset="0"/>
+                <a:ea typeface="DejaVu Sans"/>
+                <a:cs typeface="Courier New" panose="02070309020205020404" pitchFamily="49" charset="0"/>
+              </a:rPr>
+              <a:t>products</a:t>
+            </a:r>
+            <a:endParaRPr lang="pt-BR" sz="3200" b="0" strike="noStrike" spc="-1" dirty="0">
+              <a:solidFill>
+                <a:srgbClr val="1F4E79"/>
+              </a:solidFill>
+              <a:latin typeface="Courier New" panose="02070309020205020404" pitchFamily="49" charset="0"/>
+              <a:ea typeface="DejaVu Sans"/>
+              <a:cs typeface="Courier New" panose="02070309020205020404" pitchFamily="49" charset="0"/>
             </a:endParaRPr>
           </a:p>
         </p:txBody>
@@ -7968,7 +9470,7 @@
     </p:spTree>
     <p:extLst>
       <p:ext uri="{BB962C8B-B14F-4D97-AF65-F5344CB8AC3E}">
-        <p14:creationId xmlns:p14="http://schemas.microsoft.com/office/powerpoint/2010/main" val="4167277056"/>
+        <p14:creationId xmlns:p14="http://schemas.microsoft.com/office/powerpoint/2010/main" val="3958711382"/>
       </p:ext>
     </p:extLst>
   </p:cSld>
@@ -8045,7 +9547,7 @@
                 <a:latin typeface="Arial"/>
                 <a:ea typeface="DejaVu Sans"/>
               </a:rPr>
-              <a:t>Consumindo uma API</a:t>
+              <a:t>Primeiros componentes</a:t>
             </a:r>
             <a:endParaRPr lang="pt-BR" sz="5400" b="0" strike="noStrike" spc="-1" dirty="0">
               <a:latin typeface="Arial"/>
@@ -8086,7 +9588,7 @@
         </p:style>
         <p:txBody>
           <a:bodyPr lIns="90000" tIns="45000" rIns="90000" bIns="45000">
-            <a:normAutofit/>
+            <a:normAutofit fontScale="92500" lnSpcReduction="20000"/>
           </a:bodyPr>
           <a:lstStyle/>
           <a:p>
@@ -8105,72 +9607,60 @@
               </a:tabLst>
             </a:pPr>
             <a:r>
-              <a:rPr lang="en-US" sz="3200" spc="-1" dirty="0" err="1">
-                <a:solidFill>
-                  <a:srgbClr val="1F4E79"/>
-                </a:solidFill>
-              </a:rPr>
-              <a:t>Instale</a:t>
-            </a:r>
-            <a:r>
-              <a:rPr lang="en-US" sz="3200" spc="-1" dirty="0">
-                <a:solidFill>
-                  <a:srgbClr val="1F4E79"/>
-                </a:solidFill>
-              </a:rPr>
-              <a:t> o </a:t>
-            </a:r>
-            <a:r>
-              <a:rPr lang="en-US" sz="3200" spc="-1" dirty="0" err="1">
-                <a:solidFill>
-                  <a:srgbClr val="1F4E79"/>
-                </a:solidFill>
-              </a:rPr>
-              <a:t>axios</a:t>
-            </a:r>
-            <a:r>
-              <a:rPr lang="en-US" sz="3200" spc="-1" dirty="0">
-                <a:solidFill>
-                  <a:srgbClr val="1F4E79"/>
-                </a:solidFill>
-              </a:rPr>
-              <a:t> </a:t>
-            </a:r>
-            <a:r>
-              <a:rPr lang="en-US" sz="3200" spc="-1" dirty="0" err="1">
-                <a:solidFill>
-                  <a:srgbClr val="1F4E79"/>
-                </a:solidFill>
-              </a:rPr>
-              <a:t>executando</a:t>
-            </a:r>
-            <a:r>
-              <a:rPr lang="en-US" sz="3200" spc="-1" dirty="0">
-                <a:solidFill>
-                  <a:srgbClr val="1F4E79"/>
-                </a:solidFill>
-              </a:rPr>
-              <a:t> o </a:t>
-            </a:r>
-            <a:r>
-              <a:rPr lang="en-US" sz="3200" spc="-1" dirty="0" err="1">
-                <a:solidFill>
-                  <a:srgbClr val="1F4E79"/>
-                </a:solidFill>
-              </a:rPr>
-              <a:t>seguinte</a:t>
-            </a:r>
-            <a:r>
-              <a:rPr lang="en-US" sz="3200" spc="-1" dirty="0">
-                <a:solidFill>
-                  <a:srgbClr val="1F4E79"/>
-                </a:solidFill>
-              </a:rPr>
-              <a:t> commando:</a:t>
-            </a:r>
-          </a:p>
-          <a:p>
-            <a:pPr algn="ctr">
+              <a:rPr lang="pt-BR" sz="3200" b="0" strike="noStrike" spc="-1" dirty="0">
+                <a:solidFill>
+                  <a:srgbClr val="1F4E79"/>
+                </a:solidFill>
+                <a:latin typeface="Arial"/>
+                <a:ea typeface="DejaVu Sans"/>
+              </a:rPr>
+              <a:t>No diretório </a:t>
+            </a:r>
+            <a:r>
+              <a:rPr lang="pt-BR" sz="3200" b="0" strike="noStrike" spc="-1" dirty="0">
+                <a:solidFill>
+                  <a:srgbClr val="1F4E79"/>
+                </a:solidFill>
+                <a:latin typeface="Courier New" panose="02070309020205020404" pitchFamily="49" charset="0"/>
+                <a:ea typeface="DejaVu Sans"/>
+                <a:cs typeface="Courier New" panose="02070309020205020404" pitchFamily="49" charset="0"/>
+              </a:rPr>
+              <a:t>home</a:t>
+            </a:r>
+            <a:r>
+              <a:rPr lang="pt-BR" sz="3200" b="0" strike="noStrike" spc="-1" dirty="0">
+                <a:solidFill>
+                  <a:srgbClr val="1F4E79"/>
+                </a:solidFill>
+                <a:latin typeface="Arial"/>
+                <a:ea typeface="DejaVu Sans"/>
+              </a:rPr>
+              <a:t>, crie o arquivo </a:t>
+            </a:r>
+            <a:r>
+              <a:rPr lang="pt-BR" sz="3200" b="0" strike="noStrike" spc="-1" dirty="0" err="1">
+                <a:solidFill>
+                  <a:srgbClr val="1F4E79"/>
+                </a:solidFill>
+                <a:latin typeface="Courier New" panose="02070309020205020404" pitchFamily="49" charset="0"/>
+                <a:ea typeface="DejaVu Sans"/>
+                <a:cs typeface="Courier New" panose="02070309020205020404" pitchFamily="49" charset="0"/>
+              </a:rPr>
+              <a:t>index.tsx</a:t>
+            </a:r>
+            <a:r>
+              <a:rPr lang="pt-BR" sz="3200" b="0" strike="noStrike" spc="-1" dirty="0">
+                <a:solidFill>
+                  <a:srgbClr val="1F4E79"/>
+                </a:solidFill>
+                <a:latin typeface="Arial"/>
+                <a:ea typeface="DejaVu Sans"/>
+              </a:rPr>
+              <a:t>:</a:t>
+            </a:r>
+          </a:p>
+          <a:p>
+            <a:pPr>
               <a:lnSpc>
                 <a:spcPct val="100000"/>
               </a:lnSpc>
@@ -8192,20 +9682,145 @@
                 <a:latin typeface="Courier New" panose="02070309020205020404" pitchFamily="49" charset="0"/>
                 <a:cs typeface="Courier New" panose="02070309020205020404" pitchFamily="49" charset="0"/>
               </a:rPr>
-              <a:t>yarn add </a:t>
-            </a:r>
-            <a:r>
-              <a:rPr lang="en-US" sz="3200" spc="-1" dirty="0" err="1">
+              <a:t>const Home = () =&gt; {</a:t>
+            </a:r>
+          </a:p>
+          <a:p>
+            <a:pPr>
+              <a:lnSpc>
+                <a:spcPct val="100000"/>
+              </a:lnSpc>
+              <a:spcBef>
+                <a:spcPts val="1001"/>
+              </a:spcBef>
+              <a:spcAft>
+                <a:spcPts val="1001"/>
+              </a:spcAft>
+              <a:tabLst>
+                <a:tab pos="0" algn="l"/>
+              </a:tabLst>
+            </a:pPr>
+            <a:r>
+              <a:rPr lang="en-US" sz="3200" spc="-1" dirty="0">
                 <a:solidFill>
                   <a:srgbClr val="1F4E79"/>
                 </a:solidFill>
                 <a:latin typeface="Courier New" panose="02070309020205020404" pitchFamily="49" charset="0"/>
                 <a:cs typeface="Courier New" panose="02070309020205020404" pitchFamily="49" charset="0"/>
               </a:rPr>
-              <a:t>axios</a:t>
+              <a:t>    return(</a:t>
+            </a:r>
+          </a:p>
+          <a:p>
+            <a:pPr>
+              <a:lnSpc>
+                <a:spcPct val="100000"/>
+              </a:lnSpc>
+              <a:spcBef>
+                <a:spcPts val="1001"/>
+              </a:spcBef>
+              <a:spcAft>
+                <a:spcPts val="1001"/>
+              </a:spcAft>
+              <a:tabLst>
+                <a:tab pos="0" algn="l"/>
+              </a:tabLst>
+            </a:pPr>
+            <a:r>
+              <a:rPr lang="en-US" sz="3200" spc="-1" dirty="0">
+                <a:solidFill>
+                  <a:srgbClr val="1F4E79"/>
+                </a:solidFill>
+                <a:latin typeface="Courier New" panose="02070309020205020404" pitchFamily="49" charset="0"/>
+                <a:cs typeface="Courier New" panose="02070309020205020404" pitchFamily="49" charset="0"/>
+              </a:rPr>
+              <a:t>        &lt;h1&gt;Home&lt;/h1&gt;</a:t>
+            </a:r>
+          </a:p>
+          <a:p>
+            <a:pPr>
+              <a:lnSpc>
+                <a:spcPct val="100000"/>
+              </a:lnSpc>
+              <a:spcBef>
+                <a:spcPts val="1001"/>
+              </a:spcBef>
+              <a:spcAft>
+                <a:spcPts val="1001"/>
+              </a:spcAft>
+              <a:tabLst>
+                <a:tab pos="0" algn="l"/>
+              </a:tabLst>
+            </a:pPr>
+            <a:r>
+              <a:rPr lang="en-US" sz="3200" spc="-1" dirty="0">
+                <a:solidFill>
+                  <a:srgbClr val="1F4E79"/>
+                </a:solidFill>
+                <a:latin typeface="Courier New" panose="02070309020205020404" pitchFamily="49" charset="0"/>
+                <a:cs typeface="Courier New" panose="02070309020205020404" pitchFamily="49" charset="0"/>
+              </a:rPr>
+              <a:t>    );</a:t>
+            </a:r>
+          </a:p>
+          <a:p>
+            <a:pPr>
+              <a:lnSpc>
+                <a:spcPct val="100000"/>
+              </a:lnSpc>
+              <a:spcBef>
+                <a:spcPts val="1001"/>
+              </a:spcBef>
+              <a:spcAft>
+                <a:spcPts val="1001"/>
+              </a:spcAft>
+              <a:tabLst>
+                <a:tab pos="0" algn="l"/>
+              </a:tabLst>
+            </a:pPr>
+            <a:r>
+              <a:rPr lang="en-US" sz="3200" spc="-1" dirty="0">
+                <a:solidFill>
+                  <a:srgbClr val="1F4E79"/>
+                </a:solidFill>
+                <a:latin typeface="Courier New" panose="02070309020205020404" pitchFamily="49" charset="0"/>
+                <a:cs typeface="Courier New" panose="02070309020205020404" pitchFamily="49" charset="0"/>
+              </a:rPr>
+              <a:t>}</a:t>
+            </a:r>
+          </a:p>
+          <a:p>
+            <a:pPr>
+              <a:lnSpc>
+                <a:spcPct val="100000"/>
+              </a:lnSpc>
+              <a:spcBef>
+                <a:spcPts val="1001"/>
+              </a:spcBef>
+              <a:spcAft>
+                <a:spcPts val="1001"/>
+              </a:spcAft>
+              <a:tabLst>
+                <a:tab pos="0" algn="l"/>
+              </a:tabLst>
+            </a:pPr>
+            <a:r>
+              <a:rPr lang="en-US" sz="3200" spc="-1" dirty="0">
+                <a:solidFill>
+                  <a:srgbClr val="1F4E79"/>
+                </a:solidFill>
+                <a:latin typeface="Courier New" panose="02070309020205020404" pitchFamily="49" charset="0"/>
+                <a:cs typeface="Courier New" panose="02070309020205020404" pitchFamily="49" charset="0"/>
+              </a:rPr>
+              <a:t>export default Home;</a:t>
             </a:r>
             <a:endParaRPr lang="pt-BR" sz="3200" b="0" strike="noStrike" spc="-1" dirty="0">
-              <a:latin typeface="Arial"/>
+              <a:solidFill>
+                <a:srgbClr val="1F4E79"/>
+              </a:solidFill>
+              <a:latin typeface="Courier New" panose="02070309020205020404" pitchFamily="49" charset="0"/>
+              <a:ea typeface="DejaVu Sans"/>
+              <a:cs typeface="Courier New" panose="02070309020205020404" pitchFamily="49" charset="0"/>
             </a:endParaRPr>
           </a:p>
         </p:txBody>
@@ -8213,7 +9828,7 @@
     </p:spTree>
     <p:extLst>
       <p:ext uri="{BB962C8B-B14F-4D97-AF65-F5344CB8AC3E}">
-        <p14:creationId xmlns:p14="http://schemas.microsoft.com/office/powerpoint/2010/main" val="581814015"/>
+        <p14:creationId xmlns:p14="http://schemas.microsoft.com/office/powerpoint/2010/main" val="1757517950"/>
       </p:ext>
     </p:extLst>
   </p:cSld>
@@ -8290,7 +9905,7 @@
                 <a:latin typeface="Arial"/>
                 <a:ea typeface="DejaVu Sans"/>
               </a:rPr>
-              <a:t>Consumindo uma API</a:t>
+              <a:t>Primeiros componentes</a:t>
             </a:r>
             <a:endParaRPr lang="pt-BR" sz="5400" b="0" strike="noStrike" spc="-1" dirty="0">
               <a:latin typeface="Arial"/>
@@ -8331,7 +9946,7 @@
         </p:style>
         <p:txBody>
           <a:bodyPr lIns="90000" tIns="45000" rIns="90000" bIns="45000">
-            <a:normAutofit/>
+            <a:normAutofit fontScale="92500" lnSpcReduction="20000"/>
           </a:bodyPr>
           <a:lstStyle/>
           <a:p>
@@ -8350,40 +9965,60 @@
               </a:tabLst>
             </a:pPr>
             <a:r>
-              <a:rPr lang="en-US" sz="3200" spc="-1" dirty="0" err="1">
-                <a:solidFill>
-                  <a:srgbClr val="1F4E79"/>
-                </a:solidFill>
-              </a:rPr>
-              <a:t>Acesse</a:t>
-            </a:r>
-            <a:r>
-              <a:rPr lang="en-US" sz="3200" spc="-1" dirty="0">
-                <a:solidFill>
-                  <a:srgbClr val="1F4E79"/>
-                </a:solidFill>
-              </a:rPr>
-              <a:t> a </a:t>
-            </a:r>
-            <a:r>
-              <a:rPr lang="en-US" sz="3200" spc="-1" dirty="0" err="1">
-                <a:solidFill>
-                  <a:srgbClr val="1F4E79"/>
-                </a:solidFill>
-              </a:rPr>
-              <a:t>documentação</a:t>
-            </a:r>
-            <a:r>
-              <a:rPr lang="en-US" sz="3200" spc="-1" dirty="0">
-                <a:solidFill>
-                  <a:srgbClr val="1F4E79"/>
-                </a:solidFill>
-              </a:rPr>
-              <a:t> da API:</a:t>
-            </a:r>
-          </a:p>
-          <a:p>
-            <a:pPr algn="ctr">
+              <a:rPr lang="pt-BR" sz="3200" b="0" strike="noStrike" spc="-1" dirty="0">
+                <a:solidFill>
+                  <a:srgbClr val="1F4E79"/>
+                </a:solidFill>
+                <a:latin typeface="Arial"/>
+                <a:ea typeface="DejaVu Sans"/>
+              </a:rPr>
+              <a:t>No diretório </a:t>
+            </a:r>
+            <a:r>
+              <a:rPr lang="pt-BR" sz="3200" b="0" strike="noStrike" spc="-1" dirty="0" err="1">
+                <a:solidFill>
+                  <a:srgbClr val="1F4E79"/>
+                </a:solidFill>
+                <a:latin typeface="Courier New" panose="02070309020205020404" pitchFamily="49" charset="0"/>
+                <a:ea typeface="DejaVu Sans"/>
+                <a:cs typeface="Courier New" panose="02070309020205020404" pitchFamily="49" charset="0"/>
+              </a:rPr>
+              <a:t>products</a:t>
+            </a:r>
+            <a:r>
+              <a:rPr lang="pt-BR" sz="3200" b="0" strike="noStrike" spc="-1" dirty="0">
+                <a:solidFill>
+                  <a:srgbClr val="1F4E79"/>
+                </a:solidFill>
+                <a:latin typeface="Arial"/>
+                <a:ea typeface="DejaVu Sans"/>
+              </a:rPr>
+              <a:t>, crie o arquivo </a:t>
+            </a:r>
+            <a:r>
+              <a:rPr lang="pt-BR" sz="3200" b="0" strike="noStrike" spc="-1" dirty="0" err="1">
+                <a:solidFill>
+                  <a:srgbClr val="1F4E79"/>
+                </a:solidFill>
+                <a:latin typeface="Courier New" panose="02070309020205020404" pitchFamily="49" charset="0"/>
+                <a:ea typeface="DejaVu Sans"/>
+                <a:cs typeface="Courier New" panose="02070309020205020404" pitchFamily="49" charset="0"/>
+              </a:rPr>
+              <a:t>index.tsx</a:t>
+            </a:r>
+            <a:r>
+              <a:rPr lang="pt-BR" sz="3200" b="0" strike="noStrike" spc="-1" dirty="0">
+                <a:solidFill>
+                  <a:srgbClr val="1F4E79"/>
+                </a:solidFill>
+                <a:latin typeface="Arial"/>
+                <a:ea typeface="DejaVu Sans"/>
+              </a:rPr>
+              <a:t>:</a:t>
+            </a:r>
+          </a:p>
+          <a:p>
+            <a:pPr>
               <a:lnSpc>
                 <a:spcPct val="100000"/>
               </a:lnSpc>
@@ -8405,10 +10040,165 @@
                 <a:latin typeface="Courier New" panose="02070309020205020404" pitchFamily="49" charset="0"/>
                 <a:cs typeface="Courier New" panose="02070309020205020404" pitchFamily="49" charset="0"/>
               </a:rPr>
-              <a:t>https://www.omdbapi.com/</a:t>
+              <a:t>const Products = () =&gt; {</a:t>
+            </a:r>
+          </a:p>
+          <a:p>
+            <a:pPr>
+              <a:lnSpc>
+                <a:spcPct val="100000"/>
+              </a:lnSpc>
+              <a:spcBef>
+                <a:spcPts val="1001"/>
+              </a:spcBef>
+              <a:spcAft>
+                <a:spcPts val="1001"/>
+              </a:spcAft>
+              <a:tabLst>
+                <a:tab pos="0" algn="l"/>
+              </a:tabLst>
+            </a:pPr>
+            <a:r>
+              <a:rPr lang="en-US" sz="3200" spc="-1" dirty="0">
+                <a:solidFill>
+                  <a:srgbClr val="1F4E79"/>
+                </a:solidFill>
+                <a:latin typeface="Courier New" panose="02070309020205020404" pitchFamily="49" charset="0"/>
+                <a:cs typeface="Courier New" panose="02070309020205020404" pitchFamily="49" charset="0"/>
+              </a:rPr>
+              <a:t>    return(</a:t>
+            </a:r>
+          </a:p>
+          <a:p>
+            <a:pPr>
+              <a:lnSpc>
+                <a:spcPct val="100000"/>
+              </a:lnSpc>
+              <a:spcBef>
+                <a:spcPts val="1001"/>
+              </a:spcBef>
+              <a:spcAft>
+                <a:spcPts val="1001"/>
+              </a:spcAft>
+              <a:tabLst>
+                <a:tab pos="0" algn="l"/>
+              </a:tabLst>
+            </a:pPr>
+            <a:r>
+              <a:rPr lang="en-US" sz="3200" spc="-1" dirty="0">
+                <a:solidFill>
+                  <a:srgbClr val="1F4E79"/>
+                </a:solidFill>
+                <a:latin typeface="Courier New" panose="02070309020205020404" pitchFamily="49" charset="0"/>
+                <a:cs typeface="Courier New" panose="02070309020205020404" pitchFamily="49" charset="0"/>
+              </a:rPr>
+              <a:t>        &lt;h1&gt;</a:t>
+            </a:r>
+            <a:r>
+              <a:rPr lang="en-US" sz="3200" spc="-1" dirty="0" err="1">
+                <a:solidFill>
+                  <a:srgbClr val="1F4E79"/>
+                </a:solidFill>
+                <a:latin typeface="Courier New" panose="02070309020205020404" pitchFamily="49" charset="0"/>
+                <a:cs typeface="Courier New" panose="02070309020205020404" pitchFamily="49" charset="0"/>
+              </a:rPr>
+              <a:t>Produtos</a:t>
+            </a:r>
+            <a:r>
+              <a:rPr lang="en-US" sz="3200" spc="-1" dirty="0">
+                <a:solidFill>
+                  <a:srgbClr val="1F4E79"/>
+                </a:solidFill>
+                <a:latin typeface="Courier New" panose="02070309020205020404" pitchFamily="49" charset="0"/>
+                <a:cs typeface="Courier New" panose="02070309020205020404" pitchFamily="49" charset="0"/>
+              </a:rPr>
+              <a:t>&lt;/h1&gt;</a:t>
+            </a:r>
+          </a:p>
+          <a:p>
+            <a:pPr>
+              <a:lnSpc>
+                <a:spcPct val="100000"/>
+              </a:lnSpc>
+              <a:spcBef>
+                <a:spcPts val="1001"/>
+              </a:spcBef>
+              <a:spcAft>
+                <a:spcPts val="1001"/>
+              </a:spcAft>
+              <a:tabLst>
+                <a:tab pos="0" algn="l"/>
+              </a:tabLst>
+            </a:pPr>
+            <a:r>
+              <a:rPr lang="en-US" sz="3200" spc="-1" dirty="0">
+                <a:solidFill>
+                  <a:srgbClr val="1F4E79"/>
+                </a:solidFill>
+                <a:latin typeface="Courier New" panose="02070309020205020404" pitchFamily="49" charset="0"/>
+                <a:cs typeface="Courier New" panose="02070309020205020404" pitchFamily="49" charset="0"/>
+              </a:rPr>
+              <a:t>    );</a:t>
+            </a:r>
+          </a:p>
+          <a:p>
+            <a:pPr>
+              <a:lnSpc>
+                <a:spcPct val="100000"/>
+              </a:lnSpc>
+              <a:spcBef>
+                <a:spcPts val="1001"/>
+              </a:spcBef>
+              <a:spcAft>
+                <a:spcPts val="1001"/>
+              </a:spcAft>
+              <a:tabLst>
+                <a:tab pos="0" algn="l"/>
+              </a:tabLst>
+            </a:pPr>
+            <a:r>
+              <a:rPr lang="en-US" sz="3200" spc="-1" dirty="0">
+                <a:solidFill>
+                  <a:srgbClr val="1F4E79"/>
+                </a:solidFill>
+                <a:latin typeface="Courier New" panose="02070309020205020404" pitchFamily="49" charset="0"/>
+                <a:cs typeface="Courier New" panose="02070309020205020404" pitchFamily="49" charset="0"/>
+              </a:rPr>
+              <a:t>}</a:t>
+            </a:r>
+          </a:p>
+          <a:p>
+            <a:pPr>
+              <a:lnSpc>
+                <a:spcPct val="100000"/>
+              </a:lnSpc>
+              <a:spcBef>
+                <a:spcPts val="1001"/>
+              </a:spcBef>
+              <a:spcAft>
+                <a:spcPts val="1001"/>
+              </a:spcAft>
+              <a:tabLst>
+                <a:tab pos="0" algn="l"/>
+              </a:tabLst>
+            </a:pPr>
+            <a:r>
+              <a:rPr lang="en-US" sz="3200" spc="-1" dirty="0">
+                <a:solidFill>
+                  <a:srgbClr val="1F4E79"/>
+                </a:solidFill>
+                <a:latin typeface="Courier New" panose="02070309020205020404" pitchFamily="49" charset="0"/>
+                <a:cs typeface="Courier New" panose="02070309020205020404" pitchFamily="49" charset="0"/>
+              </a:rPr>
+              <a:t>export default Products;</a:t>
             </a:r>
             <a:endParaRPr lang="pt-BR" sz="3200" b="0" strike="noStrike" spc="-1" dirty="0">
-              <a:latin typeface="Arial"/>
+              <a:solidFill>
+                <a:srgbClr val="1F4E79"/>
+              </a:solidFill>
+              <a:latin typeface="Courier New" panose="02070309020205020404" pitchFamily="49" charset="0"/>
+              <a:ea typeface="DejaVu Sans"/>
+              <a:cs typeface="Courier New" panose="02070309020205020404" pitchFamily="49" charset="0"/>
             </a:endParaRPr>
           </a:p>
         </p:txBody>
@@ -8416,7 +10206,7 @@
     </p:spTree>
     <p:extLst>
       <p:ext uri="{BB962C8B-B14F-4D97-AF65-F5344CB8AC3E}">
-        <p14:creationId xmlns:p14="http://schemas.microsoft.com/office/powerpoint/2010/main" val="3339919189"/>
+        <p14:creationId xmlns:p14="http://schemas.microsoft.com/office/powerpoint/2010/main" val="621011724"/>
       </p:ext>
     </p:extLst>
   </p:cSld>
@@ -8445,14 +10235,14 @@
       </p:grpSpPr>
       <p:sp>
         <p:nvSpPr>
-          <p:cNvPr id="104" name="CustomShape 1"/>
+          <p:cNvPr id="98" name="CustomShape 1"/>
           <p:cNvSpPr/>
           <p:nvPr/>
         </p:nvSpPr>
         <p:spPr>
           <a:xfrm>
             <a:off x="0" y="224280"/>
-            <a:ext cx="12022200" cy="857520"/>
+            <a:ext cx="12019320" cy="854640"/>
           </a:xfrm>
           <a:prstGeom prst="rect">
             <a:avLst/>
@@ -8486,31 +10276,31 @@
               </a:lnSpc>
             </a:pPr>
             <a:r>
-              <a:rPr lang="pt-BR" sz="5400" b="0" strike="noStrike" spc="-1">
+              <a:rPr lang="pt-BR" sz="5400" b="0" strike="noStrike" spc="-1" dirty="0">
                 <a:solidFill>
                   <a:srgbClr val="1F4E79"/>
                 </a:solidFill>
                 <a:latin typeface="Arial"/>
                 <a:ea typeface="DejaVu Sans"/>
               </a:rPr>
-              <a:t>Referências</a:t>
-            </a:r>
-            <a:endParaRPr lang="pt-BR" sz="5400" b="0" strike="noStrike" spc="-1">
-              <a:latin typeface="Arial"/>
-            </a:endParaRPr>
-          </a:p>
-        </p:txBody>
-      </p:sp>
-      <p:sp>
-        <p:nvSpPr>
-          <p:cNvPr id="105" name="CustomShape 2"/>
+              <a:t>Escolhendo uma API</a:t>
+            </a:r>
+            <a:endParaRPr lang="pt-BR" sz="5400" b="0" strike="noStrike" spc="-1" dirty="0">
+              <a:latin typeface="Arial"/>
+            </a:endParaRPr>
+          </a:p>
+        </p:txBody>
+      </p:sp>
+      <p:sp>
+        <p:nvSpPr>
+          <p:cNvPr id="99" name="CustomShape 2"/>
           <p:cNvSpPr/>
           <p:nvPr/>
         </p:nvSpPr>
         <p:spPr>
           <a:xfrm>
             <a:off x="317520" y="1290960"/>
-            <a:ext cx="11704320" cy="4350240"/>
+            <a:ext cx="11701440" cy="4347360"/>
           </a:xfrm>
           <a:prstGeom prst="rect">
             <a:avLst/>
@@ -8534,11 +10324,11 @@
         </p:style>
         <p:txBody>
           <a:bodyPr lIns="90000" tIns="45000" rIns="90000" bIns="45000">
-            <a:normAutofit fontScale="75500" lnSpcReduction="20000"/>
-          </a:bodyPr>
-          <a:lstStyle/>
-          <a:p>
-            <a:pPr marL="514440" indent="-513360">
+            <a:normAutofit/>
+          </a:bodyPr>
+          <a:lstStyle/>
+          <a:p>
+            <a:pPr algn="ctr">
               <a:lnSpc>
                 <a:spcPct val="100000"/>
               </a:lnSpc>
@@ -8548,60 +10338,45 @@
               <a:spcAft>
                 <a:spcPts val="1001"/>
               </a:spcAft>
-              <a:buClr>
-                <a:srgbClr val="1F4E79"/>
-              </a:buClr>
-              <a:buFont typeface="Calibri Light"/>
-              <a:buAutoNum type="arabicPeriod"/>
+              <a:tabLst>
+                <a:tab pos="0" algn="l"/>
+              </a:tabLst>
             </a:pPr>
             <a:r>
-              <a:rPr lang="pt-BR" sz="3200" b="0" strike="noStrike" spc="-1">
-                <a:solidFill>
-                  <a:srgbClr val="1F4E79"/>
-                </a:solidFill>
-                <a:latin typeface="Arial"/>
-                <a:ea typeface="DejaVu Sans"/>
-              </a:rPr>
-              <a:t>MDN web docs. </a:t>
-            </a:r>
-            <a:r>
-              <a:rPr lang="pt-BR" sz="3200" b="1" strike="noStrike" spc="-1">
-                <a:solidFill>
-                  <a:srgbClr val="1F4E79"/>
-                </a:solidFill>
-                <a:latin typeface="Arial"/>
-                <a:ea typeface="DejaVu Sans"/>
-              </a:rPr>
-              <a:t>Introduction to the DOM</a:t>
-            </a:r>
-            <a:r>
-              <a:rPr lang="pt-BR" sz="3200" b="0" strike="noStrike" spc="-1">
-                <a:solidFill>
-                  <a:srgbClr val="1F4E79"/>
-                </a:solidFill>
-                <a:latin typeface="Arial"/>
-                <a:ea typeface="DejaVu Sans"/>
-              </a:rPr>
-              <a:t>. In: Document Object Model. Disponível em: </a:t>
-            </a:r>
-            <a:r>
-              <a:rPr lang="pt-BR" sz="3200" b="0" u="sng" strike="noStrike" spc="-1">
-                <a:solidFill>
-                  <a:srgbClr val="0563C1"/>
-                </a:solidFill>
-                <a:uFillTx/>
-                <a:latin typeface="Arial"/>
-                <a:ea typeface="DejaVu Sans"/>
-                <a:hlinkClick r:id="rId3"/>
-              </a:rPr>
-              <a:t>https://developer.mozilla.org/en-US/docs/Web/API/Document_Object_Model/Introduction</a:t>
-            </a:r>
-            <a:endParaRPr lang="pt-BR" sz="3200" b="0" strike="noStrike" spc="-1">
-              <a:latin typeface="Arial"/>
-            </a:endParaRPr>
-          </a:p>
-          <a:p>
-            <a:pPr marL="514440" indent="-513360">
+              <a:rPr lang="en-US" sz="3200" spc="-1" dirty="0" err="1">
+                <a:solidFill>
+                  <a:srgbClr val="1F4E79"/>
+                </a:solidFill>
+              </a:rPr>
+              <a:t>Acesse</a:t>
+            </a:r>
+            <a:r>
+              <a:rPr lang="en-US" sz="3200" spc="-1" dirty="0">
+                <a:solidFill>
+                  <a:srgbClr val="1F4E79"/>
+                </a:solidFill>
+              </a:rPr>
+              <a:t> a </a:t>
+            </a:r>
+            <a:r>
+              <a:rPr lang="en-US" sz="3200" spc="-1" dirty="0" err="1">
+                <a:solidFill>
+                  <a:srgbClr val="1F4E79"/>
+                </a:solidFill>
+              </a:rPr>
+              <a:t>documentação</a:t>
+            </a:r>
+            <a:r>
+              <a:rPr lang="en-US" sz="3200" spc="-1" dirty="0">
+                <a:solidFill>
+                  <a:srgbClr val="1F4E79"/>
+                </a:solidFill>
+              </a:rPr>
+              <a:t> da API:</a:t>
+            </a:r>
+          </a:p>
+          <a:p>
+            <a:pPr algn="ctr">
               <a:lnSpc>
                 <a:spcPct val="100000"/>
               </a:lnSpc>
@@ -8611,60 +10386,160 @@
               <a:spcAft>
                 <a:spcPts val="1001"/>
               </a:spcAft>
-              <a:buClr>
-                <a:srgbClr val="1F4E79"/>
-              </a:buClr>
-              <a:buFont typeface="Calibri Light"/>
-              <a:buAutoNum type="arabicPeriod"/>
+              <a:tabLst>
+                <a:tab pos="0" algn="l"/>
+              </a:tabLst>
             </a:pPr>
             <a:r>
-              <a:rPr lang="pt-BR" sz="3200" b="0" strike="noStrike" spc="-1">
+              <a:rPr lang="en-US" sz="3200" spc="-1" dirty="0">
+                <a:solidFill>
+                  <a:srgbClr val="1F4E79"/>
+                </a:solidFill>
+                <a:latin typeface="Courier New" panose="02070309020205020404" pitchFamily="49" charset="0"/>
+                <a:cs typeface="Courier New" panose="02070309020205020404" pitchFamily="49" charset="0"/>
+              </a:rPr>
+              <a:t>https://www.omdbapi.com/</a:t>
+            </a:r>
+            <a:endParaRPr lang="pt-BR" sz="3200" b="0" strike="noStrike" spc="-1" dirty="0">
+              <a:latin typeface="Arial"/>
+            </a:endParaRPr>
+          </a:p>
+        </p:txBody>
+      </p:sp>
+    </p:spTree>
+    <p:extLst>
+      <p:ext uri="{BB962C8B-B14F-4D97-AF65-F5344CB8AC3E}">
+        <p14:creationId xmlns:p14="http://schemas.microsoft.com/office/powerpoint/2010/main" val="3339919189"/>
+      </p:ext>
+    </p:extLst>
+  </p:cSld>
+  <p:clrMapOvr>
+    <a:masterClrMapping/>
+  </p:clrMapOvr>
+</p:sld>
+</file>
+
+<file path=ppt/slides/slide16.xml><?xml version="1.0" encoding="utf-8"?>
+<p:sld xmlns:a="http://schemas.openxmlformats.org/drawingml/2006/main" xmlns:r="http://schemas.openxmlformats.org/officeDocument/2006/relationships" xmlns:p="http://schemas.openxmlformats.org/presentationml/2006/main">
+  <p:cSld>
+    <p:spTree>
+      <p:nvGrpSpPr>
+        <p:cNvPr id="1" name=""/>
+        <p:cNvGrpSpPr/>
+        <p:nvPr/>
+      </p:nvGrpSpPr>
+      <p:grpSpPr>
+        <a:xfrm>
+          <a:off x="0" y="0"/>
+          <a:ext cx="0" cy="0"/>
+          <a:chOff x="0" y="0"/>
+          <a:chExt cx="0" cy="0"/>
+        </a:xfrm>
+      </p:grpSpPr>
+      <p:sp>
+        <p:nvSpPr>
+          <p:cNvPr id="98" name="CustomShape 1"/>
+          <p:cNvSpPr/>
+          <p:nvPr/>
+        </p:nvSpPr>
+        <p:spPr>
+          <a:xfrm>
+            <a:off x="0" y="224280"/>
+            <a:ext cx="12019320" cy="854640"/>
+          </a:xfrm>
+          <a:prstGeom prst="rect">
+            <a:avLst/>
+          </a:prstGeom>
+          <a:noFill/>
+          <a:ln>
+            <a:noFill/>
+          </a:ln>
+        </p:spPr>
+        <p:style>
+          <a:lnRef idx="0">
+            <a:scrgbClr r="0" g="0" b="0"/>
+          </a:lnRef>
+          <a:fillRef idx="0">
+            <a:scrgbClr r="0" g="0" b="0"/>
+          </a:fillRef>
+          <a:effectRef idx="0">
+            <a:scrgbClr r="0" g="0" b="0"/>
+          </a:effectRef>
+          <a:fontRef idx="minor"/>
+        </p:style>
+        <p:txBody>
+          <a:bodyPr lIns="90000" tIns="45000" rIns="90000" bIns="45000" anchor="ctr">
+            <a:noAutofit/>
+          </a:bodyPr>
+          <a:lstStyle/>
+          <a:p>
+            <a:pPr algn="ctr">
+              <a:lnSpc>
+                <a:spcPct val="90000"/>
+              </a:lnSpc>
+            </a:pPr>
+            <a:r>
+              <a:rPr lang="pt-BR" sz="5400" spc="-1" dirty="0">
+                <a:solidFill>
+                  <a:srgbClr val="1F4E79"/>
+                </a:solidFill>
+              </a:rPr>
+              <a:t>Escolhendo </a:t>
+            </a:r>
+            <a:r>
+              <a:rPr lang="pt-BR" sz="5400" b="0" strike="noStrike" spc="-1" dirty="0">
                 <a:solidFill>
                   <a:srgbClr val="1F4E79"/>
                 </a:solidFill>
                 <a:latin typeface="Arial"/>
                 <a:ea typeface="DejaVu Sans"/>
               </a:rPr>
-              <a:t>MDN web docs. </a:t>
-            </a:r>
-            <a:r>
-              <a:rPr lang="pt-BR" sz="3200" b="1" strike="noStrike" spc="-1">
-                <a:solidFill>
-                  <a:srgbClr val="1F4E79"/>
-                </a:solidFill>
-                <a:latin typeface="Arial"/>
-                <a:ea typeface="DejaVu Sans"/>
-              </a:rPr>
-              <a:t>Classes</a:t>
-            </a:r>
-            <a:r>
-              <a:rPr lang="pt-BR" sz="3200" b="0" strike="noStrike" spc="-1">
-                <a:solidFill>
-                  <a:srgbClr val="1F4E79"/>
-                </a:solidFill>
-                <a:latin typeface="Arial"/>
-                <a:ea typeface="DejaVu Sans"/>
-              </a:rPr>
-              <a:t>. Disponível em: </a:t>
-            </a:r>
-            <a:r>
-              <a:rPr lang="pt-BR" sz="3200" b="0" u="sng" strike="noStrike" spc="-1">
-                <a:solidFill>
-                  <a:srgbClr val="0563C1"/>
-                </a:solidFill>
-                <a:uFillTx/>
-                <a:latin typeface="Arial"/>
-                <a:ea typeface="DejaVu Sans"/>
-                <a:hlinkClick r:id="rId4"/>
-              </a:rPr>
-              <a:t>https://developer.mozilla.org/pt-BR/docs/Web/JavaScript/Reference/Classes</a:t>
-            </a:r>
-            <a:endParaRPr lang="pt-BR" sz="3200" b="0" strike="noStrike" spc="-1">
-              <a:latin typeface="Arial"/>
-            </a:endParaRPr>
-          </a:p>
-          <a:p>
-            <a:pPr marL="514440" indent="-513360">
+              <a:t>uma API</a:t>
+            </a:r>
+            <a:endParaRPr lang="pt-BR" sz="5400" b="0" strike="noStrike" spc="-1" dirty="0">
+              <a:latin typeface="Arial"/>
+            </a:endParaRPr>
+          </a:p>
+        </p:txBody>
+      </p:sp>
+      <p:sp>
+        <p:nvSpPr>
+          <p:cNvPr id="99" name="CustomShape 2"/>
+          <p:cNvSpPr/>
+          <p:nvPr/>
+        </p:nvSpPr>
+        <p:spPr>
+          <a:xfrm>
+            <a:off x="317520" y="1290960"/>
+            <a:ext cx="11701440" cy="4347360"/>
+          </a:xfrm>
+          <a:prstGeom prst="rect">
+            <a:avLst/>
+          </a:prstGeom>
+          <a:noFill/>
+          <a:ln>
+            <a:noFill/>
+          </a:ln>
+        </p:spPr>
+        <p:style>
+          <a:lnRef idx="0">
+            <a:scrgbClr r="0" g="0" b="0"/>
+          </a:lnRef>
+          <a:fillRef idx="0">
+            <a:scrgbClr r="0" g="0" b="0"/>
+          </a:fillRef>
+          <a:effectRef idx="0">
+            <a:scrgbClr r="0" g="0" b="0"/>
+          </a:effectRef>
+          <a:fontRef idx="minor"/>
+        </p:style>
+        <p:txBody>
+          <a:bodyPr lIns="90000" tIns="45000" rIns="90000" bIns="45000">
+            <a:normAutofit/>
+          </a:bodyPr>
+          <a:lstStyle/>
+          <a:p>
+            <a:pPr algn="ctr">
               <a:lnSpc>
                 <a:spcPct val="100000"/>
               </a:lnSpc>
@@ -8674,70 +10549,173 @@
               <a:spcAft>
                 <a:spcPts val="1001"/>
               </a:spcAft>
-              <a:buClr>
-                <a:srgbClr val="1F4E79"/>
-              </a:buClr>
-              <a:buFont typeface="Calibri Light"/>
-              <a:buAutoNum type="arabicPeriod"/>
+              <a:tabLst>
+                <a:tab pos="0" algn="l"/>
+              </a:tabLst>
             </a:pPr>
             <a:r>
-              <a:rPr lang="pt-BR" sz="3200" b="0" strike="noStrike" spc="-1">
-                <a:solidFill>
-                  <a:srgbClr val="1F4E79"/>
-                </a:solidFill>
-                <a:latin typeface="Arial"/>
-                <a:ea typeface="DejaVu Sans"/>
-              </a:rPr>
-              <a:t>João Henrique. </a:t>
-            </a:r>
-            <a:r>
-              <a:rPr lang="pt-BR" sz="3200" b="1" strike="noStrike" spc="-1">
-                <a:solidFill>
-                  <a:srgbClr val="1F4E79"/>
-                </a:solidFill>
-                <a:latin typeface="Arial"/>
-                <a:ea typeface="DejaVu Sans"/>
-              </a:rPr>
-              <a:t>POO: o que é programação orientada a objetos?</a:t>
-            </a:r>
-            <a:r>
-              <a:rPr lang="pt-BR" sz="3200" b="0" strike="noStrike" spc="-1">
-                <a:solidFill>
-                  <a:srgbClr val="1F4E79"/>
-                </a:solidFill>
-                <a:latin typeface="Arial"/>
-                <a:ea typeface="DejaVu Sans"/>
-              </a:rPr>
-              <a:t> . Disponível em: </a:t>
-            </a:r>
-            <a:r>
-              <a:rPr lang="pt-BR" sz="3200" b="0" u="sng" strike="noStrike" spc="-1">
-                <a:solidFill>
-                  <a:srgbClr val="0563C1"/>
-                </a:solidFill>
-                <a:uFillTx/>
-                <a:latin typeface="Arial"/>
-                <a:ea typeface="DejaVu Sans"/>
-                <a:hlinkClick r:id="rId5"/>
-              </a:rPr>
-              <a:t>https://www.alura.com.br/artigos/poo-programacao-orientada-a-objetos</a:t>
-            </a:r>
-            <a:r>
-              <a:rPr lang="pt-BR" sz="3200" b="0" strike="noStrike" spc="-1">
-                <a:solidFill>
-                  <a:srgbClr val="1F4E79"/>
-                </a:solidFill>
-                <a:latin typeface="Arial"/>
-                <a:ea typeface="DejaVu Sans"/>
-              </a:rPr>
-              <a:t>.</a:t>
-            </a:r>
-            <a:endParaRPr lang="pt-BR" sz="3200" b="0" strike="noStrike" spc="-1">
-              <a:latin typeface="Arial"/>
-            </a:endParaRPr>
-          </a:p>
-          <a:p>
-            <a:pPr marL="514440" indent="-513360">
+              <a:rPr lang="en-US" sz="3200" spc="-1" dirty="0" err="1">
+                <a:solidFill>
+                  <a:srgbClr val="1F4E79"/>
+                </a:solidFill>
+              </a:rPr>
+              <a:t>Usaremos</a:t>
+            </a:r>
+            <a:r>
+              <a:rPr lang="en-US" sz="3200" spc="-1" dirty="0">
+                <a:solidFill>
+                  <a:srgbClr val="1F4E79"/>
+                </a:solidFill>
+              </a:rPr>
+              <a:t> o </a:t>
+            </a:r>
+            <a:r>
+              <a:rPr lang="en-US" sz="3200" spc="-1" dirty="0" err="1">
+                <a:solidFill>
+                  <a:srgbClr val="1F4E79"/>
+                </a:solidFill>
+              </a:rPr>
+              <a:t>pacote</a:t>
+            </a:r>
+            <a:r>
+              <a:rPr lang="en-US" sz="3200" spc="-1" dirty="0">
+                <a:solidFill>
+                  <a:srgbClr val="1F4E79"/>
+                </a:solidFill>
+              </a:rPr>
+              <a:t> </a:t>
+            </a:r>
+            <a:r>
+              <a:rPr lang="en-US" sz="3200" spc="-1" dirty="0" err="1">
+                <a:solidFill>
+                  <a:srgbClr val="1F4E79"/>
+                </a:solidFill>
+              </a:rPr>
+              <a:t>Axios</a:t>
+            </a:r>
+            <a:r>
+              <a:rPr lang="en-US" sz="3200" spc="-1" dirty="0">
+                <a:solidFill>
+                  <a:srgbClr val="1F4E79"/>
+                </a:solidFill>
+              </a:rPr>
+              <a:t> para </a:t>
+            </a:r>
+            <a:r>
+              <a:rPr lang="en-US" sz="3200" spc="-1" dirty="0" err="1">
+                <a:solidFill>
+                  <a:srgbClr val="1F4E79"/>
+                </a:solidFill>
+              </a:rPr>
+              <a:t>consumir</a:t>
+            </a:r>
+            <a:r>
+              <a:rPr lang="en-US" sz="3200" spc="-1" dirty="0">
+                <a:solidFill>
+                  <a:srgbClr val="1F4E79"/>
+                </a:solidFill>
+              </a:rPr>
+              <a:t> dados de </a:t>
+            </a:r>
+            <a:r>
+              <a:rPr lang="en-US" sz="3200" spc="-1" dirty="0" err="1">
+                <a:solidFill>
+                  <a:srgbClr val="1F4E79"/>
+                </a:solidFill>
+              </a:rPr>
+              <a:t>uma</a:t>
+            </a:r>
+            <a:r>
+              <a:rPr lang="en-US" sz="3200" spc="-1" dirty="0">
+                <a:solidFill>
+                  <a:srgbClr val="1F4E79"/>
+                </a:solidFill>
+              </a:rPr>
+              <a:t> API. </a:t>
+            </a:r>
+            <a:r>
+              <a:rPr lang="en-US" sz="3200" spc="-1" dirty="0" err="1">
+                <a:solidFill>
+                  <a:srgbClr val="1F4E79"/>
+                </a:solidFill>
+              </a:rPr>
+              <a:t>Axios</a:t>
+            </a:r>
+            <a:r>
+              <a:rPr lang="en-US" sz="3200" spc="-1" dirty="0">
+                <a:solidFill>
+                  <a:srgbClr val="1F4E79"/>
+                </a:solidFill>
+              </a:rPr>
+              <a:t> é </a:t>
+            </a:r>
+            <a:r>
+              <a:rPr lang="en-US" sz="3200" spc="-1" dirty="0" err="1">
+                <a:solidFill>
+                  <a:srgbClr val="1F4E79"/>
+                </a:solidFill>
+              </a:rPr>
+              <a:t>uma</a:t>
+            </a:r>
+            <a:r>
+              <a:rPr lang="en-US" sz="3200" spc="-1" dirty="0">
+                <a:solidFill>
+                  <a:srgbClr val="1F4E79"/>
+                </a:solidFill>
+              </a:rPr>
+              <a:t> Promise </a:t>
+            </a:r>
+            <a:r>
+              <a:rPr lang="en-US" sz="3200" spc="-1" dirty="0" err="1">
+                <a:solidFill>
+                  <a:srgbClr val="1F4E79"/>
+                </a:solidFill>
+              </a:rPr>
+              <a:t>baseada</a:t>
+            </a:r>
+            <a:r>
+              <a:rPr lang="en-US" sz="3200" spc="-1" dirty="0">
+                <a:solidFill>
+                  <a:srgbClr val="1F4E79"/>
+                </a:solidFill>
+              </a:rPr>
+              <a:t> </a:t>
+            </a:r>
+            <a:r>
+              <a:rPr lang="en-US" sz="3200" spc="-1" dirty="0" err="1">
+                <a:solidFill>
+                  <a:srgbClr val="1F4E79"/>
+                </a:solidFill>
+              </a:rPr>
+              <a:t>em</a:t>
+            </a:r>
+            <a:r>
+              <a:rPr lang="en-US" sz="3200" spc="-1" dirty="0">
+                <a:solidFill>
+                  <a:srgbClr val="1F4E79"/>
+                </a:solidFill>
+              </a:rPr>
+              <a:t> </a:t>
+            </a:r>
+            <a:r>
+              <a:rPr lang="en-US" sz="3200" spc="-1" dirty="0" err="1">
+                <a:solidFill>
+                  <a:srgbClr val="1F4E79"/>
+                </a:solidFill>
+              </a:rPr>
+              <a:t>cliente</a:t>
+            </a:r>
+            <a:r>
+              <a:rPr lang="en-US" sz="3200" spc="-1" dirty="0">
+                <a:solidFill>
+                  <a:srgbClr val="1F4E79"/>
+                </a:solidFill>
+              </a:rPr>
+              <a:t> HTTP para browsers e node.js.</a:t>
+            </a:r>
+          </a:p>
+          <a:p>
+            <a:pPr algn="ctr">
               <a:lnSpc>
                 <a:spcPct val="100000"/>
               </a:lnSpc>
@@ -8747,25 +10725,638 @@
               <a:spcAft>
                 <a:spcPts val="1001"/>
               </a:spcAft>
-              <a:buClr>
-                <a:srgbClr val="1F4E79"/>
-              </a:buClr>
-              <a:buFont typeface="Calibri Light"/>
-              <a:buAutoNum type="arabicPeriod"/>
+              <a:tabLst>
+                <a:tab pos="0" algn="l"/>
+              </a:tabLst>
             </a:pPr>
             <a:r>
-              <a:rPr lang="pt-BR" sz="3200" b="0" strike="noStrike" spc="-1">
+              <a:rPr lang="en-US" sz="3200" spc="-1" dirty="0" err="1">
+                <a:solidFill>
+                  <a:srgbClr val="1F4E79"/>
+                </a:solidFill>
+              </a:rPr>
+              <a:t>Axios</a:t>
+            </a:r>
+            <a:r>
+              <a:rPr lang="en-US" sz="3200" spc="-1" dirty="0">
+                <a:solidFill>
+                  <a:srgbClr val="1F4E79"/>
+                </a:solidFill>
+              </a:rPr>
+              <a:t> </a:t>
+            </a:r>
+            <a:r>
+              <a:rPr lang="en-US" sz="3200" spc="-1" dirty="0" err="1">
+                <a:solidFill>
+                  <a:srgbClr val="1F4E79"/>
+                </a:solidFill>
+              </a:rPr>
+              <a:t>fornece</a:t>
+            </a:r>
+            <a:r>
+              <a:rPr lang="en-US" sz="3200" spc="-1" dirty="0">
+                <a:solidFill>
+                  <a:srgbClr val="1F4E79"/>
+                </a:solidFill>
+              </a:rPr>
+              <a:t> </a:t>
+            </a:r>
+            <a:r>
+              <a:rPr lang="en-US" sz="3200" spc="-1" dirty="0" err="1">
+                <a:solidFill>
+                  <a:srgbClr val="1F4E79"/>
+                </a:solidFill>
+              </a:rPr>
+              <a:t>uma</a:t>
+            </a:r>
+            <a:r>
+              <a:rPr lang="en-US" sz="3200" spc="-1" dirty="0">
+                <a:solidFill>
+                  <a:srgbClr val="1F4E79"/>
+                </a:solidFill>
+              </a:rPr>
+              <a:t> </a:t>
+            </a:r>
+            <a:r>
+              <a:rPr lang="en-US" sz="3200" spc="-1" dirty="0" err="1">
+                <a:solidFill>
+                  <a:srgbClr val="1F4E79"/>
+                </a:solidFill>
+              </a:rPr>
+              <a:t>biblioteca</a:t>
+            </a:r>
+            <a:r>
+              <a:rPr lang="en-US" sz="3200" spc="-1" dirty="0">
+                <a:solidFill>
+                  <a:srgbClr val="1F4E79"/>
+                </a:solidFill>
+              </a:rPr>
+              <a:t> simples de </a:t>
+            </a:r>
+            <a:r>
+              <a:rPr lang="en-US" sz="3200" spc="-1" dirty="0" err="1">
+                <a:solidFill>
+                  <a:srgbClr val="1F4E79"/>
+                </a:solidFill>
+              </a:rPr>
+              <a:t>usar</a:t>
+            </a:r>
+            <a:r>
+              <a:rPr lang="en-US" sz="3200" spc="-1" dirty="0">
+                <a:solidFill>
+                  <a:srgbClr val="1F4E79"/>
+                </a:solidFill>
+              </a:rPr>
+              <a:t> </a:t>
+            </a:r>
+            <a:r>
+              <a:rPr lang="en-US" sz="3200" spc="-1" dirty="0" err="1">
+                <a:solidFill>
+                  <a:srgbClr val="1F4E79"/>
+                </a:solidFill>
+              </a:rPr>
+              <a:t>em</a:t>
+            </a:r>
+            <a:r>
+              <a:rPr lang="en-US" sz="3200" spc="-1" dirty="0">
+                <a:solidFill>
+                  <a:srgbClr val="1F4E79"/>
+                </a:solidFill>
+              </a:rPr>
+              <a:t> um </a:t>
+            </a:r>
+            <a:r>
+              <a:rPr lang="en-US" sz="3200" spc="-1" dirty="0" err="1">
+                <a:solidFill>
+                  <a:srgbClr val="1F4E79"/>
+                </a:solidFill>
+              </a:rPr>
+              <a:t>pacote</a:t>
+            </a:r>
+            <a:r>
+              <a:rPr lang="en-US" sz="3200" spc="-1" dirty="0">
+                <a:solidFill>
+                  <a:srgbClr val="1F4E79"/>
+                </a:solidFill>
+              </a:rPr>
+              <a:t> </a:t>
+            </a:r>
+            <a:r>
+              <a:rPr lang="en-US" sz="3200" spc="-1" dirty="0" err="1">
+                <a:solidFill>
+                  <a:srgbClr val="1F4E79"/>
+                </a:solidFill>
+              </a:rPr>
+              <a:t>pequeno</a:t>
+            </a:r>
+            <a:r>
+              <a:rPr lang="en-US" sz="3200" spc="-1" dirty="0">
+                <a:solidFill>
+                  <a:srgbClr val="1F4E79"/>
+                </a:solidFill>
+              </a:rPr>
+              <a:t> com </a:t>
+            </a:r>
+            <a:r>
+              <a:rPr lang="en-US" sz="3200" spc="-1" dirty="0" err="1">
+                <a:solidFill>
+                  <a:srgbClr val="1F4E79"/>
+                </a:solidFill>
+              </a:rPr>
+              <a:t>uma</a:t>
+            </a:r>
+            <a:r>
+              <a:rPr lang="en-US" sz="3200" spc="-1" dirty="0">
+                <a:solidFill>
+                  <a:srgbClr val="1F4E79"/>
+                </a:solidFill>
+              </a:rPr>
+              <a:t> interface </a:t>
+            </a:r>
+            <a:r>
+              <a:rPr lang="en-US" sz="3200" spc="-1" dirty="0" err="1">
+                <a:solidFill>
+                  <a:srgbClr val="1F4E79"/>
+                </a:solidFill>
+              </a:rPr>
+              <a:t>extensível</a:t>
+            </a:r>
+            <a:r>
+              <a:rPr lang="en-US" sz="3200" spc="-1" dirty="0">
+                <a:solidFill>
+                  <a:srgbClr val="1F4E79"/>
+                </a:solidFill>
+              </a:rPr>
+              <a:t>.</a:t>
+            </a:r>
+            <a:endParaRPr lang="pt-BR" sz="3200" b="0" strike="noStrike" spc="-1" dirty="0">
+              <a:latin typeface="Arial"/>
+            </a:endParaRPr>
+          </a:p>
+        </p:txBody>
+      </p:sp>
+    </p:spTree>
+    <p:extLst>
+      <p:ext uri="{BB962C8B-B14F-4D97-AF65-F5344CB8AC3E}">
+        <p14:creationId xmlns:p14="http://schemas.microsoft.com/office/powerpoint/2010/main" val="4167277056"/>
+      </p:ext>
+    </p:extLst>
+  </p:cSld>
+  <p:clrMapOvr>
+    <a:masterClrMapping/>
+  </p:clrMapOvr>
+</p:sld>
+</file>
+
+<file path=ppt/slides/slide17.xml><?xml version="1.0" encoding="utf-8"?>
+<p:sld xmlns:a="http://schemas.openxmlformats.org/drawingml/2006/main" xmlns:r="http://schemas.openxmlformats.org/officeDocument/2006/relationships" xmlns:p="http://schemas.openxmlformats.org/presentationml/2006/main">
+  <p:cSld>
+    <p:spTree>
+      <p:nvGrpSpPr>
+        <p:cNvPr id="1" name=""/>
+        <p:cNvGrpSpPr/>
+        <p:nvPr/>
+      </p:nvGrpSpPr>
+      <p:grpSpPr>
+        <a:xfrm>
+          <a:off x="0" y="0"/>
+          <a:ext cx="0" cy="0"/>
+          <a:chOff x="0" y="0"/>
+          <a:chExt cx="0" cy="0"/>
+        </a:xfrm>
+      </p:grpSpPr>
+      <p:sp>
+        <p:nvSpPr>
+          <p:cNvPr id="98" name="CustomShape 1"/>
+          <p:cNvSpPr/>
+          <p:nvPr/>
+        </p:nvSpPr>
+        <p:spPr>
+          <a:xfrm>
+            <a:off x="0" y="224280"/>
+            <a:ext cx="12019320" cy="854640"/>
+          </a:xfrm>
+          <a:prstGeom prst="rect">
+            <a:avLst/>
+          </a:prstGeom>
+          <a:noFill/>
+          <a:ln>
+            <a:noFill/>
+          </a:ln>
+        </p:spPr>
+        <p:style>
+          <a:lnRef idx="0">
+            <a:scrgbClr r="0" g="0" b="0"/>
+          </a:lnRef>
+          <a:fillRef idx="0">
+            <a:scrgbClr r="0" g="0" b="0"/>
+          </a:fillRef>
+          <a:effectRef idx="0">
+            <a:scrgbClr r="0" g="0" b="0"/>
+          </a:effectRef>
+          <a:fontRef idx="minor"/>
+        </p:style>
+        <p:txBody>
+          <a:bodyPr lIns="90000" tIns="45000" rIns="90000" bIns="45000" anchor="ctr">
+            <a:noAutofit/>
+          </a:bodyPr>
+          <a:lstStyle/>
+          <a:p>
+            <a:pPr algn="ctr">
+              <a:lnSpc>
+                <a:spcPct val="90000"/>
+              </a:lnSpc>
+            </a:pPr>
+            <a:r>
+              <a:rPr lang="pt-BR" sz="5400" spc="-1" dirty="0">
+                <a:solidFill>
+                  <a:srgbClr val="1F4E79"/>
+                </a:solidFill>
+              </a:rPr>
+              <a:t>Configurando um objeto </a:t>
+            </a:r>
+            <a:r>
+              <a:rPr lang="pt-BR" sz="5400" spc="-1" dirty="0" err="1">
+                <a:solidFill>
+                  <a:srgbClr val="1F4E79"/>
+                </a:solidFill>
+              </a:rPr>
+              <a:t>Axios</a:t>
+            </a:r>
+            <a:endParaRPr lang="pt-BR" sz="5400" b="0" strike="noStrike" spc="-1" dirty="0">
+              <a:latin typeface="Arial"/>
+            </a:endParaRPr>
+          </a:p>
+        </p:txBody>
+      </p:sp>
+      <p:sp>
+        <p:nvSpPr>
+          <p:cNvPr id="99" name="CustomShape 2"/>
+          <p:cNvSpPr/>
+          <p:nvPr/>
+        </p:nvSpPr>
+        <p:spPr>
+          <a:xfrm>
+            <a:off x="317520" y="1290960"/>
+            <a:ext cx="11701440" cy="4347360"/>
+          </a:xfrm>
+          <a:prstGeom prst="rect">
+            <a:avLst/>
+          </a:prstGeom>
+          <a:noFill/>
+          <a:ln>
+            <a:noFill/>
+          </a:ln>
+        </p:spPr>
+        <p:style>
+          <a:lnRef idx="0">
+            <a:scrgbClr r="0" g="0" b="0"/>
+          </a:lnRef>
+          <a:fillRef idx="0">
+            <a:scrgbClr r="0" g="0" b="0"/>
+          </a:fillRef>
+          <a:effectRef idx="0">
+            <a:scrgbClr r="0" g="0" b="0"/>
+          </a:effectRef>
+          <a:fontRef idx="minor"/>
+        </p:style>
+        <p:txBody>
+          <a:bodyPr lIns="90000" tIns="45000" rIns="90000" bIns="45000">
+            <a:normAutofit/>
+          </a:bodyPr>
+          <a:lstStyle/>
+          <a:p>
+            <a:pPr algn="ctr">
+              <a:lnSpc>
+                <a:spcPct val="100000"/>
+              </a:lnSpc>
+              <a:spcBef>
+                <a:spcPts val="1001"/>
+              </a:spcBef>
+              <a:spcAft>
+                <a:spcPts val="1001"/>
+              </a:spcAft>
+              <a:tabLst>
+                <a:tab pos="0" algn="l"/>
+              </a:tabLst>
+            </a:pPr>
+            <a:r>
+              <a:rPr lang="en-US" sz="3200" spc="-1" dirty="0" err="1">
+                <a:solidFill>
+                  <a:srgbClr val="1F4E79"/>
+                </a:solidFill>
+              </a:rPr>
+              <a:t>Instale</a:t>
+            </a:r>
+            <a:r>
+              <a:rPr lang="en-US" sz="3200" spc="-1" dirty="0">
+                <a:solidFill>
+                  <a:srgbClr val="1F4E79"/>
+                </a:solidFill>
+              </a:rPr>
+              <a:t> o </a:t>
+            </a:r>
+            <a:r>
+              <a:rPr lang="en-US" sz="3200" spc="-1" dirty="0" err="1">
+                <a:solidFill>
+                  <a:srgbClr val="1F4E79"/>
+                </a:solidFill>
+              </a:rPr>
+              <a:t>axios</a:t>
+            </a:r>
+            <a:r>
+              <a:rPr lang="en-US" sz="3200" spc="-1" dirty="0">
+                <a:solidFill>
+                  <a:srgbClr val="1F4E79"/>
+                </a:solidFill>
+              </a:rPr>
+              <a:t> </a:t>
+            </a:r>
+            <a:r>
+              <a:rPr lang="en-US" sz="3200" spc="-1" dirty="0" err="1">
+                <a:solidFill>
+                  <a:srgbClr val="1F4E79"/>
+                </a:solidFill>
+              </a:rPr>
+              <a:t>executando</a:t>
+            </a:r>
+            <a:r>
+              <a:rPr lang="en-US" sz="3200" spc="-1" dirty="0">
+                <a:solidFill>
+                  <a:srgbClr val="1F4E79"/>
+                </a:solidFill>
+              </a:rPr>
+              <a:t> o </a:t>
+            </a:r>
+            <a:r>
+              <a:rPr lang="en-US" sz="3200" spc="-1" dirty="0" err="1">
+                <a:solidFill>
+                  <a:srgbClr val="1F4E79"/>
+                </a:solidFill>
+              </a:rPr>
+              <a:t>seguinte</a:t>
+            </a:r>
+            <a:r>
+              <a:rPr lang="en-US" sz="3200" spc="-1" dirty="0">
+                <a:solidFill>
+                  <a:srgbClr val="1F4E79"/>
+                </a:solidFill>
+              </a:rPr>
+              <a:t> commando:</a:t>
+            </a:r>
+          </a:p>
+          <a:p>
+            <a:pPr algn="ctr">
+              <a:lnSpc>
+                <a:spcPct val="100000"/>
+              </a:lnSpc>
+              <a:spcBef>
+                <a:spcPts val="1001"/>
+              </a:spcBef>
+              <a:spcAft>
+                <a:spcPts val="1001"/>
+              </a:spcAft>
+              <a:tabLst>
+                <a:tab pos="0" algn="l"/>
+              </a:tabLst>
+            </a:pPr>
+            <a:r>
+              <a:rPr lang="en-US" sz="3200" spc="-1" dirty="0">
+                <a:solidFill>
+                  <a:srgbClr val="1F4E79"/>
+                </a:solidFill>
+                <a:latin typeface="Courier New" panose="02070309020205020404" pitchFamily="49" charset="0"/>
+                <a:cs typeface="Courier New" panose="02070309020205020404" pitchFamily="49" charset="0"/>
+              </a:rPr>
+              <a:t>yarn add </a:t>
+            </a:r>
+            <a:r>
+              <a:rPr lang="en-US" sz="3200" spc="-1" dirty="0" err="1">
+                <a:solidFill>
+                  <a:srgbClr val="1F4E79"/>
+                </a:solidFill>
+                <a:latin typeface="Courier New" panose="02070309020205020404" pitchFamily="49" charset="0"/>
+                <a:cs typeface="Courier New" panose="02070309020205020404" pitchFamily="49" charset="0"/>
+              </a:rPr>
+              <a:t>axios</a:t>
+            </a:r>
+            <a:endParaRPr lang="pt-BR" sz="3200" b="0" strike="noStrike" spc="-1" dirty="0">
+              <a:latin typeface="Arial"/>
+            </a:endParaRPr>
+          </a:p>
+        </p:txBody>
+      </p:sp>
+    </p:spTree>
+    <p:extLst>
+      <p:ext uri="{BB962C8B-B14F-4D97-AF65-F5344CB8AC3E}">
+        <p14:creationId xmlns:p14="http://schemas.microsoft.com/office/powerpoint/2010/main" val="581814015"/>
+      </p:ext>
+    </p:extLst>
+  </p:cSld>
+  <p:clrMapOvr>
+    <a:masterClrMapping/>
+  </p:clrMapOvr>
+</p:sld>
+</file>
+
+<file path=ppt/slides/slide18.xml><?xml version="1.0" encoding="utf-8"?>
+<p:sld xmlns:a="http://schemas.openxmlformats.org/drawingml/2006/main" xmlns:r="http://schemas.openxmlformats.org/officeDocument/2006/relationships" xmlns:p="http://schemas.openxmlformats.org/presentationml/2006/main">
+  <p:cSld>
+    <p:spTree>
+      <p:nvGrpSpPr>
+        <p:cNvPr id="1" name=""/>
+        <p:cNvGrpSpPr/>
+        <p:nvPr/>
+      </p:nvGrpSpPr>
+      <p:grpSpPr>
+        <a:xfrm>
+          <a:off x="0" y="0"/>
+          <a:ext cx="0" cy="0"/>
+          <a:chOff x="0" y="0"/>
+          <a:chExt cx="0" cy="0"/>
+        </a:xfrm>
+      </p:grpSpPr>
+      <p:sp>
+        <p:nvSpPr>
+          <p:cNvPr id="98" name="CustomShape 1"/>
+          <p:cNvSpPr/>
+          <p:nvPr/>
+        </p:nvSpPr>
+        <p:spPr>
+          <a:xfrm>
+            <a:off x="0" y="224280"/>
+            <a:ext cx="12019320" cy="854640"/>
+          </a:xfrm>
+          <a:prstGeom prst="rect">
+            <a:avLst/>
+          </a:prstGeom>
+          <a:noFill/>
+          <a:ln>
+            <a:noFill/>
+          </a:ln>
+        </p:spPr>
+        <p:style>
+          <a:lnRef idx="0">
+            <a:scrgbClr r="0" g="0" b="0"/>
+          </a:lnRef>
+          <a:fillRef idx="0">
+            <a:scrgbClr r="0" g="0" b="0"/>
+          </a:fillRef>
+          <a:effectRef idx="0">
+            <a:scrgbClr r="0" g="0" b="0"/>
+          </a:effectRef>
+          <a:fontRef idx="minor"/>
+        </p:style>
+        <p:txBody>
+          <a:bodyPr lIns="90000" tIns="45000" rIns="90000" bIns="45000" anchor="ctr">
+            <a:noAutofit/>
+          </a:bodyPr>
+          <a:lstStyle/>
+          <a:p>
+            <a:pPr algn="ctr">
+              <a:lnSpc>
+                <a:spcPct val="90000"/>
+              </a:lnSpc>
+            </a:pPr>
+            <a:r>
+              <a:rPr lang="pt-BR" sz="5400" b="0" strike="noStrike" spc="-1" dirty="0">
                 <a:solidFill>
                   <a:srgbClr val="1F4E79"/>
                 </a:solidFill>
                 <a:latin typeface="Arial"/>
                 <a:ea typeface="DejaVu Sans"/>
               </a:rPr>
-              <a:t>https://www.devmedia.com.br/os-4-pilares-da-programacao-orientada-a-objetos/9264</a:t>
-            </a:r>
-            <a:endParaRPr lang="pt-BR" sz="3200" b="0" strike="noStrike" spc="-1">
-              <a:latin typeface="Arial"/>
-            </a:endParaRPr>
+              <a:t>Configurando um objeto </a:t>
+            </a:r>
+            <a:r>
+              <a:rPr lang="pt-BR" sz="5400" b="0" strike="noStrike" spc="-1" dirty="0" err="1">
+                <a:solidFill>
+                  <a:srgbClr val="1F4E79"/>
+                </a:solidFill>
+                <a:latin typeface="Arial"/>
+                <a:ea typeface="DejaVu Sans"/>
+              </a:rPr>
+              <a:t>Axios</a:t>
+            </a:r>
+            <a:endParaRPr lang="pt-BR" sz="5400" b="0" strike="noStrike" spc="-1" dirty="0">
+              <a:latin typeface="Arial"/>
+            </a:endParaRPr>
+          </a:p>
+        </p:txBody>
+      </p:sp>
+      <p:sp>
+        <p:nvSpPr>
+          <p:cNvPr id="99" name="CustomShape 2"/>
+          <p:cNvSpPr/>
+          <p:nvPr/>
+        </p:nvSpPr>
+        <p:spPr>
+          <a:xfrm>
+            <a:off x="317520" y="1290960"/>
+            <a:ext cx="11701440" cy="4347360"/>
+          </a:xfrm>
+          <a:prstGeom prst="rect">
+            <a:avLst/>
+          </a:prstGeom>
+          <a:noFill/>
+          <a:ln>
+            <a:noFill/>
+          </a:ln>
+        </p:spPr>
+        <p:style>
+          <a:lnRef idx="0">
+            <a:scrgbClr r="0" g="0" b="0"/>
+          </a:lnRef>
+          <a:fillRef idx="0">
+            <a:scrgbClr r="0" g="0" b="0"/>
+          </a:fillRef>
+          <a:effectRef idx="0">
+            <a:scrgbClr r="0" g="0" b="0"/>
+          </a:effectRef>
+          <a:fontRef idx="minor"/>
+        </p:style>
+        <p:txBody>
+          <a:bodyPr lIns="90000" tIns="45000" rIns="90000" bIns="45000">
+            <a:normAutofit fontScale="92500" lnSpcReduction="10000"/>
+          </a:bodyPr>
+          <a:lstStyle/>
+          <a:p>
+            <a:pPr algn="ctr">
+              <a:lnSpc>
+                <a:spcPct val="100000"/>
+              </a:lnSpc>
+              <a:spcBef>
+                <a:spcPts val="1001"/>
+              </a:spcBef>
+              <a:spcAft>
+                <a:spcPts val="1001"/>
+              </a:spcAft>
+              <a:tabLst>
+                <a:tab pos="0" algn="l"/>
+              </a:tabLst>
+            </a:pPr>
+            <a:r>
+              <a:rPr lang="pt-BR" sz="3200" spc="-1" dirty="0">
+                <a:solidFill>
+                  <a:srgbClr val="1F4E79"/>
+                </a:solidFill>
+              </a:rPr>
+              <a:t>No diretório </a:t>
+            </a:r>
+            <a:r>
+              <a:rPr lang="pt-BR" sz="3200" spc="-1" dirty="0" err="1">
+                <a:solidFill>
+                  <a:srgbClr val="1F4E79"/>
+                </a:solidFill>
+                <a:latin typeface="Courier New" panose="02070309020205020404" pitchFamily="49" charset="0"/>
+                <a:cs typeface="Courier New" panose="02070309020205020404" pitchFamily="49" charset="0"/>
+              </a:rPr>
+              <a:t>src</a:t>
+            </a:r>
+            <a:r>
+              <a:rPr lang="pt-BR" sz="3200" spc="-1" dirty="0">
+                <a:solidFill>
+                  <a:srgbClr val="1F4E79"/>
+                </a:solidFill>
+              </a:rPr>
+              <a:t>, crie um subdiretório </a:t>
+            </a:r>
+            <a:r>
+              <a:rPr lang="pt-BR" sz="3200" spc="-1" dirty="0" err="1">
+                <a:solidFill>
+                  <a:srgbClr val="1F4E79"/>
+                </a:solidFill>
+                <a:latin typeface="Courier New" panose="02070309020205020404" pitchFamily="49" charset="0"/>
+                <a:cs typeface="Courier New" panose="02070309020205020404" pitchFamily="49" charset="0"/>
+              </a:rPr>
+              <a:t>services</a:t>
+            </a:r>
+            <a:r>
+              <a:rPr lang="pt-BR" sz="3200" spc="-1" dirty="0">
+                <a:solidFill>
+                  <a:srgbClr val="1F4E79"/>
+                </a:solidFill>
+              </a:rPr>
+              <a:t>. Dentro dele, crie o arquivo </a:t>
+            </a:r>
+            <a:r>
+              <a:rPr lang="pt-BR" sz="3200" spc="-1" dirty="0" err="1">
+                <a:solidFill>
+                  <a:srgbClr val="1F4E79"/>
+                </a:solidFill>
+                <a:latin typeface="Courier New" panose="02070309020205020404" pitchFamily="49" charset="0"/>
+                <a:cs typeface="Courier New" panose="02070309020205020404" pitchFamily="49" charset="0"/>
+              </a:rPr>
+              <a:t>api.ts</a:t>
+            </a:r>
+            <a:r>
+              <a:rPr lang="en-US" sz="3200" spc="-1" dirty="0">
+                <a:solidFill>
+                  <a:srgbClr val="1F4E79"/>
+                </a:solidFill>
+              </a:rPr>
+              <a:t>:</a:t>
+            </a:r>
           </a:p>
           <a:p>
             <a:pPr>
@@ -8778,14 +11369,467 @@
               <a:spcAft>
                 <a:spcPts val="1001"/>
               </a:spcAft>
+              <a:tabLst>
+                <a:tab pos="0" algn="l"/>
+              </a:tabLst>
             </a:pPr>
-            <a:endParaRPr lang="pt-BR" sz="3200" b="0" strike="noStrike" spc="-1">
+            <a:r>
+              <a:rPr lang="en-US" sz="3200" spc="-1" dirty="0">
+                <a:solidFill>
+                  <a:srgbClr val="1F4E79"/>
+                </a:solidFill>
+                <a:latin typeface="Courier New" panose="02070309020205020404" pitchFamily="49" charset="0"/>
+                <a:cs typeface="Courier New" panose="02070309020205020404" pitchFamily="49" charset="0"/>
+              </a:rPr>
+              <a:t>import </a:t>
+            </a:r>
+            <a:r>
+              <a:rPr lang="en-US" sz="3200" spc="-1" dirty="0" err="1">
+                <a:solidFill>
+                  <a:srgbClr val="1F4E79"/>
+                </a:solidFill>
+                <a:latin typeface="Courier New" panose="02070309020205020404" pitchFamily="49" charset="0"/>
+                <a:cs typeface="Courier New" panose="02070309020205020404" pitchFamily="49" charset="0"/>
+              </a:rPr>
+              <a:t>axios</a:t>
+            </a:r>
+            <a:r>
+              <a:rPr lang="en-US" sz="3200" spc="-1" dirty="0">
+                <a:solidFill>
+                  <a:srgbClr val="1F4E79"/>
+                </a:solidFill>
+                <a:latin typeface="Courier New" panose="02070309020205020404" pitchFamily="49" charset="0"/>
+                <a:cs typeface="Courier New" panose="02070309020205020404" pitchFamily="49" charset="0"/>
+              </a:rPr>
+              <a:t> from '</a:t>
+            </a:r>
+            <a:r>
+              <a:rPr lang="en-US" sz="3200" spc="-1" dirty="0" err="1">
+                <a:solidFill>
+                  <a:srgbClr val="1F4E79"/>
+                </a:solidFill>
+                <a:latin typeface="Courier New" panose="02070309020205020404" pitchFamily="49" charset="0"/>
+                <a:cs typeface="Courier New" panose="02070309020205020404" pitchFamily="49" charset="0"/>
+              </a:rPr>
+              <a:t>axios</a:t>
+            </a:r>
+            <a:r>
+              <a:rPr lang="en-US" sz="3200" spc="-1" dirty="0">
+                <a:solidFill>
+                  <a:srgbClr val="1F4E79"/>
+                </a:solidFill>
+                <a:latin typeface="Courier New" panose="02070309020205020404" pitchFamily="49" charset="0"/>
+                <a:cs typeface="Courier New" panose="02070309020205020404" pitchFamily="49" charset="0"/>
+              </a:rPr>
+              <a:t>';</a:t>
+            </a:r>
+          </a:p>
+          <a:p>
+            <a:pPr>
+              <a:lnSpc>
+                <a:spcPct val="100000"/>
+              </a:lnSpc>
+              <a:spcBef>
+                <a:spcPts val="1001"/>
+              </a:spcBef>
+              <a:spcAft>
+                <a:spcPts val="1001"/>
+              </a:spcAft>
+              <a:tabLst>
+                <a:tab pos="0" algn="l"/>
+              </a:tabLst>
+            </a:pPr>
+            <a:r>
+              <a:rPr lang="en-US" sz="3200" spc="-1" dirty="0">
+                <a:solidFill>
+                  <a:srgbClr val="1F4E79"/>
+                </a:solidFill>
+                <a:latin typeface="Courier New" panose="02070309020205020404" pitchFamily="49" charset="0"/>
+                <a:cs typeface="Courier New" panose="02070309020205020404" pitchFamily="49" charset="0"/>
+              </a:rPr>
+              <a:t>const </a:t>
+            </a:r>
+            <a:r>
+              <a:rPr lang="en-US" sz="3200" spc="-1" dirty="0" err="1">
+                <a:solidFill>
+                  <a:srgbClr val="1F4E79"/>
+                </a:solidFill>
+                <a:latin typeface="Courier New" panose="02070309020205020404" pitchFamily="49" charset="0"/>
+                <a:cs typeface="Courier New" panose="02070309020205020404" pitchFamily="49" charset="0"/>
+              </a:rPr>
+              <a:t>api</a:t>
+            </a:r>
+            <a:r>
+              <a:rPr lang="en-US" sz="3200" spc="-1" dirty="0">
+                <a:solidFill>
+                  <a:srgbClr val="1F4E79"/>
+                </a:solidFill>
+                <a:latin typeface="Courier New" panose="02070309020205020404" pitchFamily="49" charset="0"/>
+                <a:cs typeface="Courier New" panose="02070309020205020404" pitchFamily="49" charset="0"/>
+              </a:rPr>
+              <a:t> = </a:t>
+            </a:r>
+            <a:r>
+              <a:rPr lang="en-US" sz="3200" spc="-1" dirty="0" err="1">
+                <a:solidFill>
+                  <a:srgbClr val="1F4E79"/>
+                </a:solidFill>
+                <a:latin typeface="Courier New" panose="02070309020205020404" pitchFamily="49" charset="0"/>
+                <a:cs typeface="Courier New" panose="02070309020205020404" pitchFamily="49" charset="0"/>
+              </a:rPr>
+              <a:t>axios.create</a:t>
+            </a:r>
+            <a:r>
+              <a:rPr lang="en-US" sz="3200" spc="-1" dirty="0">
+                <a:solidFill>
+                  <a:srgbClr val="1F4E79"/>
+                </a:solidFill>
+                <a:latin typeface="Courier New" panose="02070309020205020404" pitchFamily="49" charset="0"/>
+                <a:cs typeface="Courier New" panose="02070309020205020404" pitchFamily="49" charset="0"/>
+              </a:rPr>
+              <a:t>({</a:t>
+            </a:r>
+          </a:p>
+          <a:p>
+            <a:pPr>
+              <a:lnSpc>
+                <a:spcPct val="100000"/>
+              </a:lnSpc>
+              <a:spcBef>
+                <a:spcPts val="1001"/>
+              </a:spcBef>
+              <a:spcAft>
+                <a:spcPts val="1001"/>
+              </a:spcAft>
+              <a:tabLst>
+                <a:tab pos="0" algn="l"/>
+              </a:tabLst>
+            </a:pPr>
+            <a:r>
+              <a:rPr lang="en-US" sz="3200" spc="-1" dirty="0">
+                <a:solidFill>
+                  <a:srgbClr val="1F4E79"/>
+                </a:solidFill>
+                <a:latin typeface="Courier New" panose="02070309020205020404" pitchFamily="49" charset="0"/>
+                <a:cs typeface="Courier New" panose="02070309020205020404" pitchFamily="49" charset="0"/>
+              </a:rPr>
+              <a:t>    </a:t>
+            </a:r>
+            <a:r>
+              <a:rPr lang="en-US" sz="3200" spc="-1" dirty="0" err="1">
+                <a:solidFill>
+                  <a:srgbClr val="1F4E79"/>
+                </a:solidFill>
+                <a:latin typeface="Courier New" panose="02070309020205020404" pitchFamily="49" charset="0"/>
+                <a:cs typeface="Courier New" panose="02070309020205020404" pitchFamily="49" charset="0"/>
+              </a:rPr>
+              <a:t>baseURL</a:t>
+            </a:r>
+            <a:r>
+              <a:rPr lang="en-US" sz="3200" spc="-1" dirty="0">
+                <a:solidFill>
+                  <a:srgbClr val="1F4E79"/>
+                </a:solidFill>
+                <a:latin typeface="Courier New" panose="02070309020205020404" pitchFamily="49" charset="0"/>
+                <a:cs typeface="Courier New" panose="02070309020205020404" pitchFamily="49" charset="0"/>
+              </a:rPr>
+              <a:t>: 'http://www.omdbapi.com'</a:t>
+            </a:r>
+          </a:p>
+          <a:p>
+            <a:pPr>
+              <a:lnSpc>
+                <a:spcPct val="100000"/>
+              </a:lnSpc>
+              <a:spcBef>
+                <a:spcPts val="1001"/>
+              </a:spcBef>
+              <a:spcAft>
+                <a:spcPts val="1001"/>
+              </a:spcAft>
+              <a:tabLst>
+                <a:tab pos="0" algn="l"/>
+              </a:tabLst>
+            </a:pPr>
+            <a:r>
+              <a:rPr lang="en-US" sz="3200" spc="-1" dirty="0">
+                <a:solidFill>
+                  <a:srgbClr val="1F4E79"/>
+                </a:solidFill>
+                <a:latin typeface="Courier New" panose="02070309020205020404" pitchFamily="49" charset="0"/>
+                <a:cs typeface="Courier New" panose="02070309020205020404" pitchFamily="49" charset="0"/>
+              </a:rPr>
+              <a:t>});</a:t>
+            </a:r>
+          </a:p>
+          <a:p>
+            <a:pPr>
+              <a:lnSpc>
+                <a:spcPct val="100000"/>
+              </a:lnSpc>
+              <a:spcBef>
+                <a:spcPts val="1001"/>
+              </a:spcBef>
+              <a:spcAft>
+                <a:spcPts val="1001"/>
+              </a:spcAft>
+              <a:tabLst>
+                <a:tab pos="0" algn="l"/>
+              </a:tabLst>
+            </a:pPr>
+            <a:r>
+              <a:rPr lang="en-US" sz="3200" spc="-1" dirty="0">
+                <a:solidFill>
+                  <a:srgbClr val="1F4E79"/>
+                </a:solidFill>
+                <a:latin typeface="Courier New" panose="02070309020205020404" pitchFamily="49" charset="0"/>
+                <a:cs typeface="Courier New" panose="02070309020205020404" pitchFamily="49" charset="0"/>
+              </a:rPr>
+              <a:t>export default </a:t>
+            </a:r>
+            <a:r>
+              <a:rPr lang="en-US" sz="3200" spc="-1" dirty="0" err="1">
+                <a:solidFill>
+                  <a:srgbClr val="1F4E79"/>
+                </a:solidFill>
+                <a:latin typeface="Courier New" panose="02070309020205020404" pitchFamily="49" charset="0"/>
+                <a:cs typeface="Courier New" panose="02070309020205020404" pitchFamily="49" charset="0"/>
+              </a:rPr>
+              <a:t>api</a:t>
+            </a:r>
+            <a:r>
+              <a:rPr lang="en-US" sz="3200" spc="-1" dirty="0">
+                <a:solidFill>
+                  <a:srgbClr val="1F4E79"/>
+                </a:solidFill>
+                <a:latin typeface="Courier New" panose="02070309020205020404" pitchFamily="49" charset="0"/>
+                <a:cs typeface="Courier New" panose="02070309020205020404" pitchFamily="49" charset="0"/>
+              </a:rPr>
+              <a:t>;</a:t>
+            </a:r>
+            <a:endParaRPr lang="pt-BR" sz="3200" b="0" strike="noStrike" spc="-1" dirty="0">
               <a:latin typeface="Arial"/>
             </a:endParaRPr>
           </a:p>
         </p:txBody>
       </p:sp>
     </p:spTree>
+    <p:extLst>
+      <p:ext uri="{BB962C8B-B14F-4D97-AF65-F5344CB8AC3E}">
+        <p14:creationId xmlns:p14="http://schemas.microsoft.com/office/powerpoint/2010/main" val="1010482264"/>
+      </p:ext>
+    </p:extLst>
+  </p:cSld>
+  <p:clrMapOvr>
+    <a:masterClrMapping/>
+  </p:clrMapOvr>
+</p:sld>
+</file>
+
+<file path=ppt/slides/slide19.xml><?xml version="1.0" encoding="utf-8"?>
+<p:sld xmlns:a="http://schemas.openxmlformats.org/drawingml/2006/main" xmlns:r="http://schemas.openxmlformats.org/officeDocument/2006/relationships" xmlns:p="http://schemas.openxmlformats.org/presentationml/2006/main">
+  <p:cSld>
+    <p:spTree>
+      <p:nvGrpSpPr>
+        <p:cNvPr id="1" name=""/>
+        <p:cNvGrpSpPr/>
+        <p:nvPr/>
+      </p:nvGrpSpPr>
+      <p:grpSpPr>
+        <a:xfrm>
+          <a:off x="0" y="0"/>
+          <a:ext cx="0" cy="0"/>
+          <a:chOff x="0" y="0"/>
+          <a:chExt cx="0" cy="0"/>
+        </a:xfrm>
+      </p:grpSpPr>
+      <p:sp>
+        <p:nvSpPr>
+          <p:cNvPr id="98" name="CustomShape 1"/>
+          <p:cNvSpPr/>
+          <p:nvPr/>
+        </p:nvSpPr>
+        <p:spPr>
+          <a:xfrm>
+            <a:off x="0" y="224280"/>
+            <a:ext cx="12019320" cy="854640"/>
+          </a:xfrm>
+          <a:prstGeom prst="rect">
+            <a:avLst/>
+          </a:prstGeom>
+          <a:noFill/>
+          <a:ln>
+            <a:noFill/>
+          </a:ln>
+        </p:spPr>
+        <p:style>
+          <a:lnRef idx="0">
+            <a:scrgbClr r="0" g="0" b="0"/>
+          </a:lnRef>
+          <a:fillRef idx="0">
+            <a:scrgbClr r="0" g="0" b="0"/>
+          </a:fillRef>
+          <a:effectRef idx="0">
+            <a:scrgbClr r="0" g="0" b="0"/>
+          </a:effectRef>
+          <a:fontRef idx="minor"/>
+        </p:style>
+        <p:txBody>
+          <a:bodyPr lIns="90000" tIns="45000" rIns="90000" bIns="45000" anchor="ctr">
+            <a:noAutofit/>
+          </a:bodyPr>
+          <a:lstStyle/>
+          <a:p>
+            <a:pPr algn="ctr">
+              <a:lnSpc>
+                <a:spcPct val="90000"/>
+              </a:lnSpc>
+            </a:pPr>
+            <a:r>
+              <a:rPr lang="pt-BR" sz="5400" b="0" strike="noStrike" spc="-1" dirty="0">
+                <a:solidFill>
+                  <a:srgbClr val="1F4E79"/>
+                </a:solidFill>
+                <a:latin typeface="Arial"/>
+                <a:ea typeface="DejaVu Sans"/>
+              </a:rPr>
+              <a:t>Definindo </a:t>
+            </a:r>
+            <a:r>
+              <a:rPr lang="pt-BR" sz="5400" b="0" strike="noStrike" spc="-1" dirty="0" err="1">
+                <a:solidFill>
+                  <a:srgbClr val="1F4E79"/>
+                </a:solidFill>
+                <a:latin typeface="Arial"/>
+                <a:ea typeface="DejaVu Sans"/>
+              </a:rPr>
+              <a:t>Product</a:t>
+            </a:r>
+            <a:r>
+              <a:rPr lang="pt-BR" sz="5400" b="0" strike="noStrike" spc="-1" dirty="0">
+                <a:solidFill>
+                  <a:srgbClr val="1F4E79"/>
+                </a:solidFill>
+                <a:latin typeface="Arial"/>
+                <a:ea typeface="DejaVu Sans"/>
+              </a:rPr>
+              <a:t> - interface</a:t>
+            </a:r>
+            <a:endParaRPr lang="pt-BR" sz="5400" b="0" strike="noStrike" spc="-1" dirty="0">
+              <a:latin typeface="Arial"/>
+            </a:endParaRPr>
+          </a:p>
+        </p:txBody>
+      </p:sp>
+      <p:sp>
+        <p:nvSpPr>
+          <p:cNvPr id="99" name="CustomShape 2"/>
+          <p:cNvSpPr/>
+          <p:nvPr/>
+        </p:nvSpPr>
+        <p:spPr>
+          <a:xfrm>
+            <a:off x="317520" y="1290960"/>
+            <a:ext cx="11701440" cy="4347360"/>
+          </a:xfrm>
+          <a:prstGeom prst="rect">
+            <a:avLst/>
+          </a:prstGeom>
+          <a:noFill/>
+          <a:ln>
+            <a:noFill/>
+          </a:ln>
+        </p:spPr>
+        <p:style>
+          <a:lnRef idx="0">
+            <a:scrgbClr r="0" g="0" b="0"/>
+          </a:lnRef>
+          <a:fillRef idx="0">
+            <a:scrgbClr r="0" g="0" b="0"/>
+          </a:fillRef>
+          <a:effectRef idx="0">
+            <a:scrgbClr r="0" g="0" b="0"/>
+          </a:effectRef>
+          <a:fontRef idx="minor"/>
+        </p:style>
+        <p:txBody>
+          <a:bodyPr lIns="90000" tIns="45000" rIns="90000" bIns="45000">
+            <a:normAutofit/>
+          </a:bodyPr>
+          <a:lstStyle/>
+          <a:p>
+            <a:pPr algn="ctr">
+              <a:lnSpc>
+                <a:spcPct val="100000"/>
+              </a:lnSpc>
+              <a:spcBef>
+                <a:spcPts val="1001"/>
+              </a:spcBef>
+              <a:spcAft>
+                <a:spcPts val="1001"/>
+              </a:spcAft>
+              <a:tabLst>
+                <a:tab pos="0" algn="l"/>
+              </a:tabLst>
+            </a:pPr>
+            <a:r>
+              <a:rPr lang="pt-BR" sz="3200" b="0" strike="noStrike" spc="-1" dirty="0">
+                <a:solidFill>
+                  <a:srgbClr val="1F4E79"/>
+                </a:solidFill>
+                <a:latin typeface="Arial"/>
+              </a:rPr>
+              <a:t>Uma </a:t>
+            </a:r>
+            <a:r>
+              <a:rPr lang="pt-BR" sz="3200" b="0" strike="noStrike" spc="-1" dirty="0">
+                <a:solidFill>
+                  <a:srgbClr val="1F4E79"/>
+                </a:solidFill>
+                <a:latin typeface="Courier New" panose="02070309020205020404" pitchFamily="49" charset="0"/>
+                <a:cs typeface="Courier New" panose="02070309020205020404" pitchFamily="49" charset="0"/>
+              </a:rPr>
+              <a:t>interface</a:t>
+            </a:r>
+            <a:r>
+              <a:rPr lang="pt-BR" sz="3200" b="0" strike="noStrike" spc="-1" dirty="0">
+                <a:solidFill>
+                  <a:srgbClr val="1F4E79"/>
+                </a:solidFill>
+                <a:latin typeface="Arial"/>
+              </a:rPr>
+              <a:t> informa ao compilador </a:t>
+            </a:r>
+            <a:r>
+              <a:rPr lang="pt-BR" sz="3200" b="0" strike="noStrike" spc="-1" dirty="0" err="1">
+                <a:solidFill>
+                  <a:srgbClr val="1F4E79"/>
+                </a:solidFill>
+                <a:latin typeface="Arial"/>
+              </a:rPr>
+              <a:t>TypeScript</a:t>
+            </a:r>
+            <a:r>
+              <a:rPr lang="pt-BR" sz="3200" b="0" strike="noStrike" spc="-1" dirty="0">
+                <a:solidFill>
+                  <a:srgbClr val="1F4E79"/>
+                </a:solidFill>
+                <a:latin typeface="Arial"/>
+              </a:rPr>
+              <a:t> as propriedades, e seus respectivos tipos de dados, presentes em um objeto.</a:t>
+            </a:r>
+            <a:endParaRPr lang="pt-BR" sz="3200" b="0" strike="noStrike" spc="-1" dirty="0">
+              <a:latin typeface="Arial"/>
+            </a:endParaRPr>
+          </a:p>
+        </p:txBody>
+      </p:sp>
+    </p:spTree>
+    <p:extLst>
+      <p:ext uri="{BB962C8B-B14F-4D97-AF65-F5344CB8AC3E}">
+        <p14:creationId xmlns:p14="http://schemas.microsoft.com/office/powerpoint/2010/main" val="1399136113"/>
+      </p:ext>
+    </p:extLst>
   </p:cSld>
   <p:clrMapOvr>
     <a:masterClrMapping/>
@@ -9038,6 +12082,2878 @@
               <a:t> página compostas por componentes.</a:t>
             </a:r>
             <a:endParaRPr lang="pt-BR" sz="3200" b="0" strike="noStrike" spc="-1" dirty="0">
+              <a:latin typeface="Arial"/>
+            </a:endParaRPr>
+          </a:p>
+        </p:txBody>
+      </p:sp>
+    </p:spTree>
+  </p:cSld>
+  <p:clrMapOvr>
+    <a:masterClrMapping/>
+  </p:clrMapOvr>
+</p:sld>
+</file>
+
+<file path=ppt/slides/slide20.xml><?xml version="1.0" encoding="utf-8"?>
+<p:sld xmlns:a="http://schemas.openxmlformats.org/drawingml/2006/main" xmlns:r="http://schemas.openxmlformats.org/officeDocument/2006/relationships" xmlns:p="http://schemas.openxmlformats.org/presentationml/2006/main">
+  <p:cSld>
+    <p:spTree>
+      <p:nvGrpSpPr>
+        <p:cNvPr id="1" name=""/>
+        <p:cNvGrpSpPr/>
+        <p:nvPr/>
+      </p:nvGrpSpPr>
+      <p:grpSpPr>
+        <a:xfrm>
+          <a:off x="0" y="0"/>
+          <a:ext cx="0" cy="0"/>
+          <a:chOff x="0" y="0"/>
+          <a:chExt cx="0" cy="0"/>
+        </a:xfrm>
+      </p:grpSpPr>
+      <p:sp>
+        <p:nvSpPr>
+          <p:cNvPr id="98" name="CustomShape 1"/>
+          <p:cNvSpPr/>
+          <p:nvPr/>
+        </p:nvSpPr>
+        <p:spPr>
+          <a:xfrm>
+            <a:off x="0" y="224280"/>
+            <a:ext cx="12019320" cy="854640"/>
+          </a:xfrm>
+          <a:prstGeom prst="rect">
+            <a:avLst/>
+          </a:prstGeom>
+          <a:noFill/>
+          <a:ln>
+            <a:noFill/>
+          </a:ln>
+        </p:spPr>
+        <p:style>
+          <a:lnRef idx="0">
+            <a:scrgbClr r="0" g="0" b="0"/>
+          </a:lnRef>
+          <a:fillRef idx="0">
+            <a:scrgbClr r="0" g="0" b="0"/>
+          </a:fillRef>
+          <a:effectRef idx="0">
+            <a:scrgbClr r="0" g="0" b="0"/>
+          </a:effectRef>
+          <a:fontRef idx="minor"/>
+        </p:style>
+        <p:txBody>
+          <a:bodyPr lIns="90000" tIns="45000" rIns="90000" bIns="45000" anchor="ctr">
+            <a:noAutofit/>
+          </a:bodyPr>
+          <a:lstStyle/>
+          <a:p>
+            <a:pPr algn="ctr">
+              <a:lnSpc>
+                <a:spcPct val="90000"/>
+              </a:lnSpc>
+            </a:pPr>
+            <a:r>
+              <a:rPr lang="pt-BR" sz="5400" b="0" strike="noStrike" spc="-1" dirty="0">
+                <a:solidFill>
+                  <a:srgbClr val="1F4E79"/>
+                </a:solidFill>
+                <a:latin typeface="Arial"/>
+                <a:ea typeface="DejaVu Sans"/>
+              </a:rPr>
+              <a:t>Definindo </a:t>
+            </a:r>
+            <a:r>
+              <a:rPr lang="pt-BR" sz="5400" b="0" strike="noStrike" spc="-1" dirty="0" err="1">
+                <a:solidFill>
+                  <a:srgbClr val="1F4E79"/>
+                </a:solidFill>
+                <a:latin typeface="Arial"/>
+                <a:ea typeface="DejaVu Sans"/>
+              </a:rPr>
+              <a:t>Product</a:t>
+            </a:r>
+            <a:r>
+              <a:rPr lang="pt-BR" sz="5400" b="0" strike="noStrike" spc="-1" dirty="0">
+                <a:solidFill>
+                  <a:srgbClr val="1F4E79"/>
+                </a:solidFill>
+                <a:latin typeface="Arial"/>
+                <a:ea typeface="DejaVu Sans"/>
+              </a:rPr>
+              <a:t> - interface</a:t>
+            </a:r>
+            <a:endParaRPr lang="pt-BR" sz="5400" b="0" strike="noStrike" spc="-1" dirty="0">
+              <a:latin typeface="Arial"/>
+            </a:endParaRPr>
+          </a:p>
+        </p:txBody>
+      </p:sp>
+      <p:sp>
+        <p:nvSpPr>
+          <p:cNvPr id="99" name="CustomShape 2"/>
+          <p:cNvSpPr/>
+          <p:nvPr/>
+        </p:nvSpPr>
+        <p:spPr>
+          <a:xfrm>
+            <a:off x="317520" y="1290960"/>
+            <a:ext cx="11701440" cy="4347360"/>
+          </a:xfrm>
+          <a:prstGeom prst="rect">
+            <a:avLst/>
+          </a:prstGeom>
+          <a:noFill/>
+          <a:ln>
+            <a:noFill/>
+          </a:ln>
+        </p:spPr>
+        <p:style>
+          <a:lnRef idx="0">
+            <a:scrgbClr r="0" g="0" b="0"/>
+          </a:lnRef>
+          <a:fillRef idx="0">
+            <a:scrgbClr r="0" g="0" b="0"/>
+          </a:fillRef>
+          <a:effectRef idx="0">
+            <a:scrgbClr r="0" g="0" b="0"/>
+          </a:effectRef>
+          <a:fontRef idx="minor"/>
+        </p:style>
+        <p:txBody>
+          <a:bodyPr lIns="90000" tIns="45000" rIns="90000" bIns="45000">
+            <a:normAutofit fontScale="70000" lnSpcReduction="20000"/>
+          </a:bodyPr>
+          <a:lstStyle/>
+          <a:p>
+            <a:pPr algn="ctr">
+              <a:lnSpc>
+                <a:spcPct val="100000"/>
+              </a:lnSpc>
+              <a:spcBef>
+                <a:spcPts val="1001"/>
+              </a:spcBef>
+              <a:spcAft>
+                <a:spcPts val="1001"/>
+              </a:spcAft>
+              <a:tabLst>
+                <a:tab pos="0" algn="l"/>
+              </a:tabLst>
+            </a:pPr>
+            <a:r>
+              <a:rPr lang="pt-BR" sz="3200" spc="-1" dirty="0">
+                <a:solidFill>
+                  <a:srgbClr val="1F4E79"/>
+                </a:solidFill>
+              </a:rPr>
+              <a:t>Observando o retorno da </a:t>
+            </a:r>
+            <a:r>
+              <a:rPr lang="pt-BR" sz="3200" spc="-1" dirty="0" err="1">
+                <a:solidFill>
+                  <a:srgbClr val="1F4E79"/>
+                </a:solidFill>
+              </a:rPr>
+              <a:t>api</a:t>
+            </a:r>
+            <a:r>
+              <a:rPr lang="pt-BR" sz="3200" spc="-1" dirty="0">
+                <a:solidFill>
+                  <a:srgbClr val="1F4E79"/>
+                </a:solidFill>
+              </a:rPr>
+              <a:t> escolhida, pode-se conhecer a estrutura de dados adotada. Assim, podemos definir </a:t>
+            </a:r>
+            <a:r>
+              <a:rPr lang="pt-BR" sz="3200" spc="-1" dirty="0" err="1">
+                <a:solidFill>
+                  <a:srgbClr val="1F4E79"/>
+                </a:solidFill>
+                <a:latin typeface="Courier New" panose="02070309020205020404" pitchFamily="49" charset="0"/>
+                <a:cs typeface="Courier New" panose="02070309020205020404" pitchFamily="49" charset="0"/>
+              </a:rPr>
+              <a:t>Product</a:t>
+            </a:r>
+            <a:r>
+              <a:rPr lang="pt-BR" sz="3200" spc="-1" dirty="0">
+                <a:solidFill>
+                  <a:srgbClr val="1F4E79"/>
+                </a:solidFill>
+              </a:rPr>
+              <a:t> da seguinte maneira</a:t>
+            </a:r>
+            <a:r>
+              <a:rPr lang="en-US" sz="3200" spc="-1" dirty="0">
+                <a:solidFill>
+                  <a:srgbClr val="1F4E79"/>
+                </a:solidFill>
+              </a:rPr>
+              <a:t>:</a:t>
+            </a:r>
+          </a:p>
+          <a:p>
+            <a:pPr>
+              <a:lnSpc>
+                <a:spcPct val="100000"/>
+              </a:lnSpc>
+              <a:spcBef>
+                <a:spcPts val="1001"/>
+              </a:spcBef>
+              <a:spcAft>
+                <a:spcPts val="1001"/>
+              </a:spcAft>
+              <a:tabLst>
+                <a:tab pos="0" algn="l"/>
+              </a:tabLst>
+            </a:pPr>
+            <a:r>
+              <a:rPr lang="en-US" sz="3200" spc="-1" dirty="0">
+                <a:solidFill>
+                  <a:srgbClr val="1F4E79"/>
+                </a:solidFill>
+                <a:latin typeface="Courier New" panose="02070309020205020404" pitchFamily="49" charset="0"/>
+                <a:cs typeface="Courier New" panose="02070309020205020404" pitchFamily="49" charset="0"/>
+              </a:rPr>
+              <a:t>interface </a:t>
+            </a:r>
+            <a:r>
+              <a:rPr lang="en-US" sz="3200" spc="-1" dirty="0" err="1">
+                <a:solidFill>
+                  <a:srgbClr val="1F4E79"/>
+                </a:solidFill>
+                <a:latin typeface="Courier New" panose="02070309020205020404" pitchFamily="49" charset="0"/>
+                <a:cs typeface="Courier New" panose="02070309020205020404" pitchFamily="49" charset="0"/>
+              </a:rPr>
+              <a:t>IProduct</a:t>
+            </a:r>
+            <a:r>
+              <a:rPr lang="en-US" sz="3200" spc="-1" dirty="0">
+                <a:solidFill>
+                  <a:srgbClr val="1F4E79"/>
+                </a:solidFill>
+                <a:latin typeface="Courier New" panose="02070309020205020404" pitchFamily="49" charset="0"/>
+                <a:cs typeface="Courier New" panose="02070309020205020404" pitchFamily="49" charset="0"/>
+              </a:rPr>
+              <a:t> {</a:t>
+            </a:r>
+          </a:p>
+          <a:p>
+            <a:pPr>
+              <a:lnSpc>
+                <a:spcPct val="100000"/>
+              </a:lnSpc>
+              <a:spcBef>
+                <a:spcPts val="1001"/>
+              </a:spcBef>
+              <a:spcAft>
+                <a:spcPts val="1001"/>
+              </a:spcAft>
+              <a:tabLst>
+                <a:tab pos="0" algn="l"/>
+              </a:tabLst>
+            </a:pPr>
+            <a:r>
+              <a:rPr lang="en-US" sz="3200" spc="-1" dirty="0">
+                <a:solidFill>
+                  <a:srgbClr val="1F4E79"/>
+                </a:solidFill>
+                <a:latin typeface="Courier New" panose="02070309020205020404" pitchFamily="49" charset="0"/>
+                <a:cs typeface="Courier New" panose="02070309020205020404" pitchFamily="49" charset="0"/>
+              </a:rPr>
+              <a:t>    Title: string;</a:t>
+            </a:r>
+          </a:p>
+          <a:p>
+            <a:pPr>
+              <a:lnSpc>
+                <a:spcPct val="100000"/>
+              </a:lnSpc>
+              <a:spcBef>
+                <a:spcPts val="1001"/>
+              </a:spcBef>
+              <a:spcAft>
+                <a:spcPts val="1001"/>
+              </a:spcAft>
+              <a:tabLst>
+                <a:tab pos="0" algn="l"/>
+              </a:tabLst>
+            </a:pPr>
+            <a:r>
+              <a:rPr lang="en-US" sz="3200" spc="-1" dirty="0">
+                <a:solidFill>
+                  <a:srgbClr val="1F4E79"/>
+                </a:solidFill>
+                <a:latin typeface="Courier New" panose="02070309020205020404" pitchFamily="49" charset="0"/>
+                <a:cs typeface="Courier New" panose="02070309020205020404" pitchFamily="49" charset="0"/>
+              </a:rPr>
+              <a:t>    Year: string;</a:t>
+            </a:r>
+          </a:p>
+          <a:p>
+            <a:pPr>
+              <a:lnSpc>
+                <a:spcPct val="100000"/>
+              </a:lnSpc>
+              <a:spcBef>
+                <a:spcPts val="1001"/>
+              </a:spcBef>
+              <a:spcAft>
+                <a:spcPts val="1001"/>
+              </a:spcAft>
+              <a:tabLst>
+                <a:tab pos="0" algn="l"/>
+              </a:tabLst>
+            </a:pPr>
+            <a:r>
+              <a:rPr lang="en-US" sz="3200" spc="-1" dirty="0">
+                <a:solidFill>
+                  <a:srgbClr val="1F4E79"/>
+                </a:solidFill>
+                <a:latin typeface="Courier New" panose="02070309020205020404" pitchFamily="49" charset="0"/>
+                <a:cs typeface="Courier New" panose="02070309020205020404" pitchFamily="49" charset="0"/>
+              </a:rPr>
+              <a:t>    </a:t>
+            </a:r>
+            <a:r>
+              <a:rPr lang="en-US" sz="3200" spc="-1" dirty="0" err="1">
+                <a:solidFill>
+                  <a:srgbClr val="1F4E79"/>
+                </a:solidFill>
+                <a:latin typeface="Courier New" panose="02070309020205020404" pitchFamily="49" charset="0"/>
+                <a:cs typeface="Courier New" panose="02070309020205020404" pitchFamily="49" charset="0"/>
+              </a:rPr>
+              <a:t>imdbID</a:t>
+            </a:r>
+            <a:r>
+              <a:rPr lang="en-US" sz="3200" spc="-1" dirty="0">
+                <a:solidFill>
+                  <a:srgbClr val="1F4E79"/>
+                </a:solidFill>
+                <a:latin typeface="Courier New" panose="02070309020205020404" pitchFamily="49" charset="0"/>
+                <a:cs typeface="Courier New" panose="02070309020205020404" pitchFamily="49" charset="0"/>
+              </a:rPr>
+              <a:t>: string;</a:t>
+            </a:r>
+          </a:p>
+          <a:p>
+            <a:pPr>
+              <a:lnSpc>
+                <a:spcPct val="100000"/>
+              </a:lnSpc>
+              <a:spcBef>
+                <a:spcPts val="1001"/>
+              </a:spcBef>
+              <a:spcAft>
+                <a:spcPts val="1001"/>
+              </a:spcAft>
+              <a:tabLst>
+                <a:tab pos="0" algn="l"/>
+              </a:tabLst>
+            </a:pPr>
+            <a:r>
+              <a:rPr lang="en-US" sz="3200" spc="-1" dirty="0">
+                <a:solidFill>
+                  <a:srgbClr val="1F4E79"/>
+                </a:solidFill>
+                <a:latin typeface="Courier New" panose="02070309020205020404" pitchFamily="49" charset="0"/>
+                <a:cs typeface="Courier New" panose="02070309020205020404" pitchFamily="49" charset="0"/>
+              </a:rPr>
+              <a:t>    Type: string;</a:t>
+            </a:r>
+          </a:p>
+          <a:p>
+            <a:pPr>
+              <a:lnSpc>
+                <a:spcPct val="100000"/>
+              </a:lnSpc>
+              <a:spcBef>
+                <a:spcPts val="1001"/>
+              </a:spcBef>
+              <a:spcAft>
+                <a:spcPts val="1001"/>
+              </a:spcAft>
+              <a:tabLst>
+                <a:tab pos="0" algn="l"/>
+              </a:tabLst>
+            </a:pPr>
+            <a:r>
+              <a:rPr lang="en-US" sz="3200" spc="-1" dirty="0">
+                <a:solidFill>
+                  <a:srgbClr val="1F4E79"/>
+                </a:solidFill>
+                <a:latin typeface="Courier New" panose="02070309020205020404" pitchFamily="49" charset="0"/>
+                <a:cs typeface="Courier New" panose="02070309020205020404" pitchFamily="49" charset="0"/>
+              </a:rPr>
+              <a:t>    Poster: string;</a:t>
+            </a:r>
+          </a:p>
+          <a:p>
+            <a:pPr>
+              <a:lnSpc>
+                <a:spcPct val="100000"/>
+              </a:lnSpc>
+              <a:spcBef>
+                <a:spcPts val="1001"/>
+              </a:spcBef>
+              <a:spcAft>
+                <a:spcPts val="1001"/>
+              </a:spcAft>
+              <a:tabLst>
+                <a:tab pos="0" algn="l"/>
+              </a:tabLst>
+            </a:pPr>
+            <a:r>
+              <a:rPr lang="en-US" sz="3200" spc="-1" dirty="0">
+                <a:solidFill>
+                  <a:srgbClr val="1F4E79"/>
+                </a:solidFill>
+                <a:latin typeface="Courier New" panose="02070309020205020404" pitchFamily="49" charset="0"/>
+                <a:cs typeface="Courier New" panose="02070309020205020404" pitchFamily="49" charset="0"/>
+              </a:rPr>
+              <a:t>}</a:t>
+            </a:r>
+            <a:endParaRPr lang="pt-BR" sz="3200" b="0" strike="noStrike" spc="-1" dirty="0">
+              <a:latin typeface="Arial"/>
+            </a:endParaRPr>
+          </a:p>
+        </p:txBody>
+      </p:sp>
+    </p:spTree>
+    <p:extLst>
+      <p:ext uri="{BB962C8B-B14F-4D97-AF65-F5344CB8AC3E}">
+        <p14:creationId xmlns:p14="http://schemas.microsoft.com/office/powerpoint/2010/main" val="962216996"/>
+      </p:ext>
+    </p:extLst>
+  </p:cSld>
+  <p:clrMapOvr>
+    <a:masterClrMapping/>
+  </p:clrMapOvr>
+</p:sld>
+</file>
+
+<file path=ppt/slides/slide21.xml><?xml version="1.0" encoding="utf-8"?>
+<p:sld xmlns:a="http://schemas.openxmlformats.org/drawingml/2006/main" xmlns:r="http://schemas.openxmlformats.org/officeDocument/2006/relationships" xmlns:p="http://schemas.openxmlformats.org/presentationml/2006/main">
+  <p:cSld>
+    <p:spTree>
+      <p:nvGrpSpPr>
+        <p:cNvPr id="1" name=""/>
+        <p:cNvGrpSpPr/>
+        <p:nvPr/>
+      </p:nvGrpSpPr>
+      <p:grpSpPr>
+        <a:xfrm>
+          <a:off x="0" y="0"/>
+          <a:ext cx="0" cy="0"/>
+          <a:chOff x="0" y="0"/>
+          <a:chExt cx="0" cy="0"/>
+        </a:xfrm>
+      </p:grpSpPr>
+      <p:sp>
+        <p:nvSpPr>
+          <p:cNvPr id="98" name="CustomShape 1"/>
+          <p:cNvSpPr/>
+          <p:nvPr/>
+        </p:nvSpPr>
+        <p:spPr>
+          <a:xfrm>
+            <a:off x="0" y="224280"/>
+            <a:ext cx="12019320" cy="854640"/>
+          </a:xfrm>
+          <a:prstGeom prst="rect">
+            <a:avLst/>
+          </a:prstGeom>
+          <a:noFill/>
+          <a:ln>
+            <a:noFill/>
+          </a:ln>
+        </p:spPr>
+        <p:style>
+          <a:lnRef idx="0">
+            <a:scrgbClr r="0" g="0" b="0"/>
+          </a:lnRef>
+          <a:fillRef idx="0">
+            <a:scrgbClr r="0" g="0" b="0"/>
+          </a:fillRef>
+          <a:effectRef idx="0">
+            <a:scrgbClr r="0" g="0" b="0"/>
+          </a:effectRef>
+          <a:fontRef idx="minor"/>
+        </p:style>
+        <p:txBody>
+          <a:bodyPr lIns="90000" tIns="45000" rIns="90000" bIns="45000" anchor="ctr">
+            <a:noAutofit/>
+          </a:bodyPr>
+          <a:lstStyle/>
+          <a:p>
+            <a:pPr algn="ctr">
+              <a:lnSpc>
+                <a:spcPct val="90000"/>
+              </a:lnSpc>
+            </a:pPr>
+            <a:r>
+              <a:rPr lang="pt-BR" sz="5400" b="0" strike="noStrike" spc="-1" dirty="0">
+                <a:solidFill>
+                  <a:srgbClr val="1F4E79"/>
+                </a:solidFill>
+                <a:latin typeface="Arial"/>
+                <a:ea typeface="DejaVu Sans"/>
+              </a:rPr>
+              <a:t>Armazenando </a:t>
+            </a:r>
+            <a:r>
+              <a:rPr lang="pt-BR" sz="5400" b="0" strike="noStrike" spc="-1" dirty="0" err="1">
+                <a:solidFill>
+                  <a:srgbClr val="1F4E79"/>
+                </a:solidFill>
+                <a:latin typeface="Arial"/>
+                <a:ea typeface="DejaVu Sans"/>
+              </a:rPr>
+              <a:t>Products</a:t>
+            </a:r>
+            <a:r>
+              <a:rPr lang="pt-BR" sz="5400" b="0" strike="noStrike" spc="-1" dirty="0">
+                <a:solidFill>
+                  <a:srgbClr val="1F4E79"/>
+                </a:solidFill>
+                <a:latin typeface="Arial"/>
+                <a:ea typeface="DejaVu Sans"/>
+              </a:rPr>
+              <a:t> - </a:t>
+            </a:r>
+            <a:r>
+              <a:rPr lang="pt-BR" sz="5400" b="0" strike="noStrike" spc="-1" dirty="0" err="1">
+                <a:solidFill>
+                  <a:srgbClr val="1F4E79"/>
+                </a:solidFill>
+                <a:latin typeface="Arial"/>
+                <a:ea typeface="DejaVu Sans"/>
+              </a:rPr>
+              <a:t>state</a:t>
+            </a:r>
+            <a:endParaRPr lang="pt-BR" sz="5400" b="0" strike="noStrike" spc="-1" dirty="0">
+              <a:latin typeface="Arial"/>
+            </a:endParaRPr>
+          </a:p>
+        </p:txBody>
+      </p:sp>
+      <p:sp>
+        <p:nvSpPr>
+          <p:cNvPr id="99" name="CustomShape 2"/>
+          <p:cNvSpPr/>
+          <p:nvPr/>
+        </p:nvSpPr>
+        <p:spPr>
+          <a:xfrm>
+            <a:off x="317520" y="1290960"/>
+            <a:ext cx="11701440" cy="4347360"/>
+          </a:xfrm>
+          <a:prstGeom prst="rect">
+            <a:avLst/>
+          </a:prstGeom>
+          <a:noFill/>
+          <a:ln>
+            <a:noFill/>
+          </a:ln>
+        </p:spPr>
+        <p:style>
+          <a:lnRef idx="0">
+            <a:scrgbClr r="0" g="0" b="0"/>
+          </a:lnRef>
+          <a:fillRef idx="0">
+            <a:scrgbClr r="0" g="0" b="0"/>
+          </a:fillRef>
+          <a:effectRef idx="0">
+            <a:scrgbClr r="0" g="0" b="0"/>
+          </a:effectRef>
+          <a:fontRef idx="minor"/>
+        </p:style>
+        <p:txBody>
+          <a:bodyPr lIns="90000" tIns="45000" rIns="90000" bIns="45000">
+            <a:normAutofit/>
+          </a:bodyPr>
+          <a:lstStyle/>
+          <a:p>
+            <a:pPr algn="ctr">
+              <a:lnSpc>
+                <a:spcPct val="100000"/>
+              </a:lnSpc>
+              <a:spcBef>
+                <a:spcPts val="1001"/>
+              </a:spcBef>
+              <a:spcAft>
+                <a:spcPts val="1001"/>
+              </a:spcAft>
+              <a:tabLst>
+                <a:tab pos="0" algn="l"/>
+              </a:tabLst>
+            </a:pPr>
+            <a:r>
+              <a:rPr lang="pt-BR" sz="3200" spc="-1" dirty="0">
+                <a:solidFill>
+                  <a:srgbClr val="1F4E79"/>
+                </a:solidFill>
+              </a:rPr>
+              <a:t>Estados (</a:t>
+            </a:r>
+            <a:r>
+              <a:rPr lang="pt-BR" sz="3200" spc="-1" dirty="0" err="1">
+                <a:solidFill>
+                  <a:srgbClr val="1F4E79"/>
+                </a:solidFill>
+                <a:latin typeface="Courier New" panose="02070309020205020404" pitchFamily="49" charset="0"/>
+                <a:cs typeface="Courier New" panose="02070309020205020404" pitchFamily="49" charset="0"/>
+              </a:rPr>
+              <a:t>states</a:t>
+            </a:r>
+            <a:r>
+              <a:rPr lang="pt-BR" sz="3200" spc="-1" dirty="0">
+                <a:solidFill>
+                  <a:srgbClr val="1F4E79"/>
+                </a:solidFill>
+              </a:rPr>
+              <a:t>) são similares a propriedades, porém são privadas e totalmente controladas pelo componente.</a:t>
+            </a:r>
+          </a:p>
+          <a:p>
+            <a:pPr algn="ctr">
+              <a:lnSpc>
+                <a:spcPct val="100000"/>
+              </a:lnSpc>
+              <a:spcBef>
+                <a:spcPts val="1001"/>
+              </a:spcBef>
+              <a:spcAft>
+                <a:spcPts val="1001"/>
+              </a:spcAft>
+              <a:tabLst>
+                <a:tab pos="0" algn="l"/>
+              </a:tabLst>
+            </a:pPr>
+            <a:r>
+              <a:rPr lang="pt-BR" sz="3200" b="0" strike="noStrike" spc="-1" dirty="0">
+                <a:solidFill>
+                  <a:srgbClr val="1F4E79"/>
+                </a:solidFill>
+                <a:latin typeface="Arial"/>
+              </a:rPr>
+              <a:t>O </a:t>
+            </a:r>
+            <a:r>
+              <a:rPr lang="pt-BR" sz="3200" b="0" strike="noStrike" spc="-1" dirty="0" err="1">
+                <a:solidFill>
+                  <a:srgbClr val="1F4E79"/>
+                </a:solidFill>
+                <a:latin typeface="Courier New" panose="02070309020205020404" pitchFamily="49" charset="0"/>
+                <a:cs typeface="Courier New" panose="02070309020205020404" pitchFamily="49" charset="0"/>
+              </a:rPr>
+              <a:t>hook</a:t>
+            </a:r>
+            <a:r>
+              <a:rPr lang="pt-BR" sz="3200" b="0" strike="noStrike" spc="-1" dirty="0">
+                <a:solidFill>
+                  <a:srgbClr val="1F4E79"/>
+                </a:solidFill>
+                <a:latin typeface="Courier New" panose="02070309020205020404" pitchFamily="49" charset="0"/>
+                <a:cs typeface="Courier New" panose="02070309020205020404" pitchFamily="49" charset="0"/>
+              </a:rPr>
+              <a:t> </a:t>
+            </a:r>
+            <a:r>
+              <a:rPr lang="pt-BR" sz="3200" b="0" strike="noStrike" spc="-1" dirty="0" err="1">
+                <a:solidFill>
+                  <a:srgbClr val="1F4E79"/>
+                </a:solidFill>
+                <a:latin typeface="Courier New" panose="02070309020205020404" pitchFamily="49" charset="0"/>
+                <a:cs typeface="Courier New" panose="02070309020205020404" pitchFamily="49" charset="0"/>
+              </a:rPr>
+              <a:t>useState</a:t>
+            </a:r>
+            <a:r>
+              <a:rPr lang="pt-BR" sz="3200" b="0" strike="noStrike" spc="-1" dirty="0">
+                <a:solidFill>
+                  <a:srgbClr val="1F4E79"/>
+                </a:solidFill>
+                <a:latin typeface="Courier New" panose="02070309020205020404" pitchFamily="49" charset="0"/>
+                <a:cs typeface="Courier New" panose="02070309020205020404" pitchFamily="49" charset="0"/>
+              </a:rPr>
+              <a:t>()</a:t>
+            </a:r>
+            <a:r>
+              <a:rPr lang="pt-BR" sz="3200" b="0" strike="noStrike" spc="-1" dirty="0">
+                <a:solidFill>
+                  <a:srgbClr val="1F4E79"/>
+                </a:solidFill>
+                <a:latin typeface="Arial"/>
+              </a:rPr>
+              <a:t> permite criarmos estados </a:t>
+            </a:r>
+            <a:r>
+              <a:rPr lang="pt-BR" sz="3200" spc="-1" dirty="0">
+                <a:solidFill>
+                  <a:srgbClr val="1F4E79"/>
+                </a:solidFill>
+                <a:latin typeface="Arial"/>
+              </a:rPr>
+              <a:t>em componentes funcionais.</a:t>
+            </a:r>
+          </a:p>
+          <a:p>
+            <a:pPr algn="ctr">
+              <a:lnSpc>
+                <a:spcPct val="100000"/>
+              </a:lnSpc>
+              <a:spcBef>
+                <a:spcPts val="1001"/>
+              </a:spcBef>
+              <a:spcAft>
+                <a:spcPts val="1001"/>
+              </a:spcAft>
+              <a:tabLst>
+                <a:tab pos="0" algn="l"/>
+              </a:tabLst>
+            </a:pPr>
+            <a:r>
+              <a:rPr lang="pt-BR" sz="3200" spc="-1" dirty="0">
+                <a:solidFill>
+                  <a:srgbClr val="1F4E79"/>
+                </a:solidFill>
+                <a:latin typeface="Arial"/>
+              </a:rPr>
+              <a:t>Ou seja, sem a obrigatoriedade de definir classes.</a:t>
+            </a:r>
+            <a:endParaRPr lang="pt-BR" sz="3200" b="0" strike="noStrike" spc="-1" dirty="0">
+              <a:latin typeface="Arial"/>
+            </a:endParaRPr>
+          </a:p>
+        </p:txBody>
+      </p:sp>
+    </p:spTree>
+    <p:extLst>
+      <p:ext uri="{BB962C8B-B14F-4D97-AF65-F5344CB8AC3E}">
+        <p14:creationId xmlns:p14="http://schemas.microsoft.com/office/powerpoint/2010/main" val="2257004906"/>
+      </p:ext>
+    </p:extLst>
+  </p:cSld>
+  <p:clrMapOvr>
+    <a:masterClrMapping/>
+  </p:clrMapOvr>
+</p:sld>
+</file>
+
+<file path=ppt/slides/slide22.xml><?xml version="1.0" encoding="utf-8"?>
+<p:sld xmlns:a="http://schemas.openxmlformats.org/drawingml/2006/main" xmlns:r="http://schemas.openxmlformats.org/officeDocument/2006/relationships" xmlns:p="http://schemas.openxmlformats.org/presentationml/2006/main">
+  <p:cSld>
+    <p:spTree>
+      <p:nvGrpSpPr>
+        <p:cNvPr id="1" name=""/>
+        <p:cNvGrpSpPr/>
+        <p:nvPr/>
+      </p:nvGrpSpPr>
+      <p:grpSpPr>
+        <a:xfrm>
+          <a:off x="0" y="0"/>
+          <a:ext cx="0" cy="0"/>
+          <a:chOff x="0" y="0"/>
+          <a:chExt cx="0" cy="0"/>
+        </a:xfrm>
+      </p:grpSpPr>
+      <p:sp>
+        <p:nvSpPr>
+          <p:cNvPr id="98" name="CustomShape 1"/>
+          <p:cNvSpPr/>
+          <p:nvPr/>
+        </p:nvSpPr>
+        <p:spPr>
+          <a:xfrm>
+            <a:off x="0" y="224280"/>
+            <a:ext cx="12019320" cy="854640"/>
+          </a:xfrm>
+          <a:prstGeom prst="rect">
+            <a:avLst/>
+          </a:prstGeom>
+          <a:noFill/>
+          <a:ln>
+            <a:noFill/>
+          </a:ln>
+        </p:spPr>
+        <p:style>
+          <a:lnRef idx="0">
+            <a:scrgbClr r="0" g="0" b="0"/>
+          </a:lnRef>
+          <a:fillRef idx="0">
+            <a:scrgbClr r="0" g="0" b="0"/>
+          </a:fillRef>
+          <a:effectRef idx="0">
+            <a:scrgbClr r="0" g="0" b="0"/>
+          </a:effectRef>
+          <a:fontRef idx="minor"/>
+        </p:style>
+        <p:txBody>
+          <a:bodyPr lIns="90000" tIns="45000" rIns="90000" bIns="45000" anchor="ctr">
+            <a:noAutofit/>
+          </a:bodyPr>
+          <a:lstStyle/>
+          <a:p>
+            <a:pPr algn="ctr">
+              <a:lnSpc>
+                <a:spcPct val="90000"/>
+              </a:lnSpc>
+            </a:pPr>
+            <a:r>
+              <a:rPr lang="pt-BR" sz="5400" b="0" strike="noStrike" spc="-1" dirty="0">
+                <a:solidFill>
+                  <a:srgbClr val="1F4E79"/>
+                </a:solidFill>
+                <a:latin typeface="Arial"/>
+                <a:ea typeface="DejaVu Sans"/>
+              </a:rPr>
+              <a:t>Armazenando </a:t>
+            </a:r>
+            <a:r>
+              <a:rPr lang="pt-BR" sz="5400" b="0" strike="noStrike" spc="-1" dirty="0" err="1">
+                <a:solidFill>
+                  <a:srgbClr val="1F4E79"/>
+                </a:solidFill>
+                <a:latin typeface="Arial"/>
+                <a:ea typeface="DejaVu Sans"/>
+              </a:rPr>
+              <a:t>Products</a:t>
+            </a:r>
+            <a:r>
+              <a:rPr lang="pt-BR" sz="5400" b="0" strike="noStrike" spc="-1" dirty="0">
+                <a:solidFill>
+                  <a:srgbClr val="1F4E79"/>
+                </a:solidFill>
+                <a:latin typeface="Arial"/>
+                <a:ea typeface="DejaVu Sans"/>
+              </a:rPr>
+              <a:t> - </a:t>
+            </a:r>
+            <a:r>
+              <a:rPr lang="pt-BR" sz="5400" b="0" strike="noStrike" spc="-1" dirty="0" err="1">
+                <a:solidFill>
+                  <a:srgbClr val="1F4E79"/>
+                </a:solidFill>
+                <a:latin typeface="Arial"/>
+                <a:ea typeface="DejaVu Sans"/>
+              </a:rPr>
+              <a:t>state</a:t>
+            </a:r>
+            <a:endParaRPr lang="pt-BR" sz="5400" b="0" strike="noStrike" spc="-1" dirty="0">
+              <a:latin typeface="Arial"/>
+            </a:endParaRPr>
+          </a:p>
+        </p:txBody>
+      </p:sp>
+      <p:sp>
+        <p:nvSpPr>
+          <p:cNvPr id="99" name="CustomShape 2"/>
+          <p:cNvSpPr/>
+          <p:nvPr/>
+        </p:nvSpPr>
+        <p:spPr>
+          <a:xfrm>
+            <a:off x="317520" y="1290960"/>
+            <a:ext cx="11701440" cy="4347360"/>
+          </a:xfrm>
+          <a:prstGeom prst="rect">
+            <a:avLst/>
+          </a:prstGeom>
+          <a:noFill/>
+          <a:ln>
+            <a:noFill/>
+          </a:ln>
+        </p:spPr>
+        <p:style>
+          <a:lnRef idx="0">
+            <a:scrgbClr r="0" g="0" b="0"/>
+          </a:lnRef>
+          <a:fillRef idx="0">
+            <a:scrgbClr r="0" g="0" b="0"/>
+          </a:fillRef>
+          <a:effectRef idx="0">
+            <a:scrgbClr r="0" g="0" b="0"/>
+          </a:effectRef>
+          <a:fontRef idx="minor"/>
+        </p:style>
+        <p:txBody>
+          <a:bodyPr lIns="90000" tIns="45000" rIns="90000" bIns="45000">
+            <a:normAutofit/>
+          </a:bodyPr>
+          <a:lstStyle/>
+          <a:p>
+            <a:pPr algn="ctr">
+              <a:lnSpc>
+                <a:spcPct val="100000"/>
+              </a:lnSpc>
+              <a:spcBef>
+                <a:spcPts val="1001"/>
+              </a:spcBef>
+              <a:spcAft>
+                <a:spcPts val="1001"/>
+              </a:spcAft>
+              <a:tabLst>
+                <a:tab pos="0" algn="l"/>
+              </a:tabLst>
+            </a:pPr>
+            <a:r>
+              <a:rPr lang="pt-BR" sz="3200" spc="-1" dirty="0">
+                <a:solidFill>
+                  <a:srgbClr val="1F4E79"/>
+                </a:solidFill>
+              </a:rPr>
+              <a:t>Crie um </a:t>
+            </a:r>
+            <a:r>
+              <a:rPr lang="pt-BR" sz="3200" spc="-1" dirty="0" err="1">
+                <a:solidFill>
+                  <a:srgbClr val="1F4E79"/>
+                </a:solidFill>
+                <a:latin typeface="Courier New" panose="02070309020205020404" pitchFamily="49" charset="0"/>
+                <a:cs typeface="Courier New" panose="02070309020205020404" pitchFamily="49" charset="0"/>
+              </a:rPr>
+              <a:t>state</a:t>
+            </a:r>
+            <a:r>
+              <a:rPr lang="pt-BR" sz="3200" spc="-1" dirty="0">
+                <a:solidFill>
+                  <a:srgbClr val="1F4E79"/>
+                </a:solidFill>
+                <a:latin typeface="Courier New" panose="02070309020205020404" pitchFamily="49" charset="0"/>
+                <a:cs typeface="Courier New" panose="02070309020205020404" pitchFamily="49" charset="0"/>
+              </a:rPr>
+              <a:t> </a:t>
+            </a:r>
+            <a:r>
+              <a:rPr lang="pt-BR" sz="3200" spc="-1" dirty="0" err="1">
+                <a:solidFill>
+                  <a:srgbClr val="1F4E79"/>
+                </a:solidFill>
+                <a:latin typeface="Courier New" panose="02070309020205020404" pitchFamily="49" charset="0"/>
+                <a:cs typeface="Courier New" panose="02070309020205020404" pitchFamily="49" charset="0"/>
+              </a:rPr>
+              <a:t>products</a:t>
+            </a:r>
+            <a:r>
+              <a:rPr lang="pt-BR" sz="3200" spc="-1" dirty="0">
+                <a:solidFill>
+                  <a:srgbClr val="1F4E79"/>
+                </a:solidFill>
+              </a:rPr>
+              <a:t> no arquivo </a:t>
+            </a:r>
+            <a:r>
+              <a:rPr lang="pt-BR" sz="3200" spc="-1" dirty="0" err="1">
+                <a:solidFill>
+                  <a:srgbClr val="1F4E79"/>
+                </a:solidFill>
+                <a:latin typeface="Courier New" panose="02070309020205020404" pitchFamily="49" charset="0"/>
+                <a:cs typeface="Courier New" panose="02070309020205020404" pitchFamily="49" charset="0"/>
+              </a:rPr>
+              <a:t>index.tsx</a:t>
+            </a:r>
+            <a:r>
+              <a:rPr lang="pt-BR" sz="3200" spc="-1" dirty="0">
+                <a:solidFill>
+                  <a:srgbClr val="1F4E79"/>
+                </a:solidFill>
+              </a:rPr>
+              <a:t> do diretório </a:t>
+            </a:r>
+            <a:r>
+              <a:rPr lang="pt-BR" sz="3200" spc="-1" dirty="0" err="1">
+                <a:solidFill>
+                  <a:srgbClr val="1F4E79"/>
+                </a:solidFill>
+              </a:rPr>
+              <a:t>products</a:t>
+            </a:r>
+            <a:r>
+              <a:rPr lang="pt-BR" sz="3200" spc="-1" dirty="0">
+                <a:solidFill>
+                  <a:srgbClr val="1F4E79"/>
+                </a:solidFill>
+              </a:rPr>
+              <a:t>:</a:t>
+            </a:r>
+          </a:p>
+          <a:p>
+            <a:pPr>
+              <a:lnSpc>
+                <a:spcPct val="100000"/>
+              </a:lnSpc>
+              <a:spcBef>
+                <a:spcPts val="1001"/>
+              </a:spcBef>
+              <a:spcAft>
+                <a:spcPts val="1001"/>
+              </a:spcAft>
+              <a:tabLst>
+                <a:tab pos="0" algn="l"/>
+              </a:tabLst>
+            </a:pPr>
+            <a:r>
+              <a:rPr lang="en-US" sz="3200" spc="-1" dirty="0">
+                <a:solidFill>
+                  <a:srgbClr val="1F4E79"/>
+                </a:solidFill>
+                <a:latin typeface="Courier New" panose="02070309020205020404" pitchFamily="49" charset="0"/>
+                <a:cs typeface="Courier New" panose="02070309020205020404" pitchFamily="49" charset="0"/>
+              </a:rPr>
+              <a:t>const [products, </a:t>
+            </a:r>
+            <a:r>
+              <a:rPr lang="en-US" sz="3200" spc="-1" dirty="0" err="1">
+                <a:solidFill>
+                  <a:srgbClr val="1F4E79"/>
+                </a:solidFill>
+                <a:latin typeface="Courier New" panose="02070309020205020404" pitchFamily="49" charset="0"/>
+                <a:cs typeface="Courier New" panose="02070309020205020404" pitchFamily="49" charset="0"/>
+              </a:rPr>
+              <a:t>setProducts</a:t>
+            </a:r>
+            <a:r>
+              <a:rPr lang="en-US" sz="3200" spc="-1" dirty="0">
+                <a:solidFill>
+                  <a:srgbClr val="1F4E79"/>
+                </a:solidFill>
+                <a:latin typeface="Courier New" panose="02070309020205020404" pitchFamily="49" charset="0"/>
+                <a:cs typeface="Courier New" panose="02070309020205020404" pitchFamily="49" charset="0"/>
+              </a:rPr>
+              <a:t>] = </a:t>
+            </a:r>
+            <a:r>
+              <a:rPr lang="en-US" sz="3200" spc="-1" dirty="0" err="1">
+                <a:solidFill>
+                  <a:srgbClr val="1F4E79"/>
+                </a:solidFill>
+                <a:latin typeface="Courier New" panose="02070309020205020404" pitchFamily="49" charset="0"/>
+                <a:cs typeface="Courier New" panose="02070309020205020404" pitchFamily="49" charset="0"/>
+              </a:rPr>
+              <a:t>useState</a:t>
+            </a:r>
+            <a:r>
+              <a:rPr lang="en-US" sz="3200" spc="-1" dirty="0">
+                <a:solidFill>
+                  <a:srgbClr val="1F4E79"/>
+                </a:solidFill>
+                <a:latin typeface="Courier New" panose="02070309020205020404" pitchFamily="49" charset="0"/>
+                <a:cs typeface="Courier New" panose="02070309020205020404" pitchFamily="49" charset="0"/>
+              </a:rPr>
+              <a:t>&lt;</a:t>
+            </a:r>
+            <a:r>
+              <a:rPr lang="en-US" sz="3200" spc="-1" dirty="0" err="1">
+                <a:solidFill>
+                  <a:srgbClr val="1F4E79"/>
+                </a:solidFill>
+                <a:latin typeface="Courier New" panose="02070309020205020404" pitchFamily="49" charset="0"/>
+                <a:cs typeface="Courier New" panose="02070309020205020404" pitchFamily="49" charset="0"/>
+              </a:rPr>
+              <a:t>IProduct</a:t>
+            </a:r>
+            <a:r>
+              <a:rPr lang="en-US" sz="3200" spc="-1" dirty="0">
+                <a:solidFill>
+                  <a:srgbClr val="1F4E79"/>
+                </a:solidFill>
+                <a:latin typeface="Courier New" panose="02070309020205020404" pitchFamily="49" charset="0"/>
+                <a:cs typeface="Courier New" panose="02070309020205020404" pitchFamily="49" charset="0"/>
+              </a:rPr>
+              <a:t>[]&gt;([]);</a:t>
+            </a:r>
+            <a:endParaRPr lang="pt-BR" sz="3200" spc="-1" dirty="0">
+              <a:solidFill>
+                <a:srgbClr val="1F4E79"/>
+              </a:solidFill>
+              <a:latin typeface="Courier New" panose="02070309020205020404" pitchFamily="49" charset="0"/>
+              <a:cs typeface="Courier New" panose="02070309020205020404" pitchFamily="49" charset="0"/>
+            </a:endParaRPr>
+          </a:p>
+        </p:txBody>
+      </p:sp>
+    </p:spTree>
+    <p:extLst>
+      <p:ext uri="{BB962C8B-B14F-4D97-AF65-F5344CB8AC3E}">
+        <p14:creationId xmlns:p14="http://schemas.microsoft.com/office/powerpoint/2010/main" val="2131399554"/>
+      </p:ext>
+    </p:extLst>
+  </p:cSld>
+  <p:clrMapOvr>
+    <a:masterClrMapping/>
+  </p:clrMapOvr>
+</p:sld>
+</file>
+
+<file path=ppt/slides/slide23.xml><?xml version="1.0" encoding="utf-8"?>
+<p:sld xmlns:a="http://schemas.openxmlformats.org/drawingml/2006/main" xmlns:r="http://schemas.openxmlformats.org/officeDocument/2006/relationships" xmlns:p="http://schemas.openxmlformats.org/presentationml/2006/main">
+  <p:cSld>
+    <p:spTree>
+      <p:nvGrpSpPr>
+        <p:cNvPr id="1" name=""/>
+        <p:cNvGrpSpPr/>
+        <p:nvPr/>
+      </p:nvGrpSpPr>
+      <p:grpSpPr>
+        <a:xfrm>
+          <a:off x="0" y="0"/>
+          <a:ext cx="0" cy="0"/>
+          <a:chOff x="0" y="0"/>
+          <a:chExt cx="0" cy="0"/>
+        </a:xfrm>
+      </p:grpSpPr>
+      <p:sp>
+        <p:nvSpPr>
+          <p:cNvPr id="98" name="CustomShape 1"/>
+          <p:cNvSpPr/>
+          <p:nvPr/>
+        </p:nvSpPr>
+        <p:spPr>
+          <a:xfrm>
+            <a:off x="0" y="224280"/>
+            <a:ext cx="12019320" cy="854640"/>
+          </a:xfrm>
+          <a:prstGeom prst="rect">
+            <a:avLst/>
+          </a:prstGeom>
+          <a:noFill/>
+          <a:ln>
+            <a:noFill/>
+          </a:ln>
+        </p:spPr>
+        <p:style>
+          <a:lnRef idx="0">
+            <a:scrgbClr r="0" g="0" b="0"/>
+          </a:lnRef>
+          <a:fillRef idx="0">
+            <a:scrgbClr r="0" g="0" b="0"/>
+          </a:fillRef>
+          <a:effectRef idx="0">
+            <a:scrgbClr r="0" g="0" b="0"/>
+          </a:effectRef>
+          <a:fontRef idx="minor"/>
+        </p:style>
+        <p:txBody>
+          <a:bodyPr lIns="90000" tIns="45000" rIns="90000" bIns="45000" anchor="ctr">
+            <a:noAutofit/>
+          </a:bodyPr>
+          <a:lstStyle/>
+          <a:p>
+            <a:pPr algn="ctr">
+              <a:lnSpc>
+                <a:spcPct val="90000"/>
+              </a:lnSpc>
+            </a:pPr>
+            <a:r>
+              <a:rPr lang="pt-BR" sz="5400" b="0" strike="noStrike" spc="-1" dirty="0">
+                <a:solidFill>
+                  <a:srgbClr val="1F4E79"/>
+                </a:solidFill>
+                <a:latin typeface="Arial"/>
+                <a:ea typeface="DejaVu Sans"/>
+              </a:rPr>
+              <a:t>Consumindo uma API</a:t>
+            </a:r>
+            <a:endParaRPr lang="pt-BR" sz="5400" b="0" strike="noStrike" spc="-1" dirty="0">
+              <a:latin typeface="Arial"/>
+            </a:endParaRPr>
+          </a:p>
+        </p:txBody>
+      </p:sp>
+      <p:sp>
+        <p:nvSpPr>
+          <p:cNvPr id="99" name="CustomShape 2"/>
+          <p:cNvSpPr/>
+          <p:nvPr/>
+        </p:nvSpPr>
+        <p:spPr>
+          <a:xfrm>
+            <a:off x="317520" y="1290960"/>
+            <a:ext cx="11701440" cy="4347360"/>
+          </a:xfrm>
+          <a:prstGeom prst="rect">
+            <a:avLst/>
+          </a:prstGeom>
+          <a:noFill/>
+          <a:ln>
+            <a:noFill/>
+          </a:ln>
+        </p:spPr>
+        <p:style>
+          <a:lnRef idx="0">
+            <a:scrgbClr r="0" g="0" b="0"/>
+          </a:lnRef>
+          <a:fillRef idx="0">
+            <a:scrgbClr r="0" g="0" b="0"/>
+          </a:fillRef>
+          <a:effectRef idx="0">
+            <a:scrgbClr r="0" g="0" b="0"/>
+          </a:effectRef>
+          <a:fontRef idx="minor"/>
+        </p:style>
+        <p:txBody>
+          <a:bodyPr lIns="90000" tIns="45000" rIns="90000" bIns="45000">
+            <a:normAutofit lnSpcReduction="10000"/>
+          </a:bodyPr>
+          <a:lstStyle/>
+          <a:p>
+            <a:pPr algn="ctr">
+              <a:lnSpc>
+                <a:spcPct val="100000"/>
+              </a:lnSpc>
+              <a:spcBef>
+                <a:spcPts val="1001"/>
+              </a:spcBef>
+              <a:spcAft>
+                <a:spcPts val="1001"/>
+              </a:spcAft>
+              <a:tabLst>
+                <a:tab pos="0" algn="l"/>
+              </a:tabLst>
+            </a:pPr>
+            <a:r>
+              <a:rPr lang="pt-BR" sz="3200" spc="-1" dirty="0">
+                <a:solidFill>
+                  <a:srgbClr val="1F4E79"/>
+                </a:solidFill>
+              </a:rPr>
+              <a:t>No arquivo </a:t>
+            </a:r>
+            <a:r>
+              <a:rPr lang="pt-BR" sz="3200" spc="-1" dirty="0" err="1">
+                <a:solidFill>
+                  <a:srgbClr val="1F4E79"/>
+                </a:solidFill>
+                <a:latin typeface="Courier New" panose="02070309020205020404" pitchFamily="49" charset="0"/>
+                <a:cs typeface="Courier New" panose="02070309020205020404" pitchFamily="49" charset="0"/>
+              </a:rPr>
+              <a:t>index.tsx</a:t>
+            </a:r>
+            <a:r>
+              <a:rPr lang="pt-BR" sz="3200" spc="-1" dirty="0">
+                <a:solidFill>
+                  <a:srgbClr val="1F4E79"/>
+                </a:solidFill>
+              </a:rPr>
+              <a:t> do diretório </a:t>
+            </a:r>
+            <a:r>
+              <a:rPr lang="pt-BR" sz="3200" spc="-1" dirty="0" err="1">
+                <a:solidFill>
+                  <a:srgbClr val="1F4E79"/>
+                </a:solidFill>
+              </a:rPr>
+              <a:t>products</a:t>
+            </a:r>
+            <a:r>
+              <a:rPr lang="pt-BR" sz="3200" spc="-1" dirty="0">
+                <a:solidFill>
+                  <a:srgbClr val="1F4E79"/>
+                </a:solidFill>
+              </a:rPr>
+              <a:t>, crie a seguinte função:</a:t>
+            </a:r>
+          </a:p>
+          <a:p>
+            <a:pPr>
+              <a:lnSpc>
+                <a:spcPct val="100000"/>
+              </a:lnSpc>
+              <a:spcBef>
+                <a:spcPts val="1001"/>
+              </a:spcBef>
+              <a:spcAft>
+                <a:spcPts val="1001"/>
+              </a:spcAft>
+              <a:tabLst>
+                <a:tab pos="0" algn="l"/>
+              </a:tabLst>
+            </a:pPr>
+            <a:r>
+              <a:rPr lang="en-US" sz="3200" spc="-1" dirty="0">
+                <a:solidFill>
+                  <a:srgbClr val="1F4E79"/>
+                </a:solidFill>
+                <a:latin typeface="Courier New" panose="02070309020205020404" pitchFamily="49" charset="0"/>
+                <a:cs typeface="Courier New" panose="02070309020205020404" pitchFamily="49" charset="0"/>
+              </a:rPr>
+              <a:t>const </a:t>
+            </a:r>
+            <a:r>
+              <a:rPr lang="en-US" sz="3200" spc="-1" dirty="0" err="1">
+                <a:solidFill>
+                  <a:srgbClr val="1F4E79"/>
+                </a:solidFill>
+                <a:latin typeface="Courier New" panose="02070309020205020404" pitchFamily="49" charset="0"/>
+                <a:cs typeface="Courier New" panose="02070309020205020404" pitchFamily="49" charset="0"/>
+              </a:rPr>
+              <a:t>loadingProducts</a:t>
+            </a:r>
+            <a:r>
+              <a:rPr lang="en-US" sz="3200" spc="-1" dirty="0">
+                <a:solidFill>
+                  <a:srgbClr val="1F4E79"/>
+                </a:solidFill>
+                <a:latin typeface="Courier New" panose="02070309020205020404" pitchFamily="49" charset="0"/>
+                <a:cs typeface="Courier New" panose="02070309020205020404" pitchFamily="49" charset="0"/>
+              </a:rPr>
+              <a:t> = async () =&gt; {</a:t>
+            </a:r>
+          </a:p>
+          <a:p>
+            <a:pPr>
+              <a:lnSpc>
+                <a:spcPct val="100000"/>
+              </a:lnSpc>
+              <a:spcBef>
+                <a:spcPts val="1001"/>
+              </a:spcBef>
+              <a:spcAft>
+                <a:spcPts val="1001"/>
+              </a:spcAft>
+              <a:tabLst>
+                <a:tab pos="0" algn="l"/>
+              </a:tabLst>
+            </a:pPr>
+            <a:r>
+              <a:rPr lang="en-US" sz="3200" spc="-1" dirty="0">
+                <a:solidFill>
+                  <a:srgbClr val="1F4E79"/>
+                </a:solidFill>
+                <a:latin typeface="Courier New" panose="02070309020205020404" pitchFamily="49" charset="0"/>
+                <a:cs typeface="Courier New" panose="02070309020205020404" pitchFamily="49" charset="0"/>
+              </a:rPr>
+              <a:t>		const results = await </a:t>
+            </a:r>
+            <a:r>
+              <a:rPr lang="en-US" sz="3200" spc="-1" dirty="0" err="1">
+                <a:solidFill>
+                  <a:srgbClr val="1F4E79"/>
+                </a:solidFill>
+                <a:latin typeface="Courier New" panose="02070309020205020404" pitchFamily="49" charset="0"/>
+                <a:cs typeface="Courier New" panose="02070309020205020404" pitchFamily="49" charset="0"/>
+              </a:rPr>
+              <a:t>api.get</a:t>
+            </a:r>
+            <a:r>
+              <a:rPr lang="en-US" sz="3200" spc="-1" dirty="0">
+                <a:solidFill>
+                  <a:srgbClr val="1F4E79"/>
+                </a:solidFill>
+                <a:latin typeface="Courier New" panose="02070309020205020404" pitchFamily="49" charset="0"/>
+                <a:cs typeface="Courier New" panose="02070309020205020404" pitchFamily="49" charset="0"/>
+              </a:rPr>
+              <a:t>(`/?</a:t>
+            </a:r>
+            <a:r>
+              <a:rPr lang="en-US" sz="3200" spc="-1" dirty="0" err="1">
+                <a:solidFill>
+                  <a:srgbClr val="1F4E79"/>
+                </a:solidFill>
+                <a:latin typeface="Courier New" panose="02070309020205020404" pitchFamily="49" charset="0"/>
+                <a:cs typeface="Courier New" panose="02070309020205020404" pitchFamily="49" charset="0"/>
+              </a:rPr>
+              <a:t>apikey</a:t>
+            </a:r>
+            <a:r>
+              <a:rPr lang="en-US" sz="3200" spc="-1" dirty="0">
+                <a:solidFill>
+                  <a:srgbClr val="1F4E79"/>
+                </a:solidFill>
+                <a:latin typeface="Courier New" panose="02070309020205020404" pitchFamily="49" charset="0"/>
+                <a:cs typeface="Courier New" panose="02070309020205020404" pitchFamily="49" charset="0"/>
+              </a:rPr>
+              <a:t>=925eba28&amp;s=batman`);</a:t>
+            </a:r>
+          </a:p>
+          <a:p>
+            <a:pPr>
+              <a:lnSpc>
+                <a:spcPct val="100000"/>
+              </a:lnSpc>
+              <a:spcBef>
+                <a:spcPts val="1001"/>
+              </a:spcBef>
+              <a:spcAft>
+                <a:spcPts val="1001"/>
+              </a:spcAft>
+              <a:tabLst>
+                <a:tab pos="0" algn="l"/>
+              </a:tabLst>
+            </a:pPr>
+            <a:r>
+              <a:rPr lang="en-US" sz="3200" spc="-1" dirty="0">
+                <a:solidFill>
+                  <a:srgbClr val="1F4E79"/>
+                </a:solidFill>
+                <a:latin typeface="Courier New" panose="02070309020205020404" pitchFamily="49" charset="0"/>
+                <a:cs typeface="Courier New" panose="02070309020205020404" pitchFamily="49" charset="0"/>
+              </a:rPr>
+              <a:t>		</a:t>
+            </a:r>
+            <a:r>
+              <a:rPr lang="en-US" sz="3200" spc="-1" dirty="0" err="1">
+                <a:solidFill>
+                  <a:srgbClr val="1F4E79"/>
+                </a:solidFill>
+                <a:latin typeface="Courier New" panose="02070309020205020404" pitchFamily="49" charset="0"/>
+                <a:cs typeface="Courier New" panose="02070309020205020404" pitchFamily="49" charset="0"/>
+              </a:rPr>
+              <a:t>setProducts</a:t>
+            </a:r>
+            <a:r>
+              <a:rPr lang="en-US" sz="3200" spc="-1" dirty="0">
+                <a:solidFill>
+                  <a:srgbClr val="1F4E79"/>
+                </a:solidFill>
+                <a:latin typeface="Courier New" panose="02070309020205020404" pitchFamily="49" charset="0"/>
+                <a:cs typeface="Courier New" panose="02070309020205020404" pitchFamily="49" charset="0"/>
+              </a:rPr>
+              <a:t>(</a:t>
+            </a:r>
+            <a:r>
+              <a:rPr lang="en-US" sz="3200" spc="-1" dirty="0" err="1">
+                <a:solidFill>
+                  <a:srgbClr val="1F4E79"/>
+                </a:solidFill>
+                <a:latin typeface="Courier New" panose="02070309020205020404" pitchFamily="49" charset="0"/>
+                <a:cs typeface="Courier New" panose="02070309020205020404" pitchFamily="49" charset="0"/>
+              </a:rPr>
+              <a:t>results.data.Search</a:t>
+            </a:r>
+            <a:r>
+              <a:rPr lang="en-US" sz="3200" spc="-1" dirty="0">
+                <a:solidFill>
+                  <a:srgbClr val="1F4E79"/>
+                </a:solidFill>
+                <a:latin typeface="Courier New" panose="02070309020205020404" pitchFamily="49" charset="0"/>
+                <a:cs typeface="Courier New" panose="02070309020205020404" pitchFamily="49" charset="0"/>
+              </a:rPr>
+              <a:t>);</a:t>
+            </a:r>
+          </a:p>
+          <a:p>
+            <a:pPr>
+              <a:lnSpc>
+                <a:spcPct val="100000"/>
+              </a:lnSpc>
+              <a:spcBef>
+                <a:spcPts val="1001"/>
+              </a:spcBef>
+              <a:spcAft>
+                <a:spcPts val="1001"/>
+              </a:spcAft>
+              <a:tabLst>
+                <a:tab pos="0" algn="l"/>
+              </a:tabLst>
+            </a:pPr>
+            <a:r>
+              <a:rPr lang="en-US" sz="3200" spc="-1" dirty="0">
+                <a:solidFill>
+                  <a:srgbClr val="1F4E79"/>
+                </a:solidFill>
+                <a:latin typeface="Courier New" panose="02070309020205020404" pitchFamily="49" charset="0"/>
+                <a:cs typeface="Courier New" panose="02070309020205020404" pitchFamily="49" charset="0"/>
+              </a:rPr>
+              <a:t>};</a:t>
+            </a:r>
+            <a:endParaRPr lang="pt-BR" sz="3200" spc="-1" dirty="0">
+              <a:solidFill>
+                <a:srgbClr val="1F4E79"/>
+              </a:solidFill>
+              <a:latin typeface="Courier New" panose="02070309020205020404" pitchFamily="49" charset="0"/>
+              <a:cs typeface="Courier New" panose="02070309020205020404" pitchFamily="49" charset="0"/>
+            </a:endParaRPr>
+          </a:p>
+        </p:txBody>
+      </p:sp>
+    </p:spTree>
+    <p:extLst>
+      <p:ext uri="{BB962C8B-B14F-4D97-AF65-F5344CB8AC3E}">
+        <p14:creationId xmlns:p14="http://schemas.microsoft.com/office/powerpoint/2010/main" val="3781022632"/>
+      </p:ext>
+    </p:extLst>
+  </p:cSld>
+  <p:clrMapOvr>
+    <a:masterClrMapping/>
+  </p:clrMapOvr>
+</p:sld>
+</file>
+
+<file path=ppt/slides/slide24.xml><?xml version="1.0" encoding="utf-8"?>
+<p:sld xmlns:a="http://schemas.openxmlformats.org/drawingml/2006/main" xmlns:r="http://schemas.openxmlformats.org/officeDocument/2006/relationships" xmlns:p="http://schemas.openxmlformats.org/presentationml/2006/main">
+  <p:cSld>
+    <p:spTree>
+      <p:nvGrpSpPr>
+        <p:cNvPr id="1" name=""/>
+        <p:cNvGrpSpPr/>
+        <p:nvPr/>
+      </p:nvGrpSpPr>
+      <p:grpSpPr>
+        <a:xfrm>
+          <a:off x="0" y="0"/>
+          <a:ext cx="0" cy="0"/>
+          <a:chOff x="0" y="0"/>
+          <a:chExt cx="0" cy="0"/>
+        </a:xfrm>
+      </p:grpSpPr>
+      <p:sp>
+        <p:nvSpPr>
+          <p:cNvPr id="98" name="CustomShape 1"/>
+          <p:cNvSpPr/>
+          <p:nvPr/>
+        </p:nvSpPr>
+        <p:spPr>
+          <a:xfrm>
+            <a:off x="0" y="224280"/>
+            <a:ext cx="12019320" cy="854640"/>
+          </a:xfrm>
+          <a:prstGeom prst="rect">
+            <a:avLst/>
+          </a:prstGeom>
+          <a:noFill/>
+          <a:ln>
+            <a:noFill/>
+          </a:ln>
+        </p:spPr>
+        <p:style>
+          <a:lnRef idx="0">
+            <a:scrgbClr r="0" g="0" b="0"/>
+          </a:lnRef>
+          <a:fillRef idx="0">
+            <a:scrgbClr r="0" g="0" b="0"/>
+          </a:fillRef>
+          <a:effectRef idx="0">
+            <a:scrgbClr r="0" g="0" b="0"/>
+          </a:effectRef>
+          <a:fontRef idx="minor"/>
+        </p:style>
+        <p:txBody>
+          <a:bodyPr lIns="90000" tIns="45000" rIns="90000" bIns="45000" anchor="ctr">
+            <a:noAutofit/>
+          </a:bodyPr>
+          <a:lstStyle/>
+          <a:p>
+            <a:pPr algn="ctr">
+              <a:lnSpc>
+                <a:spcPct val="90000"/>
+              </a:lnSpc>
+            </a:pPr>
+            <a:r>
+              <a:rPr lang="pt-BR" sz="5400" b="0" strike="noStrike" spc="-1" dirty="0">
+                <a:solidFill>
+                  <a:srgbClr val="1F4E79"/>
+                </a:solidFill>
+                <a:latin typeface="Arial"/>
+                <a:ea typeface="DejaVu Sans"/>
+              </a:rPr>
+              <a:t>Efeitos - </a:t>
+            </a:r>
+            <a:r>
+              <a:rPr lang="pt-BR" sz="5400" b="0" strike="noStrike" spc="-1" dirty="0" err="1">
+                <a:solidFill>
+                  <a:srgbClr val="1F4E79"/>
+                </a:solidFill>
+                <a:latin typeface="Arial"/>
+                <a:ea typeface="DejaVu Sans"/>
+              </a:rPr>
+              <a:t>useEffect</a:t>
+            </a:r>
+            <a:endParaRPr lang="pt-BR" sz="5400" b="0" strike="noStrike" spc="-1" dirty="0">
+              <a:latin typeface="Arial"/>
+            </a:endParaRPr>
+          </a:p>
+        </p:txBody>
+      </p:sp>
+      <p:sp>
+        <p:nvSpPr>
+          <p:cNvPr id="99" name="CustomShape 2"/>
+          <p:cNvSpPr/>
+          <p:nvPr/>
+        </p:nvSpPr>
+        <p:spPr>
+          <a:xfrm>
+            <a:off x="317520" y="1290960"/>
+            <a:ext cx="11701440" cy="4347360"/>
+          </a:xfrm>
+          <a:prstGeom prst="rect">
+            <a:avLst/>
+          </a:prstGeom>
+          <a:noFill/>
+          <a:ln>
+            <a:noFill/>
+          </a:ln>
+        </p:spPr>
+        <p:style>
+          <a:lnRef idx="0">
+            <a:scrgbClr r="0" g="0" b="0"/>
+          </a:lnRef>
+          <a:fillRef idx="0">
+            <a:scrgbClr r="0" g="0" b="0"/>
+          </a:fillRef>
+          <a:effectRef idx="0">
+            <a:scrgbClr r="0" g="0" b="0"/>
+          </a:effectRef>
+          <a:fontRef idx="minor"/>
+        </p:style>
+        <p:txBody>
+          <a:bodyPr lIns="90000" tIns="45000" rIns="90000" bIns="45000">
+            <a:normAutofit/>
+          </a:bodyPr>
+          <a:lstStyle/>
+          <a:p>
+            <a:pPr algn="ctr">
+              <a:lnSpc>
+                <a:spcPct val="100000"/>
+              </a:lnSpc>
+              <a:spcBef>
+                <a:spcPts val="1001"/>
+              </a:spcBef>
+              <a:spcAft>
+                <a:spcPts val="1001"/>
+              </a:spcAft>
+              <a:tabLst>
+                <a:tab pos="0" algn="l"/>
+              </a:tabLst>
+            </a:pPr>
+            <a:r>
+              <a:rPr lang="pt-BR" sz="3200" spc="-1" dirty="0">
+                <a:solidFill>
+                  <a:srgbClr val="1F4E79"/>
+                </a:solidFill>
+              </a:rPr>
+              <a:t>Este </a:t>
+            </a:r>
+            <a:r>
+              <a:rPr lang="pt-BR" sz="3200" spc="-1" dirty="0" err="1">
+                <a:solidFill>
+                  <a:srgbClr val="1F4E79"/>
+                </a:solidFill>
+              </a:rPr>
+              <a:t>hook</a:t>
+            </a:r>
+            <a:r>
+              <a:rPr lang="pt-BR" sz="3200" spc="-1" dirty="0">
+                <a:solidFill>
+                  <a:srgbClr val="1F4E79"/>
+                </a:solidFill>
+              </a:rPr>
+              <a:t> é executado sempre que o componente é </a:t>
+            </a:r>
+            <a:r>
+              <a:rPr lang="pt-BR" sz="3200" spc="-1" dirty="0" err="1">
+                <a:solidFill>
+                  <a:srgbClr val="1F4E79"/>
+                </a:solidFill>
+              </a:rPr>
+              <a:t>renderizado</a:t>
+            </a:r>
+            <a:r>
+              <a:rPr lang="pt-BR" sz="3200" spc="-1" dirty="0">
+                <a:solidFill>
+                  <a:srgbClr val="1F4E79"/>
+                </a:solidFill>
+              </a:rPr>
+              <a:t>.</a:t>
+            </a:r>
+          </a:p>
+          <a:p>
+            <a:pPr algn="ctr">
+              <a:lnSpc>
+                <a:spcPct val="100000"/>
+              </a:lnSpc>
+              <a:spcBef>
+                <a:spcPts val="1001"/>
+              </a:spcBef>
+              <a:spcAft>
+                <a:spcPts val="1001"/>
+              </a:spcAft>
+              <a:tabLst>
+                <a:tab pos="0" algn="l"/>
+              </a:tabLst>
+            </a:pPr>
+            <a:r>
+              <a:rPr lang="pt-BR" sz="3200" spc="-1" dirty="0">
+                <a:solidFill>
+                  <a:srgbClr val="1F4E79"/>
+                </a:solidFill>
+              </a:rPr>
+              <a:t>Também podemos dizer quando será </a:t>
+            </a:r>
+            <a:r>
+              <a:rPr lang="pt-BR" sz="3200" spc="-1" dirty="0" err="1">
+                <a:solidFill>
+                  <a:srgbClr val="1F4E79"/>
+                </a:solidFill>
+              </a:rPr>
+              <a:t>renderizada</a:t>
+            </a:r>
+            <a:r>
+              <a:rPr lang="pt-BR" sz="3200" spc="-1" dirty="0">
+                <a:solidFill>
+                  <a:srgbClr val="1F4E79"/>
+                </a:solidFill>
+              </a:rPr>
+              <a:t> novamente, fornecendo um </a:t>
+            </a:r>
+            <a:r>
+              <a:rPr lang="pt-BR" sz="3200" spc="-1" dirty="0" err="1">
+                <a:solidFill>
+                  <a:srgbClr val="1F4E79"/>
+                </a:solidFill>
+              </a:rPr>
+              <a:t>array</a:t>
+            </a:r>
+            <a:r>
+              <a:rPr lang="pt-BR" sz="3200" spc="-1" dirty="0">
+                <a:solidFill>
+                  <a:srgbClr val="1F4E79"/>
+                </a:solidFill>
+              </a:rPr>
+              <a:t> de dependências.</a:t>
+            </a:r>
+            <a:endParaRPr lang="pt-BR" sz="3200" spc="-1" dirty="0">
+              <a:solidFill>
+                <a:srgbClr val="1F4E79"/>
+              </a:solidFill>
+              <a:latin typeface="Courier New" panose="02070309020205020404" pitchFamily="49" charset="0"/>
+              <a:cs typeface="Courier New" panose="02070309020205020404" pitchFamily="49" charset="0"/>
+            </a:endParaRPr>
+          </a:p>
+        </p:txBody>
+      </p:sp>
+    </p:spTree>
+    <p:extLst>
+      <p:ext uri="{BB962C8B-B14F-4D97-AF65-F5344CB8AC3E}">
+        <p14:creationId xmlns:p14="http://schemas.microsoft.com/office/powerpoint/2010/main" val="366675254"/>
+      </p:ext>
+    </p:extLst>
+  </p:cSld>
+  <p:clrMapOvr>
+    <a:masterClrMapping/>
+  </p:clrMapOvr>
+</p:sld>
+</file>
+
+<file path=ppt/slides/slide25.xml><?xml version="1.0" encoding="utf-8"?>
+<p:sld xmlns:a="http://schemas.openxmlformats.org/drawingml/2006/main" xmlns:r="http://schemas.openxmlformats.org/officeDocument/2006/relationships" xmlns:p="http://schemas.openxmlformats.org/presentationml/2006/main">
+  <p:cSld>
+    <p:spTree>
+      <p:nvGrpSpPr>
+        <p:cNvPr id="1" name=""/>
+        <p:cNvGrpSpPr/>
+        <p:nvPr/>
+      </p:nvGrpSpPr>
+      <p:grpSpPr>
+        <a:xfrm>
+          <a:off x="0" y="0"/>
+          <a:ext cx="0" cy="0"/>
+          <a:chOff x="0" y="0"/>
+          <a:chExt cx="0" cy="0"/>
+        </a:xfrm>
+      </p:grpSpPr>
+      <p:sp>
+        <p:nvSpPr>
+          <p:cNvPr id="98" name="CustomShape 1"/>
+          <p:cNvSpPr/>
+          <p:nvPr/>
+        </p:nvSpPr>
+        <p:spPr>
+          <a:xfrm>
+            <a:off x="0" y="224280"/>
+            <a:ext cx="12019320" cy="854640"/>
+          </a:xfrm>
+          <a:prstGeom prst="rect">
+            <a:avLst/>
+          </a:prstGeom>
+          <a:noFill/>
+          <a:ln>
+            <a:noFill/>
+          </a:ln>
+        </p:spPr>
+        <p:style>
+          <a:lnRef idx="0">
+            <a:scrgbClr r="0" g="0" b="0"/>
+          </a:lnRef>
+          <a:fillRef idx="0">
+            <a:scrgbClr r="0" g="0" b="0"/>
+          </a:fillRef>
+          <a:effectRef idx="0">
+            <a:scrgbClr r="0" g="0" b="0"/>
+          </a:effectRef>
+          <a:fontRef idx="minor"/>
+        </p:style>
+        <p:txBody>
+          <a:bodyPr lIns="90000" tIns="45000" rIns="90000" bIns="45000" anchor="ctr">
+            <a:noAutofit/>
+          </a:bodyPr>
+          <a:lstStyle/>
+          <a:p>
+            <a:pPr algn="ctr">
+              <a:lnSpc>
+                <a:spcPct val="90000"/>
+              </a:lnSpc>
+            </a:pPr>
+            <a:r>
+              <a:rPr lang="pt-BR" sz="5400" b="0" strike="noStrike" spc="-1" dirty="0">
+                <a:solidFill>
+                  <a:srgbClr val="1F4E79"/>
+                </a:solidFill>
+                <a:latin typeface="Arial"/>
+                <a:ea typeface="DejaVu Sans"/>
+              </a:rPr>
+              <a:t>Efeitos - </a:t>
+            </a:r>
+            <a:r>
+              <a:rPr lang="pt-BR" sz="5400" b="0" strike="noStrike" spc="-1" dirty="0" err="1">
+                <a:solidFill>
+                  <a:srgbClr val="1F4E79"/>
+                </a:solidFill>
+                <a:latin typeface="Arial"/>
+                <a:ea typeface="DejaVu Sans"/>
+              </a:rPr>
+              <a:t>useEffect</a:t>
+            </a:r>
+            <a:endParaRPr lang="pt-BR" sz="5400" b="0" strike="noStrike" spc="-1" dirty="0">
+              <a:latin typeface="Arial"/>
+            </a:endParaRPr>
+          </a:p>
+        </p:txBody>
+      </p:sp>
+      <p:sp>
+        <p:nvSpPr>
+          <p:cNvPr id="99" name="CustomShape 2"/>
+          <p:cNvSpPr/>
+          <p:nvPr/>
+        </p:nvSpPr>
+        <p:spPr>
+          <a:xfrm>
+            <a:off x="317520" y="1290960"/>
+            <a:ext cx="11701440" cy="4347360"/>
+          </a:xfrm>
+          <a:prstGeom prst="rect">
+            <a:avLst/>
+          </a:prstGeom>
+          <a:noFill/>
+          <a:ln>
+            <a:noFill/>
+          </a:ln>
+        </p:spPr>
+        <p:style>
+          <a:lnRef idx="0">
+            <a:scrgbClr r="0" g="0" b="0"/>
+          </a:lnRef>
+          <a:fillRef idx="0">
+            <a:scrgbClr r="0" g="0" b="0"/>
+          </a:fillRef>
+          <a:effectRef idx="0">
+            <a:scrgbClr r="0" g="0" b="0"/>
+          </a:effectRef>
+          <a:fontRef idx="minor"/>
+        </p:style>
+        <p:txBody>
+          <a:bodyPr lIns="90000" tIns="45000" rIns="90000" bIns="45000">
+            <a:normAutofit/>
+          </a:bodyPr>
+          <a:lstStyle/>
+          <a:p>
+            <a:pPr algn="ctr">
+              <a:lnSpc>
+                <a:spcPct val="100000"/>
+              </a:lnSpc>
+              <a:spcBef>
+                <a:spcPts val="1001"/>
+              </a:spcBef>
+              <a:spcAft>
+                <a:spcPts val="1001"/>
+              </a:spcAft>
+              <a:tabLst>
+                <a:tab pos="0" algn="l"/>
+              </a:tabLst>
+            </a:pPr>
+            <a:r>
+              <a:rPr lang="pt-BR" sz="3200" spc="-1" dirty="0">
+                <a:solidFill>
+                  <a:srgbClr val="1F4E79"/>
+                </a:solidFill>
+              </a:rPr>
+              <a:t>No arquivo </a:t>
+            </a:r>
+            <a:r>
+              <a:rPr lang="pt-BR" sz="3200" spc="-1" dirty="0" err="1">
+                <a:solidFill>
+                  <a:srgbClr val="1F4E79"/>
+                </a:solidFill>
+                <a:latin typeface="Courier New" panose="02070309020205020404" pitchFamily="49" charset="0"/>
+                <a:cs typeface="Courier New" panose="02070309020205020404" pitchFamily="49" charset="0"/>
+              </a:rPr>
+              <a:t>index.tsx</a:t>
+            </a:r>
+            <a:r>
+              <a:rPr lang="pt-BR" sz="3200" spc="-1" dirty="0">
+                <a:solidFill>
+                  <a:srgbClr val="1F4E79"/>
+                </a:solidFill>
+              </a:rPr>
+              <a:t> do diretório </a:t>
+            </a:r>
+            <a:r>
+              <a:rPr lang="pt-BR" sz="3200" spc="-1" dirty="0" err="1">
+                <a:solidFill>
+                  <a:srgbClr val="1F4E79"/>
+                </a:solidFill>
+                <a:latin typeface="Courier New" panose="02070309020205020404" pitchFamily="49" charset="0"/>
+                <a:cs typeface="Courier New" panose="02070309020205020404" pitchFamily="49" charset="0"/>
+              </a:rPr>
+              <a:t>products</a:t>
+            </a:r>
+            <a:r>
+              <a:rPr lang="pt-BR" sz="3200" spc="-1" dirty="0">
+                <a:solidFill>
+                  <a:srgbClr val="1F4E79"/>
+                </a:solidFill>
+              </a:rPr>
+              <a:t>, faça a seguinte chamada para o </a:t>
+            </a:r>
+            <a:r>
+              <a:rPr lang="pt-BR" sz="3200" spc="-1" dirty="0" err="1">
+                <a:solidFill>
+                  <a:srgbClr val="1F4E79"/>
+                </a:solidFill>
+                <a:latin typeface="Courier New" panose="02070309020205020404" pitchFamily="49" charset="0"/>
+                <a:cs typeface="Courier New" panose="02070309020205020404" pitchFamily="49" charset="0"/>
+              </a:rPr>
+              <a:t>useEffect</a:t>
+            </a:r>
+            <a:r>
+              <a:rPr lang="pt-BR" sz="3200" spc="-1" dirty="0">
+                <a:solidFill>
+                  <a:srgbClr val="1F4E79"/>
+                </a:solidFill>
+              </a:rPr>
+              <a:t>:</a:t>
+            </a:r>
+          </a:p>
+          <a:p>
+            <a:pPr>
+              <a:lnSpc>
+                <a:spcPct val="100000"/>
+              </a:lnSpc>
+              <a:spcBef>
+                <a:spcPts val="1001"/>
+              </a:spcBef>
+              <a:spcAft>
+                <a:spcPts val="1001"/>
+              </a:spcAft>
+              <a:tabLst>
+                <a:tab pos="0" algn="l"/>
+              </a:tabLst>
+            </a:pPr>
+            <a:r>
+              <a:rPr lang="pt-BR" sz="3200" spc="-1" dirty="0" err="1">
+                <a:solidFill>
+                  <a:srgbClr val="1F4E79"/>
+                </a:solidFill>
+                <a:latin typeface="Courier New" panose="02070309020205020404" pitchFamily="49" charset="0"/>
+                <a:cs typeface="Courier New" panose="02070309020205020404" pitchFamily="49" charset="0"/>
+              </a:rPr>
+              <a:t>useEffect</a:t>
+            </a:r>
+            <a:r>
+              <a:rPr lang="pt-BR" sz="3200" spc="-1" dirty="0">
+                <a:solidFill>
+                  <a:srgbClr val="1F4E79"/>
+                </a:solidFill>
+                <a:latin typeface="Courier New" panose="02070309020205020404" pitchFamily="49" charset="0"/>
+                <a:cs typeface="Courier New" panose="02070309020205020404" pitchFamily="49" charset="0"/>
+              </a:rPr>
+              <a:t>(() =&gt; {</a:t>
+            </a:r>
+          </a:p>
+          <a:p>
+            <a:pPr>
+              <a:lnSpc>
+                <a:spcPct val="100000"/>
+              </a:lnSpc>
+              <a:spcBef>
+                <a:spcPts val="1001"/>
+              </a:spcBef>
+              <a:spcAft>
+                <a:spcPts val="1001"/>
+              </a:spcAft>
+              <a:tabLst>
+                <a:tab pos="0" algn="l"/>
+              </a:tabLst>
+            </a:pPr>
+            <a:r>
+              <a:rPr lang="pt-BR" sz="3200" spc="-1" dirty="0">
+                <a:solidFill>
+                  <a:srgbClr val="1F4E79"/>
+                </a:solidFill>
+                <a:latin typeface="Courier New" panose="02070309020205020404" pitchFamily="49" charset="0"/>
+                <a:cs typeface="Courier New" panose="02070309020205020404" pitchFamily="49" charset="0"/>
+              </a:rPr>
+              <a:t>		</a:t>
+            </a:r>
+            <a:r>
+              <a:rPr lang="pt-BR" sz="3200" spc="-1" dirty="0" err="1">
+                <a:solidFill>
+                  <a:srgbClr val="1F4E79"/>
+                </a:solidFill>
+                <a:latin typeface="Courier New" panose="02070309020205020404" pitchFamily="49" charset="0"/>
+                <a:cs typeface="Courier New" panose="02070309020205020404" pitchFamily="49" charset="0"/>
+              </a:rPr>
+              <a:t>loadingProducts</a:t>
+            </a:r>
+            <a:r>
+              <a:rPr lang="pt-BR" sz="3200" spc="-1" dirty="0">
+                <a:solidFill>
+                  <a:srgbClr val="1F4E79"/>
+                </a:solidFill>
+                <a:latin typeface="Courier New" panose="02070309020205020404" pitchFamily="49" charset="0"/>
+                <a:cs typeface="Courier New" panose="02070309020205020404" pitchFamily="49" charset="0"/>
+              </a:rPr>
+              <a:t>();</a:t>
+            </a:r>
+          </a:p>
+          <a:p>
+            <a:pPr>
+              <a:lnSpc>
+                <a:spcPct val="100000"/>
+              </a:lnSpc>
+              <a:spcBef>
+                <a:spcPts val="1001"/>
+              </a:spcBef>
+              <a:spcAft>
+                <a:spcPts val="1001"/>
+              </a:spcAft>
+              <a:tabLst>
+                <a:tab pos="0" algn="l"/>
+              </a:tabLst>
+            </a:pPr>
+            <a:r>
+              <a:rPr lang="pt-BR" sz="3200" spc="-1" dirty="0">
+                <a:solidFill>
+                  <a:srgbClr val="1F4E79"/>
+                </a:solidFill>
+                <a:latin typeface="Courier New" panose="02070309020205020404" pitchFamily="49" charset="0"/>
+                <a:cs typeface="Courier New" panose="02070309020205020404" pitchFamily="49" charset="0"/>
+              </a:rPr>
+              <a:t>}, []);</a:t>
+            </a:r>
+          </a:p>
+        </p:txBody>
+      </p:sp>
+    </p:spTree>
+    <p:extLst>
+      <p:ext uri="{BB962C8B-B14F-4D97-AF65-F5344CB8AC3E}">
+        <p14:creationId xmlns:p14="http://schemas.microsoft.com/office/powerpoint/2010/main" val="3840613216"/>
+      </p:ext>
+    </p:extLst>
+  </p:cSld>
+  <p:clrMapOvr>
+    <a:masterClrMapping/>
+  </p:clrMapOvr>
+</p:sld>
+</file>
+
+<file path=ppt/slides/slide26.xml><?xml version="1.0" encoding="utf-8"?>
+<p:sld xmlns:a="http://schemas.openxmlformats.org/drawingml/2006/main" xmlns:r="http://schemas.openxmlformats.org/officeDocument/2006/relationships" xmlns:p="http://schemas.openxmlformats.org/presentationml/2006/main">
+  <p:cSld>
+    <p:spTree>
+      <p:nvGrpSpPr>
+        <p:cNvPr id="1" name=""/>
+        <p:cNvGrpSpPr/>
+        <p:nvPr/>
+      </p:nvGrpSpPr>
+      <p:grpSpPr>
+        <a:xfrm>
+          <a:off x="0" y="0"/>
+          <a:ext cx="0" cy="0"/>
+          <a:chOff x="0" y="0"/>
+          <a:chExt cx="0" cy="0"/>
+        </a:xfrm>
+      </p:grpSpPr>
+      <p:sp>
+        <p:nvSpPr>
+          <p:cNvPr id="98" name="CustomShape 1"/>
+          <p:cNvSpPr/>
+          <p:nvPr/>
+        </p:nvSpPr>
+        <p:spPr>
+          <a:xfrm>
+            <a:off x="0" y="224280"/>
+            <a:ext cx="12019320" cy="854640"/>
+          </a:xfrm>
+          <a:prstGeom prst="rect">
+            <a:avLst/>
+          </a:prstGeom>
+          <a:noFill/>
+          <a:ln>
+            <a:noFill/>
+          </a:ln>
+        </p:spPr>
+        <p:style>
+          <a:lnRef idx="0">
+            <a:scrgbClr r="0" g="0" b="0"/>
+          </a:lnRef>
+          <a:fillRef idx="0">
+            <a:scrgbClr r="0" g="0" b="0"/>
+          </a:fillRef>
+          <a:effectRef idx="0">
+            <a:scrgbClr r="0" g="0" b="0"/>
+          </a:effectRef>
+          <a:fontRef idx="minor"/>
+        </p:style>
+        <p:txBody>
+          <a:bodyPr lIns="90000" tIns="45000" rIns="90000" bIns="45000" anchor="ctr">
+            <a:noAutofit/>
+          </a:bodyPr>
+          <a:lstStyle/>
+          <a:p>
+            <a:pPr algn="ctr">
+              <a:lnSpc>
+                <a:spcPct val="90000"/>
+              </a:lnSpc>
+            </a:pPr>
+            <a:r>
+              <a:rPr lang="pt-BR" sz="5400" b="0" strike="noStrike" spc="-1" dirty="0">
+                <a:solidFill>
+                  <a:srgbClr val="1F4E79"/>
+                </a:solidFill>
+                <a:latin typeface="Arial"/>
+                <a:ea typeface="DejaVu Sans"/>
+              </a:rPr>
+              <a:t>Listando os produtos</a:t>
+            </a:r>
+            <a:endParaRPr lang="pt-BR" sz="5400" b="0" strike="noStrike" spc="-1" dirty="0">
+              <a:latin typeface="Arial"/>
+            </a:endParaRPr>
+          </a:p>
+        </p:txBody>
+      </p:sp>
+      <p:sp>
+        <p:nvSpPr>
+          <p:cNvPr id="99" name="CustomShape 2"/>
+          <p:cNvSpPr/>
+          <p:nvPr/>
+        </p:nvSpPr>
+        <p:spPr>
+          <a:xfrm>
+            <a:off x="317520" y="1290960"/>
+            <a:ext cx="11701440" cy="4347360"/>
+          </a:xfrm>
+          <a:prstGeom prst="rect">
+            <a:avLst/>
+          </a:prstGeom>
+          <a:noFill/>
+          <a:ln>
+            <a:noFill/>
+          </a:ln>
+        </p:spPr>
+        <p:style>
+          <a:lnRef idx="0">
+            <a:scrgbClr r="0" g="0" b="0"/>
+          </a:lnRef>
+          <a:fillRef idx="0">
+            <a:scrgbClr r="0" g="0" b="0"/>
+          </a:fillRef>
+          <a:effectRef idx="0">
+            <a:scrgbClr r="0" g="0" b="0"/>
+          </a:effectRef>
+          <a:fontRef idx="minor"/>
+        </p:style>
+        <p:txBody>
+          <a:bodyPr lIns="90000" tIns="45000" rIns="90000" bIns="45000">
+            <a:normAutofit fontScale="92500" lnSpcReduction="20000"/>
+          </a:bodyPr>
+          <a:lstStyle/>
+          <a:p>
+            <a:pPr algn="ctr">
+              <a:lnSpc>
+                <a:spcPct val="100000"/>
+              </a:lnSpc>
+              <a:spcBef>
+                <a:spcPts val="1001"/>
+              </a:spcBef>
+              <a:spcAft>
+                <a:spcPts val="1001"/>
+              </a:spcAft>
+              <a:tabLst>
+                <a:tab pos="0" algn="l"/>
+              </a:tabLst>
+            </a:pPr>
+            <a:r>
+              <a:rPr lang="pt-BR" sz="3200" spc="-1" dirty="0">
+                <a:solidFill>
+                  <a:srgbClr val="1F4E79"/>
+                </a:solidFill>
+              </a:rPr>
+              <a:t>No arquivo </a:t>
+            </a:r>
+            <a:r>
+              <a:rPr lang="pt-BR" sz="3200" spc="-1" dirty="0" err="1">
+                <a:solidFill>
+                  <a:srgbClr val="1F4E79"/>
+                </a:solidFill>
+                <a:latin typeface="Courier New" panose="02070309020205020404" pitchFamily="49" charset="0"/>
+                <a:cs typeface="Courier New" panose="02070309020205020404" pitchFamily="49" charset="0"/>
+              </a:rPr>
+              <a:t>index.tsx</a:t>
+            </a:r>
+            <a:r>
+              <a:rPr lang="pt-BR" sz="3200" spc="-1" dirty="0">
+                <a:solidFill>
+                  <a:srgbClr val="1F4E79"/>
+                </a:solidFill>
+              </a:rPr>
+              <a:t> do diretório </a:t>
+            </a:r>
+            <a:r>
+              <a:rPr lang="pt-BR" sz="3200" spc="-1" dirty="0" err="1">
+                <a:solidFill>
+                  <a:srgbClr val="1F4E79"/>
+                </a:solidFill>
+                <a:latin typeface="Courier New" panose="02070309020205020404" pitchFamily="49" charset="0"/>
+                <a:cs typeface="Courier New" panose="02070309020205020404" pitchFamily="49" charset="0"/>
+              </a:rPr>
+              <a:t>products</a:t>
+            </a:r>
+            <a:r>
+              <a:rPr lang="pt-BR" sz="3200" spc="-1" dirty="0">
+                <a:solidFill>
+                  <a:srgbClr val="1F4E79"/>
+                </a:solidFill>
+              </a:rPr>
+              <a:t>, atualize o retorno:</a:t>
+            </a:r>
+          </a:p>
+          <a:p>
+            <a:pPr>
+              <a:lnSpc>
+                <a:spcPct val="100000"/>
+              </a:lnSpc>
+              <a:spcBef>
+                <a:spcPts val="1001"/>
+              </a:spcBef>
+              <a:spcAft>
+                <a:spcPts val="1001"/>
+              </a:spcAft>
+              <a:tabLst>
+                <a:tab pos="0" algn="l"/>
+              </a:tabLst>
+            </a:pPr>
+            <a:r>
+              <a:rPr lang="pt-BR" sz="3200" spc="-1" dirty="0">
+                <a:solidFill>
+                  <a:srgbClr val="1F4E79"/>
+                </a:solidFill>
+                <a:latin typeface="Courier New" panose="02070309020205020404" pitchFamily="49" charset="0"/>
+                <a:cs typeface="Courier New" panose="02070309020205020404" pitchFamily="49" charset="0"/>
+              </a:rPr>
+              <a:t>&lt;h1&gt;Produtos&lt;/h1&gt;</a:t>
+            </a:r>
+          </a:p>
+          <a:p>
+            <a:pPr>
+              <a:lnSpc>
+                <a:spcPct val="100000"/>
+              </a:lnSpc>
+              <a:spcBef>
+                <a:spcPts val="1001"/>
+              </a:spcBef>
+              <a:spcAft>
+                <a:spcPts val="1001"/>
+              </a:spcAft>
+              <a:tabLst>
+                <a:tab pos="0" algn="l"/>
+              </a:tabLst>
+            </a:pPr>
+            <a:r>
+              <a:rPr lang="pt-BR" sz="3200" spc="-1" dirty="0">
+                <a:solidFill>
+                  <a:srgbClr val="1F4E79"/>
+                </a:solidFill>
+                <a:latin typeface="Courier New" panose="02070309020205020404" pitchFamily="49" charset="0"/>
+                <a:cs typeface="Courier New" panose="02070309020205020404" pitchFamily="49" charset="0"/>
+              </a:rPr>
+              <a:t>&lt;</a:t>
+            </a:r>
+            <a:r>
+              <a:rPr lang="pt-BR" sz="3200" spc="-1" dirty="0" err="1">
+                <a:solidFill>
+                  <a:srgbClr val="1F4E79"/>
+                </a:solidFill>
+                <a:latin typeface="Courier New" panose="02070309020205020404" pitchFamily="49" charset="0"/>
+                <a:cs typeface="Courier New" panose="02070309020205020404" pitchFamily="49" charset="0"/>
+              </a:rPr>
+              <a:t>ul</a:t>
+            </a:r>
+            <a:r>
+              <a:rPr lang="pt-BR" sz="3200" spc="-1" dirty="0">
+                <a:solidFill>
+                  <a:srgbClr val="1F4E79"/>
+                </a:solidFill>
+                <a:latin typeface="Courier New" panose="02070309020205020404" pitchFamily="49" charset="0"/>
+                <a:cs typeface="Courier New" panose="02070309020205020404" pitchFamily="49" charset="0"/>
+              </a:rPr>
+              <a:t>&gt;</a:t>
+            </a:r>
+          </a:p>
+          <a:p>
+            <a:pPr>
+              <a:lnSpc>
+                <a:spcPct val="100000"/>
+              </a:lnSpc>
+              <a:spcBef>
+                <a:spcPts val="1001"/>
+              </a:spcBef>
+              <a:spcAft>
+                <a:spcPts val="1001"/>
+              </a:spcAft>
+              <a:tabLst>
+                <a:tab pos="0" algn="l"/>
+              </a:tabLst>
+            </a:pPr>
+            <a:r>
+              <a:rPr lang="pt-BR" sz="3200" spc="-1" dirty="0">
+                <a:solidFill>
+                  <a:srgbClr val="1F4E79"/>
+                </a:solidFill>
+                <a:latin typeface="Courier New" panose="02070309020205020404" pitchFamily="49" charset="0"/>
+                <a:cs typeface="Courier New" panose="02070309020205020404" pitchFamily="49" charset="0"/>
+              </a:rPr>
+              <a:t>		{</a:t>
+            </a:r>
+            <a:r>
+              <a:rPr lang="pt-BR" sz="3200" spc="-1" dirty="0" err="1">
+                <a:solidFill>
+                  <a:srgbClr val="1F4E79"/>
+                </a:solidFill>
+                <a:latin typeface="Courier New" panose="02070309020205020404" pitchFamily="49" charset="0"/>
+                <a:cs typeface="Courier New" panose="02070309020205020404" pitchFamily="49" charset="0"/>
+              </a:rPr>
+              <a:t>products.map</a:t>
+            </a:r>
+            <a:r>
+              <a:rPr lang="pt-BR" sz="3200" spc="-1" dirty="0">
+                <a:solidFill>
+                  <a:srgbClr val="1F4E79"/>
+                </a:solidFill>
+                <a:latin typeface="Courier New" panose="02070309020205020404" pitchFamily="49" charset="0"/>
+                <a:cs typeface="Courier New" panose="02070309020205020404" pitchFamily="49" charset="0"/>
+              </a:rPr>
+              <a:t>(p =&gt; {</a:t>
+            </a:r>
+          </a:p>
+          <a:p>
+            <a:pPr>
+              <a:lnSpc>
+                <a:spcPct val="100000"/>
+              </a:lnSpc>
+              <a:spcBef>
+                <a:spcPts val="1001"/>
+              </a:spcBef>
+              <a:spcAft>
+                <a:spcPts val="1001"/>
+              </a:spcAft>
+              <a:tabLst>
+                <a:tab pos="0" algn="l"/>
+              </a:tabLst>
+            </a:pPr>
+            <a:r>
+              <a:rPr lang="pt-BR" sz="3200" spc="-1" dirty="0">
+                <a:solidFill>
+                  <a:srgbClr val="1F4E79"/>
+                </a:solidFill>
+                <a:latin typeface="Courier New" panose="02070309020205020404" pitchFamily="49" charset="0"/>
+                <a:cs typeface="Courier New" panose="02070309020205020404" pitchFamily="49" charset="0"/>
+              </a:rPr>
+              <a:t>			</a:t>
+            </a:r>
+            <a:r>
+              <a:rPr lang="pt-BR" sz="3200" spc="-1" dirty="0" err="1">
+                <a:solidFill>
+                  <a:srgbClr val="1F4E79"/>
+                </a:solidFill>
+                <a:latin typeface="Courier New" panose="02070309020205020404" pitchFamily="49" charset="0"/>
+                <a:cs typeface="Courier New" panose="02070309020205020404" pitchFamily="49" charset="0"/>
+              </a:rPr>
+              <a:t>return</a:t>
+            </a:r>
+            <a:r>
+              <a:rPr lang="pt-BR" sz="3200" spc="-1" dirty="0">
+                <a:solidFill>
+                  <a:srgbClr val="1F4E79"/>
+                </a:solidFill>
+                <a:latin typeface="Courier New" panose="02070309020205020404" pitchFamily="49" charset="0"/>
+                <a:cs typeface="Courier New" panose="02070309020205020404" pitchFamily="49" charset="0"/>
+              </a:rPr>
+              <a:t>(&lt;li&gt;{</a:t>
+            </a:r>
+            <a:r>
+              <a:rPr lang="pt-BR" sz="3200" spc="-1" dirty="0" err="1">
+                <a:solidFill>
+                  <a:srgbClr val="1F4E79"/>
+                </a:solidFill>
+                <a:latin typeface="Courier New" panose="02070309020205020404" pitchFamily="49" charset="0"/>
+                <a:cs typeface="Courier New" panose="02070309020205020404" pitchFamily="49" charset="0"/>
+              </a:rPr>
+              <a:t>p.Title</a:t>
+            </a:r>
+            <a:r>
+              <a:rPr lang="pt-BR" sz="3200" spc="-1" dirty="0">
+                <a:solidFill>
+                  <a:srgbClr val="1F4E79"/>
+                </a:solidFill>
+                <a:latin typeface="Courier New" panose="02070309020205020404" pitchFamily="49" charset="0"/>
+                <a:cs typeface="Courier New" panose="02070309020205020404" pitchFamily="49" charset="0"/>
+              </a:rPr>
+              <a:t>}&lt;/li&gt;);</a:t>
+            </a:r>
+          </a:p>
+          <a:p>
+            <a:pPr>
+              <a:lnSpc>
+                <a:spcPct val="100000"/>
+              </a:lnSpc>
+              <a:spcBef>
+                <a:spcPts val="1001"/>
+              </a:spcBef>
+              <a:spcAft>
+                <a:spcPts val="1001"/>
+              </a:spcAft>
+              <a:tabLst>
+                <a:tab pos="0" algn="l"/>
+              </a:tabLst>
+            </a:pPr>
+            <a:r>
+              <a:rPr lang="pt-BR" sz="3200" spc="-1" dirty="0">
+                <a:solidFill>
+                  <a:srgbClr val="1F4E79"/>
+                </a:solidFill>
+                <a:latin typeface="Courier New" panose="02070309020205020404" pitchFamily="49" charset="0"/>
+                <a:cs typeface="Courier New" panose="02070309020205020404" pitchFamily="49" charset="0"/>
+              </a:rPr>
+              <a:t>		})}</a:t>
+            </a:r>
+          </a:p>
+          <a:p>
+            <a:pPr>
+              <a:lnSpc>
+                <a:spcPct val="100000"/>
+              </a:lnSpc>
+              <a:spcBef>
+                <a:spcPts val="1001"/>
+              </a:spcBef>
+              <a:spcAft>
+                <a:spcPts val="1001"/>
+              </a:spcAft>
+              <a:tabLst>
+                <a:tab pos="0" algn="l"/>
+              </a:tabLst>
+            </a:pPr>
+            <a:r>
+              <a:rPr lang="pt-BR" sz="3200" spc="-1" dirty="0">
+                <a:solidFill>
+                  <a:srgbClr val="1F4E79"/>
+                </a:solidFill>
+                <a:latin typeface="Courier New" panose="02070309020205020404" pitchFamily="49" charset="0"/>
+                <a:cs typeface="Courier New" panose="02070309020205020404" pitchFamily="49" charset="0"/>
+              </a:rPr>
+              <a:t>&lt;/</a:t>
+            </a:r>
+            <a:r>
+              <a:rPr lang="pt-BR" sz="3200" spc="-1" dirty="0" err="1">
+                <a:solidFill>
+                  <a:srgbClr val="1F4E79"/>
+                </a:solidFill>
+                <a:latin typeface="Courier New" panose="02070309020205020404" pitchFamily="49" charset="0"/>
+                <a:cs typeface="Courier New" panose="02070309020205020404" pitchFamily="49" charset="0"/>
+              </a:rPr>
+              <a:t>ul</a:t>
+            </a:r>
+            <a:r>
+              <a:rPr lang="pt-BR" sz="3200" spc="-1" dirty="0">
+                <a:solidFill>
+                  <a:srgbClr val="1F4E79"/>
+                </a:solidFill>
+                <a:latin typeface="Courier New" panose="02070309020205020404" pitchFamily="49" charset="0"/>
+                <a:cs typeface="Courier New" panose="02070309020205020404" pitchFamily="49" charset="0"/>
+              </a:rPr>
+              <a:t>&gt;</a:t>
+            </a:r>
+          </a:p>
+        </p:txBody>
+      </p:sp>
+    </p:spTree>
+    <p:extLst>
+      <p:ext uri="{BB962C8B-B14F-4D97-AF65-F5344CB8AC3E}">
+        <p14:creationId xmlns:p14="http://schemas.microsoft.com/office/powerpoint/2010/main" val="3083118866"/>
+      </p:ext>
+    </p:extLst>
+  </p:cSld>
+  <p:clrMapOvr>
+    <a:masterClrMapping/>
+  </p:clrMapOvr>
+</p:sld>
+</file>
+
+<file path=ppt/slides/slide27.xml><?xml version="1.0" encoding="utf-8"?>
+<p:sld xmlns:a="http://schemas.openxmlformats.org/drawingml/2006/main" xmlns:r="http://schemas.openxmlformats.org/officeDocument/2006/relationships" xmlns:p="http://schemas.openxmlformats.org/presentationml/2006/main">
+  <p:cSld>
+    <p:spTree>
+      <p:nvGrpSpPr>
+        <p:cNvPr id="1" name=""/>
+        <p:cNvGrpSpPr/>
+        <p:nvPr/>
+      </p:nvGrpSpPr>
+      <p:grpSpPr>
+        <a:xfrm>
+          <a:off x="0" y="0"/>
+          <a:ext cx="0" cy="0"/>
+          <a:chOff x="0" y="0"/>
+          <a:chExt cx="0" cy="0"/>
+        </a:xfrm>
+      </p:grpSpPr>
+      <p:sp>
+        <p:nvSpPr>
+          <p:cNvPr id="104" name="CustomShape 1"/>
+          <p:cNvSpPr/>
+          <p:nvPr/>
+        </p:nvSpPr>
+        <p:spPr>
+          <a:xfrm>
+            <a:off x="0" y="224280"/>
+            <a:ext cx="12022200" cy="857520"/>
+          </a:xfrm>
+          <a:prstGeom prst="rect">
+            <a:avLst/>
+          </a:prstGeom>
+          <a:noFill/>
+          <a:ln>
+            <a:noFill/>
+          </a:ln>
+        </p:spPr>
+        <p:style>
+          <a:lnRef idx="0">
+            <a:scrgbClr r="0" g="0" b="0"/>
+          </a:lnRef>
+          <a:fillRef idx="0">
+            <a:scrgbClr r="0" g="0" b="0"/>
+          </a:fillRef>
+          <a:effectRef idx="0">
+            <a:scrgbClr r="0" g="0" b="0"/>
+          </a:effectRef>
+          <a:fontRef idx="minor"/>
+        </p:style>
+        <p:txBody>
+          <a:bodyPr lIns="90000" tIns="45000" rIns="90000" bIns="45000" anchor="ctr">
+            <a:noAutofit/>
+          </a:bodyPr>
+          <a:lstStyle/>
+          <a:p>
+            <a:pPr algn="ctr">
+              <a:lnSpc>
+                <a:spcPct val="90000"/>
+              </a:lnSpc>
+            </a:pPr>
+            <a:r>
+              <a:rPr lang="pt-BR" sz="5400" b="0" strike="noStrike" spc="-1">
+                <a:solidFill>
+                  <a:srgbClr val="1F4E79"/>
+                </a:solidFill>
+                <a:latin typeface="Arial"/>
+                <a:ea typeface="DejaVu Sans"/>
+              </a:rPr>
+              <a:t>Referências</a:t>
+            </a:r>
+            <a:endParaRPr lang="pt-BR" sz="5400" b="0" strike="noStrike" spc="-1">
+              <a:latin typeface="Arial"/>
+            </a:endParaRPr>
+          </a:p>
+        </p:txBody>
+      </p:sp>
+      <p:sp>
+        <p:nvSpPr>
+          <p:cNvPr id="105" name="CustomShape 2"/>
+          <p:cNvSpPr/>
+          <p:nvPr/>
+        </p:nvSpPr>
+        <p:spPr>
+          <a:xfrm>
+            <a:off x="317520" y="1290960"/>
+            <a:ext cx="11704320" cy="4350240"/>
+          </a:xfrm>
+          <a:prstGeom prst="rect">
+            <a:avLst/>
+          </a:prstGeom>
+          <a:noFill/>
+          <a:ln>
+            <a:noFill/>
+          </a:ln>
+        </p:spPr>
+        <p:style>
+          <a:lnRef idx="0">
+            <a:scrgbClr r="0" g="0" b="0"/>
+          </a:lnRef>
+          <a:fillRef idx="0">
+            <a:scrgbClr r="0" g="0" b="0"/>
+          </a:fillRef>
+          <a:effectRef idx="0">
+            <a:scrgbClr r="0" g="0" b="0"/>
+          </a:effectRef>
+          <a:fontRef idx="minor"/>
+        </p:style>
+        <p:txBody>
+          <a:bodyPr lIns="90000" tIns="45000" rIns="90000" bIns="45000">
+            <a:normAutofit fontScale="75500" lnSpcReduction="20000"/>
+          </a:bodyPr>
+          <a:lstStyle/>
+          <a:p>
+            <a:pPr marL="514440" indent="-513360">
+              <a:lnSpc>
+                <a:spcPct val="100000"/>
+              </a:lnSpc>
+              <a:spcBef>
+                <a:spcPts val="1001"/>
+              </a:spcBef>
+              <a:spcAft>
+                <a:spcPts val="1001"/>
+              </a:spcAft>
+              <a:buClr>
+                <a:srgbClr val="1F4E79"/>
+              </a:buClr>
+              <a:buFont typeface="Calibri Light"/>
+              <a:buAutoNum type="arabicPeriod"/>
+            </a:pPr>
+            <a:r>
+              <a:rPr lang="pt-BR" sz="3200" b="0" strike="noStrike" spc="-1">
+                <a:solidFill>
+                  <a:srgbClr val="1F4E79"/>
+                </a:solidFill>
+                <a:latin typeface="Arial"/>
+                <a:ea typeface="DejaVu Sans"/>
+              </a:rPr>
+              <a:t>MDN web docs. </a:t>
+            </a:r>
+            <a:r>
+              <a:rPr lang="pt-BR" sz="3200" b="1" strike="noStrike" spc="-1">
+                <a:solidFill>
+                  <a:srgbClr val="1F4E79"/>
+                </a:solidFill>
+                <a:latin typeface="Arial"/>
+                <a:ea typeface="DejaVu Sans"/>
+              </a:rPr>
+              <a:t>Introduction to the DOM</a:t>
+            </a:r>
+            <a:r>
+              <a:rPr lang="pt-BR" sz="3200" b="0" strike="noStrike" spc="-1">
+                <a:solidFill>
+                  <a:srgbClr val="1F4E79"/>
+                </a:solidFill>
+                <a:latin typeface="Arial"/>
+                <a:ea typeface="DejaVu Sans"/>
+              </a:rPr>
+              <a:t>. In: Document Object Model. Disponível em: </a:t>
+            </a:r>
+            <a:r>
+              <a:rPr lang="pt-BR" sz="3200" b="0" u="sng" strike="noStrike" spc="-1">
+                <a:solidFill>
+                  <a:srgbClr val="0563C1"/>
+                </a:solidFill>
+                <a:uFillTx/>
+                <a:latin typeface="Arial"/>
+                <a:ea typeface="DejaVu Sans"/>
+                <a:hlinkClick r:id="rId3"/>
+              </a:rPr>
+              <a:t>https://developer.mozilla.org/en-US/docs/Web/API/Document_Object_Model/Introduction</a:t>
+            </a:r>
+            <a:endParaRPr lang="pt-BR" sz="3200" b="0" strike="noStrike" spc="-1">
+              <a:latin typeface="Arial"/>
+            </a:endParaRPr>
+          </a:p>
+          <a:p>
+            <a:pPr marL="514440" indent="-513360">
+              <a:lnSpc>
+                <a:spcPct val="100000"/>
+              </a:lnSpc>
+              <a:spcBef>
+                <a:spcPts val="1001"/>
+              </a:spcBef>
+              <a:spcAft>
+                <a:spcPts val="1001"/>
+              </a:spcAft>
+              <a:buClr>
+                <a:srgbClr val="1F4E79"/>
+              </a:buClr>
+              <a:buFont typeface="Calibri Light"/>
+              <a:buAutoNum type="arabicPeriod"/>
+            </a:pPr>
+            <a:r>
+              <a:rPr lang="pt-BR" sz="3200" b="0" strike="noStrike" spc="-1">
+                <a:solidFill>
+                  <a:srgbClr val="1F4E79"/>
+                </a:solidFill>
+                <a:latin typeface="Arial"/>
+                <a:ea typeface="DejaVu Sans"/>
+              </a:rPr>
+              <a:t>MDN web docs. </a:t>
+            </a:r>
+            <a:r>
+              <a:rPr lang="pt-BR" sz="3200" b="1" strike="noStrike" spc="-1">
+                <a:solidFill>
+                  <a:srgbClr val="1F4E79"/>
+                </a:solidFill>
+                <a:latin typeface="Arial"/>
+                <a:ea typeface="DejaVu Sans"/>
+              </a:rPr>
+              <a:t>Classes</a:t>
+            </a:r>
+            <a:r>
+              <a:rPr lang="pt-BR" sz="3200" b="0" strike="noStrike" spc="-1">
+                <a:solidFill>
+                  <a:srgbClr val="1F4E79"/>
+                </a:solidFill>
+                <a:latin typeface="Arial"/>
+                <a:ea typeface="DejaVu Sans"/>
+              </a:rPr>
+              <a:t>. Disponível em: </a:t>
+            </a:r>
+            <a:r>
+              <a:rPr lang="pt-BR" sz="3200" b="0" u="sng" strike="noStrike" spc="-1">
+                <a:solidFill>
+                  <a:srgbClr val="0563C1"/>
+                </a:solidFill>
+                <a:uFillTx/>
+                <a:latin typeface="Arial"/>
+                <a:ea typeface="DejaVu Sans"/>
+                <a:hlinkClick r:id="rId4"/>
+              </a:rPr>
+              <a:t>https://developer.mozilla.org/pt-BR/docs/Web/JavaScript/Reference/Classes</a:t>
+            </a:r>
+            <a:endParaRPr lang="pt-BR" sz="3200" b="0" strike="noStrike" spc="-1">
+              <a:latin typeface="Arial"/>
+            </a:endParaRPr>
+          </a:p>
+          <a:p>
+            <a:pPr marL="514440" indent="-513360">
+              <a:lnSpc>
+                <a:spcPct val="100000"/>
+              </a:lnSpc>
+              <a:spcBef>
+                <a:spcPts val="1001"/>
+              </a:spcBef>
+              <a:spcAft>
+                <a:spcPts val="1001"/>
+              </a:spcAft>
+              <a:buClr>
+                <a:srgbClr val="1F4E79"/>
+              </a:buClr>
+              <a:buFont typeface="Calibri Light"/>
+              <a:buAutoNum type="arabicPeriod"/>
+            </a:pPr>
+            <a:r>
+              <a:rPr lang="pt-BR" sz="3200" b="0" strike="noStrike" spc="-1">
+                <a:solidFill>
+                  <a:srgbClr val="1F4E79"/>
+                </a:solidFill>
+                <a:latin typeface="Arial"/>
+                <a:ea typeface="DejaVu Sans"/>
+              </a:rPr>
+              <a:t>João Henrique. </a:t>
+            </a:r>
+            <a:r>
+              <a:rPr lang="pt-BR" sz="3200" b="1" strike="noStrike" spc="-1">
+                <a:solidFill>
+                  <a:srgbClr val="1F4E79"/>
+                </a:solidFill>
+                <a:latin typeface="Arial"/>
+                <a:ea typeface="DejaVu Sans"/>
+              </a:rPr>
+              <a:t>POO: o que é programação orientada a objetos?</a:t>
+            </a:r>
+            <a:r>
+              <a:rPr lang="pt-BR" sz="3200" b="0" strike="noStrike" spc="-1">
+                <a:solidFill>
+                  <a:srgbClr val="1F4E79"/>
+                </a:solidFill>
+                <a:latin typeface="Arial"/>
+                <a:ea typeface="DejaVu Sans"/>
+              </a:rPr>
+              <a:t> . Disponível em: </a:t>
+            </a:r>
+            <a:r>
+              <a:rPr lang="pt-BR" sz="3200" b="0" u="sng" strike="noStrike" spc="-1">
+                <a:solidFill>
+                  <a:srgbClr val="0563C1"/>
+                </a:solidFill>
+                <a:uFillTx/>
+                <a:latin typeface="Arial"/>
+                <a:ea typeface="DejaVu Sans"/>
+                <a:hlinkClick r:id="rId5"/>
+              </a:rPr>
+              <a:t>https://www.alura.com.br/artigos/poo-programacao-orientada-a-objetos</a:t>
+            </a:r>
+            <a:r>
+              <a:rPr lang="pt-BR" sz="3200" b="0" strike="noStrike" spc="-1">
+                <a:solidFill>
+                  <a:srgbClr val="1F4E79"/>
+                </a:solidFill>
+                <a:latin typeface="Arial"/>
+                <a:ea typeface="DejaVu Sans"/>
+              </a:rPr>
+              <a:t>.</a:t>
+            </a:r>
+            <a:endParaRPr lang="pt-BR" sz="3200" b="0" strike="noStrike" spc="-1">
+              <a:latin typeface="Arial"/>
+            </a:endParaRPr>
+          </a:p>
+          <a:p>
+            <a:pPr marL="514440" indent="-513360">
+              <a:lnSpc>
+                <a:spcPct val="100000"/>
+              </a:lnSpc>
+              <a:spcBef>
+                <a:spcPts val="1001"/>
+              </a:spcBef>
+              <a:spcAft>
+                <a:spcPts val="1001"/>
+              </a:spcAft>
+              <a:buClr>
+                <a:srgbClr val="1F4E79"/>
+              </a:buClr>
+              <a:buFont typeface="Calibri Light"/>
+              <a:buAutoNum type="arabicPeriod"/>
+            </a:pPr>
+            <a:r>
+              <a:rPr lang="pt-BR" sz="3200" b="0" strike="noStrike" spc="-1">
+                <a:solidFill>
+                  <a:srgbClr val="1F4E79"/>
+                </a:solidFill>
+                <a:latin typeface="Arial"/>
+                <a:ea typeface="DejaVu Sans"/>
+              </a:rPr>
+              <a:t>https://www.devmedia.com.br/os-4-pilares-da-programacao-orientada-a-objetos/9264</a:t>
+            </a:r>
+            <a:endParaRPr lang="pt-BR" sz="3200" b="0" strike="noStrike" spc="-1">
+              <a:latin typeface="Arial"/>
+            </a:endParaRPr>
+          </a:p>
+          <a:p>
+            <a:pPr>
+              <a:lnSpc>
+                <a:spcPct val="100000"/>
+              </a:lnSpc>
+              <a:spcBef>
+                <a:spcPts val="1001"/>
+              </a:spcBef>
+              <a:spcAft>
+                <a:spcPts val="1001"/>
+              </a:spcAft>
+            </a:pPr>
+            <a:endParaRPr lang="pt-BR" sz="3200" b="0" strike="noStrike" spc="-1">
               <a:latin typeface="Arial"/>
             </a:endParaRPr>
           </a:p>

--- a/React.pptx
+++ b/React.pptx
@@ -6,7 +6,7 @@
     <p:sldMasterId id="2147483661" r:id="rId2"/>
   </p:sldMasterIdLst>
   <p:notesMasterIdLst>
-    <p:notesMasterId r:id="rId30"/>
+    <p:notesMasterId r:id="rId33"/>
   </p:notesMasterIdLst>
   <p:sldIdLst>
     <p:sldId id="256" r:id="rId3"/>
@@ -35,7 +35,10 @@
     <p:sldId id="286" r:id="rId26"/>
     <p:sldId id="287" r:id="rId27"/>
     <p:sldId id="288" r:id="rId28"/>
-    <p:sldId id="267" r:id="rId29"/>
+    <p:sldId id="289" r:id="rId29"/>
+    <p:sldId id="290" r:id="rId30"/>
+    <p:sldId id="291" r:id="rId31"/>
+    <p:sldId id="267" r:id="rId32"/>
   </p:sldIdLst>
   <p:sldSz cx="12192000" cy="6858000"/>
   <p:notesSz cx="6858000" cy="9144000"/>
@@ -3233,7 +3236,7 @@
       </p:grpSpPr>
       <p:sp>
         <p:nvSpPr>
-          <p:cNvPr id="139" name="PlaceHolder 1"/>
+          <p:cNvPr id="202" name="PlaceHolder 1"/>
           <p:cNvSpPr>
             <a:spLocks noGrp="1" noRot="1" noChangeAspect="1"/>
           </p:cNvSpPr>
@@ -3243,17 +3246,17 @@
         </p:nvSpPr>
         <p:spPr>
           <a:xfrm>
-            <a:off x="685800" y="1143000"/>
-            <a:ext cx="5484813" cy="3084513"/>
-          </a:xfrm>
-          <a:prstGeom prst="rect">
-            <a:avLst/>
-          </a:prstGeom>
-        </p:spPr>
-      </p:sp>
-      <p:sp>
-        <p:nvSpPr>
-          <p:cNvPr id="140" name="PlaceHolder 2"/>
+            <a:off x="687388" y="1143000"/>
+            <a:ext cx="5480050" cy="3082925"/>
+          </a:xfrm>
+          <a:prstGeom prst="rect">
+            <a:avLst/>
+          </a:prstGeom>
+        </p:spPr>
+      </p:sp>
+      <p:sp>
+        <p:nvSpPr>
+          <p:cNvPr id="203" name="PlaceHolder 2"/>
           <p:cNvSpPr>
             <a:spLocks noGrp="1"/>
           </p:cNvSpPr>
@@ -3264,7 +3267,7 @@
         <p:spPr>
           <a:xfrm>
             <a:off x="685800" y="4400640"/>
-            <a:ext cx="5485320" cy="3599280"/>
+            <a:ext cx="5482440" cy="3596400"/>
           </a:xfrm>
           <a:prstGeom prst="rect">
             <a:avLst/>
@@ -3276,22 +3279,22 @@
           </a:bodyPr>
           <a:lstStyle/>
           <a:p>
-            <a:endParaRPr lang="pt-BR" sz="2000" b="0" strike="noStrike" spc="-1">
-              <a:latin typeface="Arial"/>
-            </a:endParaRPr>
-          </a:p>
-        </p:txBody>
-      </p:sp>
-      <p:sp>
-        <p:nvSpPr>
-          <p:cNvPr id="141" name="CustomShape 3"/>
+            <a:endParaRPr lang="pt-BR" sz="2000" b="0" strike="noStrike" spc="-1" dirty="0">
+              <a:latin typeface="+mn-lt"/>
+            </a:endParaRPr>
+          </a:p>
+        </p:txBody>
+      </p:sp>
+      <p:sp>
+        <p:nvSpPr>
+          <p:cNvPr id="204" name="CustomShape 3"/>
           <p:cNvSpPr/>
           <p:nvPr/>
         </p:nvSpPr>
         <p:spPr>
           <a:xfrm>
             <a:off x="3884760" y="8685360"/>
-            <a:ext cx="2970720" cy="457560"/>
+            <a:ext cx="2967840" cy="454680"/>
           </a:xfrm>
           <a:prstGeom prst="rect">
             <a:avLst/>
@@ -3324,12 +3327,13 @@
                 <a:spcPct val="100000"/>
               </a:lnSpc>
             </a:pPr>
-            <a:fld id="{76541F3C-0A59-4F90-AFC6-6F0BC6A0EC2F}" type="slidenum">
+            <a:fld id="{EECC64C6-2FBD-4770-B109-62040DE39BC9}" type="slidenum">
               <a:rPr lang="pt-BR" sz="1200" b="0" strike="noStrike" spc="-1">
                 <a:solidFill>
                   <a:srgbClr val="000000"/>
                 </a:solidFill>
                 <a:latin typeface="Times New Roman"/>
+                <a:ea typeface="+mn-ea"/>
               </a:rPr>
               <a:t>27</a:t>
             </a:fld>
@@ -3340,6 +3344,289 @@
         </p:txBody>
       </p:sp>
     </p:spTree>
+    <p:extLst>
+      <p:ext uri="{BB962C8B-B14F-4D97-AF65-F5344CB8AC3E}">
+        <p14:creationId xmlns:p14="http://schemas.microsoft.com/office/powerpoint/2010/main" val="1019870203"/>
+      </p:ext>
+    </p:extLst>
+  </p:cSld>
+  <p:clrMapOvr>
+    <a:masterClrMapping/>
+  </p:clrMapOvr>
+</p:notes>
+</file>
+
+<file path=ppt/notesSlides/notesSlide28.xml><?xml version="1.0" encoding="utf-8"?>
+<p:notes xmlns:a="http://schemas.openxmlformats.org/drawingml/2006/main" xmlns:r="http://schemas.openxmlformats.org/officeDocument/2006/relationships" xmlns:p="http://schemas.openxmlformats.org/presentationml/2006/main">
+  <p:cSld>
+    <p:spTree>
+      <p:nvGrpSpPr>
+        <p:cNvPr id="1" name=""/>
+        <p:cNvGrpSpPr/>
+        <p:nvPr/>
+      </p:nvGrpSpPr>
+      <p:grpSpPr>
+        <a:xfrm>
+          <a:off x="0" y="0"/>
+          <a:ext cx="0" cy="0"/>
+          <a:chOff x="0" y="0"/>
+          <a:chExt cx="0" cy="0"/>
+        </a:xfrm>
+      </p:grpSpPr>
+      <p:sp>
+        <p:nvSpPr>
+          <p:cNvPr id="202" name="PlaceHolder 1"/>
+          <p:cNvSpPr>
+            <a:spLocks noGrp="1" noRot="1" noChangeAspect="1"/>
+          </p:cNvSpPr>
+          <p:nvPr>
+            <p:ph type="sldImg"/>
+          </p:nvPr>
+        </p:nvSpPr>
+        <p:spPr>
+          <a:xfrm>
+            <a:off x="687388" y="1143000"/>
+            <a:ext cx="5480050" cy="3082925"/>
+          </a:xfrm>
+          <a:prstGeom prst="rect">
+            <a:avLst/>
+          </a:prstGeom>
+        </p:spPr>
+      </p:sp>
+      <p:sp>
+        <p:nvSpPr>
+          <p:cNvPr id="203" name="PlaceHolder 2"/>
+          <p:cNvSpPr>
+            <a:spLocks noGrp="1"/>
+          </p:cNvSpPr>
+          <p:nvPr>
+            <p:ph type="body"/>
+          </p:nvPr>
+        </p:nvSpPr>
+        <p:spPr>
+          <a:xfrm>
+            <a:off x="685800" y="4400640"/>
+            <a:ext cx="5482440" cy="3596400"/>
+          </a:xfrm>
+          <a:prstGeom prst="rect">
+            <a:avLst/>
+          </a:prstGeom>
+        </p:spPr>
+        <p:txBody>
+          <a:bodyPr lIns="0" tIns="0" rIns="0" bIns="0">
+            <a:noAutofit/>
+          </a:bodyPr>
+          <a:lstStyle/>
+          <a:p>
+            <a:endParaRPr lang="pt-BR" sz="2000" b="0" strike="noStrike" spc="-1" dirty="0">
+              <a:latin typeface="+mn-lt"/>
+            </a:endParaRPr>
+          </a:p>
+        </p:txBody>
+      </p:sp>
+      <p:sp>
+        <p:nvSpPr>
+          <p:cNvPr id="204" name="CustomShape 3"/>
+          <p:cNvSpPr/>
+          <p:nvPr/>
+        </p:nvSpPr>
+        <p:spPr>
+          <a:xfrm>
+            <a:off x="3884760" y="8685360"/>
+            <a:ext cx="2967840" cy="454680"/>
+          </a:xfrm>
+          <a:prstGeom prst="rect">
+            <a:avLst/>
+          </a:prstGeom>
+          <a:noFill/>
+          <a:ln>
+            <a:noFill/>
+          </a:ln>
+        </p:spPr>
+        <p:style>
+          <a:lnRef idx="0">
+            <a:scrgbClr r="0" g="0" b="0"/>
+          </a:lnRef>
+          <a:fillRef idx="0">
+            <a:scrgbClr r="0" g="0" b="0"/>
+          </a:fillRef>
+          <a:effectRef idx="0">
+            <a:scrgbClr r="0" g="0" b="0"/>
+          </a:effectRef>
+          <a:fontRef idx="minor"/>
+        </p:style>
+        <p:txBody>
+          <a:bodyPr lIns="90000" tIns="45000" rIns="90000" bIns="45000" anchor="b">
+            <a:noAutofit/>
+          </a:bodyPr>
+          <a:lstStyle/>
+          <a:p>
+            <a:pPr algn="r">
+              <a:lnSpc>
+                <a:spcPct val="100000"/>
+              </a:lnSpc>
+            </a:pPr>
+            <a:fld id="{EECC64C6-2FBD-4770-B109-62040DE39BC9}" type="slidenum">
+              <a:rPr lang="pt-BR" sz="1200" b="0" strike="noStrike" spc="-1">
+                <a:solidFill>
+                  <a:srgbClr val="000000"/>
+                </a:solidFill>
+                <a:latin typeface="Times New Roman"/>
+                <a:ea typeface="+mn-ea"/>
+              </a:rPr>
+              <a:t>28</a:t>
+            </a:fld>
+            <a:endParaRPr lang="pt-BR" sz="1200" b="0" strike="noStrike" spc="-1">
+              <a:latin typeface="Arial"/>
+            </a:endParaRPr>
+          </a:p>
+        </p:txBody>
+      </p:sp>
+    </p:spTree>
+    <p:extLst>
+      <p:ext uri="{BB962C8B-B14F-4D97-AF65-F5344CB8AC3E}">
+        <p14:creationId xmlns:p14="http://schemas.microsoft.com/office/powerpoint/2010/main" val="2532442067"/>
+      </p:ext>
+    </p:extLst>
+  </p:cSld>
+  <p:clrMapOvr>
+    <a:masterClrMapping/>
+  </p:clrMapOvr>
+</p:notes>
+</file>
+
+<file path=ppt/notesSlides/notesSlide29.xml><?xml version="1.0" encoding="utf-8"?>
+<p:notes xmlns:a="http://schemas.openxmlformats.org/drawingml/2006/main" xmlns:r="http://schemas.openxmlformats.org/officeDocument/2006/relationships" xmlns:p="http://schemas.openxmlformats.org/presentationml/2006/main">
+  <p:cSld>
+    <p:spTree>
+      <p:nvGrpSpPr>
+        <p:cNvPr id="1" name=""/>
+        <p:cNvGrpSpPr/>
+        <p:nvPr/>
+      </p:nvGrpSpPr>
+      <p:grpSpPr>
+        <a:xfrm>
+          <a:off x="0" y="0"/>
+          <a:ext cx="0" cy="0"/>
+          <a:chOff x="0" y="0"/>
+          <a:chExt cx="0" cy="0"/>
+        </a:xfrm>
+      </p:grpSpPr>
+      <p:sp>
+        <p:nvSpPr>
+          <p:cNvPr id="202" name="PlaceHolder 1"/>
+          <p:cNvSpPr>
+            <a:spLocks noGrp="1" noRot="1" noChangeAspect="1"/>
+          </p:cNvSpPr>
+          <p:nvPr>
+            <p:ph type="sldImg"/>
+          </p:nvPr>
+        </p:nvSpPr>
+        <p:spPr>
+          <a:xfrm>
+            <a:off x="687388" y="1143000"/>
+            <a:ext cx="5480050" cy="3082925"/>
+          </a:xfrm>
+          <a:prstGeom prst="rect">
+            <a:avLst/>
+          </a:prstGeom>
+        </p:spPr>
+      </p:sp>
+      <p:sp>
+        <p:nvSpPr>
+          <p:cNvPr id="203" name="PlaceHolder 2"/>
+          <p:cNvSpPr>
+            <a:spLocks noGrp="1"/>
+          </p:cNvSpPr>
+          <p:nvPr>
+            <p:ph type="body"/>
+          </p:nvPr>
+        </p:nvSpPr>
+        <p:spPr>
+          <a:xfrm>
+            <a:off x="685800" y="4400640"/>
+            <a:ext cx="5482440" cy="3596400"/>
+          </a:xfrm>
+          <a:prstGeom prst="rect">
+            <a:avLst/>
+          </a:prstGeom>
+        </p:spPr>
+        <p:txBody>
+          <a:bodyPr lIns="0" tIns="0" rIns="0" bIns="0">
+            <a:noAutofit/>
+          </a:bodyPr>
+          <a:lstStyle/>
+          <a:p>
+            <a:endParaRPr lang="pt-BR" sz="2000" b="0" strike="noStrike" spc="-1" dirty="0">
+              <a:latin typeface="+mn-lt"/>
+            </a:endParaRPr>
+          </a:p>
+        </p:txBody>
+      </p:sp>
+      <p:sp>
+        <p:nvSpPr>
+          <p:cNvPr id="204" name="CustomShape 3"/>
+          <p:cNvSpPr/>
+          <p:nvPr/>
+        </p:nvSpPr>
+        <p:spPr>
+          <a:xfrm>
+            <a:off x="3884760" y="8685360"/>
+            <a:ext cx="2967840" cy="454680"/>
+          </a:xfrm>
+          <a:prstGeom prst="rect">
+            <a:avLst/>
+          </a:prstGeom>
+          <a:noFill/>
+          <a:ln>
+            <a:noFill/>
+          </a:ln>
+        </p:spPr>
+        <p:style>
+          <a:lnRef idx="0">
+            <a:scrgbClr r="0" g="0" b="0"/>
+          </a:lnRef>
+          <a:fillRef idx="0">
+            <a:scrgbClr r="0" g="0" b="0"/>
+          </a:fillRef>
+          <a:effectRef idx="0">
+            <a:scrgbClr r="0" g="0" b="0"/>
+          </a:effectRef>
+          <a:fontRef idx="minor"/>
+        </p:style>
+        <p:txBody>
+          <a:bodyPr lIns="90000" tIns="45000" rIns="90000" bIns="45000" anchor="b">
+            <a:noAutofit/>
+          </a:bodyPr>
+          <a:lstStyle/>
+          <a:p>
+            <a:pPr algn="r">
+              <a:lnSpc>
+                <a:spcPct val="100000"/>
+              </a:lnSpc>
+            </a:pPr>
+            <a:fld id="{EECC64C6-2FBD-4770-B109-62040DE39BC9}" type="slidenum">
+              <a:rPr lang="pt-BR" sz="1200" b="0" strike="noStrike" spc="-1">
+                <a:solidFill>
+                  <a:srgbClr val="000000"/>
+                </a:solidFill>
+                <a:latin typeface="Times New Roman"/>
+                <a:ea typeface="+mn-ea"/>
+              </a:rPr>
+              <a:t>29</a:t>
+            </a:fld>
+            <a:endParaRPr lang="pt-BR" sz="1200" b="0" strike="noStrike" spc="-1">
+              <a:latin typeface="Arial"/>
+            </a:endParaRPr>
+          </a:p>
+        </p:txBody>
+      </p:sp>
+    </p:spTree>
+    <p:extLst>
+      <p:ext uri="{BB962C8B-B14F-4D97-AF65-F5344CB8AC3E}">
+        <p14:creationId xmlns:p14="http://schemas.microsoft.com/office/powerpoint/2010/main" val="2333630706"/>
+      </p:ext>
+    </p:extLst>
   </p:cSld>
   <p:clrMapOvr>
     <a:masterClrMapping/>
@@ -3465,6 +3752,139 @@
                 <a:latin typeface="Times New Roman"/>
               </a:rPr>
               <a:t>3</a:t>
+            </a:fld>
+            <a:endParaRPr lang="pt-BR" sz="1200" b="0" strike="noStrike" spc="-1">
+              <a:latin typeface="Arial"/>
+            </a:endParaRPr>
+          </a:p>
+        </p:txBody>
+      </p:sp>
+    </p:spTree>
+  </p:cSld>
+  <p:clrMapOvr>
+    <a:masterClrMapping/>
+  </p:clrMapOvr>
+</p:notes>
+</file>
+
+<file path=ppt/notesSlides/notesSlide30.xml><?xml version="1.0" encoding="utf-8"?>
+<p:notes xmlns:a="http://schemas.openxmlformats.org/drawingml/2006/main" xmlns:r="http://schemas.openxmlformats.org/officeDocument/2006/relationships" xmlns:p="http://schemas.openxmlformats.org/presentationml/2006/main">
+  <p:cSld>
+    <p:spTree>
+      <p:nvGrpSpPr>
+        <p:cNvPr id="1" name=""/>
+        <p:cNvGrpSpPr/>
+        <p:nvPr/>
+      </p:nvGrpSpPr>
+      <p:grpSpPr>
+        <a:xfrm>
+          <a:off x="0" y="0"/>
+          <a:ext cx="0" cy="0"/>
+          <a:chOff x="0" y="0"/>
+          <a:chExt cx="0" cy="0"/>
+        </a:xfrm>
+      </p:grpSpPr>
+      <p:sp>
+        <p:nvSpPr>
+          <p:cNvPr id="139" name="PlaceHolder 1"/>
+          <p:cNvSpPr>
+            <a:spLocks noGrp="1" noRot="1" noChangeAspect="1"/>
+          </p:cNvSpPr>
+          <p:nvPr>
+            <p:ph type="sldImg"/>
+          </p:nvPr>
+        </p:nvSpPr>
+        <p:spPr>
+          <a:xfrm>
+            <a:off x="685800" y="1143000"/>
+            <a:ext cx="5484813" cy="3084513"/>
+          </a:xfrm>
+          <a:prstGeom prst="rect">
+            <a:avLst/>
+          </a:prstGeom>
+        </p:spPr>
+      </p:sp>
+      <p:sp>
+        <p:nvSpPr>
+          <p:cNvPr id="140" name="PlaceHolder 2"/>
+          <p:cNvSpPr>
+            <a:spLocks noGrp="1"/>
+          </p:cNvSpPr>
+          <p:nvPr>
+            <p:ph type="body"/>
+          </p:nvPr>
+        </p:nvSpPr>
+        <p:spPr>
+          <a:xfrm>
+            <a:off x="685800" y="4400640"/>
+            <a:ext cx="5485320" cy="3599280"/>
+          </a:xfrm>
+          <a:prstGeom prst="rect">
+            <a:avLst/>
+          </a:prstGeom>
+        </p:spPr>
+        <p:txBody>
+          <a:bodyPr lIns="0" tIns="0" rIns="0" bIns="0">
+            <a:noAutofit/>
+          </a:bodyPr>
+          <a:lstStyle/>
+          <a:p>
+            <a:endParaRPr lang="pt-BR" sz="2000" b="0" strike="noStrike" spc="-1">
+              <a:latin typeface="Arial"/>
+            </a:endParaRPr>
+          </a:p>
+        </p:txBody>
+      </p:sp>
+      <p:sp>
+        <p:nvSpPr>
+          <p:cNvPr id="141" name="CustomShape 3"/>
+          <p:cNvSpPr/>
+          <p:nvPr/>
+        </p:nvSpPr>
+        <p:spPr>
+          <a:xfrm>
+            <a:off x="3884760" y="8685360"/>
+            <a:ext cx="2970720" cy="457560"/>
+          </a:xfrm>
+          <a:prstGeom prst="rect">
+            <a:avLst/>
+          </a:prstGeom>
+          <a:noFill/>
+          <a:ln>
+            <a:noFill/>
+          </a:ln>
+        </p:spPr>
+        <p:style>
+          <a:lnRef idx="0">
+            <a:scrgbClr r="0" g="0" b="0"/>
+          </a:lnRef>
+          <a:fillRef idx="0">
+            <a:scrgbClr r="0" g="0" b="0"/>
+          </a:fillRef>
+          <a:effectRef idx="0">
+            <a:scrgbClr r="0" g="0" b="0"/>
+          </a:effectRef>
+          <a:fontRef idx="minor"/>
+        </p:style>
+        <p:txBody>
+          <a:bodyPr lIns="90000" tIns="45000" rIns="90000" bIns="45000" anchor="b">
+            <a:noAutofit/>
+          </a:bodyPr>
+          <a:lstStyle/>
+          <a:p>
+            <a:pPr algn="r">
+              <a:lnSpc>
+                <a:spcPct val="100000"/>
+              </a:lnSpc>
+            </a:pPr>
+            <a:fld id="{76541F3C-0A59-4F90-AFC6-6F0BC6A0EC2F}" type="slidenum">
+              <a:rPr lang="pt-BR" sz="1200" b="0" strike="noStrike" spc="-1">
+                <a:solidFill>
+                  <a:srgbClr val="000000"/>
+                </a:solidFill>
+                <a:latin typeface="Times New Roman"/>
+              </a:rPr>
+              <a:t>30</a:t>
             </a:fld>
             <a:endParaRPr lang="pt-BR" sz="1200" b="0" strike="noStrike" spc="-1">
               <a:latin typeface="Arial"/>
@@ -8621,7 +9041,7 @@
     <mc:Choice Requires="p14">
       <p:transition spd="slow" p14:dur="2000" advTm="17000"/>
     </mc:Choice>
-    <mc:Fallback xmlns:p15="http://schemas.microsoft.com/office/powerpoint/2012/main" xmlns="">
+    <mc:Fallback xmlns="" xmlns:p15="http://schemas.microsoft.com/office/powerpoint/2012/main">
       <p:transition spd="slow" advTm="17000"/>
     </mc:Fallback>
   </mc:AlternateContent>
@@ -14619,14 +15039,14 @@
       </p:grpSpPr>
       <p:sp>
         <p:nvSpPr>
-          <p:cNvPr id="104" name="CustomShape 1"/>
+          <p:cNvPr id="98" name="CustomShape 1"/>
           <p:cNvSpPr/>
           <p:nvPr/>
         </p:nvSpPr>
         <p:spPr>
           <a:xfrm>
             <a:off x="0" y="224280"/>
-            <a:ext cx="12022200" cy="857520"/>
+            <a:ext cx="12019320" cy="854640"/>
           </a:xfrm>
           <a:prstGeom prst="rect">
             <a:avLst/>
@@ -14660,31 +15080,31 @@
               </a:lnSpc>
             </a:pPr>
             <a:r>
-              <a:rPr lang="pt-BR" sz="5400" b="0" strike="noStrike" spc="-1">
+              <a:rPr lang="pt-BR" sz="5400" b="0" strike="noStrike" spc="-1" dirty="0">
                 <a:solidFill>
                   <a:srgbClr val="1F4E79"/>
                 </a:solidFill>
                 <a:latin typeface="Arial"/>
                 <a:ea typeface="DejaVu Sans"/>
               </a:rPr>
-              <a:t>Referências</a:t>
-            </a:r>
-            <a:endParaRPr lang="pt-BR" sz="5400" b="0" strike="noStrike" spc="-1">
-              <a:latin typeface="Arial"/>
-            </a:endParaRPr>
-          </a:p>
-        </p:txBody>
-      </p:sp>
-      <p:sp>
-        <p:nvSpPr>
-          <p:cNvPr id="105" name="CustomShape 2"/>
+              <a:t>Componentes</a:t>
+            </a:r>
+            <a:endParaRPr lang="pt-BR" sz="5400" b="0" strike="noStrike" spc="-1" dirty="0">
+              <a:latin typeface="Arial"/>
+            </a:endParaRPr>
+          </a:p>
+        </p:txBody>
+      </p:sp>
+      <p:sp>
+        <p:nvSpPr>
+          <p:cNvPr id="99" name="CustomShape 2"/>
           <p:cNvSpPr/>
           <p:nvPr/>
         </p:nvSpPr>
         <p:spPr>
           <a:xfrm>
             <a:off x="317520" y="1290960"/>
-            <a:ext cx="11704320" cy="4350240"/>
+            <a:ext cx="11701440" cy="4347360"/>
           </a:xfrm>
           <a:prstGeom prst="rect">
             <a:avLst/>
@@ -14708,11 +15128,11 @@
         </p:style>
         <p:txBody>
           <a:bodyPr lIns="90000" tIns="45000" rIns="90000" bIns="45000">
-            <a:normAutofit fontScale="75500" lnSpcReduction="20000"/>
-          </a:bodyPr>
-          <a:lstStyle/>
-          <a:p>
-            <a:pPr marL="514440" indent="-513360">
+            <a:normAutofit/>
+          </a:bodyPr>
+          <a:lstStyle/>
+          <a:p>
+            <a:pPr algn="ctr">
               <a:lnSpc>
                 <a:spcPct val="100000"/>
               </a:lnSpc>
@@ -14722,60 +15142,21 @@
               <a:spcAft>
                 <a:spcPts val="1001"/>
               </a:spcAft>
-              <a:buClr>
-                <a:srgbClr val="1F4E79"/>
-              </a:buClr>
-              <a:buFont typeface="Calibri Light"/>
-              <a:buAutoNum type="arabicPeriod"/>
-            </a:pPr>
-            <a:r>
-              <a:rPr lang="pt-BR" sz="3200" b="0" strike="noStrike" spc="-1">
-                <a:solidFill>
-                  <a:srgbClr val="1F4E79"/>
-                </a:solidFill>
-                <a:latin typeface="Arial"/>
-                <a:ea typeface="DejaVu Sans"/>
-              </a:rPr>
-              <a:t>MDN web docs. </a:t>
-            </a:r>
-            <a:r>
-              <a:rPr lang="pt-BR" sz="3200" b="1" strike="noStrike" spc="-1">
-                <a:solidFill>
-                  <a:srgbClr val="1F4E79"/>
-                </a:solidFill>
-                <a:latin typeface="Arial"/>
-                <a:ea typeface="DejaVu Sans"/>
-              </a:rPr>
-              <a:t>Introduction to the DOM</a:t>
-            </a:r>
-            <a:r>
-              <a:rPr lang="pt-BR" sz="3200" b="0" strike="noStrike" spc="-1">
-                <a:solidFill>
-                  <a:srgbClr val="1F4E79"/>
-                </a:solidFill>
-                <a:latin typeface="Arial"/>
-                <a:ea typeface="DejaVu Sans"/>
-              </a:rPr>
-              <a:t>. In: Document Object Model. Disponível em: </a:t>
-            </a:r>
-            <a:r>
-              <a:rPr lang="pt-BR" sz="3200" b="0" u="sng" strike="noStrike" spc="-1">
-                <a:solidFill>
-                  <a:srgbClr val="0563C1"/>
-                </a:solidFill>
-                <a:uFillTx/>
-                <a:latin typeface="Arial"/>
-                <a:ea typeface="DejaVu Sans"/>
-                <a:hlinkClick r:id="rId3"/>
-              </a:rPr>
-              <a:t>https://developer.mozilla.org/en-US/docs/Web/API/Document_Object_Model/Introduction</a:t>
-            </a:r>
-            <a:endParaRPr lang="pt-BR" sz="3200" b="0" strike="noStrike" spc="-1">
-              <a:latin typeface="Arial"/>
-            </a:endParaRPr>
-          </a:p>
-          <a:p>
-            <a:pPr marL="514440" indent="-513360">
+              <a:tabLst>
+                <a:tab pos="0" algn="l"/>
+              </a:tabLst>
+            </a:pPr>
+            <a:r>
+              <a:rPr lang="pt-BR" sz="3200" spc="-1" dirty="0">
+                <a:solidFill>
+                  <a:srgbClr val="1F4E79"/>
+                </a:solidFill>
+              </a:rPr>
+              <a:t>Componentes são itens da UI que podem ser definidos de modo independente e reutilizável.</a:t>
+            </a:r>
+          </a:p>
+          <a:p>
+            <a:pPr algn="ctr">
               <a:lnSpc>
                 <a:spcPct val="100000"/>
               </a:lnSpc>
@@ -14785,60 +15166,202 @@
               <a:spcAft>
                 <a:spcPts val="1001"/>
               </a:spcAft>
-              <a:buClr>
+              <a:tabLst>
+                <a:tab pos="0" algn="l"/>
+              </a:tabLst>
+            </a:pPr>
+            <a:r>
+              <a:rPr lang="pt-BR" sz="3200" spc="-1" dirty="0">
+                <a:solidFill>
+                  <a:srgbClr val="1F4E79"/>
+                </a:solidFill>
+              </a:rPr>
+              <a:t>Conceitualmente, componentes são como funções </a:t>
+            </a:r>
+            <a:r>
+              <a:rPr lang="pt-BR" sz="3200" spc="-1" dirty="0" err="1">
+                <a:solidFill>
+                  <a:srgbClr val="1F4E79"/>
+                </a:solidFill>
+              </a:rPr>
+              <a:t>JavaScript</a:t>
+            </a:r>
+            <a:r>
+              <a:rPr lang="pt-BR" sz="3200" spc="-1" dirty="0">
+                <a:solidFill>
+                  <a:srgbClr val="1F4E79"/>
+                </a:solidFill>
+              </a:rPr>
+              <a:t>. Eles aceitam entradas (chamadas </a:t>
+            </a:r>
+            <a:r>
+              <a:rPr lang="pt-BR" sz="3200" b="1" spc="-1" dirty="0" err="1">
+                <a:solidFill>
+                  <a:srgbClr val="1F4E79"/>
+                </a:solidFill>
+              </a:rPr>
+              <a:t>props</a:t>
+            </a:r>
+            <a:r>
+              <a:rPr lang="pt-BR" sz="3200" spc="-1" dirty="0">
+                <a:solidFill>
+                  <a:srgbClr val="1F4E79"/>
+                </a:solidFill>
+              </a:rPr>
+              <a:t>) e retornam </a:t>
+            </a:r>
+            <a:r>
+              <a:rPr lang="pt-BR" sz="3200" spc="-1">
+                <a:solidFill>
+                  <a:srgbClr val="1F4E79"/>
+                </a:solidFill>
+              </a:rPr>
+              <a:t>elementos JSX </a:t>
+            </a:r>
+            <a:r>
+              <a:rPr lang="pt-BR" sz="3200" spc="-1" dirty="0">
+                <a:solidFill>
+                  <a:srgbClr val="1F4E79"/>
+                </a:solidFill>
+              </a:rPr>
+              <a:t>que descrevem o que deve aparecer na tela.</a:t>
+            </a:r>
+            <a:endParaRPr lang="pt-BR" sz="3200" spc="-1" dirty="0">
+              <a:solidFill>
                 <a:srgbClr val="1F4E79"/>
-              </a:buClr>
-              <a:buFont typeface="Calibri Light"/>
-              <a:buAutoNum type="arabicPeriod"/>
-            </a:pPr>
-            <a:r>
-              <a:rPr lang="pt-BR" sz="3200" b="0" strike="noStrike" spc="-1">
+              </a:solidFill>
+              <a:latin typeface="Courier New" panose="02070309020205020404" pitchFamily="49" charset="0"/>
+              <a:cs typeface="Courier New" panose="02070309020205020404" pitchFamily="49" charset="0"/>
+            </a:endParaRPr>
+          </a:p>
+        </p:txBody>
+      </p:sp>
+    </p:spTree>
+    <p:extLst>
+      <p:ext uri="{BB962C8B-B14F-4D97-AF65-F5344CB8AC3E}">
+        <p14:creationId xmlns:p14="http://schemas.microsoft.com/office/powerpoint/2010/main" val="2001133017"/>
+      </p:ext>
+    </p:extLst>
+  </p:cSld>
+  <p:clrMapOvr>
+    <a:masterClrMapping/>
+  </p:clrMapOvr>
+</p:sld>
+</file>
+
+<file path=ppt/slides/slide28.xml><?xml version="1.0" encoding="utf-8"?>
+<p:sld xmlns:a="http://schemas.openxmlformats.org/drawingml/2006/main" xmlns:r="http://schemas.openxmlformats.org/officeDocument/2006/relationships" xmlns:p="http://schemas.openxmlformats.org/presentationml/2006/main">
+  <p:cSld>
+    <p:spTree>
+      <p:nvGrpSpPr>
+        <p:cNvPr id="1" name=""/>
+        <p:cNvGrpSpPr/>
+        <p:nvPr/>
+      </p:nvGrpSpPr>
+      <p:grpSpPr>
+        <a:xfrm>
+          <a:off x="0" y="0"/>
+          <a:ext cx="0" cy="0"/>
+          <a:chOff x="0" y="0"/>
+          <a:chExt cx="0" cy="0"/>
+        </a:xfrm>
+      </p:grpSpPr>
+      <p:sp>
+        <p:nvSpPr>
+          <p:cNvPr id="98" name="CustomShape 1"/>
+          <p:cNvSpPr/>
+          <p:nvPr/>
+        </p:nvSpPr>
+        <p:spPr>
+          <a:xfrm>
+            <a:off x="0" y="224280"/>
+            <a:ext cx="12019320" cy="854640"/>
+          </a:xfrm>
+          <a:prstGeom prst="rect">
+            <a:avLst/>
+          </a:prstGeom>
+          <a:noFill/>
+          <a:ln>
+            <a:noFill/>
+          </a:ln>
+        </p:spPr>
+        <p:style>
+          <a:lnRef idx="0">
+            <a:scrgbClr r="0" g="0" b="0"/>
+          </a:lnRef>
+          <a:fillRef idx="0">
+            <a:scrgbClr r="0" g="0" b="0"/>
+          </a:fillRef>
+          <a:effectRef idx="0">
+            <a:scrgbClr r="0" g="0" b="0"/>
+          </a:effectRef>
+          <a:fontRef idx="minor"/>
+        </p:style>
+        <p:txBody>
+          <a:bodyPr lIns="90000" tIns="45000" rIns="90000" bIns="45000" anchor="ctr">
+            <a:noAutofit/>
+          </a:bodyPr>
+          <a:lstStyle/>
+          <a:p>
+            <a:pPr algn="ctr">
+              <a:lnSpc>
+                <a:spcPct val="90000"/>
+              </a:lnSpc>
+            </a:pPr>
+            <a:r>
+              <a:rPr lang="pt-BR" sz="5400" b="0" strike="noStrike" spc="-1" dirty="0">
                 <a:solidFill>
                   <a:srgbClr val="1F4E79"/>
                 </a:solidFill>
                 <a:latin typeface="Arial"/>
                 <a:ea typeface="DejaVu Sans"/>
               </a:rPr>
-              <a:t>MDN web docs. </a:t>
-            </a:r>
-            <a:r>
-              <a:rPr lang="pt-BR" sz="3200" b="1" strike="noStrike" spc="-1">
-                <a:solidFill>
-                  <a:srgbClr val="1F4E79"/>
-                </a:solidFill>
-                <a:latin typeface="Arial"/>
-                <a:ea typeface="DejaVu Sans"/>
-              </a:rPr>
-              <a:t>Classes</a:t>
-            </a:r>
-            <a:r>
-              <a:rPr lang="pt-BR" sz="3200" b="0" strike="noStrike" spc="-1">
-                <a:solidFill>
-                  <a:srgbClr val="1F4E79"/>
-                </a:solidFill>
-                <a:latin typeface="Arial"/>
-                <a:ea typeface="DejaVu Sans"/>
-              </a:rPr>
-              <a:t>. Disponível em: </a:t>
-            </a:r>
-            <a:r>
-              <a:rPr lang="pt-BR" sz="3200" b="0" u="sng" strike="noStrike" spc="-1">
-                <a:solidFill>
-                  <a:srgbClr val="0563C1"/>
-                </a:solidFill>
-                <a:uFillTx/>
-                <a:latin typeface="Arial"/>
-                <a:ea typeface="DejaVu Sans"/>
-                <a:hlinkClick r:id="rId4"/>
-              </a:rPr>
-              <a:t>https://developer.mozilla.org/pt-BR/docs/Web/JavaScript/Reference/Classes</a:t>
-            </a:r>
-            <a:endParaRPr lang="pt-BR" sz="3200" b="0" strike="noStrike" spc="-1">
-              <a:latin typeface="Arial"/>
-            </a:endParaRPr>
-          </a:p>
-          <a:p>
-            <a:pPr marL="514440" indent="-513360">
+              <a:t>Componente Produto</a:t>
+            </a:r>
+            <a:endParaRPr lang="pt-BR" sz="5400" b="0" strike="noStrike" spc="-1" dirty="0">
+              <a:latin typeface="Arial"/>
+            </a:endParaRPr>
+          </a:p>
+        </p:txBody>
+      </p:sp>
+      <p:sp>
+        <p:nvSpPr>
+          <p:cNvPr id="99" name="CustomShape 2"/>
+          <p:cNvSpPr/>
+          <p:nvPr/>
+        </p:nvSpPr>
+        <p:spPr>
+          <a:xfrm>
+            <a:off x="317520" y="1290960"/>
+            <a:ext cx="11701440" cy="4347360"/>
+          </a:xfrm>
+          <a:prstGeom prst="rect">
+            <a:avLst/>
+          </a:prstGeom>
+          <a:noFill/>
+          <a:ln>
+            <a:noFill/>
+          </a:ln>
+        </p:spPr>
+        <p:style>
+          <a:lnRef idx="0">
+            <a:scrgbClr r="0" g="0" b="0"/>
+          </a:lnRef>
+          <a:fillRef idx="0">
+            <a:scrgbClr r="0" g="0" b="0"/>
+          </a:fillRef>
+          <a:effectRef idx="0">
+            <a:scrgbClr r="0" g="0" b="0"/>
+          </a:effectRef>
+          <a:fontRef idx="minor"/>
+        </p:style>
+        <p:txBody>
+          <a:bodyPr lIns="90000" tIns="45000" rIns="90000" bIns="45000">
+            <a:normAutofit/>
+          </a:bodyPr>
+          <a:lstStyle/>
+          <a:p>
+            <a:pPr algn="ctr">
               <a:lnSpc>
                 <a:spcPct val="100000"/>
               </a:lnSpc>
@@ -14848,70 +15371,21 @@
               <a:spcAft>
                 <a:spcPts val="1001"/>
               </a:spcAft>
-              <a:buClr>
-                <a:srgbClr val="1F4E79"/>
-              </a:buClr>
-              <a:buFont typeface="Calibri Light"/>
-              <a:buAutoNum type="arabicPeriod"/>
-            </a:pPr>
-            <a:r>
-              <a:rPr lang="pt-BR" sz="3200" b="0" strike="noStrike" spc="-1">
-                <a:solidFill>
-                  <a:srgbClr val="1F4E79"/>
-                </a:solidFill>
-                <a:latin typeface="Arial"/>
-                <a:ea typeface="DejaVu Sans"/>
-              </a:rPr>
-              <a:t>João Henrique. </a:t>
-            </a:r>
-            <a:r>
-              <a:rPr lang="pt-BR" sz="3200" b="1" strike="noStrike" spc="-1">
-                <a:solidFill>
-                  <a:srgbClr val="1F4E79"/>
-                </a:solidFill>
-                <a:latin typeface="Arial"/>
-                <a:ea typeface="DejaVu Sans"/>
-              </a:rPr>
-              <a:t>POO: o que é programação orientada a objetos?</a:t>
-            </a:r>
-            <a:r>
-              <a:rPr lang="pt-BR" sz="3200" b="0" strike="noStrike" spc="-1">
-                <a:solidFill>
-                  <a:srgbClr val="1F4E79"/>
-                </a:solidFill>
-                <a:latin typeface="Arial"/>
-                <a:ea typeface="DejaVu Sans"/>
-              </a:rPr>
-              <a:t> . Disponível em: </a:t>
-            </a:r>
-            <a:r>
-              <a:rPr lang="pt-BR" sz="3200" b="0" u="sng" strike="noStrike" spc="-1">
-                <a:solidFill>
-                  <a:srgbClr val="0563C1"/>
-                </a:solidFill>
-                <a:uFillTx/>
-                <a:latin typeface="Arial"/>
-                <a:ea typeface="DejaVu Sans"/>
-                <a:hlinkClick r:id="rId5"/>
-              </a:rPr>
-              <a:t>https://www.alura.com.br/artigos/poo-programacao-orientada-a-objetos</a:t>
-            </a:r>
-            <a:r>
-              <a:rPr lang="pt-BR" sz="3200" b="0" strike="noStrike" spc="-1">
-                <a:solidFill>
-                  <a:srgbClr val="1F4E79"/>
-                </a:solidFill>
-                <a:latin typeface="Arial"/>
-                <a:ea typeface="DejaVu Sans"/>
-              </a:rPr>
-              <a:t>.</a:t>
-            </a:r>
-            <a:endParaRPr lang="pt-BR" sz="3200" b="0" strike="noStrike" spc="-1">
-              <a:latin typeface="Arial"/>
-            </a:endParaRPr>
-          </a:p>
-          <a:p>
-            <a:pPr marL="514440" indent="-513360">
+              <a:tabLst>
+                <a:tab pos="0" algn="l"/>
+              </a:tabLst>
+            </a:pPr>
+            <a:r>
+              <a:rPr lang="pt-BR" sz="3200" spc="-1" dirty="0">
+                <a:solidFill>
+                  <a:srgbClr val="1F4E79"/>
+                </a:solidFill>
+              </a:rPr>
+              <a:t>Podemos definir um componente para exibir os dados de um produto.</a:t>
+            </a:r>
+          </a:p>
+          <a:p>
+            <a:pPr algn="ctr">
               <a:lnSpc>
                 <a:spcPct val="100000"/>
               </a:lnSpc>
@@ -14921,26 +15395,169 @@
               <a:spcAft>
                 <a:spcPts val="1001"/>
               </a:spcAft>
-              <a:buClr>
+              <a:tabLst>
+                <a:tab pos="0" algn="l"/>
+              </a:tabLst>
+            </a:pPr>
+            <a:r>
+              <a:rPr lang="pt-BR" sz="3200" spc="-1" dirty="0">
+                <a:solidFill>
+                  <a:srgbClr val="1F4E79"/>
+                </a:solidFill>
+              </a:rPr>
+              <a:t>Ele deve receber os dados de um produto e retorná-los em uma estrutura JSX formatada</a:t>
+            </a:r>
+            <a:r>
+              <a:rPr lang="pt-BR" sz="3200" spc="-1" dirty="0">
+                <a:solidFill>
+                  <a:srgbClr val="1F4E79"/>
+                </a:solidFill>
+                <a:hlinkClick r:id="rId3"/>
+              </a:rPr>
+              <a:t>*</a:t>
+            </a:r>
+            <a:r>
+              <a:rPr lang="pt-BR" sz="3200" spc="-1" dirty="0">
+                <a:solidFill>
+                  <a:srgbClr val="1F4E79"/>
+                </a:solidFill>
+              </a:rPr>
+              <a:t>.</a:t>
+            </a:r>
+            <a:endParaRPr lang="pt-BR" sz="3200" spc="-1" dirty="0">
+              <a:solidFill>
                 <a:srgbClr val="1F4E79"/>
-              </a:buClr>
-              <a:buFont typeface="Calibri Light"/>
-              <a:buAutoNum type="arabicPeriod"/>
-            </a:pPr>
-            <a:r>
-              <a:rPr lang="pt-BR" sz="3200" b="0" strike="noStrike" spc="-1">
+              </a:solidFill>
+              <a:latin typeface="Courier New" panose="02070309020205020404" pitchFamily="49" charset="0"/>
+              <a:cs typeface="Courier New" panose="02070309020205020404" pitchFamily="49" charset="0"/>
+            </a:endParaRPr>
+          </a:p>
+        </p:txBody>
+      </p:sp>
+    </p:spTree>
+    <p:extLst>
+      <p:ext uri="{BB962C8B-B14F-4D97-AF65-F5344CB8AC3E}">
+        <p14:creationId xmlns:p14="http://schemas.microsoft.com/office/powerpoint/2010/main" val="1864443447"/>
+      </p:ext>
+    </p:extLst>
+  </p:cSld>
+  <p:clrMapOvr>
+    <a:masterClrMapping/>
+  </p:clrMapOvr>
+</p:sld>
+</file>
+
+<file path=ppt/slides/slide29.xml><?xml version="1.0" encoding="utf-8"?>
+<p:sld xmlns:a="http://schemas.openxmlformats.org/drawingml/2006/main" xmlns:r="http://schemas.openxmlformats.org/officeDocument/2006/relationships" xmlns:p="http://schemas.openxmlformats.org/presentationml/2006/main">
+  <p:cSld>
+    <p:spTree>
+      <p:nvGrpSpPr>
+        <p:cNvPr id="1" name=""/>
+        <p:cNvGrpSpPr/>
+        <p:nvPr/>
+      </p:nvGrpSpPr>
+      <p:grpSpPr>
+        <a:xfrm>
+          <a:off x="0" y="0"/>
+          <a:ext cx="0" cy="0"/>
+          <a:chOff x="0" y="0"/>
+          <a:chExt cx="0" cy="0"/>
+        </a:xfrm>
+      </p:grpSpPr>
+      <p:sp>
+        <p:nvSpPr>
+          <p:cNvPr id="98" name="CustomShape 1"/>
+          <p:cNvSpPr/>
+          <p:nvPr/>
+        </p:nvSpPr>
+        <p:spPr>
+          <a:xfrm>
+            <a:off x="0" y="224280"/>
+            <a:ext cx="12019320" cy="854640"/>
+          </a:xfrm>
+          <a:prstGeom prst="rect">
+            <a:avLst/>
+          </a:prstGeom>
+          <a:noFill/>
+          <a:ln>
+            <a:noFill/>
+          </a:ln>
+        </p:spPr>
+        <p:style>
+          <a:lnRef idx="0">
+            <a:scrgbClr r="0" g="0" b="0"/>
+          </a:lnRef>
+          <a:fillRef idx="0">
+            <a:scrgbClr r="0" g="0" b="0"/>
+          </a:fillRef>
+          <a:effectRef idx="0">
+            <a:scrgbClr r="0" g="0" b="0"/>
+          </a:effectRef>
+          <a:fontRef idx="minor"/>
+        </p:style>
+        <p:txBody>
+          <a:bodyPr lIns="90000" tIns="45000" rIns="90000" bIns="45000" anchor="ctr">
+            <a:noAutofit/>
+          </a:bodyPr>
+          <a:lstStyle/>
+          <a:p>
+            <a:pPr algn="ctr">
+              <a:lnSpc>
+                <a:spcPct val="90000"/>
+              </a:lnSpc>
+            </a:pPr>
+            <a:r>
+              <a:rPr lang="pt-BR" sz="5400" b="0" strike="noStrike" spc="-1" dirty="0">
                 <a:solidFill>
                   <a:srgbClr val="1F4E79"/>
                 </a:solidFill>
                 <a:latin typeface="Arial"/>
                 <a:ea typeface="DejaVu Sans"/>
               </a:rPr>
-              <a:t>https://www.devmedia.com.br/os-4-pilares-da-programacao-orientada-a-objetos/9264</a:t>
-            </a:r>
-            <a:endParaRPr lang="pt-BR" sz="3200" b="0" strike="noStrike" spc="-1">
-              <a:latin typeface="Arial"/>
-            </a:endParaRPr>
-          </a:p>
+              <a:t>Componente Produto</a:t>
+            </a:r>
+            <a:endParaRPr lang="pt-BR" sz="5400" b="0" strike="noStrike" spc="-1" dirty="0">
+              <a:latin typeface="Arial"/>
+            </a:endParaRPr>
+          </a:p>
+        </p:txBody>
+      </p:sp>
+      <p:sp>
+        <p:nvSpPr>
+          <p:cNvPr id="99" name="CustomShape 2"/>
+          <p:cNvSpPr/>
+          <p:nvPr/>
+        </p:nvSpPr>
+        <p:spPr>
+          <a:xfrm>
+            <a:off x="317520" y="1290960"/>
+            <a:ext cx="11701440" cy="4347360"/>
+          </a:xfrm>
+          <a:prstGeom prst="rect">
+            <a:avLst/>
+          </a:prstGeom>
+          <a:noFill/>
+          <a:ln>
+            <a:noFill/>
+          </a:ln>
+        </p:spPr>
+        <p:style>
+          <a:lnRef idx="0">
+            <a:scrgbClr r="0" g="0" b="0"/>
+          </a:lnRef>
+          <a:fillRef idx="0">
+            <a:scrgbClr r="0" g="0" b="0"/>
+          </a:fillRef>
+          <a:effectRef idx="0">
+            <a:scrgbClr r="0" g="0" b="0"/>
+          </a:effectRef>
+          <a:fontRef idx="minor"/>
+        </p:style>
+        <p:txBody>
+          <a:bodyPr lIns="90000" tIns="45000" rIns="90000" bIns="45000">
+            <a:normAutofit fontScale="70000" lnSpcReduction="20000"/>
+          </a:bodyPr>
+          <a:lstStyle/>
           <a:p>
             <a:pPr>
               <a:lnSpc>
@@ -14952,14 +15569,541 @@
               <a:spcAft>
                 <a:spcPts val="1001"/>
               </a:spcAft>
-            </a:pPr>
-            <a:endParaRPr lang="pt-BR" sz="3200" b="0" strike="noStrike" spc="-1">
-              <a:latin typeface="Arial"/>
-            </a:endParaRPr>
+              <a:tabLst>
+                <a:tab pos="0" algn="l"/>
+              </a:tabLst>
+            </a:pPr>
+            <a:r>
+              <a:rPr lang="pt-BR" sz="3200" spc="-1" dirty="0" err="1">
+                <a:solidFill>
+                  <a:srgbClr val="1F4E79"/>
+                </a:solidFill>
+                <a:latin typeface="Courier New" panose="02070309020205020404" pitchFamily="49" charset="0"/>
+                <a:cs typeface="Courier New" panose="02070309020205020404" pitchFamily="49" charset="0"/>
+              </a:rPr>
+              <a:t>const</a:t>
+            </a:r>
+            <a:r>
+              <a:rPr lang="pt-BR" sz="3200" spc="-1" dirty="0">
+                <a:solidFill>
+                  <a:srgbClr val="1F4E79"/>
+                </a:solidFill>
+                <a:latin typeface="Courier New" panose="02070309020205020404" pitchFamily="49" charset="0"/>
+                <a:cs typeface="Courier New" panose="02070309020205020404" pitchFamily="49" charset="0"/>
+              </a:rPr>
+              <a:t> </a:t>
+            </a:r>
+            <a:r>
+              <a:rPr lang="pt-BR" sz="3200" spc="-1" dirty="0" err="1">
+                <a:solidFill>
+                  <a:srgbClr val="1F4E79"/>
+                </a:solidFill>
+                <a:latin typeface="Courier New" panose="02070309020205020404" pitchFamily="49" charset="0"/>
+                <a:cs typeface="Courier New" panose="02070309020205020404" pitchFamily="49" charset="0"/>
+              </a:rPr>
+              <a:t>ProductCard</a:t>
+            </a:r>
+            <a:r>
+              <a:rPr lang="pt-BR" sz="3200" spc="-1" dirty="0">
+                <a:solidFill>
+                  <a:srgbClr val="1F4E79"/>
+                </a:solidFill>
+                <a:latin typeface="Courier New" panose="02070309020205020404" pitchFamily="49" charset="0"/>
+                <a:cs typeface="Courier New" panose="02070309020205020404" pitchFamily="49" charset="0"/>
+              </a:rPr>
+              <a:t> = ({data}: </a:t>
+            </a:r>
+            <a:r>
+              <a:rPr lang="pt-BR" sz="3200" spc="-1" dirty="0" err="1">
+                <a:solidFill>
+                  <a:srgbClr val="1F4E79"/>
+                </a:solidFill>
+                <a:latin typeface="Courier New" panose="02070309020205020404" pitchFamily="49" charset="0"/>
+                <a:cs typeface="Courier New" panose="02070309020205020404" pitchFamily="49" charset="0"/>
+              </a:rPr>
+              <a:t>IProductCardProps</a:t>
+            </a:r>
+            <a:r>
+              <a:rPr lang="pt-BR" sz="3200" spc="-1" dirty="0">
+                <a:solidFill>
+                  <a:srgbClr val="1F4E79"/>
+                </a:solidFill>
+                <a:latin typeface="Courier New" panose="02070309020205020404" pitchFamily="49" charset="0"/>
+                <a:cs typeface="Courier New" panose="02070309020205020404" pitchFamily="49" charset="0"/>
+              </a:rPr>
+              <a:t>) =&gt; { </a:t>
+            </a:r>
+            <a:r>
+              <a:rPr lang="pt-BR" sz="3200" spc="-1" dirty="0" err="1">
+                <a:solidFill>
+                  <a:srgbClr val="1F4E79"/>
+                </a:solidFill>
+                <a:latin typeface="Courier New" panose="02070309020205020404" pitchFamily="49" charset="0"/>
+                <a:cs typeface="Courier New" panose="02070309020205020404" pitchFamily="49" charset="0"/>
+              </a:rPr>
+              <a:t>return</a:t>
+            </a:r>
+            <a:r>
+              <a:rPr lang="pt-BR" sz="3200" spc="-1" dirty="0">
+                <a:solidFill>
+                  <a:srgbClr val="1F4E79"/>
+                </a:solidFill>
+                <a:latin typeface="Courier New" panose="02070309020205020404" pitchFamily="49" charset="0"/>
+                <a:cs typeface="Courier New" panose="02070309020205020404" pitchFamily="49" charset="0"/>
+              </a:rPr>
+              <a:t> ( &lt;</a:t>
+            </a:r>
+            <a:r>
+              <a:rPr lang="pt-BR" sz="3200" spc="-1" dirty="0" err="1">
+                <a:solidFill>
+                  <a:srgbClr val="1F4E79"/>
+                </a:solidFill>
+                <a:latin typeface="Courier New" panose="02070309020205020404" pitchFamily="49" charset="0"/>
+                <a:cs typeface="Courier New" panose="02070309020205020404" pitchFamily="49" charset="0"/>
+              </a:rPr>
+              <a:t>div</a:t>
+            </a:r>
+            <a:r>
+              <a:rPr lang="pt-BR" sz="3200" spc="-1" dirty="0">
+                <a:solidFill>
+                  <a:srgbClr val="1F4E79"/>
+                </a:solidFill>
+                <a:latin typeface="Courier New" panose="02070309020205020404" pitchFamily="49" charset="0"/>
+                <a:cs typeface="Courier New" panose="02070309020205020404" pitchFamily="49" charset="0"/>
+              </a:rPr>
+              <a:t>&gt;</a:t>
+            </a:r>
+          </a:p>
+          <a:p>
+            <a:pPr>
+              <a:lnSpc>
+                <a:spcPct val="100000"/>
+              </a:lnSpc>
+              <a:spcBef>
+                <a:spcPts val="1001"/>
+              </a:spcBef>
+              <a:spcAft>
+                <a:spcPts val="1001"/>
+              </a:spcAft>
+              <a:tabLst>
+                <a:tab pos="0" algn="l"/>
+              </a:tabLst>
+            </a:pPr>
+            <a:r>
+              <a:rPr lang="pt-BR" sz="3200" spc="-1" dirty="0">
+                <a:solidFill>
+                  <a:srgbClr val="1F4E79"/>
+                </a:solidFill>
+                <a:latin typeface="Courier New" panose="02070309020205020404" pitchFamily="49" charset="0"/>
+                <a:cs typeface="Courier New" panose="02070309020205020404" pitchFamily="49" charset="0"/>
+              </a:rPr>
+              <a:t>		&lt;</a:t>
+            </a:r>
+            <a:r>
+              <a:rPr lang="pt-BR" sz="3200" spc="-1" dirty="0" err="1">
+                <a:solidFill>
+                  <a:srgbClr val="1F4E79"/>
+                </a:solidFill>
+                <a:latin typeface="Courier New" panose="02070309020205020404" pitchFamily="49" charset="0"/>
+                <a:cs typeface="Courier New" panose="02070309020205020404" pitchFamily="49" charset="0"/>
+              </a:rPr>
+              <a:t>img</a:t>
+            </a:r>
+            <a:r>
+              <a:rPr lang="pt-BR" sz="3200" spc="-1" dirty="0">
+                <a:solidFill>
+                  <a:srgbClr val="1F4E79"/>
+                </a:solidFill>
+                <a:latin typeface="Courier New" panose="02070309020205020404" pitchFamily="49" charset="0"/>
+                <a:cs typeface="Courier New" panose="02070309020205020404" pitchFamily="49" charset="0"/>
+              </a:rPr>
+              <a:t> </a:t>
+            </a:r>
+            <a:r>
+              <a:rPr lang="pt-BR" sz="3200" spc="-1" dirty="0" err="1">
+                <a:solidFill>
+                  <a:srgbClr val="1F4E79"/>
+                </a:solidFill>
+                <a:latin typeface="Courier New" panose="02070309020205020404" pitchFamily="49" charset="0"/>
+                <a:cs typeface="Courier New" panose="02070309020205020404" pitchFamily="49" charset="0"/>
+              </a:rPr>
+              <a:t>alt</a:t>
+            </a:r>
+            <a:r>
+              <a:rPr lang="pt-BR" sz="3200" spc="-1" dirty="0">
+                <a:solidFill>
+                  <a:srgbClr val="1F4E79"/>
+                </a:solidFill>
+                <a:latin typeface="Courier New" panose="02070309020205020404" pitchFamily="49" charset="0"/>
+                <a:cs typeface="Courier New" panose="02070309020205020404" pitchFamily="49" charset="0"/>
+              </a:rPr>
+              <a:t>={</a:t>
+            </a:r>
+            <a:r>
+              <a:rPr lang="pt-BR" sz="3200" spc="-1" dirty="0" err="1">
+                <a:solidFill>
+                  <a:srgbClr val="1F4E79"/>
+                </a:solidFill>
+                <a:latin typeface="Courier New" panose="02070309020205020404" pitchFamily="49" charset="0"/>
+                <a:cs typeface="Courier New" panose="02070309020205020404" pitchFamily="49" charset="0"/>
+              </a:rPr>
+              <a:t>data.Title</a:t>
+            </a:r>
+            <a:r>
+              <a:rPr lang="pt-BR" sz="3200" spc="-1" dirty="0">
+                <a:solidFill>
+                  <a:srgbClr val="1F4E79"/>
+                </a:solidFill>
+                <a:latin typeface="Courier New" panose="02070309020205020404" pitchFamily="49" charset="0"/>
+                <a:cs typeface="Courier New" panose="02070309020205020404" pitchFamily="49" charset="0"/>
+              </a:rPr>
+              <a:t>} </a:t>
+            </a:r>
+            <a:r>
+              <a:rPr lang="pt-BR" sz="3200" spc="-1" dirty="0" err="1">
+                <a:solidFill>
+                  <a:srgbClr val="1F4E79"/>
+                </a:solidFill>
+                <a:latin typeface="Courier New" panose="02070309020205020404" pitchFamily="49" charset="0"/>
+                <a:cs typeface="Courier New" panose="02070309020205020404" pitchFamily="49" charset="0"/>
+              </a:rPr>
+              <a:t>src</a:t>
+            </a:r>
+            <a:r>
+              <a:rPr lang="pt-BR" sz="3200" spc="-1" dirty="0">
+                <a:solidFill>
+                  <a:srgbClr val="1F4E79"/>
+                </a:solidFill>
+                <a:latin typeface="Courier New" panose="02070309020205020404" pitchFamily="49" charset="0"/>
+                <a:cs typeface="Courier New" panose="02070309020205020404" pitchFamily="49" charset="0"/>
+              </a:rPr>
+              <a:t>={</a:t>
+            </a:r>
+            <a:r>
+              <a:rPr lang="pt-BR" sz="3200" spc="-1" dirty="0" err="1">
+                <a:solidFill>
+                  <a:srgbClr val="1F4E79"/>
+                </a:solidFill>
+                <a:latin typeface="Courier New" panose="02070309020205020404" pitchFamily="49" charset="0"/>
+                <a:cs typeface="Courier New" panose="02070309020205020404" pitchFamily="49" charset="0"/>
+              </a:rPr>
+              <a:t>data.Poster</a:t>
+            </a:r>
+            <a:r>
+              <a:rPr lang="pt-BR" sz="3200" spc="-1" dirty="0">
+                <a:solidFill>
+                  <a:srgbClr val="1F4E79"/>
+                </a:solidFill>
+                <a:latin typeface="Courier New" panose="02070309020205020404" pitchFamily="49" charset="0"/>
+                <a:cs typeface="Courier New" panose="02070309020205020404" pitchFamily="49" charset="0"/>
+              </a:rPr>
+              <a:t>} /&gt;</a:t>
+            </a:r>
+          </a:p>
+          <a:p>
+            <a:pPr>
+              <a:lnSpc>
+                <a:spcPct val="100000"/>
+              </a:lnSpc>
+              <a:spcBef>
+                <a:spcPts val="1001"/>
+              </a:spcBef>
+              <a:spcAft>
+                <a:spcPts val="1001"/>
+              </a:spcAft>
+              <a:tabLst>
+                <a:tab pos="0" algn="l"/>
+              </a:tabLst>
+            </a:pPr>
+            <a:r>
+              <a:rPr lang="pt-BR" sz="3200" spc="-1" dirty="0">
+                <a:solidFill>
+                  <a:srgbClr val="1F4E79"/>
+                </a:solidFill>
+                <a:latin typeface="Courier New" panose="02070309020205020404" pitchFamily="49" charset="0"/>
+                <a:cs typeface="Courier New" panose="02070309020205020404" pitchFamily="49" charset="0"/>
+              </a:rPr>
+              <a:t>		&lt;</a:t>
+            </a:r>
+            <a:r>
+              <a:rPr lang="pt-BR" sz="3200" spc="-1" dirty="0" err="1">
+                <a:solidFill>
+                  <a:srgbClr val="1F4E79"/>
+                </a:solidFill>
+                <a:latin typeface="Courier New" panose="02070309020205020404" pitchFamily="49" charset="0"/>
+                <a:cs typeface="Courier New" panose="02070309020205020404" pitchFamily="49" charset="0"/>
+              </a:rPr>
+              <a:t>div</a:t>
+            </a:r>
+            <a:r>
+              <a:rPr lang="pt-BR" sz="3200" spc="-1" dirty="0">
+                <a:solidFill>
+                  <a:srgbClr val="1F4E79"/>
+                </a:solidFill>
+                <a:latin typeface="Courier New" panose="02070309020205020404" pitchFamily="49" charset="0"/>
+                <a:cs typeface="Courier New" panose="02070309020205020404" pitchFamily="49" charset="0"/>
+              </a:rPr>
+              <a:t>&gt;</a:t>
+            </a:r>
+          </a:p>
+          <a:p>
+            <a:pPr>
+              <a:lnSpc>
+                <a:spcPct val="100000"/>
+              </a:lnSpc>
+              <a:spcBef>
+                <a:spcPts val="1001"/>
+              </a:spcBef>
+              <a:spcAft>
+                <a:spcPts val="1001"/>
+              </a:spcAft>
+              <a:tabLst>
+                <a:tab pos="0" algn="l"/>
+              </a:tabLst>
+            </a:pPr>
+            <a:r>
+              <a:rPr lang="pt-BR" sz="3200" spc="-1" dirty="0">
+                <a:solidFill>
+                  <a:srgbClr val="1F4E79"/>
+                </a:solidFill>
+                <a:latin typeface="Courier New" panose="02070309020205020404" pitchFamily="49" charset="0"/>
+                <a:cs typeface="Courier New" panose="02070309020205020404" pitchFamily="49" charset="0"/>
+              </a:rPr>
+              <a:t>			&lt;h1&gt;{</a:t>
+            </a:r>
+            <a:r>
+              <a:rPr lang="pt-BR" sz="3200" spc="-1" dirty="0" err="1">
+                <a:solidFill>
+                  <a:srgbClr val="1F4E79"/>
+                </a:solidFill>
+                <a:latin typeface="Courier New" panose="02070309020205020404" pitchFamily="49" charset="0"/>
+                <a:cs typeface="Courier New" panose="02070309020205020404" pitchFamily="49" charset="0"/>
+              </a:rPr>
+              <a:t>data.Title</a:t>
+            </a:r>
+            <a:r>
+              <a:rPr lang="pt-BR" sz="3200" spc="-1" dirty="0">
+                <a:solidFill>
+                  <a:srgbClr val="1F4E79"/>
+                </a:solidFill>
+                <a:latin typeface="Courier New" panose="02070309020205020404" pitchFamily="49" charset="0"/>
+                <a:cs typeface="Courier New" panose="02070309020205020404" pitchFamily="49" charset="0"/>
+              </a:rPr>
+              <a:t>}&lt;/h1&gt;</a:t>
+            </a:r>
+          </a:p>
+          <a:p>
+            <a:pPr>
+              <a:lnSpc>
+                <a:spcPct val="100000"/>
+              </a:lnSpc>
+              <a:spcBef>
+                <a:spcPts val="1001"/>
+              </a:spcBef>
+              <a:spcAft>
+                <a:spcPts val="1001"/>
+              </a:spcAft>
+              <a:tabLst>
+                <a:tab pos="0" algn="l"/>
+              </a:tabLst>
+            </a:pPr>
+            <a:r>
+              <a:rPr lang="pt-BR" sz="3200" spc="-1" dirty="0">
+                <a:solidFill>
+                  <a:srgbClr val="1F4E79"/>
+                </a:solidFill>
+                <a:latin typeface="Courier New" panose="02070309020205020404" pitchFamily="49" charset="0"/>
+                <a:cs typeface="Courier New" panose="02070309020205020404" pitchFamily="49" charset="0"/>
+              </a:rPr>
+              <a:t>           &lt;h2&gt;{</a:t>
+            </a:r>
+            <a:r>
+              <a:rPr lang="pt-BR" sz="3200" spc="-1" dirty="0" err="1">
+                <a:solidFill>
+                  <a:srgbClr val="1F4E79"/>
+                </a:solidFill>
+                <a:latin typeface="Courier New" panose="02070309020205020404" pitchFamily="49" charset="0"/>
+                <a:cs typeface="Courier New" panose="02070309020205020404" pitchFamily="49" charset="0"/>
+              </a:rPr>
+              <a:t>data.Year</a:t>
+            </a:r>
+            <a:r>
+              <a:rPr lang="pt-BR" sz="3200" spc="-1" dirty="0">
+                <a:solidFill>
+                  <a:srgbClr val="1F4E79"/>
+                </a:solidFill>
+                <a:latin typeface="Courier New" panose="02070309020205020404" pitchFamily="49" charset="0"/>
+                <a:cs typeface="Courier New" panose="02070309020205020404" pitchFamily="49" charset="0"/>
+              </a:rPr>
+              <a:t>} [{</a:t>
+            </a:r>
+            <a:r>
+              <a:rPr lang="pt-BR" sz="3200" spc="-1" dirty="0" err="1">
+                <a:solidFill>
+                  <a:srgbClr val="1F4E79"/>
+                </a:solidFill>
+                <a:latin typeface="Courier New" panose="02070309020205020404" pitchFamily="49" charset="0"/>
+                <a:cs typeface="Courier New" panose="02070309020205020404" pitchFamily="49" charset="0"/>
+              </a:rPr>
+              <a:t>data.imdbID</a:t>
+            </a:r>
+            <a:r>
+              <a:rPr lang="pt-BR" sz="3200" spc="-1" dirty="0">
+                <a:solidFill>
+                  <a:srgbClr val="1F4E79"/>
+                </a:solidFill>
+                <a:latin typeface="Courier New" panose="02070309020205020404" pitchFamily="49" charset="0"/>
+                <a:cs typeface="Courier New" panose="02070309020205020404" pitchFamily="49" charset="0"/>
+              </a:rPr>
+              <a:t>}]&lt;/h2&gt;</a:t>
+            </a:r>
+          </a:p>
+          <a:p>
+            <a:pPr>
+              <a:lnSpc>
+                <a:spcPct val="100000"/>
+              </a:lnSpc>
+              <a:spcBef>
+                <a:spcPts val="1001"/>
+              </a:spcBef>
+              <a:spcAft>
+                <a:spcPts val="1001"/>
+              </a:spcAft>
+              <a:tabLst>
+                <a:tab pos="0" algn="l"/>
+              </a:tabLst>
+            </a:pPr>
+            <a:r>
+              <a:rPr lang="pt-BR" sz="3200" spc="-1" dirty="0">
+                <a:solidFill>
+                  <a:srgbClr val="1F4E79"/>
+                </a:solidFill>
+                <a:latin typeface="Courier New" panose="02070309020205020404" pitchFamily="49" charset="0"/>
+                <a:cs typeface="Courier New" panose="02070309020205020404" pitchFamily="49" charset="0"/>
+              </a:rPr>
+              <a:t>           &lt;h3&gt;{</a:t>
+            </a:r>
+            <a:r>
+              <a:rPr lang="pt-BR" sz="3200" spc="-1" dirty="0" err="1">
+                <a:solidFill>
+                  <a:srgbClr val="1F4E79"/>
+                </a:solidFill>
+                <a:latin typeface="Courier New" panose="02070309020205020404" pitchFamily="49" charset="0"/>
+                <a:cs typeface="Courier New" panose="02070309020205020404" pitchFamily="49" charset="0"/>
+              </a:rPr>
+              <a:t>data.Type</a:t>
+            </a:r>
+            <a:r>
+              <a:rPr lang="pt-BR" sz="3200" spc="-1" dirty="0">
+                <a:solidFill>
+                  <a:srgbClr val="1F4E79"/>
+                </a:solidFill>
+                <a:latin typeface="Courier New" panose="02070309020205020404" pitchFamily="49" charset="0"/>
+                <a:cs typeface="Courier New" panose="02070309020205020404" pitchFamily="49" charset="0"/>
+              </a:rPr>
+              <a:t>}&lt;/h3&gt;</a:t>
+            </a:r>
+          </a:p>
+          <a:p>
+            <a:pPr>
+              <a:lnSpc>
+                <a:spcPct val="100000"/>
+              </a:lnSpc>
+              <a:spcBef>
+                <a:spcPts val="1001"/>
+              </a:spcBef>
+              <a:spcAft>
+                <a:spcPts val="1001"/>
+              </a:spcAft>
+              <a:tabLst>
+                <a:tab pos="0" algn="l"/>
+              </a:tabLst>
+            </a:pPr>
+            <a:r>
+              <a:rPr lang="pt-BR" sz="3200" spc="-1" dirty="0">
+                <a:solidFill>
+                  <a:srgbClr val="1F4E79"/>
+                </a:solidFill>
+                <a:latin typeface="Courier New" panose="02070309020205020404" pitchFamily="49" charset="0"/>
+                <a:cs typeface="Courier New" panose="02070309020205020404" pitchFamily="49" charset="0"/>
+              </a:rPr>
+              <a:t>		&lt;/</a:t>
+            </a:r>
+            <a:r>
+              <a:rPr lang="pt-BR" sz="3200" spc="-1" dirty="0" err="1">
+                <a:solidFill>
+                  <a:srgbClr val="1F4E79"/>
+                </a:solidFill>
+                <a:latin typeface="Courier New" panose="02070309020205020404" pitchFamily="49" charset="0"/>
+                <a:cs typeface="Courier New" panose="02070309020205020404" pitchFamily="49" charset="0"/>
+              </a:rPr>
+              <a:t>div</a:t>
+            </a:r>
+            <a:r>
+              <a:rPr lang="pt-BR" sz="3200" spc="-1" dirty="0">
+                <a:solidFill>
+                  <a:srgbClr val="1F4E79"/>
+                </a:solidFill>
+                <a:latin typeface="Courier New" panose="02070309020205020404" pitchFamily="49" charset="0"/>
+                <a:cs typeface="Courier New" panose="02070309020205020404" pitchFamily="49" charset="0"/>
+              </a:rPr>
+              <a:t>&gt;</a:t>
+            </a:r>
+          </a:p>
+          <a:p>
+            <a:pPr>
+              <a:lnSpc>
+                <a:spcPct val="100000"/>
+              </a:lnSpc>
+              <a:spcBef>
+                <a:spcPts val="1001"/>
+              </a:spcBef>
+              <a:spcAft>
+                <a:spcPts val="1001"/>
+              </a:spcAft>
+              <a:tabLst>
+                <a:tab pos="0" algn="l"/>
+              </a:tabLst>
+            </a:pPr>
+            <a:r>
+              <a:rPr lang="pt-BR" sz="3200" spc="-1" dirty="0">
+                <a:solidFill>
+                  <a:srgbClr val="1F4E79"/>
+                </a:solidFill>
+                <a:latin typeface="Courier New" panose="02070309020205020404" pitchFamily="49" charset="0"/>
+                <a:cs typeface="Courier New" panose="02070309020205020404" pitchFamily="49" charset="0"/>
+              </a:rPr>
+              <a:t>&lt;/</a:t>
+            </a:r>
+            <a:r>
+              <a:rPr lang="pt-BR" sz="3200" spc="-1" dirty="0" err="1">
+                <a:solidFill>
+                  <a:srgbClr val="1F4E79"/>
+                </a:solidFill>
+                <a:latin typeface="Courier New" panose="02070309020205020404" pitchFamily="49" charset="0"/>
+                <a:cs typeface="Courier New" panose="02070309020205020404" pitchFamily="49" charset="0"/>
+              </a:rPr>
+              <a:t>div</a:t>
+            </a:r>
+            <a:r>
+              <a:rPr lang="pt-BR" sz="3200" spc="-1" dirty="0">
+                <a:solidFill>
+                  <a:srgbClr val="1F4E79"/>
+                </a:solidFill>
+                <a:latin typeface="Courier New" panose="02070309020205020404" pitchFamily="49" charset="0"/>
+                <a:cs typeface="Courier New" panose="02070309020205020404" pitchFamily="49" charset="0"/>
+              </a:rPr>
+              <a:t>&gt; );}</a:t>
+            </a:r>
           </a:p>
         </p:txBody>
       </p:sp>
     </p:spTree>
+    <p:extLst>
+      <p:ext uri="{BB962C8B-B14F-4D97-AF65-F5344CB8AC3E}">
+        <p14:creationId xmlns:p14="http://schemas.microsoft.com/office/powerpoint/2010/main" val="2933359508"/>
+      </p:ext>
+    </p:extLst>
   </p:cSld>
   <p:clrMapOvr>
     <a:masterClrMapping/>
@@ -15132,6 +16276,373 @@
               </a:rPr>
               <a:t>São trechos de código reutilizáveis.</a:t>
             </a:r>
+            <a:endParaRPr lang="pt-BR" sz="3200" b="0" strike="noStrike" spc="-1">
+              <a:latin typeface="Arial"/>
+            </a:endParaRPr>
+          </a:p>
+        </p:txBody>
+      </p:sp>
+    </p:spTree>
+  </p:cSld>
+  <p:clrMapOvr>
+    <a:masterClrMapping/>
+  </p:clrMapOvr>
+</p:sld>
+</file>
+
+<file path=ppt/slides/slide30.xml><?xml version="1.0" encoding="utf-8"?>
+<p:sld xmlns:a="http://schemas.openxmlformats.org/drawingml/2006/main" xmlns:r="http://schemas.openxmlformats.org/officeDocument/2006/relationships" xmlns:p="http://schemas.openxmlformats.org/presentationml/2006/main">
+  <p:cSld>
+    <p:spTree>
+      <p:nvGrpSpPr>
+        <p:cNvPr id="1" name=""/>
+        <p:cNvGrpSpPr/>
+        <p:nvPr/>
+      </p:nvGrpSpPr>
+      <p:grpSpPr>
+        <a:xfrm>
+          <a:off x="0" y="0"/>
+          <a:ext cx="0" cy="0"/>
+          <a:chOff x="0" y="0"/>
+          <a:chExt cx="0" cy="0"/>
+        </a:xfrm>
+      </p:grpSpPr>
+      <p:sp>
+        <p:nvSpPr>
+          <p:cNvPr id="104" name="CustomShape 1"/>
+          <p:cNvSpPr/>
+          <p:nvPr/>
+        </p:nvSpPr>
+        <p:spPr>
+          <a:xfrm>
+            <a:off x="0" y="224280"/>
+            <a:ext cx="12022200" cy="857520"/>
+          </a:xfrm>
+          <a:prstGeom prst="rect">
+            <a:avLst/>
+          </a:prstGeom>
+          <a:noFill/>
+          <a:ln>
+            <a:noFill/>
+          </a:ln>
+        </p:spPr>
+        <p:style>
+          <a:lnRef idx="0">
+            <a:scrgbClr r="0" g="0" b="0"/>
+          </a:lnRef>
+          <a:fillRef idx="0">
+            <a:scrgbClr r="0" g="0" b="0"/>
+          </a:fillRef>
+          <a:effectRef idx="0">
+            <a:scrgbClr r="0" g="0" b="0"/>
+          </a:effectRef>
+          <a:fontRef idx="minor"/>
+        </p:style>
+        <p:txBody>
+          <a:bodyPr lIns="90000" tIns="45000" rIns="90000" bIns="45000" anchor="ctr">
+            <a:noAutofit/>
+          </a:bodyPr>
+          <a:lstStyle/>
+          <a:p>
+            <a:pPr algn="ctr">
+              <a:lnSpc>
+                <a:spcPct val="90000"/>
+              </a:lnSpc>
+            </a:pPr>
+            <a:r>
+              <a:rPr lang="pt-BR" sz="5400" b="0" strike="noStrike" spc="-1">
+                <a:solidFill>
+                  <a:srgbClr val="1F4E79"/>
+                </a:solidFill>
+                <a:latin typeface="Arial"/>
+                <a:ea typeface="DejaVu Sans"/>
+              </a:rPr>
+              <a:t>Referências</a:t>
+            </a:r>
+            <a:endParaRPr lang="pt-BR" sz="5400" b="0" strike="noStrike" spc="-1">
+              <a:latin typeface="Arial"/>
+            </a:endParaRPr>
+          </a:p>
+        </p:txBody>
+      </p:sp>
+      <p:sp>
+        <p:nvSpPr>
+          <p:cNvPr id="105" name="CustomShape 2"/>
+          <p:cNvSpPr/>
+          <p:nvPr/>
+        </p:nvSpPr>
+        <p:spPr>
+          <a:xfrm>
+            <a:off x="317520" y="1290960"/>
+            <a:ext cx="11704320" cy="4350240"/>
+          </a:xfrm>
+          <a:prstGeom prst="rect">
+            <a:avLst/>
+          </a:prstGeom>
+          <a:noFill/>
+          <a:ln>
+            <a:noFill/>
+          </a:ln>
+        </p:spPr>
+        <p:style>
+          <a:lnRef idx="0">
+            <a:scrgbClr r="0" g="0" b="0"/>
+          </a:lnRef>
+          <a:fillRef idx="0">
+            <a:scrgbClr r="0" g="0" b="0"/>
+          </a:fillRef>
+          <a:effectRef idx="0">
+            <a:scrgbClr r="0" g="0" b="0"/>
+          </a:effectRef>
+          <a:fontRef idx="minor"/>
+        </p:style>
+        <p:txBody>
+          <a:bodyPr lIns="90000" tIns="45000" rIns="90000" bIns="45000">
+            <a:normAutofit fontScale="75500" lnSpcReduction="20000"/>
+          </a:bodyPr>
+          <a:lstStyle/>
+          <a:p>
+            <a:pPr marL="514440" indent="-513360">
+              <a:lnSpc>
+                <a:spcPct val="100000"/>
+              </a:lnSpc>
+              <a:spcBef>
+                <a:spcPts val="1001"/>
+              </a:spcBef>
+              <a:spcAft>
+                <a:spcPts val="1001"/>
+              </a:spcAft>
+              <a:buClr>
+                <a:srgbClr val="1F4E79"/>
+              </a:buClr>
+              <a:buFont typeface="Calibri Light"/>
+              <a:buAutoNum type="arabicPeriod"/>
+            </a:pPr>
+            <a:r>
+              <a:rPr lang="pt-BR" sz="3200" b="0" strike="noStrike" spc="-1">
+                <a:solidFill>
+                  <a:srgbClr val="1F4E79"/>
+                </a:solidFill>
+                <a:latin typeface="Arial"/>
+                <a:ea typeface="DejaVu Sans"/>
+              </a:rPr>
+              <a:t>MDN web docs. </a:t>
+            </a:r>
+            <a:r>
+              <a:rPr lang="pt-BR" sz="3200" b="1" strike="noStrike" spc="-1">
+                <a:solidFill>
+                  <a:srgbClr val="1F4E79"/>
+                </a:solidFill>
+                <a:latin typeface="Arial"/>
+                <a:ea typeface="DejaVu Sans"/>
+              </a:rPr>
+              <a:t>Introduction to the DOM</a:t>
+            </a:r>
+            <a:r>
+              <a:rPr lang="pt-BR" sz="3200" b="0" strike="noStrike" spc="-1">
+                <a:solidFill>
+                  <a:srgbClr val="1F4E79"/>
+                </a:solidFill>
+                <a:latin typeface="Arial"/>
+                <a:ea typeface="DejaVu Sans"/>
+              </a:rPr>
+              <a:t>. In: Document Object Model. Disponível em: </a:t>
+            </a:r>
+            <a:r>
+              <a:rPr lang="pt-BR" sz="3200" b="0" u="sng" strike="noStrike" spc="-1">
+                <a:solidFill>
+                  <a:srgbClr val="0563C1"/>
+                </a:solidFill>
+                <a:uFillTx/>
+                <a:latin typeface="Arial"/>
+                <a:ea typeface="DejaVu Sans"/>
+                <a:hlinkClick r:id="rId3"/>
+              </a:rPr>
+              <a:t>https://developer.mozilla.org/en-US/docs/Web/API/Document_Object_Model/Introduction</a:t>
+            </a:r>
+            <a:endParaRPr lang="pt-BR" sz="3200" b="0" strike="noStrike" spc="-1">
+              <a:latin typeface="Arial"/>
+            </a:endParaRPr>
+          </a:p>
+          <a:p>
+            <a:pPr marL="514440" indent="-513360">
+              <a:lnSpc>
+                <a:spcPct val="100000"/>
+              </a:lnSpc>
+              <a:spcBef>
+                <a:spcPts val="1001"/>
+              </a:spcBef>
+              <a:spcAft>
+                <a:spcPts val="1001"/>
+              </a:spcAft>
+              <a:buClr>
+                <a:srgbClr val="1F4E79"/>
+              </a:buClr>
+              <a:buFont typeface="Calibri Light"/>
+              <a:buAutoNum type="arabicPeriod"/>
+            </a:pPr>
+            <a:r>
+              <a:rPr lang="pt-BR" sz="3200" b="0" strike="noStrike" spc="-1">
+                <a:solidFill>
+                  <a:srgbClr val="1F4E79"/>
+                </a:solidFill>
+                <a:latin typeface="Arial"/>
+                <a:ea typeface="DejaVu Sans"/>
+              </a:rPr>
+              <a:t>MDN web docs. </a:t>
+            </a:r>
+            <a:r>
+              <a:rPr lang="pt-BR" sz="3200" b="1" strike="noStrike" spc="-1">
+                <a:solidFill>
+                  <a:srgbClr val="1F4E79"/>
+                </a:solidFill>
+                <a:latin typeface="Arial"/>
+                <a:ea typeface="DejaVu Sans"/>
+              </a:rPr>
+              <a:t>Classes</a:t>
+            </a:r>
+            <a:r>
+              <a:rPr lang="pt-BR" sz="3200" b="0" strike="noStrike" spc="-1">
+                <a:solidFill>
+                  <a:srgbClr val="1F4E79"/>
+                </a:solidFill>
+                <a:latin typeface="Arial"/>
+                <a:ea typeface="DejaVu Sans"/>
+              </a:rPr>
+              <a:t>. Disponível em: </a:t>
+            </a:r>
+            <a:r>
+              <a:rPr lang="pt-BR" sz="3200" b="0" u="sng" strike="noStrike" spc="-1">
+                <a:solidFill>
+                  <a:srgbClr val="0563C1"/>
+                </a:solidFill>
+                <a:uFillTx/>
+                <a:latin typeface="Arial"/>
+                <a:ea typeface="DejaVu Sans"/>
+                <a:hlinkClick r:id="rId4"/>
+              </a:rPr>
+              <a:t>https://developer.mozilla.org/pt-BR/docs/Web/JavaScript/Reference/Classes</a:t>
+            </a:r>
+            <a:endParaRPr lang="pt-BR" sz="3200" b="0" strike="noStrike" spc="-1">
+              <a:latin typeface="Arial"/>
+            </a:endParaRPr>
+          </a:p>
+          <a:p>
+            <a:pPr marL="514440" indent="-513360">
+              <a:lnSpc>
+                <a:spcPct val="100000"/>
+              </a:lnSpc>
+              <a:spcBef>
+                <a:spcPts val="1001"/>
+              </a:spcBef>
+              <a:spcAft>
+                <a:spcPts val="1001"/>
+              </a:spcAft>
+              <a:buClr>
+                <a:srgbClr val="1F4E79"/>
+              </a:buClr>
+              <a:buFont typeface="Calibri Light"/>
+              <a:buAutoNum type="arabicPeriod"/>
+            </a:pPr>
+            <a:r>
+              <a:rPr lang="pt-BR" sz="3200" b="0" strike="noStrike" spc="-1">
+                <a:solidFill>
+                  <a:srgbClr val="1F4E79"/>
+                </a:solidFill>
+                <a:latin typeface="Arial"/>
+                <a:ea typeface="DejaVu Sans"/>
+              </a:rPr>
+              <a:t>João Henrique. </a:t>
+            </a:r>
+            <a:r>
+              <a:rPr lang="pt-BR" sz="3200" b="1" strike="noStrike" spc="-1">
+                <a:solidFill>
+                  <a:srgbClr val="1F4E79"/>
+                </a:solidFill>
+                <a:latin typeface="Arial"/>
+                <a:ea typeface="DejaVu Sans"/>
+              </a:rPr>
+              <a:t>POO: o que é programação orientada a objetos?</a:t>
+            </a:r>
+            <a:r>
+              <a:rPr lang="pt-BR" sz="3200" b="0" strike="noStrike" spc="-1">
+                <a:solidFill>
+                  <a:srgbClr val="1F4E79"/>
+                </a:solidFill>
+                <a:latin typeface="Arial"/>
+                <a:ea typeface="DejaVu Sans"/>
+              </a:rPr>
+              <a:t> . Disponível em: </a:t>
+            </a:r>
+            <a:r>
+              <a:rPr lang="pt-BR" sz="3200" b="0" u="sng" strike="noStrike" spc="-1">
+                <a:solidFill>
+                  <a:srgbClr val="0563C1"/>
+                </a:solidFill>
+                <a:uFillTx/>
+                <a:latin typeface="Arial"/>
+                <a:ea typeface="DejaVu Sans"/>
+                <a:hlinkClick r:id="rId5"/>
+              </a:rPr>
+              <a:t>https://www.alura.com.br/artigos/poo-programacao-orientada-a-objetos</a:t>
+            </a:r>
+            <a:r>
+              <a:rPr lang="pt-BR" sz="3200" b="0" strike="noStrike" spc="-1">
+                <a:solidFill>
+                  <a:srgbClr val="1F4E79"/>
+                </a:solidFill>
+                <a:latin typeface="Arial"/>
+                <a:ea typeface="DejaVu Sans"/>
+              </a:rPr>
+              <a:t>.</a:t>
+            </a:r>
+            <a:endParaRPr lang="pt-BR" sz="3200" b="0" strike="noStrike" spc="-1">
+              <a:latin typeface="Arial"/>
+            </a:endParaRPr>
+          </a:p>
+          <a:p>
+            <a:pPr marL="514440" indent="-513360">
+              <a:lnSpc>
+                <a:spcPct val="100000"/>
+              </a:lnSpc>
+              <a:spcBef>
+                <a:spcPts val="1001"/>
+              </a:spcBef>
+              <a:spcAft>
+                <a:spcPts val="1001"/>
+              </a:spcAft>
+              <a:buClr>
+                <a:srgbClr val="1F4E79"/>
+              </a:buClr>
+              <a:buFont typeface="Calibri Light"/>
+              <a:buAutoNum type="arabicPeriod"/>
+            </a:pPr>
+            <a:r>
+              <a:rPr lang="pt-BR" sz="3200" b="0" strike="noStrike" spc="-1">
+                <a:solidFill>
+                  <a:srgbClr val="1F4E79"/>
+                </a:solidFill>
+                <a:latin typeface="Arial"/>
+                <a:ea typeface="DejaVu Sans"/>
+              </a:rPr>
+              <a:t>https://www.devmedia.com.br/os-4-pilares-da-programacao-orientada-a-objetos/9264</a:t>
+            </a:r>
+            <a:endParaRPr lang="pt-BR" sz="3200" b="0" strike="noStrike" spc="-1">
+              <a:latin typeface="Arial"/>
+            </a:endParaRPr>
+          </a:p>
+          <a:p>
+            <a:pPr>
+              <a:lnSpc>
+                <a:spcPct val="100000"/>
+              </a:lnSpc>
+              <a:spcBef>
+                <a:spcPts val="1001"/>
+              </a:spcBef>
+              <a:spcAft>
+                <a:spcPts val="1001"/>
+              </a:spcAft>
+            </a:pPr>
             <a:endParaRPr lang="pt-BR" sz="3200" b="0" strike="noStrike" spc="-1">
               <a:latin typeface="Arial"/>
             </a:endParaRPr>

--- a/React.pptx
+++ b/React.pptx
@@ -6,7 +6,7 @@
     <p:sldMasterId id="2147483661" r:id="rId2"/>
   </p:sldMasterIdLst>
   <p:notesMasterIdLst>
-    <p:notesMasterId r:id="rId33"/>
+    <p:notesMasterId r:id="rId37"/>
   </p:notesMasterIdLst>
   <p:sldIdLst>
     <p:sldId id="256" r:id="rId3"/>
@@ -38,7 +38,11 @@
     <p:sldId id="289" r:id="rId29"/>
     <p:sldId id="290" r:id="rId30"/>
     <p:sldId id="291" r:id="rId31"/>
-    <p:sldId id="267" r:id="rId32"/>
+    <p:sldId id="292" r:id="rId32"/>
+    <p:sldId id="293" r:id="rId33"/>
+    <p:sldId id="294" r:id="rId34"/>
+    <p:sldId id="295" r:id="rId35"/>
+    <p:sldId id="267" r:id="rId36"/>
   </p:sldIdLst>
   <p:sldSz cx="12192000" cy="6858000"/>
   <p:notesSz cx="6858000" cy="9144000"/>
@@ -3786,6 +3790,562 @@
       </p:grpSpPr>
       <p:sp>
         <p:nvSpPr>
+          <p:cNvPr id="202" name="PlaceHolder 1"/>
+          <p:cNvSpPr>
+            <a:spLocks noGrp="1" noRot="1" noChangeAspect="1"/>
+          </p:cNvSpPr>
+          <p:nvPr>
+            <p:ph type="sldImg"/>
+          </p:nvPr>
+        </p:nvSpPr>
+        <p:spPr>
+          <a:xfrm>
+            <a:off x="687388" y="1143000"/>
+            <a:ext cx="5480050" cy="3082925"/>
+          </a:xfrm>
+          <a:prstGeom prst="rect">
+            <a:avLst/>
+          </a:prstGeom>
+        </p:spPr>
+      </p:sp>
+      <p:sp>
+        <p:nvSpPr>
+          <p:cNvPr id="203" name="PlaceHolder 2"/>
+          <p:cNvSpPr>
+            <a:spLocks noGrp="1"/>
+          </p:cNvSpPr>
+          <p:nvPr>
+            <p:ph type="body"/>
+          </p:nvPr>
+        </p:nvSpPr>
+        <p:spPr>
+          <a:xfrm>
+            <a:off x="685800" y="4400640"/>
+            <a:ext cx="5482440" cy="3596400"/>
+          </a:xfrm>
+          <a:prstGeom prst="rect">
+            <a:avLst/>
+          </a:prstGeom>
+        </p:spPr>
+        <p:txBody>
+          <a:bodyPr lIns="0" tIns="0" rIns="0" bIns="0">
+            <a:noAutofit/>
+          </a:bodyPr>
+          <a:lstStyle/>
+          <a:p>
+            <a:endParaRPr lang="pt-BR" sz="2000" b="0" strike="noStrike" spc="-1" dirty="0">
+              <a:latin typeface="+mn-lt"/>
+            </a:endParaRPr>
+          </a:p>
+        </p:txBody>
+      </p:sp>
+      <p:sp>
+        <p:nvSpPr>
+          <p:cNvPr id="204" name="CustomShape 3"/>
+          <p:cNvSpPr/>
+          <p:nvPr/>
+        </p:nvSpPr>
+        <p:spPr>
+          <a:xfrm>
+            <a:off x="3884760" y="8685360"/>
+            <a:ext cx="2967840" cy="454680"/>
+          </a:xfrm>
+          <a:prstGeom prst="rect">
+            <a:avLst/>
+          </a:prstGeom>
+          <a:noFill/>
+          <a:ln>
+            <a:noFill/>
+          </a:ln>
+        </p:spPr>
+        <p:style>
+          <a:lnRef idx="0">
+            <a:scrgbClr r="0" g="0" b="0"/>
+          </a:lnRef>
+          <a:fillRef idx="0">
+            <a:scrgbClr r="0" g="0" b="0"/>
+          </a:fillRef>
+          <a:effectRef idx="0">
+            <a:scrgbClr r="0" g="0" b="0"/>
+          </a:effectRef>
+          <a:fontRef idx="minor"/>
+        </p:style>
+        <p:txBody>
+          <a:bodyPr lIns="90000" tIns="45000" rIns="90000" bIns="45000" anchor="b">
+            <a:noAutofit/>
+          </a:bodyPr>
+          <a:lstStyle/>
+          <a:p>
+            <a:pPr algn="r">
+              <a:lnSpc>
+                <a:spcPct val="100000"/>
+              </a:lnSpc>
+            </a:pPr>
+            <a:fld id="{EECC64C6-2FBD-4770-B109-62040DE39BC9}" type="slidenum">
+              <a:rPr lang="pt-BR" sz="1200" b="0" strike="noStrike" spc="-1">
+                <a:solidFill>
+                  <a:srgbClr val="000000"/>
+                </a:solidFill>
+                <a:latin typeface="Times New Roman"/>
+                <a:ea typeface="+mn-ea"/>
+              </a:rPr>
+              <a:t>30</a:t>
+            </a:fld>
+            <a:endParaRPr lang="pt-BR" sz="1200" b="0" strike="noStrike" spc="-1">
+              <a:latin typeface="Arial"/>
+            </a:endParaRPr>
+          </a:p>
+        </p:txBody>
+      </p:sp>
+    </p:spTree>
+    <p:extLst>
+      <p:ext uri="{BB962C8B-B14F-4D97-AF65-F5344CB8AC3E}">
+        <p14:creationId xmlns:p14="http://schemas.microsoft.com/office/powerpoint/2010/main" val="2312896886"/>
+      </p:ext>
+    </p:extLst>
+  </p:cSld>
+  <p:clrMapOvr>
+    <a:masterClrMapping/>
+  </p:clrMapOvr>
+</p:notes>
+</file>
+
+<file path=ppt/notesSlides/notesSlide31.xml><?xml version="1.0" encoding="utf-8"?>
+<p:notes xmlns:a="http://schemas.openxmlformats.org/drawingml/2006/main" xmlns:r="http://schemas.openxmlformats.org/officeDocument/2006/relationships" xmlns:p="http://schemas.openxmlformats.org/presentationml/2006/main">
+  <p:cSld>
+    <p:spTree>
+      <p:nvGrpSpPr>
+        <p:cNvPr id="1" name=""/>
+        <p:cNvGrpSpPr/>
+        <p:nvPr/>
+      </p:nvGrpSpPr>
+      <p:grpSpPr>
+        <a:xfrm>
+          <a:off x="0" y="0"/>
+          <a:ext cx="0" cy="0"/>
+          <a:chOff x="0" y="0"/>
+          <a:chExt cx="0" cy="0"/>
+        </a:xfrm>
+      </p:grpSpPr>
+      <p:sp>
+        <p:nvSpPr>
+          <p:cNvPr id="202" name="PlaceHolder 1"/>
+          <p:cNvSpPr>
+            <a:spLocks noGrp="1" noRot="1" noChangeAspect="1"/>
+          </p:cNvSpPr>
+          <p:nvPr>
+            <p:ph type="sldImg"/>
+          </p:nvPr>
+        </p:nvSpPr>
+        <p:spPr>
+          <a:xfrm>
+            <a:off x="687388" y="1143000"/>
+            <a:ext cx="5480050" cy="3082925"/>
+          </a:xfrm>
+          <a:prstGeom prst="rect">
+            <a:avLst/>
+          </a:prstGeom>
+        </p:spPr>
+      </p:sp>
+      <p:sp>
+        <p:nvSpPr>
+          <p:cNvPr id="203" name="PlaceHolder 2"/>
+          <p:cNvSpPr>
+            <a:spLocks noGrp="1"/>
+          </p:cNvSpPr>
+          <p:nvPr>
+            <p:ph type="body"/>
+          </p:nvPr>
+        </p:nvSpPr>
+        <p:spPr>
+          <a:xfrm>
+            <a:off x="685800" y="4400640"/>
+            <a:ext cx="5482440" cy="3596400"/>
+          </a:xfrm>
+          <a:prstGeom prst="rect">
+            <a:avLst/>
+          </a:prstGeom>
+        </p:spPr>
+        <p:txBody>
+          <a:bodyPr lIns="0" tIns="0" rIns="0" bIns="0">
+            <a:noAutofit/>
+          </a:bodyPr>
+          <a:lstStyle/>
+          <a:p>
+            <a:endParaRPr lang="pt-BR" sz="2000" b="0" strike="noStrike" spc="-1" dirty="0">
+              <a:latin typeface="+mn-lt"/>
+            </a:endParaRPr>
+          </a:p>
+        </p:txBody>
+      </p:sp>
+      <p:sp>
+        <p:nvSpPr>
+          <p:cNvPr id="204" name="CustomShape 3"/>
+          <p:cNvSpPr/>
+          <p:nvPr/>
+        </p:nvSpPr>
+        <p:spPr>
+          <a:xfrm>
+            <a:off x="3884760" y="8685360"/>
+            <a:ext cx="2967840" cy="454680"/>
+          </a:xfrm>
+          <a:prstGeom prst="rect">
+            <a:avLst/>
+          </a:prstGeom>
+          <a:noFill/>
+          <a:ln>
+            <a:noFill/>
+          </a:ln>
+        </p:spPr>
+        <p:style>
+          <a:lnRef idx="0">
+            <a:scrgbClr r="0" g="0" b="0"/>
+          </a:lnRef>
+          <a:fillRef idx="0">
+            <a:scrgbClr r="0" g="0" b="0"/>
+          </a:fillRef>
+          <a:effectRef idx="0">
+            <a:scrgbClr r="0" g="0" b="0"/>
+          </a:effectRef>
+          <a:fontRef idx="minor"/>
+        </p:style>
+        <p:txBody>
+          <a:bodyPr lIns="90000" tIns="45000" rIns="90000" bIns="45000" anchor="b">
+            <a:noAutofit/>
+          </a:bodyPr>
+          <a:lstStyle/>
+          <a:p>
+            <a:pPr algn="r">
+              <a:lnSpc>
+                <a:spcPct val="100000"/>
+              </a:lnSpc>
+            </a:pPr>
+            <a:fld id="{EECC64C6-2FBD-4770-B109-62040DE39BC9}" type="slidenum">
+              <a:rPr lang="pt-BR" sz="1200" b="0" strike="noStrike" spc="-1">
+                <a:solidFill>
+                  <a:srgbClr val="000000"/>
+                </a:solidFill>
+                <a:latin typeface="Times New Roman"/>
+                <a:ea typeface="+mn-ea"/>
+              </a:rPr>
+              <a:t>31</a:t>
+            </a:fld>
+            <a:endParaRPr lang="pt-BR" sz="1200" b="0" strike="noStrike" spc="-1">
+              <a:latin typeface="Arial"/>
+            </a:endParaRPr>
+          </a:p>
+        </p:txBody>
+      </p:sp>
+    </p:spTree>
+    <p:extLst>
+      <p:ext uri="{BB962C8B-B14F-4D97-AF65-F5344CB8AC3E}">
+        <p14:creationId xmlns:p14="http://schemas.microsoft.com/office/powerpoint/2010/main" val="4096778183"/>
+      </p:ext>
+    </p:extLst>
+  </p:cSld>
+  <p:clrMapOvr>
+    <a:masterClrMapping/>
+  </p:clrMapOvr>
+</p:notes>
+</file>
+
+<file path=ppt/notesSlides/notesSlide32.xml><?xml version="1.0" encoding="utf-8"?>
+<p:notes xmlns:a="http://schemas.openxmlformats.org/drawingml/2006/main" xmlns:r="http://schemas.openxmlformats.org/officeDocument/2006/relationships" xmlns:p="http://schemas.openxmlformats.org/presentationml/2006/main">
+  <p:cSld>
+    <p:spTree>
+      <p:nvGrpSpPr>
+        <p:cNvPr id="1" name=""/>
+        <p:cNvGrpSpPr/>
+        <p:nvPr/>
+      </p:nvGrpSpPr>
+      <p:grpSpPr>
+        <a:xfrm>
+          <a:off x="0" y="0"/>
+          <a:ext cx="0" cy="0"/>
+          <a:chOff x="0" y="0"/>
+          <a:chExt cx="0" cy="0"/>
+        </a:xfrm>
+      </p:grpSpPr>
+      <p:sp>
+        <p:nvSpPr>
+          <p:cNvPr id="202" name="PlaceHolder 1"/>
+          <p:cNvSpPr>
+            <a:spLocks noGrp="1" noRot="1" noChangeAspect="1"/>
+          </p:cNvSpPr>
+          <p:nvPr>
+            <p:ph type="sldImg"/>
+          </p:nvPr>
+        </p:nvSpPr>
+        <p:spPr>
+          <a:xfrm>
+            <a:off x="687388" y="1143000"/>
+            <a:ext cx="5480050" cy="3082925"/>
+          </a:xfrm>
+          <a:prstGeom prst="rect">
+            <a:avLst/>
+          </a:prstGeom>
+        </p:spPr>
+      </p:sp>
+      <p:sp>
+        <p:nvSpPr>
+          <p:cNvPr id="203" name="PlaceHolder 2"/>
+          <p:cNvSpPr>
+            <a:spLocks noGrp="1"/>
+          </p:cNvSpPr>
+          <p:nvPr>
+            <p:ph type="body"/>
+          </p:nvPr>
+        </p:nvSpPr>
+        <p:spPr>
+          <a:xfrm>
+            <a:off x="685800" y="4400640"/>
+            <a:ext cx="5482440" cy="3596400"/>
+          </a:xfrm>
+          <a:prstGeom prst="rect">
+            <a:avLst/>
+          </a:prstGeom>
+        </p:spPr>
+        <p:txBody>
+          <a:bodyPr lIns="0" tIns="0" rIns="0" bIns="0">
+            <a:noAutofit/>
+          </a:bodyPr>
+          <a:lstStyle/>
+          <a:p>
+            <a:endParaRPr lang="pt-BR" sz="2000" b="0" strike="noStrike" spc="-1" dirty="0">
+              <a:latin typeface="+mn-lt"/>
+            </a:endParaRPr>
+          </a:p>
+        </p:txBody>
+      </p:sp>
+      <p:sp>
+        <p:nvSpPr>
+          <p:cNvPr id="204" name="CustomShape 3"/>
+          <p:cNvSpPr/>
+          <p:nvPr/>
+        </p:nvSpPr>
+        <p:spPr>
+          <a:xfrm>
+            <a:off x="3884760" y="8685360"/>
+            <a:ext cx="2967840" cy="454680"/>
+          </a:xfrm>
+          <a:prstGeom prst="rect">
+            <a:avLst/>
+          </a:prstGeom>
+          <a:noFill/>
+          <a:ln>
+            <a:noFill/>
+          </a:ln>
+        </p:spPr>
+        <p:style>
+          <a:lnRef idx="0">
+            <a:scrgbClr r="0" g="0" b="0"/>
+          </a:lnRef>
+          <a:fillRef idx="0">
+            <a:scrgbClr r="0" g="0" b="0"/>
+          </a:fillRef>
+          <a:effectRef idx="0">
+            <a:scrgbClr r="0" g="0" b="0"/>
+          </a:effectRef>
+          <a:fontRef idx="minor"/>
+        </p:style>
+        <p:txBody>
+          <a:bodyPr lIns="90000" tIns="45000" rIns="90000" bIns="45000" anchor="b">
+            <a:noAutofit/>
+          </a:bodyPr>
+          <a:lstStyle/>
+          <a:p>
+            <a:pPr algn="r">
+              <a:lnSpc>
+                <a:spcPct val="100000"/>
+              </a:lnSpc>
+            </a:pPr>
+            <a:fld id="{EECC64C6-2FBD-4770-B109-62040DE39BC9}" type="slidenum">
+              <a:rPr lang="pt-BR" sz="1200" b="0" strike="noStrike" spc="-1">
+                <a:solidFill>
+                  <a:srgbClr val="000000"/>
+                </a:solidFill>
+                <a:latin typeface="Times New Roman"/>
+                <a:ea typeface="+mn-ea"/>
+              </a:rPr>
+              <a:t>32</a:t>
+            </a:fld>
+            <a:endParaRPr lang="pt-BR" sz="1200" b="0" strike="noStrike" spc="-1">
+              <a:latin typeface="Arial"/>
+            </a:endParaRPr>
+          </a:p>
+        </p:txBody>
+      </p:sp>
+    </p:spTree>
+    <p:extLst>
+      <p:ext uri="{BB962C8B-B14F-4D97-AF65-F5344CB8AC3E}">
+        <p14:creationId xmlns:p14="http://schemas.microsoft.com/office/powerpoint/2010/main" val="1482437396"/>
+      </p:ext>
+    </p:extLst>
+  </p:cSld>
+  <p:clrMapOvr>
+    <a:masterClrMapping/>
+  </p:clrMapOvr>
+</p:notes>
+</file>
+
+<file path=ppt/notesSlides/notesSlide33.xml><?xml version="1.0" encoding="utf-8"?>
+<p:notes xmlns:a="http://schemas.openxmlformats.org/drawingml/2006/main" xmlns:r="http://schemas.openxmlformats.org/officeDocument/2006/relationships" xmlns:p="http://schemas.openxmlformats.org/presentationml/2006/main">
+  <p:cSld>
+    <p:spTree>
+      <p:nvGrpSpPr>
+        <p:cNvPr id="1" name=""/>
+        <p:cNvGrpSpPr/>
+        <p:nvPr/>
+      </p:nvGrpSpPr>
+      <p:grpSpPr>
+        <a:xfrm>
+          <a:off x="0" y="0"/>
+          <a:ext cx="0" cy="0"/>
+          <a:chOff x="0" y="0"/>
+          <a:chExt cx="0" cy="0"/>
+        </a:xfrm>
+      </p:grpSpPr>
+      <p:sp>
+        <p:nvSpPr>
+          <p:cNvPr id="202" name="PlaceHolder 1"/>
+          <p:cNvSpPr>
+            <a:spLocks noGrp="1" noRot="1" noChangeAspect="1"/>
+          </p:cNvSpPr>
+          <p:nvPr>
+            <p:ph type="sldImg"/>
+          </p:nvPr>
+        </p:nvSpPr>
+        <p:spPr>
+          <a:xfrm>
+            <a:off x="687388" y="1143000"/>
+            <a:ext cx="5480050" cy="3082925"/>
+          </a:xfrm>
+          <a:prstGeom prst="rect">
+            <a:avLst/>
+          </a:prstGeom>
+        </p:spPr>
+      </p:sp>
+      <p:sp>
+        <p:nvSpPr>
+          <p:cNvPr id="203" name="PlaceHolder 2"/>
+          <p:cNvSpPr>
+            <a:spLocks noGrp="1"/>
+          </p:cNvSpPr>
+          <p:nvPr>
+            <p:ph type="body"/>
+          </p:nvPr>
+        </p:nvSpPr>
+        <p:spPr>
+          <a:xfrm>
+            <a:off x="685800" y="4400640"/>
+            <a:ext cx="5482440" cy="3596400"/>
+          </a:xfrm>
+          <a:prstGeom prst="rect">
+            <a:avLst/>
+          </a:prstGeom>
+        </p:spPr>
+        <p:txBody>
+          <a:bodyPr lIns="0" tIns="0" rIns="0" bIns="0">
+            <a:noAutofit/>
+          </a:bodyPr>
+          <a:lstStyle/>
+          <a:p>
+            <a:endParaRPr lang="pt-BR" sz="2000" b="0" strike="noStrike" spc="-1" dirty="0">
+              <a:latin typeface="+mn-lt"/>
+            </a:endParaRPr>
+          </a:p>
+        </p:txBody>
+      </p:sp>
+      <p:sp>
+        <p:nvSpPr>
+          <p:cNvPr id="204" name="CustomShape 3"/>
+          <p:cNvSpPr/>
+          <p:nvPr/>
+        </p:nvSpPr>
+        <p:spPr>
+          <a:xfrm>
+            <a:off x="3884760" y="8685360"/>
+            <a:ext cx="2967840" cy="454680"/>
+          </a:xfrm>
+          <a:prstGeom prst="rect">
+            <a:avLst/>
+          </a:prstGeom>
+          <a:noFill/>
+          <a:ln>
+            <a:noFill/>
+          </a:ln>
+        </p:spPr>
+        <p:style>
+          <a:lnRef idx="0">
+            <a:scrgbClr r="0" g="0" b="0"/>
+          </a:lnRef>
+          <a:fillRef idx="0">
+            <a:scrgbClr r="0" g="0" b="0"/>
+          </a:fillRef>
+          <a:effectRef idx="0">
+            <a:scrgbClr r="0" g="0" b="0"/>
+          </a:effectRef>
+          <a:fontRef idx="minor"/>
+        </p:style>
+        <p:txBody>
+          <a:bodyPr lIns="90000" tIns="45000" rIns="90000" bIns="45000" anchor="b">
+            <a:noAutofit/>
+          </a:bodyPr>
+          <a:lstStyle/>
+          <a:p>
+            <a:pPr algn="r">
+              <a:lnSpc>
+                <a:spcPct val="100000"/>
+              </a:lnSpc>
+            </a:pPr>
+            <a:fld id="{EECC64C6-2FBD-4770-B109-62040DE39BC9}" type="slidenum">
+              <a:rPr lang="pt-BR" sz="1200" b="0" strike="noStrike" spc="-1">
+                <a:solidFill>
+                  <a:srgbClr val="000000"/>
+                </a:solidFill>
+                <a:latin typeface="Times New Roman"/>
+                <a:ea typeface="+mn-ea"/>
+              </a:rPr>
+              <a:t>33</a:t>
+            </a:fld>
+            <a:endParaRPr lang="pt-BR" sz="1200" b="0" strike="noStrike" spc="-1">
+              <a:latin typeface="Arial"/>
+            </a:endParaRPr>
+          </a:p>
+        </p:txBody>
+      </p:sp>
+    </p:spTree>
+    <p:extLst>
+      <p:ext uri="{BB962C8B-B14F-4D97-AF65-F5344CB8AC3E}">
+        <p14:creationId xmlns:p14="http://schemas.microsoft.com/office/powerpoint/2010/main" val="2622272430"/>
+      </p:ext>
+    </p:extLst>
+  </p:cSld>
+  <p:clrMapOvr>
+    <a:masterClrMapping/>
+  </p:clrMapOvr>
+</p:notes>
+</file>
+
+<file path=ppt/notesSlides/notesSlide34.xml><?xml version="1.0" encoding="utf-8"?>
+<p:notes xmlns:a="http://schemas.openxmlformats.org/drawingml/2006/main" xmlns:r="http://schemas.openxmlformats.org/officeDocument/2006/relationships" xmlns:p="http://schemas.openxmlformats.org/presentationml/2006/main">
+  <p:cSld>
+    <p:spTree>
+      <p:nvGrpSpPr>
+        <p:cNvPr id="1" name=""/>
+        <p:cNvGrpSpPr/>
+        <p:nvPr/>
+      </p:nvGrpSpPr>
+      <p:grpSpPr>
+        <a:xfrm>
+          <a:off x="0" y="0"/>
+          <a:ext cx="0" cy="0"/>
+          <a:chOff x="0" y="0"/>
+          <a:chExt cx="0" cy="0"/>
+        </a:xfrm>
+      </p:grpSpPr>
+      <p:sp>
+        <p:nvSpPr>
           <p:cNvPr id="139" name="PlaceHolder 1"/>
           <p:cNvSpPr>
             <a:spLocks noGrp="1" noRot="1" noChangeAspect="1"/>
@@ -3884,7 +4444,7 @@
                 </a:solidFill>
                 <a:latin typeface="Times New Roman"/>
               </a:rPr>
-              <a:t>30</a:t>
+              <a:t>34</a:t>
             </a:fld>
             <a:endParaRPr lang="pt-BR" sz="1200" b="0" strike="noStrike" spc="-1">
               <a:latin typeface="Arial"/>
@@ -9041,7 +9601,7 @@
     <mc:Choice Requires="p14">
       <p:transition spd="slow" p14:dur="2000" advTm="17000"/>
     </mc:Choice>
-    <mc:Fallback xmlns="" xmlns:p15="http://schemas.microsoft.com/office/powerpoint/2012/main">
+    <mc:Fallback xmlns:p15="http://schemas.microsoft.com/office/powerpoint/2012/main" xmlns="">
       <p:transition spd="slow" advTm="17000"/>
     </mc:Fallback>
   </mc:AlternateContent>
@@ -16291,6 +16851,1402 @@
 </file>
 
 <file path=ppt/slides/slide30.xml><?xml version="1.0" encoding="utf-8"?>
+<p:sld xmlns:a="http://schemas.openxmlformats.org/drawingml/2006/main" xmlns:r="http://schemas.openxmlformats.org/officeDocument/2006/relationships" xmlns:p="http://schemas.openxmlformats.org/presentationml/2006/main">
+  <p:cSld>
+    <p:spTree>
+      <p:nvGrpSpPr>
+        <p:cNvPr id="1" name=""/>
+        <p:cNvGrpSpPr/>
+        <p:nvPr/>
+      </p:nvGrpSpPr>
+      <p:grpSpPr>
+        <a:xfrm>
+          <a:off x="0" y="0"/>
+          <a:ext cx="0" cy="0"/>
+          <a:chOff x="0" y="0"/>
+          <a:chExt cx="0" cy="0"/>
+        </a:xfrm>
+      </p:grpSpPr>
+      <p:sp>
+        <p:nvSpPr>
+          <p:cNvPr id="98" name="CustomShape 1"/>
+          <p:cNvSpPr/>
+          <p:nvPr/>
+        </p:nvSpPr>
+        <p:spPr>
+          <a:xfrm>
+            <a:off x="0" y="224280"/>
+            <a:ext cx="12019320" cy="854640"/>
+          </a:xfrm>
+          <a:prstGeom prst="rect">
+            <a:avLst/>
+          </a:prstGeom>
+          <a:noFill/>
+          <a:ln>
+            <a:noFill/>
+          </a:ln>
+        </p:spPr>
+        <p:style>
+          <a:lnRef idx="0">
+            <a:scrgbClr r="0" g="0" b="0"/>
+          </a:lnRef>
+          <a:fillRef idx="0">
+            <a:scrgbClr r="0" g="0" b="0"/>
+          </a:fillRef>
+          <a:effectRef idx="0">
+            <a:scrgbClr r="0" g="0" b="0"/>
+          </a:effectRef>
+          <a:fontRef idx="minor"/>
+        </p:style>
+        <p:txBody>
+          <a:bodyPr lIns="90000" tIns="45000" rIns="90000" bIns="45000" anchor="ctr">
+            <a:noAutofit/>
+          </a:bodyPr>
+          <a:lstStyle/>
+          <a:p>
+            <a:pPr algn="ctr">
+              <a:lnSpc>
+                <a:spcPct val="90000"/>
+              </a:lnSpc>
+            </a:pPr>
+            <a:r>
+              <a:rPr lang="pt-BR" sz="5400" b="0" strike="noStrike" spc="-1" dirty="0">
+                <a:solidFill>
+                  <a:srgbClr val="1F4E79"/>
+                </a:solidFill>
+                <a:latin typeface="Arial"/>
+                <a:ea typeface="DejaVu Sans"/>
+              </a:rPr>
+              <a:t>Navegação por rotas</a:t>
+            </a:r>
+            <a:endParaRPr lang="pt-BR" sz="5400" b="0" strike="noStrike" spc="-1" dirty="0">
+              <a:latin typeface="Arial"/>
+            </a:endParaRPr>
+          </a:p>
+        </p:txBody>
+      </p:sp>
+      <p:sp>
+        <p:nvSpPr>
+          <p:cNvPr id="99" name="CustomShape 2"/>
+          <p:cNvSpPr/>
+          <p:nvPr/>
+        </p:nvSpPr>
+        <p:spPr>
+          <a:xfrm>
+            <a:off x="317520" y="1290960"/>
+            <a:ext cx="11701440" cy="4347360"/>
+          </a:xfrm>
+          <a:prstGeom prst="rect">
+            <a:avLst/>
+          </a:prstGeom>
+          <a:noFill/>
+          <a:ln>
+            <a:noFill/>
+          </a:ln>
+        </p:spPr>
+        <p:style>
+          <a:lnRef idx="0">
+            <a:scrgbClr r="0" g="0" b="0"/>
+          </a:lnRef>
+          <a:fillRef idx="0">
+            <a:scrgbClr r="0" g="0" b="0"/>
+          </a:fillRef>
+          <a:effectRef idx="0">
+            <a:scrgbClr r="0" g="0" b="0"/>
+          </a:effectRef>
+          <a:fontRef idx="minor"/>
+        </p:style>
+        <p:txBody>
+          <a:bodyPr lIns="90000" tIns="45000" rIns="90000" bIns="45000">
+            <a:normAutofit/>
+          </a:bodyPr>
+          <a:lstStyle/>
+          <a:p>
+            <a:pPr algn="ctr">
+              <a:lnSpc>
+                <a:spcPct val="100000"/>
+              </a:lnSpc>
+              <a:spcBef>
+                <a:spcPts val="1001"/>
+              </a:spcBef>
+              <a:spcAft>
+                <a:spcPts val="1001"/>
+              </a:spcAft>
+              <a:tabLst>
+                <a:tab pos="0" algn="l"/>
+              </a:tabLst>
+            </a:pPr>
+            <a:r>
+              <a:rPr lang="pt-BR" sz="3200" spc="-1" dirty="0">
+                <a:solidFill>
+                  <a:srgbClr val="1F4E79"/>
+                </a:solidFill>
+              </a:rPr>
+              <a:t>A navegação na aplicação será realizada por rotas, que serão tratadas pela aplicação para que o componente correto seja </a:t>
+            </a:r>
+            <a:r>
+              <a:rPr lang="pt-BR" sz="3200" spc="-1" dirty="0" err="1">
+                <a:solidFill>
+                  <a:srgbClr val="1F4E79"/>
+                </a:solidFill>
+              </a:rPr>
+              <a:t>renderizado</a:t>
+            </a:r>
+            <a:r>
+              <a:rPr lang="pt-BR" sz="3200" spc="-1" dirty="0">
+                <a:solidFill>
+                  <a:srgbClr val="1F4E79"/>
+                </a:solidFill>
+              </a:rPr>
+              <a:t>.</a:t>
+            </a:r>
+            <a:endParaRPr lang="pt-BR" sz="3200" spc="-1" dirty="0">
+              <a:solidFill>
+                <a:srgbClr val="1F4E79"/>
+              </a:solidFill>
+              <a:latin typeface="Courier New" panose="02070309020205020404" pitchFamily="49" charset="0"/>
+              <a:cs typeface="Courier New" panose="02070309020205020404" pitchFamily="49" charset="0"/>
+            </a:endParaRPr>
+          </a:p>
+        </p:txBody>
+      </p:sp>
+    </p:spTree>
+    <p:extLst>
+      <p:ext uri="{BB962C8B-B14F-4D97-AF65-F5344CB8AC3E}">
+        <p14:creationId xmlns:p14="http://schemas.microsoft.com/office/powerpoint/2010/main" val="597499972"/>
+      </p:ext>
+    </p:extLst>
+  </p:cSld>
+  <p:clrMapOvr>
+    <a:masterClrMapping/>
+  </p:clrMapOvr>
+</p:sld>
+</file>
+
+<file path=ppt/slides/slide31.xml><?xml version="1.0" encoding="utf-8"?>
+<p:sld xmlns:a="http://schemas.openxmlformats.org/drawingml/2006/main" xmlns:r="http://schemas.openxmlformats.org/officeDocument/2006/relationships" xmlns:p="http://schemas.openxmlformats.org/presentationml/2006/main">
+  <p:cSld>
+    <p:spTree>
+      <p:nvGrpSpPr>
+        <p:cNvPr id="1" name=""/>
+        <p:cNvGrpSpPr/>
+        <p:nvPr/>
+      </p:nvGrpSpPr>
+      <p:grpSpPr>
+        <a:xfrm>
+          <a:off x="0" y="0"/>
+          <a:ext cx="0" cy="0"/>
+          <a:chOff x="0" y="0"/>
+          <a:chExt cx="0" cy="0"/>
+        </a:xfrm>
+      </p:grpSpPr>
+      <p:sp>
+        <p:nvSpPr>
+          <p:cNvPr id="98" name="CustomShape 1"/>
+          <p:cNvSpPr/>
+          <p:nvPr/>
+        </p:nvSpPr>
+        <p:spPr>
+          <a:xfrm>
+            <a:off x="0" y="224280"/>
+            <a:ext cx="12019320" cy="854640"/>
+          </a:xfrm>
+          <a:prstGeom prst="rect">
+            <a:avLst/>
+          </a:prstGeom>
+          <a:noFill/>
+          <a:ln>
+            <a:noFill/>
+          </a:ln>
+        </p:spPr>
+        <p:style>
+          <a:lnRef idx="0">
+            <a:scrgbClr r="0" g="0" b="0"/>
+          </a:lnRef>
+          <a:fillRef idx="0">
+            <a:scrgbClr r="0" g="0" b="0"/>
+          </a:fillRef>
+          <a:effectRef idx="0">
+            <a:scrgbClr r="0" g="0" b="0"/>
+          </a:effectRef>
+          <a:fontRef idx="minor"/>
+        </p:style>
+        <p:txBody>
+          <a:bodyPr lIns="90000" tIns="45000" rIns="90000" bIns="45000" anchor="ctr">
+            <a:noAutofit/>
+          </a:bodyPr>
+          <a:lstStyle/>
+          <a:p>
+            <a:pPr algn="ctr">
+              <a:lnSpc>
+                <a:spcPct val="90000"/>
+              </a:lnSpc>
+            </a:pPr>
+            <a:r>
+              <a:rPr lang="pt-BR" sz="5400" b="0" strike="noStrike" spc="-1" dirty="0">
+                <a:solidFill>
+                  <a:srgbClr val="1F4E79"/>
+                </a:solidFill>
+                <a:latin typeface="Arial"/>
+                <a:ea typeface="DejaVu Sans"/>
+              </a:rPr>
+              <a:t>Instalando </a:t>
+            </a:r>
+            <a:r>
+              <a:rPr lang="pt-BR" sz="5400" spc="-1" dirty="0">
+                <a:solidFill>
+                  <a:srgbClr val="1F4E79"/>
+                </a:solidFill>
+              </a:rPr>
+              <a:t>o </a:t>
+            </a:r>
+            <a:r>
+              <a:rPr lang="pt-BR" sz="5400" spc="-1" dirty="0" err="1">
+                <a:solidFill>
+                  <a:srgbClr val="1F4E79"/>
+                </a:solidFill>
+              </a:rPr>
+              <a:t>react</a:t>
+            </a:r>
+            <a:r>
+              <a:rPr lang="pt-BR" sz="5400" spc="-1" dirty="0">
+                <a:solidFill>
+                  <a:srgbClr val="1F4E79"/>
+                </a:solidFill>
+              </a:rPr>
+              <a:t>-</a:t>
+            </a:r>
+            <a:r>
+              <a:rPr lang="pt-BR" sz="5400" spc="-1" dirty="0" err="1">
+                <a:solidFill>
+                  <a:srgbClr val="1F4E79"/>
+                </a:solidFill>
+              </a:rPr>
+              <a:t>router</a:t>
+            </a:r>
+            <a:r>
+              <a:rPr lang="pt-BR" sz="5400" spc="-1" dirty="0">
+                <a:solidFill>
+                  <a:srgbClr val="1F4E79"/>
+                </a:solidFill>
+              </a:rPr>
+              <a:t>-dom</a:t>
+            </a:r>
+            <a:endParaRPr lang="pt-BR" sz="5400" b="0" strike="noStrike" spc="-1" dirty="0">
+              <a:latin typeface="Arial"/>
+            </a:endParaRPr>
+          </a:p>
+        </p:txBody>
+      </p:sp>
+      <p:sp>
+        <p:nvSpPr>
+          <p:cNvPr id="99" name="CustomShape 2"/>
+          <p:cNvSpPr/>
+          <p:nvPr/>
+        </p:nvSpPr>
+        <p:spPr>
+          <a:xfrm>
+            <a:off x="317520" y="1290960"/>
+            <a:ext cx="11701440" cy="4347360"/>
+          </a:xfrm>
+          <a:prstGeom prst="rect">
+            <a:avLst/>
+          </a:prstGeom>
+          <a:noFill/>
+          <a:ln>
+            <a:noFill/>
+          </a:ln>
+        </p:spPr>
+        <p:style>
+          <a:lnRef idx="0">
+            <a:scrgbClr r="0" g="0" b="0"/>
+          </a:lnRef>
+          <a:fillRef idx="0">
+            <a:scrgbClr r="0" g="0" b="0"/>
+          </a:fillRef>
+          <a:effectRef idx="0">
+            <a:scrgbClr r="0" g="0" b="0"/>
+          </a:effectRef>
+          <a:fontRef idx="minor"/>
+        </p:style>
+        <p:txBody>
+          <a:bodyPr lIns="90000" tIns="45000" rIns="90000" bIns="45000">
+            <a:normAutofit/>
+          </a:bodyPr>
+          <a:lstStyle/>
+          <a:p>
+            <a:pPr algn="ctr">
+              <a:lnSpc>
+                <a:spcPct val="100000"/>
+              </a:lnSpc>
+              <a:spcBef>
+                <a:spcPts val="1001"/>
+              </a:spcBef>
+              <a:spcAft>
+                <a:spcPts val="1001"/>
+              </a:spcAft>
+              <a:tabLst>
+                <a:tab pos="0" algn="l"/>
+              </a:tabLst>
+            </a:pPr>
+            <a:r>
+              <a:rPr lang="pt-BR" sz="3200" spc="-1" dirty="0">
+                <a:solidFill>
+                  <a:srgbClr val="1F4E79"/>
+                </a:solidFill>
+              </a:rPr>
+              <a:t>Execute o comando abaixo:</a:t>
+            </a:r>
+          </a:p>
+          <a:p>
+            <a:pPr algn="ctr">
+              <a:lnSpc>
+                <a:spcPct val="100000"/>
+              </a:lnSpc>
+              <a:spcBef>
+                <a:spcPts val="1001"/>
+              </a:spcBef>
+              <a:spcAft>
+                <a:spcPts val="1001"/>
+              </a:spcAft>
+              <a:tabLst>
+                <a:tab pos="0" algn="l"/>
+              </a:tabLst>
+            </a:pPr>
+            <a:r>
+              <a:rPr lang="pt-BR" sz="3200" spc="-1" dirty="0" err="1">
+                <a:solidFill>
+                  <a:srgbClr val="1F4E79"/>
+                </a:solidFill>
+                <a:latin typeface="Courier New" panose="02070309020205020404" pitchFamily="49" charset="0"/>
+                <a:cs typeface="Courier New" panose="02070309020205020404" pitchFamily="49" charset="0"/>
+              </a:rPr>
+              <a:t>yarn</a:t>
+            </a:r>
+            <a:r>
+              <a:rPr lang="pt-BR" sz="3200" spc="-1" dirty="0">
+                <a:solidFill>
+                  <a:srgbClr val="1F4E79"/>
+                </a:solidFill>
+                <a:latin typeface="Courier New" panose="02070309020205020404" pitchFamily="49" charset="0"/>
+                <a:cs typeface="Courier New" panose="02070309020205020404" pitchFamily="49" charset="0"/>
+              </a:rPr>
+              <a:t> </a:t>
+            </a:r>
+            <a:r>
+              <a:rPr lang="pt-BR" sz="3200" spc="-1" dirty="0" err="1">
+                <a:solidFill>
+                  <a:srgbClr val="1F4E79"/>
+                </a:solidFill>
+                <a:latin typeface="Courier New" panose="02070309020205020404" pitchFamily="49" charset="0"/>
+                <a:cs typeface="Courier New" panose="02070309020205020404" pitchFamily="49" charset="0"/>
+              </a:rPr>
+              <a:t>add</a:t>
+            </a:r>
+            <a:r>
+              <a:rPr lang="pt-BR" sz="3200" spc="-1" dirty="0">
+                <a:solidFill>
+                  <a:srgbClr val="1F4E79"/>
+                </a:solidFill>
+                <a:latin typeface="Courier New" panose="02070309020205020404" pitchFamily="49" charset="0"/>
+                <a:cs typeface="Courier New" panose="02070309020205020404" pitchFamily="49" charset="0"/>
+              </a:rPr>
+              <a:t> </a:t>
+            </a:r>
+            <a:r>
+              <a:rPr lang="pt-BR" sz="3200" spc="-1" dirty="0" err="1">
+                <a:solidFill>
+                  <a:srgbClr val="1F4E79"/>
+                </a:solidFill>
+                <a:latin typeface="Courier New" panose="02070309020205020404" pitchFamily="49" charset="0"/>
+                <a:cs typeface="Courier New" panose="02070309020205020404" pitchFamily="49" charset="0"/>
+              </a:rPr>
+              <a:t>react</a:t>
+            </a:r>
+            <a:r>
+              <a:rPr lang="pt-BR" sz="3200" spc="-1" dirty="0">
+                <a:solidFill>
+                  <a:srgbClr val="1F4E79"/>
+                </a:solidFill>
+                <a:latin typeface="Courier New" panose="02070309020205020404" pitchFamily="49" charset="0"/>
+                <a:cs typeface="Courier New" panose="02070309020205020404" pitchFamily="49" charset="0"/>
+              </a:rPr>
+              <a:t>-</a:t>
+            </a:r>
+            <a:r>
+              <a:rPr lang="pt-BR" sz="3200" spc="-1" dirty="0" err="1">
+                <a:solidFill>
+                  <a:srgbClr val="1F4E79"/>
+                </a:solidFill>
+                <a:latin typeface="Courier New" panose="02070309020205020404" pitchFamily="49" charset="0"/>
+                <a:cs typeface="Courier New" panose="02070309020205020404" pitchFamily="49" charset="0"/>
+              </a:rPr>
+              <a:t>router</a:t>
+            </a:r>
+            <a:r>
+              <a:rPr lang="pt-BR" sz="3200" spc="-1" dirty="0">
+                <a:solidFill>
+                  <a:srgbClr val="1F4E79"/>
+                </a:solidFill>
+                <a:latin typeface="Courier New" panose="02070309020205020404" pitchFamily="49" charset="0"/>
+                <a:cs typeface="Courier New" panose="02070309020205020404" pitchFamily="49" charset="0"/>
+              </a:rPr>
+              <a:t>-dom</a:t>
+            </a:r>
+          </a:p>
+          <a:p>
+            <a:pPr algn="ctr">
+              <a:lnSpc>
+                <a:spcPct val="100000"/>
+              </a:lnSpc>
+              <a:spcBef>
+                <a:spcPts val="1001"/>
+              </a:spcBef>
+              <a:spcAft>
+                <a:spcPts val="1001"/>
+              </a:spcAft>
+              <a:tabLst>
+                <a:tab pos="0" algn="l"/>
+              </a:tabLst>
+            </a:pPr>
+            <a:r>
+              <a:rPr lang="pt-BR" sz="3200" spc="-1" dirty="0" err="1">
+                <a:solidFill>
+                  <a:srgbClr val="1F4E79"/>
+                </a:solidFill>
+                <a:latin typeface="Courier New" panose="02070309020205020404" pitchFamily="49" charset="0"/>
+                <a:cs typeface="Courier New" panose="02070309020205020404" pitchFamily="49" charset="0"/>
+              </a:rPr>
+              <a:t>Yarn</a:t>
+            </a:r>
+            <a:r>
+              <a:rPr lang="pt-BR" sz="3200" spc="-1" dirty="0">
+                <a:solidFill>
+                  <a:srgbClr val="1F4E79"/>
+                </a:solidFill>
+                <a:latin typeface="Courier New" panose="02070309020205020404" pitchFamily="49" charset="0"/>
+                <a:cs typeface="Courier New" panose="02070309020205020404" pitchFamily="49" charset="0"/>
+              </a:rPr>
+              <a:t> </a:t>
+            </a:r>
+            <a:r>
+              <a:rPr lang="pt-BR" sz="3200" spc="-1" dirty="0" err="1">
+                <a:solidFill>
+                  <a:srgbClr val="1F4E79"/>
+                </a:solidFill>
+                <a:latin typeface="Courier New" panose="02070309020205020404" pitchFamily="49" charset="0"/>
+                <a:cs typeface="Courier New" panose="02070309020205020404" pitchFamily="49" charset="0"/>
+              </a:rPr>
+              <a:t>add</a:t>
+            </a:r>
+            <a:r>
+              <a:rPr lang="pt-BR" sz="3200" spc="-1" dirty="0">
+                <a:solidFill>
+                  <a:srgbClr val="1F4E79"/>
+                </a:solidFill>
+                <a:latin typeface="Courier New" panose="02070309020205020404" pitchFamily="49" charset="0"/>
+                <a:cs typeface="Courier New" panose="02070309020205020404" pitchFamily="49" charset="0"/>
+              </a:rPr>
+              <a:t> –D @</a:t>
+            </a:r>
+            <a:r>
+              <a:rPr lang="pt-BR" sz="3200" spc="-1" dirty="0" err="1">
+                <a:solidFill>
+                  <a:srgbClr val="1F4E79"/>
+                </a:solidFill>
+                <a:latin typeface="Courier New" panose="02070309020205020404" pitchFamily="49" charset="0"/>
+                <a:cs typeface="Courier New" panose="02070309020205020404" pitchFamily="49" charset="0"/>
+              </a:rPr>
+              <a:t>types</a:t>
+            </a:r>
+            <a:r>
+              <a:rPr lang="pt-BR" sz="3200" spc="-1" dirty="0">
+                <a:solidFill>
+                  <a:srgbClr val="1F4E79"/>
+                </a:solidFill>
+                <a:latin typeface="Courier New" panose="02070309020205020404" pitchFamily="49" charset="0"/>
+                <a:cs typeface="Courier New" panose="02070309020205020404" pitchFamily="49" charset="0"/>
+              </a:rPr>
+              <a:t>/</a:t>
+            </a:r>
+            <a:r>
+              <a:rPr lang="pt-BR" sz="3200" spc="-1" dirty="0" err="1">
+                <a:solidFill>
+                  <a:srgbClr val="1F4E79"/>
+                </a:solidFill>
+                <a:latin typeface="Courier New" panose="02070309020205020404" pitchFamily="49" charset="0"/>
+                <a:cs typeface="Courier New" panose="02070309020205020404" pitchFamily="49" charset="0"/>
+              </a:rPr>
+              <a:t>react</a:t>
+            </a:r>
+            <a:r>
+              <a:rPr lang="pt-BR" sz="3200" spc="-1" dirty="0">
+                <a:solidFill>
+                  <a:srgbClr val="1F4E79"/>
+                </a:solidFill>
+                <a:latin typeface="Courier New" panose="02070309020205020404" pitchFamily="49" charset="0"/>
+                <a:cs typeface="Courier New" panose="02070309020205020404" pitchFamily="49" charset="0"/>
+              </a:rPr>
+              <a:t>-</a:t>
+            </a:r>
+            <a:r>
+              <a:rPr lang="pt-BR" sz="3200" spc="-1" dirty="0" err="1">
+                <a:solidFill>
+                  <a:srgbClr val="1F4E79"/>
+                </a:solidFill>
+                <a:latin typeface="Courier New" panose="02070309020205020404" pitchFamily="49" charset="0"/>
+                <a:cs typeface="Courier New" panose="02070309020205020404" pitchFamily="49" charset="0"/>
+              </a:rPr>
+              <a:t>router</a:t>
+            </a:r>
+            <a:r>
+              <a:rPr lang="pt-BR" sz="3200" spc="-1" dirty="0">
+                <a:solidFill>
+                  <a:srgbClr val="1F4E79"/>
+                </a:solidFill>
+                <a:latin typeface="Courier New" panose="02070309020205020404" pitchFamily="49" charset="0"/>
+                <a:cs typeface="Courier New" panose="02070309020205020404" pitchFamily="49" charset="0"/>
+              </a:rPr>
+              <a:t>-dom</a:t>
+            </a:r>
+          </a:p>
+        </p:txBody>
+      </p:sp>
+    </p:spTree>
+    <p:extLst>
+      <p:ext uri="{BB962C8B-B14F-4D97-AF65-F5344CB8AC3E}">
+        <p14:creationId xmlns:p14="http://schemas.microsoft.com/office/powerpoint/2010/main" val="4094651855"/>
+      </p:ext>
+    </p:extLst>
+  </p:cSld>
+  <p:clrMapOvr>
+    <a:masterClrMapping/>
+  </p:clrMapOvr>
+</p:sld>
+</file>
+
+<file path=ppt/slides/slide32.xml><?xml version="1.0" encoding="utf-8"?>
+<p:sld xmlns:a="http://schemas.openxmlformats.org/drawingml/2006/main" xmlns:r="http://schemas.openxmlformats.org/officeDocument/2006/relationships" xmlns:p="http://schemas.openxmlformats.org/presentationml/2006/main">
+  <p:cSld>
+    <p:spTree>
+      <p:nvGrpSpPr>
+        <p:cNvPr id="1" name=""/>
+        <p:cNvGrpSpPr/>
+        <p:nvPr/>
+      </p:nvGrpSpPr>
+      <p:grpSpPr>
+        <a:xfrm>
+          <a:off x="0" y="0"/>
+          <a:ext cx="0" cy="0"/>
+          <a:chOff x="0" y="0"/>
+          <a:chExt cx="0" cy="0"/>
+        </a:xfrm>
+      </p:grpSpPr>
+      <p:sp>
+        <p:nvSpPr>
+          <p:cNvPr id="98" name="CustomShape 1"/>
+          <p:cNvSpPr/>
+          <p:nvPr/>
+        </p:nvSpPr>
+        <p:spPr>
+          <a:xfrm>
+            <a:off x="0" y="224280"/>
+            <a:ext cx="12019320" cy="854640"/>
+          </a:xfrm>
+          <a:prstGeom prst="rect">
+            <a:avLst/>
+          </a:prstGeom>
+          <a:noFill/>
+          <a:ln>
+            <a:noFill/>
+          </a:ln>
+        </p:spPr>
+        <p:style>
+          <a:lnRef idx="0">
+            <a:scrgbClr r="0" g="0" b="0"/>
+          </a:lnRef>
+          <a:fillRef idx="0">
+            <a:scrgbClr r="0" g="0" b="0"/>
+          </a:fillRef>
+          <a:effectRef idx="0">
+            <a:scrgbClr r="0" g="0" b="0"/>
+          </a:effectRef>
+          <a:fontRef idx="minor"/>
+        </p:style>
+        <p:txBody>
+          <a:bodyPr lIns="90000" tIns="45000" rIns="90000" bIns="45000" anchor="ctr">
+            <a:noAutofit/>
+          </a:bodyPr>
+          <a:lstStyle/>
+          <a:p>
+            <a:pPr algn="ctr">
+              <a:lnSpc>
+                <a:spcPct val="90000"/>
+              </a:lnSpc>
+            </a:pPr>
+            <a:r>
+              <a:rPr lang="pt-BR" sz="5400" b="0" strike="noStrike" spc="-1" dirty="0">
+                <a:solidFill>
+                  <a:srgbClr val="1F4E79"/>
+                </a:solidFill>
+                <a:latin typeface="Arial"/>
+                <a:ea typeface="DejaVu Sans"/>
+              </a:rPr>
+              <a:t>Estruturando as rotas</a:t>
+            </a:r>
+            <a:endParaRPr lang="pt-BR" sz="5400" b="0" strike="noStrike" spc="-1" dirty="0">
+              <a:latin typeface="Arial"/>
+            </a:endParaRPr>
+          </a:p>
+        </p:txBody>
+      </p:sp>
+      <p:sp>
+        <p:nvSpPr>
+          <p:cNvPr id="99" name="CustomShape 2"/>
+          <p:cNvSpPr/>
+          <p:nvPr/>
+        </p:nvSpPr>
+        <p:spPr>
+          <a:xfrm>
+            <a:off x="317520" y="1290960"/>
+            <a:ext cx="11701440" cy="4347360"/>
+          </a:xfrm>
+          <a:prstGeom prst="rect">
+            <a:avLst/>
+          </a:prstGeom>
+          <a:noFill/>
+          <a:ln>
+            <a:noFill/>
+          </a:ln>
+        </p:spPr>
+        <p:style>
+          <a:lnRef idx="0">
+            <a:scrgbClr r="0" g="0" b="0"/>
+          </a:lnRef>
+          <a:fillRef idx="0">
+            <a:scrgbClr r="0" g="0" b="0"/>
+          </a:fillRef>
+          <a:effectRef idx="0">
+            <a:scrgbClr r="0" g="0" b="0"/>
+          </a:effectRef>
+          <a:fontRef idx="minor"/>
+        </p:style>
+        <p:txBody>
+          <a:bodyPr lIns="90000" tIns="45000" rIns="90000" bIns="45000">
+            <a:normAutofit fontScale="92500" lnSpcReduction="20000"/>
+          </a:bodyPr>
+          <a:lstStyle/>
+          <a:p>
+            <a:pPr algn="ctr">
+              <a:lnSpc>
+                <a:spcPct val="100000"/>
+              </a:lnSpc>
+              <a:spcBef>
+                <a:spcPts val="1001"/>
+              </a:spcBef>
+              <a:spcAft>
+                <a:spcPts val="1001"/>
+              </a:spcAft>
+              <a:tabLst>
+                <a:tab pos="0" algn="l"/>
+              </a:tabLst>
+            </a:pPr>
+            <a:r>
+              <a:rPr lang="pt-BR" sz="3200" spc="-1" dirty="0">
+                <a:solidFill>
+                  <a:srgbClr val="1F4E79"/>
+                </a:solidFill>
+              </a:rPr>
+              <a:t>As rotas serão tratadas no arquivo </a:t>
+            </a:r>
+            <a:r>
+              <a:rPr lang="pt-BR" sz="3200" spc="-1" dirty="0" err="1">
+                <a:solidFill>
+                  <a:srgbClr val="1F4E79"/>
+                </a:solidFill>
+                <a:latin typeface="Courier New" panose="02070309020205020404" pitchFamily="49" charset="0"/>
+                <a:cs typeface="Courier New" panose="02070309020205020404" pitchFamily="49" charset="0"/>
+              </a:rPr>
+              <a:t>App.tsx</a:t>
+            </a:r>
+            <a:r>
+              <a:rPr lang="pt-BR" sz="3200" spc="-1" dirty="0">
+                <a:solidFill>
+                  <a:srgbClr val="1F4E79"/>
+                </a:solidFill>
+              </a:rPr>
+              <a:t>:</a:t>
+            </a:r>
+          </a:p>
+          <a:p>
+            <a:pPr>
+              <a:lnSpc>
+                <a:spcPct val="100000"/>
+              </a:lnSpc>
+              <a:spcBef>
+                <a:spcPts val="1001"/>
+              </a:spcBef>
+              <a:spcAft>
+                <a:spcPts val="1001"/>
+              </a:spcAft>
+              <a:tabLst>
+                <a:tab pos="0" algn="l"/>
+              </a:tabLst>
+            </a:pPr>
+            <a:r>
+              <a:rPr lang="pt-BR" sz="3200" spc="-1" dirty="0">
+                <a:solidFill>
+                  <a:srgbClr val="1F4E79"/>
+                </a:solidFill>
+                <a:latin typeface="Courier New" panose="02070309020205020404" pitchFamily="49" charset="0"/>
+                <a:cs typeface="Courier New" panose="02070309020205020404" pitchFamily="49" charset="0"/>
+              </a:rPr>
+              <a:t>&lt;</a:t>
+            </a:r>
+            <a:r>
+              <a:rPr lang="pt-BR" sz="3200" spc="-1" dirty="0" err="1">
+                <a:solidFill>
+                  <a:srgbClr val="1F4E79"/>
+                </a:solidFill>
+                <a:latin typeface="Courier New" panose="02070309020205020404" pitchFamily="49" charset="0"/>
+                <a:cs typeface="Courier New" panose="02070309020205020404" pitchFamily="49" charset="0"/>
+              </a:rPr>
+              <a:t>BrowserRouter</a:t>
+            </a:r>
+            <a:r>
+              <a:rPr lang="pt-BR" sz="3200" spc="-1" dirty="0">
+                <a:solidFill>
+                  <a:srgbClr val="1F4E79"/>
+                </a:solidFill>
+                <a:latin typeface="Courier New" panose="02070309020205020404" pitchFamily="49" charset="0"/>
+                <a:cs typeface="Courier New" panose="02070309020205020404" pitchFamily="49" charset="0"/>
+              </a:rPr>
+              <a:t>&gt;</a:t>
+            </a:r>
+          </a:p>
+          <a:p>
+            <a:pPr>
+              <a:lnSpc>
+                <a:spcPct val="100000"/>
+              </a:lnSpc>
+              <a:spcBef>
+                <a:spcPts val="1001"/>
+              </a:spcBef>
+              <a:spcAft>
+                <a:spcPts val="1001"/>
+              </a:spcAft>
+              <a:tabLst>
+                <a:tab pos="0" algn="l"/>
+              </a:tabLst>
+            </a:pPr>
+            <a:r>
+              <a:rPr lang="pt-BR" sz="3200" spc="-1" dirty="0">
+                <a:solidFill>
+                  <a:srgbClr val="1F4E79"/>
+                </a:solidFill>
+                <a:latin typeface="Courier New" panose="02070309020205020404" pitchFamily="49" charset="0"/>
+                <a:cs typeface="Courier New" panose="02070309020205020404" pitchFamily="49" charset="0"/>
+              </a:rPr>
+              <a:t>		&lt;Switch&gt;</a:t>
+            </a:r>
+          </a:p>
+          <a:p>
+            <a:pPr>
+              <a:lnSpc>
+                <a:spcPct val="100000"/>
+              </a:lnSpc>
+              <a:spcBef>
+                <a:spcPts val="1001"/>
+              </a:spcBef>
+              <a:spcAft>
+                <a:spcPts val="1001"/>
+              </a:spcAft>
+              <a:tabLst>
+                <a:tab pos="0" algn="l"/>
+              </a:tabLst>
+            </a:pPr>
+            <a:r>
+              <a:rPr lang="pt-BR" sz="3200" spc="-1" dirty="0">
+                <a:solidFill>
+                  <a:srgbClr val="1F4E79"/>
+                </a:solidFill>
+                <a:latin typeface="Courier New" panose="02070309020205020404" pitchFamily="49" charset="0"/>
+                <a:cs typeface="Courier New" panose="02070309020205020404" pitchFamily="49" charset="0"/>
+              </a:rPr>
+              <a:t>        &lt;</a:t>
+            </a:r>
+            <a:r>
+              <a:rPr lang="pt-BR" sz="3200" spc="-1" dirty="0" err="1">
+                <a:solidFill>
+                  <a:srgbClr val="1F4E79"/>
+                </a:solidFill>
+                <a:latin typeface="Courier New" panose="02070309020205020404" pitchFamily="49" charset="0"/>
+                <a:cs typeface="Courier New" panose="02070309020205020404" pitchFamily="49" charset="0"/>
+              </a:rPr>
+              <a:t>Route</a:t>
+            </a:r>
+            <a:r>
+              <a:rPr lang="pt-BR" sz="3200" spc="-1" dirty="0">
+                <a:solidFill>
+                  <a:srgbClr val="1F4E79"/>
+                </a:solidFill>
+                <a:latin typeface="Courier New" panose="02070309020205020404" pitchFamily="49" charset="0"/>
+                <a:cs typeface="Courier New" panose="02070309020205020404" pitchFamily="49" charset="0"/>
+              </a:rPr>
+              <a:t> path="/" </a:t>
+            </a:r>
+            <a:r>
+              <a:rPr lang="pt-BR" sz="3200" spc="-1" dirty="0" err="1">
+                <a:solidFill>
+                  <a:srgbClr val="1F4E79"/>
+                </a:solidFill>
+                <a:latin typeface="Courier New" panose="02070309020205020404" pitchFamily="49" charset="0"/>
+                <a:cs typeface="Courier New" panose="02070309020205020404" pitchFamily="49" charset="0"/>
+              </a:rPr>
+              <a:t>exact</a:t>
+            </a:r>
+            <a:r>
+              <a:rPr lang="pt-BR" sz="3200" spc="-1" dirty="0">
+                <a:solidFill>
+                  <a:srgbClr val="1F4E79"/>
+                </a:solidFill>
+                <a:latin typeface="Courier New" panose="02070309020205020404" pitchFamily="49" charset="0"/>
+                <a:cs typeface="Courier New" panose="02070309020205020404" pitchFamily="49" charset="0"/>
+              </a:rPr>
+              <a:t> </a:t>
+            </a:r>
+            <a:r>
+              <a:rPr lang="pt-BR" sz="3200" spc="-1" dirty="0" err="1">
+                <a:solidFill>
+                  <a:srgbClr val="1F4E79"/>
+                </a:solidFill>
+                <a:latin typeface="Courier New" panose="02070309020205020404" pitchFamily="49" charset="0"/>
+                <a:cs typeface="Courier New" panose="02070309020205020404" pitchFamily="49" charset="0"/>
+              </a:rPr>
+              <a:t>component</a:t>
+            </a:r>
+            <a:r>
+              <a:rPr lang="pt-BR" sz="3200" spc="-1" dirty="0">
+                <a:solidFill>
+                  <a:srgbClr val="1F4E79"/>
+                </a:solidFill>
+                <a:latin typeface="Courier New" panose="02070309020205020404" pitchFamily="49" charset="0"/>
+                <a:cs typeface="Courier New" panose="02070309020205020404" pitchFamily="49" charset="0"/>
+              </a:rPr>
+              <a:t>={Home} /&gt;        			&lt;</a:t>
+            </a:r>
+            <a:r>
+              <a:rPr lang="pt-BR" sz="3200" spc="-1" dirty="0" err="1">
+                <a:solidFill>
+                  <a:srgbClr val="1F4E79"/>
+                </a:solidFill>
+                <a:latin typeface="Courier New" panose="02070309020205020404" pitchFamily="49" charset="0"/>
+                <a:cs typeface="Courier New" panose="02070309020205020404" pitchFamily="49" charset="0"/>
+              </a:rPr>
+              <a:t>Route</a:t>
+            </a:r>
+            <a:r>
+              <a:rPr lang="pt-BR" sz="3200" spc="-1" dirty="0">
+                <a:solidFill>
+                  <a:srgbClr val="1F4E79"/>
+                </a:solidFill>
+                <a:latin typeface="Courier New" panose="02070309020205020404" pitchFamily="49" charset="0"/>
+                <a:cs typeface="Courier New" panose="02070309020205020404" pitchFamily="49" charset="0"/>
+              </a:rPr>
+              <a:t> path="/</a:t>
+            </a:r>
+            <a:r>
+              <a:rPr lang="pt-BR" sz="3200" spc="-1" dirty="0" err="1">
+                <a:solidFill>
+                  <a:srgbClr val="1F4E79"/>
+                </a:solidFill>
+                <a:latin typeface="Courier New" panose="02070309020205020404" pitchFamily="49" charset="0"/>
+                <a:cs typeface="Courier New" panose="02070309020205020404" pitchFamily="49" charset="0"/>
+              </a:rPr>
+              <a:t>products</a:t>
+            </a:r>
+            <a:r>
+              <a:rPr lang="pt-BR" sz="3200" spc="-1" dirty="0">
+                <a:solidFill>
+                  <a:srgbClr val="1F4E79"/>
+                </a:solidFill>
+                <a:latin typeface="Courier New" panose="02070309020205020404" pitchFamily="49" charset="0"/>
+                <a:cs typeface="Courier New" panose="02070309020205020404" pitchFamily="49" charset="0"/>
+              </a:rPr>
+              <a:t>" </a:t>
+            </a:r>
+            <a:r>
+              <a:rPr lang="pt-BR" sz="3200" spc="-1" dirty="0" err="1">
+                <a:solidFill>
+                  <a:srgbClr val="1F4E79"/>
+                </a:solidFill>
+                <a:latin typeface="Courier New" panose="02070309020205020404" pitchFamily="49" charset="0"/>
+                <a:cs typeface="Courier New" panose="02070309020205020404" pitchFamily="49" charset="0"/>
+              </a:rPr>
+              <a:t>component</a:t>
+            </a:r>
+            <a:r>
+              <a:rPr lang="pt-BR" sz="3200" spc="-1" dirty="0">
+                <a:solidFill>
+                  <a:srgbClr val="1F4E79"/>
+                </a:solidFill>
+                <a:latin typeface="Courier New" panose="02070309020205020404" pitchFamily="49" charset="0"/>
+                <a:cs typeface="Courier New" panose="02070309020205020404" pitchFamily="49" charset="0"/>
+              </a:rPr>
+              <a:t>={</a:t>
+            </a:r>
+            <a:r>
+              <a:rPr lang="pt-BR" sz="3200" spc="-1" dirty="0" err="1">
+                <a:solidFill>
+                  <a:srgbClr val="1F4E79"/>
+                </a:solidFill>
+                <a:latin typeface="Courier New" panose="02070309020205020404" pitchFamily="49" charset="0"/>
+                <a:cs typeface="Courier New" panose="02070309020205020404" pitchFamily="49" charset="0"/>
+              </a:rPr>
+              <a:t>Products</a:t>
+            </a:r>
+            <a:r>
+              <a:rPr lang="pt-BR" sz="3200" spc="-1" dirty="0">
+                <a:solidFill>
+                  <a:srgbClr val="1F4E79"/>
+                </a:solidFill>
+                <a:latin typeface="Courier New" panose="02070309020205020404" pitchFamily="49" charset="0"/>
+                <a:cs typeface="Courier New" panose="02070309020205020404" pitchFamily="49" charset="0"/>
+              </a:rPr>
+              <a:t>} /&gt;</a:t>
+            </a:r>
+          </a:p>
+          <a:p>
+            <a:pPr>
+              <a:lnSpc>
+                <a:spcPct val="100000"/>
+              </a:lnSpc>
+              <a:spcBef>
+                <a:spcPts val="1001"/>
+              </a:spcBef>
+              <a:spcAft>
+                <a:spcPts val="1001"/>
+              </a:spcAft>
+              <a:tabLst>
+                <a:tab pos="0" algn="l"/>
+              </a:tabLst>
+            </a:pPr>
+            <a:r>
+              <a:rPr lang="pt-BR" sz="3200" spc="-1" dirty="0">
+                <a:solidFill>
+                  <a:srgbClr val="1F4E79"/>
+                </a:solidFill>
+                <a:latin typeface="Courier New" panose="02070309020205020404" pitchFamily="49" charset="0"/>
+                <a:cs typeface="Courier New" panose="02070309020205020404" pitchFamily="49" charset="0"/>
+              </a:rPr>
+              <a:t>     &lt;/Switch&gt;</a:t>
+            </a:r>
+          </a:p>
+          <a:p>
+            <a:pPr>
+              <a:lnSpc>
+                <a:spcPct val="100000"/>
+              </a:lnSpc>
+              <a:spcBef>
+                <a:spcPts val="1001"/>
+              </a:spcBef>
+              <a:spcAft>
+                <a:spcPts val="1001"/>
+              </a:spcAft>
+              <a:tabLst>
+                <a:tab pos="0" algn="l"/>
+              </a:tabLst>
+            </a:pPr>
+            <a:r>
+              <a:rPr lang="pt-BR" sz="3200" spc="-1" dirty="0">
+                <a:solidFill>
+                  <a:srgbClr val="1F4E79"/>
+                </a:solidFill>
+                <a:latin typeface="Courier New" panose="02070309020205020404" pitchFamily="49" charset="0"/>
+                <a:cs typeface="Courier New" panose="02070309020205020404" pitchFamily="49" charset="0"/>
+              </a:rPr>
+              <a:t>&lt;/</a:t>
+            </a:r>
+            <a:r>
+              <a:rPr lang="pt-BR" sz="3200" spc="-1" dirty="0" err="1">
+                <a:solidFill>
+                  <a:srgbClr val="1F4E79"/>
+                </a:solidFill>
+                <a:latin typeface="Courier New" panose="02070309020205020404" pitchFamily="49" charset="0"/>
+                <a:cs typeface="Courier New" panose="02070309020205020404" pitchFamily="49" charset="0"/>
+              </a:rPr>
+              <a:t>BrowserRouter</a:t>
+            </a:r>
+            <a:r>
+              <a:rPr lang="pt-BR" sz="3200" spc="-1" dirty="0">
+                <a:solidFill>
+                  <a:srgbClr val="1F4E79"/>
+                </a:solidFill>
+                <a:latin typeface="Courier New" panose="02070309020205020404" pitchFamily="49" charset="0"/>
+                <a:cs typeface="Courier New" panose="02070309020205020404" pitchFamily="49" charset="0"/>
+              </a:rPr>
+              <a:t>&gt;</a:t>
+            </a:r>
+          </a:p>
+        </p:txBody>
+      </p:sp>
+    </p:spTree>
+    <p:extLst>
+      <p:ext uri="{BB962C8B-B14F-4D97-AF65-F5344CB8AC3E}">
+        <p14:creationId xmlns:p14="http://schemas.microsoft.com/office/powerpoint/2010/main" val="2393837753"/>
+      </p:ext>
+    </p:extLst>
+  </p:cSld>
+  <p:clrMapOvr>
+    <a:masterClrMapping/>
+  </p:clrMapOvr>
+</p:sld>
+</file>
+
+<file path=ppt/slides/slide33.xml><?xml version="1.0" encoding="utf-8"?>
+<p:sld xmlns:a="http://schemas.openxmlformats.org/drawingml/2006/main" xmlns:r="http://schemas.openxmlformats.org/officeDocument/2006/relationships" xmlns:p="http://schemas.openxmlformats.org/presentationml/2006/main">
+  <p:cSld>
+    <p:spTree>
+      <p:nvGrpSpPr>
+        <p:cNvPr id="1" name=""/>
+        <p:cNvGrpSpPr/>
+        <p:nvPr/>
+      </p:nvGrpSpPr>
+      <p:grpSpPr>
+        <a:xfrm>
+          <a:off x="0" y="0"/>
+          <a:ext cx="0" cy="0"/>
+          <a:chOff x="0" y="0"/>
+          <a:chExt cx="0" cy="0"/>
+        </a:xfrm>
+      </p:grpSpPr>
+      <p:sp>
+        <p:nvSpPr>
+          <p:cNvPr id="98" name="CustomShape 1"/>
+          <p:cNvSpPr/>
+          <p:nvPr/>
+        </p:nvSpPr>
+        <p:spPr>
+          <a:xfrm>
+            <a:off x="0" y="224280"/>
+            <a:ext cx="12019320" cy="854640"/>
+          </a:xfrm>
+          <a:prstGeom prst="rect">
+            <a:avLst/>
+          </a:prstGeom>
+          <a:noFill/>
+          <a:ln>
+            <a:noFill/>
+          </a:ln>
+        </p:spPr>
+        <p:style>
+          <a:lnRef idx="0">
+            <a:scrgbClr r="0" g="0" b="0"/>
+          </a:lnRef>
+          <a:fillRef idx="0">
+            <a:scrgbClr r="0" g="0" b="0"/>
+          </a:fillRef>
+          <a:effectRef idx="0">
+            <a:scrgbClr r="0" g="0" b="0"/>
+          </a:effectRef>
+          <a:fontRef idx="minor"/>
+        </p:style>
+        <p:txBody>
+          <a:bodyPr lIns="90000" tIns="45000" rIns="90000" bIns="45000" anchor="ctr">
+            <a:noAutofit/>
+          </a:bodyPr>
+          <a:lstStyle/>
+          <a:p>
+            <a:pPr algn="ctr">
+              <a:lnSpc>
+                <a:spcPct val="90000"/>
+              </a:lnSpc>
+            </a:pPr>
+            <a:r>
+              <a:rPr lang="pt-BR" sz="5400" b="0" strike="noStrike" spc="-1" dirty="0">
+                <a:solidFill>
+                  <a:srgbClr val="1F4E79"/>
+                </a:solidFill>
+                <a:latin typeface="Arial"/>
+                <a:ea typeface="DejaVu Sans"/>
+              </a:rPr>
+              <a:t>Criando um menu global</a:t>
+            </a:r>
+            <a:endParaRPr lang="pt-BR" sz="5400" b="0" strike="noStrike" spc="-1" dirty="0">
+              <a:latin typeface="Arial"/>
+            </a:endParaRPr>
+          </a:p>
+        </p:txBody>
+      </p:sp>
+      <p:sp>
+        <p:nvSpPr>
+          <p:cNvPr id="99" name="CustomShape 2"/>
+          <p:cNvSpPr/>
+          <p:nvPr/>
+        </p:nvSpPr>
+        <p:spPr>
+          <a:xfrm>
+            <a:off x="317520" y="1290960"/>
+            <a:ext cx="11701440" cy="4347360"/>
+          </a:xfrm>
+          <a:prstGeom prst="rect">
+            <a:avLst/>
+          </a:prstGeom>
+          <a:noFill/>
+          <a:ln>
+            <a:noFill/>
+          </a:ln>
+        </p:spPr>
+        <p:style>
+          <a:lnRef idx="0">
+            <a:scrgbClr r="0" g="0" b="0"/>
+          </a:lnRef>
+          <a:fillRef idx="0">
+            <a:scrgbClr r="0" g="0" b="0"/>
+          </a:fillRef>
+          <a:effectRef idx="0">
+            <a:scrgbClr r="0" g="0" b="0"/>
+          </a:effectRef>
+          <a:fontRef idx="minor"/>
+        </p:style>
+        <p:txBody>
+          <a:bodyPr lIns="90000" tIns="45000" rIns="90000" bIns="45000">
+            <a:normAutofit fontScale="92500" lnSpcReduction="10000"/>
+          </a:bodyPr>
+          <a:lstStyle/>
+          <a:p>
+            <a:pPr algn="ctr">
+              <a:lnSpc>
+                <a:spcPct val="100000"/>
+              </a:lnSpc>
+              <a:spcBef>
+                <a:spcPts val="1001"/>
+              </a:spcBef>
+              <a:spcAft>
+                <a:spcPts val="1001"/>
+              </a:spcAft>
+              <a:tabLst>
+                <a:tab pos="0" algn="l"/>
+              </a:tabLst>
+            </a:pPr>
+            <a:r>
+              <a:rPr lang="pt-BR" sz="3200" spc="-1" dirty="0">
+                <a:solidFill>
+                  <a:srgbClr val="1F4E79"/>
+                </a:solidFill>
+              </a:rPr>
+              <a:t>Em componentes, crie um diretório </a:t>
+            </a:r>
+            <a:r>
+              <a:rPr lang="pt-BR" sz="3200" spc="-1" dirty="0" err="1">
+                <a:solidFill>
+                  <a:srgbClr val="1F4E79"/>
+                </a:solidFill>
+                <a:latin typeface="Courier New" panose="02070309020205020404" pitchFamily="49" charset="0"/>
+                <a:cs typeface="Courier New" panose="02070309020205020404" pitchFamily="49" charset="0"/>
+              </a:rPr>
+              <a:t>globalMenu</a:t>
+            </a:r>
+            <a:r>
+              <a:rPr lang="pt-BR" sz="3200" spc="-1" dirty="0">
+                <a:solidFill>
+                  <a:srgbClr val="1F4E79"/>
+                </a:solidFill>
+              </a:rPr>
+              <a:t>, e um arquivo </a:t>
+            </a:r>
+            <a:r>
+              <a:rPr lang="pt-BR" sz="3200" spc="-1" dirty="0" err="1">
+                <a:solidFill>
+                  <a:srgbClr val="1F4E79"/>
+                </a:solidFill>
+                <a:latin typeface="Courier New" panose="02070309020205020404" pitchFamily="49" charset="0"/>
+                <a:cs typeface="Courier New" panose="02070309020205020404" pitchFamily="49" charset="0"/>
+              </a:rPr>
+              <a:t>index.tsx</a:t>
+            </a:r>
+            <a:r>
+              <a:rPr lang="pt-BR" sz="3200" spc="-1" dirty="0">
+                <a:solidFill>
+                  <a:srgbClr val="1F4E79"/>
+                </a:solidFill>
+              </a:rPr>
+              <a:t>:</a:t>
+            </a:r>
+          </a:p>
+          <a:p>
+            <a:pPr>
+              <a:lnSpc>
+                <a:spcPct val="100000"/>
+              </a:lnSpc>
+              <a:spcBef>
+                <a:spcPts val="1001"/>
+              </a:spcBef>
+              <a:spcAft>
+                <a:spcPts val="1001"/>
+              </a:spcAft>
+              <a:tabLst>
+                <a:tab pos="0" algn="l"/>
+              </a:tabLst>
+            </a:pPr>
+            <a:r>
+              <a:rPr lang="en-US" sz="3200" spc="-1" dirty="0">
+                <a:solidFill>
+                  <a:srgbClr val="1F4E79"/>
+                </a:solidFill>
+                <a:latin typeface="Courier New" panose="02070309020205020404" pitchFamily="49" charset="0"/>
+                <a:cs typeface="Courier New" panose="02070309020205020404" pitchFamily="49" charset="0"/>
+              </a:rPr>
+              <a:t>&lt;nav&gt;</a:t>
+            </a:r>
+          </a:p>
+          <a:p>
+            <a:pPr>
+              <a:lnSpc>
+                <a:spcPct val="100000"/>
+              </a:lnSpc>
+              <a:spcBef>
+                <a:spcPts val="1001"/>
+              </a:spcBef>
+              <a:spcAft>
+                <a:spcPts val="1001"/>
+              </a:spcAft>
+              <a:tabLst>
+                <a:tab pos="0" algn="l"/>
+              </a:tabLst>
+            </a:pPr>
+            <a:r>
+              <a:rPr lang="en-US" sz="3200" spc="-1" dirty="0">
+                <a:solidFill>
+                  <a:srgbClr val="1F4E79"/>
+                </a:solidFill>
+                <a:latin typeface="Courier New" panose="02070309020205020404" pitchFamily="49" charset="0"/>
+                <a:cs typeface="Courier New" panose="02070309020205020404" pitchFamily="49" charset="0"/>
+              </a:rPr>
+              <a:t>		&lt;Link to="/"&gt;Home&lt;/Link&gt;</a:t>
+            </a:r>
+          </a:p>
+          <a:p>
+            <a:pPr>
+              <a:lnSpc>
+                <a:spcPct val="100000"/>
+              </a:lnSpc>
+              <a:spcBef>
+                <a:spcPts val="1001"/>
+              </a:spcBef>
+              <a:spcAft>
+                <a:spcPts val="1001"/>
+              </a:spcAft>
+              <a:tabLst>
+                <a:tab pos="0" algn="l"/>
+              </a:tabLst>
+            </a:pPr>
+            <a:r>
+              <a:rPr lang="en-US" sz="3200" spc="-1" dirty="0">
+                <a:solidFill>
+                  <a:srgbClr val="1F4E79"/>
+                </a:solidFill>
+                <a:latin typeface="Courier New" panose="02070309020205020404" pitchFamily="49" charset="0"/>
+                <a:cs typeface="Courier New" panose="02070309020205020404" pitchFamily="49" charset="0"/>
+              </a:rPr>
+              <a:t>    &lt;Link to="/products"&gt;</a:t>
+            </a:r>
+            <a:r>
+              <a:rPr lang="en-US" sz="3200" spc="-1" dirty="0" err="1">
+                <a:solidFill>
+                  <a:srgbClr val="1F4E79"/>
+                </a:solidFill>
+                <a:latin typeface="Courier New" panose="02070309020205020404" pitchFamily="49" charset="0"/>
+                <a:cs typeface="Courier New" panose="02070309020205020404" pitchFamily="49" charset="0"/>
+              </a:rPr>
+              <a:t>Produtos</a:t>
+            </a:r>
+            <a:r>
+              <a:rPr lang="en-US" sz="3200" spc="-1" dirty="0">
+                <a:solidFill>
+                  <a:srgbClr val="1F4E79"/>
+                </a:solidFill>
+                <a:latin typeface="Courier New" panose="02070309020205020404" pitchFamily="49" charset="0"/>
+                <a:cs typeface="Courier New" panose="02070309020205020404" pitchFamily="49" charset="0"/>
+              </a:rPr>
+              <a:t>&lt;/Link&gt;</a:t>
+            </a:r>
+          </a:p>
+          <a:p>
+            <a:pPr>
+              <a:lnSpc>
+                <a:spcPct val="100000"/>
+              </a:lnSpc>
+              <a:spcBef>
+                <a:spcPts val="1001"/>
+              </a:spcBef>
+              <a:spcAft>
+                <a:spcPts val="1001"/>
+              </a:spcAft>
+              <a:tabLst>
+                <a:tab pos="0" algn="l"/>
+              </a:tabLst>
+            </a:pPr>
+            <a:r>
+              <a:rPr lang="en-US" sz="3200" spc="-1" dirty="0">
+                <a:solidFill>
+                  <a:srgbClr val="1F4E79"/>
+                </a:solidFill>
+                <a:latin typeface="Courier New" panose="02070309020205020404" pitchFamily="49" charset="0"/>
+                <a:cs typeface="Courier New" panose="02070309020205020404" pitchFamily="49" charset="0"/>
+              </a:rPr>
+              <a:t>    &lt;Link to="/tests"&gt;Testes&lt;/Link&gt;</a:t>
+            </a:r>
+          </a:p>
+          <a:p>
+            <a:pPr>
+              <a:lnSpc>
+                <a:spcPct val="100000"/>
+              </a:lnSpc>
+              <a:spcBef>
+                <a:spcPts val="1001"/>
+              </a:spcBef>
+              <a:spcAft>
+                <a:spcPts val="1001"/>
+              </a:spcAft>
+              <a:tabLst>
+                <a:tab pos="0" algn="l"/>
+              </a:tabLst>
+            </a:pPr>
+            <a:r>
+              <a:rPr lang="en-US" sz="3200" spc="-1" dirty="0">
+                <a:solidFill>
+                  <a:srgbClr val="1F4E79"/>
+                </a:solidFill>
+                <a:latin typeface="Courier New" panose="02070309020205020404" pitchFamily="49" charset="0"/>
+                <a:cs typeface="Courier New" panose="02070309020205020404" pitchFamily="49" charset="0"/>
+              </a:rPr>
+              <a:t>&lt;/nav&gt;</a:t>
+            </a:r>
+            <a:endParaRPr lang="pt-BR" sz="3200" spc="-1" dirty="0">
+              <a:solidFill>
+                <a:srgbClr val="1F4E79"/>
+              </a:solidFill>
+              <a:latin typeface="Courier New" panose="02070309020205020404" pitchFamily="49" charset="0"/>
+              <a:cs typeface="Courier New" panose="02070309020205020404" pitchFamily="49" charset="0"/>
+            </a:endParaRPr>
+          </a:p>
+        </p:txBody>
+      </p:sp>
+    </p:spTree>
+    <p:extLst>
+      <p:ext uri="{BB962C8B-B14F-4D97-AF65-F5344CB8AC3E}">
+        <p14:creationId xmlns:p14="http://schemas.microsoft.com/office/powerpoint/2010/main" val="3987213517"/>
+      </p:ext>
+    </p:extLst>
+  </p:cSld>
+  <p:clrMapOvr>
+    <a:masterClrMapping/>
+  </p:clrMapOvr>
+</p:sld>
+</file>
+
+<file path=ppt/slides/slide34.xml><?xml version="1.0" encoding="utf-8"?>
 <p:sld xmlns:a="http://schemas.openxmlformats.org/drawingml/2006/main" xmlns:r="http://schemas.openxmlformats.org/officeDocument/2006/relationships" xmlns:p="http://schemas.openxmlformats.org/presentationml/2006/main">
   <p:cSld>
     <p:spTree>

--- a/React.pptx
+++ b/React.pptx
@@ -6,7 +6,7 @@
     <p:sldMasterId id="2147483661" r:id="rId2"/>
   </p:sldMasterIdLst>
   <p:notesMasterIdLst>
-    <p:notesMasterId r:id="rId37"/>
+    <p:notesMasterId r:id="rId46"/>
   </p:notesMasterIdLst>
   <p:sldIdLst>
     <p:sldId id="256" r:id="rId3"/>
@@ -42,7 +42,16 @@
     <p:sldId id="293" r:id="rId33"/>
     <p:sldId id="294" r:id="rId34"/>
     <p:sldId id="295" r:id="rId35"/>
-    <p:sldId id="267" r:id="rId36"/>
+    <p:sldId id="296" r:id="rId36"/>
+    <p:sldId id="297" r:id="rId37"/>
+    <p:sldId id="298" r:id="rId38"/>
+    <p:sldId id="299" r:id="rId39"/>
+    <p:sldId id="300" r:id="rId40"/>
+    <p:sldId id="304" r:id="rId41"/>
+    <p:sldId id="301" r:id="rId42"/>
+    <p:sldId id="302" r:id="rId43"/>
+    <p:sldId id="303" r:id="rId44"/>
+    <p:sldId id="267" r:id="rId45"/>
   </p:sldIdLst>
   <p:sldSz cx="12192000" cy="6858000"/>
   <p:notesSz cx="6858000" cy="9144000"/>
@@ -4346,7 +4355,7 @@
       </p:grpSpPr>
       <p:sp>
         <p:nvSpPr>
-          <p:cNvPr id="139" name="PlaceHolder 1"/>
+          <p:cNvPr id="202" name="PlaceHolder 1"/>
           <p:cNvSpPr>
             <a:spLocks noGrp="1" noRot="1" noChangeAspect="1"/>
           </p:cNvSpPr>
@@ -4356,17 +4365,17 @@
         </p:nvSpPr>
         <p:spPr>
           <a:xfrm>
-            <a:off x="685800" y="1143000"/>
-            <a:ext cx="5484813" cy="3084513"/>
-          </a:xfrm>
-          <a:prstGeom prst="rect">
-            <a:avLst/>
-          </a:prstGeom>
-        </p:spPr>
-      </p:sp>
-      <p:sp>
-        <p:nvSpPr>
-          <p:cNvPr id="140" name="PlaceHolder 2"/>
+            <a:off x="687388" y="1143000"/>
+            <a:ext cx="5480050" cy="3082925"/>
+          </a:xfrm>
+          <a:prstGeom prst="rect">
+            <a:avLst/>
+          </a:prstGeom>
+        </p:spPr>
+      </p:sp>
+      <p:sp>
+        <p:nvSpPr>
+          <p:cNvPr id="203" name="PlaceHolder 2"/>
           <p:cNvSpPr>
             <a:spLocks noGrp="1"/>
           </p:cNvSpPr>
@@ -4377,7 +4386,7 @@
         <p:spPr>
           <a:xfrm>
             <a:off x="685800" y="4400640"/>
-            <a:ext cx="5485320" cy="3599280"/>
+            <a:ext cx="5482440" cy="3596400"/>
           </a:xfrm>
           <a:prstGeom prst="rect">
             <a:avLst/>
@@ -4389,22 +4398,22 @@
           </a:bodyPr>
           <a:lstStyle/>
           <a:p>
-            <a:endParaRPr lang="pt-BR" sz="2000" b="0" strike="noStrike" spc="-1">
-              <a:latin typeface="Arial"/>
+            <a:endParaRPr lang="pt-BR" sz="2000" b="0" strike="noStrike" spc="-1" dirty="0">
+              <a:latin typeface="+mn-lt"/>
             </a:endParaRPr>
           </a:p>
         </p:txBody>
       </p:sp>
       <p:sp>
         <p:nvSpPr>
-          <p:cNvPr id="141" name="CustomShape 3"/>
+          <p:cNvPr id="204" name="CustomShape 3"/>
           <p:cNvSpPr/>
           <p:nvPr/>
         </p:nvSpPr>
         <p:spPr>
           <a:xfrm>
             <a:off x="3884760" y="8685360"/>
-            <a:ext cx="2970720" cy="457560"/>
+            <a:ext cx="2967840" cy="454680"/>
           </a:xfrm>
           <a:prstGeom prst="rect">
             <a:avLst/>
@@ -4437,12 +4446,13 @@
                 <a:spcPct val="100000"/>
               </a:lnSpc>
             </a:pPr>
-            <a:fld id="{76541F3C-0A59-4F90-AFC6-6F0BC6A0EC2F}" type="slidenum">
+            <a:fld id="{EECC64C6-2FBD-4770-B109-62040DE39BC9}" type="slidenum">
               <a:rPr lang="pt-BR" sz="1200" b="0" strike="noStrike" spc="-1">
                 <a:solidFill>
                   <a:srgbClr val="000000"/>
                 </a:solidFill>
                 <a:latin typeface="Times New Roman"/>
+                <a:ea typeface="+mn-ea"/>
               </a:rPr>
               <a:t>34</a:t>
             </a:fld>
@@ -4453,6 +4463,706 @@
         </p:txBody>
       </p:sp>
     </p:spTree>
+    <p:extLst>
+      <p:ext uri="{BB962C8B-B14F-4D97-AF65-F5344CB8AC3E}">
+        <p14:creationId xmlns:p14="http://schemas.microsoft.com/office/powerpoint/2010/main" val="2984580001"/>
+      </p:ext>
+    </p:extLst>
+  </p:cSld>
+  <p:clrMapOvr>
+    <a:masterClrMapping/>
+  </p:clrMapOvr>
+</p:notes>
+</file>
+
+<file path=ppt/notesSlides/notesSlide35.xml><?xml version="1.0" encoding="utf-8"?>
+<p:notes xmlns:a="http://schemas.openxmlformats.org/drawingml/2006/main" xmlns:r="http://schemas.openxmlformats.org/officeDocument/2006/relationships" xmlns:p="http://schemas.openxmlformats.org/presentationml/2006/main">
+  <p:cSld>
+    <p:spTree>
+      <p:nvGrpSpPr>
+        <p:cNvPr id="1" name=""/>
+        <p:cNvGrpSpPr/>
+        <p:nvPr/>
+      </p:nvGrpSpPr>
+      <p:grpSpPr>
+        <a:xfrm>
+          <a:off x="0" y="0"/>
+          <a:ext cx="0" cy="0"/>
+          <a:chOff x="0" y="0"/>
+          <a:chExt cx="0" cy="0"/>
+        </a:xfrm>
+      </p:grpSpPr>
+      <p:sp>
+        <p:nvSpPr>
+          <p:cNvPr id="202" name="PlaceHolder 1"/>
+          <p:cNvSpPr>
+            <a:spLocks noGrp="1" noRot="1" noChangeAspect="1"/>
+          </p:cNvSpPr>
+          <p:nvPr>
+            <p:ph type="sldImg"/>
+          </p:nvPr>
+        </p:nvSpPr>
+        <p:spPr>
+          <a:xfrm>
+            <a:off x="687388" y="1143000"/>
+            <a:ext cx="5480050" cy="3082925"/>
+          </a:xfrm>
+          <a:prstGeom prst="rect">
+            <a:avLst/>
+          </a:prstGeom>
+        </p:spPr>
+      </p:sp>
+      <p:sp>
+        <p:nvSpPr>
+          <p:cNvPr id="203" name="PlaceHolder 2"/>
+          <p:cNvSpPr>
+            <a:spLocks noGrp="1"/>
+          </p:cNvSpPr>
+          <p:nvPr>
+            <p:ph type="body"/>
+          </p:nvPr>
+        </p:nvSpPr>
+        <p:spPr>
+          <a:xfrm>
+            <a:off x="685800" y="4400640"/>
+            <a:ext cx="5482440" cy="3596400"/>
+          </a:xfrm>
+          <a:prstGeom prst="rect">
+            <a:avLst/>
+          </a:prstGeom>
+        </p:spPr>
+        <p:txBody>
+          <a:bodyPr lIns="0" tIns="0" rIns="0" bIns="0">
+            <a:noAutofit/>
+          </a:bodyPr>
+          <a:lstStyle/>
+          <a:p>
+            <a:endParaRPr lang="pt-BR" sz="2000" b="0" strike="noStrike" spc="-1" dirty="0">
+              <a:latin typeface="+mn-lt"/>
+            </a:endParaRPr>
+          </a:p>
+        </p:txBody>
+      </p:sp>
+      <p:sp>
+        <p:nvSpPr>
+          <p:cNvPr id="204" name="CustomShape 3"/>
+          <p:cNvSpPr/>
+          <p:nvPr/>
+        </p:nvSpPr>
+        <p:spPr>
+          <a:xfrm>
+            <a:off x="3884760" y="8685360"/>
+            <a:ext cx="2967840" cy="454680"/>
+          </a:xfrm>
+          <a:prstGeom prst="rect">
+            <a:avLst/>
+          </a:prstGeom>
+          <a:noFill/>
+          <a:ln>
+            <a:noFill/>
+          </a:ln>
+        </p:spPr>
+        <p:style>
+          <a:lnRef idx="0">
+            <a:scrgbClr r="0" g="0" b="0"/>
+          </a:lnRef>
+          <a:fillRef idx="0">
+            <a:scrgbClr r="0" g="0" b="0"/>
+          </a:fillRef>
+          <a:effectRef idx="0">
+            <a:scrgbClr r="0" g="0" b="0"/>
+          </a:effectRef>
+          <a:fontRef idx="minor"/>
+        </p:style>
+        <p:txBody>
+          <a:bodyPr lIns="90000" tIns="45000" rIns="90000" bIns="45000" anchor="b">
+            <a:noAutofit/>
+          </a:bodyPr>
+          <a:lstStyle/>
+          <a:p>
+            <a:pPr algn="r">
+              <a:lnSpc>
+                <a:spcPct val="100000"/>
+              </a:lnSpc>
+            </a:pPr>
+            <a:fld id="{EECC64C6-2FBD-4770-B109-62040DE39BC9}" type="slidenum">
+              <a:rPr lang="pt-BR" sz="1200" b="0" strike="noStrike" spc="-1">
+                <a:solidFill>
+                  <a:srgbClr val="000000"/>
+                </a:solidFill>
+                <a:latin typeface="Times New Roman"/>
+                <a:ea typeface="+mn-ea"/>
+              </a:rPr>
+              <a:t>35</a:t>
+            </a:fld>
+            <a:endParaRPr lang="pt-BR" sz="1200" b="0" strike="noStrike" spc="-1">
+              <a:latin typeface="Arial"/>
+            </a:endParaRPr>
+          </a:p>
+        </p:txBody>
+      </p:sp>
+    </p:spTree>
+    <p:extLst>
+      <p:ext uri="{BB962C8B-B14F-4D97-AF65-F5344CB8AC3E}">
+        <p14:creationId xmlns:p14="http://schemas.microsoft.com/office/powerpoint/2010/main" val="3289434632"/>
+      </p:ext>
+    </p:extLst>
+  </p:cSld>
+  <p:clrMapOvr>
+    <a:masterClrMapping/>
+  </p:clrMapOvr>
+</p:notes>
+</file>
+
+<file path=ppt/notesSlides/notesSlide36.xml><?xml version="1.0" encoding="utf-8"?>
+<p:notes xmlns:a="http://schemas.openxmlformats.org/drawingml/2006/main" xmlns:r="http://schemas.openxmlformats.org/officeDocument/2006/relationships" xmlns:p="http://schemas.openxmlformats.org/presentationml/2006/main">
+  <p:cSld>
+    <p:spTree>
+      <p:nvGrpSpPr>
+        <p:cNvPr id="1" name=""/>
+        <p:cNvGrpSpPr/>
+        <p:nvPr/>
+      </p:nvGrpSpPr>
+      <p:grpSpPr>
+        <a:xfrm>
+          <a:off x="0" y="0"/>
+          <a:ext cx="0" cy="0"/>
+          <a:chOff x="0" y="0"/>
+          <a:chExt cx="0" cy="0"/>
+        </a:xfrm>
+      </p:grpSpPr>
+      <p:sp>
+        <p:nvSpPr>
+          <p:cNvPr id="202" name="PlaceHolder 1"/>
+          <p:cNvSpPr>
+            <a:spLocks noGrp="1" noRot="1" noChangeAspect="1"/>
+          </p:cNvSpPr>
+          <p:nvPr>
+            <p:ph type="sldImg"/>
+          </p:nvPr>
+        </p:nvSpPr>
+        <p:spPr>
+          <a:xfrm>
+            <a:off x="687388" y="1143000"/>
+            <a:ext cx="5480050" cy="3082925"/>
+          </a:xfrm>
+          <a:prstGeom prst="rect">
+            <a:avLst/>
+          </a:prstGeom>
+        </p:spPr>
+      </p:sp>
+      <p:sp>
+        <p:nvSpPr>
+          <p:cNvPr id="203" name="PlaceHolder 2"/>
+          <p:cNvSpPr>
+            <a:spLocks noGrp="1"/>
+          </p:cNvSpPr>
+          <p:nvPr>
+            <p:ph type="body"/>
+          </p:nvPr>
+        </p:nvSpPr>
+        <p:spPr>
+          <a:xfrm>
+            <a:off x="685800" y="4400640"/>
+            <a:ext cx="5482440" cy="3596400"/>
+          </a:xfrm>
+          <a:prstGeom prst="rect">
+            <a:avLst/>
+          </a:prstGeom>
+        </p:spPr>
+        <p:txBody>
+          <a:bodyPr lIns="0" tIns="0" rIns="0" bIns="0">
+            <a:noAutofit/>
+          </a:bodyPr>
+          <a:lstStyle/>
+          <a:p>
+            <a:endParaRPr lang="pt-BR" sz="2000" b="0" strike="noStrike" spc="-1" dirty="0">
+              <a:latin typeface="+mn-lt"/>
+            </a:endParaRPr>
+          </a:p>
+        </p:txBody>
+      </p:sp>
+      <p:sp>
+        <p:nvSpPr>
+          <p:cNvPr id="204" name="CustomShape 3"/>
+          <p:cNvSpPr/>
+          <p:nvPr/>
+        </p:nvSpPr>
+        <p:spPr>
+          <a:xfrm>
+            <a:off x="3884760" y="8685360"/>
+            <a:ext cx="2967840" cy="454680"/>
+          </a:xfrm>
+          <a:prstGeom prst="rect">
+            <a:avLst/>
+          </a:prstGeom>
+          <a:noFill/>
+          <a:ln>
+            <a:noFill/>
+          </a:ln>
+        </p:spPr>
+        <p:style>
+          <a:lnRef idx="0">
+            <a:scrgbClr r="0" g="0" b="0"/>
+          </a:lnRef>
+          <a:fillRef idx="0">
+            <a:scrgbClr r="0" g="0" b="0"/>
+          </a:fillRef>
+          <a:effectRef idx="0">
+            <a:scrgbClr r="0" g="0" b="0"/>
+          </a:effectRef>
+          <a:fontRef idx="minor"/>
+        </p:style>
+        <p:txBody>
+          <a:bodyPr lIns="90000" tIns="45000" rIns="90000" bIns="45000" anchor="b">
+            <a:noAutofit/>
+          </a:bodyPr>
+          <a:lstStyle/>
+          <a:p>
+            <a:pPr algn="r">
+              <a:lnSpc>
+                <a:spcPct val="100000"/>
+              </a:lnSpc>
+            </a:pPr>
+            <a:fld id="{EECC64C6-2FBD-4770-B109-62040DE39BC9}" type="slidenum">
+              <a:rPr lang="pt-BR" sz="1200" b="0" strike="noStrike" spc="-1">
+                <a:solidFill>
+                  <a:srgbClr val="000000"/>
+                </a:solidFill>
+                <a:latin typeface="Times New Roman"/>
+                <a:ea typeface="+mn-ea"/>
+              </a:rPr>
+              <a:t>36</a:t>
+            </a:fld>
+            <a:endParaRPr lang="pt-BR" sz="1200" b="0" strike="noStrike" spc="-1">
+              <a:latin typeface="Arial"/>
+            </a:endParaRPr>
+          </a:p>
+        </p:txBody>
+      </p:sp>
+    </p:spTree>
+    <p:extLst>
+      <p:ext uri="{BB962C8B-B14F-4D97-AF65-F5344CB8AC3E}">
+        <p14:creationId xmlns:p14="http://schemas.microsoft.com/office/powerpoint/2010/main" val="3036252442"/>
+      </p:ext>
+    </p:extLst>
+  </p:cSld>
+  <p:clrMapOvr>
+    <a:masterClrMapping/>
+  </p:clrMapOvr>
+</p:notes>
+</file>
+
+<file path=ppt/notesSlides/notesSlide37.xml><?xml version="1.0" encoding="utf-8"?>
+<p:notes xmlns:a="http://schemas.openxmlformats.org/drawingml/2006/main" xmlns:r="http://schemas.openxmlformats.org/officeDocument/2006/relationships" xmlns:p="http://schemas.openxmlformats.org/presentationml/2006/main">
+  <p:cSld>
+    <p:spTree>
+      <p:nvGrpSpPr>
+        <p:cNvPr id="1" name=""/>
+        <p:cNvGrpSpPr/>
+        <p:nvPr/>
+      </p:nvGrpSpPr>
+      <p:grpSpPr>
+        <a:xfrm>
+          <a:off x="0" y="0"/>
+          <a:ext cx="0" cy="0"/>
+          <a:chOff x="0" y="0"/>
+          <a:chExt cx="0" cy="0"/>
+        </a:xfrm>
+      </p:grpSpPr>
+      <p:sp>
+        <p:nvSpPr>
+          <p:cNvPr id="202" name="PlaceHolder 1"/>
+          <p:cNvSpPr>
+            <a:spLocks noGrp="1" noRot="1" noChangeAspect="1"/>
+          </p:cNvSpPr>
+          <p:nvPr>
+            <p:ph type="sldImg"/>
+          </p:nvPr>
+        </p:nvSpPr>
+        <p:spPr>
+          <a:xfrm>
+            <a:off x="687388" y="1143000"/>
+            <a:ext cx="5480050" cy="3082925"/>
+          </a:xfrm>
+          <a:prstGeom prst="rect">
+            <a:avLst/>
+          </a:prstGeom>
+        </p:spPr>
+      </p:sp>
+      <p:sp>
+        <p:nvSpPr>
+          <p:cNvPr id="203" name="PlaceHolder 2"/>
+          <p:cNvSpPr>
+            <a:spLocks noGrp="1"/>
+          </p:cNvSpPr>
+          <p:nvPr>
+            <p:ph type="body"/>
+          </p:nvPr>
+        </p:nvSpPr>
+        <p:spPr>
+          <a:xfrm>
+            <a:off x="685800" y="4400640"/>
+            <a:ext cx="5482440" cy="3596400"/>
+          </a:xfrm>
+          <a:prstGeom prst="rect">
+            <a:avLst/>
+          </a:prstGeom>
+        </p:spPr>
+        <p:txBody>
+          <a:bodyPr lIns="0" tIns="0" rIns="0" bIns="0">
+            <a:noAutofit/>
+          </a:bodyPr>
+          <a:lstStyle/>
+          <a:p>
+            <a:endParaRPr lang="pt-BR" sz="2000" b="0" strike="noStrike" spc="-1" dirty="0">
+              <a:latin typeface="+mn-lt"/>
+            </a:endParaRPr>
+          </a:p>
+        </p:txBody>
+      </p:sp>
+      <p:sp>
+        <p:nvSpPr>
+          <p:cNvPr id="204" name="CustomShape 3"/>
+          <p:cNvSpPr/>
+          <p:nvPr/>
+        </p:nvSpPr>
+        <p:spPr>
+          <a:xfrm>
+            <a:off x="3884760" y="8685360"/>
+            <a:ext cx="2967840" cy="454680"/>
+          </a:xfrm>
+          <a:prstGeom prst="rect">
+            <a:avLst/>
+          </a:prstGeom>
+          <a:noFill/>
+          <a:ln>
+            <a:noFill/>
+          </a:ln>
+        </p:spPr>
+        <p:style>
+          <a:lnRef idx="0">
+            <a:scrgbClr r="0" g="0" b="0"/>
+          </a:lnRef>
+          <a:fillRef idx="0">
+            <a:scrgbClr r="0" g="0" b="0"/>
+          </a:fillRef>
+          <a:effectRef idx="0">
+            <a:scrgbClr r="0" g="0" b="0"/>
+          </a:effectRef>
+          <a:fontRef idx="minor"/>
+        </p:style>
+        <p:txBody>
+          <a:bodyPr lIns="90000" tIns="45000" rIns="90000" bIns="45000" anchor="b">
+            <a:noAutofit/>
+          </a:bodyPr>
+          <a:lstStyle/>
+          <a:p>
+            <a:pPr algn="r">
+              <a:lnSpc>
+                <a:spcPct val="100000"/>
+              </a:lnSpc>
+            </a:pPr>
+            <a:fld id="{EECC64C6-2FBD-4770-B109-62040DE39BC9}" type="slidenum">
+              <a:rPr lang="pt-BR" sz="1200" b="0" strike="noStrike" spc="-1">
+                <a:solidFill>
+                  <a:srgbClr val="000000"/>
+                </a:solidFill>
+                <a:latin typeface="Times New Roman"/>
+                <a:ea typeface="+mn-ea"/>
+              </a:rPr>
+              <a:t>37</a:t>
+            </a:fld>
+            <a:endParaRPr lang="pt-BR" sz="1200" b="0" strike="noStrike" spc="-1">
+              <a:latin typeface="Arial"/>
+            </a:endParaRPr>
+          </a:p>
+        </p:txBody>
+      </p:sp>
+    </p:spTree>
+    <p:extLst>
+      <p:ext uri="{BB962C8B-B14F-4D97-AF65-F5344CB8AC3E}">
+        <p14:creationId xmlns:p14="http://schemas.microsoft.com/office/powerpoint/2010/main" val="1989413889"/>
+      </p:ext>
+    </p:extLst>
+  </p:cSld>
+  <p:clrMapOvr>
+    <a:masterClrMapping/>
+  </p:clrMapOvr>
+</p:notes>
+</file>
+
+<file path=ppt/notesSlides/notesSlide38.xml><?xml version="1.0" encoding="utf-8"?>
+<p:notes xmlns:a="http://schemas.openxmlformats.org/drawingml/2006/main" xmlns:r="http://schemas.openxmlformats.org/officeDocument/2006/relationships" xmlns:p="http://schemas.openxmlformats.org/presentationml/2006/main">
+  <p:cSld>
+    <p:spTree>
+      <p:nvGrpSpPr>
+        <p:cNvPr id="1" name=""/>
+        <p:cNvGrpSpPr/>
+        <p:nvPr/>
+      </p:nvGrpSpPr>
+      <p:grpSpPr>
+        <a:xfrm>
+          <a:off x="0" y="0"/>
+          <a:ext cx="0" cy="0"/>
+          <a:chOff x="0" y="0"/>
+          <a:chExt cx="0" cy="0"/>
+        </a:xfrm>
+      </p:grpSpPr>
+      <p:sp>
+        <p:nvSpPr>
+          <p:cNvPr id="202" name="PlaceHolder 1"/>
+          <p:cNvSpPr>
+            <a:spLocks noGrp="1" noRot="1" noChangeAspect="1"/>
+          </p:cNvSpPr>
+          <p:nvPr>
+            <p:ph type="sldImg"/>
+          </p:nvPr>
+        </p:nvSpPr>
+        <p:spPr>
+          <a:xfrm>
+            <a:off x="687388" y="1143000"/>
+            <a:ext cx="5480050" cy="3082925"/>
+          </a:xfrm>
+          <a:prstGeom prst="rect">
+            <a:avLst/>
+          </a:prstGeom>
+        </p:spPr>
+      </p:sp>
+      <p:sp>
+        <p:nvSpPr>
+          <p:cNvPr id="203" name="PlaceHolder 2"/>
+          <p:cNvSpPr>
+            <a:spLocks noGrp="1"/>
+          </p:cNvSpPr>
+          <p:nvPr>
+            <p:ph type="body"/>
+          </p:nvPr>
+        </p:nvSpPr>
+        <p:spPr>
+          <a:xfrm>
+            <a:off x="685800" y="4400640"/>
+            <a:ext cx="5482440" cy="3596400"/>
+          </a:xfrm>
+          <a:prstGeom prst="rect">
+            <a:avLst/>
+          </a:prstGeom>
+        </p:spPr>
+        <p:txBody>
+          <a:bodyPr lIns="0" tIns="0" rIns="0" bIns="0">
+            <a:noAutofit/>
+          </a:bodyPr>
+          <a:lstStyle/>
+          <a:p>
+            <a:endParaRPr lang="pt-BR" sz="2000" b="0" strike="noStrike" spc="-1" dirty="0">
+              <a:latin typeface="+mn-lt"/>
+            </a:endParaRPr>
+          </a:p>
+        </p:txBody>
+      </p:sp>
+      <p:sp>
+        <p:nvSpPr>
+          <p:cNvPr id="204" name="CustomShape 3"/>
+          <p:cNvSpPr/>
+          <p:nvPr/>
+        </p:nvSpPr>
+        <p:spPr>
+          <a:xfrm>
+            <a:off x="3884760" y="8685360"/>
+            <a:ext cx="2967840" cy="454680"/>
+          </a:xfrm>
+          <a:prstGeom prst="rect">
+            <a:avLst/>
+          </a:prstGeom>
+          <a:noFill/>
+          <a:ln>
+            <a:noFill/>
+          </a:ln>
+        </p:spPr>
+        <p:style>
+          <a:lnRef idx="0">
+            <a:scrgbClr r="0" g="0" b="0"/>
+          </a:lnRef>
+          <a:fillRef idx="0">
+            <a:scrgbClr r="0" g="0" b="0"/>
+          </a:fillRef>
+          <a:effectRef idx="0">
+            <a:scrgbClr r="0" g="0" b="0"/>
+          </a:effectRef>
+          <a:fontRef idx="minor"/>
+        </p:style>
+        <p:txBody>
+          <a:bodyPr lIns="90000" tIns="45000" rIns="90000" bIns="45000" anchor="b">
+            <a:noAutofit/>
+          </a:bodyPr>
+          <a:lstStyle/>
+          <a:p>
+            <a:pPr algn="r">
+              <a:lnSpc>
+                <a:spcPct val="100000"/>
+              </a:lnSpc>
+            </a:pPr>
+            <a:fld id="{EECC64C6-2FBD-4770-B109-62040DE39BC9}" type="slidenum">
+              <a:rPr lang="pt-BR" sz="1200" b="0" strike="noStrike" spc="-1">
+                <a:solidFill>
+                  <a:srgbClr val="000000"/>
+                </a:solidFill>
+                <a:latin typeface="Times New Roman"/>
+                <a:ea typeface="+mn-ea"/>
+              </a:rPr>
+              <a:t>38</a:t>
+            </a:fld>
+            <a:endParaRPr lang="pt-BR" sz="1200" b="0" strike="noStrike" spc="-1">
+              <a:latin typeface="Arial"/>
+            </a:endParaRPr>
+          </a:p>
+        </p:txBody>
+      </p:sp>
+    </p:spTree>
+    <p:extLst>
+      <p:ext uri="{BB962C8B-B14F-4D97-AF65-F5344CB8AC3E}">
+        <p14:creationId xmlns:p14="http://schemas.microsoft.com/office/powerpoint/2010/main" val="4041811751"/>
+      </p:ext>
+    </p:extLst>
+  </p:cSld>
+  <p:clrMapOvr>
+    <a:masterClrMapping/>
+  </p:clrMapOvr>
+</p:notes>
+</file>
+
+<file path=ppt/notesSlides/notesSlide39.xml><?xml version="1.0" encoding="utf-8"?>
+<p:notes xmlns:a="http://schemas.openxmlformats.org/drawingml/2006/main" xmlns:r="http://schemas.openxmlformats.org/officeDocument/2006/relationships" xmlns:p="http://schemas.openxmlformats.org/presentationml/2006/main">
+  <p:cSld>
+    <p:spTree>
+      <p:nvGrpSpPr>
+        <p:cNvPr id="1" name=""/>
+        <p:cNvGrpSpPr/>
+        <p:nvPr/>
+      </p:nvGrpSpPr>
+      <p:grpSpPr>
+        <a:xfrm>
+          <a:off x="0" y="0"/>
+          <a:ext cx="0" cy="0"/>
+          <a:chOff x="0" y="0"/>
+          <a:chExt cx="0" cy="0"/>
+        </a:xfrm>
+      </p:grpSpPr>
+      <p:sp>
+        <p:nvSpPr>
+          <p:cNvPr id="202" name="PlaceHolder 1"/>
+          <p:cNvSpPr>
+            <a:spLocks noGrp="1" noRot="1" noChangeAspect="1"/>
+          </p:cNvSpPr>
+          <p:nvPr>
+            <p:ph type="sldImg"/>
+          </p:nvPr>
+        </p:nvSpPr>
+        <p:spPr>
+          <a:xfrm>
+            <a:off x="687388" y="1143000"/>
+            <a:ext cx="5480050" cy="3082925"/>
+          </a:xfrm>
+          <a:prstGeom prst="rect">
+            <a:avLst/>
+          </a:prstGeom>
+        </p:spPr>
+      </p:sp>
+      <p:sp>
+        <p:nvSpPr>
+          <p:cNvPr id="203" name="PlaceHolder 2"/>
+          <p:cNvSpPr>
+            <a:spLocks noGrp="1"/>
+          </p:cNvSpPr>
+          <p:nvPr>
+            <p:ph type="body"/>
+          </p:nvPr>
+        </p:nvSpPr>
+        <p:spPr>
+          <a:xfrm>
+            <a:off x="685800" y="4400640"/>
+            <a:ext cx="5482440" cy="3596400"/>
+          </a:xfrm>
+          <a:prstGeom prst="rect">
+            <a:avLst/>
+          </a:prstGeom>
+        </p:spPr>
+        <p:txBody>
+          <a:bodyPr lIns="0" tIns="0" rIns="0" bIns="0">
+            <a:noAutofit/>
+          </a:bodyPr>
+          <a:lstStyle/>
+          <a:p>
+            <a:endParaRPr lang="pt-BR" sz="2000" b="0" strike="noStrike" spc="-1" dirty="0">
+              <a:latin typeface="+mn-lt"/>
+            </a:endParaRPr>
+          </a:p>
+        </p:txBody>
+      </p:sp>
+      <p:sp>
+        <p:nvSpPr>
+          <p:cNvPr id="204" name="CustomShape 3"/>
+          <p:cNvSpPr/>
+          <p:nvPr/>
+        </p:nvSpPr>
+        <p:spPr>
+          <a:xfrm>
+            <a:off x="3884760" y="8685360"/>
+            <a:ext cx="2967840" cy="454680"/>
+          </a:xfrm>
+          <a:prstGeom prst="rect">
+            <a:avLst/>
+          </a:prstGeom>
+          <a:noFill/>
+          <a:ln>
+            <a:noFill/>
+          </a:ln>
+        </p:spPr>
+        <p:style>
+          <a:lnRef idx="0">
+            <a:scrgbClr r="0" g="0" b="0"/>
+          </a:lnRef>
+          <a:fillRef idx="0">
+            <a:scrgbClr r="0" g="0" b="0"/>
+          </a:fillRef>
+          <a:effectRef idx="0">
+            <a:scrgbClr r="0" g="0" b="0"/>
+          </a:effectRef>
+          <a:fontRef idx="minor"/>
+        </p:style>
+        <p:txBody>
+          <a:bodyPr lIns="90000" tIns="45000" rIns="90000" bIns="45000" anchor="b">
+            <a:noAutofit/>
+          </a:bodyPr>
+          <a:lstStyle/>
+          <a:p>
+            <a:pPr algn="r">
+              <a:lnSpc>
+                <a:spcPct val="100000"/>
+              </a:lnSpc>
+            </a:pPr>
+            <a:fld id="{EECC64C6-2FBD-4770-B109-62040DE39BC9}" type="slidenum">
+              <a:rPr lang="pt-BR" sz="1200" b="0" strike="noStrike" spc="-1">
+                <a:solidFill>
+                  <a:srgbClr val="000000"/>
+                </a:solidFill>
+                <a:latin typeface="Times New Roman"/>
+                <a:ea typeface="+mn-ea"/>
+              </a:rPr>
+              <a:t>39</a:t>
+            </a:fld>
+            <a:endParaRPr lang="pt-BR" sz="1200" b="0" strike="noStrike" spc="-1">
+              <a:latin typeface="Arial"/>
+            </a:endParaRPr>
+          </a:p>
+        </p:txBody>
+      </p:sp>
+    </p:spTree>
+    <p:extLst>
+      <p:ext uri="{BB962C8B-B14F-4D97-AF65-F5344CB8AC3E}">
+        <p14:creationId xmlns:p14="http://schemas.microsoft.com/office/powerpoint/2010/main" val="4057213307"/>
+      </p:ext>
+    </p:extLst>
   </p:cSld>
   <p:clrMapOvr>
     <a:masterClrMapping/>
@@ -4578,6 +5288,556 @@
                 <a:latin typeface="Times New Roman"/>
               </a:rPr>
               <a:t>4</a:t>
+            </a:fld>
+            <a:endParaRPr lang="pt-BR" sz="1200" b="0" strike="noStrike" spc="-1">
+              <a:latin typeface="Arial"/>
+            </a:endParaRPr>
+          </a:p>
+        </p:txBody>
+      </p:sp>
+    </p:spTree>
+  </p:cSld>
+  <p:clrMapOvr>
+    <a:masterClrMapping/>
+  </p:clrMapOvr>
+</p:notes>
+</file>
+
+<file path=ppt/notesSlides/notesSlide40.xml><?xml version="1.0" encoding="utf-8"?>
+<p:notes xmlns:a="http://schemas.openxmlformats.org/drawingml/2006/main" xmlns:r="http://schemas.openxmlformats.org/officeDocument/2006/relationships" xmlns:p="http://schemas.openxmlformats.org/presentationml/2006/main">
+  <p:cSld>
+    <p:spTree>
+      <p:nvGrpSpPr>
+        <p:cNvPr id="1" name=""/>
+        <p:cNvGrpSpPr/>
+        <p:nvPr/>
+      </p:nvGrpSpPr>
+      <p:grpSpPr>
+        <a:xfrm>
+          <a:off x="0" y="0"/>
+          <a:ext cx="0" cy="0"/>
+          <a:chOff x="0" y="0"/>
+          <a:chExt cx="0" cy="0"/>
+        </a:xfrm>
+      </p:grpSpPr>
+      <p:sp>
+        <p:nvSpPr>
+          <p:cNvPr id="202" name="PlaceHolder 1"/>
+          <p:cNvSpPr>
+            <a:spLocks noGrp="1" noRot="1" noChangeAspect="1"/>
+          </p:cNvSpPr>
+          <p:nvPr>
+            <p:ph type="sldImg"/>
+          </p:nvPr>
+        </p:nvSpPr>
+        <p:spPr>
+          <a:xfrm>
+            <a:off x="687388" y="1143000"/>
+            <a:ext cx="5480050" cy="3082925"/>
+          </a:xfrm>
+          <a:prstGeom prst="rect">
+            <a:avLst/>
+          </a:prstGeom>
+        </p:spPr>
+      </p:sp>
+      <p:sp>
+        <p:nvSpPr>
+          <p:cNvPr id="203" name="PlaceHolder 2"/>
+          <p:cNvSpPr>
+            <a:spLocks noGrp="1"/>
+          </p:cNvSpPr>
+          <p:nvPr>
+            <p:ph type="body"/>
+          </p:nvPr>
+        </p:nvSpPr>
+        <p:spPr>
+          <a:xfrm>
+            <a:off x="685800" y="4400640"/>
+            <a:ext cx="5482440" cy="3596400"/>
+          </a:xfrm>
+          <a:prstGeom prst="rect">
+            <a:avLst/>
+          </a:prstGeom>
+        </p:spPr>
+        <p:txBody>
+          <a:bodyPr lIns="0" tIns="0" rIns="0" bIns="0">
+            <a:noAutofit/>
+          </a:bodyPr>
+          <a:lstStyle/>
+          <a:p>
+            <a:endParaRPr lang="pt-BR" sz="2000" b="0" strike="noStrike" spc="-1" dirty="0">
+              <a:latin typeface="+mn-lt"/>
+            </a:endParaRPr>
+          </a:p>
+        </p:txBody>
+      </p:sp>
+      <p:sp>
+        <p:nvSpPr>
+          <p:cNvPr id="204" name="CustomShape 3"/>
+          <p:cNvSpPr/>
+          <p:nvPr/>
+        </p:nvSpPr>
+        <p:spPr>
+          <a:xfrm>
+            <a:off x="3884760" y="8685360"/>
+            <a:ext cx="2967840" cy="454680"/>
+          </a:xfrm>
+          <a:prstGeom prst="rect">
+            <a:avLst/>
+          </a:prstGeom>
+          <a:noFill/>
+          <a:ln>
+            <a:noFill/>
+          </a:ln>
+        </p:spPr>
+        <p:style>
+          <a:lnRef idx="0">
+            <a:scrgbClr r="0" g="0" b="0"/>
+          </a:lnRef>
+          <a:fillRef idx="0">
+            <a:scrgbClr r="0" g="0" b="0"/>
+          </a:fillRef>
+          <a:effectRef idx="0">
+            <a:scrgbClr r="0" g="0" b="0"/>
+          </a:effectRef>
+          <a:fontRef idx="minor"/>
+        </p:style>
+        <p:txBody>
+          <a:bodyPr lIns="90000" tIns="45000" rIns="90000" bIns="45000" anchor="b">
+            <a:noAutofit/>
+          </a:bodyPr>
+          <a:lstStyle/>
+          <a:p>
+            <a:pPr algn="r">
+              <a:lnSpc>
+                <a:spcPct val="100000"/>
+              </a:lnSpc>
+            </a:pPr>
+            <a:fld id="{EECC64C6-2FBD-4770-B109-62040DE39BC9}" type="slidenum">
+              <a:rPr lang="pt-BR" sz="1200" b="0" strike="noStrike" spc="-1">
+                <a:solidFill>
+                  <a:srgbClr val="000000"/>
+                </a:solidFill>
+                <a:latin typeface="Times New Roman"/>
+                <a:ea typeface="+mn-ea"/>
+              </a:rPr>
+              <a:t>40</a:t>
+            </a:fld>
+            <a:endParaRPr lang="pt-BR" sz="1200" b="0" strike="noStrike" spc="-1">
+              <a:latin typeface="Arial"/>
+            </a:endParaRPr>
+          </a:p>
+        </p:txBody>
+      </p:sp>
+    </p:spTree>
+    <p:extLst>
+      <p:ext uri="{BB962C8B-B14F-4D97-AF65-F5344CB8AC3E}">
+        <p14:creationId xmlns:p14="http://schemas.microsoft.com/office/powerpoint/2010/main" val="2939584987"/>
+      </p:ext>
+    </p:extLst>
+  </p:cSld>
+  <p:clrMapOvr>
+    <a:masterClrMapping/>
+  </p:clrMapOvr>
+</p:notes>
+</file>
+
+<file path=ppt/notesSlides/notesSlide41.xml><?xml version="1.0" encoding="utf-8"?>
+<p:notes xmlns:a="http://schemas.openxmlformats.org/drawingml/2006/main" xmlns:r="http://schemas.openxmlformats.org/officeDocument/2006/relationships" xmlns:p="http://schemas.openxmlformats.org/presentationml/2006/main">
+  <p:cSld>
+    <p:spTree>
+      <p:nvGrpSpPr>
+        <p:cNvPr id="1" name=""/>
+        <p:cNvGrpSpPr/>
+        <p:nvPr/>
+      </p:nvGrpSpPr>
+      <p:grpSpPr>
+        <a:xfrm>
+          <a:off x="0" y="0"/>
+          <a:ext cx="0" cy="0"/>
+          <a:chOff x="0" y="0"/>
+          <a:chExt cx="0" cy="0"/>
+        </a:xfrm>
+      </p:grpSpPr>
+      <p:sp>
+        <p:nvSpPr>
+          <p:cNvPr id="202" name="PlaceHolder 1"/>
+          <p:cNvSpPr>
+            <a:spLocks noGrp="1" noRot="1" noChangeAspect="1"/>
+          </p:cNvSpPr>
+          <p:nvPr>
+            <p:ph type="sldImg"/>
+          </p:nvPr>
+        </p:nvSpPr>
+        <p:spPr>
+          <a:xfrm>
+            <a:off x="687388" y="1143000"/>
+            <a:ext cx="5480050" cy="3082925"/>
+          </a:xfrm>
+          <a:prstGeom prst="rect">
+            <a:avLst/>
+          </a:prstGeom>
+        </p:spPr>
+      </p:sp>
+      <p:sp>
+        <p:nvSpPr>
+          <p:cNvPr id="203" name="PlaceHolder 2"/>
+          <p:cNvSpPr>
+            <a:spLocks noGrp="1"/>
+          </p:cNvSpPr>
+          <p:nvPr>
+            <p:ph type="body"/>
+          </p:nvPr>
+        </p:nvSpPr>
+        <p:spPr>
+          <a:xfrm>
+            <a:off x="685800" y="4400640"/>
+            <a:ext cx="5482440" cy="3596400"/>
+          </a:xfrm>
+          <a:prstGeom prst="rect">
+            <a:avLst/>
+          </a:prstGeom>
+        </p:spPr>
+        <p:txBody>
+          <a:bodyPr lIns="0" tIns="0" rIns="0" bIns="0">
+            <a:noAutofit/>
+          </a:bodyPr>
+          <a:lstStyle/>
+          <a:p>
+            <a:endParaRPr lang="pt-BR" sz="2000" b="0" strike="noStrike" spc="-1" dirty="0">
+              <a:latin typeface="+mn-lt"/>
+            </a:endParaRPr>
+          </a:p>
+        </p:txBody>
+      </p:sp>
+      <p:sp>
+        <p:nvSpPr>
+          <p:cNvPr id="204" name="CustomShape 3"/>
+          <p:cNvSpPr/>
+          <p:nvPr/>
+        </p:nvSpPr>
+        <p:spPr>
+          <a:xfrm>
+            <a:off x="3884760" y="8685360"/>
+            <a:ext cx="2967840" cy="454680"/>
+          </a:xfrm>
+          <a:prstGeom prst="rect">
+            <a:avLst/>
+          </a:prstGeom>
+          <a:noFill/>
+          <a:ln>
+            <a:noFill/>
+          </a:ln>
+        </p:spPr>
+        <p:style>
+          <a:lnRef idx="0">
+            <a:scrgbClr r="0" g="0" b="0"/>
+          </a:lnRef>
+          <a:fillRef idx="0">
+            <a:scrgbClr r="0" g="0" b="0"/>
+          </a:fillRef>
+          <a:effectRef idx="0">
+            <a:scrgbClr r="0" g="0" b="0"/>
+          </a:effectRef>
+          <a:fontRef idx="minor"/>
+        </p:style>
+        <p:txBody>
+          <a:bodyPr lIns="90000" tIns="45000" rIns="90000" bIns="45000" anchor="b">
+            <a:noAutofit/>
+          </a:bodyPr>
+          <a:lstStyle/>
+          <a:p>
+            <a:pPr algn="r">
+              <a:lnSpc>
+                <a:spcPct val="100000"/>
+              </a:lnSpc>
+            </a:pPr>
+            <a:fld id="{EECC64C6-2FBD-4770-B109-62040DE39BC9}" type="slidenum">
+              <a:rPr lang="pt-BR" sz="1200" b="0" strike="noStrike" spc="-1">
+                <a:solidFill>
+                  <a:srgbClr val="000000"/>
+                </a:solidFill>
+                <a:latin typeface="Times New Roman"/>
+                <a:ea typeface="+mn-ea"/>
+              </a:rPr>
+              <a:t>41</a:t>
+            </a:fld>
+            <a:endParaRPr lang="pt-BR" sz="1200" b="0" strike="noStrike" spc="-1">
+              <a:latin typeface="Arial"/>
+            </a:endParaRPr>
+          </a:p>
+        </p:txBody>
+      </p:sp>
+    </p:spTree>
+    <p:extLst>
+      <p:ext uri="{BB962C8B-B14F-4D97-AF65-F5344CB8AC3E}">
+        <p14:creationId xmlns:p14="http://schemas.microsoft.com/office/powerpoint/2010/main" val="1250205032"/>
+      </p:ext>
+    </p:extLst>
+  </p:cSld>
+  <p:clrMapOvr>
+    <a:masterClrMapping/>
+  </p:clrMapOvr>
+</p:notes>
+</file>
+
+<file path=ppt/notesSlides/notesSlide42.xml><?xml version="1.0" encoding="utf-8"?>
+<p:notes xmlns:a="http://schemas.openxmlformats.org/drawingml/2006/main" xmlns:r="http://schemas.openxmlformats.org/officeDocument/2006/relationships" xmlns:p="http://schemas.openxmlformats.org/presentationml/2006/main">
+  <p:cSld>
+    <p:spTree>
+      <p:nvGrpSpPr>
+        <p:cNvPr id="1" name=""/>
+        <p:cNvGrpSpPr/>
+        <p:nvPr/>
+      </p:nvGrpSpPr>
+      <p:grpSpPr>
+        <a:xfrm>
+          <a:off x="0" y="0"/>
+          <a:ext cx="0" cy="0"/>
+          <a:chOff x="0" y="0"/>
+          <a:chExt cx="0" cy="0"/>
+        </a:xfrm>
+      </p:grpSpPr>
+      <p:sp>
+        <p:nvSpPr>
+          <p:cNvPr id="202" name="PlaceHolder 1"/>
+          <p:cNvSpPr>
+            <a:spLocks noGrp="1" noRot="1" noChangeAspect="1"/>
+          </p:cNvSpPr>
+          <p:nvPr>
+            <p:ph type="sldImg"/>
+          </p:nvPr>
+        </p:nvSpPr>
+        <p:spPr>
+          <a:xfrm>
+            <a:off x="687388" y="1143000"/>
+            <a:ext cx="5480050" cy="3082925"/>
+          </a:xfrm>
+          <a:prstGeom prst="rect">
+            <a:avLst/>
+          </a:prstGeom>
+        </p:spPr>
+      </p:sp>
+      <p:sp>
+        <p:nvSpPr>
+          <p:cNvPr id="203" name="PlaceHolder 2"/>
+          <p:cNvSpPr>
+            <a:spLocks noGrp="1"/>
+          </p:cNvSpPr>
+          <p:nvPr>
+            <p:ph type="body"/>
+          </p:nvPr>
+        </p:nvSpPr>
+        <p:spPr>
+          <a:xfrm>
+            <a:off x="685800" y="4400640"/>
+            <a:ext cx="5482440" cy="3596400"/>
+          </a:xfrm>
+          <a:prstGeom prst="rect">
+            <a:avLst/>
+          </a:prstGeom>
+        </p:spPr>
+        <p:txBody>
+          <a:bodyPr lIns="0" tIns="0" rIns="0" bIns="0">
+            <a:noAutofit/>
+          </a:bodyPr>
+          <a:lstStyle/>
+          <a:p>
+            <a:endParaRPr lang="pt-BR" sz="2000" b="0" strike="noStrike" spc="-1" dirty="0">
+              <a:latin typeface="+mn-lt"/>
+            </a:endParaRPr>
+          </a:p>
+        </p:txBody>
+      </p:sp>
+      <p:sp>
+        <p:nvSpPr>
+          <p:cNvPr id="204" name="CustomShape 3"/>
+          <p:cNvSpPr/>
+          <p:nvPr/>
+        </p:nvSpPr>
+        <p:spPr>
+          <a:xfrm>
+            <a:off x="3884760" y="8685360"/>
+            <a:ext cx="2967840" cy="454680"/>
+          </a:xfrm>
+          <a:prstGeom prst="rect">
+            <a:avLst/>
+          </a:prstGeom>
+          <a:noFill/>
+          <a:ln>
+            <a:noFill/>
+          </a:ln>
+        </p:spPr>
+        <p:style>
+          <a:lnRef idx="0">
+            <a:scrgbClr r="0" g="0" b="0"/>
+          </a:lnRef>
+          <a:fillRef idx="0">
+            <a:scrgbClr r="0" g="0" b="0"/>
+          </a:fillRef>
+          <a:effectRef idx="0">
+            <a:scrgbClr r="0" g="0" b="0"/>
+          </a:effectRef>
+          <a:fontRef idx="minor"/>
+        </p:style>
+        <p:txBody>
+          <a:bodyPr lIns="90000" tIns="45000" rIns="90000" bIns="45000" anchor="b">
+            <a:noAutofit/>
+          </a:bodyPr>
+          <a:lstStyle/>
+          <a:p>
+            <a:pPr algn="r">
+              <a:lnSpc>
+                <a:spcPct val="100000"/>
+              </a:lnSpc>
+            </a:pPr>
+            <a:fld id="{EECC64C6-2FBD-4770-B109-62040DE39BC9}" type="slidenum">
+              <a:rPr lang="pt-BR" sz="1200" b="0" strike="noStrike" spc="-1">
+                <a:solidFill>
+                  <a:srgbClr val="000000"/>
+                </a:solidFill>
+                <a:latin typeface="Times New Roman"/>
+                <a:ea typeface="+mn-ea"/>
+              </a:rPr>
+              <a:t>42</a:t>
+            </a:fld>
+            <a:endParaRPr lang="pt-BR" sz="1200" b="0" strike="noStrike" spc="-1">
+              <a:latin typeface="Arial"/>
+            </a:endParaRPr>
+          </a:p>
+        </p:txBody>
+      </p:sp>
+    </p:spTree>
+    <p:extLst>
+      <p:ext uri="{BB962C8B-B14F-4D97-AF65-F5344CB8AC3E}">
+        <p14:creationId xmlns:p14="http://schemas.microsoft.com/office/powerpoint/2010/main" val="1768058629"/>
+      </p:ext>
+    </p:extLst>
+  </p:cSld>
+  <p:clrMapOvr>
+    <a:masterClrMapping/>
+  </p:clrMapOvr>
+</p:notes>
+</file>
+
+<file path=ppt/notesSlides/notesSlide43.xml><?xml version="1.0" encoding="utf-8"?>
+<p:notes xmlns:a="http://schemas.openxmlformats.org/drawingml/2006/main" xmlns:r="http://schemas.openxmlformats.org/officeDocument/2006/relationships" xmlns:p="http://schemas.openxmlformats.org/presentationml/2006/main">
+  <p:cSld>
+    <p:spTree>
+      <p:nvGrpSpPr>
+        <p:cNvPr id="1" name=""/>
+        <p:cNvGrpSpPr/>
+        <p:nvPr/>
+      </p:nvGrpSpPr>
+      <p:grpSpPr>
+        <a:xfrm>
+          <a:off x="0" y="0"/>
+          <a:ext cx="0" cy="0"/>
+          <a:chOff x="0" y="0"/>
+          <a:chExt cx="0" cy="0"/>
+        </a:xfrm>
+      </p:grpSpPr>
+      <p:sp>
+        <p:nvSpPr>
+          <p:cNvPr id="139" name="PlaceHolder 1"/>
+          <p:cNvSpPr>
+            <a:spLocks noGrp="1" noRot="1" noChangeAspect="1"/>
+          </p:cNvSpPr>
+          <p:nvPr>
+            <p:ph type="sldImg"/>
+          </p:nvPr>
+        </p:nvSpPr>
+        <p:spPr>
+          <a:xfrm>
+            <a:off x="685800" y="1143000"/>
+            <a:ext cx="5484813" cy="3084513"/>
+          </a:xfrm>
+          <a:prstGeom prst="rect">
+            <a:avLst/>
+          </a:prstGeom>
+        </p:spPr>
+      </p:sp>
+      <p:sp>
+        <p:nvSpPr>
+          <p:cNvPr id="140" name="PlaceHolder 2"/>
+          <p:cNvSpPr>
+            <a:spLocks noGrp="1"/>
+          </p:cNvSpPr>
+          <p:nvPr>
+            <p:ph type="body"/>
+          </p:nvPr>
+        </p:nvSpPr>
+        <p:spPr>
+          <a:xfrm>
+            <a:off x="685800" y="4400640"/>
+            <a:ext cx="5485320" cy="3599280"/>
+          </a:xfrm>
+          <a:prstGeom prst="rect">
+            <a:avLst/>
+          </a:prstGeom>
+        </p:spPr>
+        <p:txBody>
+          <a:bodyPr lIns="0" tIns="0" rIns="0" bIns="0">
+            <a:noAutofit/>
+          </a:bodyPr>
+          <a:lstStyle/>
+          <a:p>
+            <a:endParaRPr lang="pt-BR" sz="2000" b="0" strike="noStrike" spc="-1">
+              <a:latin typeface="Arial"/>
+            </a:endParaRPr>
+          </a:p>
+        </p:txBody>
+      </p:sp>
+      <p:sp>
+        <p:nvSpPr>
+          <p:cNvPr id="141" name="CustomShape 3"/>
+          <p:cNvSpPr/>
+          <p:nvPr/>
+        </p:nvSpPr>
+        <p:spPr>
+          <a:xfrm>
+            <a:off x="3884760" y="8685360"/>
+            <a:ext cx="2970720" cy="457560"/>
+          </a:xfrm>
+          <a:prstGeom prst="rect">
+            <a:avLst/>
+          </a:prstGeom>
+          <a:noFill/>
+          <a:ln>
+            <a:noFill/>
+          </a:ln>
+        </p:spPr>
+        <p:style>
+          <a:lnRef idx="0">
+            <a:scrgbClr r="0" g="0" b="0"/>
+          </a:lnRef>
+          <a:fillRef idx="0">
+            <a:scrgbClr r="0" g="0" b="0"/>
+          </a:fillRef>
+          <a:effectRef idx="0">
+            <a:scrgbClr r="0" g="0" b="0"/>
+          </a:effectRef>
+          <a:fontRef idx="minor"/>
+        </p:style>
+        <p:txBody>
+          <a:bodyPr lIns="90000" tIns="45000" rIns="90000" bIns="45000" anchor="b">
+            <a:noAutofit/>
+          </a:bodyPr>
+          <a:lstStyle/>
+          <a:p>
+            <a:pPr algn="r">
+              <a:lnSpc>
+                <a:spcPct val="100000"/>
+              </a:lnSpc>
+            </a:pPr>
+            <a:fld id="{76541F3C-0A59-4F90-AFC6-6F0BC6A0EC2F}" type="slidenum">
+              <a:rPr lang="pt-BR" sz="1200" b="0" strike="noStrike" spc="-1">
+                <a:solidFill>
+                  <a:srgbClr val="000000"/>
+                </a:solidFill>
+                <a:latin typeface="Times New Roman"/>
+              </a:rPr>
+              <a:t>43</a:t>
             </a:fld>
             <a:endParaRPr lang="pt-BR" sz="1200" b="0" strike="noStrike" spc="-1">
               <a:latin typeface="Arial"/>
@@ -5379,6 +6639,23 @@
             </a:r>
           </a:p>
           <a:p>
+            <a:pPr marL="0" marR="0" lvl="0" indent="0" algn="l" defTabSz="914400" rtl="0" eaLnBrk="1" fontAlgn="auto" latinLnBrk="0" hangingPunct="1">
+              <a:lnSpc>
+                <a:spcPct val="100000"/>
+              </a:lnSpc>
+              <a:spcBef>
+                <a:spcPts val="0"/>
+              </a:spcBef>
+              <a:spcAft>
+                <a:spcPts val="0"/>
+              </a:spcAft>
+              <a:buClrTx/>
+              <a:buSzTx/>
+              <a:buFontTx/>
+              <a:buNone/>
+              <a:tabLst/>
+              <a:defRPr/>
+            </a:pPr>
             <a:r>
               <a:rPr lang="pt-BR" sz="1200" b="0" i="0" kern="1200" dirty="0" err="1">
                 <a:solidFill>
@@ -5440,7 +6717,7 @@
               <a:t>get</a:t>
             </a:r>
             <a:r>
-              <a:rPr lang="pt-BR" sz="1200" b="0" i="0" kern="1200" dirty="0">
+              <a:rPr lang="pt-BR" sz="1200" b="0" i="0" kern="1200">
                 <a:solidFill>
                   <a:schemeClr val="tx1"/>
                 </a:solidFill>
@@ -5449,8 +6726,57 @@
                 <a:ea typeface="+mn-ea"/>
                 <a:cs typeface="+mn-cs"/>
               </a:rPr>
-              <a:t>-pizza</a:t>
-            </a:r>
+              <a:t>-pizza </a:t>
+            </a:r>
+            <a:r>
+              <a:rPr lang="pt-BR" sz="2000" b="0" strike="noStrike" spc="-1">
+                <a:solidFill>
+                  <a:srgbClr val="1F4E79"/>
+                </a:solidFill>
+                <a:latin typeface="Courier New" panose="02070309020205020404" pitchFamily="49" charset="0"/>
+                <a:ea typeface="+mn-ea"/>
+                <a:cs typeface="Courier New" panose="02070309020205020404" pitchFamily="49" charset="0"/>
+              </a:rPr>
+              <a:t>--</a:t>
+            </a:r>
+            <a:r>
+              <a:rPr lang="pt-BR" sz="2000" b="0" strike="noStrike" spc="-1" dirty="0" err="1">
+                <a:solidFill>
+                  <a:srgbClr val="1F4E79"/>
+                </a:solidFill>
+                <a:latin typeface="Courier New" panose="02070309020205020404" pitchFamily="49" charset="0"/>
+                <a:ea typeface="+mn-ea"/>
+                <a:cs typeface="Courier New" panose="02070309020205020404" pitchFamily="49" charset="0"/>
+              </a:rPr>
+              <a:t>template</a:t>
+            </a:r>
+            <a:r>
+              <a:rPr lang="pt-BR" sz="2000" b="0" strike="noStrike" spc="-1" dirty="0">
+                <a:solidFill>
+                  <a:srgbClr val="1F4E79"/>
+                </a:solidFill>
+                <a:latin typeface="Courier New" panose="02070309020205020404" pitchFamily="49" charset="0"/>
+                <a:ea typeface="+mn-ea"/>
+                <a:cs typeface="Courier New" panose="02070309020205020404" pitchFamily="49" charset="0"/>
+              </a:rPr>
+              <a:t> </a:t>
+            </a:r>
+            <a:r>
+              <a:rPr lang="pt-BR" sz="2000" b="0" strike="noStrike" spc="-1" dirty="0" err="1">
+                <a:solidFill>
+                  <a:srgbClr val="1F4E79"/>
+                </a:solidFill>
+                <a:latin typeface="Courier New" panose="02070309020205020404" pitchFamily="49" charset="0"/>
+                <a:ea typeface="+mn-ea"/>
+                <a:cs typeface="Courier New" panose="02070309020205020404" pitchFamily="49" charset="0"/>
+              </a:rPr>
+              <a:t>typescript</a:t>
+            </a:r>
+            <a:endParaRPr lang="pt-BR" sz="2000" b="0" strike="noStrike" spc="-1" dirty="0">
+              <a:latin typeface="+mn-lt"/>
+            </a:endParaRPr>
+          </a:p>
+          <a:p>
             <a:endParaRPr lang="pt-BR" sz="2000" b="0" strike="noStrike" spc="-1" dirty="0">
               <a:latin typeface="Arial"/>
             </a:endParaRPr>
@@ -17317,7 +18643,7 @@
                 <a:latin typeface="Courier New" panose="02070309020205020404" pitchFamily="49" charset="0"/>
                 <a:cs typeface="Courier New" panose="02070309020205020404" pitchFamily="49" charset="0"/>
               </a:rPr>
-              <a:t>Yarn</a:t>
+              <a:t>yarn</a:t>
             </a:r>
             <a:r>
               <a:rPr lang="pt-BR" sz="3200" spc="-1" dirty="0">
@@ -18265,14 +19591,14 @@
       </p:grpSpPr>
       <p:sp>
         <p:nvSpPr>
-          <p:cNvPr id="104" name="CustomShape 1"/>
+          <p:cNvPr id="98" name="CustomShape 1"/>
           <p:cNvSpPr/>
           <p:nvPr/>
         </p:nvSpPr>
         <p:spPr>
           <a:xfrm>
             <a:off x="0" y="224280"/>
-            <a:ext cx="12022200" cy="857520"/>
+            <a:ext cx="12019320" cy="854640"/>
           </a:xfrm>
           <a:prstGeom prst="rect">
             <a:avLst/>
@@ -18306,16 +19632,26 @@
               </a:lnSpc>
             </a:pPr>
             <a:r>
-              <a:rPr lang="pt-BR" sz="5400" b="0" strike="noStrike" spc="-1">
+              <a:rPr lang="pt-BR" sz="5400" b="0" strike="noStrike" spc="-1" dirty="0">
                 <a:solidFill>
                   <a:srgbClr val="1F4E79"/>
                 </a:solidFill>
                 <a:latin typeface="Arial"/>
                 <a:ea typeface="DejaVu Sans"/>
               </a:rPr>
-              <a:t>Referências</a:t>
-            </a:r>
-            <a:endParaRPr lang="pt-BR" sz="5400" b="0" strike="noStrike" spc="-1">
+              <a:t>Instalando a </a:t>
+            </a:r>
+            <a:r>
+              <a:rPr lang="pt-BR" sz="5400" b="0" strike="noStrike" spc="-1" dirty="0" err="1">
+                <a:solidFill>
+                  <a:srgbClr val="1F4E79"/>
+                </a:solidFill>
+                <a:latin typeface="Arial"/>
+                <a:ea typeface="DejaVu Sans"/>
+              </a:rPr>
+              <a:t>Formik</a:t>
+            </a:r>
+            <a:endParaRPr lang="pt-BR" sz="5400" b="0" strike="noStrike" spc="-1" dirty="0">
               <a:latin typeface="Arial"/>
             </a:endParaRPr>
           </a:p>
@@ -18323,14 +19659,14 @@
       </p:sp>
       <p:sp>
         <p:nvSpPr>
-          <p:cNvPr id="105" name="CustomShape 2"/>
+          <p:cNvPr id="99" name="CustomShape 2"/>
           <p:cNvSpPr/>
           <p:nvPr/>
         </p:nvSpPr>
         <p:spPr>
           <a:xfrm>
             <a:off x="317520" y="1290960"/>
-            <a:ext cx="11704320" cy="4350240"/>
+            <a:ext cx="11701440" cy="4347360"/>
           </a:xfrm>
           <a:prstGeom prst="rect">
             <a:avLst/>
@@ -18354,11 +19690,11 @@
         </p:style>
         <p:txBody>
           <a:bodyPr lIns="90000" tIns="45000" rIns="90000" bIns="45000">
-            <a:normAutofit fontScale="75500" lnSpcReduction="20000"/>
+            <a:normAutofit/>
           </a:bodyPr>
           <a:lstStyle/>
           <a:p>
-            <a:pPr marL="514440" indent="-513360">
+            <a:pPr algn="ctr">
               <a:lnSpc>
                 <a:spcPct val="100000"/>
               </a:lnSpc>
@@ -18368,60 +19704,832 @@
               <a:spcAft>
                 <a:spcPts val="1001"/>
               </a:spcAft>
-              <a:buClr>
+              <a:tabLst>
+                <a:tab pos="0" algn="l"/>
+              </a:tabLst>
+            </a:pPr>
+            <a:r>
+              <a:rPr lang="pt-BR" sz="3200" spc="-1" dirty="0" err="1">
+                <a:solidFill>
+                  <a:srgbClr val="1F4E79"/>
+                </a:solidFill>
+              </a:rPr>
+              <a:t>Formik</a:t>
+            </a:r>
+            <a:r>
+              <a:rPr lang="pt-BR" sz="3200" spc="-1" dirty="0">
+                <a:solidFill>
+                  <a:srgbClr val="1F4E79"/>
+                </a:solidFill>
+              </a:rPr>
+              <a:t> é uma biblioteca open </a:t>
+            </a:r>
+            <a:r>
+              <a:rPr lang="pt-BR" sz="3200" spc="-1" dirty="0" err="1">
+                <a:solidFill>
+                  <a:srgbClr val="1F4E79"/>
+                </a:solidFill>
+              </a:rPr>
+              <a:t>source</a:t>
+            </a:r>
+            <a:r>
+              <a:rPr lang="pt-BR" sz="3200" spc="-1" dirty="0">
+                <a:solidFill>
+                  <a:srgbClr val="1F4E79"/>
+                </a:solidFill>
+              </a:rPr>
+              <a:t> para construir formulários em </a:t>
+            </a:r>
+            <a:r>
+              <a:rPr lang="pt-BR" sz="3200" spc="-1" dirty="0" err="1">
+                <a:solidFill>
+                  <a:srgbClr val="1F4E79"/>
+                </a:solidFill>
+              </a:rPr>
+              <a:t>React</a:t>
+            </a:r>
+            <a:r>
+              <a:rPr lang="pt-BR" sz="3200" spc="-1" dirty="0">
+                <a:solidFill>
+                  <a:srgbClr val="1F4E79"/>
+                </a:solidFill>
+              </a:rPr>
+              <a:t> e </a:t>
+            </a:r>
+            <a:r>
+              <a:rPr lang="pt-BR" sz="3200" spc="-1" dirty="0" err="1">
+                <a:solidFill>
+                  <a:srgbClr val="1F4E79"/>
+                </a:solidFill>
+              </a:rPr>
+              <a:t>React</a:t>
+            </a:r>
+            <a:r>
+              <a:rPr lang="pt-BR" sz="3200" spc="-1" dirty="0">
+                <a:solidFill>
+                  <a:srgbClr val="1F4E79"/>
+                </a:solidFill>
+              </a:rPr>
+              <a:t> </a:t>
+            </a:r>
+            <a:r>
+              <a:rPr lang="pt-BR" sz="3200" spc="-1" dirty="0" err="1">
+                <a:solidFill>
+                  <a:srgbClr val="1F4E79"/>
+                </a:solidFill>
+              </a:rPr>
+              <a:t>Native</a:t>
+            </a:r>
+            <a:r>
+              <a:rPr lang="pt-BR" sz="3200" spc="-1" dirty="0">
+                <a:solidFill>
+                  <a:srgbClr val="1F4E79"/>
+                </a:solidFill>
+                <a:hlinkClick r:id="rId3"/>
+              </a:rPr>
+              <a:t>*</a:t>
+            </a:r>
+            <a:r>
+              <a:rPr lang="pt-BR" sz="3200" spc="-1" dirty="0">
+                <a:solidFill>
+                  <a:srgbClr val="1F4E79"/>
+                </a:solidFill>
+              </a:rPr>
+              <a:t>.</a:t>
+            </a:r>
+          </a:p>
+          <a:p>
+            <a:pPr algn="ctr">
+              <a:lnSpc>
+                <a:spcPct val="100000"/>
+              </a:lnSpc>
+              <a:spcBef>
+                <a:spcPts val="1001"/>
+              </a:spcBef>
+              <a:spcAft>
+                <a:spcPts val="1001"/>
+              </a:spcAft>
+              <a:tabLst>
+                <a:tab pos="0" algn="l"/>
+              </a:tabLst>
+            </a:pPr>
+            <a:r>
+              <a:rPr lang="pt-BR" sz="3200" spc="-1" dirty="0">
+                <a:solidFill>
+                  <a:srgbClr val="1F4E79"/>
+                </a:solidFill>
+              </a:rPr>
+              <a:t>Para instalar a biblioteca, execute o seguinte comando:</a:t>
+            </a:r>
+          </a:p>
+          <a:p>
+            <a:pPr algn="ctr">
+              <a:lnSpc>
+                <a:spcPct val="100000"/>
+              </a:lnSpc>
+              <a:spcBef>
+                <a:spcPts val="1001"/>
+              </a:spcBef>
+              <a:spcAft>
+                <a:spcPts val="1001"/>
+              </a:spcAft>
+              <a:tabLst>
+                <a:tab pos="0" algn="l"/>
+              </a:tabLst>
+            </a:pPr>
+            <a:r>
+              <a:rPr lang="en-US" sz="3200" spc="-1" dirty="0">
+                <a:solidFill>
+                  <a:srgbClr val="1F4E79"/>
+                </a:solidFill>
+                <a:latin typeface="Courier New" panose="02070309020205020404" pitchFamily="49" charset="0"/>
+                <a:cs typeface="Courier New" panose="02070309020205020404" pitchFamily="49" charset="0"/>
+              </a:rPr>
+              <a:t>yarn add </a:t>
+            </a:r>
+            <a:r>
+              <a:rPr lang="en-US" sz="3200" spc="-1" dirty="0" err="1">
+                <a:solidFill>
+                  <a:srgbClr val="1F4E79"/>
+                </a:solidFill>
+                <a:latin typeface="Courier New" panose="02070309020205020404" pitchFamily="49" charset="0"/>
+                <a:cs typeface="Courier New" panose="02070309020205020404" pitchFamily="49" charset="0"/>
+              </a:rPr>
+              <a:t>formik</a:t>
+            </a:r>
+            <a:endParaRPr lang="en-US" sz="3200" spc="-1" dirty="0">
+              <a:solidFill>
                 <a:srgbClr val="1F4E79"/>
-              </a:buClr>
-              <a:buFont typeface="Calibri Light"/>
-              <a:buAutoNum type="arabicPeriod"/>
-            </a:pPr>
-            <a:r>
-              <a:rPr lang="pt-BR" sz="3200" b="0" strike="noStrike" spc="-1">
+              </a:solidFill>
+              <a:latin typeface="Courier New" panose="02070309020205020404" pitchFamily="49" charset="0"/>
+              <a:cs typeface="Courier New" panose="02070309020205020404" pitchFamily="49" charset="0"/>
+            </a:endParaRPr>
+          </a:p>
+          <a:p>
+            <a:pPr algn="ctr">
+              <a:lnSpc>
+                <a:spcPct val="100000"/>
+              </a:lnSpc>
+              <a:spcBef>
+                <a:spcPts val="1001"/>
+              </a:spcBef>
+              <a:spcAft>
+                <a:spcPts val="1001"/>
+              </a:spcAft>
+              <a:tabLst>
+                <a:tab pos="0" algn="l"/>
+              </a:tabLst>
+            </a:pPr>
+            <a:r>
+              <a:rPr lang="en-US" sz="3200" spc="-1" dirty="0" err="1">
+                <a:solidFill>
+                  <a:srgbClr val="1F4E79"/>
+                </a:solidFill>
+                <a:latin typeface="Courier New" panose="02070309020205020404" pitchFamily="49" charset="0"/>
+                <a:cs typeface="Courier New" panose="02070309020205020404" pitchFamily="49" charset="0"/>
+              </a:rPr>
+              <a:t>ou</a:t>
+            </a:r>
+            <a:endParaRPr lang="en-US" sz="3200" spc="-1" dirty="0">
+              <a:solidFill>
+                <a:srgbClr val="1F4E79"/>
+              </a:solidFill>
+              <a:latin typeface="Courier New" panose="02070309020205020404" pitchFamily="49" charset="0"/>
+              <a:cs typeface="Courier New" panose="02070309020205020404" pitchFamily="49" charset="0"/>
+            </a:endParaRPr>
+          </a:p>
+          <a:p>
+            <a:pPr algn="ctr">
+              <a:lnSpc>
+                <a:spcPct val="100000"/>
+              </a:lnSpc>
+              <a:spcBef>
+                <a:spcPts val="1001"/>
+              </a:spcBef>
+              <a:spcAft>
+                <a:spcPts val="1001"/>
+              </a:spcAft>
+              <a:tabLst>
+                <a:tab pos="0" algn="l"/>
+              </a:tabLst>
+            </a:pPr>
+            <a:r>
+              <a:rPr lang="pt-BR" sz="3200" spc="-1" dirty="0" err="1">
+                <a:solidFill>
+                  <a:srgbClr val="1F4E79"/>
+                </a:solidFill>
+                <a:latin typeface="Courier New" panose="02070309020205020404" pitchFamily="49" charset="0"/>
+                <a:cs typeface="Courier New" panose="02070309020205020404" pitchFamily="49" charset="0"/>
+              </a:rPr>
+              <a:t>npm</a:t>
+            </a:r>
+            <a:r>
+              <a:rPr lang="pt-BR" sz="3200" spc="-1" dirty="0">
+                <a:solidFill>
+                  <a:srgbClr val="1F4E79"/>
+                </a:solidFill>
+                <a:latin typeface="Courier New" panose="02070309020205020404" pitchFamily="49" charset="0"/>
+                <a:cs typeface="Courier New" panose="02070309020205020404" pitchFamily="49" charset="0"/>
+              </a:rPr>
+              <a:t> i </a:t>
+            </a:r>
+            <a:r>
+              <a:rPr lang="pt-BR" sz="3200" spc="-1" dirty="0" err="1">
+                <a:solidFill>
+                  <a:srgbClr val="1F4E79"/>
+                </a:solidFill>
+                <a:latin typeface="Courier New" panose="02070309020205020404" pitchFamily="49" charset="0"/>
+                <a:cs typeface="Courier New" panose="02070309020205020404" pitchFamily="49" charset="0"/>
+              </a:rPr>
+              <a:t>formik</a:t>
+            </a:r>
+            <a:endParaRPr lang="pt-BR" sz="3200" spc="-1" dirty="0">
+              <a:solidFill>
+                <a:srgbClr val="1F4E79"/>
+              </a:solidFill>
+              <a:latin typeface="Courier New" panose="02070309020205020404" pitchFamily="49" charset="0"/>
+              <a:cs typeface="Courier New" panose="02070309020205020404" pitchFamily="49" charset="0"/>
+            </a:endParaRPr>
+          </a:p>
+        </p:txBody>
+      </p:sp>
+    </p:spTree>
+    <p:extLst>
+      <p:ext uri="{BB962C8B-B14F-4D97-AF65-F5344CB8AC3E}">
+        <p14:creationId xmlns:p14="http://schemas.microsoft.com/office/powerpoint/2010/main" val="902190963"/>
+      </p:ext>
+    </p:extLst>
+  </p:cSld>
+  <p:clrMapOvr>
+    <a:masterClrMapping/>
+  </p:clrMapOvr>
+</p:sld>
+</file>
+
+<file path=ppt/slides/slide35.xml><?xml version="1.0" encoding="utf-8"?>
+<p:sld xmlns:a="http://schemas.openxmlformats.org/drawingml/2006/main" xmlns:r="http://schemas.openxmlformats.org/officeDocument/2006/relationships" xmlns:p="http://schemas.openxmlformats.org/presentationml/2006/main">
+  <p:cSld>
+    <p:spTree>
+      <p:nvGrpSpPr>
+        <p:cNvPr id="1" name=""/>
+        <p:cNvGrpSpPr/>
+        <p:nvPr/>
+      </p:nvGrpSpPr>
+      <p:grpSpPr>
+        <a:xfrm>
+          <a:off x="0" y="0"/>
+          <a:ext cx="0" cy="0"/>
+          <a:chOff x="0" y="0"/>
+          <a:chExt cx="0" cy="0"/>
+        </a:xfrm>
+      </p:grpSpPr>
+      <p:sp>
+        <p:nvSpPr>
+          <p:cNvPr id="98" name="CustomShape 1"/>
+          <p:cNvSpPr/>
+          <p:nvPr/>
+        </p:nvSpPr>
+        <p:spPr>
+          <a:xfrm>
+            <a:off x="0" y="224280"/>
+            <a:ext cx="12019320" cy="854640"/>
+          </a:xfrm>
+          <a:prstGeom prst="rect">
+            <a:avLst/>
+          </a:prstGeom>
+          <a:noFill/>
+          <a:ln>
+            <a:noFill/>
+          </a:ln>
+        </p:spPr>
+        <p:style>
+          <a:lnRef idx="0">
+            <a:scrgbClr r="0" g="0" b="0"/>
+          </a:lnRef>
+          <a:fillRef idx="0">
+            <a:scrgbClr r="0" g="0" b="0"/>
+          </a:fillRef>
+          <a:effectRef idx="0">
+            <a:scrgbClr r="0" g="0" b="0"/>
+          </a:effectRef>
+          <a:fontRef idx="minor"/>
+        </p:style>
+        <p:txBody>
+          <a:bodyPr lIns="90000" tIns="45000" rIns="90000" bIns="45000" anchor="ctr">
+            <a:noAutofit/>
+          </a:bodyPr>
+          <a:lstStyle/>
+          <a:p>
+            <a:pPr algn="ctr">
+              <a:lnSpc>
+                <a:spcPct val="90000"/>
+              </a:lnSpc>
+            </a:pPr>
+            <a:r>
+              <a:rPr lang="pt-BR" sz="5400" b="0" strike="noStrike" spc="-1" dirty="0" err="1">
                 <a:solidFill>
                   <a:srgbClr val="1F4E79"/>
                 </a:solidFill>
                 <a:latin typeface="Arial"/>
                 <a:ea typeface="DejaVu Sans"/>
               </a:rPr>
-              <a:t>MDN web docs. </a:t>
-            </a:r>
-            <a:r>
-              <a:rPr lang="pt-BR" sz="3200" b="1" strike="noStrike" spc="-1">
+              <a:t>Formik</a:t>
+            </a:r>
+            <a:r>
+              <a:rPr lang="pt-BR" sz="5400" b="0" strike="noStrike" spc="-1" dirty="0">
                 <a:solidFill>
                   <a:srgbClr val="1F4E79"/>
                 </a:solidFill>
                 <a:latin typeface="Arial"/>
                 <a:ea typeface="DejaVu Sans"/>
               </a:rPr>
-              <a:t>Introduction to the DOM</a:t>
-            </a:r>
-            <a:r>
-              <a:rPr lang="pt-BR" sz="3200" b="0" strike="noStrike" spc="-1">
+              <a:t>: caso de uso 1</a:t>
+            </a:r>
+            <a:endParaRPr lang="pt-BR" sz="5400" b="0" strike="noStrike" spc="-1" dirty="0">
+              <a:latin typeface="Arial"/>
+            </a:endParaRPr>
+          </a:p>
+        </p:txBody>
+      </p:sp>
+      <p:sp>
+        <p:nvSpPr>
+          <p:cNvPr id="99" name="CustomShape 2"/>
+          <p:cNvSpPr/>
+          <p:nvPr/>
+        </p:nvSpPr>
+        <p:spPr>
+          <a:xfrm>
+            <a:off x="317520" y="1290960"/>
+            <a:ext cx="11701440" cy="4347360"/>
+          </a:xfrm>
+          <a:prstGeom prst="rect">
+            <a:avLst/>
+          </a:prstGeom>
+          <a:noFill/>
+          <a:ln>
+            <a:noFill/>
+          </a:ln>
+        </p:spPr>
+        <p:style>
+          <a:lnRef idx="0">
+            <a:scrgbClr r="0" g="0" b="0"/>
+          </a:lnRef>
+          <a:fillRef idx="0">
+            <a:scrgbClr r="0" g="0" b="0"/>
+          </a:fillRef>
+          <a:effectRef idx="0">
+            <a:scrgbClr r="0" g="0" b="0"/>
+          </a:effectRef>
+          <a:fontRef idx="minor"/>
+        </p:style>
+        <p:txBody>
+          <a:bodyPr lIns="90000" tIns="45000" rIns="90000" bIns="45000">
+            <a:normAutofit fontScale="92500" lnSpcReduction="20000"/>
+          </a:bodyPr>
+          <a:lstStyle/>
+          <a:p>
+            <a:pPr algn="ctr">
+              <a:lnSpc>
+                <a:spcPct val="100000"/>
+              </a:lnSpc>
+              <a:spcBef>
+                <a:spcPts val="1001"/>
+              </a:spcBef>
+              <a:spcAft>
+                <a:spcPts val="1001"/>
+              </a:spcAft>
+              <a:tabLst>
+                <a:tab pos="0" algn="l"/>
+              </a:tabLst>
+            </a:pPr>
+            <a:r>
+              <a:rPr lang="pt-BR" sz="3200" spc="-1" dirty="0">
+                <a:solidFill>
+                  <a:srgbClr val="1F4E79"/>
+                </a:solidFill>
+              </a:rPr>
+              <a:t>Criar um objeto para controlar o formulário usando o </a:t>
+            </a:r>
+            <a:r>
+              <a:rPr lang="pt-BR" sz="3200" spc="-1" dirty="0" err="1">
+                <a:solidFill>
+                  <a:srgbClr val="1F4E79"/>
+                </a:solidFill>
+              </a:rPr>
+              <a:t>hook</a:t>
+            </a:r>
+            <a:r>
+              <a:rPr lang="pt-BR" sz="3200" spc="-1" dirty="0">
+                <a:solidFill>
+                  <a:srgbClr val="1F4E79"/>
+                </a:solidFill>
+              </a:rPr>
+              <a:t> </a:t>
+            </a:r>
+            <a:r>
+              <a:rPr lang="pt-BR" sz="3200" spc="-1" dirty="0" err="1">
+                <a:solidFill>
+                  <a:srgbClr val="1F4E79"/>
+                </a:solidFill>
+                <a:latin typeface="Courier New" panose="02070309020205020404" pitchFamily="49" charset="0"/>
+                <a:cs typeface="Courier New" panose="02070309020205020404" pitchFamily="49" charset="0"/>
+              </a:rPr>
+              <a:t>useFormik</a:t>
+            </a:r>
+            <a:r>
+              <a:rPr lang="pt-BR" sz="3200" spc="-1" dirty="0">
+                <a:solidFill>
+                  <a:srgbClr val="1F4E79"/>
+                </a:solidFill>
+                <a:latin typeface="Courier New" panose="02070309020205020404" pitchFamily="49" charset="0"/>
+                <a:cs typeface="Courier New" panose="02070309020205020404" pitchFamily="49" charset="0"/>
+              </a:rPr>
+              <a:t>()</a:t>
+            </a:r>
+            <a:r>
+              <a:rPr lang="pt-BR" sz="3200" spc="-1" dirty="0">
+                <a:solidFill>
+                  <a:srgbClr val="1F4E79"/>
+                </a:solidFill>
+              </a:rPr>
+              <a:t>:</a:t>
+            </a:r>
+          </a:p>
+          <a:p>
+            <a:pPr>
+              <a:lnSpc>
+                <a:spcPct val="100000"/>
+              </a:lnSpc>
+              <a:spcBef>
+                <a:spcPts val="1001"/>
+              </a:spcBef>
+              <a:spcAft>
+                <a:spcPts val="1001"/>
+              </a:spcAft>
+              <a:tabLst>
+                <a:tab pos="0" algn="l"/>
+              </a:tabLst>
+            </a:pPr>
+            <a:r>
+              <a:rPr lang="en-US" sz="3200" spc="-1" dirty="0">
+                <a:solidFill>
+                  <a:srgbClr val="1F4E79"/>
+                </a:solidFill>
+                <a:latin typeface="Courier New" panose="02070309020205020404" pitchFamily="49" charset="0"/>
+                <a:cs typeface="Courier New" panose="02070309020205020404" pitchFamily="49" charset="0"/>
+              </a:rPr>
+              <a:t>const </a:t>
+            </a:r>
+            <a:r>
+              <a:rPr lang="en-US" sz="3200" spc="-1" dirty="0" err="1">
+                <a:solidFill>
+                  <a:srgbClr val="1F4E79"/>
+                </a:solidFill>
+                <a:latin typeface="Courier New" panose="02070309020205020404" pitchFamily="49" charset="0"/>
+                <a:cs typeface="Courier New" panose="02070309020205020404" pitchFamily="49" charset="0"/>
+              </a:rPr>
+              <a:t>formik</a:t>
+            </a:r>
+            <a:r>
+              <a:rPr lang="en-US" sz="3200" spc="-1" dirty="0">
+                <a:solidFill>
+                  <a:srgbClr val="1F4E79"/>
+                </a:solidFill>
+                <a:latin typeface="Courier New" panose="02070309020205020404" pitchFamily="49" charset="0"/>
+                <a:cs typeface="Courier New" panose="02070309020205020404" pitchFamily="49" charset="0"/>
+              </a:rPr>
+              <a:t> = </a:t>
+            </a:r>
+            <a:r>
+              <a:rPr lang="en-US" sz="3200" spc="-1" dirty="0" err="1">
+                <a:solidFill>
+                  <a:srgbClr val="1F4E79"/>
+                </a:solidFill>
+                <a:latin typeface="Courier New" panose="02070309020205020404" pitchFamily="49" charset="0"/>
+                <a:cs typeface="Courier New" panose="02070309020205020404" pitchFamily="49" charset="0"/>
+              </a:rPr>
+              <a:t>useFormik</a:t>
+            </a:r>
+            <a:r>
+              <a:rPr lang="en-US" sz="3200" spc="-1" dirty="0">
+                <a:solidFill>
+                  <a:srgbClr val="1F4E79"/>
+                </a:solidFill>
+                <a:latin typeface="Courier New" panose="02070309020205020404" pitchFamily="49" charset="0"/>
+                <a:cs typeface="Courier New" panose="02070309020205020404" pitchFamily="49" charset="0"/>
+              </a:rPr>
+              <a:t>({</a:t>
+            </a:r>
+          </a:p>
+          <a:p>
+            <a:pPr>
+              <a:lnSpc>
+                <a:spcPct val="100000"/>
+              </a:lnSpc>
+              <a:spcBef>
+                <a:spcPts val="1001"/>
+              </a:spcBef>
+              <a:spcAft>
+                <a:spcPts val="1001"/>
+              </a:spcAft>
+              <a:tabLst>
+                <a:tab pos="0" algn="l"/>
+              </a:tabLst>
+            </a:pPr>
+            <a:r>
+              <a:rPr lang="en-US" sz="3200" spc="-1" dirty="0">
+                <a:solidFill>
+                  <a:srgbClr val="1F4E79"/>
+                </a:solidFill>
+                <a:latin typeface="Courier New" panose="02070309020205020404" pitchFamily="49" charset="0"/>
+                <a:cs typeface="Courier New" panose="02070309020205020404" pitchFamily="49" charset="0"/>
+              </a:rPr>
+              <a:t>		</a:t>
+            </a:r>
+            <a:r>
+              <a:rPr lang="en-US" sz="3200" spc="-1" dirty="0" err="1">
+                <a:solidFill>
+                  <a:srgbClr val="1F4E79"/>
+                </a:solidFill>
+                <a:latin typeface="Courier New" panose="02070309020205020404" pitchFamily="49" charset="0"/>
+                <a:cs typeface="Courier New" panose="02070309020205020404" pitchFamily="49" charset="0"/>
+              </a:rPr>
+              <a:t>initialValues</a:t>
+            </a:r>
+            <a:r>
+              <a:rPr lang="en-US" sz="3200" spc="-1" dirty="0">
+                <a:solidFill>
+                  <a:srgbClr val="1F4E79"/>
+                </a:solidFill>
+                <a:latin typeface="Courier New" panose="02070309020205020404" pitchFamily="49" charset="0"/>
+                <a:cs typeface="Courier New" panose="02070309020205020404" pitchFamily="49" charset="0"/>
+              </a:rPr>
+              <a:t>: { name: '', description: '' },</a:t>
+            </a:r>
+          </a:p>
+          <a:p>
+            <a:pPr>
+              <a:lnSpc>
+                <a:spcPct val="100000"/>
+              </a:lnSpc>
+              <a:spcBef>
+                <a:spcPts val="1001"/>
+              </a:spcBef>
+              <a:spcAft>
+                <a:spcPts val="1001"/>
+              </a:spcAft>
+              <a:tabLst>
+                <a:tab pos="0" algn="l"/>
+              </a:tabLst>
+            </a:pPr>
+            <a:r>
+              <a:rPr lang="en-US" sz="3200" spc="-1" dirty="0">
+                <a:solidFill>
+                  <a:srgbClr val="1F4E79"/>
+                </a:solidFill>
+                <a:latin typeface="Courier New" panose="02070309020205020404" pitchFamily="49" charset="0"/>
+                <a:cs typeface="Courier New" panose="02070309020205020404" pitchFamily="49" charset="0"/>
+              </a:rPr>
+              <a:t>		</a:t>
+            </a:r>
+            <a:r>
+              <a:rPr lang="en-US" sz="3200" spc="-1" dirty="0" err="1">
+                <a:solidFill>
+                  <a:srgbClr val="1F4E79"/>
+                </a:solidFill>
+                <a:latin typeface="Courier New" panose="02070309020205020404" pitchFamily="49" charset="0"/>
+                <a:cs typeface="Courier New" panose="02070309020205020404" pitchFamily="49" charset="0"/>
+              </a:rPr>
+              <a:t>onSubmit</a:t>
+            </a:r>
+            <a:r>
+              <a:rPr lang="en-US" sz="3200" spc="-1" dirty="0">
+                <a:solidFill>
+                  <a:srgbClr val="1F4E79"/>
+                </a:solidFill>
+                <a:latin typeface="Courier New" panose="02070309020205020404" pitchFamily="49" charset="0"/>
+                <a:cs typeface="Courier New" panose="02070309020205020404" pitchFamily="49" charset="0"/>
+              </a:rPr>
+              <a:t>: (values) =&gt;</a:t>
+            </a:r>
+          </a:p>
+          <a:p>
+            <a:pPr>
+              <a:lnSpc>
+                <a:spcPct val="100000"/>
+              </a:lnSpc>
+              <a:spcBef>
+                <a:spcPts val="1001"/>
+              </a:spcBef>
+              <a:spcAft>
+                <a:spcPts val="1001"/>
+              </a:spcAft>
+              <a:tabLst>
+                <a:tab pos="0" algn="l"/>
+              </a:tabLst>
+            </a:pPr>
+            <a:r>
+              <a:rPr lang="en-US" sz="3200" spc="-1" dirty="0">
+                <a:solidFill>
+                  <a:srgbClr val="1F4E79"/>
+                </a:solidFill>
+                <a:latin typeface="Courier New" panose="02070309020205020404" pitchFamily="49" charset="0"/>
+                <a:cs typeface="Courier New" panose="02070309020205020404" pitchFamily="49" charset="0"/>
+              </a:rPr>
+              <a:t>			{ alert(</a:t>
+            </a:r>
+            <a:r>
+              <a:rPr lang="en-US" sz="3200" spc="-1" dirty="0" err="1">
+                <a:solidFill>
+                  <a:srgbClr val="1F4E79"/>
+                </a:solidFill>
+                <a:latin typeface="Courier New" panose="02070309020205020404" pitchFamily="49" charset="0"/>
+                <a:cs typeface="Courier New" panose="02070309020205020404" pitchFamily="49" charset="0"/>
+              </a:rPr>
+              <a:t>JSON.stringify</a:t>
+            </a:r>
+            <a:r>
+              <a:rPr lang="en-US" sz="3200" spc="-1" dirty="0">
+                <a:solidFill>
+                  <a:srgbClr val="1F4E79"/>
+                </a:solidFill>
+                <a:latin typeface="Courier New" panose="02070309020205020404" pitchFamily="49" charset="0"/>
+                <a:cs typeface="Courier New" panose="02070309020205020404" pitchFamily="49" charset="0"/>
+              </a:rPr>
+              <a:t>(values, null, 2)); }</a:t>
+            </a:r>
+          </a:p>
+          <a:p>
+            <a:pPr>
+              <a:lnSpc>
+                <a:spcPct val="100000"/>
+              </a:lnSpc>
+              <a:spcBef>
+                <a:spcPts val="1001"/>
+              </a:spcBef>
+              <a:spcAft>
+                <a:spcPts val="1001"/>
+              </a:spcAft>
+              <a:tabLst>
+                <a:tab pos="0" algn="l"/>
+              </a:tabLst>
+            </a:pPr>
+            <a:r>
+              <a:rPr lang="en-US" sz="3200" spc="-1" dirty="0">
+                <a:solidFill>
+                  <a:srgbClr val="1F4E79"/>
+                </a:solidFill>
+                <a:latin typeface="Courier New" panose="02070309020205020404" pitchFamily="49" charset="0"/>
+                <a:cs typeface="Courier New" panose="02070309020205020404" pitchFamily="49" charset="0"/>
+              </a:rPr>
+              <a:t>});</a:t>
+            </a:r>
+            <a:endParaRPr lang="pt-BR" sz="3200" spc="-1" dirty="0">
+              <a:solidFill>
+                <a:srgbClr val="1F4E79"/>
+              </a:solidFill>
+              <a:latin typeface="Courier New" panose="02070309020205020404" pitchFamily="49" charset="0"/>
+              <a:cs typeface="Courier New" panose="02070309020205020404" pitchFamily="49" charset="0"/>
+            </a:endParaRPr>
+          </a:p>
+        </p:txBody>
+      </p:sp>
+    </p:spTree>
+    <p:extLst>
+      <p:ext uri="{BB962C8B-B14F-4D97-AF65-F5344CB8AC3E}">
+        <p14:creationId xmlns:p14="http://schemas.microsoft.com/office/powerpoint/2010/main" val="3764384998"/>
+      </p:ext>
+    </p:extLst>
+  </p:cSld>
+  <p:clrMapOvr>
+    <a:masterClrMapping/>
+  </p:clrMapOvr>
+</p:sld>
+</file>
+
+<file path=ppt/slides/slide36.xml><?xml version="1.0" encoding="utf-8"?>
+<p:sld xmlns:a="http://schemas.openxmlformats.org/drawingml/2006/main" xmlns:r="http://schemas.openxmlformats.org/officeDocument/2006/relationships" xmlns:p="http://schemas.openxmlformats.org/presentationml/2006/main">
+  <p:cSld>
+    <p:spTree>
+      <p:nvGrpSpPr>
+        <p:cNvPr id="1" name=""/>
+        <p:cNvGrpSpPr/>
+        <p:nvPr/>
+      </p:nvGrpSpPr>
+      <p:grpSpPr>
+        <a:xfrm>
+          <a:off x="0" y="0"/>
+          <a:ext cx="0" cy="0"/>
+          <a:chOff x="0" y="0"/>
+          <a:chExt cx="0" cy="0"/>
+        </a:xfrm>
+      </p:grpSpPr>
+      <p:sp>
+        <p:nvSpPr>
+          <p:cNvPr id="98" name="CustomShape 1"/>
+          <p:cNvSpPr/>
+          <p:nvPr/>
+        </p:nvSpPr>
+        <p:spPr>
+          <a:xfrm>
+            <a:off x="0" y="224280"/>
+            <a:ext cx="12019320" cy="854640"/>
+          </a:xfrm>
+          <a:prstGeom prst="rect">
+            <a:avLst/>
+          </a:prstGeom>
+          <a:noFill/>
+          <a:ln>
+            <a:noFill/>
+          </a:ln>
+        </p:spPr>
+        <p:style>
+          <a:lnRef idx="0">
+            <a:scrgbClr r="0" g="0" b="0"/>
+          </a:lnRef>
+          <a:fillRef idx="0">
+            <a:scrgbClr r="0" g="0" b="0"/>
+          </a:fillRef>
+          <a:effectRef idx="0">
+            <a:scrgbClr r="0" g="0" b="0"/>
+          </a:effectRef>
+          <a:fontRef idx="minor"/>
+        </p:style>
+        <p:txBody>
+          <a:bodyPr lIns="90000" tIns="45000" rIns="90000" bIns="45000" anchor="ctr">
+            <a:noAutofit/>
+          </a:bodyPr>
+          <a:lstStyle/>
+          <a:p>
+            <a:pPr algn="ctr">
+              <a:lnSpc>
+                <a:spcPct val="90000"/>
+              </a:lnSpc>
+            </a:pPr>
+            <a:r>
+              <a:rPr lang="pt-BR" sz="5400" b="0" strike="noStrike" spc="-1" dirty="0" err="1">
                 <a:solidFill>
                   <a:srgbClr val="1F4E79"/>
                 </a:solidFill>
                 <a:latin typeface="Arial"/>
                 <a:ea typeface="DejaVu Sans"/>
               </a:rPr>
-              <a:t>. In: Document Object Model. Disponível em: </a:t>
-            </a:r>
-            <a:r>
-              <a:rPr lang="pt-BR" sz="3200" b="0" u="sng" strike="noStrike" spc="-1">
-                <a:solidFill>
-                  <a:srgbClr val="0563C1"/>
-                </a:solidFill>
-                <a:uFillTx/>
+              <a:t>Formik</a:t>
+            </a:r>
+            <a:r>
+              <a:rPr lang="pt-BR" sz="5400" b="0" strike="noStrike" spc="-1" dirty="0">
+                <a:solidFill>
+                  <a:srgbClr val="1F4E79"/>
+                </a:solidFill>
                 <a:latin typeface="Arial"/>
                 <a:ea typeface="DejaVu Sans"/>
-                <a:hlinkClick r:id="rId3"/>
-              </a:rPr>
-              <a:t>https://developer.mozilla.org/en-US/docs/Web/API/Document_Object_Model/Introduction</a:t>
-            </a:r>
-            <a:endParaRPr lang="pt-BR" sz="3200" b="0" strike="noStrike" spc="-1">
+              </a:rPr>
+              <a:t>: caso de uso 1</a:t>
+            </a:r>
+            <a:endParaRPr lang="pt-BR" sz="5400" b="0" strike="noStrike" spc="-1" dirty="0">
               <a:latin typeface="Arial"/>
             </a:endParaRPr>
           </a:p>
-          <a:p>
-            <a:pPr marL="514440" indent="-513360">
+        </p:txBody>
+      </p:sp>
+      <p:sp>
+        <p:nvSpPr>
+          <p:cNvPr id="99" name="CustomShape 2"/>
+          <p:cNvSpPr/>
+          <p:nvPr/>
+        </p:nvSpPr>
+        <p:spPr>
+          <a:xfrm>
+            <a:off x="317520" y="1290960"/>
+            <a:ext cx="11701440" cy="4347360"/>
+          </a:xfrm>
+          <a:prstGeom prst="rect">
+            <a:avLst/>
+          </a:prstGeom>
+          <a:noFill/>
+          <a:ln>
+            <a:noFill/>
+          </a:ln>
+        </p:spPr>
+        <p:style>
+          <a:lnRef idx="0">
+            <a:scrgbClr r="0" g="0" b="0"/>
+          </a:lnRef>
+          <a:fillRef idx="0">
+            <a:scrgbClr r="0" g="0" b="0"/>
+          </a:fillRef>
+          <a:effectRef idx="0">
+            <a:scrgbClr r="0" g="0" b="0"/>
+          </a:effectRef>
+          <a:fontRef idx="minor"/>
+        </p:style>
+        <p:txBody>
+          <a:bodyPr lIns="90000" tIns="45000" rIns="90000" bIns="45000">
+            <a:normAutofit fontScale="92500" lnSpcReduction="20000"/>
+          </a:bodyPr>
+          <a:lstStyle/>
+          <a:p>
+            <a:pPr algn="ctr">
               <a:lnSpc>
                 <a:spcPct val="100000"/>
               </a:lnSpc>
@@ -18431,60 +20539,783 @@
               <a:spcAft>
                 <a:spcPts val="1001"/>
               </a:spcAft>
-              <a:buClr>
+              <a:tabLst>
+                <a:tab pos="0" algn="l"/>
+              </a:tabLst>
+            </a:pPr>
+            <a:r>
+              <a:rPr lang="pt-BR" sz="3200" spc="-1" dirty="0">
+                <a:solidFill>
+                  <a:srgbClr val="1F4E79"/>
+                </a:solidFill>
+              </a:rPr>
+              <a:t>Vinculando o objeto ao formulário:</a:t>
+            </a:r>
+          </a:p>
+          <a:p>
+            <a:pPr>
+              <a:lnSpc>
+                <a:spcPct val="100000"/>
+              </a:lnSpc>
+              <a:spcBef>
+                <a:spcPts val="1001"/>
+              </a:spcBef>
+              <a:spcAft>
+                <a:spcPts val="1001"/>
+              </a:spcAft>
+              <a:tabLst>
+                <a:tab pos="0" algn="l"/>
+              </a:tabLst>
+            </a:pPr>
+            <a:r>
+              <a:rPr lang="en-US" sz="3200" spc="-1" dirty="0">
+                <a:solidFill>
+                  <a:srgbClr val="1F4E79"/>
+                </a:solidFill>
+                <a:latin typeface="Courier New" panose="02070309020205020404" pitchFamily="49" charset="0"/>
+                <a:cs typeface="Courier New" panose="02070309020205020404" pitchFamily="49" charset="0"/>
+              </a:rPr>
+              <a:t>&lt;form </a:t>
+            </a:r>
+            <a:r>
+              <a:rPr lang="en-US" sz="3200" spc="-1" dirty="0" err="1">
+                <a:solidFill>
+                  <a:srgbClr val="1F4E79"/>
+                </a:solidFill>
+                <a:latin typeface="Courier New" panose="02070309020205020404" pitchFamily="49" charset="0"/>
+                <a:cs typeface="Courier New" panose="02070309020205020404" pitchFamily="49" charset="0"/>
+              </a:rPr>
+              <a:t>onSubmit</a:t>
+            </a:r>
+            <a:r>
+              <a:rPr lang="en-US" sz="3200" spc="-1" dirty="0">
+                <a:solidFill>
+                  <a:srgbClr val="1F4E79"/>
+                </a:solidFill>
+                <a:latin typeface="Courier New" panose="02070309020205020404" pitchFamily="49" charset="0"/>
+                <a:cs typeface="Courier New" panose="02070309020205020404" pitchFamily="49" charset="0"/>
+              </a:rPr>
+              <a:t>={</a:t>
+            </a:r>
+            <a:r>
+              <a:rPr lang="en-US" sz="3200" spc="-1" dirty="0" err="1">
+                <a:solidFill>
+                  <a:srgbClr val="1F4E79"/>
+                </a:solidFill>
+                <a:latin typeface="Courier New" panose="02070309020205020404" pitchFamily="49" charset="0"/>
+                <a:cs typeface="Courier New" panose="02070309020205020404" pitchFamily="49" charset="0"/>
+              </a:rPr>
+              <a:t>formik.handleSubmit</a:t>
+            </a:r>
+            <a:r>
+              <a:rPr lang="en-US" sz="3200" spc="-1" dirty="0">
+                <a:solidFill>
+                  <a:srgbClr val="1F4E79"/>
+                </a:solidFill>
+                <a:latin typeface="Courier New" panose="02070309020205020404" pitchFamily="49" charset="0"/>
+                <a:cs typeface="Courier New" panose="02070309020205020404" pitchFamily="49" charset="0"/>
+              </a:rPr>
+              <a:t>}&gt;</a:t>
+            </a:r>
+          </a:p>
+          <a:p>
+            <a:pPr>
+              <a:lnSpc>
+                <a:spcPct val="100000"/>
+              </a:lnSpc>
+              <a:spcBef>
+                <a:spcPts val="1001"/>
+              </a:spcBef>
+              <a:spcAft>
+                <a:spcPts val="1001"/>
+              </a:spcAft>
+              <a:tabLst>
+                <a:tab pos="0" algn="l"/>
+              </a:tabLst>
+            </a:pPr>
+            <a:r>
+              <a:rPr lang="en-US" sz="3200" spc="-1" dirty="0">
+                <a:solidFill>
+                  <a:srgbClr val="1F4E79"/>
+                </a:solidFill>
+                <a:latin typeface="Courier New" panose="02070309020205020404" pitchFamily="49" charset="0"/>
+                <a:cs typeface="Courier New" panose="02070309020205020404" pitchFamily="49" charset="0"/>
+              </a:rPr>
+              <a:t>&lt;input</a:t>
+            </a:r>
+          </a:p>
+          <a:p>
+            <a:pPr>
+              <a:lnSpc>
+                <a:spcPct val="100000"/>
+              </a:lnSpc>
+              <a:spcBef>
+                <a:spcPts val="1001"/>
+              </a:spcBef>
+              <a:spcAft>
+                <a:spcPts val="1001"/>
+              </a:spcAft>
+              <a:tabLst>
+                <a:tab pos="0" algn="l"/>
+              </a:tabLst>
+            </a:pPr>
+            <a:r>
+              <a:rPr lang="en-US" sz="3200" spc="-1" dirty="0">
+                <a:solidFill>
+                  <a:srgbClr val="1F4E79"/>
+                </a:solidFill>
+                <a:latin typeface="Courier New" panose="02070309020205020404" pitchFamily="49" charset="0"/>
+                <a:cs typeface="Courier New" panose="02070309020205020404" pitchFamily="49" charset="0"/>
+              </a:rPr>
+              <a:t>		type=“text” id=“name” name=“name”</a:t>
+            </a:r>
+          </a:p>
+          <a:p>
+            <a:pPr>
+              <a:lnSpc>
+                <a:spcPct val="100000"/>
+              </a:lnSpc>
+              <a:spcBef>
+                <a:spcPts val="1001"/>
+              </a:spcBef>
+              <a:spcAft>
+                <a:spcPts val="1001"/>
+              </a:spcAft>
+              <a:tabLst>
+                <a:tab pos="0" algn="l"/>
+              </a:tabLst>
+            </a:pPr>
+            <a:r>
+              <a:rPr lang="en-US" sz="3200" spc="-1" dirty="0">
+                <a:solidFill>
+                  <a:srgbClr val="1F4E79"/>
+                </a:solidFill>
+                <a:latin typeface="Courier New" panose="02070309020205020404" pitchFamily="49" charset="0"/>
+                <a:cs typeface="Courier New" panose="02070309020205020404" pitchFamily="49" charset="0"/>
+              </a:rPr>
+              <a:t>		</a:t>
+            </a:r>
+            <a:r>
+              <a:rPr lang="en-US" sz="3200" spc="-1" dirty="0" err="1">
+                <a:solidFill>
+                  <a:srgbClr val="1F4E79"/>
+                </a:solidFill>
+                <a:latin typeface="Courier New" panose="02070309020205020404" pitchFamily="49" charset="0"/>
+                <a:cs typeface="Courier New" panose="02070309020205020404" pitchFamily="49" charset="0"/>
+              </a:rPr>
+              <a:t>onChange</a:t>
+            </a:r>
+            <a:r>
+              <a:rPr lang="en-US" sz="3200" spc="-1" dirty="0">
+                <a:solidFill>
+                  <a:srgbClr val="1F4E79"/>
+                </a:solidFill>
+                <a:latin typeface="Courier New" panose="02070309020205020404" pitchFamily="49" charset="0"/>
+                <a:cs typeface="Courier New" panose="02070309020205020404" pitchFamily="49" charset="0"/>
+              </a:rPr>
+              <a:t>={</a:t>
+            </a:r>
+            <a:r>
+              <a:rPr lang="en-US" sz="3200" spc="-1" dirty="0" err="1">
+                <a:solidFill>
+                  <a:srgbClr val="1F4E79"/>
+                </a:solidFill>
+                <a:latin typeface="Courier New" panose="02070309020205020404" pitchFamily="49" charset="0"/>
+                <a:cs typeface="Courier New" panose="02070309020205020404" pitchFamily="49" charset="0"/>
+              </a:rPr>
+              <a:t>formik.handleChange</a:t>
+            </a:r>
+            <a:r>
+              <a:rPr lang="en-US" sz="3200" spc="-1" dirty="0">
+                <a:solidFill>
+                  <a:srgbClr val="1F4E79"/>
+                </a:solidFill>
+                <a:latin typeface="Courier New" panose="02070309020205020404" pitchFamily="49" charset="0"/>
+                <a:cs typeface="Courier New" panose="02070309020205020404" pitchFamily="49" charset="0"/>
+              </a:rPr>
+              <a:t>}</a:t>
+            </a:r>
+          </a:p>
+          <a:p>
+            <a:pPr>
+              <a:lnSpc>
+                <a:spcPct val="100000"/>
+              </a:lnSpc>
+              <a:spcBef>
+                <a:spcPts val="1001"/>
+              </a:spcBef>
+              <a:spcAft>
+                <a:spcPts val="1001"/>
+              </a:spcAft>
+              <a:tabLst>
+                <a:tab pos="0" algn="l"/>
+              </a:tabLst>
+            </a:pPr>
+            <a:r>
+              <a:rPr lang="en-US" sz="3200" spc="-1" dirty="0">
+                <a:solidFill>
+                  <a:srgbClr val="1F4E79"/>
+                </a:solidFill>
+                <a:latin typeface="Courier New" panose="02070309020205020404" pitchFamily="49" charset="0"/>
+                <a:cs typeface="Courier New" panose="02070309020205020404" pitchFamily="49" charset="0"/>
+              </a:rPr>
+              <a:t>		value={formik.values.name}</a:t>
+            </a:r>
+          </a:p>
+          <a:p>
+            <a:pPr>
+              <a:lnSpc>
+                <a:spcPct val="100000"/>
+              </a:lnSpc>
+              <a:spcBef>
+                <a:spcPts val="1001"/>
+              </a:spcBef>
+              <a:spcAft>
+                <a:spcPts val="1001"/>
+              </a:spcAft>
+              <a:tabLst>
+                <a:tab pos="0" algn="l"/>
+              </a:tabLst>
+            </a:pPr>
+            <a:r>
+              <a:rPr lang="en-US" sz="3200" spc="-1" dirty="0">
+                <a:solidFill>
+                  <a:srgbClr val="1F4E79"/>
+                </a:solidFill>
+                <a:latin typeface="Courier New" panose="02070309020205020404" pitchFamily="49" charset="0"/>
+                <a:cs typeface="Courier New" panose="02070309020205020404" pitchFamily="49" charset="0"/>
+              </a:rPr>
+              <a:t>/&gt;</a:t>
+            </a:r>
+            <a:endParaRPr lang="pt-BR" sz="3200" spc="-1" dirty="0">
+              <a:solidFill>
                 <a:srgbClr val="1F4E79"/>
-              </a:buClr>
-              <a:buFont typeface="Calibri Light"/>
-              <a:buAutoNum type="arabicPeriod"/>
-            </a:pPr>
-            <a:r>
-              <a:rPr lang="pt-BR" sz="3200" b="0" strike="noStrike" spc="-1">
+              </a:solidFill>
+              <a:latin typeface="Courier New" panose="02070309020205020404" pitchFamily="49" charset="0"/>
+              <a:cs typeface="Courier New" panose="02070309020205020404" pitchFamily="49" charset="0"/>
+            </a:endParaRPr>
+          </a:p>
+        </p:txBody>
+      </p:sp>
+    </p:spTree>
+    <p:extLst>
+      <p:ext uri="{BB962C8B-B14F-4D97-AF65-F5344CB8AC3E}">
+        <p14:creationId xmlns:p14="http://schemas.microsoft.com/office/powerpoint/2010/main" val="222311039"/>
+      </p:ext>
+    </p:extLst>
+  </p:cSld>
+  <p:clrMapOvr>
+    <a:masterClrMapping/>
+  </p:clrMapOvr>
+</p:sld>
+</file>
+
+<file path=ppt/slides/slide37.xml><?xml version="1.0" encoding="utf-8"?>
+<p:sld xmlns:a="http://schemas.openxmlformats.org/drawingml/2006/main" xmlns:r="http://schemas.openxmlformats.org/officeDocument/2006/relationships" xmlns:p="http://schemas.openxmlformats.org/presentationml/2006/main">
+  <p:cSld>
+    <p:spTree>
+      <p:nvGrpSpPr>
+        <p:cNvPr id="1" name=""/>
+        <p:cNvGrpSpPr/>
+        <p:nvPr/>
+      </p:nvGrpSpPr>
+      <p:grpSpPr>
+        <a:xfrm>
+          <a:off x="0" y="0"/>
+          <a:ext cx="0" cy="0"/>
+          <a:chOff x="0" y="0"/>
+          <a:chExt cx="0" cy="0"/>
+        </a:xfrm>
+      </p:grpSpPr>
+      <p:sp>
+        <p:nvSpPr>
+          <p:cNvPr id="98" name="CustomShape 1"/>
+          <p:cNvSpPr/>
+          <p:nvPr/>
+        </p:nvSpPr>
+        <p:spPr>
+          <a:xfrm>
+            <a:off x="0" y="224280"/>
+            <a:ext cx="12019320" cy="854640"/>
+          </a:xfrm>
+          <a:prstGeom prst="rect">
+            <a:avLst/>
+          </a:prstGeom>
+          <a:noFill/>
+          <a:ln>
+            <a:noFill/>
+          </a:ln>
+        </p:spPr>
+        <p:style>
+          <a:lnRef idx="0">
+            <a:scrgbClr r="0" g="0" b="0"/>
+          </a:lnRef>
+          <a:fillRef idx="0">
+            <a:scrgbClr r="0" g="0" b="0"/>
+          </a:fillRef>
+          <a:effectRef idx="0">
+            <a:scrgbClr r="0" g="0" b="0"/>
+          </a:effectRef>
+          <a:fontRef idx="minor"/>
+        </p:style>
+        <p:txBody>
+          <a:bodyPr lIns="90000" tIns="45000" rIns="90000" bIns="45000" anchor="ctr">
+            <a:noAutofit/>
+          </a:bodyPr>
+          <a:lstStyle/>
+          <a:p>
+            <a:pPr algn="ctr">
+              <a:lnSpc>
+                <a:spcPct val="90000"/>
+              </a:lnSpc>
+            </a:pPr>
+            <a:r>
+              <a:rPr lang="pt-BR" sz="5400" b="0" strike="noStrike" spc="-1" dirty="0" err="1">
                 <a:solidFill>
                   <a:srgbClr val="1F4E79"/>
                 </a:solidFill>
                 <a:latin typeface="Arial"/>
                 <a:ea typeface="DejaVu Sans"/>
               </a:rPr>
-              <a:t>MDN web docs. </a:t>
-            </a:r>
-            <a:r>
-              <a:rPr lang="pt-BR" sz="3200" b="1" strike="noStrike" spc="-1">
+              <a:t>Formik</a:t>
+            </a:r>
+            <a:r>
+              <a:rPr lang="pt-BR" sz="5400" b="0" strike="noStrike" spc="-1" dirty="0">
                 <a:solidFill>
                   <a:srgbClr val="1F4E79"/>
                 </a:solidFill>
                 <a:latin typeface="Arial"/>
                 <a:ea typeface="DejaVu Sans"/>
               </a:rPr>
-              <a:t>Classes</a:t>
-            </a:r>
-            <a:r>
-              <a:rPr lang="pt-BR" sz="3200" b="0" strike="noStrike" spc="-1">
+              <a:t>: caso de uso 1</a:t>
+            </a:r>
+            <a:endParaRPr lang="pt-BR" sz="5400" b="0" strike="noStrike" spc="-1" dirty="0">
+              <a:latin typeface="Arial"/>
+            </a:endParaRPr>
+          </a:p>
+        </p:txBody>
+      </p:sp>
+      <p:sp>
+        <p:nvSpPr>
+          <p:cNvPr id="99" name="CustomShape 2"/>
+          <p:cNvSpPr/>
+          <p:nvPr/>
+        </p:nvSpPr>
+        <p:spPr>
+          <a:xfrm>
+            <a:off x="317520" y="1290960"/>
+            <a:ext cx="11701440" cy="4347360"/>
+          </a:xfrm>
+          <a:prstGeom prst="rect">
+            <a:avLst/>
+          </a:prstGeom>
+          <a:noFill/>
+          <a:ln>
+            <a:noFill/>
+          </a:ln>
+        </p:spPr>
+        <p:style>
+          <a:lnRef idx="0">
+            <a:scrgbClr r="0" g="0" b="0"/>
+          </a:lnRef>
+          <a:fillRef idx="0">
+            <a:scrgbClr r="0" g="0" b="0"/>
+          </a:fillRef>
+          <a:effectRef idx="0">
+            <a:scrgbClr r="0" g="0" b="0"/>
+          </a:effectRef>
+          <a:fontRef idx="minor"/>
+        </p:style>
+        <p:txBody>
+          <a:bodyPr lIns="90000" tIns="45000" rIns="90000" bIns="45000">
+            <a:normAutofit fontScale="92500" lnSpcReduction="20000"/>
+          </a:bodyPr>
+          <a:lstStyle/>
+          <a:p>
+            <a:pPr algn="ctr">
+              <a:lnSpc>
+                <a:spcPct val="100000"/>
+              </a:lnSpc>
+              <a:spcBef>
+                <a:spcPts val="1001"/>
+              </a:spcBef>
+              <a:spcAft>
+                <a:spcPts val="1001"/>
+              </a:spcAft>
+              <a:tabLst>
+                <a:tab pos="0" algn="l"/>
+              </a:tabLst>
+            </a:pPr>
+            <a:r>
+              <a:rPr lang="pt-BR" sz="3200" spc="-1" dirty="0">
+                <a:solidFill>
+                  <a:srgbClr val="1F4E79"/>
+                </a:solidFill>
+              </a:rPr>
+              <a:t>Validando dados:</a:t>
+            </a:r>
+          </a:p>
+          <a:p>
+            <a:pPr>
+              <a:lnSpc>
+                <a:spcPct val="100000"/>
+              </a:lnSpc>
+              <a:spcBef>
+                <a:spcPts val="1001"/>
+              </a:spcBef>
+              <a:spcAft>
+                <a:spcPts val="1001"/>
+              </a:spcAft>
+              <a:tabLst>
+                <a:tab pos="0" algn="l"/>
+              </a:tabLst>
+            </a:pPr>
+            <a:r>
+              <a:rPr lang="en-US" sz="3200" spc="-1" dirty="0">
+                <a:solidFill>
+                  <a:srgbClr val="1F4E79"/>
+                </a:solidFill>
+                <a:latin typeface="Courier New" panose="02070309020205020404" pitchFamily="49" charset="0"/>
+                <a:cs typeface="Courier New" panose="02070309020205020404" pitchFamily="49" charset="0"/>
+              </a:rPr>
+              <a:t>const validate = (values: </a:t>
+            </a:r>
+            <a:r>
+              <a:rPr lang="en-US" sz="3200" spc="-1" dirty="0" err="1">
+                <a:solidFill>
+                  <a:srgbClr val="1F4E79"/>
+                </a:solidFill>
+                <a:latin typeface="Courier New" panose="02070309020205020404" pitchFamily="49" charset="0"/>
+                <a:cs typeface="Courier New" panose="02070309020205020404" pitchFamily="49" charset="0"/>
+              </a:rPr>
+              <a:t>IFormValues</a:t>
+            </a:r>
+            <a:r>
+              <a:rPr lang="en-US" sz="3200" spc="-1" dirty="0">
+                <a:solidFill>
+                  <a:srgbClr val="1F4E79"/>
+                </a:solidFill>
+                <a:latin typeface="Courier New" panose="02070309020205020404" pitchFamily="49" charset="0"/>
+                <a:cs typeface="Courier New" panose="02070309020205020404" pitchFamily="49" charset="0"/>
+              </a:rPr>
+              <a:t>) =&gt; {</a:t>
+            </a:r>
+          </a:p>
+          <a:p>
+            <a:pPr>
+              <a:lnSpc>
+                <a:spcPct val="100000"/>
+              </a:lnSpc>
+              <a:spcBef>
+                <a:spcPts val="1001"/>
+              </a:spcBef>
+              <a:spcAft>
+                <a:spcPts val="1001"/>
+              </a:spcAft>
+              <a:tabLst>
+                <a:tab pos="0" algn="l"/>
+              </a:tabLst>
+            </a:pPr>
+            <a:r>
+              <a:rPr lang="en-US" sz="3200" spc="-1" dirty="0">
+                <a:solidFill>
+                  <a:srgbClr val="1F4E79"/>
+                </a:solidFill>
+                <a:latin typeface="Courier New" panose="02070309020205020404" pitchFamily="49" charset="0"/>
+                <a:cs typeface="Courier New" panose="02070309020205020404" pitchFamily="49" charset="0"/>
+              </a:rPr>
+              <a:t>    const errors: </a:t>
+            </a:r>
+            <a:r>
+              <a:rPr lang="en-US" sz="3200" spc="-1" dirty="0" err="1">
+                <a:solidFill>
+                  <a:srgbClr val="1F4E79"/>
+                </a:solidFill>
+                <a:latin typeface="Courier New" panose="02070309020205020404" pitchFamily="49" charset="0"/>
+                <a:cs typeface="Courier New" panose="02070309020205020404" pitchFamily="49" charset="0"/>
+              </a:rPr>
+              <a:t>IFormValues</a:t>
+            </a:r>
+            <a:r>
+              <a:rPr lang="en-US" sz="3200" spc="-1" dirty="0">
+                <a:solidFill>
+                  <a:srgbClr val="1F4E79"/>
+                </a:solidFill>
+                <a:latin typeface="Courier New" panose="02070309020205020404" pitchFamily="49" charset="0"/>
+                <a:cs typeface="Courier New" panose="02070309020205020404" pitchFamily="49" charset="0"/>
+              </a:rPr>
+              <a:t> = {};</a:t>
+            </a:r>
+          </a:p>
+          <a:p>
+            <a:pPr>
+              <a:lnSpc>
+                <a:spcPct val="100000"/>
+              </a:lnSpc>
+              <a:spcBef>
+                <a:spcPts val="1001"/>
+              </a:spcBef>
+              <a:spcAft>
+                <a:spcPts val="1001"/>
+              </a:spcAft>
+              <a:tabLst>
+                <a:tab pos="0" algn="l"/>
+              </a:tabLst>
+            </a:pPr>
+            <a:r>
+              <a:rPr lang="en-US" sz="3200" spc="-1" dirty="0">
+                <a:solidFill>
+                  <a:srgbClr val="1F4E79"/>
+                </a:solidFill>
+                <a:latin typeface="Courier New" panose="02070309020205020404" pitchFamily="49" charset="0"/>
+                <a:cs typeface="Courier New" panose="02070309020205020404" pitchFamily="49" charset="0"/>
+              </a:rPr>
+              <a:t>		if (!values.name)</a:t>
+            </a:r>
+          </a:p>
+          <a:p>
+            <a:pPr>
+              <a:lnSpc>
+                <a:spcPct val="100000"/>
+              </a:lnSpc>
+              <a:spcBef>
+                <a:spcPts val="1001"/>
+              </a:spcBef>
+              <a:spcAft>
+                <a:spcPts val="1001"/>
+              </a:spcAft>
+              <a:tabLst>
+                <a:tab pos="0" algn="l"/>
+              </a:tabLst>
+            </a:pPr>
+            <a:r>
+              <a:rPr lang="en-US" sz="3200" spc="-1" dirty="0">
+                <a:solidFill>
+                  <a:srgbClr val="1F4E79"/>
+                </a:solidFill>
+                <a:latin typeface="Courier New" panose="02070309020205020404" pitchFamily="49" charset="0"/>
+                <a:cs typeface="Courier New" panose="02070309020205020404" pitchFamily="49" charset="0"/>
+              </a:rPr>
+              <a:t>			{ errors.name = '</a:t>
+            </a:r>
+            <a:r>
+              <a:rPr lang="en-US" sz="3200" spc="-1" dirty="0" err="1">
+                <a:solidFill>
+                  <a:srgbClr val="1F4E79"/>
+                </a:solidFill>
+                <a:latin typeface="Courier New" panose="02070309020205020404" pitchFamily="49" charset="0"/>
+                <a:cs typeface="Courier New" panose="02070309020205020404" pitchFamily="49" charset="0"/>
+              </a:rPr>
+              <a:t>Obrigatório</a:t>
+            </a:r>
+            <a:r>
+              <a:rPr lang="en-US" sz="3200" spc="-1" dirty="0">
+                <a:solidFill>
+                  <a:srgbClr val="1F4E79"/>
+                </a:solidFill>
+                <a:latin typeface="Courier New" panose="02070309020205020404" pitchFamily="49" charset="0"/>
+                <a:cs typeface="Courier New" panose="02070309020205020404" pitchFamily="49" charset="0"/>
+              </a:rPr>
+              <a:t>'; }</a:t>
+            </a:r>
+          </a:p>
+          <a:p>
+            <a:pPr>
+              <a:lnSpc>
+                <a:spcPct val="100000"/>
+              </a:lnSpc>
+              <a:spcBef>
+                <a:spcPts val="1001"/>
+              </a:spcBef>
+              <a:spcAft>
+                <a:spcPts val="1001"/>
+              </a:spcAft>
+              <a:tabLst>
+                <a:tab pos="0" algn="l"/>
+              </a:tabLst>
+            </a:pPr>
+            <a:r>
+              <a:rPr lang="en-US" sz="3200" spc="-1" dirty="0">
+                <a:solidFill>
+                  <a:srgbClr val="1F4E79"/>
+                </a:solidFill>
+                <a:latin typeface="Courier New" panose="02070309020205020404" pitchFamily="49" charset="0"/>
+                <a:cs typeface="Courier New" panose="02070309020205020404" pitchFamily="49" charset="0"/>
+              </a:rPr>
+              <a:t>		return errors;</a:t>
+            </a:r>
+          </a:p>
+          <a:p>
+            <a:pPr>
+              <a:lnSpc>
+                <a:spcPct val="100000"/>
+              </a:lnSpc>
+              <a:spcBef>
+                <a:spcPts val="1001"/>
+              </a:spcBef>
+              <a:spcAft>
+                <a:spcPts val="1001"/>
+              </a:spcAft>
+              <a:tabLst>
+                <a:tab pos="0" algn="l"/>
+              </a:tabLst>
+            </a:pPr>
+            <a:r>
+              <a:rPr lang="en-US" sz="3200" spc="-1" dirty="0">
+                <a:solidFill>
+                  <a:srgbClr val="1F4E79"/>
+                </a:solidFill>
+                <a:latin typeface="Courier New" panose="02070309020205020404" pitchFamily="49" charset="0"/>
+                <a:cs typeface="Courier New" panose="02070309020205020404" pitchFamily="49" charset="0"/>
+              </a:rPr>
+              <a:t>}</a:t>
+            </a:r>
+            <a:endParaRPr lang="pt-BR" sz="3200" spc="-1" dirty="0">
+              <a:solidFill>
+                <a:srgbClr val="1F4E79"/>
+              </a:solidFill>
+              <a:latin typeface="Courier New" panose="02070309020205020404" pitchFamily="49" charset="0"/>
+              <a:cs typeface="Courier New" panose="02070309020205020404" pitchFamily="49" charset="0"/>
+            </a:endParaRPr>
+          </a:p>
+        </p:txBody>
+      </p:sp>
+    </p:spTree>
+    <p:extLst>
+      <p:ext uri="{BB962C8B-B14F-4D97-AF65-F5344CB8AC3E}">
+        <p14:creationId xmlns:p14="http://schemas.microsoft.com/office/powerpoint/2010/main" val="1387948566"/>
+      </p:ext>
+    </p:extLst>
+  </p:cSld>
+  <p:clrMapOvr>
+    <a:masterClrMapping/>
+  </p:clrMapOvr>
+</p:sld>
+</file>
+
+<file path=ppt/slides/slide38.xml><?xml version="1.0" encoding="utf-8"?>
+<p:sld xmlns:a="http://schemas.openxmlformats.org/drawingml/2006/main" xmlns:r="http://schemas.openxmlformats.org/officeDocument/2006/relationships" xmlns:p="http://schemas.openxmlformats.org/presentationml/2006/main">
+  <p:cSld>
+    <p:spTree>
+      <p:nvGrpSpPr>
+        <p:cNvPr id="1" name=""/>
+        <p:cNvGrpSpPr/>
+        <p:nvPr/>
+      </p:nvGrpSpPr>
+      <p:grpSpPr>
+        <a:xfrm>
+          <a:off x="0" y="0"/>
+          <a:ext cx="0" cy="0"/>
+          <a:chOff x="0" y="0"/>
+          <a:chExt cx="0" cy="0"/>
+        </a:xfrm>
+      </p:grpSpPr>
+      <p:sp>
+        <p:nvSpPr>
+          <p:cNvPr id="98" name="CustomShape 1"/>
+          <p:cNvSpPr/>
+          <p:nvPr/>
+        </p:nvSpPr>
+        <p:spPr>
+          <a:xfrm>
+            <a:off x="0" y="224280"/>
+            <a:ext cx="12019320" cy="854640"/>
+          </a:xfrm>
+          <a:prstGeom prst="rect">
+            <a:avLst/>
+          </a:prstGeom>
+          <a:noFill/>
+          <a:ln>
+            <a:noFill/>
+          </a:ln>
+        </p:spPr>
+        <p:style>
+          <a:lnRef idx="0">
+            <a:scrgbClr r="0" g="0" b="0"/>
+          </a:lnRef>
+          <a:fillRef idx="0">
+            <a:scrgbClr r="0" g="0" b="0"/>
+          </a:fillRef>
+          <a:effectRef idx="0">
+            <a:scrgbClr r="0" g="0" b="0"/>
+          </a:effectRef>
+          <a:fontRef idx="minor"/>
+        </p:style>
+        <p:txBody>
+          <a:bodyPr lIns="90000" tIns="45000" rIns="90000" bIns="45000" anchor="ctr">
+            <a:noAutofit/>
+          </a:bodyPr>
+          <a:lstStyle/>
+          <a:p>
+            <a:pPr algn="ctr">
+              <a:lnSpc>
+                <a:spcPct val="90000"/>
+              </a:lnSpc>
+            </a:pPr>
+            <a:r>
+              <a:rPr lang="pt-BR" sz="5400" b="0" strike="noStrike" spc="-1" dirty="0" err="1">
                 <a:solidFill>
                   <a:srgbClr val="1F4E79"/>
                 </a:solidFill>
                 <a:latin typeface="Arial"/>
                 <a:ea typeface="DejaVu Sans"/>
               </a:rPr>
-              <a:t>. Disponível em: </a:t>
-            </a:r>
-            <a:r>
-              <a:rPr lang="pt-BR" sz="3200" b="0" u="sng" strike="noStrike" spc="-1">
-                <a:solidFill>
-                  <a:srgbClr val="0563C1"/>
-                </a:solidFill>
-                <a:uFillTx/>
+              <a:t>Formik</a:t>
+            </a:r>
+            <a:r>
+              <a:rPr lang="pt-BR" sz="5400" b="0" strike="noStrike" spc="-1" dirty="0">
+                <a:solidFill>
+                  <a:srgbClr val="1F4E79"/>
+                </a:solidFill>
                 <a:latin typeface="Arial"/>
                 <a:ea typeface="DejaVu Sans"/>
-                <a:hlinkClick r:id="rId4"/>
-              </a:rPr>
-              <a:t>https://developer.mozilla.org/pt-BR/docs/Web/JavaScript/Reference/Classes</a:t>
-            </a:r>
-            <a:endParaRPr lang="pt-BR" sz="3200" b="0" strike="noStrike" spc="-1">
+              </a:rPr>
+              <a:t>: caso de uso 1</a:t>
+            </a:r>
+            <a:endParaRPr lang="pt-BR" sz="5400" b="0" strike="noStrike" spc="-1" dirty="0">
               <a:latin typeface="Arial"/>
             </a:endParaRPr>
           </a:p>
-          <a:p>
-            <a:pPr marL="514440" indent="-513360">
+        </p:txBody>
+      </p:sp>
+      <p:sp>
+        <p:nvSpPr>
+          <p:cNvPr id="99" name="CustomShape 2"/>
+          <p:cNvSpPr/>
+          <p:nvPr/>
+        </p:nvSpPr>
+        <p:spPr>
+          <a:xfrm>
+            <a:off x="317520" y="1290960"/>
+            <a:ext cx="11701440" cy="4347360"/>
+          </a:xfrm>
+          <a:prstGeom prst="rect">
+            <a:avLst/>
+          </a:prstGeom>
+          <a:noFill/>
+          <a:ln>
+            <a:noFill/>
+          </a:ln>
+        </p:spPr>
+        <p:style>
+          <a:lnRef idx="0">
+            <a:scrgbClr r="0" g="0" b="0"/>
+          </a:lnRef>
+          <a:fillRef idx="0">
+            <a:scrgbClr r="0" g="0" b="0"/>
+          </a:fillRef>
+          <a:effectRef idx="0">
+            <a:scrgbClr r="0" g="0" b="0"/>
+          </a:effectRef>
+          <a:fontRef idx="minor"/>
+        </p:style>
+        <p:txBody>
+          <a:bodyPr lIns="90000" tIns="45000" rIns="90000" bIns="45000">
+            <a:normAutofit/>
+          </a:bodyPr>
+          <a:lstStyle/>
+          <a:p>
+            <a:pPr algn="ctr">
               <a:lnSpc>
                 <a:spcPct val="100000"/>
               </a:lnSpc>
@@ -18494,70 +21325,477 @@
               <a:spcAft>
                 <a:spcPts val="1001"/>
               </a:spcAft>
-              <a:buClr>
-                <a:srgbClr val="1F4E79"/>
-              </a:buClr>
-              <a:buFont typeface="Calibri Light"/>
-              <a:buAutoNum type="arabicPeriod"/>
-            </a:pPr>
-            <a:r>
-              <a:rPr lang="pt-BR" sz="3200" b="0" strike="noStrike" spc="-1">
+              <a:tabLst>
+                <a:tab pos="0" algn="l"/>
+              </a:tabLst>
+            </a:pPr>
+            <a:r>
+              <a:rPr lang="pt-BR" sz="3200" spc="-1" dirty="0">
+                <a:solidFill>
+                  <a:srgbClr val="1F4E79"/>
+                </a:solidFill>
+              </a:rPr>
+              <a:t>Validando dados:</a:t>
+            </a:r>
+          </a:p>
+          <a:p>
+            <a:pPr>
+              <a:lnSpc>
+                <a:spcPct val="100000"/>
+              </a:lnSpc>
+              <a:spcBef>
+                <a:spcPts val="1001"/>
+              </a:spcBef>
+              <a:spcAft>
+                <a:spcPts val="1001"/>
+              </a:spcAft>
+              <a:tabLst>
+                <a:tab pos="0" algn="l"/>
+              </a:tabLst>
+            </a:pPr>
+            <a:r>
+              <a:rPr lang="pt-BR" sz="3200" spc="-1" dirty="0" err="1">
+                <a:solidFill>
+                  <a:srgbClr val="1F4E79"/>
+                </a:solidFill>
+                <a:latin typeface="Courier New" panose="02070309020205020404" pitchFamily="49" charset="0"/>
+                <a:cs typeface="Courier New" panose="02070309020205020404" pitchFamily="49" charset="0"/>
+              </a:rPr>
+              <a:t>const</a:t>
+            </a:r>
+            <a:r>
+              <a:rPr lang="pt-BR" sz="3200" spc="-1" dirty="0">
+                <a:solidFill>
+                  <a:srgbClr val="1F4E79"/>
+                </a:solidFill>
+                <a:latin typeface="Courier New" panose="02070309020205020404" pitchFamily="49" charset="0"/>
+                <a:cs typeface="Courier New" panose="02070309020205020404" pitchFamily="49" charset="0"/>
+              </a:rPr>
+              <a:t> </a:t>
+            </a:r>
+            <a:r>
+              <a:rPr lang="pt-BR" sz="3200" spc="-1" dirty="0" err="1">
+                <a:solidFill>
+                  <a:srgbClr val="1F4E79"/>
+                </a:solidFill>
+                <a:latin typeface="Courier New" panose="02070309020205020404" pitchFamily="49" charset="0"/>
+                <a:cs typeface="Courier New" panose="02070309020205020404" pitchFamily="49" charset="0"/>
+              </a:rPr>
+              <a:t>formik</a:t>
+            </a:r>
+            <a:r>
+              <a:rPr lang="pt-BR" sz="3200" spc="-1" dirty="0">
+                <a:solidFill>
+                  <a:srgbClr val="1F4E79"/>
+                </a:solidFill>
+                <a:latin typeface="Courier New" panose="02070309020205020404" pitchFamily="49" charset="0"/>
+                <a:cs typeface="Courier New" panose="02070309020205020404" pitchFamily="49" charset="0"/>
+              </a:rPr>
+              <a:t> = </a:t>
+            </a:r>
+            <a:r>
+              <a:rPr lang="pt-BR" sz="3200" spc="-1" dirty="0" err="1">
+                <a:solidFill>
+                  <a:srgbClr val="1F4E79"/>
+                </a:solidFill>
+                <a:latin typeface="Courier New" panose="02070309020205020404" pitchFamily="49" charset="0"/>
+                <a:cs typeface="Courier New" panose="02070309020205020404" pitchFamily="49" charset="0"/>
+              </a:rPr>
+              <a:t>useFormik</a:t>
+            </a:r>
+            <a:r>
+              <a:rPr lang="pt-BR" sz="3200" spc="-1" dirty="0">
+                <a:solidFill>
+                  <a:srgbClr val="1F4E79"/>
+                </a:solidFill>
+                <a:latin typeface="Courier New" panose="02070309020205020404" pitchFamily="49" charset="0"/>
+                <a:cs typeface="Courier New" panose="02070309020205020404" pitchFamily="49" charset="0"/>
+              </a:rPr>
+              <a:t>({</a:t>
+            </a:r>
+          </a:p>
+          <a:p>
+            <a:pPr>
+              <a:lnSpc>
+                <a:spcPct val="100000"/>
+              </a:lnSpc>
+              <a:spcBef>
+                <a:spcPts val="1001"/>
+              </a:spcBef>
+              <a:spcAft>
+                <a:spcPts val="1001"/>
+              </a:spcAft>
+              <a:tabLst>
+                <a:tab pos="0" algn="l"/>
+              </a:tabLst>
+            </a:pPr>
+            <a:r>
+              <a:rPr lang="pt-BR" sz="3200" spc="-1" dirty="0">
+                <a:solidFill>
+                  <a:srgbClr val="1F4E79"/>
+                </a:solidFill>
+                <a:latin typeface="Courier New" panose="02070309020205020404" pitchFamily="49" charset="0"/>
+                <a:cs typeface="Courier New" panose="02070309020205020404" pitchFamily="49" charset="0"/>
+              </a:rPr>
+              <a:t>		</a:t>
+            </a:r>
+            <a:r>
+              <a:rPr lang="pt-BR" sz="3200" spc="-1" dirty="0" err="1">
+                <a:solidFill>
+                  <a:srgbClr val="1F4E79"/>
+                </a:solidFill>
+                <a:latin typeface="Courier New" panose="02070309020205020404" pitchFamily="49" charset="0"/>
+                <a:cs typeface="Courier New" panose="02070309020205020404" pitchFamily="49" charset="0"/>
+              </a:rPr>
+              <a:t>initialValues</a:t>
+            </a:r>
+            <a:r>
+              <a:rPr lang="pt-BR" sz="3200" spc="-1" dirty="0">
+                <a:solidFill>
+                  <a:srgbClr val="1F4E79"/>
+                </a:solidFill>
+                <a:latin typeface="Courier New" panose="02070309020205020404" pitchFamily="49" charset="0"/>
+                <a:cs typeface="Courier New" panose="02070309020205020404" pitchFamily="49" charset="0"/>
+              </a:rPr>
+              <a:t>: { ... },</a:t>
+            </a:r>
+          </a:p>
+          <a:p>
+            <a:pPr>
+              <a:lnSpc>
+                <a:spcPct val="100000"/>
+              </a:lnSpc>
+              <a:spcBef>
+                <a:spcPts val="1001"/>
+              </a:spcBef>
+              <a:spcAft>
+                <a:spcPts val="1001"/>
+              </a:spcAft>
+              <a:tabLst>
+                <a:tab pos="0" algn="l"/>
+              </a:tabLst>
+            </a:pPr>
+            <a:r>
+              <a:rPr lang="pt-BR" sz="3200" spc="-1" dirty="0">
+                <a:solidFill>
+                  <a:srgbClr val="1F4E79"/>
+                </a:solidFill>
+                <a:latin typeface="Courier New" panose="02070309020205020404" pitchFamily="49" charset="0"/>
+                <a:cs typeface="Courier New" panose="02070309020205020404" pitchFamily="49" charset="0"/>
+              </a:rPr>
+              <a:t>		</a:t>
+            </a:r>
+            <a:r>
+              <a:rPr lang="pt-BR" sz="3200" spc="-1" dirty="0" err="1">
+                <a:solidFill>
+                  <a:srgbClr val="1F4E79"/>
+                </a:solidFill>
+                <a:latin typeface="Courier New" panose="02070309020205020404" pitchFamily="49" charset="0"/>
+                <a:cs typeface="Courier New" panose="02070309020205020404" pitchFamily="49" charset="0"/>
+              </a:rPr>
+              <a:t>validate</a:t>
+            </a:r>
+            <a:r>
+              <a:rPr lang="pt-BR" sz="3200" spc="-1" dirty="0">
+                <a:solidFill>
+                  <a:srgbClr val="1F4E79"/>
+                </a:solidFill>
+                <a:latin typeface="Courier New" panose="02070309020205020404" pitchFamily="49" charset="0"/>
+                <a:cs typeface="Courier New" panose="02070309020205020404" pitchFamily="49" charset="0"/>
+              </a:rPr>
+              <a:t>: (</a:t>
+            </a:r>
+            <a:r>
+              <a:rPr lang="pt-BR" sz="3200" spc="-1" dirty="0" err="1">
+                <a:solidFill>
+                  <a:srgbClr val="1F4E79"/>
+                </a:solidFill>
+                <a:latin typeface="Courier New" panose="02070309020205020404" pitchFamily="49" charset="0"/>
+                <a:cs typeface="Courier New" panose="02070309020205020404" pitchFamily="49" charset="0"/>
+              </a:rPr>
+              <a:t>values</a:t>
+            </a:r>
+            <a:r>
+              <a:rPr lang="pt-BR" sz="3200" spc="-1" dirty="0">
+                <a:solidFill>
+                  <a:srgbClr val="1F4E79"/>
+                </a:solidFill>
+                <a:latin typeface="Courier New" panose="02070309020205020404" pitchFamily="49" charset="0"/>
+                <a:cs typeface="Courier New" panose="02070309020205020404" pitchFamily="49" charset="0"/>
+              </a:rPr>
+              <a:t>) =&gt; </a:t>
+            </a:r>
+            <a:r>
+              <a:rPr lang="pt-BR" sz="3200" spc="-1" dirty="0" err="1">
+                <a:solidFill>
+                  <a:srgbClr val="1F4E79"/>
+                </a:solidFill>
+                <a:latin typeface="Courier New" panose="02070309020205020404" pitchFamily="49" charset="0"/>
+                <a:cs typeface="Courier New" panose="02070309020205020404" pitchFamily="49" charset="0"/>
+              </a:rPr>
+              <a:t>validate</a:t>
+            </a:r>
+            <a:r>
+              <a:rPr lang="pt-BR" sz="3200" spc="-1" dirty="0">
+                <a:solidFill>
+                  <a:srgbClr val="1F4E79"/>
+                </a:solidFill>
+                <a:latin typeface="Courier New" panose="02070309020205020404" pitchFamily="49" charset="0"/>
+                <a:cs typeface="Courier New" panose="02070309020205020404" pitchFamily="49" charset="0"/>
+              </a:rPr>
+              <a:t>(</a:t>
+            </a:r>
+            <a:r>
+              <a:rPr lang="pt-BR" sz="3200" spc="-1" dirty="0" err="1">
+                <a:solidFill>
+                  <a:srgbClr val="1F4E79"/>
+                </a:solidFill>
+                <a:latin typeface="Courier New" panose="02070309020205020404" pitchFamily="49" charset="0"/>
+                <a:cs typeface="Courier New" panose="02070309020205020404" pitchFamily="49" charset="0"/>
+              </a:rPr>
+              <a:t>values</a:t>
+            </a:r>
+            <a:r>
+              <a:rPr lang="pt-BR" sz="3200" spc="-1" dirty="0">
+                <a:solidFill>
+                  <a:srgbClr val="1F4E79"/>
+                </a:solidFill>
+                <a:latin typeface="Courier New" panose="02070309020205020404" pitchFamily="49" charset="0"/>
+                <a:cs typeface="Courier New" panose="02070309020205020404" pitchFamily="49" charset="0"/>
+              </a:rPr>
+              <a:t>),</a:t>
+            </a:r>
+          </a:p>
+          <a:p>
+            <a:pPr>
+              <a:lnSpc>
+                <a:spcPct val="100000"/>
+              </a:lnSpc>
+              <a:spcBef>
+                <a:spcPts val="1001"/>
+              </a:spcBef>
+              <a:spcAft>
+                <a:spcPts val="1001"/>
+              </a:spcAft>
+              <a:tabLst>
+                <a:tab pos="0" algn="l"/>
+              </a:tabLst>
+            </a:pPr>
+            <a:r>
+              <a:rPr lang="pt-BR" sz="3200" spc="-1" dirty="0">
+                <a:solidFill>
+                  <a:srgbClr val="1F4E79"/>
+                </a:solidFill>
+                <a:latin typeface="Courier New" panose="02070309020205020404" pitchFamily="49" charset="0"/>
+                <a:cs typeface="Courier New" panose="02070309020205020404" pitchFamily="49" charset="0"/>
+              </a:rPr>
+              <a:t>		</a:t>
+            </a:r>
+            <a:r>
+              <a:rPr lang="pt-BR" sz="3200" spc="-1" dirty="0" err="1">
+                <a:solidFill>
+                  <a:srgbClr val="1F4E79"/>
+                </a:solidFill>
+                <a:latin typeface="Courier New" panose="02070309020205020404" pitchFamily="49" charset="0"/>
+                <a:cs typeface="Courier New" panose="02070309020205020404" pitchFamily="49" charset="0"/>
+              </a:rPr>
+              <a:t>onSubmit</a:t>
+            </a:r>
+            <a:r>
+              <a:rPr lang="pt-BR" sz="3200" spc="-1" dirty="0">
+                <a:solidFill>
+                  <a:srgbClr val="1F4E79"/>
+                </a:solidFill>
+                <a:latin typeface="Courier New" panose="02070309020205020404" pitchFamily="49" charset="0"/>
+                <a:cs typeface="Courier New" panose="02070309020205020404" pitchFamily="49" charset="0"/>
+              </a:rPr>
+              <a:t>: (</a:t>
+            </a:r>
+            <a:r>
+              <a:rPr lang="pt-BR" sz="3200" spc="-1" dirty="0" err="1">
+                <a:solidFill>
+                  <a:srgbClr val="1F4E79"/>
+                </a:solidFill>
+                <a:latin typeface="Courier New" panose="02070309020205020404" pitchFamily="49" charset="0"/>
+                <a:cs typeface="Courier New" panose="02070309020205020404" pitchFamily="49" charset="0"/>
+              </a:rPr>
+              <a:t>values</a:t>
+            </a:r>
+            <a:r>
+              <a:rPr lang="pt-BR" sz="3200" spc="-1" dirty="0">
+                <a:solidFill>
+                  <a:srgbClr val="1F4E79"/>
+                </a:solidFill>
+                <a:latin typeface="Courier New" panose="02070309020205020404" pitchFamily="49" charset="0"/>
+                <a:cs typeface="Courier New" panose="02070309020205020404" pitchFamily="49" charset="0"/>
+              </a:rPr>
+              <a:t>) =&gt; { ... }</a:t>
+            </a:r>
+          </a:p>
+          <a:p>
+            <a:pPr>
+              <a:lnSpc>
+                <a:spcPct val="100000"/>
+              </a:lnSpc>
+              <a:spcBef>
+                <a:spcPts val="1001"/>
+              </a:spcBef>
+              <a:spcAft>
+                <a:spcPts val="1001"/>
+              </a:spcAft>
+              <a:tabLst>
+                <a:tab pos="0" algn="l"/>
+              </a:tabLst>
+            </a:pPr>
+            <a:r>
+              <a:rPr lang="pt-BR" sz="3200" spc="-1" dirty="0">
+                <a:solidFill>
+                  <a:srgbClr val="1F4E79"/>
+                </a:solidFill>
+                <a:latin typeface="Courier New" panose="02070309020205020404" pitchFamily="49" charset="0"/>
+                <a:cs typeface="Courier New" panose="02070309020205020404" pitchFamily="49" charset="0"/>
+              </a:rPr>
+              <a:t>});</a:t>
+            </a:r>
+          </a:p>
+        </p:txBody>
+      </p:sp>
+    </p:spTree>
+    <p:extLst>
+      <p:ext uri="{BB962C8B-B14F-4D97-AF65-F5344CB8AC3E}">
+        <p14:creationId xmlns:p14="http://schemas.microsoft.com/office/powerpoint/2010/main" val="541953294"/>
+      </p:ext>
+    </p:extLst>
+  </p:cSld>
+  <p:clrMapOvr>
+    <a:masterClrMapping/>
+  </p:clrMapOvr>
+</p:sld>
+</file>
+
+<file path=ppt/slides/slide39.xml><?xml version="1.0" encoding="utf-8"?>
+<p:sld xmlns:a="http://schemas.openxmlformats.org/drawingml/2006/main" xmlns:r="http://schemas.openxmlformats.org/officeDocument/2006/relationships" xmlns:p="http://schemas.openxmlformats.org/presentationml/2006/main">
+  <p:cSld>
+    <p:spTree>
+      <p:nvGrpSpPr>
+        <p:cNvPr id="1" name=""/>
+        <p:cNvGrpSpPr/>
+        <p:nvPr/>
+      </p:nvGrpSpPr>
+      <p:grpSpPr>
+        <a:xfrm>
+          <a:off x="0" y="0"/>
+          <a:ext cx="0" cy="0"/>
+          <a:chOff x="0" y="0"/>
+          <a:chExt cx="0" cy="0"/>
+        </a:xfrm>
+      </p:grpSpPr>
+      <p:sp>
+        <p:nvSpPr>
+          <p:cNvPr id="98" name="CustomShape 1"/>
+          <p:cNvSpPr/>
+          <p:nvPr/>
+        </p:nvSpPr>
+        <p:spPr>
+          <a:xfrm>
+            <a:off x="0" y="224280"/>
+            <a:ext cx="12019320" cy="854640"/>
+          </a:xfrm>
+          <a:prstGeom prst="rect">
+            <a:avLst/>
+          </a:prstGeom>
+          <a:noFill/>
+          <a:ln>
+            <a:noFill/>
+          </a:ln>
+        </p:spPr>
+        <p:style>
+          <a:lnRef idx="0">
+            <a:scrgbClr r="0" g="0" b="0"/>
+          </a:lnRef>
+          <a:fillRef idx="0">
+            <a:scrgbClr r="0" g="0" b="0"/>
+          </a:fillRef>
+          <a:effectRef idx="0">
+            <a:scrgbClr r="0" g="0" b="0"/>
+          </a:effectRef>
+          <a:fontRef idx="minor"/>
+        </p:style>
+        <p:txBody>
+          <a:bodyPr lIns="90000" tIns="45000" rIns="90000" bIns="45000" anchor="ctr">
+            <a:noAutofit/>
+          </a:bodyPr>
+          <a:lstStyle/>
+          <a:p>
+            <a:pPr algn="ctr">
+              <a:lnSpc>
+                <a:spcPct val="90000"/>
+              </a:lnSpc>
+            </a:pPr>
+            <a:r>
+              <a:rPr lang="pt-BR" sz="5400" b="0" strike="noStrike" spc="-1" dirty="0" err="1">
                 <a:solidFill>
                   <a:srgbClr val="1F4E79"/>
                 </a:solidFill>
                 <a:latin typeface="Arial"/>
                 <a:ea typeface="DejaVu Sans"/>
               </a:rPr>
-              <a:t>João Henrique. </a:t>
-            </a:r>
-            <a:r>
-              <a:rPr lang="pt-BR" sz="3200" b="1" strike="noStrike" spc="-1">
+              <a:t>Formik</a:t>
+            </a:r>
+            <a:r>
+              <a:rPr lang="pt-BR" sz="5400" b="0" strike="noStrike" spc="-1" dirty="0">
                 <a:solidFill>
                   <a:srgbClr val="1F4E79"/>
                 </a:solidFill>
                 <a:latin typeface="Arial"/>
                 <a:ea typeface="DejaVu Sans"/>
               </a:rPr>
-              <a:t>POO: o que é programação orientada a objetos?</a:t>
-            </a:r>
-            <a:r>
-              <a:rPr lang="pt-BR" sz="3200" b="0" strike="noStrike" spc="-1">
-                <a:solidFill>
-                  <a:srgbClr val="1F4E79"/>
-                </a:solidFill>
-                <a:latin typeface="Arial"/>
-                <a:ea typeface="DejaVu Sans"/>
-              </a:rPr>
-              <a:t> . Disponível em: </a:t>
-            </a:r>
-            <a:r>
-              <a:rPr lang="pt-BR" sz="3200" b="0" u="sng" strike="noStrike" spc="-1">
-                <a:solidFill>
-                  <a:srgbClr val="0563C1"/>
-                </a:solidFill>
-                <a:uFillTx/>
-                <a:latin typeface="Arial"/>
-                <a:ea typeface="DejaVu Sans"/>
-                <a:hlinkClick r:id="rId5"/>
-              </a:rPr>
-              <a:t>https://www.alura.com.br/artigos/poo-programacao-orientada-a-objetos</a:t>
-            </a:r>
-            <a:r>
-              <a:rPr lang="pt-BR" sz="3200" b="0" strike="noStrike" spc="-1">
-                <a:solidFill>
-                  <a:srgbClr val="1F4E79"/>
-                </a:solidFill>
-                <a:latin typeface="Arial"/>
-                <a:ea typeface="DejaVu Sans"/>
-              </a:rPr>
-              <a:t>.</a:t>
-            </a:r>
-            <a:endParaRPr lang="pt-BR" sz="3200" b="0" strike="noStrike" spc="-1">
+              <a:t>: caso de uso 1</a:t>
+            </a:r>
+            <a:endParaRPr lang="pt-BR" sz="5400" b="0" strike="noStrike" spc="-1" dirty="0">
               <a:latin typeface="Arial"/>
             </a:endParaRPr>
           </a:p>
-          <a:p>
-            <a:pPr marL="514440" indent="-513360">
+        </p:txBody>
+      </p:sp>
+      <p:sp>
+        <p:nvSpPr>
+          <p:cNvPr id="99" name="CustomShape 2"/>
+          <p:cNvSpPr/>
+          <p:nvPr/>
+        </p:nvSpPr>
+        <p:spPr>
+          <a:xfrm>
+            <a:off x="317520" y="1290960"/>
+            <a:ext cx="11701440" cy="4347360"/>
+          </a:xfrm>
+          <a:prstGeom prst="rect">
+            <a:avLst/>
+          </a:prstGeom>
+          <a:noFill/>
+          <a:ln>
+            <a:noFill/>
+          </a:ln>
+        </p:spPr>
+        <p:style>
+          <a:lnRef idx="0">
+            <a:scrgbClr r="0" g="0" b="0"/>
+          </a:lnRef>
+          <a:fillRef idx="0">
+            <a:scrgbClr r="0" g="0" b="0"/>
+          </a:fillRef>
+          <a:effectRef idx="0">
+            <a:scrgbClr r="0" g="0" b="0"/>
+          </a:effectRef>
+          <a:fontRef idx="minor"/>
+        </p:style>
+        <p:txBody>
+          <a:bodyPr lIns="90000" tIns="45000" rIns="90000" bIns="45000">
+            <a:normAutofit fontScale="92500" lnSpcReduction="20000"/>
+          </a:bodyPr>
+          <a:lstStyle/>
+          <a:p>
+            <a:pPr algn="ctr">
               <a:lnSpc>
                 <a:spcPct val="100000"/>
               </a:lnSpc>
@@ -18567,25 +21805,18 @@
               <a:spcAft>
                 <a:spcPts val="1001"/>
               </a:spcAft>
-              <a:buClr>
-                <a:srgbClr val="1F4E79"/>
-              </a:buClr>
-              <a:buFont typeface="Calibri Light"/>
-              <a:buAutoNum type="arabicPeriod"/>
-            </a:pPr>
-            <a:r>
-              <a:rPr lang="pt-BR" sz="3200" b="0" strike="noStrike" spc="-1">
-                <a:solidFill>
-                  <a:srgbClr val="1F4E79"/>
-                </a:solidFill>
-                <a:latin typeface="Arial"/>
-                <a:ea typeface="DejaVu Sans"/>
-              </a:rPr>
-              <a:t>https://www.devmedia.com.br/os-4-pilares-da-programacao-orientada-a-objetos/9264</a:t>
-            </a:r>
-            <a:endParaRPr lang="pt-BR" sz="3200" b="0" strike="noStrike" spc="-1">
-              <a:latin typeface="Arial"/>
-            </a:endParaRPr>
+              <a:tabLst>
+                <a:tab pos="0" algn="l"/>
+              </a:tabLst>
+            </a:pPr>
+            <a:r>
+              <a:rPr lang="pt-BR" sz="3200" spc="-1" dirty="0">
+                <a:solidFill>
+                  <a:srgbClr val="1F4E79"/>
+                </a:solidFill>
+              </a:rPr>
+              <a:t>Validando dados:</a:t>
+            </a:r>
           </a:p>
           <a:p>
             <a:pPr>
@@ -18598,14 +21829,256 @@
               <a:spcAft>
                 <a:spcPts val="1001"/>
               </a:spcAft>
-            </a:pPr>
-            <a:endParaRPr lang="pt-BR" sz="3200" b="0" strike="noStrike" spc="-1">
-              <a:latin typeface="Arial"/>
-            </a:endParaRPr>
+              <a:tabLst>
+                <a:tab pos="0" algn="l"/>
+              </a:tabLst>
+            </a:pPr>
+            <a:r>
+              <a:rPr lang="pt-BR" sz="3200" spc="-1" dirty="0">
+                <a:solidFill>
+                  <a:srgbClr val="1F4E79"/>
+                </a:solidFill>
+                <a:latin typeface="Courier New" panose="02070309020205020404" pitchFamily="49" charset="0"/>
+                <a:cs typeface="Courier New" panose="02070309020205020404" pitchFamily="49" charset="0"/>
+              </a:rPr>
+              <a:t>&lt;input </a:t>
+            </a:r>
+            <a:r>
+              <a:rPr lang="pt-BR" sz="3200" spc="-1" dirty="0" err="1">
+                <a:solidFill>
+                  <a:srgbClr val="1F4E79"/>
+                </a:solidFill>
+                <a:latin typeface="Courier New" panose="02070309020205020404" pitchFamily="49" charset="0"/>
+                <a:cs typeface="Courier New" panose="02070309020205020404" pitchFamily="49" charset="0"/>
+              </a:rPr>
+              <a:t>name</a:t>
+            </a:r>
+            <a:r>
+              <a:rPr lang="pt-BR" sz="3200" spc="-1" dirty="0">
+                <a:solidFill>
+                  <a:srgbClr val="1F4E79"/>
+                </a:solidFill>
+                <a:latin typeface="Courier New" panose="02070309020205020404" pitchFamily="49" charset="0"/>
+                <a:cs typeface="Courier New" panose="02070309020205020404" pitchFamily="49" charset="0"/>
+              </a:rPr>
+              <a:t>=“</a:t>
+            </a:r>
+            <a:r>
+              <a:rPr lang="pt-BR" sz="3200" spc="-1" dirty="0" err="1">
+                <a:solidFill>
+                  <a:srgbClr val="1F4E79"/>
+                </a:solidFill>
+                <a:latin typeface="Courier New" panose="02070309020205020404" pitchFamily="49" charset="0"/>
+                <a:cs typeface="Courier New" panose="02070309020205020404" pitchFamily="49" charset="0"/>
+              </a:rPr>
+              <a:t>name</a:t>
+            </a:r>
+            <a:r>
+              <a:rPr lang="pt-BR" sz="3200" spc="-1" dirty="0">
+                <a:solidFill>
+                  <a:srgbClr val="1F4E79"/>
+                </a:solidFill>
+                <a:latin typeface="Courier New" panose="02070309020205020404" pitchFamily="49" charset="0"/>
+                <a:cs typeface="Courier New" panose="02070309020205020404" pitchFamily="49" charset="0"/>
+              </a:rPr>
+              <a:t>” ... /&gt;</a:t>
+            </a:r>
+          </a:p>
+          <a:p>
+            <a:pPr>
+              <a:lnSpc>
+                <a:spcPct val="100000"/>
+              </a:lnSpc>
+              <a:spcBef>
+                <a:spcPts val="1001"/>
+              </a:spcBef>
+              <a:spcAft>
+                <a:spcPts val="1001"/>
+              </a:spcAft>
+              <a:tabLst>
+                <a:tab pos="0" algn="l"/>
+              </a:tabLst>
+            </a:pPr>
+            <a:r>
+              <a:rPr lang="pt-BR" sz="3200" spc="-1" dirty="0">
+                <a:solidFill>
+                  <a:srgbClr val="1F4E79"/>
+                </a:solidFill>
+                <a:latin typeface="Courier New" panose="02070309020205020404" pitchFamily="49" charset="0"/>
+                <a:cs typeface="Courier New" panose="02070309020205020404" pitchFamily="49" charset="0"/>
+              </a:rPr>
+              <a:t>{</a:t>
+            </a:r>
+          </a:p>
+          <a:p>
+            <a:pPr>
+              <a:lnSpc>
+                <a:spcPct val="100000"/>
+              </a:lnSpc>
+              <a:spcBef>
+                <a:spcPts val="1001"/>
+              </a:spcBef>
+              <a:spcAft>
+                <a:spcPts val="1001"/>
+              </a:spcAft>
+              <a:tabLst>
+                <a:tab pos="0" algn="l"/>
+              </a:tabLst>
+            </a:pPr>
+            <a:r>
+              <a:rPr lang="pt-BR" sz="3200" spc="-1" dirty="0">
+                <a:solidFill>
+                  <a:srgbClr val="1F4E79"/>
+                </a:solidFill>
+                <a:latin typeface="Courier New" panose="02070309020205020404" pitchFamily="49" charset="0"/>
+                <a:cs typeface="Courier New" panose="02070309020205020404" pitchFamily="49" charset="0"/>
+              </a:rPr>
+              <a:t>		formik.errors.name</a:t>
+            </a:r>
+          </a:p>
+          <a:p>
+            <a:pPr>
+              <a:lnSpc>
+                <a:spcPct val="100000"/>
+              </a:lnSpc>
+              <a:spcBef>
+                <a:spcPts val="1001"/>
+              </a:spcBef>
+              <a:spcAft>
+                <a:spcPts val="1001"/>
+              </a:spcAft>
+              <a:tabLst>
+                <a:tab pos="0" algn="l"/>
+              </a:tabLst>
+            </a:pPr>
+            <a:r>
+              <a:rPr lang="pt-BR" sz="3200" spc="-1" dirty="0">
+                <a:solidFill>
+                  <a:srgbClr val="1F4E79"/>
+                </a:solidFill>
+                <a:latin typeface="Courier New" panose="02070309020205020404" pitchFamily="49" charset="0"/>
+                <a:cs typeface="Courier New" panose="02070309020205020404" pitchFamily="49" charset="0"/>
+              </a:rPr>
+              <a:t>		? &lt;</a:t>
+            </a:r>
+            <a:r>
+              <a:rPr lang="pt-BR" sz="3200" spc="-1" dirty="0" err="1">
+                <a:solidFill>
+                  <a:srgbClr val="1F4E79"/>
+                </a:solidFill>
+                <a:latin typeface="Courier New" panose="02070309020205020404" pitchFamily="49" charset="0"/>
+                <a:cs typeface="Courier New" panose="02070309020205020404" pitchFamily="49" charset="0"/>
+              </a:rPr>
+              <a:t>div</a:t>
+            </a:r>
+            <a:r>
+              <a:rPr lang="pt-BR" sz="3200" spc="-1" dirty="0">
+                <a:solidFill>
+                  <a:srgbClr val="1F4E79"/>
+                </a:solidFill>
+                <a:latin typeface="Courier New" panose="02070309020205020404" pitchFamily="49" charset="0"/>
+                <a:cs typeface="Courier New" panose="02070309020205020404" pitchFamily="49" charset="0"/>
+              </a:rPr>
+              <a:t>&gt;{formik.errors.name}&lt;/</a:t>
+            </a:r>
+            <a:r>
+              <a:rPr lang="pt-BR" sz="3200" spc="-1" dirty="0" err="1">
+                <a:solidFill>
+                  <a:srgbClr val="1F4E79"/>
+                </a:solidFill>
+                <a:latin typeface="Courier New" panose="02070309020205020404" pitchFamily="49" charset="0"/>
+                <a:cs typeface="Courier New" panose="02070309020205020404" pitchFamily="49" charset="0"/>
+              </a:rPr>
+              <a:t>div</a:t>
+            </a:r>
+            <a:r>
+              <a:rPr lang="pt-BR" sz="3200" spc="-1" dirty="0">
+                <a:solidFill>
+                  <a:srgbClr val="1F4E79"/>
+                </a:solidFill>
+                <a:latin typeface="Courier New" panose="02070309020205020404" pitchFamily="49" charset="0"/>
+                <a:cs typeface="Courier New" panose="02070309020205020404" pitchFamily="49" charset="0"/>
+              </a:rPr>
+              <a:t>&gt;</a:t>
+            </a:r>
+          </a:p>
+          <a:p>
+            <a:pPr>
+              <a:lnSpc>
+                <a:spcPct val="100000"/>
+              </a:lnSpc>
+              <a:spcBef>
+                <a:spcPts val="1001"/>
+              </a:spcBef>
+              <a:spcAft>
+                <a:spcPts val="1001"/>
+              </a:spcAft>
+              <a:tabLst>
+                <a:tab pos="0" algn="l"/>
+              </a:tabLst>
+            </a:pPr>
+            <a:r>
+              <a:rPr lang="pt-BR" sz="3200" spc="-1" dirty="0">
+                <a:solidFill>
+                  <a:srgbClr val="1F4E79"/>
+                </a:solidFill>
+                <a:latin typeface="Courier New" panose="02070309020205020404" pitchFamily="49" charset="0"/>
+                <a:cs typeface="Courier New" panose="02070309020205020404" pitchFamily="49" charset="0"/>
+              </a:rPr>
+              <a:t>		: </a:t>
+            </a:r>
+            <a:r>
+              <a:rPr lang="pt-BR" sz="3200" spc="-1" dirty="0" err="1">
+                <a:solidFill>
+                  <a:srgbClr val="1F4E79"/>
+                </a:solidFill>
+                <a:latin typeface="Courier New" panose="02070309020205020404" pitchFamily="49" charset="0"/>
+                <a:cs typeface="Courier New" panose="02070309020205020404" pitchFamily="49" charset="0"/>
+              </a:rPr>
+              <a:t>null</a:t>
+            </a:r>
+            <a:endParaRPr lang="pt-BR" sz="3200" spc="-1" dirty="0">
+              <a:solidFill>
+                <a:srgbClr val="1F4E79"/>
+              </a:solidFill>
+              <a:latin typeface="Courier New" panose="02070309020205020404" pitchFamily="49" charset="0"/>
+              <a:cs typeface="Courier New" panose="02070309020205020404" pitchFamily="49" charset="0"/>
+            </a:endParaRPr>
+          </a:p>
+          <a:p>
+            <a:pPr>
+              <a:lnSpc>
+                <a:spcPct val="100000"/>
+              </a:lnSpc>
+              <a:spcBef>
+                <a:spcPts val="1001"/>
+              </a:spcBef>
+              <a:spcAft>
+                <a:spcPts val="1001"/>
+              </a:spcAft>
+              <a:tabLst>
+                <a:tab pos="0" algn="l"/>
+              </a:tabLst>
+            </a:pPr>
+            <a:r>
+              <a:rPr lang="pt-BR" sz="3200" spc="-1" dirty="0">
+                <a:solidFill>
+                  <a:srgbClr val="1F4E79"/>
+                </a:solidFill>
+                <a:latin typeface="Courier New" panose="02070309020205020404" pitchFamily="49" charset="0"/>
+                <a:cs typeface="Courier New" panose="02070309020205020404" pitchFamily="49" charset="0"/>
+              </a:rPr>
+              <a:t>}</a:t>
+            </a:r>
           </a:p>
         </p:txBody>
       </p:sp>
     </p:spTree>
+    <p:extLst>
+      <p:ext uri="{BB962C8B-B14F-4D97-AF65-F5344CB8AC3E}">
+        <p14:creationId xmlns:p14="http://schemas.microsoft.com/office/powerpoint/2010/main" val="1758218800"/>
+      </p:ext>
+    </p:extLst>
   </p:cSld>
   <p:clrMapOvr>
     <a:masterClrMapping/>
@@ -18759,6 +22232,1474 @@
               </a:rPr>
               <a:t> é uma aplicação que interage com o navegador dinamicamente atualizando a página atual com novos dados do servidor ao invés de carregar novas páginas inteiras.</a:t>
             </a:r>
+            <a:endParaRPr lang="pt-BR" sz="3200" b="0" strike="noStrike" spc="-1">
+              <a:latin typeface="Arial"/>
+            </a:endParaRPr>
+          </a:p>
+        </p:txBody>
+      </p:sp>
+    </p:spTree>
+  </p:cSld>
+  <p:clrMapOvr>
+    <a:masterClrMapping/>
+  </p:clrMapOvr>
+</p:sld>
+</file>
+
+<file path=ppt/slides/slide40.xml><?xml version="1.0" encoding="utf-8"?>
+<p:sld xmlns:a="http://schemas.openxmlformats.org/drawingml/2006/main" xmlns:r="http://schemas.openxmlformats.org/officeDocument/2006/relationships" xmlns:p="http://schemas.openxmlformats.org/presentationml/2006/main">
+  <p:cSld>
+    <p:spTree>
+      <p:nvGrpSpPr>
+        <p:cNvPr id="1" name=""/>
+        <p:cNvGrpSpPr/>
+        <p:nvPr/>
+      </p:nvGrpSpPr>
+      <p:grpSpPr>
+        <a:xfrm>
+          <a:off x="0" y="0"/>
+          <a:ext cx="0" cy="0"/>
+          <a:chOff x="0" y="0"/>
+          <a:chExt cx="0" cy="0"/>
+        </a:xfrm>
+      </p:grpSpPr>
+      <p:sp>
+        <p:nvSpPr>
+          <p:cNvPr id="98" name="CustomShape 1"/>
+          <p:cNvSpPr/>
+          <p:nvPr/>
+        </p:nvSpPr>
+        <p:spPr>
+          <a:xfrm>
+            <a:off x="0" y="224280"/>
+            <a:ext cx="12019320" cy="854640"/>
+          </a:xfrm>
+          <a:prstGeom prst="rect">
+            <a:avLst/>
+          </a:prstGeom>
+          <a:noFill/>
+          <a:ln>
+            <a:noFill/>
+          </a:ln>
+        </p:spPr>
+        <p:style>
+          <a:lnRef idx="0">
+            <a:scrgbClr r="0" g="0" b="0"/>
+          </a:lnRef>
+          <a:fillRef idx="0">
+            <a:scrgbClr r="0" g="0" b="0"/>
+          </a:fillRef>
+          <a:effectRef idx="0">
+            <a:scrgbClr r="0" g="0" b="0"/>
+          </a:effectRef>
+          <a:fontRef idx="minor"/>
+        </p:style>
+        <p:txBody>
+          <a:bodyPr lIns="90000" tIns="45000" rIns="90000" bIns="45000" anchor="ctr">
+            <a:noAutofit/>
+          </a:bodyPr>
+          <a:lstStyle/>
+          <a:p>
+            <a:pPr algn="ctr">
+              <a:lnSpc>
+                <a:spcPct val="90000"/>
+              </a:lnSpc>
+            </a:pPr>
+            <a:r>
+              <a:rPr lang="pt-BR" sz="5400" b="0" strike="noStrike" spc="-1" dirty="0" err="1">
+                <a:solidFill>
+                  <a:srgbClr val="1F4E79"/>
+                </a:solidFill>
+                <a:latin typeface="Arial"/>
+                <a:ea typeface="DejaVu Sans"/>
+              </a:rPr>
+              <a:t>Formik</a:t>
+            </a:r>
+            <a:r>
+              <a:rPr lang="pt-BR" sz="5400" b="0" strike="noStrike" spc="-1" dirty="0">
+                <a:solidFill>
+                  <a:srgbClr val="1F4E79"/>
+                </a:solidFill>
+                <a:latin typeface="Arial"/>
+                <a:ea typeface="DejaVu Sans"/>
+              </a:rPr>
+              <a:t>: caso de uso 2</a:t>
+            </a:r>
+            <a:endParaRPr lang="pt-BR" sz="5400" b="0" strike="noStrike" spc="-1" dirty="0">
+              <a:latin typeface="Arial"/>
+            </a:endParaRPr>
+          </a:p>
+        </p:txBody>
+      </p:sp>
+      <p:sp>
+        <p:nvSpPr>
+          <p:cNvPr id="99" name="CustomShape 2"/>
+          <p:cNvSpPr/>
+          <p:nvPr/>
+        </p:nvSpPr>
+        <p:spPr>
+          <a:xfrm>
+            <a:off x="317520" y="1290960"/>
+            <a:ext cx="11701440" cy="4347360"/>
+          </a:xfrm>
+          <a:prstGeom prst="rect">
+            <a:avLst/>
+          </a:prstGeom>
+          <a:noFill/>
+          <a:ln>
+            <a:noFill/>
+          </a:ln>
+        </p:spPr>
+        <p:style>
+          <a:lnRef idx="0">
+            <a:scrgbClr r="0" g="0" b="0"/>
+          </a:lnRef>
+          <a:fillRef idx="0">
+            <a:scrgbClr r="0" g="0" b="0"/>
+          </a:fillRef>
+          <a:effectRef idx="0">
+            <a:scrgbClr r="0" g="0" b="0"/>
+          </a:effectRef>
+          <a:fontRef idx="minor"/>
+        </p:style>
+        <p:txBody>
+          <a:bodyPr lIns="90000" tIns="45000" rIns="90000" bIns="45000">
+            <a:normAutofit fontScale="70000" lnSpcReduction="20000"/>
+          </a:bodyPr>
+          <a:lstStyle/>
+          <a:p>
+            <a:pPr algn="ctr">
+              <a:lnSpc>
+                <a:spcPct val="100000"/>
+              </a:lnSpc>
+              <a:spcBef>
+                <a:spcPts val="1001"/>
+              </a:spcBef>
+              <a:spcAft>
+                <a:spcPts val="1001"/>
+              </a:spcAft>
+              <a:tabLst>
+                <a:tab pos="0" algn="l"/>
+              </a:tabLst>
+            </a:pPr>
+            <a:r>
+              <a:rPr lang="pt-BR" sz="3200" spc="-1" dirty="0">
+                <a:solidFill>
+                  <a:srgbClr val="1F4E79"/>
+                </a:solidFill>
+              </a:rPr>
+              <a:t>Usando o componente </a:t>
+            </a:r>
+            <a:r>
+              <a:rPr lang="pt-BR" sz="3200" spc="-1" dirty="0">
+                <a:solidFill>
+                  <a:srgbClr val="1F4E79"/>
+                </a:solidFill>
+                <a:latin typeface="Courier New" panose="02070309020205020404" pitchFamily="49" charset="0"/>
+                <a:cs typeface="Courier New" panose="02070309020205020404" pitchFamily="49" charset="0"/>
+              </a:rPr>
+              <a:t>&lt;</a:t>
+            </a:r>
+            <a:r>
+              <a:rPr lang="pt-BR" sz="3200" spc="-1" dirty="0" err="1">
+                <a:solidFill>
+                  <a:srgbClr val="1F4E79"/>
+                </a:solidFill>
+                <a:latin typeface="Courier New" panose="02070309020205020404" pitchFamily="49" charset="0"/>
+                <a:cs typeface="Courier New" panose="02070309020205020404" pitchFamily="49" charset="0"/>
+              </a:rPr>
+              <a:t>Formik</a:t>
+            </a:r>
+            <a:r>
+              <a:rPr lang="pt-BR" sz="3200" spc="-1" dirty="0">
+                <a:solidFill>
+                  <a:srgbClr val="1F4E79"/>
+                </a:solidFill>
+                <a:latin typeface="Courier New" panose="02070309020205020404" pitchFamily="49" charset="0"/>
+                <a:cs typeface="Courier New" panose="02070309020205020404" pitchFamily="49" charset="0"/>
+              </a:rPr>
+              <a:t>&gt;</a:t>
+            </a:r>
+            <a:r>
+              <a:rPr lang="pt-BR" sz="3200" spc="-1" dirty="0">
+                <a:solidFill>
+                  <a:srgbClr val="1F4E79"/>
+                </a:solidFill>
+              </a:rPr>
+              <a:t>:</a:t>
+            </a:r>
+          </a:p>
+          <a:p>
+            <a:pPr>
+              <a:lnSpc>
+                <a:spcPct val="100000"/>
+              </a:lnSpc>
+              <a:spcBef>
+                <a:spcPts val="1001"/>
+              </a:spcBef>
+              <a:spcAft>
+                <a:spcPts val="1001"/>
+              </a:spcAft>
+              <a:tabLst>
+                <a:tab pos="0" algn="l"/>
+              </a:tabLst>
+            </a:pPr>
+            <a:r>
+              <a:rPr lang="pt-BR" sz="3200" spc="-1" dirty="0">
+                <a:solidFill>
+                  <a:srgbClr val="1F4E79"/>
+                </a:solidFill>
+                <a:latin typeface="Courier New" panose="02070309020205020404" pitchFamily="49" charset="0"/>
+                <a:cs typeface="Courier New" panose="02070309020205020404" pitchFamily="49" charset="0"/>
+              </a:rPr>
+              <a:t>&lt;</a:t>
+            </a:r>
+            <a:r>
+              <a:rPr lang="pt-BR" sz="3200" spc="-1" dirty="0" err="1">
+                <a:solidFill>
+                  <a:srgbClr val="1F4E79"/>
+                </a:solidFill>
+                <a:latin typeface="Courier New" panose="02070309020205020404" pitchFamily="49" charset="0"/>
+                <a:cs typeface="Courier New" panose="02070309020205020404" pitchFamily="49" charset="0"/>
+              </a:rPr>
+              <a:t>Formik</a:t>
+            </a:r>
+            <a:endParaRPr lang="pt-BR" sz="3200" spc="-1" dirty="0">
+              <a:solidFill>
+                <a:srgbClr val="1F4E79"/>
+              </a:solidFill>
+              <a:latin typeface="Courier New" panose="02070309020205020404" pitchFamily="49" charset="0"/>
+              <a:cs typeface="Courier New" panose="02070309020205020404" pitchFamily="49" charset="0"/>
+            </a:endParaRPr>
+          </a:p>
+          <a:p>
+            <a:pPr>
+              <a:lnSpc>
+                <a:spcPct val="100000"/>
+              </a:lnSpc>
+              <a:spcBef>
+                <a:spcPts val="1001"/>
+              </a:spcBef>
+              <a:spcAft>
+                <a:spcPts val="1001"/>
+              </a:spcAft>
+              <a:tabLst>
+                <a:tab pos="0" algn="l"/>
+              </a:tabLst>
+            </a:pPr>
+            <a:r>
+              <a:rPr lang="pt-BR" sz="3200" spc="-1" dirty="0">
+                <a:solidFill>
+                  <a:srgbClr val="1F4E79"/>
+                </a:solidFill>
+                <a:latin typeface="Courier New" panose="02070309020205020404" pitchFamily="49" charset="0"/>
+                <a:cs typeface="Courier New" panose="02070309020205020404" pitchFamily="49" charset="0"/>
+              </a:rPr>
+              <a:t>		</a:t>
+            </a:r>
+            <a:r>
+              <a:rPr lang="pt-BR" sz="3200" spc="-1" dirty="0" err="1">
+                <a:solidFill>
+                  <a:srgbClr val="1F4E79"/>
+                </a:solidFill>
+                <a:latin typeface="Courier New" panose="02070309020205020404" pitchFamily="49" charset="0"/>
+                <a:cs typeface="Courier New" panose="02070309020205020404" pitchFamily="49" charset="0"/>
+              </a:rPr>
+              <a:t>initialValues</a:t>
+            </a:r>
+            <a:r>
+              <a:rPr lang="pt-BR" sz="3200" spc="-1" dirty="0">
+                <a:solidFill>
+                  <a:srgbClr val="1F4E79"/>
+                </a:solidFill>
+                <a:latin typeface="Courier New" panose="02070309020205020404" pitchFamily="49" charset="0"/>
+                <a:cs typeface="Courier New" panose="02070309020205020404" pitchFamily="49" charset="0"/>
+              </a:rPr>
+              <a:t>: { ... },</a:t>
+            </a:r>
+          </a:p>
+          <a:p>
+            <a:pPr>
+              <a:lnSpc>
+                <a:spcPct val="100000"/>
+              </a:lnSpc>
+              <a:spcBef>
+                <a:spcPts val="1001"/>
+              </a:spcBef>
+              <a:spcAft>
+                <a:spcPts val="1001"/>
+              </a:spcAft>
+              <a:tabLst>
+                <a:tab pos="0" algn="l"/>
+              </a:tabLst>
+            </a:pPr>
+            <a:r>
+              <a:rPr lang="pt-BR" sz="3200" spc="-1" dirty="0">
+                <a:solidFill>
+                  <a:srgbClr val="1F4E79"/>
+                </a:solidFill>
+                <a:latin typeface="Courier New" panose="02070309020205020404" pitchFamily="49" charset="0"/>
+                <a:cs typeface="Courier New" panose="02070309020205020404" pitchFamily="49" charset="0"/>
+              </a:rPr>
+              <a:t>		</a:t>
+            </a:r>
+            <a:r>
+              <a:rPr lang="pt-BR" sz="3200" spc="-1" dirty="0" err="1">
+                <a:solidFill>
+                  <a:srgbClr val="1F4E79"/>
+                </a:solidFill>
+                <a:latin typeface="Courier New" panose="02070309020205020404" pitchFamily="49" charset="0"/>
+                <a:cs typeface="Courier New" panose="02070309020205020404" pitchFamily="49" charset="0"/>
+              </a:rPr>
+              <a:t>validate</a:t>
+            </a:r>
+            <a:r>
+              <a:rPr lang="pt-BR" sz="3200" spc="-1" dirty="0">
+                <a:solidFill>
+                  <a:srgbClr val="1F4E79"/>
+                </a:solidFill>
+                <a:latin typeface="Courier New" panose="02070309020205020404" pitchFamily="49" charset="0"/>
+                <a:cs typeface="Courier New" panose="02070309020205020404" pitchFamily="49" charset="0"/>
+              </a:rPr>
+              <a:t>: (</a:t>
+            </a:r>
+            <a:r>
+              <a:rPr lang="pt-BR" sz="3200" spc="-1" dirty="0" err="1">
+                <a:solidFill>
+                  <a:srgbClr val="1F4E79"/>
+                </a:solidFill>
+                <a:latin typeface="Courier New" panose="02070309020205020404" pitchFamily="49" charset="0"/>
+                <a:cs typeface="Courier New" panose="02070309020205020404" pitchFamily="49" charset="0"/>
+              </a:rPr>
+              <a:t>values</a:t>
+            </a:r>
+            <a:r>
+              <a:rPr lang="pt-BR" sz="3200" spc="-1" dirty="0">
+                <a:solidFill>
+                  <a:srgbClr val="1F4E79"/>
+                </a:solidFill>
+                <a:latin typeface="Courier New" panose="02070309020205020404" pitchFamily="49" charset="0"/>
+                <a:cs typeface="Courier New" panose="02070309020205020404" pitchFamily="49" charset="0"/>
+              </a:rPr>
+              <a:t>) =&gt; { ... },</a:t>
+            </a:r>
+          </a:p>
+          <a:p>
+            <a:pPr>
+              <a:lnSpc>
+                <a:spcPct val="100000"/>
+              </a:lnSpc>
+              <a:spcBef>
+                <a:spcPts val="1001"/>
+              </a:spcBef>
+              <a:spcAft>
+                <a:spcPts val="1001"/>
+              </a:spcAft>
+              <a:tabLst>
+                <a:tab pos="0" algn="l"/>
+              </a:tabLst>
+            </a:pPr>
+            <a:r>
+              <a:rPr lang="pt-BR" sz="3200" spc="-1" dirty="0">
+                <a:solidFill>
+                  <a:srgbClr val="1F4E79"/>
+                </a:solidFill>
+                <a:latin typeface="Courier New" panose="02070309020205020404" pitchFamily="49" charset="0"/>
+                <a:cs typeface="Courier New" panose="02070309020205020404" pitchFamily="49" charset="0"/>
+              </a:rPr>
+              <a:t>		</a:t>
+            </a:r>
+            <a:r>
+              <a:rPr lang="pt-BR" sz="3200" spc="-1" dirty="0" err="1">
+                <a:solidFill>
+                  <a:srgbClr val="1F4E79"/>
+                </a:solidFill>
+                <a:latin typeface="Courier New" panose="02070309020205020404" pitchFamily="49" charset="0"/>
+                <a:cs typeface="Courier New" panose="02070309020205020404" pitchFamily="49" charset="0"/>
+              </a:rPr>
+              <a:t>onSubmit</a:t>
+            </a:r>
+            <a:r>
+              <a:rPr lang="pt-BR" sz="3200" spc="-1" dirty="0">
+                <a:solidFill>
+                  <a:srgbClr val="1F4E79"/>
+                </a:solidFill>
+                <a:latin typeface="Courier New" panose="02070309020205020404" pitchFamily="49" charset="0"/>
+                <a:cs typeface="Courier New" panose="02070309020205020404" pitchFamily="49" charset="0"/>
+              </a:rPr>
+              <a:t>: (</a:t>
+            </a:r>
+            <a:r>
+              <a:rPr lang="pt-BR" sz="3200" spc="-1" dirty="0" err="1">
+                <a:solidFill>
+                  <a:srgbClr val="1F4E79"/>
+                </a:solidFill>
+                <a:latin typeface="Courier New" panose="02070309020205020404" pitchFamily="49" charset="0"/>
+                <a:cs typeface="Courier New" panose="02070309020205020404" pitchFamily="49" charset="0"/>
+              </a:rPr>
+              <a:t>values</a:t>
+            </a:r>
+            <a:r>
+              <a:rPr lang="pt-BR" sz="3200" spc="-1" dirty="0">
+                <a:solidFill>
+                  <a:srgbClr val="1F4E79"/>
+                </a:solidFill>
+                <a:latin typeface="Courier New" panose="02070309020205020404" pitchFamily="49" charset="0"/>
+                <a:cs typeface="Courier New" panose="02070309020205020404" pitchFamily="49" charset="0"/>
+              </a:rPr>
+              <a:t>) =&gt; { ... }</a:t>
+            </a:r>
+          </a:p>
+          <a:p>
+            <a:pPr>
+              <a:lnSpc>
+                <a:spcPct val="100000"/>
+              </a:lnSpc>
+              <a:spcBef>
+                <a:spcPts val="1001"/>
+              </a:spcBef>
+              <a:spcAft>
+                <a:spcPts val="1001"/>
+              </a:spcAft>
+              <a:tabLst>
+                <a:tab pos="0" algn="l"/>
+              </a:tabLst>
+            </a:pPr>
+            <a:r>
+              <a:rPr lang="pt-BR" sz="3200" spc="-1" dirty="0">
+                <a:solidFill>
+                  <a:srgbClr val="1F4E79"/>
+                </a:solidFill>
+                <a:latin typeface="Courier New" panose="02070309020205020404" pitchFamily="49" charset="0"/>
+                <a:cs typeface="Courier New" panose="02070309020205020404" pitchFamily="49" charset="0"/>
+              </a:rPr>
+              <a:t>&gt;</a:t>
+            </a:r>
+          </a:p>
+          <a:p>
+            <a:pPr>
+              <a:lnSpc>
+                <a:spcPct val="100000"/>
+              </a:lnSpc>
+              <a:spcBef>
+                <a:spcPts val="1001"/>
+              </a:spcBef>
+              <a:spcAft>
+                <a:spcPts val="1001"/>
+              </a:spcAft>
+              <a:tabLst>
+                <a:tab pos="0" algn="l"/>
+              </a:tabLst>
+            </a:pPr>
+            <a:r>
+              <a:rPr lang="pt-BR" sz="3200" spc="-1" dirty="0">
+                <a:solidFill>
+                  <a:srgbClr val="1F4E79"/>
+                </a:solidFill>
+                <a:latin typeface="Courier New" panose="02070309020205020404" pitchFamily="49" charset="0"/>
+                <a:cs typeface="Courier New" panose="02070309020205020404" pitchFamily="49" charset="0"/>
+              </a:rPr>
+              <a:t>		{ ({ </a:t>
+            </a:r>
+            <a:r>
+              <a:rPr lang="pt-BR" sz="3200" spc="-1" dirty="0" err="1">
+                <a:solidFill>
+                  <a:srgbClr val="1F4E79"/>
+                </a:solidFill>
+                <a:latin typeface="Courier New" panose="02070309020205020404" pitchFamily="49" charset="0"/>
+                <a:cs typeface="Courier New" panose="02070309020205020404" pitchFamily="49" charset="0"/>
+              </a:rPr>
+              <a:t>submitForm</a:t>
+            </a:r>
+            <a:r>
+              <a:rPr lang="pt-BR" sz="3200" spc="-1" dirty="0">
+                <a:solidFill>
+                  <a:srgbClr val="1F4E79"/>
+                </a:solidFill>
+                <a:latin typeface="Courier New" panose="02070309020205020404" pitchFamily="49" charset="0"/>
+                <a:cs typeface="Courier New" panose="02070309020205020404" pitchFamily="49" charset="0"/>
+              </a:rPr>
+              <a:t>, </a:t>
+            </a:r>
+            <a:r>
+              <a:rPr lang="pt-BR" sz="3200" spc="-1" dirty="0" err="1">
+                <a:solidFill>
+                  <a:srgbClr val="1F4E79"/>
+                </a:solidFill>
+                <a:latin typeface="Courier New" panose="02070309020205020404" pitchFamily="49" charset="0"/>
+                <a:cs typeface="Courier New" panose="02070309020205020404" pitchFamily="49" charset="0"/>
+              </a:rPr>
+              <a:t>isSubmitting</a:t>
+            </a:r>
+            <a:r>
+              <a:rPr lang="pt-BR" sz="3200" spc="-1" dirty="0">
+                <a:solidFill>
+                  <a:srgbClr val="1F4E79"/>
+                </a:solidFill>
+                <a:latin typeface="Courier New" panose="02070309020205020404" pitchFamily="49" charset="0"/>
+                <a:cs typeface="Courier New" panose="02070309020205020404" pitchFamily="49" charset="0"/>
+              </a:rPr>
+              <a:t> }) =&gt; ( {/* FOMULARIO */} ) }</a:t>
+            </a:r>
+          </a:p>
+          <a:p>
+            <a:pPr>
+              <a:lnSpc>
+                <a:spcPct val="100000"/>
+              </a:lnSpc>
+              <a:spcBef>
+                <a:spcPts val="1001"/>
+              </a:spcBef>
+              <a:spcAft>
+                <a:spcPts val="1001"/>
+              </a:spcAft>
+              <a:tabLst>
+                <a:tab pos="0" algn="l"/>
+              </a:tabLst>
+            </a:pPr>
+            <a:r>
+              <a:rPr lang="pt-BR" sz="3200" spc="-1" dirty="0">
+                <a:solidFill>
+                  <a:srgbClr val="1F4E79"/>
+                </a:solidFill>
+                <a:latin typeface="Courier New" panose="02070309020205020404" pitchFamily="49" charset="0"/>
+                <a:cs typeface="Courier New" panose="02070309020205020404" pitchFamily="49" charset="0"/>
+              </a:rPr>
+              <a:t>&lt;/</a:t>
+            </a:r>
+            <a:r>
+              <a:rPr lang="pt-BR" sz="3200" spc="-1" dirty="0" err="1">
+                <a:solidFill>
+                  <a:srgbClr val="1F4E79"/>
+                </a:solidFill>
+                <a:latin typeface="Courier New" panose="02070309020205020404" pitchFamily="49" charset="0"/>
+                <a:cs typeface="Courier New" panose="02070309020205020404" pitchFamily="49" charset="0"/>
+              </a:rPr>
+              <a:t>Formik</a:t>
+            </a:r>
+            <a:r>
+              <a:rPr lang="pt-BR" sz="3200" spc="-1" dirty="0">
+                <a:solidFill>
+                  <a:srgbClr val="1F4E79"/>
+                </a:solidFill>
+                <a:latin typeface="Courier New" panose="02070309020205020404" pitchFamily="49" charset="0"/>
+                <a:cs typeface="Courier New" panose="02070309020205020404" pitchFamily="49" charset="0"/>
+              </a:rPr>
+              <a:t>&gt;</a:t>
+            </a:r>
+          </a:p>
+        </p:txBody>
+      </p:sp>
+    </p:spTree>
+    <p:extLst>
+      <p:ext uri="{BB962C8B-B14F-4D97-AF65-F5344CB8AC3E}">
+        <p14:creationId xmlns:p14="http://schemas.microsoft.com/office/powerpoint/2010/main" val="680153441"/>
+      </p:ext>
+    </p:extLst>
+  </p:cSld>
+  <p:clrMapOvr>
+    <a:masterClrMapping/>
+  </p:clrMapOvr>
+</p:sld>
+</file>
+
+<file path=ppt/slides/slide41.xml><?xml version="1.0" encoding="utf-8"?>
+<p:sld xmlns:a="http://schemas.openxmlformats.org/drawingml/2006/main" xmlns:r="http://schemas.openxmlformats.org/officeDocument/2006/relationships" xmlns:p="http://schemas.openxmlformats.org/presentationml/2006/main">
+  <p:cSld>
+    <p:spTree>
+      <p:nvGrpSpPr>
+        <p:cNvPr id="1" name=""/>
+        <p:cNvGrpSpPr/>
+        <p:nvPr/>
+      </p:nvGrpSpPr>
+      <p:grpSpPr>
+        <a:xfrm>
+          <a:off x="0" y="0"/>
+          <a:ext cx="0" cy="0"/>
+          <a:chOff x="0" y="0"/>
+          <a:chExt cx="0" cy="0"/>
+        </a:xfrm>
+      </p:grpSpPr>
+      <p:sp>
+        <p:nvSpPr>
+          <p:cNvPr id="98" name="CustomShape 1"/>
+          <p:cNvSpPr/>
+          <p:nvPr/>
+        </p:nvSpPr>
+        <p:spPr>
+          <a:xfrm>
+            <a:off x="0" y="224280"/>
+            <a:ext cx="12019320" cy="854640"/>
+          </a:xfrm>
+          <a:prstGeom prst="rect">
+            <a:avLst/>
+          </a:prstGeom>
+          <a:noFill/>
+          <a:ln>
+            <a:noFill/>
+          </a:ln>
+        </p:spPr>
+        <p:style>
+          <a:lnRef idx="0">
+            <a:scrgbClr r="0" g="0" b="0"/>
+          </a:lnRef>
+          <a:fillRef idx="0">
+            <a:scrgbClr r="0" g="0" b="0"/>
+          </a:fillRef>
+          <a:effectRef idx="0">
+            <a:scrgbClr r="0" g="0" b="0"/>
+          </a:effectRef>
+          <a:fontRef idx="minor"/>
+        </p:style>
+        <p:txBody>
+          <a:bodyPr lIns="90000" tIns="45000" rIns="90000" bIns="45000" anchor="ctr">
+            <a:noAutofit/>
+          </a:bodyPr>
+          <a:lstStyle/>
+          <a:p>
+            <a:pPr algn="ctr">
+              <a:lnSpc>
+                <a:spcPct val="90000"/>
+              </a:lnSpc>
+            </a:pPr>
+            <a:r>
+              <a:rPr lang="pt-BR" sz="5400" b="0" strike="noStrike" spc="-1" dirty="0" err="1">
+                <a:solidFill>
+                  <a:srgbClr val="1F4E79"/>
+                </a:solidFill>
+                <a:latin typeface="Arial"/>
+                <a:ea typeface="DejaVu Sans"/>
+              </a:rPr>
+              <a:t>Formik</a:t>
+            </a:r>
+            <a:r>
+              <a:rPr lang="pt-BR" sz="5400" b="0" strike="noStrike" spc="-1" dirty="0">
+                <a:solidFill>
+                  <a:srgbClr val="1F4E79"/>
+                </a:solidFill>
+                <a:latin typeface="Arial"/>
+                <a:ea typeface="DejaVu Sans"/>
+              </a:rPr>
+              <a:t>: caso de uso 2</a:t>
+            </a:r>
+            <a:endParaRPr lang="pt-BR" sz="5400" b="0" strike="noStrike" spc="-1" dirty="0">
+              <a:latin typeface="Arial"/>
+            </a:endParaRPr>
+          </a:p>
+        </p:txBody>
+      </p:sp>
+      <p:sp>
+        <p:nvSpPr>
+          <p:cNvPr id="99" name="CustomShape 2"/>
+          <p:cNvSpPr/>
+          <p:nvPr/>
+        </p:nvSpPr>
+        <p:spPr>
+          <a:xfrm>
+            <a:off x="317520" y="1290960"/>
+            <a:ext cx="11701440" cy="4347360"/>
+          </a:xfrm>
+          <a:prstGeom prst="rect">
+            <a:avLst/>
+          </a:prstGeom>
+          <a:noFill/>
+          <a:ln>
+            <a:noFill/>
+          </a:ln>
+        </p:spPr>
+        <p:style>
+          <a:lnRef idx="0">
+            <a:scrgbClr r="0" g="0" b="0"/>
+          </a:lnRef>
+          <a:fillRef idx="0">
+            <a:scrgbClr r="0" g="0" b="0"/>
+          </a:fillRef>
+          <a:effectRef idx="0">
+            <a:scrgbClr r="0" g="0" b="0"/>
+          </a:effectRef>
+          <a:fontRef idx="minor"/>
+        </p:style>
+        <p:txBody>
+          <a:bodyPr lIns="90000" tIns="45000" rIns="90000" bIns="45000">
+            <a:normAutofit/>
+          </a:bodyPr>
+          <a:lstStyle/>
+          <a:p>
+            <a:pPr algn="ctr">
+              <a:lnSpc>
+                <a:spcPct val="100000"/>
+              </a:lnSpc>
+              <a:spcBef>
+                <a:spcPts val="1001"/>
+              </a:spcBef>
+              <a:spcAft>
+                <a:spcPts val="1001"/>
+              </a:spcAft>
+              <a:tabLst>
+                <a:tab pos="0" algn="l"/>
+              </a:tabLst>
+            </a:pPr>
+            <a:r>
+              <a:rPr lang="pt-BR" sz="3200" spc="-1" dirty="0">
+                <a:solidFill>
+                  <a:srgbClr val="1F4E79"/>
+                </a:solidFill>
+              </a:rPr>
+              <a:t>Instalando o framework Material UI:</a:t>
+            </a:r>
+          </a:p>
+          <a:p>
+            <a:pPr algn="ctr">
+              <a:lnSpc>
+                <a:spcPct val="100000"/>
+              </a:lnSpc>
+              <a:spcBef>
+                <a:spcPts val="1001"/>
+              </a:spcBef>
+              <a:spcAft>
+                <a:spcPts val="1001"/>
+              </a:spcAft>
+              <a:tabLst>
+                <a:tab pos="0" algn="l"/>
+              </a:tabLst>
+            </a:pPr>
+            <a:r>
+              <a:rPr lang="nn-NO" sz="3200" spc="-1" dirty="0">
+                <a:solidFill>
+                  <a:srgbClr val="1F4E79"/>
+                </a:solidFill>
+                <a:latin typeface="Courier New" panose="02070309020205020404" pitchFamily="49" charset="0"/>
+                <a:cs typeface="Courier New" panose="02070309020205020404" pitchFamily="49" charset="0"/>
+              </a:rPr>
+              <a:t>yarn add formik-material-ui @material-ui/core</a:t>
+            </a:r>
+            <a:endParaRPr lang="pt-BR" sz="3200" spc="-1" dirty="0">
+              <a:solidFill>
+                <a:srgbClr val="1F4E79"/>
+              </a:solidFill>
+              <a:latin typeface="Courier New" panose="02070309020205020404" pitchFamily="49" charset="0"/>
+              <a:cs typeface="Courier New" panose="02070309020205020404" pitchFamily="49" charset="0"/>
+            </a:endParaRPr>
+          </a:p>
+        </p:txBody>
+      </p:sp>
+    </p:spTree>
+    <p:extLst>
+      <p:ext uri="{BB962C8B-B14F-4D97-AF65-F5344CB8AC3E}">
+        <p14:creationId xmlns:p14="http://schemas.microsoft.com/office/powerpoint/2010/main" val="2257797425"/>
+      </p:ext>
+    </p:extLst>
+  </p:cSld>
+  <p:clrMapOvr>
+    <a:masterClrMapping/>
+  </p:clrMapOvr>
+</p:sld>
+</file>
+
+<file path=ppt/slides/slide42.xml><?xml version="1.0" encoding="utf-8"?>
+<p:sld xmlns:a="http://schemas.openxmlformats.org/drawingml/2006/main" xmlns:r="http://schemas.openxmlformats.org/officeDocument/2006/relationships" xmlns:p="http://schemas.openxmlformats.org/presentationml/2006/main">
+  <p:cSld>
+    <p:spTree>
+      <p:nvGrpSpPr>
+        <p:cNvPr id="1" name=""/>
+        <p:cNvGrpSpPr/>
+        <p:nvPr/>
+      </p:nvGrpSpPr>
+      <p:grpSpPr>
+        <a:xfrm>
+          <a:off x="0" y="0"/>
+          <a:ext cx="0" cy="0"/>
+          <a:chOff x="0" y="0"/>
+          <a:chExt cx="0" cy="0"/>
+        </a:xfrm>
+      </p:grpSpPr>
+      <p:sp>
+        <p:nvSpPr>
+          <p:cNvPr id="98" name="CustomShape 1"/>
+          <p:cNvSpPr/>
+          <p:nvPr/>
+        </p:nvSpPr>
+        <p:spPr>
+          <a:xfrm>
+            <a:off x="0" y="224280"/>
+            <a:ext cx="12019320" cy="854640"/>
+          </a:xfrm>
+          <a:prstGeom prst="rect">
+            <a:avLst/>
+          </a:prstGeom>
+          <a:noFill/>
+          <a:ln>
+            <a:noFill/>
+          </a:ln>
+        </p:spPr>
+        <p:style>
+          <a:lnRef idx="0">
+            <a:scrgbClr r="0" g="0" b="0"/>
+          </a:lnRef>
+          <a:fillRef idx="0">
+            <a:scrgbClr r="0" g="0" b="0"/>
+          </a:fillRef>
+          <a:effectRef idx="0">
+            <a:scrgbClr r="0" g="0" b="0"/>
+          </a:effectRef>
+          <a:fontRef idx="minor"/>
+        </p:style>
+        <p:txBody>
+          <a:bodyPr lIns="90000" tIns="45000" rIns="90000" bIns="45000" anchor="ctr">
+            <a:noAutofit/>
+          </a:bodyPr>
+          <a:lstStyle/>
+          <a:p>
+            <a:pPr algn="ctr">
+              <a:lnSpc>
+                <a:spcPct val="90000"/>
+              </a:lnSpc>
+            </a:pPr>
+            <a:r>
+              <a:rPr lang="pt-BR" sz="5400" b="0" strike="noStrike" spc="-1" dirty="0" err="1">
+                <a:solidFill>
+                  <a:srgbClr val="1F4E79"/>
+                </a:solidFill>
+                <a:latin typeface="Arial"/>
+                <a:ea typeface="DejaVu Sans"/>
+              </a:rPr>
+              <a:t>Formik</a:t>
+            </a:r>
+            <a:r>
+              <a:rPr lang="pt-BR" sz="5400" b="0" strike="noStrike" spc="-1" dirty="0">
+                <a:solidFill>
+                  <a:srgbClr val="1F4E79"/>
+                </a:solidFill>
+                <a:latin typeface="Arial"/>
+                <a:ea typeface="DejaVu Sans"/>
+              </a:rPr>
+              <a:t>: caso de uso 2</a:t>
+            </a:r>
+            <a:endParaRPr lang="pt-BR" sz="5400" b="0" strike="noStrike" spc="-1" dirty="0">
+              <a:latin typeface="Arial"/>
+            </a:endParaRPr>
+          </a:p>
+        </p:txBody>
+      </p:sp>
+      <p:sp>
+        <p:nvSpPr>
+          <p:cNvPr id="99" name="CustomShape 2"/>
+          <p:cNvSpPr/>
+          <p:nvPr/>
+        </p:nvSpPr>
+        <p:spPr>
+          <a:xfrm>
+            <a:off x="317520" y="1290960"/>
+            <a:ext cx="11701440" cy="4347360"/>
+          </a:xfrm>
+          <a:prstGeom prst="rect">
+            <a:avLst/>
+          </a:prstGeom>
+          <a:noFill/>
+          <a:ln>
+            <a:noFill/>
+          </a:ln>
+        </p:spPr>
+        <p:style>
+          <a:lnRef idx="0">
+            <a:scrgbClr r="0" g="0" b="0"/>
+          </a:lnRef>
+          <a:fillRef idx="0">
+            <a:scrgbClr r="0" g="0" b="0"/>
+          </a:fillRef>
+          <a:effectRef idx="0">
+            <a:scrgbClr r="0" g="0" b="0"/>
+          </a:effectRef>
+          <a:fontRef idx="minor"/>
+        </p:style>
+        <p:txBody>
+          <a:bodyPr lIns="90000" tIns="45000" rIns="90000" bIns="45000">
+            <a:normAutofit fontScale="77500" lnSpcReduction="20000"/>
+          </a:bodyPr>
+          <a:lstStyle/>
+          <a:p>
+            <a:pPr>
+              <a:lnSpc>
+                <a:spcPct val="100000"/>
+              </a:lnSpc>
+              <a:spcBef>
+                <a:spcPts val="1001"/>
+              </a:spcBef>
+              <a:spcAft>
+                <a:spcPts val="1001"/>
+              </a:spcAft>
+              <a:tabLst>
+                <a:tab pos="0" algn="l"/>
+              </a:tabLst>
+            </a:pPr>
+            <a:r>
+              <a:rPr lang="nn-NO" sz="3200" spc="-1" dirty="0">
+                <a:solidFill>
+                  <a:srgbClr val="1F4E79"/>
+                </a:solidFill>
+                <a:latin typeface="Courier New" panose="02070309020205020404" pitchFamily="49" charset="0"/>
+                <a:cs typeface="Courier New" panose="02070309020205020404" pitchFamily="49" charset="0"/>
+              </a:rPr>
+              <a:t>&lt;Form&gt;</a:t>
+            </a:r>
+          </a:p>
+          <a:p>
+            <a:pPr>
+              <a:lnSpc>
+                <a:spcPct val="100000"/>
+              </a:lnSpc>
+              <a:spcBef>
+                <a:spcPts val="1001"/>
+              </a:spcBef>
+              <a:spcAft>
+                <a:spcPts val="1001"/>
+              </a:spcAft>
+              <a:tabLst>
+                <a:tab pos="0" algn="l"/>
+              </a:tabLst>
+            </a:pPr>
+            <a:r>
+              <a:rPr lang="nn-NO" sz="3200" spc="-1" dirty="0">
+                <a:solidFill>
+                  <a:srgbClr val="1F4E79"/>
+                </a:solidFill>
+                <a:latin typeface="Courier New" panose="02070309020205020404" pitchFamily="49" charset="0"/>
+                <a:cs typeface="Courier New" panose="02070309020205020404" pitchFamily="49" charset="0"/>
+              </a:rPr>
+              <a:t>		&lt;Field</a:t>
+            </a:r>
+          </a:p>
+          <a:p>
+            <a:pPr>
+              <a:lnSpc>
+                <a:spcPct val="100000"/>
+              </a:lnSpc>
+              <a:spcBef>
+                <a:spcPts val="1001"/>
+              </a:spcBef>
+              <a:spcAft>
+                <a:spcPts val="1001"/>
+              </a:spcAft>
+              <a:tabLst>
+                <a:tab pos="0" algn="l"/>
+              </a:tabLst>
+            </a:pPr>
+            <a:r>
+              <a:rPr lang="nn-NO" sz="3200" spc="-1" dirty="0">
+                <a:solidFill>
+                  <a:srgbClr val="1F4E79"/>
+                </a:solidFill>
+                <a:latin typeface="Courier New" panose="02070309020205020404" pitchFamily="49" charset="0"/>
+                <a:cs typeface="Courier New" panose="02070309020205020404" pitchFamily="49" charset="0"/>
+              </a:rPr>
+              <a:t>			component={TextField}</a:t>
+            </a:r>
+          </a:p>
+          <a:p>
+            <a:pPr>
+              <a:lnSpc>
+                <a:spcPct val="100000"/>
+              </a:lnSpc>
+              <a:spcBef>
+                <a:spcPts val="1001"/>
+              </a:spcBef>
+              <a:spcAft>
+                <a:spcPts val="1001"/>
+              </a:spcAft>
+              <a:tabLst>
+                <a:tab pos="0" algn="l"/>
+              </a:tabLst>
+            </a:pPr>
+            <a:r>
+              <a:rPr lang="nn-NO" sz="3200" spc="-1" dirty="0">
+                <a:solidFill>
+                  <a:srgbClr val="1F4E79"/>
+                </a:solidFill>
+                <a:latin typeface="Courier New" panose="02070309020205020404" pitchFamily="49" charset="0"/>
+                <a:cs typeface="Courier New" panose="02070309020205020404" pitchFamily="49" charset="0"/>
+              </a:rPr>
+              <a:t>			label="Email"</a:t>
+            </a:r>
+          </a:p>
+          <a:p>
+            <a:pPr>
+              <a:lnSpc>
+                <a:spcPct val="100000"/>
+              </a:lnSpc>
+              <a:spcBef>
+                <a:spcPts val="1001"/>
+              </a:spcBef>
+              <a:spcAft>
+                <a:spcPts val="1001"/>
+              </a:spcAft>
+              <a:tabLst>
+                <a:tab pos="0" algn="l"/>
+              </a:tabLst>
+            </a:pPr>
+            <a:r>
+              <a:rPr lang="nn-NO" sz="3200" spc="-1" dirty="0">
+                <a:solidFill>
+                  <a:srgbClr val="1F4E79"/>
+                </a:solidFill>
+                <a:latin typeface="Courier New" panose="02070309020205020404" pitchFamily="49" charset="0"/>
+                <a:cs typeface="Courier New" panose="02070309020205020404" pitchFamily="49" charset="0"/>
+              </a:rPr>
+              <a:t>			name="email"</a:t>
+            </a:r>
+          </a:p>
+          <a:p>
+            <a:pPr>
+              <a:lnSpc>
+                <a:spcPct val="100000"/>
+              </a:lnSpc>
+              <a:spcBef>
+                <a:spcPts val="1001"/>
+              </a:spcBef>
+              <a:spcAft>
+                <a:spcPts val="1001"/>
+              </a:spcAft>
+              <a:tabLst>
+                <a:tab pos="0" algn="l"/>
+              </a:tabLst>
+            </a:pPr>
+            <a:r>
+              <a:rPr lang="nn-NO" sz="3200" spc="-1" dirty="0">
+                <a:solidFill>
+                  <a:srgbClr val="1F4E79"/>
+                </a:solidFill>
+                <a:latin typeface="Courier New" panose="02070309020205020404" pitchFamily="49" charset="0"/>
+                <a:cs typeface="Courier New" panose="02070309020205020404" pitchFamily="49" charset="0"/>
+              </a:rPr>
+              <a:t>		/&gt;</a:t>
+            </a:r>
+          </a:p>
+          <a:p>
+            <a:pPr>
+              <a:lnSpc>
+                <a:spcPct val="100000"/>
+              </a:lnSpc>
+              <a:spcBef>
+                <a:spcPts val="1001"/>
+              </a:spcBef>
+              <a:spcAft>
+                <a:spcPts val="1001"/>
+              </a:spcAft>
+              <a:tabLst>
+                <a:tab pos="0" algn="l"/>
+              </a:tabLst>
+            </a:pPr>
+            <a:r>
+              <a:rPr lang="nn-NO" sz="3200" spc="-1" dirty="0">
+                <a:solidFill>
+                  <a:srgbClr val="1F4E79"/>
+                </a:solidFill>
+                <a:latin typeface="Courier New" panose="02070309020205020404" pitchFamily="49" charset="0"/>
+                <a:cs typeface="Courier New" panose="02070309020205020404" pitchFamily="49" charset="0"/>
+              </a:rPr>
+              <a:t>		&lt;Button onClick={submitForm}&gt;Submit&lt;/Button&gt;</a:t>
+            </a:r>
+          </a:p>
+          <a:p>
+            <a:pPr>
+              <a:lnSpc>
+                <a:spcPct val="100000"/>
+              </a:lnSpc>
+              <a:spcBef>
+                <a:spcPts val="1001"/>
+              </a:spcBef>
+              <a:spcAft>
+                <a:spcPts val="1001"/>
+              </a:spcAft>
+              <a:tabLst>
+                <a:tab pos="0" algn="l"/>
+              </a:tabLst>
+            </a:pPr>
+            <a:r>
+              <a:rPr lang="nn-NO" sz="3200" spc="-1" dirty="0">
+                <a:solidFill>
+                  <a:srgbClr val="1F4E79"/>
+                </a:solidFill>
+                <a:latin typeface="Courier New" panose="02070309020205020404" pitchFamily="49" charset="0"/>
+                <a:cs typeface="Courier New" panose="02070309020205020404" pitchFamily="49" charset="0"/>
+              </a:rPr>
+              <a:t>	&lt;/Form&gt;</a:t>
+            </a:r>
+            <a:endParaRPr lang="pt-BR" sz="3200" spc="-1" dirty="0">
+              <a:solidFill>
+                <a:srgbClr val="1F4E79"/>
+              </a:solidFill>
+              <a:latin typeface="Courier New" panose="02070309020205020404" pitchFamily="49" charset="0"/>
+              <a:cs typeface="Courier New" panose="02070309020205020404" pitchFamily="49" charset="0"/>
+            </a:endParaRPr>
+          </a:p>
+        </p:txBody>
+      </p:sp>
+    </p:spTree>
+    <p:extLst>
+      <p:ext uri="{BB962C8B-B14F-4D97-AF65-F5344CB8AC3E}">
+        <p14:creationId xmlns:p14="http://schemas.microsoft.com/office/powerpoint/2010/main" val="1277396969"/>
+      </p:ext>
+    </p:extLst>
+  </p:cSld>
+  <p:clrMapOvr>
+    <a:masterClrMapping/>
+  </p:clrMapOvr>
+</p:sld>
+</file>
+
+<file path=ppt/slides/slide43.xml><?xml version="1.0" encoding="utf-8"?>
+<p:sld xmlns:a="http://schemas.openxmlformats.org/drawingml/2006/main" xmlns:r="http://schemas.openxmlformats.org/officeDocument/2006/relationships" xmlns:p="http://schemas.openxmlformats.org/presentationml/2006/main">
+  <p:cSld>
+    <p:spTree>
+      <p:nvGrpSpPr>
+        <p:cNvPr id="1" name=""/>
+        <p:cNvGrpSpPr/>
+        <p:nvPr/>
+      </p:nvGrpSpPr>
+      <p:grpSpPr>
+        <a:xfrm>
+          <a:off x="0" y="0"/>
+          <a:ext cx="0" cy="0"/>
+          <a:chOff x="0" y="0"/>
+          <a:chExt cx="0" cy="0"/>
+        </a:xfrm>
+      </p:grpSpPr>
+      <p:sp>
+        <p:nvSpPr>
+          <p:cNvPr id="104" name="CustomShape 1"/>
+          <p:cNvSpPr/>
+          <p:nvPr/>
+        </p:nvSpPr>
+        <p:spPr>
+          <a:xfrm>
+            <a:off x="0" y="224280"/>
+            <a:ext cx="12022200" cy="857520"/>
+          </a:xfrm>
+          <a:prstGeom prst="rect">
+            <a:avLst/>
+          </a:prstGeom>
+          <a:noFill/>
+          <a:ln>
+            <a:noFill/>
+          </a:ln>
+        </p:spPr>
+        <p:style>
+          <a:lnRef idx="0">
+            <a:scrgbClr r="0" g="0" b="0"/>
+          </a:lnRef>
+          <a:fillRef idx="0">
+            <a:scrgbClr r="0" g="0" b="0"/>
+          </a:fillRef>
+          <a:effectRef idx="0">
+            <a:scrgbClr r="0" g="0" b="0"/>
+          </a:effectRef>
+          <a:fontRef idx="minor"/>
+        </p:style>
+        <p:txBody>
+          <a:bodyPr lIns="90000" tIns="45000" rIns="90000" bIns="45000" anchor="ctr">
+            <a:noAutofit/>
+          </a:bodyPr>
+          <a:lstStyle/>
+          <a:p>
+            <a:pPr algn="ctr">
+              <a:lnSpc>
+                <a:spcPct val="90000"/>
+              </a:lnSpc>
+            </a:pPr>
+            <a:r>
+              <a:rPr lang="pt-BR" sz="5400" b="0" strike="noStrike" spc="-1">
+                <a:solidFill>
+                  <a:srgbClr val="1F4E79"/>
+                </a:solidFill>
+                <a:latin typeface="Arial"/>
+                <a:ea typeface="DejaVu Sans"/>
+              </a:rPr>
+              <a:t>Referências</a:t>
+            </a:r>
+            <a:endParaRPr lang="pt-BR" sz="5400" b="0" strike="noStrike" spc="-1">
+              <a:latin typeface="Arial"/>
+            </a:endParaRPr>
+          </a:p>
+        </p:txBody>
+      </p:sp>
+      <p:sp>
+        <p:nvSpPr>
+          <p:cNvPr id="105" name="CustomShape 2"/>
+          <p:cNvSpPr/>
+          <p:nvPr/>
+        </p:nvSpPr>
+        <p:spPr>
+          <a:xfrm>
+            <a:off x="317520" y="1290960"/>
+            <a:ext cx="11704320" cy="4350240"/>
+          </a:xfrm>
+          <a:prstGeom prst="rect">
+            <a:avLst/>
+          </a:prstGeom>
+          <a:noFill/>
+          <a:ln>
+            <a:noFill/>
+          </a:ln>
+        </p:spPr>
+        <p:style>
+          <a:lnRef idx="0">
+            <a:scrgbClr r="0" g="0" b="0"/>
+          </a:lnRef>
+          <a:fillRef idx="0">
+            <a:scrgbClr r="0" g="0" b="0"/>
+          </a:fillRef>
+          <a:effectRef idx="0">
+            <a:scrgbClr r="0" g="0" b="0"/>
+          </a:effectRef>
+          <a:fontRef idx="minor"/>
+        </p:style>
+        <p:txBody>
+          <a:bodyPr lIns="90000" tIns="45000" rIns="90000" bIns="45000">
+            <a:normAutofit fontScale="75500" lnSpcReduction="20000"/>
+          </a:bodyPr>
+          <a:lstStyle/>
+          <a:p>
+            <a:pPr marL="514440" indent="-513360">
+              <a:lnSpc>
+                <a:spcPct val="100000"/>
+              </a:lnSpc>
+              <a:spcBef>
+                <a:spcPts val="1001"/>
+              </a:spcBef>
+              <a:spcAft>
+                <a:spcPts val="1001"/>
+              </a:spcAft>
+              <a:buClr>
+                <a:srgbClr val="1F4E79"/>
+              </a:buClr>
+              <a:buFont typeface="Calibri Light"/>
+              <a:buAutoNum type="arabicPeriod"/>
+            </a:pPr>
+            <a:r>
+              <a:rPr lang="pt-BR" sz="3200" b="0" strike="noStrike" spc="-1">
+                <a:solidFill>
+                  <a:srgbClr val="1F4E79"/>
+                </a:solidFill>
+                <a:latin typeface="Arial"/>
+                <a:ea typeface="DejaVu Sans"/>
+              </a:rPr>
+              <a:t>MDN web docs. </a:t>
+            </a:r>
+            <a:r>
+              <a:rPr lang="pt-BR" sz="3200" b="1" strike="noStrike" spc="-1">
+                <a:solidFill>
+                  <a:srgbClr val="1F4E79"/>
+                </a:solidFill>
+                <a:latin typeface="Arial"/>
+                <a:ea typeface="DejaVu Sans"/>
+              </a:rPr>
+              <a:t>Introduction to the DOM</a:t>
+            </a:r>
+            <a:r>
+              <a:rPr lang="pt-BR" sz="3200" b="0" strike="noStrike" spc="-1">
+                <a:solidFill>
+                  <a:srgbClr val="1F4E79"/>
+                </a:solidFill>
+                <a:latin typeface="Arial"/>
+                <a:ea typeface="DejaVu Sans"/>
+              </a:rPr>
+              <a:t>. In: Document Object Model. Disponível em: </a:t>
+            </a:r>
+            <a:r>
+              <a:rPr lang="pt-BR" sz="3200" b="0" u="sng" strike="noStrike" spc="-1">
+                <a:solidFill>
+                  <a:srgbClr val="0563C1"/>
+                </a:solidFill>
+                <a:uFillTx/>
+                <a:latin typeface="Arial"/>
+                <a:ea typeface="DejaVu Sans"/>
+                <a:hlinkClick r:id="rId3"/>
+              </a:rPr>
+              <a:t>https://developer.mozilla.org/en-US/docs/Web/API/Document_Object_Model/Introduction</a:t>
+            </a:r>
+            <a:endParaRPr lang="pt-BR" sz="3200" b="0" strike="noStrike" spc="-1">
+              <a:latin typeface="Arial"/>
+            </a:endParaRPr>
+          </a:p>
+          <a:p>
+            <a:pPr marL="514440" indent="-513360">
+              <a:lnSpc>
+                <a:spcPct val="100000"/>
+              </a:lnSpc>
+              <a:spcBef>
+                <a:spcPts val="1001"/>
+              </a:spcBef>
+              <a:spcAft>
+                <a:spcPts val="1001"/>
+              </a:spcAft>
+              <a:buClr>
+                <a:srgbClr val="1F4E79"/>
+              </a:buClr>
+              <a:buFont typeface="Calibri Light"/>
+              <a:buAutoNum type="arabicPeriod"/>
+            </a:pPr>
+            <a:r>
+              <a:rPr lang="pt-BR" sz="3200" b="0" strike="noStrike" spc="-1">
+                <a:solidFill>
+                  <a:srgbClr val="1F4E79"/>
+                </a:solidFill>
+                <a:latin typeface="Arial"/>
+                <a:ea typeface="DejaVu Sans"/>
+              </a:rPr>
+              <a:t>MDN web docs. </a:t>
+            </a:r>
+            <a:r>
+              <a:rPr lang="pt-BR" sz="3200" b="1" strike="noStrike" spc="-1">
+                <a:solidFill>
+                  <a:srgbClr val="1F4E79"/>
+                </a:solidFill>
+                <a:latin typeface="Arial"/>
+                <a:ea typeface="DejaVu Sans"/>
+              </a:rPr>
+              <a:t>Classes</a:t>
+            </a:r>
+            <a:r>
+              <a:rPr lang="pt-BR" sz="3200" b="0" strike="noStrike" spc="-1">
+                <a:solidFill>
+                  <a:srgbClr val="1F4E79"/>
+                </a:solidFill>
+                <a:latin typeface="Arial"/>
+                <a:ea typeface="DejaVu Sans"/>
+              </a:rPr>
+              <a:t>. Disponível em: </a:t>
+            </a:r>
+            <a:r>
+              <a:rPr lang="pt-BR" sz="3200" b="0" u="sng" strike="noStrike" spc="-1">
+                <a:solidFill>
+                  <a:srgbClr val="0563C1"/>
+                </a:solidFill>
+                <a:uFillTx/>
+                <a:latin typeface="Arial"/>
+                <a:ea typeface="DejaVu Sans"/>
+                <a:hlinkClick r:id="rId4"/>
+              </a:rPr>
+              <a:t>https://developer.mozilla.org/pt-BR/docs/Web/JavaScript/Reference/Classes</a:t>
+            </a:r>
+            <a:endParaRPr lang="pt-BR" sz="3200" b="0" strike="noStrike" spc="-1">
+              <a:latin typeface="Arial"/>
+            </a:endParaRPr>
+          </a:p>
+          <a:p>
+            <a:pPr marL="514440" indent="-513360">
+              <a:lnSpc>
+                <a:spcPct val="100000"/>
+              </a:lnSpc>
+              <a:spcBef>
+                <a:spcPts val="1001"/>
+              </a:spcBef>
+              <a:spcAft>
+                <a:spcPts val="1001"/>
+              </a:spcAft>
+              <a:buClr>
+                <a:srgbClr val="1F4E79"/>
+              </a:buClr>
+              <a:buFont typeface="Calibri Light"/>
+              <a:buAutoNum type="arabicPeriod"/>
+            </a:pPr>
+            <a:r>
+              <a:rPr lang="pt-BR" sz="3200" b="0" strike="noStrike" spc="-1">
+                <a:solidFill>
+                  <a:srgbClr val="1F4E79"/>
+                </a:solidFill>
+                <a:latin typeface="Arial"/>
+                <a:ea typeface="DejaVu Sans"/>
+              </a:rPr>
+              <a:t>João Henrique. </a:t>
+            </a:r>
+            <a:r>
+              <a:rPr lang="pt-BR" sz="3200" b="1" strike="noStrike" spc="-1">
+                <a:solidFill>
+                  <a:srgbClr val="1F4E79"/>
+                </a:solidFill>
+                <a:latin typeface="Arial"/>
+                <a:ea typeface="DejaVu Sans"/>
+              </a:rPr>
+              <a:t>POO: o que é programação orientada a objetos?</a:t>
+            </a:r>
+            <a:r>
+              <a:rPr lang="pt-BR" sz="3200" b="0" strike="noStrike" spc="-1">
+                <a:solidFill>
+                  <a:srgbClr val="1F4E79"/>
+                </a:solidFill>
+                <a:latin typeface="Arial"/>
+                <a:ea typeface="DejaVu Sans"/>
+              </a:rPr>
+              <a:t> . Disponível em: </a:t>
+            </a:r>
+            <a:r>
+              <a:rPr lang="pt-BR" sz="3200" b="0" u="sng" strike="noStrike" spc="-1">
+                <a:solidFill>
+                  <a:srgbClr val="0563C1"/>
+                </a:solidFill>
+                <a:uFillTx/>
+                <a:latin typeface="Arial"/>
+                <a:ea typeface="DejaVu Sans"/>
+                <a:hlinkClick r:id="rId5"/>
+              </a:rPr>
+              <a:t>https://www.alura.com.br/artigos/poo-programacao-orientada-a-objetos</a:t>
+            </a:r>
+            <a:r>
+              <a:rPr lang="pt-BR" sz="3200" b="0" strike="noStrike" spc="-1">
+                <a:solidFill>
+                  <a:srgbClr val="1F4E79"/>
+                </a:solidFill>
+                <a:latin typeface="Arial"/>
+                <a:ea typeface="DejaVu Sans"/>
+              </a:rPr>
+              <a:t>.</a:t>
+            </a:r>
+            <a:endParaRPr lang="pt-BR" sz="3200" b="0" strike="noStrike" spc="-1">
+              <a:latin typeface="Arial"/>
+            </a:endParaRPr>
+          </a:p>
+          <a:p>
+            <a:pPr marL="514440" indent="-513360">
+              <a:lnSpc>
+                <a:spcPct val="100000"/>
+              </a:lnSpc>
+              <a:spcBef>
+                <a:spcPts val="1001"/>
+              </a:spcBef>
+              <a:spcAft>
+                <a:spcPts val="1001"/>
+              </a:spcAft>
+              <a:buClr>
+                <a:srgbClr val="1F4E79"/>
+              </a:buClr>
+              <a:buFont typeface="Calibri Light"/>
+              <a:buAutoNum type="arabicPeriod"/>
+            </a:pPr>
+            <a:r>
+              <a:rPr lang="pt-BR" sz="3200" b="0" strike="noStrike" spc="-1">
+                <a:solidFill>
+                  <a:srgbClr val="1F4E79"/>
+                </a:solidFill>
+                <a:latin typeface="Arial"/>
+                <a:ea typeface="DejaVu Sans"/>
+              </a:rPr>
+              <a:t>https://www.devmedia.com.br/os-4-pilares-da-programacao-orientada-a-objetos/9264</a:t>
+            </a:r>
+            <a:endParaRPr lang="pt-BR" sz="3200" b="0" strike="noStrike" spc="-1">
+              <a:latin typeface="Arial"/>
+            </a:endParaRPr>
+          </a:p>
+          <a:p>
+            <a:pPr>
+              <a:lnSpc>
+                <a:spcPct val="100000"/>
+              </a:lnSpc>
+              <a:spcBef>
+                <a:spcPts val="1001"/>
+              </a:spcBef>
+              <a:spcAft>
+                <a:spcPts val="1001"/>
+              </a:spcAft>
+            </a:pPr>
             <a:endParaRPr lang="pt-BR" sz="3200" b="0" strike="noStrike" spc="-1">
               <a:latin typeface="Arial"/>
             </a:endParaRPr>

--- a/React.pptx
+++ b/React.pptx
@@ -6,7 +6,7 @@
     <p:sldMasterId id="2147483661" r:id="rId2"/>
   </p:sldMasterIdLst>
   <p:notesMasterIdLst>
-    <p:notesMasterId r:id="rId46"/>
+    <p:notesMasterId r:id="rId52"/>
   </p:notesMasterIdLst>
   <p:sldIdLst>
     <p:sldId id="256" r:id="rId3"/>
@@ -51,7 +51,13 @@
     <p:sldId id="301" r:id="rId42"/>
     <p:sldId id="302" r:id="rId43"/>
     <p:sldId id="303" r:id="rId44"/>
-    <p:sldId id="267" r:id="rId45"/>
+    <p:sldId id="305" r:id="rId45"/>
+    <p:sldId id="306" r:id="rId46"/>
+    <p:sldId id="308" r:id="rId47"/>
+    <p:sldId id="307" r:id="rId48"/>
+    <p:sldId id="309" r:id="rId49"/>
+    <p:sldId id="310" r:id="rId50"/>
+    <p:sldId id="267" r:id="rId51"/>
   </p:sldIdLst>
   <p:sldSz cx="12192000" cy="6858000"/>
   <p:notesSz cx="6858000" cy="9144000"/>
@@ -5739,7 +5745,7 @@
       </p:grpSpPr>
       <p:sp>
         <p:nvSpPr>
-          <p:cNvPr id="139" name="PlaceHolder 1"/>
+          <p:cNvPr id="202" name="PlaceHolder 1"/>
           <p:cNvSpPr>
             <a:spLocks noGrp="1" noRot="1" noChangeAspect="1"/>
           </p:cNvSpPr>
@@ -5749,17 +5755,17 @@
         </p:nvSpPr>
         <p:spPr>
           <a:xfrm>
-            <a:off x="685800" y="1143000"/>
-            <a:ext cx="5484813" cy="3084513"/>
-          </a:xfrm>
-          <a:prstGeom prst="rect">
-            <a:avLst/>
-          </a:prstGeom>
-        </p:spPr>
-      </p:sp>
-      <p:sp>
-        <p:nvSpPr>
-          <p:cNvPr id="140" name="PlaceHolder 2"/>
+            <a:off x="687388" y="1143000"/>
+            <a:ext cx="5480050" cy="3082925"/>
+          </a:xfrm>
+          <a:prstGeom prst="rect">
+            <a:avLst/>
+          </a:prstGeom>
+        </p:spPr>
+      </p:sp>
+      <p:sp>
+        <p:nvSpPr>
+          <p:cNvPr id="203" name="PlaceHolder 2"/>
           <p:cNvSpPr>
             <a:spLocks noGrp="1"/>
           </p:cNvSpPr>
@@ -5770,7 +5776,7 @@
         <p:spPr>
           <a:xfrm>
             <a:off x="685800" y="4400640"/>
-            <a:ext cx="5485320" cy="3599280"/>
+            <a:ext cx="5482440" cy="3596400"/>
           </a:xfrm>
           <a:prstGeom prst="rect">
             <a:avLst/>
@@ -5782,22 +5788,22 @@
           </a:bodyPr>
           <a:lstStyle/>
           <a:p>
-            <a:endParaRPr lang="pt-BR" sz="2000" b="0" strike="noStrike" spc="-1">
-              <a:latin typeface="Arial"/>
+            <a:endParaRPr lang="pt-BR" sz="2000" b="0" strike="noStrike" spc="-1" dirty="0">
+              <a:latin typeface="+mn-lt"/>
             </a:endParaRPr>
           </a:p>
         </p:txBody>
       </p:sp>
       <p:sp>
         <p:nvSpPr>
-          <p:cNvPr id="141" name="CustomShape 3"/>
+          <p:cNvPr id="204" name="CustomShape 3"/>
           <p:cNvSpPr/>
           <p:nvPr/>
         </p:nvSpPr>
         <p:spPr>
           <a:xfrm>
             <a:off x="3884760" y="8685360"/>
-            <a:ext cx="2970720" cy="457560"/>
+            <a:ext cx="2967840" cy="454680"/>
           </a:xfrm>
           <a:prstGeom prst="rect">
             <a:avLst/>
@@ -5830,6 +5836,840 @@
                 <a:spcPct val="100000"/>
               </a:lnSpc>
             </a:pPr>
+            <a:fld id="{EECC64C6-2FBD-4770-B109-62040DE39BC9}" type="slidenum">
+              <a:rPr lang="pt-BR" sz="1200" b="0" strike="noStrike" spc="-1">
+                <a:solidFill>
+                  <a:srgbClr val="000000"/>
+                </a:solidFill>
+                <a:latin typeface="Times New Roman"/>
+                <a:ea typeface="+mn-ea"/>
+              </a:rPr>
+              <a:t>43</a:t>
+            </a:fld>
+            <a:endParaRPr lang="pt-BR" sz="1200" b="0" strike="noStrike" spc="-1">
+              <a:latin typeface="Arial"/>
+            </a:endParaRPr>
+          </a:p>
+        </p:txBody>
+      </p:sp>
+    </p:spTree>
+    <p:extLst>
+      <p:ext uri="{BB962C8B-B14F-4D97-AF65-F5344CB8AC3E}">
+        <p14:creationId xmlns:p14="http://schemas.microsoft.com/office/powerpoint/2010/main" val="1964568223"/>
+      </p:ext>
+    </p:extLst>
+  </p:cSld>
+  <p:clrMapOvr>
+    <a:masterClrMapping/>
+  </p:clrMapOvr>
+</p:notes>
+</file>
+
+<file path=ppt/notesSlides/notesSlide44.xml><?xml version="1.0" encoding="utf-8"?>
+<p:notes xmlns:a="http://schemas.openxmlformats.org/drawingml/2006/main" xmlns:r="http://schemas.openxmlformats.org/officeDocument/2006/relationships" xmlns:p="http://schemas.openxmlformats.org/presentationml/2006/main">
+  <p:cSld>
+    <p:spTree>
+      <p:nvGrpSpPr>
+        <p:cNvPr id="1" name=""/>
+        <p:cNvGrpSpPr/>
+        <p:nvPr/>
+      </p:nvGrpSpPr>
+      <p:grpSpPr>
+        <a:xfrm>
+          <a:off x="0" y="0"/>
+          <a:ext cx="0" cy="0"/>
+          <a:chOff x="0" y="0"/>
+          <a:chExt cx="0" cy="0"/>
+        </a:xfrm>
+      </p:grpSpPr>
+      <p:sp>
+        <p:nvSpPr>
+          <p:cNvPr id="202" name="PlaceHolder 1"/>
+          <p:cNvSpPr>
+            <a:spLocks noGrp="1" noRot="1" noChangeAspect="1"/>
+          </p:cNvSpPr>
+          <p:nvPr>
+            <p:ph type="sldImg"/>
+          </p:nvPr>
+        </p:nvSpPr>
+        <p:spPr>
+          <a:xfrm>
+            <a:off x="687388" y="1143000"/>
+            <a:ext cx="5480050" cy="3082925"/>
+          </a:xfrm>
+          <a:prstGeom prst="rect">
+            <a:avLst/>
+          </a:prstGeom>
+        </p:spPr>
+      </p:sp>
+      <p:sp>
+        <p:nvSpPr>
+          <p:cNvPr id="203" name="PlaceHolder 2"/>
+          <p:cNvSpPr>
+            <a:spLocks noGrp="1"/>
+          </p:cNvSpPr>
+          <p:nvPr>
+            <p:ph type="body"/>
+          </p:nvPr>
+        </p:nvSpPr>
+        <p:spPr>
+          <a:xfrm>
+            <a:off x="685800" y="4400640"/>
+            <a:ext cx="5482440" cy="3596400"/>
+          </a:xfrm>
+          <a:prstGeom prst="rect">
+            <a:avLst/>
+          </a:prstGeom>
+        </p:spPr>
+        <p:txBody>
+          <a:bodyPr lIns="0" tIns="0" rIns="0" bIns="0">
+            <a:noAutofit/>
+          </a:bodyPr>
+          <a:lstStyle/>
+          <a:p>
+            <a:endParaRPr lang="pt-BR" sz="2000" b="0" strike="noStrike" spc="-1" dirty="0">
+              <a:latin typeface="+mn-lt"/>
+            </a:endParaRPr>
+          </a:p>
+        </p:txBody>
+      </p:sp>
+      <p:sp>
+        <p:nvSpPr>
+          <p:cNvPr id="204" name="CustomShape 3"/>
+          <p:cNvSpPr/>
+          <p:nvPr/>
+        </p:nvSpPr>
+        <p:spPr>
+          <a:xfrm>
+            <a:off x="3884760" y="8685360"/>
+            <a:ext cx="2967840" cy="454680"/>
+          </a:xfrm>
+          <a:prstGeom prst="rect">
+            <a:avLst/>
+          </a:prstGeom>
+          <a:noFill/>
+          <a:ln>
+            <a:noFill/>
+          </a:ln>
+        </p:spPr>
+        <p:style>
+          <a:lnRef idx="0">
+            <a:scrgbClr r="0" g="0" b="0"/>
+          </a:lnRef>
+          <a:fillRef idx="0">
+            <a:scrgbClr r="0" g="0" b="0"/>
+          </a:fillRef>
+          <a:effectRef idx="0">
+            <a:scrgbClr r="0" g="0" b="0"/>
+          </a:effectRef>
+          <a:fontRef idx="minor"/>
+        </p:style>
+        <p:txBody>
+          <a:bodyPr lIns="90000" tIns="45000" rIns="90000" bIns="45000" anchor="b">
+            <a:noAutofit/>
+          </a:bodyPr>
+          <a:lstStyle/>
+          <a:p>
+            <a:pPr algn="r">
+              <a:lnSpc>
+                <a:spcPct val="100000"/>
+              </a:lnSpc>
+            </a:pPr>
+            <a:fld id="{EECC64C6-2FBD-4770-B109-62040DE39BC9}" type="slidenum">
+              <a:rPr lang="pt-BR" sz="1200" b="0" strike="noStrike" spc="-1">
+                <a:solidFill>
+                  <a:srgbClr val="000000"/>
+                </a:solidFill>
+                <a:latin typeface="Times New Roman"/>
+                <a:ea typeface="+mn-ea"/>
+              </a:rPr>
+              <a:t>44</a:t>
+            </a:fld>
+            <a:endParaRPr lang="pt-BR" sz="1200" b="0" strike="noStrike" spc="-1">
+              <a:latin typeface="Arial"/>
+            </a:endParaRPr>
+          </a:p>
+        </p:txBody>
+      </p:sp>
+    </p:spTree>
+    <p:extLst>
+      <p:ext uri="{BB962C8B-B14F-4D97-AF65-F5344CB8AC3E}">
+        <p14:creationId xmlns:p14="http://schemas.microsoft.com/office/powerpoint/2010/main" val="3453260011"/>
+      </p:ext>
+    </p:extLst>
+  </p:cSld>
+  <p:clrMapOvr>
+    <a:masterClrMapping/>
+  </p:clrMapOvr>
+</p:notes>
+</file>
+
+<file path=ppt/notesSlides/notesSlide45.xml><?xml version="1.0" encoding="utf-8"?>
+<p:notes xmlns:a="http://schemas.openxmlformats.org/drawingml/2006/main" xmlns:r="http://schemas.openxmlformats.org/officeDocument/2006/relationships" xmlns:p="http://schemas.openxmlformats.org/presentationml/2006/main">
+  <p:cSld>
+    <p:spTree>
+      <p:nvGrpSpPr>
+        <p:cNvPr id="1" name=""/>
+        <p:cNvGrpSpPr/>
+        <p:nvPr/>
+      </p:nvGrpSpPr>
+      <p:grpSpPr>
+        <a:xfrm>
+          <a:off x="0" y="0"/>
+          <a:ext cx="0" cy="0"/>
+          <a:chOff x="0" y="0"/>
+          <a:chExt cx="0" cy="0"/>
+        </a:xfrm>
+      </p:grpSpPr>
+      <p:sp>
+        <p:nvSpPr>
+          <p:cNvPr id="202" name="PlaceHolder 1"/>
+          <p:cNvSpPr>
+            <a:spLocks noGrp="1" noRot="1" noChangeAspect="1"/>
+          </p:cNvSpPr>
+          <p:nvPr>
+            <p:ph type="sldImg"/>
+          </p:nvPr>
+        </p:nvSpPr>
+        <p:spPr>
+          <a:xfrm>
+            <a:off x="687388" y="1143000"/>
+            <a:ext cx="5480050" cy="3082925"/>
+          </a:xfrm>
+          <a:prstGeom prst="rect">
+            <a:avLst/>
+          </a:prstGeom>
+        </p:spPr>
+      </p:sp>
+      <p:sp>
+        <p:nvSpPr>
+          <p:cNvPr id="203" name="PlaceHolder 2"/>
+          <p:cNvSpPr>
+            <a:spLocks noGrp="1"/>
+          </p:cNvSpPr>
+          <p:nvPr>
+            <p:ph type="body"/>
+          </p:nvPr>
+        </p:nvSpPr>
+        <p:spPr>
+          <a:xfrm>
+            <a:off x="685800" y="4400640"/>
+            <a:ext cx="5482440" cy="3596400"/>
+          </a:xfrm>
+          <a:prstGeom prst="rect">
+            <a:avLst/>
+          </a:prstGeom>
+        </p:spPr>
+        <p:txBody>
+          <a:bodyPr lIns="0" tIns="0" rIns="0" bIns="0">
+            <a:noAutofit/>
+          </a:bodyPr>
+          <a:lstStyle/>
+          <a:p>
+            <a:endParaRPr lang="pt-BR" sz="2000" b="0" strike="noStrike" spc="-1" dirty="0">
+              <a:latin typeface="+mn-lt"/>
+            </a:endParaRPr>
+          </a:p>
+        </p:txBody>
+      </p:sp>
+      <p:sp>
+        <p:nvSpPr>
+          <p:cNvPr id="204" name="CustomShape 3"/>
+          <p:cNvSpPr/>
+          <p:nvPr/>
+        </p:nvSpPr>
+        <p:spPr>
+          <a:xfrm>
+            <a:off x="3884760" y="8685360"/>
+            <a:ext cx="2967840" cy="454680"/>
+          </a:xfrm>
+          <a:prstGeom prst="rect">
+            <a:avLst/>
+          </a:prstGeom>
+          <a:noFill/>
+          <a:ln>
+            <a:noFill/>
+          </a:ln>
+        </p:spPr>
+        <p:style>
+          <a:lnRef idx="0">
+            <a:scrgbClr r="0" g="0" b="0"/>
+          </a:lnRef>
+          <a:fillRef idx="0">
+            <a:scrgbClr r="0" g="0" b="0"/>
+          </a:fillRef>
+          <a:effectRef idx="0">
+            <a:scrgbClr r="0" g="0" b="0"/>
+          </a:effectRef>
+          <a:fontRef idx="minor"/>
+        </p:style>
+        <p:txBody>
+          <a:bodyPr lIns="90000" tIns="45000" rIns="90000" bIns="45000" anchor="b">
+            <a:noAutofit/>
+          </a:bodyPr>
+          <a:lstStyle/>
+          <a:p>
+            <a:pPr algn="r">
+              <a:lnSpc>
+                <a:spcPct val="100000"/>
+              </a:lnSpc>
+            </a:pPr>
+            <a:fld id="{EECC64C6-2FBD-4770-B109-62040DE39BC9}" type="slidenum">
+              <a:rPr lang="pt-BR" sz="1200" b="0" strike="noStrike" spc="-1">
+                <a:solidFill>
+                  <a:srgbClr val="000000"/>
+                </a:solidFill>
+                <a:latin typeface="Times New Roman"/>
+                <a:ea typeface="+mn-ea"/>
+              </a:rPr>
+              <a:t>45</a:t>
+            </a:fld>
+            <a:endParaRPr lang="pt-BR" sz="1200" b="0" strike="noStrike" spc="-1">
+              <a:latin typeface="Arial"/>
+            </a:endParaRPr>
+          </a:p>
+        </p:txBody>
+      </p:sp>
+    </p:spTree>
+    <p:extLst>
+      <p:ext uri="{BB962C8B-B14F-4D97-AF65-F5344CB8AC3E}">
+        <p14:creationId xmlns:p14="http://schemas.microsoft.com/office/powerpoint/2010/main" val="104187682"/>
+      </p:ext>
+    </p:extLst>
+  </p:cSld>
+  <p:clrMapOvr>
+    <a:masterClrMapping/>
+  </p:clrMapOvr>
+</p:notes>
+</file>
+
+<file path=ppt/notesSlides/notesSlide46.xml><?xml version="1.0" encoding="utf-8"?>
+<p:notes xmlns:a="http://schemas.openxmlformats.org/drawingml/2006/main" xmlns:r="http://schemas.openxmlformats.org/officeDocument/2006/relationships" xmlns:p="http://schemas.openxmlformats.org/presentationml/2006/main">
+  <p:cSld>
+    <p:spTree>
+      <p:nvGrpSpPr>
+        <p:cNvPr id="1" name=""/>
+        <p:cNvGrpSpPr/>
+        <p:nvPr/>
+      </p:nvGrpSpPr>
+      <p:grpSpPr>
+        <a:xfrm>
+          <a:off x="0" y="0"/>
+          <a:ext cx="0" cy="0"/>
+          <a:chOff x="0" y="0"/>
+          <a:chExt cx="0" cy="0"/>
+        </a:xfrm>
+      </p:grpSpPr>
+      <p:sp>
+        <p:nvSpPr>
+          <p:cNvPr id="202" name="PlaceHolder 1"/>
+          <p:cNvSpPr>
+            <a:spLocks noGrp="1" noRot="1" noChangeAspect="1"/>
+          </p:cNvSpPr>
+          <p:nvPr>
+            <p:ph type="sldImg"/>
+          </p:nvPr>
+        </p:nvSpPr>
+        <p:spPr>
+          <a:xfrm>
+            <a:off x="687388" y="1143000"/>
+            <a:ext cx="5480050" cy="3082925"/>
+          </a:xfrm>
+          <a:prstGeom prst="rect">
+            <a:avLst/>
+          </a:prstGeom>
+        </p:spPr>
+      </p:sp>
+      <p:sp>
+        <p:nvSpPr>
+          <p:cNvPr id="203" name="PlaceHolder 2"/>
+          <p:cNvSpPr>
+            <a:spLocks noGrp="1"/>
+          </p:cNvSpPr>
+          <p:nvPr>
+            <p:ph type="body"/>
+          </p:nvPr>
+        </p:nvSpPr>
+        <p:spPr>
+          <a:xfrm>
+            <a:off x="685800" y="4400640"/>
+            <a:ext cx="5482440" cy="3596400"/>
+          </a:xfrm>
+          <a:prstGeom prst="rect">
+            <a:avLst/>
+          </a:prstGeom>
+        </p:spPr>
+        <p:txBody>
+          <a:bodyPr lIns="0" tIns="0" rIns="0" bIns="0">
+            <a:noAutofit/>
+          </a:bodyPr>
+          <a:lstStyle/>
+          <a:p>
+            <a:endParaRPr lang="pt-BR" sz="2000" b="0" strike="noStrike" spc="-1" dirty="0">
+              <a:latin typeface="+mn-lt"/>
+            </a:endParaRPr>
+          </a:p>
+        </p:txBody>
+      </p:sp>
+      <p:sp>
+        <p:nvSpPr>
+          <p:cNvPr id="204" name="CustomShape 3"/>
+          <p:cNvSpPr/>
+          <p:nvPr/>
+        </p:nvSpPr>
+        <p:spPr>
+          <a:xfrm>
+            <a:off x="3884760" y="8685360"/>
+            <a:ext cx="2967840" cy="454680"/>
+          </a:xfrm>
+          <a:prstGeom prst="rect">
+            <a:avLst/>
+          </a:prstGeom>
+          <a:noFill/>
+          <a:ln>
+            <a:noFill/>
+          </a:ln>
+        </p:spPr>
+        <p:style>
+          <a:lnRef idx="0">
+            <a:scrgbClr r="0" g="0" b="0"/>
+          </a:lnRef>
+          <a:fillRef idx="0">
+            <a:scrgbClr r="0" g="0" b="0"/>
+          </a:fillRef>
+          <a:effectRef idx="0">
+            <a:scrgbClr r="0" g="0" b="0"/>
+          </a:effectRef>
+          <a:fontRef idx="minor"/>
+        </p:style>
+        <p:txBody>
+          <a:bodyPr lIns="90000" tIns="45000" rIns="90000" bIns="45000" anchor="b">
+            <a:noAutofit/>
+          </a:bodyPr>
+          <a:lstStyle/>
+          <a:p>
+            <a:pPr algn="r">
+              <a:lnSpc>
+                <a:spcPct val="100000"/>
+              </a:lnSpc>
+            </a:pPr>
+            <a:fld id="{EECC64C6-2FBD-4770-B109-62040DE39BC9}" type="slidenum">
+              <a:rPr lang="pt-BR" sz="1200" b="0" strike="noStrike" spc="-1">
+                <a:solidFill>
+                  <a:srgbClr val="000000"/>
+                </a:solidFill>
+                <a:latin typeface="Times New Roman"/>
+                <a:ea typeface="+mn-ea"/>
+              </a:rPr>
+              <a:t>46</a:t>
+            </a:fld>
+            <a:endParaRPr lang="pt-BR" sz="1200" b="0" strike="noStrike" spc="-1">
+              <a:latin typeface="Arial"/>
+            </a:endParaRPr>
+          </a:p>
+        </p:txBody>
+      </p:sp>
+    </p:spTree>
+    <p:extLst>
+      <p:ext uri="{BB962C8B-B14F-4D97-AF65-F5344CB8AC3E}">
+        <p14:creationId xmlns:p14="http://schemas.microsoft.com/office/powerpoint/2010/main" val="1139607905"/>
+      </p:ext>
+    </p:extLst>
+  </p:cSld>
+  <p:clrMapOvr>
+    <a:masterClrMapping/>
+  </p:clrMapOvr>
+</p:notes>
+</file>
+
+<file path=ppt/notesSlides/notesSlide47.xml><?xml version="1.0" encoding="utf-8"?>
+<p:notes xmlns:a="http://schemas.openxmlformats.org/drawingml/2006/main" xmlns:r="http://schemas.openxmlformats.org/officeDocument/2006/relationships" xmlns:p="http://schemas.openxmlformats.org/presentationml/2006/main">
+  <p:cSld>
+    <p:spTree>
+      <p:nvGrpSpPr>
+        <p:cNvPr id="1" name=""/>
+        <p:cNvGrpSpPr/>
+        <p:nvPr/>
+      </p:nvGrpSpPr>
+      <p:grpSpPr>
+        <a:xfrm>
+          <a:off x="0" y="0"/>
+          <a:ext cx="0" cy="0"/>
+          <a:chOff x="0" y="0"/>
+          <a:chExt cx="0" cy="0"/>
+        </a:xfrm>
+      </p:grpSpPr>
+      <p:sp>
+        <p:nvSpPr>
+          <p:cNvPr id="202" name="PlaceHolder 1"/>
+          <p:cNvSpPr>
+            <a:spLocks noGrp="1" noRot="1" noChangeAspect="1"/>
+          </p:cNvSpPr>
+          <p:nvPr>
+            <p:ph type="sldImg"/>
+          </p:nvPr>
+        </p:nvSpPr>
+        <p:spPr>
+          <a:xfrm>
+            <a:off x="687388" y="1143000"/>
+            <a:ext cx="5480050" cy="3082925"/>
+          </a:xfrm>
+          <a:prstGeom prst="rect">
+            <a:avLst/>
+          </a:prstGeom>
+        </p:spPr>
+      </p:sp>
+      <p:sp>
+        <p:nvSpPr>
+          <p:cNvPr id="203" name="PlaceHolder 2"/>
+          <p:cNvSpPr>
+            <a:spLocks noGrp="1"/>
+          </p:cNvSpPr>
+          <p:nvPr>
+            <p:ph type="body"/>
+          </p:nvPr>
+        </p:nvSpPr>
+        <p:spPr>
+          <a:xfrm>
+            <a:off x="685800" y="4400640"/>
+            <a:ext cx="5482440" cy="3596400"/>
+          </a:xfrm>
+          <a:prstGeom prst="rect">
+            <a:avLst/>
+          </a:prstGeom>
+        </p:spPr>
+        <p:txBody>
+          <a:bodyPr lIns="0" tIns="0" rIns="0" bIns="0">
+            <a:noAutofit/>
+          </a:bodyPr>
+          <a:lstStyle/>
+          <a:p>
+            <a:endParaRPr lang="pt-BR" sz="2000" b="0" strike="noStrike" spc="-1" dirty="0">
+              <a:latin typeface="+mn-lt"/>
+            </a:endParaRPr>
+          </a:p>
+        </p:txBody>
+      </p:sp>
+      <p:sp>
+        <p:nvSpPr>
+          <p:cNvPr id="204" name="CustomShape 3"/>
+          <p:cNvSpPr/>
+          <p:nvPr/>
+        </p:nvSpPr>
+        <p:spPr>
+          <a:xfrm>
+            <a:off x="3884760" y="8685360"/>
+            <a:ext cx="2967840" cy="454680"/>
+          </a:xfrm>
+          <a:prstGeom prst="rect">
+            <a:avLst/>
+          </a:prstGeom>
+          <a:noFill/>
+          <a:ln>
+            <a:noFill/>
+          </a:ln>
+        </p:spPr>
+        <p:style>
+          <a:lnRef idx="0">
+            <a:scrgbClr r="0" g="0" b="0"/>
+          </a:lnRef>
+          <a:fillRef idx="0">
+            <a:scrgbClr r="0" g="0" b="0"/>
+          </a:fillRef>
+          <a:effectRef idx="0">
+            <a:scrgbClr r="0" g="0" b="0"/>
+          </a:effectRef>
+          <a:fontRef idx="minor"/>
+        </p:style>
+        <p:txBody>
+          <a:bodyPr lIns="90000" tIns="45000" rIns="90000" bIns="45000" anchor="b">
+            <a:noAutofit/>
+          </a:bodyPr>
+          <a:lstStyle/>
+          <a:p>
+            <a:pPr algn="r">
+              <a:lnSpc>
+                <a:spcPct val="100000"/>
+              </a:lnSpc>
+            </a:pPr>
+            <a:fld id="{EECC64C6-2FBD-4770-B109-62040DE39BC9}" type="slidenum">
+              <a:rPr lang="pt-BR" sz="1200" b="0" strike="noStrike" spc="-1">
+                <a:solidFill>
+                  <a:srgbClr val="000000"/>
+                </a:solidFill>
+                <a:latin typeface="Times New Roman"/>
+                <a:ea typeface="+mn-ea"/>
+              </a:rPr>
+              <a:t>47</a:t>
+            </a:fld>
+            <a:endParaRPr lang="pt-BR" sz="1200" b="0" strike="noStrike" spc="-1">
+              <a:latin typeface="Arial"/>
+            </a:endParaRPr>
+          </a:p>
+        </p:txBody>
+      </p:sp>
+    </p:spTree>
+    <p:extLst>
+      <p:ext uri="{BB962C8B-B14F-4D97-AF65-F5344CB8AC3E}">
+        <p14:creationId xmlns:p14="http://schemas.microsoft.com/office/powerpoint/2010/main" val="1497237383"/>
+      </p:ext>
+    </p:extLst>
+  </p:cSld>
+  <p:clrMapOvr>
+    <a:masterClrMapping/>
+  </p:clrMapOvr>
+</p:notes>
+</file>
+
+<file path=ppt/notesSlides/notesSlide48.xml><?xml version="1.0" encoding="utf-8"?>
+<p:notes xmlns:a="http://schemas.openxmlformats.org/drawingml/2006/main" xmlns:r="http://schemas.openxmlformats.org/officeDocument/2006/relationships" xmlns:p="http://schemas.openxmlformats.org/presentationml/2006/main">
+  <p:cSld>
+    <p:spTree>
+      <p:nvGrpSpPr>
+        <p:cNvPr id="1" name=""/>
+        <p:cNvGrpSpPr/>
+        <p:nvPr/>
+      </p:nvGrpSpPr>
+      <p:grpSpPr>
+        <a:xfrm>
+          <a:off x="0" y="0"/>
+          <a:ext cx="0" cy="0"/>
+          <a:chOff x="0" y="0"/>
+          <a:chExt cx="0" cy="0"/>
+        </a:xfrm>
+      </p:grpSpPr>
+      <p:sp>
+        <p:nvSpPr>
+          <p:cNvPr id="202" name="PlaceHolder 1"/>
+          <p:cNvSpPr>
+            <a:spLocks noGrp="1" noRot="1" noChangeAspect="1"/>
+          </p:cNvSpPr>
+          <p:nvPr>
+            <p:ph type="sldImg"/>
+          </p:nvPr>
+        </p:nvSpPr>
+        <p:spPr>
+          <a:xfrm>
+            <a:off x="687388" y="1143000"/>
+            <a:ext cx="5480050" cy="3082925"/>
+          </a:xfrm>
+          <a:prstGeom prst="rect">
+            <a:avLst/>
+          </a:prstGeom>
+        </p:spPr>
+      </p:sp>
+      <p:sp>
+        <p:nvSpPr>
+          <p:cNvPr id="203" name="PlaceHolder 2"/>
+          <p:cNvSpPr>
+            <a:spLocks noGrp="1"/>
+          </p:cNvSpPr>
+          <p:nvPr>
+            <p:ph type="body"/>
+          </p:nvPr>
+        </p:nvSpPr>
+        <p:spPr>
+          <a:xfrm>
+            <a:off x="685800" y="4400640"/>
+            <a:ext cx="5482440" cy="3596400"/>
+          </a:xfrm>
+          <a:prstGeom prst="rect">
+            <a:avLst/>
+          </a:prstGeom>
+        </p:spPr>
+        <p:txBody>
+          <a:bodyPr lIns="0" tIns="0" rIns="0" bIns="0">
+            <a:noAutofit/>
+          </a:bodyPr>
+          <a:lstStyle/>
+          <a:p>
+            <a:endParaRPr lang="pt-BR" sz="2000" b="0" strike="noStrike" spc="-1" dirty="0">
+              <a:latin typeface="+mn-lt"/>
+            </a:endParaRPr>
+          </a:p>
+        </p:txBody>
+      </p:sp>
+      <p:sp>
+        <p:nvSpPr>
+          <p:cNvPr id="204" name="CustomShape 3"/>
+          <p:cNvSpPr/>
+          <p:nvPr/>
+        </p:nvSpPr>
+        <p:spPr>
+          <a:xfrm>
+            <a:off x="3884760" y="8685360"/>
+            <a:ext cx="2967840" cy="454680"/>
+          </a:xfrm>
+          <a:prstGeom prst="rect">
+            <a:avLst/>
+          </a:prstGeom>
+          <a:noFill/>
+          <a:ln>
+            <a:noFill/>
+          </a:ln>
+        </p:spPr>
+        <p:style>
+          <a:lnRef idx="0">
+            <a:scrgbClr r="0" g="0" b="0"/>
+          </a:lnRef>
+          <a:fillRef idx="0">
+            <a:scrgbClr r="0" g="0" b="0"/>
+          </a:fillRef>
+          <a:effectRef idx="0">
+            <a:scrgbClr r="0" g="0" b="0"/>
+          </a:effectRef>
+          <a:fontRef idx="minor"/>
+        </p:style>
+        <p:txBody>
+          <a:bodyPr lIns="90000" tIns="45000" rIns="90000" bIns="45000" anchor="b">
+            <a:noAutofit/>
+          </a:bodyPr>
+          <a:lstStyle/>
+          <a:p>
+            <a:pPr algn="r">
+              <a:lnSpc>
+                <a:spcPct val="100000"/>
+              </a:lnSpc>
+            </a:pPr>
+            <a:fld id="{EECC64C6-2FBD-4770-B109-62040DE39BC9}" type="slidenum">
+              <a:rPr lang="pt-BR" sz="1200" b="0" strike="noStrike" spc="-1">
+                <a:solidFill>
+                  <a:srgbClr val="000000"/>
+                </a:solidFill>
+                <a:latin typeface="Times New Roman"/>
+                <a:ea typeface="+mn-ea"/>
+              </a:rPr>
+              <a:t>48</a:t>
+            </a:fld>
+            <a:endParaRPr lang="pt-BR" sz="1200" b="0" strike="noStrike" spc="-1">
+              <a:latin typeface="Arial"/>
+            </a:endParaRPr>
+          </a:p>
+        </p:txBody>
+      </p:sp>
+    </p:spTree>
+    <p:extLst>
+      <p:ext uri="{BB962C8B-B14F-4D97-AF65-F5344CB8AC3E}">
+        <p14:creationId xmlns:p14="http://schemas.microsoft.com/office/powerpoint/2010/main" val="1792758557"/>
+      </p:ext>
+    </p:extLst>
+  </p:cSld>
+  <p:clrMapOvr>
+    <a:masterClrMapping/>
+  </p:clrMapOvr>
+</p:notes>
+</file>
+
+<file path=ppt/notesSlides/notesSlide49.xml><?xml version="1.0" encoding="utf-8"?>
+<p:notes xmlns:a="http://schemas.openxmlformats.org/drawingml/2006/main" xmlns:r="http://schemas.openxmlformats.org/officeDocument/2006/relationships" xmlns:p="http://schemas.openxmlformats.org/presentationml/2006/main">
+  <p:cSld>
+    <p:spTree>
+      <p:nvGrpSpPr>
+        <p:cNvPr id="1" name=""/>
+        <p:cNvGrpSpPr/>
+        <p:nvPr/>
+      </p:nvGrpSpPr>
+      <p:grpSpPr>
+        <a:xfrm>
+          <a:off x="0" y="0"/>
+          <a:ext cx="0" cy="0"/>
+          <a:chOff x="0" y="0"/>
+          <a:chExt cx="0" cy="0"/>
+        </a:xfrm>
+      </p:grpSpPr>
+      <p:sp>
+        <p:nvSpPr>
+          <p:cNvPr id="139" name="PlaceHolder 1"/>
+          <p:cNvSpPr>
+            <a:spLocks noGrp="1" noRot="1" noChangeAspect="1"/>
+          </p:cNvSpPr>
+          <p:nvPr>
+            <p:ph type="sldImg"/>
+          </p:nvPr>
+        </p:nvSpPr>
+        <p:spPr>
+          <a:xfrm>
+            <a:off x="685800" y="1143000"/>
+            <a:ext cx="5484813" cy="3084513"/>
+          </a:xfrm>
+          <a:prstGeom prst="rect">
+            <a:avLst/>
+          </a:prstGeom>
+        </p:spPr>
+      </p:sp>
+      <p:sp>
+        <p:nvSpPr>
+          <p:cNvPr id="140" name="PlaceHolder 2"/>
+          <p:cNvSpPr>
+            <a:spLocks noGrp="1"/>
+          </p:cNvSpPr>
+          <p:nvPr>
+            <p:ph type="body"/>
+          </p:nvPr>
+        </p:nvSpPr>
+        <p:spPr>
+          <a:xfrm>
+            <a:off x="685800" y="4400640"/>
+            <a:ext cx="5485320" cy="3599280"/>
+          </a:xfrm>
+          <a:prstGeom prst="rect">
+            <a:avLst/>
+          </a:prstGeom>
+        </p:spPr>
+        <p:txBody>
+          <a:bodyPr lIns="0" tIns="0" rIns="0" bIns="0">
+            <a:noAutofit/>
+          </a:bodyPr>
+          <a:lstStyle/>
+          <a:p>
+            <a:endParaRPr lang="pt-BR" sz="2000" b="0" strike="noStrike" spc="-1">
+              <a:latin typeface="Arial"/>
+            </a:endParaRPr>
+          </a:p>
+        </p:txBody>
+      </p:sp>
+      <p:sp>
+        <p:nvSpPr>
+          <p:cNvPr id="141" name="CustomShape 3"/>
+          <p:cNvSpPr/>
+          <p:nvPr/>
+        </p:nvSpPr>
+        <p:spPr>
+          <a:xfrm>
+            <a:off x="3884760" y="8685360"/>
+            <a:ext cx="2970720" cy="457560"/>
+          </a:xfrm>
+          <a:prstGeom prst="rect">
+            <a:avLst/>
+          </a:prstGeom>
+          <a:noFill/>
+          <a:ln>
+            <a:noFill/>
+          </a:ln>
+        </p:spPr>
+        <p:style>
+          <a:lnRef idx="0">
+            <a:scrgbClr r="0" g="0" b="0"/>
+          </a:lnRef>
+          <a:fillRef idx="0">
+            <a:scrgbClr r="0" g="0" b="0"/>
+          </a:fillRef>
+          <a:effectRef idx="0">
+            <a:scrgbClr r="0" g="0" b="0"/>
+          </a:effectRef>
+          <a:fontRef idx="minor"/>
+        </p:style>
+        <p:txBody>
+          <a:bodyPr lIns="90000" tIns="45000" rIns="90000" bIns="45000" anchor="b">
+            <a:noAutofit/>
+          </a:bodyPr>
+          <a:lstStyle/>
+          <a:p>
+            <a:pPr algn="r">
+              <a:lnSpc>
+                <a:spcPct val="100000"/>
+              </a:lnSpc>
+            </a:pPr>
             <a:fld id="{76541F3C-0A59-4F90-AFC6-6F0BC6A0EC2F}" type="slidenum">
               <a:rPr lang="pt-BR" sz="1200" b="0" strike="noStrike" spc="-1">
                 <a:solidFill>
@@ -5837,7 +6677,7 @@
                 </a:solidFill>
                 <a:latin typeface="Times New Roman"/>
               </a:rPr>
-              <a:t>43</a:t>
+              <a:t>49</a:t>
             </a:fld>
             <a:endParaRPr lang="pt-BR" sz="1200" b="0" strike="noStrike" spc="-1">
               <a:latin typeface="Arial"/>
@@ -10927,7 +11767,7 @@
     <mc:Choice Requires="p14">
       <p:transition spd="slow" p14:dur="2000" advTm="17000"/>
     </mc:Choice>
-    <mc:Fallback xmlns:p15="http://schemas.microsoft.com/office/powerpoint/2012/main" xmlns="">
+    <mc:Fallback xmlns="" xmlns:p15="http://schemas.microsoft.com/office/powerpoint/2012/main">
       <p:transition spd="slow" advTm="17000"/>
     </mc:Fallback>
   </mc:AlternateContent>
@@ -23348,6 +24188,2626 @@
 </file>
 
 <file path=ppt/slides/slide43.xml><?xml version="1.0" encoding="utf-8"?>
+<p:sld xmlns:a="http://schemas.openxmlformats.org/drawingml/2006/main" xmlns:r="http://schemas.openxmlformats.org/officeDocument/2006/relationships" xmlns:p="http://schemas.openxmlformats.org/presentationml/2006/main">
+  <p:cSld>
+    <p:spTree>
+      <p:nvGrpSpPr>
+        <p:cNvPr id="1" name=""/>
+        <p:cNvGrpSpPr/>
+        <p:nvPr/>
+      </p:nvGrpSpPr>
+      <p:grpSpPr>
+        <a:xfrm>
+          <a:off x="0" y="0"/>
+          <a:ext cx="0" cy="0"/>
+          <a:chOff x="0" y="0"/>
+          <a:chExt cx="0" cy="0"/>
+        </a:xfrm>
+      </p:grpSpPr>
+      <p:sp>
+        <p:nvSpPr>
+          <p:cNvPr id="98" name="CustomShape 1"/>
+          <p:cNvSpPr/>
+          <p:nvPr/>
+        </p:nvSpPr>
+        <p:spPr>
+          <a:xfrm>
+            <a:off x="0" y="224280"/>
+            <a:ext cx="12019320" cy="854640"/>
+          </a:xfrm>
+          <a:prstGeom prst="rect">
+            <a:avLst/>
+          </a:prstGeom>
+          <a:noFill/>
+          <a:ln>
+            <a:noFill/>
+          </a:ln>
+        </p:spPr>
+        <p:style>
+          <a:lnRef idx="0">
+            <a:scrgbClr r="0" g="0" b="0"/>
+          </a:lnRef>
+          <a:fillRef idx="0">
+            <a:scrgbClr r="0" g="0" b="0"/>
+          </a:fillRef>
+          <a:effectRef idx="0">
+            <a:scrgbClr r="0" g="0" b="0"/>
+          </a:effectRef>
+          <a:fontRef idx="minor"/>
+        </p:style>
+        <p:txBody>
+          <a:bodyPr lIns="90000" tIns="45000" rIns="90000" bIns="45000" anchor="ctr">
+            <a:noAutofit/>
+          </a:bodyPr>
+          <a:lstStyle/>
+          <a:p>
+            <a:pPr algn="ctr">
+              <a:lnSpc>
+                <a:spcPct val="90000"/>
+              </a:lnSpc>
+            </a:pPr>
+            <a:r>
+              <a:rPr lang="pt-BR" sz="5400" b="0" strike="noStrike" spc="-1" dirty="0">
+                <a:solidFill>
+                  <a:srgbClr val="1F4E79"/>
+                </a:solidFill>
+                <a:latin typeface="Arial"/>
+                <a:ea typeface="DejaVu Sans"/>
+              </a:rPr>
+              <a:t>Upload de arquivos</a:t>
+            </a:r>
+            <a:endParaRPr lang="pt-BR" sz="5400" b="0" strike="noStrike" spc="-1" dirty="0">
+              <a:latin typeface="Arial"/>
+            </a:endParaRPr>
+          </a:p>
+        </p:txBody>
+      </p:sp>
+      <p:sp>
+        <p:nvSpPr>
+          <p:cNvPr id="99" name="CustomShape 2"/>
+          <p:cNvSpPr/>
+          <p:nvPr/>
+        </p:nvSpPr>
+        <p:spPr>
+          <a:xfrm>
+            <a:off x="317520" y="1290960"/>
+            <a:ext cx="11701440" cy="4347360"/>
+          </a:xfrm>
+          <a:prstGeom prst="rect">
+            <a:avLst/>
+          </a:prstGeom>
+          <a:noFill/>
+          <a:ln>
+            <a:noFill/>
+          </a:ln>
+        </p:spPr>
+        <p:style>
+          <a:lnRef idx="0">
+            <a:scrgbClr r="0" g="0" b="0"/>
+          </a:lnRef>
+          <a:fillRef idx="0">
+            <a:scrgbClr r="0" g="0" b="0"/>
+          </a:fillRef>
+          <a:effectRef idx="0">
+            <a:scrgbClr r="0" g="0" b="0"/>
+          </a:effectRef>
+          <a:fontRef idx="minor"/>
+        </p:style>
+        <p:txBody>
+          <a:bodyPr lIns="90000" tIns="45000" rIns="90000" bIns="45000">
+            <a:normAutofit/>
+          </a:bodyPr>
+          <a:lstStyle/>
+          <a:p>
+            <a:pPr algn="ctr">
+              <a:lnSpc>
+                <a:spcPct val="100000"/>
+              </a:lnSpc>
+              <a:spcBef>
+                <a:spcPts val="1001"/>
+              </a:spcBef>
+              <a:spcAft>
+                <a:spcPts val="1001"/>
+              </a:spcAft>
+              <a:tabLst>
+                <a:tab pos="0" algn="l"/>
+              </a:tabLst>
+            </a:pPr>
+            <a:r>
+              <a:rPr lang="pt-BR" sz="3200" spc="-1" dirty="0">
+                <a:solidFill>
+                  <a:srgbClr val="1F4E79"/>
+                </a:solidFill>
+              </a:rPr>
+              <a:t>Podemos instalar os seguintes pacotes para submeter arquivos:</a:t>
+            </a:r>
+          </a:p>
+          <a:p>
+            <a:pPr algn="ctr">
+              <a:lnSpc>
+                <a:spcPct val="100000"/>
+              </a:lnSpc>
+              <a:spcBef>
+                <a:spcPts val="1001"/>
+              </a:spcBef>
+              <a:spcAft>
+                <a:spcPts val="1001"/>
+              </a:spcAft>
+              <a:tabLst>
+                <a:tab pos="0" algn="l"/>
+              </a:tabLst>
+            </a:pPr>
+            <a:r>
+              <a:rPr lang="nn-NO" sz="3200" spc="-1" dirty="0">
+                <a:solidFill>
+                  <a:srgbClr val="1F4E79"/>
+                </a:solidFill>
+                <a:latin typeface="Courier New" panose="02070309020205020404" pitchFamily="49" charset="0"/>
+                <a:cs typeface="Courier New" panose="02070309020205020404" pitchFamily="49" charset="0"/>
+              </a:rPr>
+              <a:t>yarn add material-ui-dropzone </a:t>
+            </a:r>
+            <a:r>
+              <a:rPr lang="pt-BR" sz="3200" spc="-1" dirty="0">
+                <a:solidFill>
+                  <a:srgbClr val="1F4E79"/>
+                </a:solidFill>
+                <a:latin typeface="Courier New" panose="02070309020205020404" pitchFamily="49" charset="0"/>
+                <a:cs typeface="Courier New" panose="02070309020205020404" pitchFamily="49" charset="0"/>
+              </a:rPr>
+              <a:t>material-ui-</a:t>
+            </a:r>
+            <a:r>
+              <a:rPr lang="pt-BR" sz="3200" spc="-1" dirty="0" err="1">
+                <a:solidFill>
+                  <a:srgbClr val="1F4E79"/>
+                </a:solidFill>
+                <a:latin typeface="Courier New" panose="02070309020205020404" pitchFamily="49" charset="0"/>
+                <a:cs typeface="Courier New" panose="02070309020205020404" pitchFamily="49" charset="0"/>
+              </a:rPr>
+              <a:t>icons</a:t>
+            </a:r>
+            <a:endParaRPr lang="nn-NO" sz="3200" spc="-1" dirty="0">
+              <a:solidFill>
+                <a:srgbClr val="1F4E79"/>
+              </a:solidFill>
+              <a:latin typeface="Courier New" panose="02070309020205020404" pitchFamily="49" charset="0"/>
+              <a:cs typeface="Courier New" panose="02070309020205020404" pitchFamily="49" charset="0"/>
+            </a:endParaRPr>
+          </a:p>
+          <a:p>
+            <a:pPr algn="ctr">
+              <a:lnSpc>
+                <a:spcPct val="100000"/>
+              </a:lnSpc>
+              <a:spcBef>
+                <a:spcPts val="1001"/>
+              </a:spcBef>
+              <a:spcAft>
+                <a:spcPts val="1001"/>
+              </a:spcAft>
+              <a:tabLst>
+                <a:tab pos="0" algn="l"/>
+              </a:tabLst>
+            </a:pPr>
+            <a:r>
+              <a:rPr lang="pt-BR" sz="3200" spc="-1" dirty="0" err="1">
+                <a:solidFill>
+                  <a:srgbClr val="1F4E79"/>
+                </a:solidFill>
+                <a:latin typeface="Courier New" panose="02070309020205020404" pitchFamily="49" charset="0"/>
+                <a:cs typeface="Courier New" panose="02070309020205020404" pitchFamily="49" charset="0"/>
+              </a:rPr>
+              <a:t>yarn</a:t>
+            </a:r>
+            <a:r>
+              <a:rPr lang="pt-BR" sz="3200" spc="-1" dirty="0">
+                <a:solidFill>
+                  <a:srgbClr val="1F4E79"/>
+                </a:solidFill>
+                <a:latin typeface="Courier New" panose="02070309020205020404" pitchFamily="49" charset="0"/>
+                <a:cs typeface="Courier New" panose="02070309020205020404" pitchFamily="49" charset="0"/>
+              </a:rPr>
+              <a:t> </a:t>
+            </a:r>
+            <a:r>
+              <a:rPr lang="pt-BR" sz="3200" spc="-1" dirty="0" err="1">
+                <a:solidFill>
+                  <a:srgbClr val="1F4E79"/>
+                </a:solidFill>
+                <a:latin typeface="Courier New" panose="02070309020205020404" pitchFamily="49" charset="0"/>
+                <a:cs typeface="Courier New" panose="02070309020205020404" pitchFamily="49" charset="0"/>
+              </a:rPr>
+              <a:t>add</a:t>
+            </a:r>
+            <a:r>
+              <a:rPr lang="pt-BR" sz="3200" spc="-1" dirty="0">
+                <a:solidFill>
+                  <a:srgbClr val="1F4E79"/>
+                </a:solidFill>
+                <a:latin typeface="Courier New" panose="02070309020205020404" pitchFamily="49" charset="0"/>
+                <a:cs typeface="Courier New" panose="02070309020205020404" pitchFamily="49" charset="0"/>
+              </a:rPr>
+              <a:t> -D @</a:t>
+            </a:r>
+            <a:r>
+              <a:rPr lang="pt-BR" sz="3200" spc="-1" dirty="0" err="1">
+                <a:solidFill>
+                  <a:srgbClr val="1F4E79"/>
+                </a:solidFill>
+                <a:latin typeface="Courier New" panose="02070309020205020404" pitchFamily="49" charset="0"/>
+                <a:cs typeface="Courier New" panose="02070309020205020404" pitchFamily="49" charset="0"/>
+              </a:rPr>
+              <a:t>types</a:t>
+            </a:r>
+            <a:r>
+              <a:rPr lang="pt-BR" sz="3200" spc="-1" dirty="0">
+                <a:solidFill>
+                  <a:srgbClr val="1F4E79"/>
+                </a:solidFill>
+                <a:latin typeface="Courier New" panose="02070309020205020404" pitchFamily="49" charset="0"/>
+                <a:cs typeface="Courier New" panose="02070309020205020404" pitchFamily="49" charset="0"/>
+              </a:rPr>
+              <a:t>/material-ui-</a:t>
+            </a:r>
+            <a:r>
+              <a:rPr lang="pt-BR" sz="3200" spc="-1" dirty="0" err="1">
+                <a:solidFill>
+                  <a:srgbClr val="1F4E79"/>
+                </a:solidFill>
+                <a:latin typeface="Courier New" panose="02070309020205020404" pitchFamily="49" charset="0"/>
+                <a:cs typeface="Courier New" panose="02070309020205020404" pitchFamily="49" charset="0"/>
+              </a:rPr>
+              <a:t>dropzone</a:t>
+            </a:r>
+            <a:r>
+              <a:rPr lang="en-US" sz="3200" spc="-1" dirty="0">
+                <a:solidFill>
+                  <a:srgbClr val="1F4E79"/>
+                </a:solidFill>
+                <a:latin typeface="Courier New" panose="02070309020205020404" pitchFamily="49" charset="0"/>
+                <a:cs typeface="Courier New" panose="02070309020205020404" pitchFamily="49" charset="0"/>
+              </a:rPr>
+              <a:t> @types/material-</a:t>
+            </a:r>
+            <a:r>
+              <a:rPr lang="en-US" sz="3200" spc="-1" dirty="0" err="1">
+                <a:solidFill>
+                  <a:srgbClr val="1F4E79"/>
+                </a:solidFill>
+                <a:latin typeface="Courier New" panose="02070309020205020404" pitchFamily="49" charset="0"/>
+                <a:cs typeface="Courier New" panose="02070309020205020404" pitchFamily="49" charset="0"/>
+              </a:rPr>
+              <a:t>ui</a:t>
+            </a:r>
+            <a:r>
+              <a:rPr lang="en-US" sz="3200" spc="-1" dirty="0">
+                <a:solidFill>
+                  <a:srgbClr val="1F4E79"/>
+                </a:solidFill>
+                <a:latin typeface="Courier New" panose="02070309020205020404" pitchFamily="49" charset="0"/>
+                <a:cs typeface="Courier New" panose="02070309020205020404" pitchFamily="49" charset="0"/>
+              </a:rPr>
+              <a:t>-icons</a:t>
+            </a:r>
+          </a:p>
+          <a:p>
+            <a:pPr algn="ctr">
+              <a:lnSpc>
+                <a:spcPct val="100000"/>
+              </a:lnSpc>
+              <a:spcBef>
+                <a:spcPts val="1001"/>
+              </a:spcBef>
+              <a:spcAft>
+                <a:spcPts val="1001"/>
+              </a:spcAft>
+              <a:tabLst>
+                <a:tab pos="0" algn="l"/>
+              </a:tabLst>
+            </a:pPr>
+            <a:r>
+              <a:rPr lang="pt-BR" sz="3200" spc="-1" dirty="0" err="1">
+                <a:solidFill>
+                  <a:srgbClr val="1F4E79"/>
+                </a:solidFill>
+                <a:latin typeface="Courier New" panose="02070309020205020404" pitchFamily="49" charset="0"/>
+                <a:cs typeface="Courier New" panose="02070309020205020404" pitchFamily="49" charset="0"/>
+              </a:rPr>
+              <a:t>yarn</a:t>
+            </a:r>
+            <a:r>
+              <a:rPr lang="pt-BR" sz="3200" spc="-1" dirty="0">
+                <a:solidFill>
+                  <a:srgbClr val="1F4E79"/>
+                </a:solidFill>
+                <a:latin typeface="Courier New" panose="02070309020205020404" pitchFamily="49" charset="0"/>
+                <a:cs typeface="Courier New" panose="02070309020205020404" pitchFamily="49" charset="0"/>
+              </a:rPr>
+              <a:t> </a:t>
+            </a:r>
+            <a:r>
+              <a:rPr lang="pt-BR" sz="3200" spc="-1" dirty="0" err="1">
+                <a:solidFill>
+                  <a:srgbClr val="1F4E79"/>
+                </a:solidFill>
+                <a:latin typeface="Courier New" panose="02070309020205020404" pitchFamily="49" charset="0"/>
+                <a:cs typeface="Courier New" panose="02070309020205020404" pitchFamily="49" charset="0"/>
+              </a:rPr>
+              <a:t>add</a:t>
+            </a:r>
+            <a:r>
+              <a:rPr lang="pt-BR" sz="3200" spc="-1" dirty="0">
+                <a:solidFill>
+                  <a:srgbClr val="1F4E79"/>
+                </a:solidFill>
+                <a:latin typeface="Courier New" panose="02070309020205020404" pitchFamily="49" charset="0"/>
+                <a:cs typeface="Courier New" panose="02070309020205020404" pitchFamily="49" charset="0"/>
+              </a:rPr>
+              <a:t> @material-ui/core @material-ui/</a:t>
+            </a:r>
+            <a:r>
+              <a:rPr lang="pt-BR" sz="3200" spc="-1" dirty="0" err="1">
+                <a:solidFill>
+                  <a:srgbClr val="1F4E79"/>
+                </a:solidFill>
+                <a:latin typeface="Courier New" panose="02070309020205020404" pitchFamily="49" charset="0"/>
+                <a:cs typeface="Courier New" panose="02070309020205020404" pitchFamily="49" charset="0"/>
+              </a:rPr>
+              <a:t>icons</a:t>
+            </a:r>
+            <a:endParaRPr lang="pt-BR" sz="3200" spc="-1" dirty="0">
+              <a:solidFill>
+                <a:srgbClr val="1F4E79"/>
+              </a:solidFill>
+              <a:latin typeface="Courier New" panose="02070309020205020404" pitchFamily="49" charset="0"/>
+              <a:cs typeface="Courier New" panose="02070309020205020404" pitchFamily="49" charset="0"/>
+            </a:endParaRPr>
+          </a:p>
+        </p:txBody>
+      </p:sp>
+    </p:spTree>
+    <p:extLst>
+      <p:ext uri="{BB962C8B-B14F-4D97-AF65-F5344CB8AC3E}">
+        <p14:creationId xmlns:p14="http://schemas.microsoft.com/office/powerpoint/2010/main" val="450660802"/>
+      </p:ext>
+    </p:extLst>
+  </p:cSld>
+  <p:clrMapOvr>
+    <a:masterClrMapping/>
+  </p:clrMapOvr>
+</p:sld>
+</file>
+
+<file path=ppt/slides/slide44.xml><?xml version="1.0" encoding="utf-8"?>
+<p:sld xmlns:a="http://schemas.openxmlformats.org/drawingml/2006/main" xmlns:r="http://schemas.openxmlformats.org/officeDocument/2006/relationships" xmlns:p="http://schemas.openxmlformats.org/presentationml/2006/main">
+  <p:cSld>
+    <p:spTree>
+      <p:nvGrpSpPr>
+        <p:cNvPr id="1" name=""/>
+        <p:cNvGrpSpPr/>
+        <p:nvPr/>
+      </p:nvGrpSpPr>
+      <p:grpSpPr>
+        <a:xfrm>
+          <a:off x="0" y="0"/>
+          <a:ext cx="0" cy="0"/>
+          <a:chOff x="0" y="0"/>
+          <a:chExt cx="0" cy="0"/>
+        </a:xfrm>
+      </p:grpSpPr>
+      <p:sp>
+        <p:nvSpPr>
+          <p:cNvPr id="98" name="CustomShape 1"/>
+          <p:cNvSpPr/>
+          <p:nvPr/>
+        </p:nvSpPr>
+        <p:spPr>
+          <a:xfrm>
+            <a:off x="0" y="224280"/>
+            <a:ext cx="12019320" cy="854640"/>
+          </a:xfrm>
+          <a:prstGeom prst="rect">
+            <a:avLst/>
+          </a:prstGeom>
+          <a:noFill/>
+          <a:ln>
+            <a:noFill/>
+          </a:ln>
+        </p:spPr>
+        <p:style>
+          <a:lnRef idx="0">
+            <a:scrgbClr r="0" g="0" b="0"/>
+          </a:lnRef>
+          <a:fillRef idx="0">
+            <a:scrgbClr r="0" g="0" b="0"/>
+          </a:fillRef>
+          <a:effectRef idx="0">
+            <a:scrgbClr r="0" g="0" b="0"/>
+          </a:effectRef>
+          <a:fontRef idx="minor"/>
+        </p:style>
+        <p:txBody>
+          <a:bodyPr lIns="90000" tIns="45000" rIns="90000" bIns="45000" anchor="ctr">
+            <a:noAutofit/>
+          </a:bodyPr>
+          <a:lstStyle/>
+          <a:p>
+            <a:pPr algn="ctr">
+              <a:lnSpc>
+                <a:spcPct val="90000"/>
+              </a:lnSpc>
+            </a:pPr>
+            <a:r>
+              <a:rPr lang="pt-BR" sz="5400" b="0" strike="noStrike" spc="-1" dirty="0">
+                <a:solidFill>
+                  <a:srgbClr val="1F4E79"/>
+                </a:solidFill>
+                <a:latin typeface="Arial"/>
+                <a:ea typeface="DejaVu Sans"/>
+              </a:rPr>
+              <a:t>Upload de arquivos</a:t>
+            </a:r>
+            <a:endParaRPr lang="pt-BR" sz="5400" b="0" strike="noStrike" spc="-1" dirty="0">
+              <a:latin typeface="Arial"/>
+            </a:endParaRPr>
+          </a:p>
+        </p:txBody>
+      </p:sp>
+      <p:sp>
+        <p:nvSpPr>
+          <p:cNvPr id="99" name="CustomShape 2"/>
+          <p:cNvSpPr/>
+          <p:nvPr/>
+        </p:nvSpPr>
+        <p:spPr>
+          <a:xfrm>
+            <a:off x="317520" y="1290960"/>
+            <a:ext cx="11701440" cy="4347360"/>
+          </a:xfrm>
+          <a:prstGeom prst="rect">
+            <a:avLst/>
+          </a:prstGeom>
+          <a:noFill/>
+          <a:ln>
+            <a:noFill/>
+          </a:ln>
+        </p:spPr>
+        <p:style>
+          <a:lnRef idx="0">
+            <a:scrgbClr r="0" g="0" b="0"/>
+          </a:lnRef>
+          <a:fillRef idx="0">
+            <a:scrgbClr r="0" g="0" b="0"/>
+          </a:fillRef>
+          <a:effectRef idx="0">
+            <a:scrgbClr r="0" g="0" b="0"/>
+          </a:effectRef>
+          <a:fontRef idx="minor"/>
+        </p:style>
+        <p:txBody>
+          <a:bodyPr lIns="90000" tIns="45000" rIns="90000" bIns="45000">
+            <a:normAutofit fontScale="70000" lnSpcReduction="20000"/>
+          </a:bodyPr>
+          <a:lstStyle/>
+          <a:p>
+            <a:pPr algn="ctr">
+              <a:lnSpc>
+                <a:spcPct val="100000"/>
+              </a:lnSpc>
+              <a:spcBef>
+                <a:spcPts val="1001"/>
+              </a:spcBef>
+              <a:spcAft>
+                <a:spcPts val="1001"/>
+              </a:spcAft>
+              <a:tabLst>
+                <a:tab pos="0" algn="l"/>
+              </a:tabLst>
+            </a:pPr>
+            <a:r>
+              <a:rPr lang="pt-BR" sz="3200" spc="-1" dirty="0">
+                <a:solidFill>
+                  <a:srgbClr val="1F4E79"/>
+                </a:solidFill>
+              </a:rPr>
+              <a:t>Segue um exemplo de como utilizar o componente </a:t>
+            </a:r>
+            <a:r>
+              <a:rPr lang="pt-BR" sz="3200" spc="-1" dirty="0">
+                <a:solidFill>
+                  <a:srgbClr val="1F4E79"/>
+                </a:solidFill>
+                <a:latin typeface="Courier New" panose="02070309020205020404" pitchFamily="49" charset="0"/>
+                <a:cs typeface="Courier New" panose="02070309020205020404" pitchFamily="49" charset="0"/>
+              </a:rPr>
+              <a:t>&lt;</a:t>
+            </a:r>
+            <a:r>
+              <a:rPr lang="nn-NO" sz="3200" spc="-1" dirty="0">
+                <a:solidFill>
+                  <a:srgbClr val="1F4E79"/>
+                </a:solidFill>
+                <a:latin typeface="Courier New" panose="02070309020205020404" pitchFamily="49" charset="0"/>
+                <a:cs typeface="Courier New" panose="02070309020205020404" pitchFamily="49" charset="0"/>
+              </a:rPr>
+              <a:t>DropzoneArea</a:t>
+            </a:r>
+            <a:r>
+              <a:rPr lang="pt-BR" sz="3200" spc="-1" dirty="0">
+                <a:solidFill>
+                  <a:srgbClr val="1F4E79"/>
+                </a:solidFill>
+                <a:latin typeface="Courier New" panose="02070309020205020404" pitchFamily="49" charset="0"/>
+                <a:cs typeface="Courier New" panose="02070309020205020404" pitchFamily="49" charset="0"/>
+              </a:rPr>
+              <a:t>&gt;</a:t>
+            </a:r>
+            <a:r>
+              <a:rPr lang="pt-BR" sz="3200" spc="-1" dirty="0">
+                <a:solidFill>
+                  <a:srgbClr val="1F4E79"/>
+                </a:solidFill>
+              </a:rPr>
+              <a:t>:</a:t>
+            </a:r>
+          </a:p>
+          <a:p>
+            <a:pPr>
+              <a:lnSpc>
+                <a:spcPct val="100000"/>
+              </a:lnSpc>
+              <a:spcBef>
+                <a:spcPts val="1001"/>
+              </a:spcBef>
+              <a:spcAft>
+                <a:spcPts val="1001"/>
+              </a:spcAft>
+              <a:tabLst>
+                <a:tab pos="0" algn="l"/>
+              </a:tabLst>
+            </a:pPr>
+            <a:r>
+              <a:rPr lang="nn-NO" sz="3200" spc="-1" dirty="0">
+                <a:solidFill>
+                  <a:srgbClr val="1F4E79"/>
+                </a:solidFill>
+                <a:latin typeface="Courier New" panose="02070309020205020404" pitchFamily="49" charset="0"/>
+                <a:cs typeface="Courier New" panose="02070309020205020404" pitchFamily="49" charset="0"/>
+              </a:rPr>
+              <a:t>&lt;DropzoneArea</a:t>
+            </a:r>
+          </a:p>
+          <a:p>
+            <a:pPr>
+              <a:lnSpc>
+                <a:spcPct val="100000"/>
+              </a:lnSpc>
+              <a:spcBef>
+                <a:spcPts val="1001"/>
+              </a:spcBef>
+              <a:spcAft>
+                <a:spcPts val="1001"/>
+              </a:spcAft>
+              <a:tabLst>
+                <a:tab pos="0" algn="l"/>
+              </a:tabLst>
+            </a:pPr>
+            <a:r>
+              <a:rPr lang="nn-NO" sz="3200" spc="-1" dirty="0">
+                <a:solidFill>
+                  <a:srgbClr val="1F4E79"/>
+                </a:solidFill>
+                <a:latin typeface="Courier New" panose="02070309020205020404" pitchFamily="49" charset="0"/>
+                <a:cs typeface="Courier New" panose="02070309020205020404" pitchFamily="49" charset="0"/>
+              </a:rPr>
+              <a:t>		dropzoneText="Arraste um arquivo ou clique para adicionar"</a:t>
+            </a:r>
+          </a:p>
+          <a:p>
+            <a:pPr>
+              <a:lnSpc>
+                <a:spcPct val="100000"/>
+              </a:lnSpc>
+              <a:spcBef>
+                <a:spcPts val="1001"/>
+              </a:spcBef>
+              <a:spcAft>
+                <a:spcPts val="1001"/>
+              </a:spcAft>
+              <a:tabLst>
+                <a:tab pos="0" algn="l"/>
+              </a:tabLst>
+            </a:pPr>
+            <a:r>
+              <a:rPr lang="nn-NO" sz="3200" spc="-1" dirty="0">
+                <a:solidFill>
+                  <a:srgbClr val="1F4E79"/>
+                </a:solidFill>
+                <a:latin typeface="Courier New" panose="02070309020205020404" pitchFamily="49" charset="0"/>
+                <a:cs typeface="Courier New" panose="02070309020205020404" pitchFamily="49" charset="0"/>
+              </a:rPr>
+              <a:t>		acceptedFiles={['image/*’]}</a:t>
+            </a:r>
+          </a:p>
+          <a:p>
+            <a:pPr>
+              <a:lnSpc>
+                <a:spcPct val="100000"/>
+              </a:lnSpc>
+              <a:spcBef>
+                <a:spcPts val="1001"/>
+              </a:spcBef>
+              <a:spcAft>
+                <a:spcPts val="1001"/>
+              </a:spcAft>
+              <a:tabLst>
+                <a:tab pos="0" algn="l"/>
+              </a:tabLst>
+            </a:pPr>
+            <a:r>
+              <a:rPr lang="nn-NO" sz="3200" spc="-1" dirty="0">
+                <a:solidFill>
+                  <a:srgbClr val="1F4E79"/>
+                </a:solidFill>
+                <a:latin typeface="Courier New" panose="02070309020205020404" pitchFamily="49" charset="0"/>
+                <a:cs typeface="Courier New" panose="02070309020205020404" pitchFamily="49" charset="0"/>
+              </a:rPr>
+              <a:t>		filesLimit={1}</a:t>
+            </a:r>
+          </a:p>
+          <a:p>
+            <a:pPr>
+              <a:lnSpc>
+                <a:spcPct val="100000"/>
+              </a:lnSpc>
+              <a:spcBef>
+                <a:spcPts val="1001"/>
+              </a:spcBef>
+              <a:spcAft>
+                <a:spcPts val="1001"/>
+              </a:spcAft>
+              <a:tabLst>
+                <a:tab pos="0" algn="l"/>
+              </a:tabLst>
+            </a:pPr>
+            <a:r>
+              <a:rPr lang="nn-NO" sz="3200" spc="-1" dirty="0">
+                <a:solidFill>
+                  <a:srgbClr val="1F4E79"/>
+                </a:solidFill>
+                <a:latin typeface="Courier New" panose="02070309020205020404" pitchFamily="49" charset="0"/>
+                <a:cs typeface="Courier New" panose="02070309020205020404" pitchFamily="49" charset="0"/>
+              </a:rPr>
+              <a:t>		onChange={(files) =&gt; setFile(files[0])}</a:t>
+            </a:r>
+          </a:p>
+          <a:p>
+            <a:pPr>
+              <a:lnSpc>
+                <a:spcPct val="100000"/>
+              </a:lnSpc>
+              <a:spcBef>
+                <a:spcPts val="1001"/>
+              </a:spcBef>
+              <a:spcAft>
+                <a:spcPts val="1001"/>
+              </a:spcAft>
+              <a:tabLst>
+                <a:tab pos="0" algn="l"/>
+              </a:tabLst>
+            </a:pPr>
+            <a:r>
+              <a:rPr lang="nn-NO" sz="3200" spc="-1" dirty="0">
+                <a:solidFill>
+                  <a:srgbClr val="1F4E79"/>
+                </a:solidFill>
+                <a:latin typeface="Courier New" panose="02070309020205020404" pitchFamily="49" charset="0"/>
+                <a:cs typeface="Courier New" panose="02070309020205020404" pitchFamily="49" charset="0"/>
+              </a:rPr>
+              <a:t>		maxFileSize={5000000}</a:t>
+            </a:r>
+          </a:p>
+          <a:p>
+            <a:pPr>
+              <a:lnSpc>
+                <a:spcPct val="100000"/>
+              </a:lnSpc>
+              <a:spcBef>
+                <a:spcPts val="1001"/>
+              </a:spcBef>
+              <a:spcAft>
+                <a:spcPts val="1001"/>
+              </a:spcAft>
+              <a:tabLst>
+                <a:tab pos="0" algn="l"/>
+              </a:tabLst>
+            </a:pPr>
+            <a:r>
+              <a:rPr lang="nn-NO" sz="3200" spc="-1" dirty="0">
+                <a:solidFill>
+                  <a:srgbClr val="1F4E79"/>
+                </a:solidFill>
+                <a:latin typeface="Courier New" panose="02070309020205020404" pitchFamily="49" charset="0"/>
+                <a:cs typeface="Courier New" panose="02070309020205020404" pitchFamily="49" charset="0"/>
+              </a:rPr>
+              <a:t>/&gt;</a:t>
+            </a:r>
+            <a:endParaRPr lang="pt-BR" sz="3200" spc="-1" dirty="0">
+              <a:solidFill>
+                <a:srgbClr val="1F4E79"/>
+              </a:solidFill>
+              <a:latin typeface="Courier New" panose="02070309020205020404" pitchFamily="49" charset="0"/>
+              <a:cs typeface="Courier New" panose="02070309020205020404" pitchFamily="49" charset="0"/>
+            </a:endParaRPr>
+          </a:p>
+        </p:txBody>
+      </p:sp>
+    </p:spTree>
+    <p:extLst>
+      <p:ext uri="{BB962C8B-B14F-4D97-AF65-F5344CB8AC3E}">
+        <p14:creationId xmlns:p14="http://schemas.microsoft.com/office/powerpoint/2010/main" val="751716766"/>
+      </p:ext>
+    </p:extLst>
+  </p:cSld>
+  <p:clrMapOvr>
+    <a:masterClrMapping/>
+  </p:clrMapOvr>
+</p:sld>
+</file>
+
+<file path=ppt/slides/slide45.xml><?xml version="1.0" encoding="utf-8"?>
+<p:sld xmlns:a="http://schemas.openxmlformats.org/drawingml/2006/main" xmlns:r="http://schemas.openxmlformats.org/officeDocument/2006/relationships" xmlns:p="http://schemas.openxmlformats.org/presentationml/2006/main">
+  <p:cSld>
+    <p:spTree>
+      <p:nvGrpSpPr>
+        <p:cNvPr id="1" name=""/>
+        <p:cNvGrpSpPr/>
+        <p:nvPr/>
+      </p:nvGrpSpPr>
+      <p:grpSpPr>
+        <a:xfrm>
+          <a:off x="0" y="0"/>
+          <a:ext cx="0" cy="0"/>
+          <a:chOff x="0" y="0"/>
+          <a:chExt cx="0" cy="0"/>
+        </a:xfrm>
+      </p:grpSpPr>
+      <p:sp>
+        <p:nvSpPr>
+          <p:cNvPr id="98" name="CustomShape 1"/>
+          <p:cNvSpPr/>
+          <p:nvPr/>
+        </p:nvSpPr>
+        <p:spPr>
+          <a:xfrm>
+            <a:off x="0" y="224280"/>
+            <a:ext cx="12019320" cy="854640"/>
+          </a:xfrm>
+          <a:prstGeom prst="rect">
+            <a:avLst/>
+          </a:prstGeom>
+          <a:noFill/>
+          <a:ln>
+            <a:noFill/>
+          </a:ln>
+        </p:spPr>
+        <p:style>
+          <a:lnRef idx="0">
+            <a:scrgbClr r="0" g="0" b="0"/>
+          </a:lnRef>
+          <a:fillRef idx="0">
+            <a:scrgbClr r="0" g="0" b="0"/>
+          </a:fillRef>
+          <a:effectRef idx="0">
+            <a:scrgbClr r="0" g="0" b="0"/>
+          </a:effectRef>
+          <a:fontRef idx="minor"/>
+        </p:style>
+        <p:txBody>
+          <a:bodyPr lIns="90000" tIns="45000" rIns="90000" bIns="45000" anchor="ctr">
+            <a:noAutofit/>
+          </a:bodyPr>
+          <a:lstStyle/>
+          <a:p>
+            <a:pPr algn="ctr">
+              <a:lnSpc>
+                <a:spcPct val="90000"/>
+              </a:lnSpc>
+            </a:pPr>
+            <a:r>
+              <a:rPr lang="pt-BR" sz="5400" b="0" strike="noStrike" spc="-1" dirty="0">
+                <a:solidFill>
+                  <a:srgbClr val="1F4E79"/>
+                </a:solidFill>
+                <a:latin typeface="Arial"/>
+                <a:ea typeface="DejaVu Sans"/>
+              </a:rPr>
+              <a:t>Upload de arquivos</a:t>
+            </a:r>
+            <a:endParaRPr lang="pt-BR" sz="5400" b="0" strike="noStrike" spc="-1" dirty="0">
+              <a:latin typeface="Arial"/>
+            </a:endParaRPr>
+          </a:p>
+        </p:txBody>
+      </p:sp>
+      <p:sp>
+        <p:nvSpPr>
+          <p:cNvPr id="99" name="CustomShape 2"/>
+          <p:cNvSpPr/>
+          <p:nvPr/>
+        </p:nvSpPr>
+        <p:spPr>
+          <a:xfrm>
+            <a:off x="317520" y="1290960"/>
+            <a:ext cx="11701440" cy="4347360"/>
+          </a:xfrm>
+          <a:prstGeom prst="rect">
+            <a:avLst/>
+          </a:prstGeom>
+          <a:noFill/>
+          <a:ln>
+            <a:noFill/>
+          </a:ln>
+        </p:spPr>
+        <p:style>
+          <a:lnRef idx="0">
+            <a:scrgbClr r="0" g="0" b="0"/>
+          </a:lnRef>
+          <a:fillRef idx="0">
+            <a:scrgbClr r="0" g="0" b="0"/>
+          </a:fillRef>
+          <a:effectRef idx="0">
+            <a:scrgbClr r="0" g="0" b="0"/>
+          </a:effectRef>
+          <a:fontRef idx="minor"/>
+        </p:style>
+        <p:txBody>
+          <a:bodyPr lIns="90000" tIns="45000" rIns="90000" bIns="45000">
+            <a:normAutofit/>
+          </a:bodyPr>
+          <a:lstStyle/>
+          <a:p>
+            <a:pPr algn="ctr">
+              <a:lnSpc>
+                <a:spcPct val="100000"/>
+              </a:lnSpc>
+              <a:spcBef>
+                <a:spcPts val="1001"/>
+              </a:spcBef>
+              <a:spcAft>
+                <a:spcPts val="1001"/>
+              </a:spcAft>
+              <a:tabLst>
+                <a:tab pos="0" algn="l"/>
+              </a:tabLst>
+            </a:pPr>
+            <a:r>
+              <a:rPr lang="pt-BR" sz="3200" spc="-1" dirty="0">
+                <a:solidFill>
+                  <a:srgbClr val="1F4E79"/>
+                </a:solidFill>
+              </a:rPr>
+              <a:t>Onde as propriedades:</a:t>
+            </a:r>
+          </a:p>
+          <a:p>
+            <a:pPr marL="457200" indent="-457200">
+              <a:lnSpc>
+                <a:spcPct val="100000"/>
+              </a:lnSpc>
+              <a:spcBef>
+                <a:spcPts val="1001"/>
+              </a:spcBef>
+              <a:spcAft>
+                <a:spcPts val="1001"/>
+              </a:spcAft>
+              <a:buFont typeface="Arial" panose="020B0604020202020204" pitchFamily="34" charset="0"/>
+              <a:buChar char="•"/>
+              <a:tabLst>
+                <a:tab pos="0" algn="l"/>
+              </a:tabLst>
+            </a:pPr>
+            <a:r>
+              <a:rPr lang="nn-NO" sz="3200" spc="-1" dirty="0">
+                <a:solidFill>
+                  <a:srgbClr val="1F4E79"/>
+                </a:solidFill>
+                <a:latin typeface="Courier New" panose="02070309020205020404" pitchFamily="49" charset="0"/>
+                <a:cs typeface="Courier New" panose="02070309020205020404" pitchFamily="49" charset="0"/>
+              </a:rPr>
+              <a:t>acceptedFiles</a:t>
+            </a:r>
+            <a:r>
+              <a:rPr lang="nn-NO" sz="3200" spc="-1" dirty="0">
+                <a:solidFill>
+                  <a:srgbClr val="1F4E79"/>
+                </a:solidFill>
+                <a:cs typeface="Courier New" panose="02070309020205020404" pitchFamily="49" charset="0"/>
+              </a:rPr>
+              <a:t>: indica o tipo de arquivo aceito;</a:t>
+            </a:r>
+          </a:p>
+          <a:p>
+            <a:pPr marL="457200" indent="-457200">
+              <a:lnSpc>
+                <a:spcPct val="100000"/>
+              </a:lnSpc>
+              <a:spcBef>
+                <a:spcPts val="1001"/>
+              </a:spcBef>
+              <a:spcAft>
+                <a:spcPts val="1001"/>
+              </a:spcAft>
+              <a:buFont typeface="Arial" panose="020B0604020202020204" pitchFamily="34" charset="0"/>
+              <a:buChar char="•"/>
+              <a:tabLst>
+                <a:tab pos="0" algn="l"/>
+              </a:tabLst>
+            </a:pPr>
+            <a:r>
+              <a:rPr lang="nn-NO" sz="3200" spc="-1" dirty="0">
+                <a:solidFill>
+                  <a:srgbClr val="1F4E79"/>
+                </a:solidFill>
+                <a:latin typeface="Courier New" panose="02070309020205020404" pitchFamily="49" charset="0"/>
+                <a:cs typeface="Courier New" panose="02070309020205020404" pitchFamily="49" charset="0"/>
+              </a:rPr>
+              <a:t>filesLimit</a:t>
+            </a:r>
+            <a:r>
+              <a:rPr lang="nn-NO" sz="3200" spc="-1" dirty="0">
+                <a:solidFill>
+                  <a:srgbClr val="1F4E79"/>
+                </a:solidFill>
+                <a:cs typeface="Courier New" panose="02070309020205020404" pitchFamily="49" charset="0"/>
+              </a:rPr>
+              <a:t> : indica a quantidade de arquivos aceita; e</a:t>
+            </a:r>
+            <a:endParaRPr lang="nn-NO" sz="3200" spc="-1" dirty="0">
+              <a:solidFill>
+                <a:srgbClr val="1F4E79"/>
+              </a:solidFill>
+              <a:latin typeface="Courier New" panose="02070309020205020404" pitchFamily="49" charset="0"/>
+              <a:cs typeface="Courier New" panose="02070309020205020404" pitchFamily="49" charset="0"/>
+            </a:endParaRPr>
+          </a:p>
+          <a:p>
+            <a:pPr marL="457200" indent="-457200">
+              <a:lnSpc>
+                <a:spcPct val="100000"/>
+              </a:lnSpc>
+              <a:spcBef>
+                <a:spcPts val="1001"/>
+              </a:spcBef>
+              <a:spcAft>
+                <a:spcPts val="1001"/>
+              </a:spcAft>
+              <a:buFont typeface="Arial" panose="020B0604020202020204" pitchFamily="34" charset="0"/>
+              <a:buChar char="•"/>
+              <a:tabLst>
+                <a:tab pos="0" algn="l"/>
+              </a:tabLst>
+            </a:pPr>
+            <a:r>
+              <a:rPr lang="nn-NO" sz="3200" spc="-1" dirty="0">
+                <a:solidFill>
+                  <a:srgbClr val="1F4E79"/>
+                </a:solidFill>
+                <a:latin typeface="Courier New" panose="02070309020205020404" pitchFamily="49" charset="0"/>
+                <a:cs typeface="Courier New" panose="02070309020205020404" pitchFamily="49" charset="0"/>
+              </a:rPr>
+              <a:t>maxFileSize</a:t>
+            </a:r>
+            <a:r>
+              <a:rPr lang="nn-NO" sz="3200" spc="-1" dirty="0">
+                <a:solidFill>
+                  <a:srgbClr val="1F4E79"/>
+                </a:solidFill>
+                <a:cs typeface="Courier New" panose="02070309020205020404" pitchFamily="49" charset="0"/>
+              </a:rPr>
+              <a:t> : indica o tamanho máximo de arquivo aceito, em bytes.</a:t>
+            </a:r>
+            <a:endParaRPr lang="pt-BR" sz="3200" spc="-1" dirty="0">
+              <a:solidFill>
+                <a:srgbClr val="1F4E79"/>
+              </a:solidFill>
+              <a:latin typeface="Courier New" panose="02070309020205020404" pitchFamily="49" charset="0"/>
+              <a:cs typeface="Courier New" panose="02070309020205020404" pitchFamily="49" charset="0"/>
+            </a:endParaRPr>
+          </a:p>
+        </p:txBody>
+      </p:sp>
+    </p:spTree>
+    <p:extLst>
+      <p:ext uri="{BB962C8B-B14F-4D97-AF65-F5344CB8AC3E}">
+        <p14:creationId xmlns:p14="http://schemas.microsoft.com/office/powerpoint/2010/main" val="2342313439"/>
+      </p:ext>
+    </p:extLst>
+  </p:cSld>
+  <p:clrMapOvr>
+    <a:masterClrMapping/>
+  </p:clrMapOvr>
+</p:sld>
+</file>
+
+<file path=ppt/slides/slide46.xml><?xml version="1.0" encoding="utf-8"?>
+<p:sld xmlns:a="http://schemas.openxmlformats.org/drawingml/2006/main" xmlns:r="http://schemas.openxmlformats.org/officeDocument/2006/relationships" xmlns:p="http://schemas.openxmlformats.org/presentationml/2006/main">
+  <p:cSld>
+    <p:spTree>
+      <p:nvGrpSpPr>
+        <p:cNvPr id="1" name=""/>
+        <p:cNvGrpSpPr/>
+        <p:nvPr/>
+      </p:nvGrpSpPr>
+      <p:grpSpPr>
+        <a:xfrm>
+          <a:off x="0" y="0"/>
+          <a:ext cx="0" cy="0"/>
+          <a:chOff x="0" y="0"/>
+          <a:chExt cx="0" cy="0"/>
+        </a:xfrm>
+      </p:grpSpPr>
+      <p:sp>
+        <p:nvSpPr>
+          <p:cNvPr id="98" name="CustomShape 1"/>
+          <p:cNvSpPr/>
+          <p:nvPr/>
+        </p:nvSpPr>
+        <p:spPr>
+          <a:xfrm>
+            <a:off x="0" y="224280"/>
+            <a:ext cx="12019320" cy="854640"/>
+          </a:xfrm>
+          <a:prstGeom prst="rect">
+            <a:avLst/>
+          </a:prstGeom>
+          <a:noFill/>
+          <a:ln>
+            <a:noFill/>
+          </a:ln>
+        </p:spPr>
+        <p:style>
+          <a:lnRef idx="0">
+            <a:scrgbClr r="0" g="0" b="0"/>
+          </a:lnRef>
+          <a:fillRef idx="0">
+            <a:scrgbClr r="0" g="0" b="0"/>
+          </a:fillRef>
+          <a:effectRef idx="0">
+            <a:scrgbClr r="0" g="0" b="0"/>
+          </a:effectRef>
+          <a:fontRef idx="minor"/>
+        </p:style>
+        <p:txBody>
+          <a:bodyPr lIns="90000" tIns="45000" rIns="90000" bIns="45000" anchor="ctr">
+            <a:noAutofit/>
+          </a:bodyPr>
+          <a:lstStyle/>
+          <a:p>
+            <a:pPr algn="ctr">
+              <a:lnSpc>
+                <a:spcPct val="90000"/>
+              </a:lnSpc>
+            </a:pPr>
+            <a:r>
+              <a:rPr lang="pt-BR" sz="5400" b="0" strike="noStrike" spc="-1" dirty="0">
+                <a:solidFill>
+                  <a:srgbClr val="1F4E79"/>
+                </a:solidFill>
+                <a:latin typeface="Arial"/>
+                <a:ea typeface="DejaVu Sans"/>
+              </a:rPr>
+              <a:t>Upload de arquivos</a:t>
+            </a:r>
+            <a:endParaRPr lang="pt-BR" sz="5400" b="0" strike="noStrike" spc="-1" dirty="0">
+              <a:latin typeface="Arial"/>
+            </a:endParaRPr>
+          </a:p>
+        </p:txBody>
+      </p:sp>
+      <p:sp>
+        <p:nvSpPr>
+          <p:cNvPr id="99" name="CustomShape 2"/>
+          <p:cNvSpPr/>
+          <p:nvPr/>
+        </p:nvSpPr>
+        <p:spPr>
+          <a:xfrm>
+            <a:off x="317520" y="1290960"/>
+            <a:ext cx="11701440" cy="4347360"/>
+          </a:xfrm>
+          <a:prstGeom prst="rect">
+            <a:avLst/>
+          </a:prstGeom>
+          <a:noFill/>
+          <a:ln>
+            <a:noFill/>
+          </a:ln>
+        </p:spPr>
+        <p:style>
+          <a:lnRef idx="0">
+            <a:scrgbClr r="0" g="0" b="0"/>
+          </a:lnRef>
+          <a:fillRef idx="0">
+            <a:scrgbClr r="0" g="0" b="0"/>
+          </a:fillRef>
+          <a:effectRef idx="0">
+            <a:scrgbClr r="0" g="0" b="0"/>
+          </a:effectRef>
+          <a:fontRef idx="minor"/>
+        </p:style>
+        <p:txBody>
+          <a:bodyPr lIns="90000" tIns="45000" rIns="90000" bIns="45000">
+            <a:normAutofit/>
+          </a:bodyPr>
+          <a:lstStyle/>
+          <a:p>
+            <a:pPr algn="ctr">
+              <a:lnSpc>
+                <a:spcPct val="100000"/>
+              </a:lnSpc>
+              <a:spcBef>
+                <a:spcPts val="1001"/>
+              </a:spcBef>
+              <a:spcAft>
+                <a:spcPts val="1001"/>
+              </a:spcAft>
+              <a:tabLst>
+                <a:tab pos="0" algn="l"/>
+              </a:tabLst>
+            </a:pPr>
+            <a:r>
+              <a:rPr lang="pt-BR" sz="3200" spc="-1" dirty="0">
+                <a:solidFill>
+                  <a:srgbClr val="1F4E79"/>
+                </a:solidFill>
+              </a:rPr>
+              <a:t>Os seguintes trechos de código também são necessários, no mesmo arquivo:</a:t>
+            </a:r>
+          </a:p>
+          <a:p>
+            <a:pPr>
+              <a:lnSpc>
+                <a:spcPct val="100000"/>
+              </a:lnSpc>
+              <a:spcBef>
+                <a:spcPts val="1001"/>
+              </a:spcBef>
+              <a:spcAft>
+                <a:spcPts val="1001"/>
+              </a:spcAft>
+              <a:tabLst>
+                <a:tab pos="0" algn="l"/>
+              </a:tabLst>
+            </a:pPr>
+            <a:r>
+              <a:rPr lang="pt-BR" sz="3200" spc="-1" dirty="0" err="1">
+                <a:solidFill>
+                  <a:srgbClr val="1F4E79"/>
+                </a:solidFill>
+                <a:latin typeface="Courier New" panose="02070309020205020404" pitchFamily="49" charset="0"/>
+                <a:cs typeface="Courier New" panose="02070309020205020404" pitchFamily="49" charset="0"/>
+              </a:rPr>
+              <a:t>import</a:t>
+            </a:r>
+            <a:r>
+              <a:rPr lang="pt-BR" sz="3200" spc="-1" dirty="0">
+                <a:solidFill>
+                  <a:srgbClr val="1F4E79"/>
+                </a:solidFill>
+                <a:latin typeface="Courier New" panose="02070309020205020404" pitchFamily="49" charset="0"/>
+                <a:cs typeface="Courier New" panose="02070309020205020404" pitchFamily="49" charset="0"/>
+              </a:rPr>
+              <a:t> { </a:t>
+            </a:r>
+            <a:r>
+              <a:rPr lang="pt-BR" sz="3200" spc="-1" dirty="0" err="1">
+                <a:solidFill>
+                  <a:srgbClr val="1F4E79"/>
+                </a:solidFill>
+                <a:latin typeface="Courier New" panose="02070309020205020404" pitchFamily="49" charset="0"/>
+                <a:cs typeface="Courier New" panose="02070309020205020404" pitchFamily="49" charset="0"/>
+              </a:rPr>
+              <a:t>DropzoneArea</a:t>
+            </a:r>
+            <a:r>
+              <a:rPr lang="pt-BR" sz="3200" spc="-1" dirty="0">
+                <a:solidFill>
+                  <a:srgbClr val="1F4E79"/>
+                </a:solidFill>
+                <a:latin typeface="Courier New" panose="02070309020205020404" pitchFamily="49" charset="0"/>
+                <a:cs typeface="Courier New" panose="02070309020205020404" pitchFamily="49" charset="0"/>
+              </a:rPr>
+              <a:t> } </a:t>
+            </a:r>
+            <a:r>
+              <a:rPr lang="pt-BR" sz="3200" spc="-1" dirty="0" err="1">
+                <a:solidFill>
+                  <a:srgbClr val="1F4E79"/>
+                </a:solidFill>
+                <a:latin typeface="Courier New" panose="02070309020205020404" pitchFamily="49" charset="0"/>
+                <a:cs typeface="Courier New" panose="02070309020205020404" pitchFamily="49" charset="0"/>
+              </a:rPr>
+              <a:t>from</a:t>
+            </a:r>
+            <a:r>
+              <a:rPr lang="pt-BR" sz="3200" spc="-1" dirty="0">
+                <a:solidFill>
+                  <a:srgbClr val="1F4E79"/>
+                </a:solidFill>
+                <a:latin typeface="Courier New" panose="02070309020205020404" pitchFamily="49" charset="0"/>
+                <a:cs typeface="Courier New" panose="02070309020205020404" pitchFamily="49" charset="0"/>
+              </a:rPr>
+              <a:t> 'material-ui-</a:t>
+            </a:r>
+            <a:r>
+              <a:rPr lang="pt-BR" sz="3200" spc="-1" dirty="0" err="1">
+                <a:solidFill>
+                  <a:srgbClr val="1F4E79"/>
+                </a:solidFill>
+                <a:latin typeface="Courier New" panose="02070309020205020404" pitchFamily="49" charset="0"/>
+                <a:cs typeface="Courier New" panose="02070309020205020404" pitchFamily="49" charset="0"/>
+              </a:rPr>
+              <a:t>dropzone</a:t>
+            </a:r>
+            <a:r>
+              <a:rPr lang="pt-BR" sz="3200" spc="-1" dirty="0">
+                <a:solidFill>
+                  <a:srgbClr val="1F4E79"/>
+                </a:solidFill>
+                <a:latin typeface="Courier New" panose="02070309020205020404" pitchFamily="49" charset="0"/>
+                <a:cs typeface="Courier New" panose="02070309020205020404" pitchFamily="49" charset="0"/>
+              </a:rPr>
+              <a:t>’;</a:t>
+            </a:r>
+          </a:p>
+          <a:p>
+            <a:pPr>
+              <a:lnSpc>
+                <a:spcPct val="100000"/>
+              </a:lnSpc>
+              <a:spcBef>
+                <a:spcPts val="1001"/>
+              </a:spcBef>
+              <a:spcAft>
+                <a:spcPts val="1001"/>
+              </a:spcAft>
+              <a:tabLst>
+                <a:tab pos="0" algn="l"/>
+              </a:tabLst>
+            </a:pPr>
+            <a:r>
+              <a:rPr lang="pt-BR" sz="3200" spc="-1" dirty="0">
+                <a:solidFill>
+                  <a:srgbClr val="1F4E79"/>
+                </a:solidFill>
+                <a:latin typeface="Courier New" panose="02070309020205020404" pitchFamily="49" charset="0"/>
+                <a:cs typeface="Courier New" panose="02070309020205020404" pitchFamily="49" charset="0"/>
+              </a:rPr>
+              <a:t>...</a:t>
+            </a:r>
+          </a:p>
+          <a:p>
+            <a:pPr>
+              <a:lnSpc>
+                <a:spcPct val="100000"/>
+              </a:lnSpc>
+              <a:spcBef>
+                <a:spcPts val="1001"/>
+              </a:spcBef>
+              <a:spcAft>
+                <a:spcPts val="1001"/>
+              </a:spcAft>
+              <a:tabLst>
+                <a:tab pos="0" algn="l"/>
+              </a:tabLst>
+            </a:pPr>
+            <a:r>
+              <a:rPr lang="pt-BR" sz="3200" spc="-1" dirty="0" err="1">
+                <a:solidFill>
+                  <a:srgbClr val="1F4E79"/>
+                </a:solidFill>
+                <a:latin typeface="Courier New" panose="02070309020205020404" pitchFamily="49" charset="0"/>
+                <a:cs typeface="Courier New" panose="02070309020205020404" pitchFamily="49" charset="0"/>
+              </a:rPr>
+              <a:t>const</a:t>
+            </a:r>
+            <a:r>
+              <a:rPr lang="pt-BR" sz="3200" spc="-1" dirty="0">
+                <a:solidFill>
+                  <a:srgbClr val="1F4E79"/>
+                </a:solidFill>
+                <a:latin typeface="Courier New" panose="02070309020205020404" pitchFamily="49" charset="0"/>
+                <a:cs typeface="Courier New" panose="02070309020205020404" pitchFamily="49" charset="0"/>
+              </a:rPr>
+              <a:t> [file, </a:t>
+            </a:r>
+            <a:r>
+              <a:rPr lang="pt-BR" sz="3200" spc="-1" dirty="0" err="1">
+                <a:solidFill>
+                  <a:srgbClr val="1F4E79"/>
+                </a:solidFill>
+                <a:latin typeface="Courier New" panose="02070309020205020404" pitchFamily="49" charset="0"/>
+                <a:cs typeface="Courier New" panose="02070309020205020404" pitchFamily="49" charset="0"/>
+              </a:rPr>
+              <a:t>setFile</a:t>
+            </a:r>
+            <a:r>
+              <a:rPr lang="pt-BR" sz="3200" spc="-1" dirty="0">
+                <a:solidFill>
+                  <a:srgbClr val="1F4E79"/>
+                </a:solidFill>
+                <a:latin typeface="Courier New" panose="02070309020205020404" pitchFamily="49" charset="0"/>
+                <a:cs typeface="Courier New" panose="02070309020205020404" pitchFamily="49" charset="0"/>
+              </a:rPr>
+              <a:t>] = </a:t>
+            </a:r>
+            <a:r>
+              <a:rPr lang="pt-BR" sz="3200" spc="-1" dirty="0" err="1">
+                <a:solidFill>
+                  <a:srgbClr val="1F4E79"/>
+                </a:solidFill>
+                <a:latin typeface="Courier New" panose="02070309020205020404" pitchFamily="49" charset="0"/>
+                <a:cs typeface="Courier New" panose="02070309020205020404" pitchFamily="49" charset="0"/>
+              </a:rPr>
+              <a:t>useState</a:t>
+            </a:r>
+            <a:r>
+              <a:rPr lang="pt-BR" sz="3200" spc="-1" dirty="0">
+                <a:solidFill>
+                  <a:srgbClr val="1F4E79"/>
+                </a:solidFill>
+                <a:latin typeface="Courier New" panose="02070309020205020404" pitchFamily="49" charset="0"/>
+                <a:cs typeface="Courier New" panose="02070309020205020404" pitchFamily="49" charset="0"/>
+              </a:rPr>
+              <a:t>&lt;File&gt;();</a:t>
+            </a:r>
+          </a:p>
+          <a:p>
+            <a:pPr>
+              <a:lnSpc>
+                <a:spcPct val="100000"/>
+              </a:lnSpc>
+              <a:spcBef>
+                <a:spcPts val="1001"/>
+              </a:spcBef>
+              <a:spcAft>
+                <a:spcPts val="1001"/>
+              </a:spcAft>
+              <a:tabLst>
+                <a:tab pos="0" algn="l"/>
+              </a:tabLst>
+            </a:pPr>
+            <a:endParaRPr lang="pt-BR" sz="3200" spc="-1" dirty="0">
+              <a:solidFill>
+                <a:srgbClr val="1F4E79"/>
+              </a:solidFill>
+              <a:latin typeface="Courier New" panose="02070309020205020404" pitchFamily="49" charset="0"/>
+              <a:cs typeface="Courier New" panose="02070309020205020404" pitchFamily="49" charset="0"/>
+            </a:endParaRPr>
+          </a:p>
+        </p:txBody>
+      </p:sp>
+    </p:spTree>
+    <p:extLst>
+      <p:ext uri="{BB962C8B-B14F-4D97-AF65-F5344CB8AC3E}">
+        <p14:creationId xmlns:p14="http://schemas.microsoft.com/office/powerpoint/2010/main" val="3596590422"/>
+      </p:ext>
+    </p:extLst>
+  </p:cSld>
+  <p:clrMapOvr>
+    <a:masterClrMapping/>
+  </p:clrMapOvr>
+</p:sld>
+</file>
+
+<file path=ppt/slides/slide47.xml><?xml version="1.0" encoding="utf-8"?>
+<p:sld xmlns:a="http://schemas.openxmlformats.org/drawingml/2006/main" xmlns:r="http://schemas.openxmlformats.org/officeDocument/2006/relationships" xmlns:p="http://schemas.openxmlformats.org/presentationml/2006/main">
+  <p:cSld>
+    <p:spTree>
+      <p:nvGrpSpPr>
+        <p:cNvPr id="1" name=""/>
+        <p:cNvGrpSpPr/>
+        <p:nvPr/>
+      </p:nvGrpSpPr>
+      <p:grpSpPr>
+        <a:xfrm>
+          <a:off x="0" y="0"/>
+          <a:ext cx="0" cy="0"/>
+          <a:chOff x="0" y="0"/>
+          <a:chExt cx="0" cy="0"/>
+        </a:xfrm>
+      </p:grpSpPr>
+      <p:sp>
+        <p:nvSpPr>
+          <p:cNvPr id="98" name="CustomShape 1"/>
+          <p:cNvSpPr/>
+          <p:nvPr/>
+        </p:nvSpPr>
+        <p:spPr>
+          <a:xfrm>
+            <a:off x="0" y="224280"/>
+            <a:ext cx="12019320" cy="854640"/>
+          </a:xfrm>
+          <a:prstGeom prst="rect">
+            <a:avLst/>
+          </a:prstGeom>
+          <a:noFill/>
+          <a:ln>
+            <a:noFill/>
+          </a:ln>
+        </p:spPr>
+        <p:style>
+          <a:lnRef idx="0">
+            <a:scrgbClr r="0" g="0" b="0"/>
+          </a:lnRef>
+          <a:fillRef idx="0">
+            <a:scrgbClr r="0" g="0" b="0"/>
+          </a:fillRef>
+          <a:effectRef idx="0">
+            <a:scrgbClr r="0" g="0" b="0"/>
+          </a:effectRef>
+          <a:fontRef idx="minor"/>
+        </p:style>
+        <p:txBody>
+          <a:bodyPr lIns="90000" tIns="45000" rIns="90000" bIns="45000" anchor="ctr">
+            <a:noAutofit/>
+          </a:bodyPr>
+          <a:lstStyle/>
+          <a:p>
+            <a:pPr algn="ctr">
+              <a:lnSpc>
+                <a:spcPct val="90000"/>
+              </a:lnSpc>
+            </a:pPr>
+            <a:r>
+              <a:rPr lang="pt-BR" sz="5400" b="0" strike="noStrike" spc="-1" dirty="0">
+                <a:solidFill>
+                  <a:srgbClr val="1F4E79"/>
+                </a:solidFill>
+                <a:latin typeface="Arial"/>
+                <a:ea typeface="DejaVu Sans"/>
+              </a:rPr>
+              <a:t>Upload de arquivos</a:t>
+            </a:r>
+            <a:endParaRPr lang="pt-BR" sz="5400" b="0" strike="noStrike" spc="-1" dirty="0">
+              <a:latin typeface="Arial"/>
+            </a:endParaRPr>
+          </a:p>
+        </p:txBody>
+      </p:sp>
+      <p:sp>
+        <p:nvSpPr>
+          <p:cNvPr id="99" name="CustomShape 2"/>
+          <p:cNvSpPr/>
+          <p:nvPr/>
+        </p:nvSpPr>
+        <p:spPr>
+          <a:xfrm>
+            <a:off x="317520" y="1290960"/>
+            <a:ext cx="11701440" cy="4347360"/>
+          </a:xfrm>
+          <a:prstGeom prst="rect">
+            <a:avLst/>
+          </a:prstGeom>
+          <a:noFill/>
+          <a:ln>
+            <a:noFill/>
+          </a:ln>
+        </p:spPr>
+        <p:style>
+          <a:lnRef idx="0">
+            <a:scrgbClr r="0" g="0" b="0"/>
+          </a:lnRef>
+          <a:fillRef idx="0">
+            <a:scrgbClr r="0" g="0" b="0"/>
+          </a:fillRef>
+          <a:effectRef idx="0">
+            <a:scrgbClr r="0" g="0" b="0"/>
+          </a:effectRef>
+          <a:fontRef idx="minor"/>
+        </p:style>
+        <p:txBody>
+          <a:bodyPr lIns="90000" tIns="45000" rIns="90000" bIns="45000">
+            <a:normAutofit fontScale="55000" lnSpcReduction="20000"/>
+          </a:bodyPr>
+          <a:lstStyle/>
+          <a:p>
+            <a:pPr algn="ctr">
+              <a:lnSpc>
+                <a:spcPct val="100000"/>
+              </a:lnSpc>
+              <a:spcBef>
+                <a:spcPts val="1001"/>
+              </a:spcBef>
+              <a:spcAft>
+                <a:spcPts val="1001"/>
+              </a:spcAft>
+              <a:tabLst>
+                <a:tab pos="0" algn="l"/>
+              </a:tabLst>
+            </a:pPr>
+            <a:r>
+              <a:rPr lang="pt-BR" sz="3200" spc="-1" dirty="0">
+                <a:solidFill>
+                  <a:srgbClr val="1F4E79"/>
+                </a:solidFill>
+              </a:rPr>
+              <a:t>Exemplo de submissão de imagem para um item específico (por ID):</a:t>
+            </a:r>
+          </a:p>
+          <a:p>
+            <a:pPr>
+              <a:lnSpc>
+                <a:spcPct val="100000"/>
+              </a:lnSpc>
+              <a:spcBef>
+                <a:spcPts val="1001"/>
+              </a:spcBef>
+              <a:spcAft>
+                <a:spcPts val="1001"/>
+              </a:spcAft>
+              <a:tabLst>
+                <a:tab pos="0" algn="l"/>
+              </a:tabLst>
+            </a:pPr>
+            <a:r>
+              <a:rPr lang="pt-BR" sz="3200" spc="-1" dirty="0" err="1">
+                <a:solidFill>
+                  <a:srgbClr val="1F4E79"/>
+                </a:solidFill>
+                <a:latin typeface="Courier New" panose="02070309020205020404" pitchFamily="49" charset="0"/>
+                <a:cs typeface="Courier New" panose="02070309020205020404" pitchFamily="49" charset="0"/>
+              </a:rPr>
+              <a:t>const</a:t>
+            </a:r>
+            <a:r>
+              <a:rPr lang="pt-BR" sz="3200" spc="-1" dirty="0">
+                <a:solidFill>
+                  <a:srgbClr val="1F4E79"/>
+                </a:solidFill>
+                <a:latin typeface="Courier New" panose="02070309020205020404" pitchFamily="49" charset="0"/>
+                <a:cs typeface="Courier New" panose="02070309020205020404" pitchFamily="49" charset="0"/>
+              </a:rPr>
+              <a:t> </a:t>
+            </a:r>
+            <a:r>
+              <a:rPr lang="pt-BR" sz="3200" spc="-1" dirty="0" err="1">
+                <a:solidFill>
+                  <a:srgbClr val="1F4E79"/>
+                </a:solidFill>
+                <a:latin typeface="Courier New" panose="02070309020205020404" pitchFamily="49" charset="0"/>
+                <a:cs typeface="Courier New" panose="02070309020205020404" pitchFamily="49" charset="0"/>
+              </a:rPr>
+              <a:t>updateAvatar</a:t>
+            </a:r>
+            <a:r>
+              <a:rPr lang="pt-BR" sz="3200" spc="-1" dirty="0">
+                <a:solidFill>
+                  <a:srgbClr val="1F4E79"/>
+                </a:solidFill>
+                <a:latin typeface="Courier New" panose="02070309020205020404" pitchFamily="49" charset="0"/>
+                <a:cs typeface="Courier New" panose="02070309020205020404" pitchFamily="49" charset="0"/>
+              </a:rPr>
+              <a:t> = </a:t>
+            </a:r>
+            <a:r>
+              <a:rPr lang="pt-BR" sz="3200" spc="-1" dirty="0" err="1">
+                <a:solidFill>
+                  <a:srgbClr val="1F4E79"/>
+                </a:solidFill>
+                <a:latin typeface="Courier New" panose="02070309020205020404" pitchFamily="49" charset="0"/>
+                <a:cs typeface="Courier New" panose="02070309020205020404" pitchFamily="49" charset="0"/>
+              </a:rPr>
+              <a:t>useCallback</a:t>
+            </a:r>
+            <a:r>
+              <a:rPr lang="pt-BR" sz="3200" spc="-1" dirty="0">
+                <a:solidFill>
+                  <a:srgbClr val="1F4E79"/>
+                </a:solidFill>
+                <a:latin typeface="Courier New" panose="02070309020205020404" pitchFamily="49" charset="0"/>
+                <a:cs typeface="Courier New" panose="02070309020205020404" pitchFamily="49" charset="0"/>
+              </a:rPr>
+              <a:t>(</a:t>
+            </a:r>
+            <a:r>
+              <a:rPr lang="pt-BR" sz="3200" spc="-1" dirty="0" err="1">
+                <a:solidFill>
+                  <a:srgbClr val="1F4E79"/>
+                </a:solidFill>
+                <a:latin typeface="Courier New" panose="02070309020205020404" pitchFamily="49" charset="0"/>
+                <a:cs typeface="Courier New" panose="02070309020205020404" pitchFamily="49" charset="0"/>
+              </a:rPr>
+              <a:t>async</a:t>
+            </a:r>
+            <a:r>
+              <a:rPr lang="pt-BR" sz="3200" spc="-1" dirty="0">
+                <a:solidFill>
+                  <a:srgbClr val="1F4E79"/>
+                </a:solidFill>
+                <a:latin typeface="Courier New" panose="02070309020205020404" pitchFamily="49" charset="0"/>
+                <a:cs typeface="Courier New" panose="02070309020205020404" pitchFamily="49" charset="0"/>
+              </a:rPr>
+              <a:t> (id: </a:t>
+            </a:r>
+            <a:r>
+              <a:rPr lang="pt-BR" sz="3200" spc="-1" dirty="0" err="1">
+                <a:solidFill>
+                  <a:srgbClr val="1F4E79"/>
+                </a:solidFill>
+                <a:latin typeface="Courier New" panose="02070309020205020404" pitchFamily="49" charset="0"/>
+                <a:cs typeface="Courier New" panose="02070309020205020404" pitchFamily="49" charset="0"/>
+              </a:rPr>
+              <a:t>number</a:t>
+            </a:r>
+            <a:r>
+              <a:rPr lang="pt-BR" sz="3200" spc="-1" dirty="0">
+                <a:solidFill>
+                  <a:srgbClr val="1F4E79"/>
+                </a:solidFill>
+                <a:latin typeface="Courier New" panose="02070309020205020404" pitchFamily="49" charset="0"/>
+                <a:cs typeface="Courier New" panose="02070309020205020404" pitchFamily="49" charset="0"/>
+              </a:rPr>
+              <a:t>, </a:t>
+            </a:r>
+            <a:r>
+              <a:rPr lang="pt-BR" sz="3200" spc="-1" dirty="0" err="1">
+                <a:solidFill>
+                  <a:srgbClr val="1F4E79"/>
+                </a:solidFill>
+                <a:latin typeface="Courier New" panose="02070309020205020404" pitchFamily="49" charset="0"/>
+                <a:cs typeface="Courier New" panose="02070309020205020404" pitchFamily="49" charset="0"/>
+              </a:rPr>
+              <a:t>imageUri</a:t>
+            </a:r>
+            <a:r>
+              <a:rPr lang="pt-BR" sz="3200" spc="-1" dirty="0">
+                <a:solidFill>
+                  <a:srgbClr val="1F4E79"/>
+                </a:solidFill>
+                <a:latin typeface="Courier New" panose="02070309020205020404" pitchFamily="49" charset="0"/>
+                <a:cs typeface="Courier New" panose="02070309020205020404" pitchFamily="49" charset="0"/>
+              </a:rPr>
+              <a:t>) =&gt; {</a:t>
+            </a:r>
+          </a:p>
+          <a:p>
+            <a:pPr>
+              <a:lnSpc>
+                <a:spcPct val="100000"/>
+              </a:lnSpc>
+              <a:spcBef>
+                <a:spcPts val="1001"/>
+              </a:spcBef>
+              <a:spcAft>
+                <a:spcPts val="1001"/>
+              </a:spcAft>
+              <a:tabLst>
+                <a:tab pos="0" algn="l"/>
+              </a:tabLst>
+            </a:pPr>
+            <a:r>
+              <a:rPr lang="pt-BR" sz="3200" spc="-1" dirty="0">
+                <a:solidFill>
+                  <a:srgbClr val="1F4E79"/>
+                </a:solidFill>
+                <a:latin typeface="Courier New" panose="02070309020205020404" pitchFamily="49" charset="0"/>
+                <a:cs typeface="Courier New" panose="02070309020205020404" pitchFamily="49" charset="0"/>
+              </a:rPr>
+              <a:t>        </a:t>
+            </a:r>
+            <a:r>
+              <a:rPr lang="pt-BR" sz="3200" spc="-1" dirty="0" err="1">
+                <a:solidFill>
+                  <a:srgbClr val="1F4E79"/>
+                </a:solidFill>
+                <a:latin typeface="Courier New" panose="02070309020205020404" pitchFamily="49" charset="0"/>
+                <a:cs typeface="Courier New" panose="02070309020205020404" pitchFamily="49" charset="0"/>
+              </a:rPr>
+              <a:t>try</a:t>
+            </a:r>
+            <a:r>
+              <a:rPr lang="pt-BR" sz="3200" spc="-1" dirty="0">
+                <a:solidFill>
+                  <a:srgbClr val="1F4E79"/>
+                </a:solidFill>
+                <a:latin typeface="Courier New" panose="02070309020205020404" pitchFamily="49" charset="0"/>
+                <a:cs typeface="Courier New" panose="02070309020205020404" pitchFamily="49" charset="0"/>
+              </a:rPr>
+              <a:t> {</a:t>
+            </a:r>
+          </a:p>
+          <a:p>
+            <a:pPr>
+              <a:lnSpc>
+                <a:spcPct val="100000"/>
+              </a:lnSpc>
+              <a:spcBef>
+                <a:spcPts val="1001"/>
+              </a:spcBef>
+              <a:spcAft>
+                <a:spcPts val="1001"/>
+              </a:spcAft>
+              <a:tabLst>
+                <a:tab pos="0" algn="l"/>
+              </a:tabLst>
+            </a:pPr>
+            <a:r>
+              <a:rPr lang="pt-BR" sz="3200" spc="-1" dirty="0">
+                <a:solidFill>
+                  <a:srgbClr val="1F4E79"/>
+                </a:solidFill>
+                <a:latin typeface="Courier New" panose="02070309020205020404" pitchFamily="49" charset="0"/>
+                <a:cs typeface="Courier New" panose="02070309020205020404" pitchFamily="49" charset="0"/>
+              </a:rPr>
+              <a:t>            </a:t>
+            </a:r>
+            <a:r>
+              <a:rPr lang="pt-BR" sz="3200" spc="-1" dirty="0" err="1">
+                <a:solidFill>
+                  <a:srgbClr val="1F4E79"/>
+                </a:solidFill>
+                <a:latin typeface="Courier New" panose="02070309020205020404" pitchFamily="49" charset="0"/>
+                <a:cs typeface="Courier New" panose="02070309020205020404" pitchFamily="49" charset="0"/>
+              </a:rPr>
+              <a:t>const</a:t>
+            </a:r>
+            <a:r>
+              <a:rPr lang="pt-BR" sz="3200" spc="-1" dirty="0">
+                <a:solidFill>
+                  <a:srgbClr val="1F4E79"/>
+                </a:solidFill>
+                <a:latin typeface="Courier New" panose="02070309020205020404" pitchFamily="49" charset="0"/>
+                <a:cs typeface="Courier New" panose="02070309020205020404" pitchFamily="49" charset="0"/>
+              </a:rPr>
+              <a:t> </a:t>
+            </a:r>
+            <a:r>
+              <a:rPr lang="pt-BR" sz="3200" spc="-1" dirty="0" err="1">
+                <a:solidFill>
+                  <a:srgbClr val="1F4E79"/>
+                </a:solidFill>
+                <a:latin typeface="Courier New" panose="02070309020205020404" pitchFamily="49" charset="0"/>
+                <a:cs typeface="Courier New" panose="02070309020205020404" pitchFamily="49" charset="0"/>
+              </a:rPr>
+              <a:t>body</a:t>
+            </a:r>
+            <a:r>
+              <a:rPr lang="pt-BR" sz="3200" spc="-1" dirty="0">
+                <a:solidFill>
+                  <a:srgbClr val="1F4E79"/>
+                </a:solidFill>
+                <a:latin typeface="Courier New" panose="02070309020205020404" pitchFamily="49" charset="0"/>
+                <a:cs typeface="Courier New" panose="02070309020205020404" pitchFamily="49" charset="0"/>
+              </a:rPr>
+              <a:t> = new </a:t>
+            </a:r>
+            <a:r>
+              <a:rPr lang="pt-BR" sz="3200" spc="-1" dirty="0" err="1">
+                <a:solidFill>
+                  <a:srgbClr val="1F4E79"/>
+                </a:solidFill>
+                <a:latin typeface="Courier New" panose="02070309020205020404" pitchFamily="49" charset="0"/>
+                <a:cs typeface="Courier New" panose="02070309020205020404" pitchFamily="49" charset="0"/>
+              </a:rPr>
+              <a:t>FormData</a:t>
+            </a:r>
+            <a:r>
+              <a:rPr lang="pt-BR" sz="3200" spc="-1" dirty="0">
+                <a:solidFill>
+                  <a:srgbClr val="1F4E79"/>
+                </a:solidFill>
+                <a:latin typeface="Courier New" panose="02070309020205020404" pitchFamily="49" charset="0"/>
+                <a:cs typeface="Courier New" panose="02070309020205020404" pitchFamily="49" charset="0"/>
+              </a:rPr>
+              <a:t>()</a:t>
+            </a:r>
+          </a:p>
+          <a:p>
+            <a:pPr>
+              <a:lnSpc>
+                <a:spcPct val="100000"/>
+              </a:lnSpc>
+              <a:spcBef>
+                <a:spcPts val="1001"/>
+              </a:spcBef>
+              <a:spcAft>
+                <a:spcPts val="1001"/>
+              </a:spcAft>
+              <a:tabLst>
+                <a:tab pos="0" algn="l"/>
+              </a:tabLst>
+            </a:pPr>
+            <a:r>
+              <a:rPr lang="pt-BR" sz="3200" spc="-1" dirty="0">
+                <a:solidFill>
+                  <a:srgbClr val="1F4E79"/>
+                </a:solidFill>
+                <a:latin typeface="Courier New" panose="02070309020205020404" pitchFamily="49" charset="0"/>
+                <a:cs typeface="Courier New" panose="02070309020205020404" pitchFamily="49" charset="0"/>
+              </a:rPr>
+              <a:t>            </a:t>
+            </a:r>
+            <a:r>
+              <a:rPr lang="pt-BR" sz="3200" spc="-1" dirty="0" err="1">
+                <a:solidFill>
+                  <a:srgbClr val="1F4E79"/>
+                </a:solidFill>
+                <a:latin typeface="Courier New" panose="02070309020205020404" pitchFamily="49" charset="0"/>
+                <a:cs typeface="Courier New" panose="02070309020205020404" pitchFamily="49" charset="0"/>
+              </a:rPr>
+              <a:t>body.append</a:t>
+            </a:r>
+            <a:r>
+              <a:rPr lang="pt-BR" sz="3200" spc="-1" dirty="0">
+                <a:solidFill>
+                  <a:srgbClr val="1F4E79"/>
+                </a:solidFill>
+                <a:latin typeface="Courier New" panose="02070309020205020404" pitchFamily="49" charset="0"/>
+                <a:cs typeface="Courier New" panose="02070309020205020404" pitchFamily="49" charset="0"/>
+              </a:rPr>
+              <a:t>('anexo', </a:t>
+            </a:r>
+            <a:r>
+              <a:rPr lang="pt-BR" sz="3200" spc="-1" dirty="0" err="1">
+                <a:solidFill>
+                  <a:srgbClr val="1F4E79"/>
+                </a:solidFill>
+                <a:latin typeface="Courier New" panose="02070309020205020404" pitchFamily="49" charset="0"/>
+                <a:cs typeface="Courier New" panose="02070309020205020404" pitchFamily="49" charset="0"/>
+              </a:rPr>
+              <a:t>imageUri</a:t>
+            </a:r>
+            <a:r>
+              <a:rPr lang="pt-BR" sz="3200" spc="-1" dirty="0">
+                <a:solidFill>
+                  <a:srgbClr val="1F4E79"/>
+                </a:solidFill>
+                <a:latin typeface="Courier New" panose="02070309020205020404" pitchFamily="49" charset="0"/>
+                <a:cs typeface="Courier New" panose="02070309020205020404" pitchFamily="49" charset="0"/>
+              </a:rPr>
+              <a:t>)      </a:t>
+            </a:r>
+          </a:p>
+          <a:p>
+            <a:pPr>
+              <a:lnSpc>
+                <a:spcPct val="100000"/>
+              </a:lnSpc>
+              <a:spcBef>
+                <a:spcPts val="1001"/>
+              </a:spcBef>
+              <a:spcAft>
+                <a:spcPts val="1001"/>
+              </a:spcAft>
+              <a:tabLst>
+                <a:tab pos="0" algn="l"/>
+              </a:tabLst>
+            </a:pPr>
+            <a:r>
+              <a:rPr lang="pt-BR" sz="3200" spc="-1" dirty="0">
+                <a:solidFill>
+                  <a:srgbClr val="1F4E79"/>
+                </a:solidFill>
+                <a:latin typeface="Courier New" panose="02070309020205020404" pitchFamily="49" charset="0"/>
+                <a:cs typeface="Courier New" panose="02070309020205020404" pitchFamily="49" charset="0"/>
+              </a:rPr>
+              <a:t>            </a:t>
+            </a:r>
+            <a:r>
+              <a:rPr lang="pt-BR" sz="3200" spc="-1" dirty="0" err="1">
+                <a:solidFill>
+                  <a:srgbClr val="1F4E79"/>
+                </a:solidFill>
+                <a:latin typeface="Courier New" panose="02070309020205020404" pitchFamily="49" charset="0"/>
+                <a:cs typeface="Courier New" panose="02070309020205020404" pitchFamily="49" charset="0"/>
+              </a:rPr>
+              <a:t>const</a:t>
+            </a:r>
+            <a:r>
+              <a:rPr lang="pt-BR" sz="3200" spc="-1" dirty="0">
+                <a:solidFill>
+                  <a:srgbClr val="1F4E79"/>
+                </a:solidFill>
+                <a:latin typeface="Courier New" panose="02070309020205020404" pitchFamily="49" charset="0"/>
+                <a:cs typeface="Courier New" panose="02070309020205020404" pitchFamily="49" charset="0"/>
+              </a:rPr>
+              <a:t> </a:t>
+            </a:r>
+            <a:r>
+              <a:rPr lang="pt-BR" sz="3200" spc="-1" dirty="0" err="1">
+                <a:solidFill>
+                  <a:srgbClr val="1F4E79"/>
+                </a:solidFill>
+                <a:latin typeface="Courier New" panose="02070309020205020404" pitchFamily="49" charset="0"/>
+                <a:cs typeface="Courier New" panose="02070309020205020404" pitchFamily="49" charset="0"/>
+              </a:rPr>
+              <a:t>headers</a:t>
+            </a:r>
+            <a:r>
+              <a:rPr lang="pt-BR" sz="3200" spc="-1" dirty="0">
+                <a:solidFill>
+                  <a:srgbClr val="1F4E79"/>
+                </a:solidFill>
+                <a:latin typeface="Courier New" panose="02070309020205020404" pitchFamily="49" charset="0"/>
+                <a:cs typeface="Courier New" panose="02070309020205020404" pitchFamily="49" charset="0"/>
+              </a:rPr>
+              <a:t> = { '</a:t>
+            </a:r>
+            <a:r>
+              <a:rPr lang="pt-BR" sz="3200" spc="-1" dirty="0" err="1">
+                <a:solidFill>
+                  <a:srgbClr val="1F4E79"/>
+                </a:solidFill>
+                <a:latin typeface="Courier New" panose="02070309020205020404" pitchFamily="49" charset="0"/>
+                <a:cs typeface="Courier New" panose="02070309020205020404" pitchFamily="49" charset="0"/>
+              </a:rPr>
+              <a:t>content-type</a:t>
+            </a:r>
+            <a:r>
+              <a:rPr lang="pt-BR" sz="3200" spc="-1" dirty="0">
+                <a:solidFill>
+                  <a:srgbClr val="1F4E79"/>
+                </a:solidFill>
+                <a:latin typeface="Courier New" panose="02070309020205020404" pitchFamily="49" charset="0"/>
+                <a:cs typeface="Courier New" panose="02070309020205020404" pitchFamily="49" charset="0"/>
+              </a:rPr>
+              <a:t>': '</a:t>
+            </a:r>
+            <a:r>
+              <a:rPr lang="pt-BR" sz="3200" spc="-1" dirty="0" err="1">
+                <a:solidFill>
+                  <a:srgbClr val="1F4E79"/>
+                </a:solidFill>
+                <a:latin typeface="Courier New" panose="02070309020205020404" pitchFamily="49" charset="0"/>
+                <a:cs typeface="Courier New" panose="02070309020205020404" pitchFamily="49" charset="0"/>
+              </a:rPr>
+              <a:t>multipart</a:t>
+            </a:r>
+            <a:r>
+              <a:rPr lang="pt-BR" sz="3200" spc="-1" dirty="0">
+                <a:solidFill>
+                  <a:srgbClr val="1F4E79"/>
+                </a:solidFill>
+                <a:latin typeface="Courier New" panose="02070309020205020404" pitchFamily="49" charset="0"/>
+                <a:cs typeface="Courier New" panose="02070309020205020404" pitchFamily="49" charset="0"/>
+              </a:rPr>
+              <a:t>/</a:t>
+            </a:r>
+            <a:r>
+              <a:rPr lang="pt-BR" sz="3200" spc="-1" dirty="0" err="1">
+                <a:solidFill>
+                  <a:srgbClr val="1F4E79"/>
+                </a:solidFill>
+                <a:latin typeface="Courier New" panose="02070309020205020404" pitchFamily="49" charset="0"/>
+                <a:cs typeface="Courier New" panose="02070309020205020404" pitchFamily="49" charset="0"/>
+              </a:rPr>
+              <a:t>form-data</a:t>
+            </a:r>
+            <a:r>
+              <a:rPr lang="pt-BR" sz="3200" spc="-1" dirty="0">
+                <a:solidFill>
+                  <a:srgbClr val="1F4E79"/>
+                </a:solidFill>
+                <a:latin typeface="Courier New" panose="02070309020205020404" pitchFamily="49" charset="0"/>
+                <a:cs typeface="Courier New" panose="02070309020205020404" pitchFamily="49" charset="0"/>
+              </a:rPr>
+              <a:t>', </a:t>
+            </a:r>
+            <a:r>
+              <a:rPr lang="pt-BR" sz="3200" spc="-1" dirty="0" err="1">
+                <a:solidFill>
+                  <a:srgbClr val="1F4E79"/>
+                </a:solidFill>
+                <a:latin typeface="Courier New" panose="02070309020205020404" pitchFamily="49" charset="0"/>
+                <a:cs typeface="Courier New" panose="02070309020205020404" pitchFamily="49" charset="0"/>
+              </a:rPr>
+              <a:t>accept</a:t>
+            </a:r>
+            <a:r>
+              <a:rPr lang="pt-BR" sz="3200" spc="-1" dirty="0">
+                <a:solidFill>
+                  <a:srgbClr val="1F4E79"/>
+                </a:solidFill>
+                <a:latin typeface="Courier New" panose="02070309020205020404" pitchFamily="49" charset="0"/>
+                <a:cs typeface="Courier New" panose="02070309020205020404" pitchFamily="49" charset="0"/>
+              </a:rPr>
+              <a:t>: '</a:t>
+            </a:r>
+            <a:r>
+              <a:rPr lang="pt-BR" sz="3200" spc="-1" dirty="0" err="1">
+                <a:solidFill>
+                  <a:srgbClr val="1F4E79"/>
+                </a:solidFill>
+                <a:latin typeface="Courier New" panose="02070309020205020404" pitchFamily="49" charset="0"/>
+                <a:cs typeface="Courier New" panose="02070309020205020404" pitchFamily="49" charset="0"/>
+              </a:rPr>
+              <a:t>application</a:t>
+            </a:r>
+            <a:r>
+              <a:rPr lang="pt-BR" sz="3200" spc="-1" dirty="0">
+                <a:solidFill>
+                  <a:srgbClr val="1F4E79"/>
+                </a:solidFill>
+                <a:latin typeface="Courier New" panose="02070309020205020404" pitchFamily="49" charset="0"/>
+                <a:cs typeface="Courier New" panose="02070309020205020404" pitchFamily="49" charset="0"/>
+              </a:rPr>
+              <a:t>/</a:t>
+            </a:r>
+            <a:r>
+              <a:rPr lang="pt-BR" sz="3200" spc="-1" dirty="0" err="1">
+                <a:solidFill>
+                  <a:srgbClr val="1F4E79"/>
+                </a:solidFill>
+                <a:latin typeface="Courier New" panose="02070309020205020404" pitchFamily="49" charset="0"/>
+                <a:cs typeface="Courier New" panose="02070309020205020404" pitchFamily="49" charset="0"/>
+              </a:rPr>
+              <a:t>json</a:t>
+            </a:r>
+            <a:r>
+              <a:rPr lang="pt-BR" sz="3200" spc="-1" dirty="0">
+                <a:solidFill>
+                  <a:srgbClr val="1F4E79"/>
+                </a:solidFill>
+                <a:latin typeface="Courier New" panose="02070309020205020404" pitchFamily="49" charset="0"/>
+                <a:cs typeface="Courier New" panose="02070309020205020404" pitchFamily="49" charset="0"/>
+              </a:rPr>
+              <a:t>' }</a:t>
+            </a:r>
+          </a:p>
+          <a:p>
+            <a:pPr>
+              <a:lnSpc>
+                <a:spcPct val="100000"/>
+              </a:lnSpc>
+              <a:spcBef>
+                <a:spcPts val="1001"/>
+              </a:spcBef>
+              <a:spcAft>
+                <a:spcPts val="1001"/>
+              </a:spcAft>
+              <a:tabLst>
+                <a:tab pos="0" algn="l"/>
+              </a:tabLst>
+            </a:pPr>
+            <a:r>
+              <a:rPr lang="pt-BR" sz="3200" spc="-1" dirty="0">
+                <a:solidFill>
+                  <a:srgbClr val="1F4E79"/>
+                </a:solidFill>
+                <a:latin typeface="Courier New" panose="02070309020205020404" pitchFamily="49" charset="0"/>
+                <a:cs typeface="Courier New" panose="02070309020205020404" pitchFamily="49" charset="0"/>
+              </a:rPr>
+              <a:t>            </a:t>
+            </a:r>
+            <a:r>
+              <a:rPr lang="pt-BR" sz="3200" spc="-1" dirty="0" err="1">
+                <a:solidFill>
+                  <a:srgbClr val="1F4E79"/>
+                </a:solidFill>
+                <a:latin typeface="Courier New" panose="02070309020205020404" pitchFamily="49" charset="0"/>
+                <a:cs typeface="Courier New" panose="02070309020205020404" pitchFamily="49" charset="0"/>
+              </a:rPr>
+              <a:t>await</a:t>
+            </a:r>
+            <a:r>
+              <a:rPr lang="pt-BR" sz="3200" spc="-1" dirty="0">
+                <a:solidFill>
+                  <a:srgbClr val="1F4E79"/>
+                </a:solidFill>
+                <a:latin typeface="Courier New" panose="02070309020205020404" pitchFamily="49" charset="0"/>
+                <a:cs typeface="Courier New" panose="02070309020205020404" pitchFamily="49" charset="0"/>
+              </a:rPr>
+              <a:t> </a:t>
+            </a:r>
+            <a:r>
+              <a:rPr lang="pt-BR" sz="3200" spc="-1" dirty="0" err="1">
+                <a:solidFill>
+                  <a:srgbClr val="1F4E79"/>
+                </a:solidFill>
+                <a:latin typeface="Courier New" panose="02070309020205020404" pitchFamily="49" charset="0"/>
+                <a:cs typeface="Courier New" panose="02070309020205020404" pitchFamily="49" charset="0"/>
+              </a:rPr>
+              <a:t>api.post</a:t>
+            </a:r>
+            <a:r>
+              <a:rPr lang="pt-BR" sz="3200" spc="-1" dirty="0">
+                <a:solidFill>
+                  <a:srgbClr val="1F4E79"/>
+                </a:solidFill>
+                <a:latin typeface="Courier New" panose="02070309020205020404" pitchFamily="49" charset="0"/>
+                <a:cs typeface="Courier New" panose="02070309020205020404" pitchFamily="49" charset="0"/>
+              </a:rPr>
+              <a:t>(`/</a:t>
+            </a:r>
+            <a:r>
+              <a:rPr lang="pt-BR" sz="3200" spc="-1" dirty="0" err="1">
+                <a:solidFill>
+                  <a:srgbClr val="1F4E79"/>
+                </a:solidFill>
+                <a:latin typeface="Courier New" panose="02070309020205020404" pitchFamily="49" charset="0"/>
+                <a:cs typeface="Courier New" panose="02070309020205020404" pitchFamily="49" charset="0"/>
+              </a:rPr>
+              <a:t>api</a:t>
+            </a:r>
+            <a:r>
+              <a:rPr lang="pt-BR" sz="3200" spc="-1" dirty="0">
+                <a:solidFill>
+                  <a:srgbClr val="1F4E79"/>
+                </a:solidFill>
+                <a:latin typeface="Courier New" panose="02070309020205020404" pitchFamily="49" charset="0"/>
+                <a:cs typeface="Courier New" panose="02070309020205020404" pitchFamily="49" charset="0"/>
+              </a:rPr>
+              <a:t>/upload-</a:t>
+            </a:r>
+            <a:r>
+              <a:rPr lang="pt-BR" sz="3200" spc="-1" dirty="0" err="1">
+                <a:solidFill>
+                  <a:srgbClr val="1F4E79"/>
+                </a:solidFill>
+                <a:latin typeface="Courier New" panose="02070309020205020404" pitchFamily="49" charset="0"/>
+                <a:cs typeface="Courier New" panose="02070309020205020404" pitchFamily="49" charset="0"/>
+              </a:rPr>
+              <a:t>image</a:t>
+            </a:r>
+            <a:r>
+              <a:rPr lang="pt-BR" sz="3200" spc="-1" dirty="0">
+                <a:solidFill>
+                  <a:srgbClr val="1F4E79"/>
+                </a:solidFill>
+                <a:latin typeface="Courier New" panose="02070309020205020404" pitchFamily="49" charset="0"/>
+                <a:cs typeface="Courier New" panose="02070309020205020404" pitchFamily="49" charset="0"/>
+              </a:rPr>
+              <a:t>/item/${id}`, </a:t>
+            </a:r>
+            <a:r>
+              <a:rPr lang="pt-BR" sz="3200" spc="-1" dirty="0" err="1">
+                <a:solidFill>
+                  <a:srgbClr val="1F4E79"/>
+                </a:solidFill>
+                <a:latin typeface="Courier New" panose="02070309020205020404" pitchFamily="49" charset="0"/>
+                <a:cs typeface="Courier New" panose="02070309020205020404" pitchFamily="49" charset="0"/>
+              </a:rPr>
+              <a:t>body</a:t>
+            </a:r>
+            <a:r>
+              <a:rPr lang="pt-BR" sz="3200" spc="-1" dirty="0">
+                <a:solidFill>
+                  <a:srgbClr val="1F4E79"/>
+                </a:solidFill>
+                <a:latin typeface="Courier New" panose="02070309020205020404" pitchFamily="49" charset="0"/>
+                <a:cs typeface="Courier New" panose="02070309020205020404" pitchFamily="49" charset="0"/>
+              </a:rPr>
+              <a:t>, { </a:t>
+            </a:r>
+            <a:r>
+              <a:rPr lang="pt-BR" sz="3200" spc="-1" dirty="0" err="1">
+                <a:solidFill>
+                  <a:srgbClr val="1F4E79"/>
+                </a:solidFill>
+                <a:latin typeface="Courier New" panose="02070309020205020404" pitchFamily="49" charset="0"/>
+                <a:cs typeface="Courier New" panose="02070309020205020404" pitchFamily="49" charset="0"/>
+              </a:rPr>
+              <a:t>headers</a:t>
+            </a:r>
+            <a:r>
+              <a:rPr lang="pt-BR" sz="3200" spc="-1" dirty="0">
+                <a:solidFill>
+                  <a:srgbClr val="1F4E79"/>
+                </a:solidFill>
+                <a:latin typeface="Courier New" panose="02070309020205020404" pitchFamily="49" charset="0"/>
+                <a:cs typeface="Courier New" panose="02070309020205020404" pitchFamily="49" charset="0"/>
+              </a:rPr>
+              <a:t> });</a:t>
+            </a:r>
+          </a:p>
+          <a:p>
+            <a:pPr>
+              <a:lnSpc>
+                <a:spcPct val="100000"/>
+              </a:lnSpc>
+              <a:spcBef>
+                <a:spcPts val="1001"/>
+              </a:spcBef>
+              <a:spcAft>
+                <a:spcPts val="1001"/>
+              </a:spcAft>
+              <a:tabLst>
+                <a:tab pos="0" algn="l"/>
+              </a:tabLst>
+            </a:pPr>
+            <a:r>
+              <a:rPr lang="pt-BR" sz="3200" spc="-1" dirty="0">
+                <a:solidFill>
+                  <a:srgbClr val="1F4E79"/>
+                </a:solidFill>
+                <a:latin typeface="Courier New" panose="02070309020205020404" pitchFamily="49" charset="0"/>
+                <a:cs typeface="Courier New" panose="02070309020205020404" pitchFamily="49" charset="0"/>
+              </a:rPr>
+              <a:t>        } catch (</a:t>
+            </a:r>
+            <a:r>
+              <a:rPr lang="pt-BR" sz="3200" spc="-1" dirty="0" err="1">
+                <a:solidFill>
+                  <a:srgbClr val="1F4E79"/>
+                </a:solidFill>
+                <a:latin typeface="Courier New" panose="02070309020205020404" pitchFamily="49" charset="0"/>
+                <a:cs typeface="Courier New" panose="02070309020205020404" pitchFamily="49" charset="0"/>
+              </a:rPr>
+              <a:t>error</a:t>
+            </a:r>
+            <a:r>
+              <a:rPr lang="pt-BR" sz="3200" spc="-1" dirty="0">
+                <a:solidFill>
+                  <a:srgbClr val="1F4E79"/>
+                </a:solidFill>
+                <a:latin typeface="Courier New" panose="02070309020205020404" pitchFamily="49" charset="0"/>
+                <a:cs typeface="Courier New" panose="02070309020205020404" pitchFamily="49" charset="0"/>
+              </a:rPr>
+              <a:t>) { console.log(</a:t>
+            </a:r>
+            <a:r>
+              <a:rPr lang="pt-BR" sz="3200" spc="-1" dirty="0" err="1">
+                <a:solidFill>
+                  <a:srgbClr val="1F4E79"/>
+                </a:solidFill>
+                <a:latin typeface="Courier New" panose="02070309020205020404" pitchFamily="49" charset="0"/>
+                <a:cs typeface="Courier New" panose="02070309020205020404" pitchFamily="49" charset="0"/>
+              </a:rPr>
+              <a:t>error</a:t>
+            </a:r>
+            <a:r>
+              <a:rPr lang="pt-BR" sz="3200" spc="-1" dirty="0">
+                <a:solidFill>
+                  <a:srgbClr val="1F4E79"/>
+                </a:solidFill>
+                <a:latin typeface="Courier New" panose="02070309020205020404" pitchFamily="49" charset="0"/>
+                <a:cs typeface="Courier New" panose="02070309020205020404" pitchFamily="49" charset="0"/>
+              </a:rPr>
+              <a:t>); }</a:t>
+            </a:r>
+          </a:p>
+          <a:p>
+            <a:pPr>
+              <a:lnSpc>
+                <a:spcPct val="100000"/>
+              </a:lnSpc>
+              <a:spcBef>
+                <a:spcPts val="1001"/>
+              </a:spcBef>
+              <a:spcAft>
+                <a:spcPts val="1001"/>
+              </a:spcAft>
+              <a:tabLst>
+                <a:tab pos="0" algn="l"/>
+              </a:tabLst>
+            </a:pPr>
+            <a:r>
+              <a:rPr lang="pt-BR" sz="3200" spc="-1" dirty="0">
+                <a:solidFill>
+                  <a:srgbClr val="1F4E79"/>
+                </a:solidFill>
+                <a:latin typeface="Courier New" panose="02070309020205020404" pitchFamily="49" charset="0"/>
+                <a:cs typeface="Courier New" panose="02070309020205020404" pitchFamily="49" charset="0"/>
+              </a:rPr>
+              <a:t>}, []);</a:t>
+            </a:r>
+          </a:p>
+        </p:txBody>
+      </p:sp>
+    </p:spTree>
+    <p:extLst>
+      <p:ext uri="{BB962C8B-B14F-4D97-AF65-F5344CB8AC3E}">
+        <p14:creationId xmlns:p14="http://schemas.microsoft.com/office/powerpoint/2010/main" val="2731078449"/>
+      </p:ext>
+    </p:extLst>
+  </p:cSld>
+  <p:clrMapOvr>
+    <a:masterClrMapping/>
+  </p:clrMapOvr>
+</p:sld>
+</file>
+
+<file path=ppt/slides/slide48.xml><?xml version="1.0" encoding="utf-8"?>
+<p:sld xmlns:a="http://schemas.openxmlformats.org/drawingml/2006/main" xmlns:r="http://schemas.openxmlformats.org/officeDocument/2006/relationships" xmlns:p="http://schemas.openxmlformats.org/presentationml/2006/main">
+  <p:cSld>
+    <p:spTree>
+      <p:nvGrpSpPr>
+        <p:cNvPr id="1" name=""/>
+        <p:cNvGrpSpPr/>
+        <p:nvPr/>
+      </p:nvGrpSpPr>
+      <p:grpSpPr>
+        <a:xfrm>
+          <a:off x="0" y="0"/>
+          <a:ext cx="0" cy="0"/>
+          <a:chOff x="0" y="0"/>
+          <a:chExt cx="0" cy="0"/>
+        </a:xfrm>
+      </p:grpSpPr>
+      <p:sp>
+        <p:nvSpPr>
+          <p:cNvPr id="98" name="CustomShape 1"/>
+          <p:cNvSpPr/>
+          <p:nvPr/>
+        </p:nvSpPr>
+        <p:spPr>
+          <a:xfrm>
+            <a:off x="0" y="224280"/>
+            <a:ext cx="12019320" cy="854640"/>
+          </a:xfrm>
+          <a:prstGeom prst="rect">
+            <a:avLst/>
+          </a:prstGeom>
+          <a:noFill/>
+          <a:ln>
+            <a:noFill/>
+          </a:ln>
+        </p:spPr>
+        <p:style>
+          <a:lnRef idx="0">
+            <a:scrgbClr r="0" g="0" b="0"/>
+          </a:lnRef>
+          <a:fillRef idx="0">
+            <a:scrgbClr r="0" g="0" b="0"/>
+          </a:fillRef>
+          <a:effectRef idx="0">
+            <a:scrgbClr r="0" g="0" b="0"/>
+          </a:effectRef>
+          <a:fontRef idx="minor"/>
+        </p:style>
+        <p:txBody>
+          <a:bodyPr lIns="90000" tIns="45000" rIns="90000" bIns="45000" anchor="ctr">
+            <a:noAutofit/>
+          </a:bodyPr>
+          <a:lstStyle/>
+          <a:p>
+            <a:pPr algn="ctr">
+              <a:lnSpc>
+                <a:spcPct val="90000"/>
+              </a:lnSpc>
+            </a:pPr>
+            <a:r>
+              <a:rPr lang="pt-BR" sz="5400" b="0" strike="noStrike" spc="-1" dirty="0">
+                <a:solidFill>
+                  <a:srgbClr val="1F4E79"/>
+                </a:solidFill>
+                <a:latin typeface="Arial"/>
+                <a:ea typeface="DejaVu Sans"/>
+              </a:rPr>
+              <a:t>Upload de arquivos</a:t>
+            </a:r>
+            <a:endParaRPr lang="pt-BR" sz="5400" b="0" strike="noStrike" spc="-1" dirty="0">
+              <a:latin typeface="Arial"/>
+            </a:endParaRPr>
+          </a:p>
+        </p:txBody>
+      </p:sp>
+      <p:sp>
+        <p:nvSpPr>
+          <p:cNvPr id="99" name="CustomShape 2"/>
+          <p:cNvSpPr/>
+          <p:nvPr/>
+        </p:nvSpPr>
+        <p:spPr>
+          <a:xfrm>
+            <a:off x="317520" y="1290960"/>
+            <a:ext cx="11701440" cy="4347360"/>
+          </a:xfrm>
+          <a:prstGeom prst="rect">
+            <a:avLst/>
+          </a:prstGeom>
+          <a:noFill/>
+          <a:ln>
+            <a:noFill/>
+          </a:ln>
+        </p:spPr>
+        <p:style>
+          <a:lnRef idx="0">
+            <a:scrgbClr r="0" g="0" b="0"/>
+          </a:lnRef>
+          <a:fillRef idx="0">
+            <a:scrgbClr r="0" g="0" b="0"/>
+          </a:fillRef>
+          <a:effectRef idx="0">
+            <a:scrgbClr r="0" g="0" b="0"/>
+          </a:effectRef>
+          <a:fontRef idx="minor"/>
+        </p:style>
+        <p:txBody>
+          <a:bodyPr lIns="90000" tIns="45000" rIns="90000" bIns="45000">
+            <a:normAutofit/>
+          </a:bodyPr>
+          <a:lstStyle/>
+          <a:p>
+            <a:pPr algn="ctr">
+              <a:lnSpc>
+                <a:spcPct val="100000"/>
+              </a:lnSpc>
+              <a:spcBef>
+                <a:spcPts val="1001"/>
+              </a:spcBef>
+              <a:spcAft>
+                <a:spcPts val="1001"/>
+              </a:spcAft>
+              <a:tabLst>
+                <a:tab pos="0" algn="l"/>
+              </a:tabLst>
+            </a:pPr>
+            <a:r>
+              <a:rPr lang="pt-BR" sz="3200" spc="-1" dirty="0">
+                <a:solidFill>
+                  <a:srgbClr val="1F4E79"/>
+                </a:solidFill>
+              </a:rPr>
+              <a:t>O código anterior assume a existência do </a:t>
+            </a:r>
+            <a:r>
+              <a:rPr lang="pt-BR" sz="3200" spc="-1" dirty="0" err="1">
+                <a:solidFill>
+                  <a:srgbClr val="1F4E79"/>
+                </a:solidFill>
+              </a:rPr>
+              <a:t>endpoint</a:t>
+            </a:r>
+            <a:r>
+              <a:rPr lang="pt-BR" sz="3200" spc="-1" dirty="0">
+                <a:solidFill>
+                  <a:srgbClr val="1F4E79"/>
+                </a:solidFill>
+              </a:rPr>
+              <a:t> </a:t>
+            </a:r>
+            <a:r>
+              <a:rPr lang="pt-BR" sz="3200" spc="-1" dirty="0">
+                <a:solidFill>
+                  <a:srgbClr val="1F4E79"/>
+                </a:solidFill>
+                <a:latin typeface="Courier New" panose="02070309020205020404" pitchFamily="49" charset="0"/>
+                <a:cs typeface="Courier New" panose="02070309020205020404" pitchFamily="49" charset="0"/>
+              </a:rPr>
+              <a:t>/</a:t>
+            </a:r>
+            <a:r>
+              <a:rPr lang="pt-BR" sz="3200" spc="-1" dirty="0" err="1">
+                <a:solidFill>
+                  <a:srgbClr val="1F4E79"/>
+                </a:solidFill>
+                <a:latin typeface="Courier New" panose="02070309020205020404" pitchFamily="49" charset="0"/>
+                <a:cs typeface="Courier New" panose="02070309020205020404" pitchFamily="49" charset="0"/>
+              </a:rPr>
+              <a:t>api</a:t>
+            </a:r>
+            <a:r>
+              <a:rPr lang="pt-BR" sz="3200" spc="-1" dirty="0">
+                <a:solidFill>
+                  <a:srgbClr val="1F4E79"/>
+                </a:solidFill>
+                <a:latin typeface="Courier New" panose="02070309020205020404" pitchFamily="49" charset="0"/>
+                <a:cs typeface="Courier New" panose="02070309020205020404" pitchFamily="49" charset="0"/>
+              </a:rPr>
+              <a:t>/upload-</a:t>
+            </a:r>
+            <a:r>
+              <a:rPr lang="pt-BR" sz="3200" spc="-1" dirty="0" err="1">
+                <a:solidFill>
+                  <a:srgbClr val="1F4E79"/>
+                </a:solidFill>
+                <a:latin typeface="Courier New" panose="02070309020205020404" pitchFamily="49" charset="0"/>
+                <a:cs typeface="Courier New" panose="02070309020205020404" pitchFamily="49" charset="0"/>
+              </a:rPr>
+              <a:t>image</a:t>
+            </a:r>
+            <a:r>
+              <a:rPr lang="pt-BR" sz="3200" spc="-1" dirty="0">
+                <a:solidFill>
+                  <a:srgbClr val="1F4E79"/>
+                </a:solidFill>
+                <a:latin typeface="Courier New" panose="02070309020205020404" pitchFamily="49" charset="0"/>
+                <a:cs typeface="Courier New" panose="02070309020205020404" pitchFamily="49" charset="0"/>
+              </a:rPr>
+              <a:t>/item/:id</a:t>
+            </a:r>
+            <a:r>
+              <a:rPr lang="pt-BR" sz="3200" spc="-1" dirty="0">
+                <a:solidFill>
+                  <a:srgbClr val="1F4E79"/>
+                </a:solidFill>
+              </a:rPr>
+              <a:t> na API configurada no objeto:</a:t>
+            </a:r>
+          </a:p>
+          <a:p>
+            <a:pPr algn="ctr">
+              <a:lnSpc>
+                <a:spcPct val="100000"/>
+              </a:lnSpc>
+              <a:spcBef>
+                <a:spcPts val="1001"/>
+              </a:spcBef>
+              <a:spcAft>
+                <a:spcPts val="1001"/>
+              </a:spcAft>
+              <a:tabLst>
+                <a:tab pos="0" algn="l"/>
+              </a:tabLst>
+            </a:pPr>
+            <a:r>
+              <a:rPr lang="en-US" sz="3200" spc="-1" dirty="0">
+                <a:solidFill>
+                  <a:srgbClr val="1F4E79"/>
+                </a:solidFill>
+                <a:latin typeface="Courier New" panose="02070309020205020404" pitchFamily="49" charset="0"/>
+                <a:cs typeface="Courier New" panose="02070309020205020404" pitchFamily="49" charset="0"/>
+              </a:rPr>
+              <a:t>import </a:t>
+            </a:r>
+            <a:r>
+              <a:rPr lang="en-US" sz="3200" spc="-1" dirty="0" err="1">
+                <a:solidFill>
+                  <a:srgbClr val="1F4E79"/>
+                </a:solidFill>
+                <a:latin typeface="Courier New" panose="02070309020205020404" pitchFamily="49" charset="0"/>
+                <a:cs typeface="Courier New" panose="02070309020205020404" pitchFamily="49" charset="0"/>
+              </a:rPr>
+              <a:t>api</a:t>
+            </a:r>
+            <a:r>
+              <a:rPr lang="en-US" sz="3200" spc="-1" dirty="0">
+                <a:solidFill>
+                  <a:srgbClr val="1F4E79"/>
+                </a:solidFill>
+                <a:latin typeface="Courier New" panose="02070309020205020404" pitchFamily="49" charset="0"/>
+                <a:cs typeface="Courier New" panose="02070309020205020404" pitchFamily="49" charset="0"/>
+              </a:rPr>
+              <a:t> from '../../services/</a:t>
+            </a:r>
+            <a:r>
+              <a:rPr lang="en-US" sz="3200" spc="-1" dirty="0" err="1">
+                <a:solidFill>
+                  <a:srgbClr val="1F4E79"/>
+                </a:solidFill>
+                <a:latin typeface="Courier New" panose="02070309020205020404" pitchFamily="49" charset="0"/>
+                <a:cs typeface="Courier New" panose="02070309020205020404" pitchFamily="49" charset="0"/>
+              </a:rPr>
+              <a:t>api</a:t>
+            </a:r>
+            <a:r>
+              <a:rPr lang="en-US" sz="3200" spc="-1" dirty="0">
+                <a:solidFill>
+                  <a:srgbClr val="1F4E79"/>
+                </a:solidFill>
+                <a:latin typeface="Courier New" panose="02070309020205020404" pitchFamily="49" charset="0"/>
+                <a:cs typeface="Courier New" panose="02070309020205020404" pitchFamily="49" charset="0"/>
+              </a:rPr>
+              <a:t>';</a:t>
+            </a:r>
+            <a:endParaRPr lang="pt-BR" sz="3200" spc="-1" dirty="0">
+              <a:solidFill>
+                <a:srgbClr val="1F4E79"/>
+              </a:solidFill>
+              <a:latin typeface="Courier New" panose="02070309020205020404" pitchFamily="49" charset="0"/>
+              <a:cs typeface="Courier New" panose="02070309020205020404" pitchFamily="49" charset="0"/>
+            </a:endParaRPr>
+          </a:p>
+        </p:txBody>
+      </p:sp>
+    </p:spTree>
+    <p:extLst>
+      <p:ext uri="{BB962C8B-B14F-4D97-AF65-F5344CB8AC3E}">
+        <p14:creationId xmlns:p14="http://schemas.microsoft.com/office/powerpoint/2010/main" val="1319269195"/>
+      </p:ext>
+    </p:extLst>
+  </p:cSld>
+  <p:clrMapOvr>
+    <a:masterClrMapping/>
+  </p:clrMapOvr>
+</p:sld>
+</file>
+
+<file path=ppt/slides/slide49.xml><?xml version="1.0" encoding="utf-8"?>
 <p:sld xmlns:a="http://schemas.openxmlformats.org/drawingml/2006/main" xmlns:r="http://schemas.openxmlformats.org/officeDocument/2006/relationships" xmlns:p="http://schemas.openxmlformats.org/presentationml/2006/main">
   <p:cSld>
     <p:spTree>
